--- a/WURI OP2.pptx
+++ b/WURI OP2.pptx
@@ -5,33 +5,34 @@
     <p:sldMasterId id="2147483894" r:id="rId1"/>
   </p:sldMasterIdLst>
   <p:notesMasterIdLst>
-    <p:notesMasterId r:id="rId11"/>
+    <p:notesMasterId r:id="rId12"/>
   </p:notesMasterIdLst>
   <p:sldIdLst>
     <p:sldId id="256" r:id="rId2"/>
-    <p:sldId id="259" r:id="rId3"/>
-    <p:sldId id="260" r:id="rId4"/>
-    <p:sldId id="265" r:id="rId5"/>
-    <p:sldId id="261" r:id="rId6"/>
-    <p:sldId id="262" r:id="rId7"/>
-    <p:sldId id="263" r:id="rId8"/>
-    <p:sldId id="266" r:id="rId9"/>
-    <p:sldId id="264" r:id="rId10"/>
+    <p:sldId id="267" r:id="rId3"/>
+    <p:sldId id="259" r:id="rId4"/>
+    <p:sldId id="260" r:id="rId5"/>
+    <p:sldId id="265" r:id="rId6"/>
+    <p:sldId id="261" r:id="rId7"/>
+    <p:sldId id="262" r:id="rId8"/>
+    <p:sldId id="263" r:id="rId9"/>
+    <p:sldId id="266" r:id="rId10"/>
+    <p:sldId id="264" r:id="rId11"/>
   </p:sldIdLst>
   <p:sldSz cx="9144000" cy="5143500" type="screen16x9"/>
   <p:notesSz cx="6858000" cy="9144000"/>
   <p:embeddedFontLst>
     <p:embeddedFont>
       <p:font typeface="Verdana" panose="020B0604030504040204" pitchFamily="34" charset="0"/>
-      <p:regular r:id="rId12"/>
-      <p:bold r:id="rId13"/>
-      <p:italic r:id="rId14"/>
-      <p:boldItalic r:id="rId15"/>
+      <p:regular r:id="rId13"/>
+      <p:bold r:id="rId14"/>
+      <p:italic r:id="rId15"/>
+      <p:boldItalic r:id="rId16"/>
     </p:embeddedFont>
     <p:embeddedFont>
       <p:font typeface="Source Code Pro" panose="020B0604020202020204" charset="0"/>
-      <p:regular r:id="rId16"/>
-      <p:bold r:id="rId17"/>
+      <p:regular r:id="rId17"/>
+      <p:bold r:id="rId18"/>
     </p:embeddedFont>
   </p:embeddedFontLst>
   <p:defaultTextStyle>
@@ -236,6 +237,22 @@
       </a:defRPr>
     </a:lvl9pPr>
   </p:defaultTextStyle>
+  <p:extLst>
+    <p:ext uri="{EFAFB233-063F-42B5-8137-9DF3F51BA10A}">
+      <p15:sldGuideLst xmlns:p15="http://schemas.microsoft.com/office/powerpoint/2012/main">
+        <p15:guide id="1" orient="horz" pos="1620">
+          <p15:clr>
+            <a:srgbClr val="A4A3A4"/>
+          </p15:clr>
+        </p15:guide>
+        <p15:guide id="2" pos="2880">
+          <p15:clr>
+            <a:srgbClr val="A4A3A4"/>
+          </p15:clr>
+        </p15:guide>
+      </p15:sldGuideLst>
+    </p:ext>
+  </p:extLst>
 </p:presentation>
 </file>
 
@@ -595,6 +612,11 @@
         </p:txBody>
       </p:sp>
     </p:spTree>
+    <p:extLst>
+      <p:ext uri="{BB962C8B-B14F-4D97-AF65-F5344CB8AC3E}">
+        <p14:creationId xmlns:p14="http://schemas.microsoft.com/office/powerpoint/2010/main" val="1115409243"/>
+      </p:ext>
+    </p:extLst>
   </p:cSld>
   <p:clrMapOvr>
     <a:masterClrMapping/>
@@ -691,11 +713,176 @@
               </a:spcBef>
               <a:buNone/>
             </a:pPr>
-            <a:endParaRPr/>
+            <a:r>
+              <a:rPr lang="en-SG" dirty="0" smtClean="0"/>
+              <a:t>Thank</a:t>
+            </a:r>
+            <a:r>
+              <a:rPr lang="en-SG" baseline="0" dirty="0" smtClean="0"/>
+              <a:t> you </a:t>
+            </a:r>
+            <a:r>
+              <a:rPr lang="en-SG" baseline="0" dirty="0" err="1" smtClean="0"/>
+              <a:t>Riwu</a:t>
+            </a:r>
+            <a:r>
+              <a:rPr lang="en-SG" baseline="0" dirty="0" smtClean="0"/>
+              <a:t> and good afternoon everyone. I am Julian, and I will be bringing all of you through the add and edit capabilities of WURI. First off, WURI’s add feature is amazingly simple, built with the sole purpose of allowing users to add tasks with minimal effort. As showing will definitely bring more clarity than seeing, let us jump right into it! </a:t>
+            </a:r>
+          </a:p>
+          <a:p>
+            <a:pPr lvl="0">
+              <a:spcBef>
+                <a:spcPts val="0"/>
+              </a:spcBef>
+              <a:buNone/>
+            </a:pPr>
+            <a:r>
+              <a:rPr lang="en-SG" baseline="0" dirty="0" smtClean="0"/>
+              <a:t>Now, imagine that you want to read some books in your free time, at your own pace.</a:t>
+            </a:r>
+            <a:br>
+              <a:rPr lang="en-SG" baseline="0" dirty="0" smtClean="0"/>
+            </a:br>
+            <a:r>
+              <a:rPr lang="en-SG" baseline="0" dirty="0" smtClean="0"/>
+              <a:t>You can simply type “Read books” into WURI for it to be recorded down for you!</a:t>
+            </a:r>
+          </a:p>
+          <a:p>
+            <a:pPr lvl="0">
+              <a:spcBef>
+                <a:spcPts val="0"/>
+              </a:spcBef>
+              <a:buNone/>
+            </a:pPr>
+            <a:r>
+              <a:rPr lang="en-SG" baseline="0" dirty="0" smtClean="0"/>
+              <a:t>Now, lets just say that you are meeting a friend for lunch on this Saturday.</a:t>
+            </a:r>
+            <a:br>
+              <a:rPr lang="en-SG" baseline="0" dirty="0" smtClean="0"/>
+            </a:br>
+            <a:r>
+              <a:rPr lang="en-SG" baseline="0" dirty="0" smtClean="0"/>
+              <a:t>Simply type “Meet friend Saturday 12pm” to record it down into WURI.</a:t>
+            </a:r>
+          </a:p>
+          <a:p>
+            <a:pPr lvl="0">
+              <a:spcBef>
+                <a:spcPts val="0"/>
+              </a:spcBef>
+              <a:buNone/>
+            </a:pPr>
+            <a:r>
+              <a:rPr lang="en-SG" baseline="0" dirty="0" smtClean="0"/>
+              <a:t>Tada, isn’t it amazing?</a:t>
+            </a:r>
+          </a:p>
+          <a:p>
+            <a:pPr lvl="0">
+              <a:spcBef>
+                <a:spcPts val="0"/>
+              </a:spcBef>
+              <a:buNone/>
+            </a:pPr>
+            <a:r>
+              <a:rPr lang="en-SG" baseline="0" dirty="0" smtClean="0"/>
+              <a:t>Moving on, how many of us here have work due by the end of almost every week?</a:t>
+            </a:r>
+          </a:p>
+          <a:p>
+            <a:pPr lvl="0">
+              <a:spcBef>
+                <a:spcPts val="0"/>
+              </a:spcBef>
+              <a:buNone/>
+            </a:pPr>
+            <a:r>
+              <a:rPr lang="en-SG" baseline="0" dirty="0" smtClean="0"/>
+              <a:t>For me I often have work due by the midnight of Sunday. If you face a similar situation, no problem! Just type “Do work Sunday 23:59 1w” and WURI will now record this task every week on Sunday. If Sunday has passed and you want to move the deadline to the next weekend, simply type “d 1” to delete last Sunday’s task, bringing forth to the next week. I will leave </a:t>
+            </a:r>
+            <a:r>
+              <a:rPr lang="en-SG" baseline="0" dirty="0" err="1" smtClean="0"/>
+              <a:t>Ruomu</a:t>
+            </a:r>
+            <a:r>
+              <a:rPr lang="en-SG" baseline="0" dirty="0" smtClean="0"/>
+              <a:t> to discuss the rest of deletion later.</a:t>
+            </a:r>
+          </a:p>
+          <a:p>
+            <a:pPr lvl="0">
+              <a:spcBef>
+                <a:spcPts val="0"/>
+              </a:spcBef>
+              <a:buNone/>
+            </a:pPr>
+            <a:endParaRPr lang="en-SG" baseline="0" dirty="0" smtClean="0"/>
+          </a:p>
+          <a:p>
+            <a:pPr lvl="0">
+              <a:spcBef>
+                <a:spcPts val="0"/>
+              </a:spcBef>
+              <a:buNone/>
+            </a:pPr>
+            <a:r>
+              <a:rPr lang="en-SG" baseline="0" dirty="0" smtClean="0"/>
+              <a:t>Now imagine if your meeting with your friend got rescheduled to Thursday instead. Simply type “e 1 </a:t>
+            </a:r>
+            <a:r>
+              <a:rPr lang="en-SG" baseline="0" dirty="0" err="1" smtClean="0"/>
+              <a:t>thurs</a:t>
+            </a:r>
+            <a:r>
+              <a:rPr lang="en-SG" baseline="0" dirty="0" smtClean="0"/>
+              <a:t>” and the date will be edited accordingly.</a:t>
+            </a:r>
+            <a:br>
+              <a:rPr lang="en-SG" baseline="0" dirty="0" smtClean="0"/>
+            </a:br>
+            <a:r>
+              <a:rPr lang="en-SG" baseline="0" dirty="0" smtClean="0"/>
+              <a:t>Now what if your friend suddenly says that he can only make it for dinner as it is a weekday? Fret not! Type “e 1 7pm” and the new time will be reflected in WURI.</a:t>
+            </a:r>
+          </a:p>
+          <a:p>
+            <a:pPr lvl="0">
+              <a:spcBef>
+                <a:spcPts val="0"/>
+              </a:spcBef>
+              <a:buNone/>
+            </a:pPr>
+            <a:r>
+              <a:rPr lang="en-SG" baseline="0" dirty="0" smtClean="0"/>
+              <a:t>Lastly, imagine that your workload has increased and that you now have work due every 3 days! We totally understand that at this point, you do not have the time to fiddle around with fanciful commands, so we’ve kept it short and sweet. Simply type “e 2 3d” for your deadlines to now be set every 3 days!</a:t>
+            </a:r>
+            <a:br>
+              <a:rPr lang="en-SG" baseline="0" dirty="0" smtClean="0"/>
+            </a:br>
+            <a:r>
+              <a:rPr lang="en-SG" baseline="0" dirty="0" smtClean="0"/>
+              <a:t>I will now be passing the time over to </a:t>
+            </a:r>
+            <a:r>
+              <a:rPr lang="en-SG" baseline="0" dirty="0" err="1" smtClean="0"/>
+              <a:t>Ruomu</a:t>
+            </a:r>
+            <a:r>
+              <a:rPr lang="en-SG" baseline="0" dirty="0" smtClean="0"/>
+              <a:t> to talk about the rest of WURI’s capabilities.</a:t>
+            </a:r>
           </a:p>
         </p:txBody>
       </p:sp>
     </p:spTree>
+    <p:extLst>
+      <p:ext uri="{BB962C8B-B14F-4D97-AF65-F5344CB8AC3E}">
+        <p14:creationId xmlns:p14="http://schemas.microsoft.com/office/powerpoint/2010/main" val="4004960693"/>
+      </p:ext>
+    </p:extLst>
   </p:cSld>
   <p:clrMapOvr>
     <a:masterClrMapping/>
@@ -708,7 +895,7 @@
   <p:cSld>
     <p:spTree>
       <p:nvGrpSpPr>
-        <p:cNvPr id="1" name="Shape 75"/>
+        <p:cNvPr id="1" name="Shape 68"/>
         <p:cNvGrpSpPr/>
         <p:nvPr/>
       </p:nvGrpSpPr>
@@ -722,7 +909,7 @@
       </p:grpSpPr>
       <p:sp>
         <p:nvSpPr>
-          <p:cNvPr id="76" name="Shape 76"/>
+          <p:cNvPr id="69" name="Shape 69"/>
           <p:cNvSpPr>
             <a:spLocks noGrp="1" noRot="1" noChangeAspect="1"/>
           </p:cNvSpPr>
@@ -763,7 +950,7 @@
       </p:sp>
       <p:sp>
         <p:nvSpPr>
-          <p:cNvPr id="77" name="Shape 77"/>
+          <p:cNvPr id="70" name="Shape 70"/>
           <p:cNvSpPr txBox="1">
             <a:spLocks noGrp="1"/>
           </p:cNvSpPr>
@@ -792,11 +979,16 @@
               </a:spcBef>
               <a:buNone/>
             </a:pPr>
-            <a:endParaRPr/>
+            <a:endParaRPr dirty="0"/>
           </a:p>
         </p:txBody>
       </p:sp>
     </p:spTree>
+    <p:extLst>
+      <p:ext uri="{BB962C8B-B14F-4D97-AF65-F5344CB8AC3E}">
+        <p14:creationId xmlns:p14="http://schemas.microsoft.com/office/powerpoint/2010/main" val="2130086438"/>
+      </p:ext>
+    </p:extLst>
   </p:cSld>
   <p:clrMapOvr>
     <a:masterClrMapping/>
@@ -809,7 +1001,7 @@
   <p:cSld>
     <p:spTree>
       <p:nvGrpSpPr>
-        <p:cNvPr id="1" name="Shape 86"/>
+        <p:cNvPr id="1" name="Shape 75"/>
         <p:cNvGrpSpPr/>
         <p:nvPr/>
       </p:nvGrpSpPr>
@@ -823,7 +1015,7 @@
       </p:grpSpPr>
       <p:sp>
         <p:nvSpPr>
-          <p:cNvPr id="87" name="Shape 87"/>
+          <p:cNvPr id="76" name="Shape 76"/>
           <p:cNvSpPr>
             <a:spLocks noGrp="1" noRot="1" noChangeAspect="1"/>
           </p:cNvSpPr>
@@ -864,7 +1056,7 @@
       </p:sp>
       <p:sp>
         <p:nvSpPr>
-          <p:cNvPr id="88" name="Shape 88"/>
+          <p:cNvPr id="77" name="Shape 77"/>
           <p:cNvSpPr txBox="1">
             <a:spLocks noGrp="1"/>
           </p:cNvSpPr>
@@ -893,11 +1085,16 @@
               </a:spcBef>
               <a:buNone/>
             </a:pPr>
-            <a:endParaRPr/>
+            <a:endParaRPr dirty="0"/>
           </a:p>
         </p:txBody>
       </p:sp>
     </p:spTree>
+    <p:extLst>
+      <p:ext uri="{BB962C8B-B14F-4D97-AF65-F5344CB8AC3E}">
+        <p14:creationId xmlns:p14="http://schemas.microsoft.com/office/powerpoint/2010/main" val="1888858988"/>
+      </p:ext>
+    </p:extLst>
   </p:cSld>
   <p:clrMapOvr>
     <a:masterClrMapping/>
@@ -910,7 +1107,7 @@
   <p:cSld>
     <p:spTree>
       <p:nvGrpSpPr>
-        <p:cNvPr id="1" name="Shape 95"/>
+        <p:cNvPr id="1" name="Shape 86"/>
         <p:cNvGrpSpPr/>
         <p:nvPr/>
       </p:nvGrpSpPr>
@@ -924,7 +1121,7 @@
       </p:grpSpPr>
       <p:sp>
         <p:nvSpPr>
-          <p:cNvPr id="96" name="Shape 96"/>
+          <p:cNvPr id="87" name="Shape 87"/>
           <p:cNvSpPr>
             <a:spLocks noGrp="1" noRot="1" noChangeAspect="1"/>
           </p:cNvSpPr>
@@ -965,7 +1162,7 @@
       </p:sp>
       <p:sp>
         <p:nvSpPr>
-          <p:cNvPr id="97" name="Shape 97"/>
+          <p:cNvPr id="88" name="Shape 88"/>
           <p:cNvSpPr txBox="1">
             <a:spLocks noGrp="1"/>
           </p:cNvSpPr>
@@ -999,6 +1196,11 @@
         </p:txBody>
       </p:sp>
     </p:spTree>
+    <p:extLst>
+      <p:ext uri="{BB962C8B-B14F-4D97-AF65-F5344CB8AC3E}">
+        <p14:creationId xmlns:p14="http://schemas.microsoft.com/office/powerpoint/2010/main" val="1812763220"/>
+      </p:ext>
+    </p:extLst>
   </p:cSld>
   <p:clrMapOvr>
     <a:masterClrMapping/>
@@ -1011,7 +1213,7 @@
   <p:cSld>
     <p:spTree>
       <p:nvGrpSpPr>
-        <p:cNvPr id="1" name="Shape 108"/>
+        <p:cNvPr id="1" name="Shape 95"/>
         <p:cNvGrpSpPr/>
         <p:nvPr/>
       </p:nvGrpSpPr>
@@ -1025,7 +1227,7 @@
       </p:grpSpPr>
       <p:sp>
         <p:nvSpPr>
-          <p:cNvPr id="109" name="Shape 109"/>
+          <p:cNvPr id="96" name="Shape 96"/>
           <p:cNvSpPr>
             <a:spLocks noGrp="1" noRot="1" noChangeAspect="1"/>
           </p:cNvSpPr>
@@ -1066,7 +1268,7 @@
       </p:sp>
       <p:sp>
         <p:nvSpPr>
-          <p:cNvPr id="110" name="Shape 110"/>
+          <p:cNvPr id="97" name="Shape 97"/>
           <p:cNvSpPr txBox="1">
             <a:spLocks noGrp="1"/>
           </p:cNvSpPr>
@@ -1100,6 +1302,11 @@
         </p:txBody>
       </p:sp>
     </p:spTree>
+    <p:extLst>
+      <p:ext uri="{BB962C8B-B14F-4D97-AF65-F5344CB8AC3E}">
+        <p14:creationId xmlns:p14="http://schemas.microsoft.com/office/powerpoint/2010/main" val="1799691028"/>
+      </p:ext>
+    </p:extLst>
   </p:cSld>
   <p:clrMapOvr>
     <a:masterClrMapping/>
@@ -1201,6 +1408,11 @@
         </p:txBody>
       </p:sp>
     </p:spTree>
+    <p:extLst>
+      <p:ext uri="{BB962C8B-B14F-4D97-AF65-F5344CB8AC3E}">
+        <p14:creationId xmlns:p14="http://schemas.microsoft.com/office/powerpoint/2010/main" val="1692111521"/>
+      </p:ext>
+    </p:extLst>
   </p:cSld>
   <p:clrMapOvr>
     <a:masterClrMapping/>
@@ -1213,7 +1425,7 @@
   <p:cSld>
     <p:spTree>
       <p:nvGrpSpPr>
-        <p:cNvPr id="1" name="Shape 115"/>
+        <p:cNvPr id="1" name="Shape 108"/>
         <p:cNvGrpSpPr/>
         <p:nvPr/>
       </p:nvGrpSpPr>
@@ -1227,7 +1439,7 @@
       </p:grpSpPr>
       <p:sp>
         <p:nvSpPr>
-          <p:cNvPr id="116" name="Shape 116"/>
+          <p:cNvPr id="109" name="Shape 109"/>
           <p:cNvSpPr>
             <a:spLocks noGrp="1" noRot="1" noChangeAspect="1"/>
           </p:cNvSpPr>
@@ -1268,6 +1480,112 @@
       </p:sp>
       <p:sp>
         <p:nvSpPr>
+          <p:cNvPr id="110" name="Shape 110"/>
+          <p:cNvSpPr txBox="1">
+            <a:spLocks noGrp="1"/>
+          </p:cNvSpPr>
+          <p:nvPr>
+            <p:ph type="body" idx="1"/>
+          </p:nvPr>
+        </p:nvSpPr>
+        <p:spPr>
+          <a:xfrm>
+            <a:off x="685800" y="4343400"/>
+            <a:ext cx="5486400" cy="4114800"/>
+          </a:xfrm>
+          <a:prstGeom prst="rect">
+            <a:avLst/>
+          </a:prstGeom>
+        </p:spPr>
+        <p:txBody>
+          <a:bodyPr lIns="91425" tIns="91425" rIns="91425" bIns="91425" anchor="t" anchorCtr="0">
+            <a:noAutofit/>
+          </a:bodyPr>
+          <a:lstStyle/>
+          <a:p>
+            <a:pPr lvl="0">
+              <a:spcBef>
+                <a:spcPts val="0"/>
+              </a:spcBef>
+              <a:buNone/>
+            </a:pPr>
+            <a:endParaRPr/>
+          </a:p>
+        </p:txBody>
+      </p:sp>
+    </p:spTree>
+    <p:extLst>
+      <p:ext uri="{BB962C8B-B14F-4D97-AF65-F5344CB8AC3E}">
+        <p14:creationId xmlns:p14="http://schemas.microsoft.com/office/powerpoint/2010/main" val="4284199866"/>
+      </p:ext>
+    </p:extLst>
+  </p:cSld>
+  <p:clrMapOvr>
+    <a:masterClrMapping/>
+  </p:clrMapOvr>
+</p:notes>
+</file>
+
+<file path=ppt/notesSlides/notesSlide9.xml><?xml version="1.0" encoding="utf-8"?>
+<p:notes xmlns:a="http://schemas.openxmlformats.org/drawingml/2006/main" xmlns:r="http://schemas.openxmlformats.org/officeDocument/2006/relationships" xmlns:p="http://schemas.openxmlformats.org/presentationml/2006/main" showMasterSp="0" showMasterPhAnim="0">
+  <p:cSld>
+    <p:spTree>
+      <p:nvGrpSpPr>
+        <p:cNvPr id="1" name="Shape 115"/>
+        <p:cNvGrpSpPr/>
+        <p:nvPr/>
+      </p:nvGrpSpPr>
+      <p:grpSpPr>
+        <a:xfrm>
+          <a:off x="0" y="0"/>
+          <a:ext cx="0" cy="0"/>
+          <a:chOff x="0" y="0"/>
+          <a:chExt cx="0" cy="0"/>
+        </a:xfrm>
+      </p:grpSpPr>
+      <p:sp>
+        <p:nvSpPr>
+          <p:cNvPr id="116" name="Shape 116"/>
+          <p:cNvSpPr>
+            <a:spLocks noGrp="1" noRot="1" noChangeAspect="1"/>
+          </p:cNvSpPr>
+          <p:nvPr>
+            <p:ph type="sldImg" idx="2"/>
+          </p:nvPr>
+        </p:nvSpPr>
+        <p:spPr>
+          <a:xfrm>
+            <a:off x="381000" y="685800"/>
+            <a:ext cx="6096000" cy="3429000"/>
+          </a:xfrm>
+          <a:custGeom>
+            <a:avLst/>
+            <a:gdLst/>
+            <a:ahLst/>
+            <a:cxnLst/>
+            <a:rect l="0" t="0" r="0" b="0"/>
+            <a:pathLst>
+              <a:path w="120000" h="120000" extrusionOk="0">
+                <a:moveTo>
+                  <a:pt x="0" y="0"/>
+                </a:moveTo>
+                <a:lnTo>
+                  <a:pt x="120000" y="0"/>
+                </a:lnTo>
+                <a:lnTo>
+                  <a:pt x="120000" y="120000"/>
+                </a:lnTo>
+                <a:lnTo>
+                  <a:pt x="0" y="120000"/>
+                </a:lnTo>
+                <a:close/>
+              </a:path>
+            </a:pathLst>
+          </a:custGeom>
+        </p:spPr>
+      </p:sp>
+      <p:sp>
+        <p:nvSpPr>
           <p:cNvPr id="117" name="Shape 117"/>
           <p:cNvSpPr txBox="1">
             <a:spLocks noGrp="1"/>
@@ -1302,6 +1620,11 @@
         </p:txBody>
       </p:sp>
     </p:spTree>
+    <p:extLst>
+      <p:ext uri="{BB962C8B-B14F-4D97-AF65-F5344CB8AC3E}">
+        <p14:creationId xmlns:p14="http://schemas.microsoft.com/office/powerpoint/2010/main" val="1437425740"/>
+      </p:ext>
+    </p:extLst>
   </p:cSld>
   <p:clrMapOvr>
     <a:masterClrMapping/>
@@ -5151,6 +5474,111 @@
 </p:sld>
 </file>
 
+<file path=ppt/slides/slide10.xml><?xml version="1.0" encoding="utf-8"?>
+<p:sld xmlns:a="http://schemas.openxmlformats.org/drawingml/2006/main" xmlns:r="http://schemas.openxmlformats.org/officeDocument/2006/relationships" xmlns:p="http://schemas.openxmlformats.org/presentationml/2006/main">
+  <p:cSld>
+    <p:spTree>
+      <p:nvGrpSpPr>
+        <p:cNvPr id="1" name="Shape 118"/>
+        <p:cNvGrpSpPr/>
+        <p:nvPr/>
+      </p:nvGrpSpPr>
+      <p:grpSpPr>
+        <a:xfrm>
+          <a:off x="0" y="0"/>
+          <a:ext cx="0" cy="0"/>
+          <a:chOff x="0" y="0"/>
+          <a:chExt cx="0" cy="0"/>
+        </a:xfrm>
+      </p:grpSpPr>
+      <p:sp>
+        <p:nvSpPr>
+          <p:cNvPr id="119" name="Shape 119"/>
+          <p:cNvSpPr txBox="1">
+            <a:spLocks noGrp="1"/>
+          </p:cNvSpPr>
+          <p:nvPr>
+            <p:ph type="title"/>
+          </p:nvPr>
+        </p:nvSpPr>
+        <p:spPr>
+          <a:prstGeom prst="rect">
+            <a:avLst/>
+          </a:prstGeom>
+        </p:spPr>
+        <p:txBody>
+          <a:bodyPr lIns="91425" tIns="91425" rIns="91425" bIns="91425" anchor="t" anchorCtr="0">
+            <a:noAutofit/>
+          </a:bodyPr>
+          <a:lstStyle/>
+          <a:p>
+            <a:pPr lvl="0">
+              <a:spcBef>
+                <a:spcPts val="0"/>
+              </a:spcBef>
+              <a:buNone/>
+            </a:pPr>
+            <a:r>
+              <a:rPr lang="en" b="0">
+                <a:latin typeface="Verdana"/>
+                <a:ea typeface="Verdana"/>
+                <a:cs typeface="Verdana"/>
+                <a:sym typeface="Verdana"/>
+              </a:rPr>
+              <a:t>Questions?</a:t>
+            </a:r>
+          </a:p>
+        </p:txBody>
+      </p:sp>
+      <p:sp>
+        <p:nvSpPr>
+          <p:cNvPr id="120" name="Shape 120"/>
+          <p:cNvSpPr txBox="1">
+            <a:spLocks noGrp="1"/>
+          </p:cNvSpPr>
+          <p:nvPr>
+            <p:ph type="body" idx="1"/>
+          </p:nvPr>
+        </p:nvSpPr>
+        <p:spPr>
+          <a:prstGeom prst="rect">
+            <a:avLst/>
+          </a:prstGeom>
+        </p:spPr>
+        <p:txBody>
+          <a:bodyPr lIns="91425" tIns="91425" rIns="91425" bIns="91425" anchor="t" anchorCtr="0">
+            <a:noAutofit/>
+          </a:bodyPr>
+          <a:lstStyle/>
+          <a:p>
+            <a:pPr lvl="0" rtl="0">
+              <a:spcBef>
+                <a:spcPts val="0"/>
+              </a:spcBef>
+              <a:buNone/>
+            </a:pPr>
+            <a:endParaRPr/>
+          </a:p>
+        </p:txBody>
+      </p:sp>
+    </p:spTree>
+  </p:cSld>
+  <p:clrMapOvr>
+    <a:masterClrMapping/>
+  </p:clrMapOvr>
+  <p:transition spd="slow">
+    <p:cut/>
+  </p:transition>
+  <p:timing>
+    <p:tnLst>
+      <p:par>
+        <p:cTn id="1" dur="indefinite" restart="never" nodeType="tmRoot"/>
+      </p:par>
+    </p:tnLst>
+  </p:timing>
+</p:sld>
+</file>
+
 <file path=ppt/slides/slide2.xml><?xml version="1.0" encoding="utf-8"?>
 <p:sld xmlns:a="http://schemas.openxmlformats.org/drawingml/2006/main" xmlns:r="http://schemas.openxmlformats.org/officeDocument/2006/relationships" xmlns:p="http://schemas.openxmlformats.org/presentationml/2006/main">
   <p:cSld>
@@ -5196,14 +5624,20 @@
               <a:buNone/>
             </a:pPr>
             <a:r>
-              <a:rPr lang="en" b="0" dirty="0">
+              <a:rPr lang="en" b="0" dirty="0" smtClean="0">
                 <a:latin typeface="Verdana"/>
                 <a:ea typeface="Verdana"/>
                 <a:cs typeface="Verdana"/>
                 <a:sym typeface="Verdana"/>
               </a:rPr>
-              <a:t>Storage	</a:t>
-            </a:r>
+              <a:t>Adding and Editing</a:t>
+            </a:r>
+            <a:endParaRPr lang="en" b="0" dirty="0">
+              <a:latin typeface="Verdana"/>
+              <a:ea typeface="Verdana"/>
+              <a:cs typeface="Verdana"/>
+              <a:sym typeface="Verdana"/>
+            </a:endParaRPr>
           </a:p>
         </p:txBody>
       </p:sp>
@@ -5234,12 +5668,12 @@
               </a:spcBef>
             </a:pPr>
             <a:r>
-              <a:rPr lang="en" dirty="0">
+              <a:rPr lang="en" dirty="0" smtClean="0">
                 <a:latin typeface="Verdana" panose="020B0604030504040204" pitchFamily="34" charset="0"/>
                 <a:ea typeface="Verdana" panose="020B0604030504040204" pitchFamily="34" charset="0"/>
                 <a:cs typeface="Verdana" panose="020B0604030504040204" pitchFamily="34" charset="0"/>
               </a:rPr>
-              <a:t>Extensible Markup Language (XML)</a:t>
+              <a:t>Simple</a:t>
             </a:r>
           </a:p>
           <a:p>
@@ -5249,59 +5683,27 @@
               </a:spcBef>
             </a:pPr>
             <a:r>
-              <a:rPr lang="en" dirty="0">
+              <a:rPr lang="en" dirty="0" smtClean="0">
                 <a:latin typeface="Verdana" panose="020B0604030504040204" pitchFamily="34" charset="0"/>
                 <a:ea typeface="Verdana" panose="020B0604030504040204" pitchFamily="34" charset="0"/>
                 <a:cs typeface="Verdana" panose="020B0604030504040204" pitchFamily="34" charset="0"/>
               </a:rPr>
-              <a:t>Simple structure</a:t>
-            </a:r>
-          </a:p>
-          <a:p>
-            <a:pPr marL="457200" lvl="0" indent="-228600">
-              <a:spcBef>
-                <a:spcPts val="0"/>
-              </a:spcBef>
-            </a:pPr>
-            <a:r>
-              <a:rPr lang="en" dirty="0">
-                <a:latin typeface="Verdana" panose="020B0604030504040204" pitchFamily="34" charset="0"/>
-                <a:ea typeface="Verdana" panose="020B0604030504040204" pitchFamily="34" charset="0"/>
-                <a:cs typeface="Verdana" panose="020B0604030504040204" pitchFamily="34" charset="0"/>
-              </a:rPr>
-              <a:t>Easy to edit</a:t>
-            </a:r>
-          </a:p>
-        </p:txBody>
-      </p:sp>
-      <p:pic>
-        <p:nvPicPr>
-          <p:cNvPr id="74" name="Shape 74"/>
-          <p:cNvPicPr preferRelativeResize="0"/>
-          <p:nvPr/>
-        </p:nvPicPr>
-        <p:blipFill rotWithShape="1">
-          <a:blip r:embed="rId3">
-            <a:alphaModFix/>
-          </a:blip>
-          <a:srcRect l="41270" t="36568" r="30713" b="34822"/>
-          <a:stretch/>
-        </p:blipFill>
-        <p:spPr>
-          <a:xfrm>
-            <a:off x="3993075" y="1995812"/>
-            <a:ext cx="4657699" cy="2675424"/>
-          </a:xfrm>
-          <a:prstGeom prst="rect">
-            <a:avLst/>
-          </a:prstGeom>
-          <a:noFill/>
-          <a:ln>
-            <a:noFill/>
-          </a:ln>
-        </p:spPr>
-      </p:pic>
+              <a:t>Minimal effort</a:t>
+            </a:r>
+            <a:endParaRPr lang="en" dirty="0">
+              <a:latin typeface="Verdana" panose="020B0604030504040204" pitchFamily="34" charset="0"/>
+              <a:ea typeface="Verdana" panose="020B0604030504040204" pitchFamily="34" charset="0"/>
+              <a:cs typeface="Verdana" panose="020B0604030504040204" pitchFamily="34" charset="0"/>
+            </a:endParaRPr>
+          </a:p>
+        </p:txBody>
+      </p:sp>
     </p:spTree>
+    <p:extLst>
+      <p:ext uri="{BB962C8B-B14F-4D97-AF65-F5344CB8AC3E}">
+        <p14:creationId xmlns:p14="http://schemas.microsoft.com/office/powerpoint/2010/main" val="1476971637"/>
+      </p:ext>
+    </p:extLst>
   </p:cSld>
   <p:clrMapOvr>
     <a:masterClrMapping/>
@@ -5324,7 +5726,7 @@
   <p:cSld>
     <p:spTree>
       <p:nvGrpSpPr>
-        <p:cNvPr id="1" name="Shape 78"/>
+        <p:cNvPr id="1" name="Shape 71"/>
         <p:cNvGrpSpPr/>
         <p:nvPr/>
       </p:nvGrpSpPr>
@@ -5338,50 +5740,7 @@
       </p:grpSpPr>
       <p:sp>
         <p:nvSpPr>
-          <p:cNvPr id="79" name="Shape 79"/>
-          <p:cNvSpPr/>
-          <p:nvPr/>
-        </p:nvSpPr>
-        <p:spPr>
-          <a:xfrm>
-            <a:off x="2147024" y="976550"/>
-            <a:ext cx="4053240" cy="1819260"/>
-          </a:xfrm>
-          <a:prstGeom prst="cloud">
-            <a:avLst/>
-          </a:prstGeom>
-          <a:solidFill>
-            <a:schemeClr val="lt1"/>
-          </a:solidFill>
-          <a:ln w="38100" cap="flat" cmpd="sng">
-            <a:solidFill>
-              <a:srgbClr val="C9DAF8"/>
-            </a:solidFill>
-            <a:prstDash val="solid"/>
-            <a:round/>
-            <a:headEnd type="none" w="med" len="med"/>
-            <a:tailEnd type="none" w="med" len="med"/>
-          </a:ln>
-        </p:spPr>
-        <p:txBody>
-          <a:bodyPr lIns="91425" tIns="91425" rIns="91425" bIns="91425" anchor="ctr" anchorCtr="0">
-            <a:noAutofit/>
-          </a:bodyPr>
-          <a:lstStyle/>
-          <a:p>
-            <a:pPr lvl="0">
-              <a:spcBef>
-                <a:spcPts val="0"/>
-              </a:spcBef>
-              <a:buNone/>
-            </a:pPr>
-            <a:endParaRPr/>
-          </a:p>
-        </p:txBody>
-      </p:sp>
-      <p:sp>
-        <p:nvSpPr>
-          <p:cNvPr id="80" name="Shape 80"/>
+          <p:cNvPr id="72" name="Shape 72"/>
           <p:cNvSpPr txBox="1">
             <a:spLocks noGrp="1"/>
           </p:cNvSpPr>
@@ -5407,199 +5766,101 @@
               <a:buNone/>
             </a:pPr>
             <a:r>
-              <a:rPr lang="en" b="0">
+              <a:rPr lang="en" b="0" dirty="0">
                 <a:latin typeface="Verdana"/>
                 <a:ea typeface="Verdana"/>
                 <a:cs typeface="Verdana"/>
                 <a:sym typeface="Verdana"/>
               </a:rPr>
-              <a:t>Storage</a:t>
+              <a:t>Storage	</a:t>
+            </a:r>
+          </a:p>
+        </p:txBody>
+      </p:sp>
+      <p:sp>
+        <p:nvSpPr>
+          <p:cNvPr id="73" name="Shape 73"/>
+          <p:cNvSpPr txBox="1">
+            <a:spLocks noGrp="1"/>
+          </p:cNvSpPr>
+          <p:nvPr>
+            <p:ph type="body" idx="1"/>
+          </p:nvPr>
+        </p:nvSpPr>
+        <p:spPr>
+          <a:prstGeom prst="rect">
+            <a:avLst/>
+          </a:prstGeom>
+        </p:spPr>
+        <p:txBody>
+          <a:bodyPr lIns="91425" tIns="91425" rIns="91425" bIns="91425" anchor="t" anchorCtr="0">
+            <a:noAutofit/>
+          </a:bodyPr>
+          <a:lstStyle/>
+          <a:p>
+            <a:pPr marL="457200" lvl="0" indent="-228600" rtl="0">
+              <a:spcBef>
+                <a:spcPts val="0"/>
+              </a:spcBef>
+            </a:pPr>
+            <a:r>
+              <a:rPr lang="en" dirty="0">
+                <a:latin typeface="Verdana" panose="020B0604030504040204" pitchFamily="34" charset="0"/>
+                <a:ea typeface="Verdana" panose="020B0604030504040204" pitchFamily="34" charset="0"/>
+                <a:cs typeface="Verdana" panose="020B0604030504040204" pitchFamily="34" charset="0"/>
+              </a:rPr>
+              <a:t>Extensible Markup Language (XML)</a:t>
+            </a:r>
+          </a:p>
+          <a:p>
+            <a:pPr marL="457200" lvl="0" indent="-228600" rtl="0">
+              <a:spcBef>
+                <a:spcPts val="0"/>
+              </a:spcBef>
+            </a:pPr>
+            <a:r>
+              <a:rPr lang="en" dirty="0">
+                <a:latin typeface="Verdana" panose="020B0604030504040204" pitchFamily="34" charset="0"/>
+                <a:ea typeface="Verdana" panose="020B0604030504040204" pitchFamily="34" charset="0"/>
+                <a:cs typeface="Verdana" panose="020B0604030504040204" pitchFamily="34" charset="0"/>
+              </a:rPr>
+              <a:t>Simple structure</a:t>
+            </a:r>
+          </a:p>
+          <a:p>
+            <a:pPr marL="457200" lvl="0" indent="-228600">
+              <a:spcBef>
+                <a:spcPts val="0"/>
+              </a:spcBef>
+            </a:pPr>
+            <a:r>
+              <a:rPr lang="en" dirty="0">
+                <a:latin typeface="Verdana" panose="020B0604030504040204" pitchFamily="34" charset="0"/>
+                <a:ea typeface="Verdana" panose="020B0604030504040204" pitchFamily="34" charset="0"/>
+                <a:cs typeface="Verdana" panose="020B0604030504040204" pitchFamily="34" charset="0"/>
+              </a:rPr>
+              <a:t>Easy to edit</a:t>
             </a:r>
           </a:p>
         </p:txBody>
       </p:sp>
       <p:pic>
         <p:nvPicPr>
-          <p:cNvPr id="81" name="Shape 81"/>
+          <p:cNvPr id="74" name="Shape 74"/>
           <p:cNvPicPr preferRelativeResize="0"/>
           <p:nvPr/>
         </p:nvPicPr>
-        <p:blipFill>
+        <p:blipFill rotWithShape="1">
           <a:blip r:embed="rId3">
-            <a:alphaModFix amt="57000"/>
-          </a:blip>
-          <a:stretch>
-            <a:fillRect/>
-          </a:stretch>
-        </p:blipFill>
-        <p:spPr>
-          <a:xfrm>
-            <a:off x="3492625" y="1155737"/>
-            <a:ext cx="1460874" cy="1460874"/>
-          </a:xfrm>
-          <a:prstGeom prst="rect">
-            <a:avLst/>
-          </a:prstGeom>
-          <a:noFill/>
-          <a:ln>
-            <a:noFill/>
-          </a:ln>
-        </p:spPr>
-      </p:pic>
-      <p:pic>
-        <p:nvPicPr>
-          <p:cNvPr id="82" name="Shape 82"/>
-          <p:cNvPicPr preferRelativeResize="0"/>
-          <p:nvPr/>
-        </p:nvPicPr>
-        <p:blipFill>
-          <a:blip r:embed="rId4">
             <a:alphaModFix/>
           </a:blip>
-          <a:stretch>
-            <a:fillRect/>
-          </a:stretch>
+          <a:srcRect l="41270" t="36568" r="30713" b="34822"/>
+          <a:stretch/>
         </p:blipFill>
         <p:spPr>
           <a:xfrm>
-            <a:off x="1043150" y="3363300"/>
-            <a:ext cx="2359575" cy="2359575"/>
-          </a:xfrm>
-          <a:prstGeom prst="rect">
-            <a:avLst/>
-          </a:prstGeom>
-          <a:noFill/>
-          <a:ln>
-            <a:noFill/>
-          </a:ln>
-        </p:spPr>
-      </p:pic>
-      <p:pic>
-        <p:nvPicPr>
-          <p:cNvPr id="83" name="Shape 83"/>
-          <p:cNvPicPr preferRelativeResize="0"/>
-          <p:nvPr/>
-        </p:nvPicPr>
-        <p:blipFill>
-          <a:blip r:embed="rId5">
-            <a:alphaModFix/>
-          </a:blip>
-          <a:stretch>
-            <a:fillRect/>
-          </a:stretch>
-        </p:blipFill>
-        <p:spPr>
-          <a:xfrm>
-            <a:off x="5378650" y="3115825"/>
-            <a:ext cx="2109975" cy="2109975"/>
-          </a:xfrm>
-          <a:prstGeom prst="rect">
-            <a:avLst/>
-          </a:prstGeom>
-          <a:noFill/>
-          <a:ln>
-            <a:noFill/>
-          </a:ln>
-        </p:spPr>
-      </p:pic>
-      <p:cxnSp>
-        <p:nvCxnSpPr>
-          <p:cNvPr id="84" name="Shape 84"/>
-          <p:cNvCxnSpPr/>
-          <p:nvPr/>
-        </p:nvCxnSpPr>
-        <p:spPr>
-          <a:xfrm flipV="1">
-            <a:off x="2843808" y="2653975"/>
-            <a:ext cx="677167" cy="709325"/>
-          </a:xfrm>
-          <a:prstGeom prst="straightConnector1">
-            <a:avLst/>
-          </a:prstGeom>
-          <a:noFill/>
-          <a:ln w="38100" cap="flat" cmpd="sng">
-            <a:solidFill>
-              <a:srgbClr val="9FC5E8"/>
-            </a:solidFill>
-            <a:prstDash val="solid"/>
-            <a:round/>
-            <a:headEnd type="none" w="lg" len="lg"/>
-            <a:tailEnd type="none" w="lg" len="lg"/>
-          </a:ln>
-        </p:spPr>
-      </p:cxnSp>
-      <p:cxnSp>
-        <p:nvCxnSpPr>
-          <p:cNvPr id="85" name="Shape 85"/>
-          <p:cNvCxnSpPr/>
-          <p:nvPr/>
-        </p:nvCxnSpPr>
-        <p:spPr>
-          <a:xfrm flipH="1" flipV="1">
-            <a:off x="5197450" y="2530500"/>
-            <a:ext cx="1174750" cy="905346"/>
-          </a:xfrm>
-          <a:prstGeom prst="straightConnector1">
-            <a:avLst/>
-          </a:prstGeom>
-          <a:noFill/>
-          <a:ln w="38100" cap="flat" cmpd="sng">
-            <a:solidFill>
-              <a:srgbClr val="9FC5E8"/>
-            </a:solidFill>
-            <a:prstDash val="solid"/>
-            <a:round/>
-            <a:headEnd type="none" w="lg" len="lg"/>
-            <a:tailEnd type="none" w="lg" len="lg"/>
-          </a:ln>
-        </p:spPr>
-      </p:cxnSp>
-      <p:pic>
-        <p:nvPicPr>
-          <p:cNvPr id="9" name="Shape 56"/>
-          <p:cNvPicPr preferRelativeResize="0"/>
-          <p:nvPr/>
-        </p:nvPicPr>
-        <p:blipFill>
-          <a:blip r:embed="rId6">
-            <a:alphaModFix/>
-          </a:blip>
-          <a:stretch>
-            <a:fillRect/>
-          </a:stretch>
-        </p:blipFill>
-        <p:spPr>
-          <a:xfrm>
-            <a:off x="1527203" y="3723878"/>
-            <a:ext cx="1391467" cy="602037"/>
-          </a:xfrm>
-          <a:prstGeom prst="rect">
-            <a:avLst/>
-          </a:prstGeom>
-          <a:noFill/>
-          <a:ln>
-            <a:noFill/>
-          </a:ln>
-        </p:spPr>
-      </p:pic>
-      <p:pic>
-        <p:nvPicPr>
-          <p:cNvPr id="10" name="Shape 56"/>
-          <p:cNvPicPr preferRelativeResize="0"/>
-          <p:nvPr/>
-        </p:nvPicPr>
-        <p:blipFill>
-          <a:blip r:embed="rId6">
-            <a:alphaModFix/>
-          </a:blip>
-          <a:stretch>
-            <a:fillRect/>
-          </a:stretch>
-        </p:blipFill>
-        <p:spPr>
-          <a:xfrm>
-            <a:off x="6200264" y="3735489"/>
-            <a:ext cx="1060658" cy="458908"/>
+            <a:off x="3993075" y="1995812"/>
+            <a:ext cx="4657699" cy="2675424"/>
           </a:xfrm>
           <a:prstGeom prst="rect">
             <a:avLst/>
@@ -5629,6 +5890,315 @@
 </file>
 
 <file path=ppt/slides/slide4.xml><?xml version="1.0" encoding="utf-8"?>
+<p:sld xmlns:a="http://schemas.openxmlformats.org/drawingml/2006/main" xmlns:r="http://schemas.openxmlformats.org/officeDocument/2006/relationships" xmlns:p="http://schemas.openxmlformats.org/presentationml/2006/main">
+  <p:cSld>
+    <p:spTree>
+      <p:nvGrpSpPr>
+        <p:cNvPr id="1" name="Shape 78"/>
+        <p:cNvGrpSpPr/>
+        <p:nvPr/>
+      </p:nvGrpSpPr>
+      <p:grpSpPr>
+        <a:xfrm>
+          <a:off x="0" y="0"/>
+          <a:ext cx="0" cy="0"/>
+          <a:chOff x="0" y="0"/>
+          <a:chExt cx="0" cy="0"/>
+        </a:xfrm>
+      </p:grpSpPr>
+      <p:sp>
+        <p:nvSpPr>
+          <p:cNvPr id="79" name="Shape 79"/>
+          <p:cNvSpPr/>
+          <p:nvPr/>
+        </p:nvSpPr>
+        <p:spPr>
+          <a:xfrm>
+            <a:off x="2147024" y="976550"/>
+            <a:ext cx="4053240" cy="1819260"/>
+          </a:xfrm>
+          <a:prstGeom prst="cloud">
+            <a:avLst/>
+          </a:prstGeom>
+          <a:solidFill>
+            <a:schemeClr val="lt1"/>
+          </a:solidFill>
+          <a:ln w="38100" cap="flat" cmpd="sng">
+            <a:solidFill>
+              <a:srgbClr val="C9DAF8"/>
+            </a:solidFill>
+            <a:prstDash val="solid"/>
+            <a:round/>
+            <a:headEnd type="none" w="med" len="med"/>
+            <a:tailEnd type="none" w="med" len="med"/>
+          </a:ln>
+        </p:spPr>
+        <p:txBody>
+          <a:bodyPr lIns="91425" tIns="91425" rIns="91425" bIns="91425" anchor="ctr" anchorCtr="0">
+            <a:noAutofit/>
+          </a:bodyPr>
+          <a:lstStyle/>
+          <a:p>
+            <a:pPr lvl="0">
+              <a:spcBef>
+                <a:spcPts val="0"/>
+              </a:spcBef>
+              <a:buNone/>
+            </a:pPr>
+            <a:endParaRPr/>
+          </a:p>
+        </p:txBody>
+      </p:sp>
+      <p:sp>
+        <p:nvSpPr>
+          <p:cNvPr id="80" name="Shape 80"/>
+          <p:cNvSpPr txBox="1">
+            <a:spLocks noGrp="1"/>
+          </p:cNvSpPr>
+          <p:nvPr>
+            <p:ph type="title"/>
+          </p:nvPr>
+        </p:nvSpPr>
+        <p:spPr>
+          <a:prstGeom prst="rect">
+            <a:avLst/>
+          </a:prstGeom>
+        </p:spPr>
+        <p:txBody>
+          <a:bodyPr lIns="91425" tIns="91425" rIns="91425" bIns="91425" anchor="t" anchorCtr="0">
+            <a:noAutofit/>
+          </a:bodyPr>
+          <a:lstStyle/>
+          <a:p>
+            <a:pPr lvl="0">
+              <a:spcBef>
+                <a:spcPts val="0"/>
+              </a:spcBef>
+              <a:buNone/>
+            </a:pPr>
+            <a:r>
+              <a:rPr lang="en" b="0">
+                <a:latin typeface="Verdana"/>
+                <a:ea typeface="Verdana"/>
+                <a:cs typeface="Verdana"/>
+                <a:sym typeface="Verdana"/>
+              </a:rPr>
+              <a:t>Storage</a:t>
+            </a:r>
+          </a:p>
+        </p:txBody>
+      </p:sp>
+      <p:pic>
+        <p:nvPicPr>
+          <p:cNvPr id="81" name="Shape 81"/>
+          <p:cNvPicPr preferRelativeResize="0"/>
+          <p:nvPr/>
+        </p:nvPicPr>
+        <p:blipFill>
+          <a:blip r:embed="rId3">
+            <a:alphaModFix amt="57000"/>
+          </a:blip>
+          <a:stretch>
+            <a:fillRect/>
+          </a:stretch>
+        </p:blipFill>
+        <p:spPr>
+          <a:xfrm>
+            <a:off x="3492625" y="1155737"/>
+            <a:ext cx="1460874" cy="1460874"/>
+          </a:xfrm>
+          <a:prstGeom prst="rect">
+            <a:avLst/>
+          </a:prstGeom>
+          <a:noFill/>
+          <a:ln>
+            <a:noFill/>
+          </a:ln>
+        </p:spPr>
+      </p:pic>
+      <p:pic>
+        <p:nvPicPr>
+          <p:cNvPr id="82" name="Shape 82"/>
+          <p:cNvPicPr preferRelativeResize="0"/>
+          <p:nvPr/>
+        </p:nvPicPr>
+        <p:blipFill>
+          <a:blip r:embed="rId4">
+            <a:alphaModFix/>
+          </a:blip>
+          <a:stretch>
+            <a:fillRect/>
+          </a:stretch>
+        </p:blipFill>
+        <p:spPr>
+          <a:xfrm>
+            <a:off x="1043150" y="3363300"/>
+            <a:ext cx="2359575" cy="2359575"/>
+          </a:xfrm>
+          <a:prstGeom prst="rect">
+            <a:avLst/>
+          </a:prstGeom>
+          <a:noFill/>
+          <a:ln>
+            <a:noFill/>
+          </a:ln>
+        </p:spPr>
+      </p:pic>
+      <p:pic>
+        <p:nvPicPr>
+          <p:cNvPr id="83" name="Shape 83"/>
+          <p:cNvPicPr preferRelativeResize="0"/>
+          <p:nvPr/>
+        </p:nvPicPr>
+        <p:blipFill>
+          <a:blip r:embed="rId5">
+            <a:alphaModFix/>
+          </a:blip>
+          <a:stretch>
+            <a:fillRect/>
+          </a:stretch>
+        </p:blipFill>
+        <p:spPr>
+          <a:xfrm>
+            <a:off x="5378650" y="3115825"/>
+            <a:ext cx="2109975" cy="2109975"/>
+          </a:xfrm>
+          <a:prstGeom prst="rect">
+            <a:avLst/>
+          </a:prstGeom>
+          <a:noFill/>
+          <a:ln>
+            <a:noFill/>
+          </a:ln>
+        </p:spPr>
+      </p:pic>
+      <p:cxnSp>
+        <p:nvCxnSpPr>
+          <p:cNvPr id="84" name="Shape 84"/>
+          <p:cNvCxnSpPr/>
+          <p:nvPr/>
+        </p:nvCxnSpPr>
+        <p:spPr>
+          <a:xfrm flipV="1">
+            <a:off x="2843808" y="2653975"/>
+            <a:ext cx="677167" cy="709325"/>
+          </a:xfrm>
+          <a:prstGeom prst="straightConnector1">
+            <a:avLst/>
+          </a:prstGeom>
+          <a:noFill/>
+          <a:ln w="38100" cap="flat" cmpd="sng">
+            <a:solidFill>
+              <a:srgbClr val="9FC5E8"/>
+            </a:solidFill>
+            <a:prstDash val="solid"/>
+            <a:round/>
+            <a:headEnd type="none" w="lg" len="lg"/>
+            <a:tailEnd type="none" w="lg" len="lg"/>
+          </a:ln>
+        </p:spPr>
+      </p:cxnSp>
+      <p:cxnSp>
+        <p:nvCxnSpPr>
+          <p:cNvPr id="85" name="Shape 85"/>
+          <p:cNvCxnSpPr/>
+          <p:nvPr/>
+        </p:nvCxnSpPr>
+        <p:spPr>
+          <a:xfrm flipH="1" flipV="1">
+            <a:off x="5197450" y="2530500"/>
+            <a:ext cx="1174750" cy="905346"/>
+          </a:xfrm>
+          <a:prstGeom prst="straightConnector1">
+            <a:avLst/>
+          </a:prstGeom>
+          <a:noFill/>
+          <a:ln w="38100" cap="flat" cmpd="sng">
+            <a:solidFill>
+              <a:srgbClr val="9FC5E8"/>
+            </a:solidFill>
+            <a:prstDash val="solid"/>
+            <a:round/>
+            <a:headEnd type="none" w="lg" len="lg"/>
+            <a:tailEnd type="none" w="lg" len="lg"/>
+          </a:ln>
+        </p:spPr>
+      </p:cxnSp>
+      <p:pic>
+        <p:nvPicPr>
+          <p:cNvPr id="9" name="Shape 56"/>
+          <p:cNvPicPr preferRelativeResize="0"/>
+          <p:nvPr/>
+        </p:nvPicPr>
+        <p:blipFill>
+          <a:blip r:embed="rId6">
+            <a:alphaModFix/>
+          </a:blip>
+          <a:stretch>
+            <a:fillRect/>
+          </a:stretch>
+        </p:blipFill>
+        <p:spPr>
+          <a:xfrm>
+            <a:off x="1527203" y="3723878"/>
+            <a:ext cx="1391467" cy="602037"/>
+          </a:xfrm>
+          <a:prstGeom prst="rect">
+            <a:avLst/>
+          </a:prstGeom>
+          <a:noFill/>
+          <a:ln>
+            <a:noFill/>
+          </a:ln>
+        </p:spPr>
+      </p:pic>
+      <p:pic>
+        <p:nvPicPr>
+          <p:cNvPr id="10" name="Shape 56"/>
+          <p:cNvPicPr preferRelativeResize="0"/>
+          <p:nvPr/>
+        </p:nvPicPr>
+        <p:blipFill>
+          <a:blip r:embed="rId6">
+            <a:alphaModFix/>
+          </a:blip>
+          <a:stretch>
+            <a:fillRect/>
+          </a:stretch>
+        </p:blipFill>
+        <p:spPr>
+          <a:xfrm>
+            <a:off x="6200264" y="3735489"/>
+            <a:ext cx="1060658" cy="458908"/>
+          </a:xfrm>
+          <a:prstGeom prst="rect">
+            <a:avLst/>
+          </a:prstGeom>
+          <a:noFill/>
+          <a:ln>
+            <a:noFill/>
+          </a:ln>
+        </p:spPr>
+      </p:pic>
+    </p:spTree>
+  </p:cSld>
+  <p:clrMapOvr>
+    <a:masterClrMapping/>
+  </p:clrMapOvr>
+  <p:transition spd="slow">
+    <p:cut/>
+  </p:transition>
+  <p:timing>
+    <p:tnLst>
+      <p:par>
+        <p:cTn id="1" dur="indefinite" restart="never" nodeType="tmRoot"/>
+      </p:par>
+    </p:tnLst>
+  </p:timing>
+</p:sld>
+</file>
+
+<file path=ppt/slides/slide5.xml><?xml version="1.0" encoding="utf-8"?>
 <p:sld xmlns:a="http://schemas.openxmlformats.org/drawingml/2006/main" xmlns:r="http://schemas.openxmlformats.org/officeDocument/2006/relationships" xmlns:p="http://schemas.openxmlformats.org/presentationml/2006/main">
   <p:cSld>
     <p:spTree>
@@ -7552,7 +8122,7 @@
 </p:sld>
 </file>
 
-<file path=ppt/slides/slide5.xml><?xml version="1.0" encoding="utf-8"?>
+<file path=ppt/slides/slide6.xml><?xml version="1.0" encoding="utf-8"?>
 <p:sld xmlns:a="http://schemas.openxmlformats.org/drawingml/2006/main" xmlns:r="http://schemas.openxmlformats.org/officeDocument/2006/relationships" xmlns:p="http://schemas.openxmlformats.org/presentationml/2006/main">
   <p:cSld>
     <p:spTree>
@@ -8093,7 +8663,7 @@
 </p:sld>
 </file>
 
-<file path=ppt/slides/slide6.xml><?xml version="1.0" encoding="utf-8"?>
+<file path=ppt/slides/slide7.xml><?xml version="1.0" encoding="utf-8"?>
 <p:sld xmlns:a="http://schemas.openxmlformats.org/drawingml/2006/main" xmlns:r="http://schemas.openxmlformats.org/officeDocument/2006/relationships" xmlns:p="http://schemas.openxmlformats.org/presentationml/2006/main">
   <p:cSld>
     <p:spTree>
@@ -8767,7 +9337,7 @@
 </p:sld>
 </file>
 
-<file path=ppt/slides/slide7.xml><?xml version="1.0" encoding="utf-8"?>
+<file path=ppt/slides/slide8.xml><?xml version="1.0" encoding="utf-8"?>
 <p:sld xmlns:a="http://schemas.openxmlformats.org/drawingml/2006/main" xmlns:r="http://schemas.openxmlformats.org/officeDocument/2006/relationships" xmlns:p="http://schemas.openxmlformats.org/presentationml/2006/main">
   <p:cSld>
     <p:spTree>
@@ -8964,7 +9534,7 @@
 </p:sld>
 </file>
 
-<file path=ppt/slides/slide8.xml><?xml version="1.0" encoding="utf-8"?>
+<file path=ppt/slides/slide9.xml><?xml version="1.0" encoding="utf-8"?>
 <p:sld xmlns:a="http://schemas.openxmlformats.org/drawingml/2006/main" xmlns:r="http://schemas.openxmlformats.org/officeDocument/2006/relationships" xmlns:p="http://schemas.openxmlformats.org/presentationml/2006/main">
   <p:cSld>
     <p:spTree>
@@ -9088,11 +9658,6 @@
               </a:rPr>
               <a:t>Web Application</a:t>
             </a:r>
-            <a:endParaRPr lang="en" dirty="0" smtClean="0">
-              <a:latin typeface="Verdana" panose="020B0604030504040204" pitchFamily="34" charset="0"/>
-              <a:ea typeface="Verdana" panose="020B0604030504040204" pitchFamily="34" charset="0"/>
-              <a:cs typeface="Verdana" panose="020B0604030504040204" pitchFamily="34" charset="0"/>
-            </a:endParaRPr>
           </a:p>
           <a:p>
             <a:pPr lvl="0">
@@ -9398,111 +9963,6 @@
     <p:bldLst>
       <p:bldP spid="113" grpId="0" uiExpand="1" build="p"/>
     </p:bldLst>
-  </p:timing>
-</p:sld>
-</file>
-
-<file path=ppt/slides/slide9.xml><?xml version="1.0" encoding="utf-8"?>
-<p:sld xmlns:a="http://schemas.openxmlformats.org/drawingml/2006/main" xmlns:r="http://schemas.openxmlformats.org/officeDocument/2006/relationships" xmlns:p="http://schemas.openxmlformats.org/presentationml/2006/main">
-  <p:cSld>
-    <p:spTree>
-      <p:nvGrpSpPr>
-        <p:cNvPr id="1" name="Shape 118"/>
-        <p:cNvGrpSpPr/>
-        <p:nvPr/>
-      </p:nvGrpSpPr>
-      <p:grpSpPr>
-        <a:xfrm>
-          <a:off x="0" y="0"/>
-          <a:ext cx="0" cy="0"/>
-          <a:chOff x="0" y="0"/>
-          <a:chExt cx="0" cy="0"/>
-        </a:xfrm>
-      </p:grpSpPr>
-      <p:sp>
-        <p:nvSpPr>
-          <p:cNvPr id="119" name="Shape 119"/>
-          <p:cNvSpPr txBox="1">
-            <a:spLocks noGrp="1"/>
-          </p:cNvSpPr>
-          <p:nvPr>
-            <p:ph type="title"/>
-          </p:nvPr>
-        </p:nvSpPr>
-        <p:spPr>
-          <a:prstGeom prst="rect">
-            <a:avLst/>
-          </a:prstGeom>
-        </p:spPr>
-        <p:txBody>
-          <a:bodyPr lIns="91425" tIns="91425" rIns="91425" bIns="91425" anchor="t" anchorCtr="0">
-            <a:noAutofit/>
-          </a:bodyPr>
-          <a:lstStyle/>
-          <a:p>
-            <a:pPr lvl="0">
-              <a:spcBef>
-                <a:spcPts val="0"/>
-              </a:spcBef>
-              <a:buNone/>
-            </a:pPr>
-            <a:r>
-              <a:rPr lang="en" b="0">
-                <a:latin typeface="Verdana"/>
-                <a:ea typeface="Verdana"/>
-                <a:cs typeface="Verdana"/>
-                <a:sym typeface="Verdana"/>
-              </a:rPr>
-              <a:t>Questions?</a:t>
-            </a:r>
-          </a:p>
-        </p:txBody>
-      </p:sp>
-      <p:sp>
-        <p:nvSpPr>
-          <p:cNvPr id="120" name="Shape 120"/>
-          <p:cNvSpPr txBox="1">
-            <a:spLocks noGrp="1"/>
-          </p:cNvSpPr>
-          <p:nvPr>
-            <p:ph type="body" idx="1"/>
-          </p:nvPr>
-        </p:nvSpPr>
-        <p:spPr>
-          <a:prstGeom prst="rect">
-            <a:avLst/>
-          </a:prstGeom>
-        </p:spPr>
-        <p:txBody>
-          <a:bodyPr lIns="91425" tIns="91425" rIns="91425" bIns="91425" anchor="t" anchorCtr="0">
-            <a:noAutofit/>
-          </a:bodyPr>
-          <a:lstStyle/>
-          <a:p>
-            <a:pPr lvl="0" rtl="0">
-              <a:spcBef>
-                <a:spcPts val="0"/>
-              </a:spcBef>
-              <a:buNone/>
-            </a:pPr>
-            <a:endParaRPr/>
-          </a:p>
-        </p:txBody>
-      </p:sp>
-    </p:spTree>
-  </p:cSld>
-  <p:clrMapOvr>
-    <a:masterClrMapping/>
-  </p:clrMapOvr>
-  <p:transition spd="slow">
-    <p:cut/>
-  </p:transition>
-  <p:timing>
-    <p:tnLst>
-      <p:par>
-        <p:cTn id="1" dur="indefinite" restart="never" nodeType="tmRoot"/>
-      </p:par>
-    </p:tnLst>
   </p:timing>
 </p:sld>
 </file>

--- a/WURI OP2.pptx
+++ b/WURI OP2.pptx
@@ -801,7 +801,15 @@
             </a:pPr>
             <a:r>
               <a:rPr lang="en-SG" baseline="0" dirty="0" smtClean="0"/>
-              <a:t>For me I often have work due by the midnight of Sunday. If you face a similar situation, no problem! Just type “Do work Sunday 23:59 1w” and WURI will now record this task every week on Sunday. If Sunday has passed and you want to move the deadline to the next weekend, simply type “d 1” to delete last Sunday’s task, bringing forth to the next week. I will leave </a:t>
+              <a:t>For me I often have work due by the midnight of Sunday. If you face a similar situation, no problem! Just type “Do work Sunday 23:59 1w” and WURI will now record this task every week on Sunday. If Sunday has passed and you want to move the deadline to the next weekend, simply type “d 1” to delete last Sunday’s task, </a:t>
+            </a:r>
+            <a:r>
+              <a:rPr lang="en-SG" baseline="0" smtClean="0"/>
+              <a:t>bringing it </a:t>
+            </a:r>
+            <a:r>
+              <a:rPr lang="en-SG" baseline="0" dirty="0" smtClean="0"/>
+              <a:t>forth to the next week. I will leave </a:t>
             </a:r>
             <a:r>
               <a:rPr lang="en-SG" baseline="0" dirty="0" err="1" smtClean="0"/>
@@ -1822,7 +1830,7 @@
             <a:fld id="{7CB97365-EBCA-4027-87D5-99FC1D4DF0BB}" type="datetimeFigureOut">
               <a:rPr lang="en-US" smtClean="0"/>
               <a:pPr eaLnBrk="1" latinLnBrk="0" hangingPunct="1"/>
-              <a:t>4/5/2016</a:t>
+              <a:t>4/6/2016</a:t>
             </a:fld>
             <a:endParaRPr lang="en-US"/>
           </a:p>
@@ -2047,7 +2055,7 @@
             <a:fld id="{7CB97365-EBCA-4027-87D5-99FC1D4DF0BB}" type="datetimeFigureOut">
               <a:rPr lang="en-US" smtClean="0"/>
               <a:pPr eaLnBrk="1" latinLnBrk="0" hangingPunct="1"/>
-              <a:t>4/5/2016</a:t>
+              <a:t>4/6/2016</a:t>
             </a:fld>
             <a:endParaRPr lang="en-US"/>
           </a:p>
@@ -2247,7 +2255,7 @@
             <a:fld id="{7CB97365-EBCA-4027-87D5-99FC1D4DF0BB}" type="datetimeFigureOut">
               <a:rPr lang="en-US" smtClean="0"/>
               <a:pPr eaLnBrk="1" latinLnBrk="0" hangingPunct="1"/>
-              <a:t>4/5/2016</a:t>
+              <a:t>4/6/2016</a:t>
             </a:fld>
             <a:endParaRPr lang="en-US"/>
           </a:p>
@@ -2665,7 +2673,7 @@
             <a:fld id="{7CB97365-EBCA-4027-87D5-99FC1D4DF0BB}" type="datetimeFigureOut">
               <a:rPr lang="en-US" smtClean="0"/>
               <a:pPr eaLnBrk="1" latinLnBrk="0" hangingPunct="1"/>
-              <a:t>4/5/2016</a:t>
+              <a:t>4/6/2016</a:t>
             </a:fld>
             <a:endParaRPr lang="en-US"/>
           </a:p>
@@ -2938,7 +2946,7 @@
             <a:fld id="{7CB97365-EBCA-4027-87D5-99FC1D4DF0BB}" type="datetimeFigureOut">
               <a:rPr lang="en-US" smtClean="0"/>
               <a:pPr eaLnBrk="1" latinLnBrk="0" hangingPunct="1"/>
-              <a:t>4/5/2016</a:t>
+              <a:t>4/6/2016</a:t>
             </a:fld>
             <a:endParaRPr lang="en-US"/>
           </a:p>
@@ -3281,7 +3289,7 @@
             <a:fld id="{7CB97365-EBCA-4027-87D5-99FC1D4DF0BB}" type="datetimeFigureOut">
               <a:rPr lang="en-US" smtClean="0"/>
               <a:pPr eaLnBrk="1" latinLnBrk="0" hangingPunct="1"/>
-              <a:t>4/5/2016</a:t>
+              <a:t>4/6/2016</a:t>
             </a:fld>
             <a:endParaRPr lang="en-US"/>
           </a:p>
@@ -3772,7 +3780,7 @@
             <a:fld id="{7CB97365-EBCA-4027-87D5-99FC1D4DF0BB}" type="datetimeFigureOut">
               <a:rPr lang="en-US" smtClean="0"/>
               <a:pPr eaLnBrk="1" latinLnBrk="0" hangingPunct="1"/>
-              <a:t>4/5/2016</a:t>
+              <a:t>4/6/2016</a:t>
             </a:fld>
             <a:endParaRPr lang="en-US"/>
           </a:p>
@@ -3945,7 +3953,7 @@
             <a:fld id="{7CB97365-EBCA-4027-87D5-99FC1D4DF0BB}" type="datetimeFigureOut">
               <a:rPr lang="en-US" smtClean="0"/>
               <a:pPr eaLnBrk="1" latinLnBrk="0" hangingPunct="1"/>
-              <a:t>4/5/2016</a:t>
+              <a:t>4/6/2016</a:t>
             </a:fld>
             <a:endParaRPr lang="en-US"/>
           </a:p>
@@ -4060,7 +4068,7 @@
             <a:fld id="{7CB97365-EBCA-4027-87D5-99FC1D4DF0BB}" type="datetimeFigureOut">
               <a:rPr lang="en-US" smtClean="0"/>
               <a:pPr eaLnBrk="1" latinLnBrk="0" hangingPunct="1"/>
-              <a:t>4/5/2016</a:t>
+              <a:t>4/6/2016</a:t>
             </a:fld>
             <a:endParaRPr lang="en-US"/>
           </a:p>
@@ -4342,7 +4350,7 @@
             <a:fld id="{7CB97365-EBCA-4027-87D5-99FC1D4DF0BB}" type="datetimeFigureOut">
               <a:rPr lang="en-US" smtClean="0"/>
               <a:pPr eaLnBrk="1" latinLnBrk="0" hangingPunct="1"/>
-              <a:t>4/5/2016</a:t>
+              <a:t>4/6/2016</a:t>
             </a:fld>
             <a:endParaRPr lang="en-US"/>
           </a:p>
@@ -4672,7 +4680,7 @@
             <a:fld id="{7CB97365-EBCA-4027-87D5-99FC1D4DF0BB}" type="datetimeFigureOut">
               <a:rPr lang="en-US" smtClean="0"/>
               <a:pPr eaLnBrk="1" latinLnBrk="0" hangingPunct="1"/>
-              <a:t>4/5/2016</a:t>
+              <a:t>4/6/2016</a:t>
             </a:fld>
             <a:endParaRPr lang="en-US"/>
           </a:p>
@@ -4995,7 +5003,7 @@
             <a:fld id="{7CB97365-EBCA-4027-87D5-99FC1D4DF0BB}" type="datetimeFigureOut">
               <a:rPr lang="en-US" smtClean="0"/>
               <a:pPr eaLnBrk="1" latinLnBrk="0" hangingPunct="1"/>
-              <a:t>4/5/2016</a:t>
+              <a:t>4/6/2016</a:t>
             </a:fld>
             <a:endParaRPr lang="en-US">
               <a:solidFill>

--- a/WURI OP2.pptx
+++ b/WURI OP2.pptx
@@ -5,60 +5,59 @@
     <p:sldMasterId id="2147484275" r:id="rId1"/>
   </p:sldMasterIdLst>
   <p:notesMasterIdLst>
-    <p:notesMasterId r:id="rId26"/>
+    <p:notesMasterId r:id="rId25"/>
   </p:notesMasterIdLst>
   <p:sldIdLst>
     <p:sldId id="268" r:id="rId2"/>
     <p:sldId id="269" r:id="rId3"/>
-    <p:sldId id="270" r:id="rId4"/>
-    <p:sldId id="271" r:id="rId5"/>
-    <p:sldId id="281" r:id="rId6"/>
-    <p:sldId id="282" r:id="rId7"/>
-    <p:sldId id="272" r:id="rId8"/>
-    <p:sldId id="273" r:id="rId9"/>
-    <p:sldId id="274" r:id="rId10"/>
-    <p:sldId id="275" r:id="rId11"/>
-    <p:sldId id="276" r:id="rId12"/>
-    <p:sldId id="277" r:id="rId13"/>
-    <p:sldId id="278" r:id="rId14"/>
-    <p:sldId id="279" r:id="rId15"/>
-    <p:sldId id="280" r:id="rId16"/>
-    <p:sldId id="267" r:id="rId17"/>
-    <p:sldId id="259" r:id="rId18"/>
-    <p:sldId id="260" r:id="rId19"/>
-    <p:sldId id="265" r:id="rId20"/>
-    <p:sldId id="261" r:id="rId21"/>
-    <p:sldId id="262" r:id="rId22"/>
-    <p:sldId id="263" r:id="rId23"/>
-    <p:sldId id="266" r:id="rId24"/>
-    <p:sldId id="264" r:id="rId25"/>
+    <p:sldId id="271" r:id="rId4"/>
+    <p:sldId id="281" r:id="rId5"/>
+    <p:sldId id="282" r:id="rId6"/>
+    <p:sldId id="272" r:id="rId7"/>
+    <p:sldId id="273" r:id="rId8"/>
+    <p:sldId id="274" r:id="rId9"/>
+    <p:sldId id="275" r:id="rId10"/>
+    <p:sldId id="276" r:id="rId11"/>
+    <p:sldId id="277" r:id="rId12"/>
+    <p:sldId id="278" r:id="rId13"/>
+    <p:sldId id="279" r:id="rId14"/>
+    <p:sldId id="280" r:id="rId15"/>
+    <p:sldId id="267" r:id="rId16"/>
+    <p:sldId id="259" r:id="rId17"/>
+    <p:sldId id="260" r:id="rId18"/>
+    <p:sldId id="265" r:id="rId19"/>
+    <p:sldId id="261" r:id="rId20"/>
+    <p:sldId id="262" r:id="rId21"/>
+    <p:sldId id="263" r:id="rId22"/>
+    <p:sldId id="266" r:id="rId23"/>
+    <p:sldId id="264" r:id="rId24"/>
   </p:sldIdLst>
   <p:sldSz cx="9144000" cy="5143500" type="screen16x9"/>
   <p:notesSz cx="6858000" cy="9144000"/>
   <p:embeddedFontLst>
     <p:embeddedFont>
-      <p:font typeface="Verdana" pitchFamily="34" charset="0"/>
+      <p:font typeface="Wingdings 3" panose="05040102010807070707" pitchFamily="18" charset="2"/>
+      <p:regular r:id="rId26"/>
+    </p:embeddedFont>
+    <p:embeddedFont>
+      <p:font typeface="Verdana" panose="020B0604030504040204" pitchFamily="34" charset="0"/>
       <p:regular r:id="rId27"/>
       <p:bold r:id="rId28"/>
       <p:italic r:id="rId29"/>
       <p:boldItalic r:id="rId30"/>
     </p:embeddedFont>
     <p:embeddedFont>
-      <p:font typeface="Lucida Sans Unicode" pitchFamily="34" charset="0"/>
+      <p:font typeface="Lucida Sans Unicode" panose="020B0602030504020204" pitchFamily="34" charset="0"/>
       <p:regular r:id="rId31"/>
     </p:embeddedFont>
     <p:embeddedFont>
-      <p:font typeface="Wingdings 3" pitchFamily="18" charset="2"/>
+      <p:font typeface="Source Code Pro" panose="020B0604020202020204" charset="0"/>
       <p:regular r:id="rId32"/>
+      <p:bold r:id="rId33"/>
     </p:embeddedFont>
     <p:embeddedFont>
-      <p:font typeface="Wingdings 2" pitchFamily="18" charset="2"/>
-      <p:regular r:id="rId33"/>
-    </p:embeddedFont>
-    <p:embeddedFont>
-      <p:font typeface="Source Code Pro" charset="0"/>
+      <p:font typeface="Wingdings 2" panose="05020102010507070707" pitchFamily="18" charset="2"/>
       <p:regular r:id="rId34"/>
-      <p:bold r:id="rId35"/>
     </p:embeddedFont>
   </p:embeddedFontLst>
   <p:defaultTextStyle>
@@ -265,7 +264,7 @@
   </p:defaultTextStyle>
   <p:extLst>
     <p:ext uri="{EFAFB233-063F-42B5-8137-9DF3F51BA10A}">
-      <p15:sldGuideLst xmlns:p15="http://schemas.microsoft.com/office/powerpoint/2012/main" xmlns="">
+      <p15:sldGuideLst xmlns:p15="http://schemas.microsoft.com/office/powerpoint/2012/main">
         <p15:guide id="1" orient="horz" pos="1620">
           <p15:clr>
             <a:srgbClr val="A4A3A4"/>
@@ -444,7 +443,7 @@
     </p:spTree>
     <p:extLst>
       <p:ext uri="{BB962C8B-B14F-4D97-AF65-F5344CB8AC3E}">
-        <p14:creationId xmlns:p14="http://schemas.microsoft.com/office/powerpoint/2010/main" xmlns="" val="3233127415"/>
+        <p14:creationId xmlns:p14="http://schemas.microsoft.com/office/powerpoint/2010/main" val="3233127415"/>
       </p:ext>
     </p:extLst>
   </p:cSld>
@@ -600,7 +599,7 @@
     </p:spTree>
     <p:extLst>
       <p:ext uri="{BB962C8B-B14F-4D97-AF65-F5344CB8AC3E}">
-        <p14:creationId xmlns:p14="http://schemas.microsoft.com/office/powerpoint/2010/main" xmlns="" val="3044555344"/>
+        <p14:creationId xmlns:p14="http://schemas.microsoft.com/office/powerpoint/2010/main" val="3044555344"/>
       </p:ext>
     </p:extLst>
   </p:cSld>
@@ -611,112 +610,6 @@
 </file>
 
 <file path=ppt/notesSlides/notesSlide10.xml><?xml version="1.0" encoding="utf-8"?>
-<p:notes xmlns:a="http://schemas.openxmlformats.org/drawingml/2006/main" xmlns:r="http://schemas.openxmlformats.org/officeDocument/2006/relationships" xmlns:p="http://schemas.openxmlformats.org/presentationml/2006/main" showMasterSp="0" showMasterPhAnim="0">
-  <p:cSld>
-    <p:spTree>
-      <p:nvGrpSpPr>
-        <p:cNvPr id="1" name="Shape 86"/>
-        <p:cNvGrpSpPr/>
-        <p:nvPr/>
-      </p:nvGrpSpPr>
-      <p:grpSpPr>
-        <a:xfrm>
-          <a:off x="0" y="0"/>
-          <a:ext cx="0" cy="0"/>
-          <a:chOff x="0" y="0"/>
-          <a:chExt cx="0" cy="0"/>
-        </a:xfrm>
-      </p:grpSpPr>
-      <p:sp>
-        <p:nvSpPr>
-          <p:cNvPr id="87" name="Shape 87"/>
-          <p:cNvSpPr>
-            <a:spLocks noGrp="1" noRot="1" noChangeAspect="1"/>
-          </p:cNvSpPr>
-          <p:nvPr>
-            <p:ph type="sldImg" idx="2"/>
-          </p:nvPr>
-        </p:nvSpPr>
-        <p:spPr>
-          <a:xfrm>
-            <a:off x="381000" y="685800"/>
-            <a:ext cx="6096000" cy="3429000"/>
-          </a:xfrm>
-          <a:custGeom>
-            <a:avLst/>
-            <a:gdLst/>
-            <a:ahLst/>
-            <a:cxnLst/>
-            <a:rect l="0" t="0" r="0" b="0"/>
-            <a:pathLst>
-              <a:path w="120000" h="120000" extrusionOk="0">
-                <a:moveTo>
-                  <a:pt x="0" y="0"/>
-                </a:moveTo>
-                <a:lnTo>
-                  <a:pt x="120000" y="0"/>
-                </a:lnTo>
-                <a:lnTo>
-                  <a:pt x="120000" y="120000"/>
-                </a:lnTo>
-                <a:lnTo>
-                  <a:pt x="0" y="120000"/>
-                </a:lnTo>
-                <a:close/>
-              </a:path>
-            </a:pathLst>
-          </a:custGeom>
-        </p:spPr>
-      </p:sp>
-      <p:sp>
-        <p:nvSpPr>
-          <p:cNvPr id="88" name="Shape 88"/>
-          <p:cNvSpPr txBox="1">
-            <a:spLocks noGrp="1"/>
-          </p:cNvSpPr>
-          <p:nvPr>
-            <p:ph type="body" idx="1"/>
-          </p:nvPr>
-        </p:nvSpPr>
-        <p:spPr>
-          <a:xfrm>
-            <a:off x="685800" y="4343400"/>
-            <a:ext cx="5486400" cy="4114800"/>
-          </a:xfrm>
-          <a:prstGeom prst="rect">
-            <a:avLst/>
-          </a:prstGeom>
-        </p:spPr>
-        <p:txBody>
-          <a:bodyPr lIns="91425" tIns="91425" rIns="91425" bIns="91425" anchor="t" anchorCtr="0">
-            <a:noAutofit/>
-          </a:bodyPr>
-          <a:lstStyle/>
-          <a:p>
-            <a:pPr lvl="0">
-              <a:spcBef>
-                <a:spcPts val="0"/>
-              </a:spcBef>
-              <a:buNone/>
-            </a:pPr>
-            <a:endParaRPr/>
-          </a:p>
-        </p:txBody>
-      </p:sp>
-    </p:spTree>
-    <p:extLst>
-      <p:ext uri="{BB962C8B-B14F-4D97-AF65-F5344CB8AC3E}">
-        <p14:creationId xmlns:p14="http://schemas.microsoft.com/office/powerpoint/2010/main" xmlns="" val="1812763220"/>
-      </p:ext>
-    </p:extLst>
-  </p:cSld>
-  <p:clrMapOvr>
-    <a:masterClrMapping/>
-  </p:clrMapOvr>
-</p:notes>
-</file>
-
-<file path=ppt/notesSlides/notesSlide11.xml><?xml version="1.0" encoding="utf-8"?>
 <p:notes xmlns:a="http://schemas.openxmlformats.org/drawingml/2006/main" xmlns:r="http://schemas.openxmlformats.org/officeDocument/2006/relationships" xmlns:p="http://schemas.openxmlformats.org/presentationml/2006/main" showMasterSp="0" showMasterPhAnim="0">
   <p:cSld>
     <p:spTree>
@@ -812,7 +705,113 @@
     </p:spTree>
     <p:extLst>
       <p:ext uri="{BB962C8B-B14F-4D97-AF65-F5344CB8AC3E}">
-        <p14:creationId xmlns:p14="http://schemas.microsoft.com/office/powerpoint/2010/main" xmlns="" val="1799691028"/>
+        <p14:creationId xmlns:p14="http://schemas.microsoft.com/office/powerpoint/2010/main" val="1799691028"/>
+      </p:ext>
+    </p:extLst>
+  </p:cSld>
+  <p:clrMapOvr>
+    <a:masterClrMapping/>
+  </p:clrMapOvr>
+</p:notes>
+</file>
+
+<file path=ppt/notesSlides/notesSlide11.xml><?xml version="1.0" encoding="utf-8"?>
+<p:notes xmlns:a="http://schemas.openxmlformats.org/drawingml/2006/main" xmlns:r="http://schemas.openxmlformats.org/officeDocument/2006/relationships" xmlns:p="http://schemas.openxmlformats.org/presentationml/2006/main" showMasterSp="0" showMasterPhAnim="0">
+  <p:cSld>
+    <p:spTree>
+      <p:nvGrpSpPr>
+        <p:cNvPr id="1" name="Shape 108"/>
+        <p:cNvGrpSpPr/>
+        <p:nvPr/>
+      </p:nvGrpSpPr>
+      <p:grpSpPr>
+        <a:xfrm>
+          <a:off x="0" y="0"/>
+          <a:ext cx="0" cy="0"/>
+          <a:chOff x="0" y="0"/>
+          <a:chExt cx="0" cy="0"/>
+        </a:xfrm>
+      </p:grpSpPr>
+      <p:sp>
+        <p:nvSpPr>
+          <p:cNvPr id="109" name="Shape 109"/>
+          <p:cNvSpPr>
+            <a:spLocks noGrp="1" noRot="1" noChangeAspect="1"/>
+          </p:cNvSpPr>
+          <p:nvPr>
+            <p:ph type="sldImg" idx="2"/>
+          </p:nvPr>
+        </p:nvSpPr>
+        <p:spPr>
+          <a:xfrm>
+            <a:off x="381000" y="685800"/>
+            <a:ext cx="6096000" cy="3429000"/>
+          </a:xfrm>
+          <a:custGeom>
+            <a:avLst/>
+            <a:gdLst/>
+            <a:ahLst/>
+            <a:cxnLst/>
+            <a:rect l="0" t="0" r="0" b="0"/>
+            <a:pathLst>
+              <a:path w="120000" h="120000" extrusionOk="0">
+                <a:moveTo>
+                  <a:pt x="0" y="0"/>
+                </a:moveTo>
+                <a:lnTo>
+                  <a:pt x="120000" y="0"/>
+                </a:lnTo>
+                <a:lnTo>
+                  <a:pt x="120000" y="120000"/>
+                </a:lnTo>
+                <a:lnTo>
+                  <a:pt x="0" y="120000"/>
+                </a:lnTo>
+                <a:close/>
+              </a:path>
+            </a:pathLst>
+          </a:custGeom>
+        </p:spPr>
+      </p:sp>
+      <p:sp>
+        <p:nvSpPr>
+          <p:cNvPr id="110" name="Shape 110"/>
+          <p:cNvSpPr txBox="1">
+            <a:spLocks noGrp="1"/>
+          </p:cNvSpPr>
+          <p:nvPr>
+            <p:ph type="body" idx="1"/>
+          </p:nvPr>
+        </p:nvSpPr>
+        <p:spPr>
+          <a:xfrm>
+            <a:off x="685800" y="4343400"/>
+            <a:ext cx="5486400" cy="4114800"/>
+          </a:xfrm>
+          <a:prstGeom prst="rect">
+            <a:avLst/>
+          </a:prstGeom>
+        </p:spPr>
+        <p:txBody>
+          <a:bodyPr lIns="91425" tIns="91425" rIns="91425" bIns="91425" anchor="t" anchorCtr="0">
+            <a:noAutofit/>
+          </a:bodyPr>
+          <a:lstStyle/>
+          <a:p>
+            <a:pPr lvl="0">
+              <a:spcBef>
+                <a:spcPts val="0"/>
+              </a:spcBef>
+              <a:buNone/>
+            </a:pPr>
+            <a:endParaRPr/>
+          </a:p>
+        </p:txBody>
+      </p:sp>
+    </p:spTree>
+    <p:extLst>
+      <p:ext uri="{BB962C8B-B14F-4D97-AF65-F5344CB8AC3E}">
+        <p14:creationId xmlns:p14="http://schemas.microsoft.com/office/powerpoint/2010/main" val="1692111521"/>
       </p:ext>
     </p:extLst>
   </p:cSld>
@@ -918,7 +917,7 @@
     </p:spTree>
     <p:extLst>
       <p:ext uri="{BB962C8B-B14F-4D97-AF65-F5344CB8AC3E}">
-        <p14:creationId xmlns:p14="http://schemas.microsoft.com/office/powerpoint/2010/main" xmlns="" val="1692111521"/>
+        <p14:creationId xmlns:p14="http://schemas.microsoft.com/office/powerpoint/2010/main" val="4284199866"/>
       </p:ext>
     </p:extLst>
   </p:cSld>
@@ -929,112 +928,6 @@
 </file>
 
 <file path=ppt/notesSlides/notesSlide13.xml><?xml version="1.0" encoding="utf-8"?>
-<p:notes xmlns:a="http://schemas.openxmlformats.org/drawingml/2006/main" xmlns:r="http://schemas.openxmlformats.org/officeDocument/2006/relationships" xmlns:p="http://schemas.openxmlformats.org/presentationml/2006/main" showMasterSp="0" showMasterPhAnim="0">
-  <p:cSld>
-    <p:spTree>
-      <p:nvGrpSpPr>
-        <p:cNvPr id="1" name="Shape 108"/>
-        <p:cNvGrpSpPr/>
-        <p:nvPr/>
-      </p:nvGrpSpPr>
-      <p:grpSpPr>
-        <a:xfrm>
-          <a:off x="0" y="0"/>
-          <a:ext cx="0" cy="0"/>
-          <a:chOff x="0" y="0"/>
-          <a:chExt cx="0" cy="0"/>
-        </a:xfrm>
-      </p:grpSpPr>
-      <p:sp>
-        <p:nvSpPr>
-          <p:cNvPr id="109" name="Shape 109"/>
-          <p:cNvSpPr>
-            <a:spLocks noGrp="1" noRot="1" noChangeAspect="1"/>
-          </p:cNvSpPr>
-          <p:nvPr>
-            <p:ph type="sldImg" idx="2"/>
-          </p:nvPr>
-        </p:nvSpPr>
-        <p:spPr>
-          <a:xfrm>
-            <a:off x="381000" y="685800"/>
-            <a:ext cx="6096000" cy="3429000"/>
-          </a:xfrm>
-          <a:custGeom>
-            <a:avLst/>
-            <a:gdLst/>
-            <a:ahLst/>
-            <a:cxnLst/>
-            <a:rect l="0" t="0" r="0" b="0"/>
-            <a:pathLst>
-              <a:path w="120000" h="120000" extrusionOk="0">
-                <a:moveTo>
-                  <a:pt x="0" y="0"/>
-                </a:moveTo>
-                <a:lnTo>
-                  <a:pt x="120000" y="0"/>
-                </a:lnTo>
-                <a:lnTo>
-                  <a:pt x="120000" y="120000"/>
-                </a:lnTo>
-                <a:lnTo>
-                  <a:pt x="0" y="120000"/>
-                </a:lnTo>
-                <a:close/>
-              </a:path>
-            </a:pathLst>
-          </a:custGeom>
-        </p:spPr>
-      </p:sp>
-      <p:sp>
-        <p:nvSpPr>
-          <p:cNvPr id="110" name="Shape 110"/>
-          <p:cNvSpPr txBox="1">
-            <a:spLocks noGrp="1"/>
-          </p:cNvSpPr>
-          <p:nvPr>
-            <p:ph type="body" idx="1"/>
-          </p:nvPr>
-        </p:nvSpPr>
-        <p:spPr>
-          <a:xfrm>
-            <a:off x="685800" y="4343400"/>
-            <a:ext cx="5486400" cy="4114800"/>
-          </a:xfrm>
-          <a:prstGeom prst="rect">
-            <a:avLst/>
-          </a:prstGeom>
-        </p:spPr>
-        <p:txBody>
-          <a:bodyPr lIns="91425" tIns="91425" rIns="91425" bIns="91425" anchor="t" anchorCtr="0">
-            <a:noAutofit/>
-          </a:bodyPr>
-          <a:lstStyle/>
-          <a:p>
-            <a:pPr lvl="0">
-              <a:spcBef>
-                <a:spcPts val="0"/>
-              </a:spcBef>
-              <a:buNone/>
-            </a:pPr>
-            <a:endParaRPr/>
-          </a:p>
-        </p:txBody>
-      </p:sp>
-    </p:spTree>
-    <p:extLst>
-      <p:ext uri="{BB962C8B-B14F-4D97-AF65-F5344CB8AC3E}">
-        <p14:creationId xmlns:p14="http://schemas.microsoft.com/office/powerpoint/2010/main" xmlns="" val="4284199866"/>
-      </p:ext>
-    </p:extLst>
-  </p:cSld>
-  <p:clrMapOvr>
-    <a:masterClrMapping/>
-  </p:clrMapOvr>
-</p:notes>
-</file>
-
-<file path=ppt/notesSlides/notesSlide14.xml><?xml version="1.0" encoding="utf-8"?>
 <p:notes xmlns:a="http://schemas.openxmlformats.org/drawingml/2006/main" xmlns:r="http://schemas.openxmlformats.org/officeDocument/2006/relationships" xmlns:p="http://schemas.openxmlformats.org/presentationml/2006/main" showMasterSp="0" showMasterPhAnim="0">
   <p:cSld>
     <p:spTree>
@@ -1130,7 +1023,7 @@
     </p:spTree>
     <p:extLst>
       <p:ext uri="{BB962C8B-B14F-4D97-AF65-F5344CB8AC3E}">
-        <p14:creationId xmlns:p14="http://schemas.microsoft.com/office/powerpoint/2010/main" xmlns="" val="1437425740"/>
+        <p14:creationId xmlns:p14="http://schemas.microsoft.com/office/powerpoint/2010/main" val="1437425740"/>
       </p:ext>
     </p:extLst>
   </p:cSld>
@@ -1167,7 +1060,12 @@
             <p:ph type="sldImg"/>
           </p:nvPr>
         </p:nvSpPr>
-        <p:spPr/>
+        <p:spPr>
+          <a:xfrm>
+            <a:off x="381000" y="685800"/>
+            <a:ext cx="6096000" cy="3429000"/>
+          </a:xfrm>
+        </p:spPr>
       </p:sp>
       <p:sp>
         <p:nvSpPr>
@@ -1181,24 +1079,51 @@
         </p:nvSpPr>
         <p:spPr/>
         <p:txBody>
-          <a:bodyPr>
-            <a:normAutofit/>
-          </a:bodyPr>
+          <a:bodyPr/>
           <a:lstStyle/>
           <a:p>
-            <a:r>
-              <a:rPr lang="en-SG" dirty="0" smtClean="0"/>
-              <a:t>Highlight</a:t>
-            </a:r>
-            <a:r>
-              <a:rPr lang="en-SG" baseline="0" dirty="0" smtClean="0"/>
-              <a:t> the seven, or only put seven</a:t>
-            </a:r>
-            <a:endParaRPr lang="en-US" dirty="0"/>
+            <a:endParaRPr lang="en-SG" dirty="0"/>
+          </a:p>
+        </p:txBody>
+      </p:sp>
+      <p:sp>
+        <p:nvSpPr>
+          <p:cNvPr id="4" name="Slide Number Placeholder 3"/>
+          <p:cNvSpPr>
+            <a:spLocks noGrp="1"/>
+          </p:cNvSpPr>
+          <p:nvPr>
+            <p:ph type="sldNum" sz="quarter" idx="10"/>
+          </p:nvPr>
+        </p:nvSpPr>
+        <p:spPr>
+          <a:xfrm>
+            <a:off x="3884613" y="8685213"/>
+            <a:ext cx="2971800" cy="458787"/>
+          </a:xfrm>
+          <a:prstGeom prst="rect">
+            <a:avLst/>
+          </a:prstGeom>
+        </p:spPr>
+        <p:txBody>
+          <a:bodyPr/>
+          <a:lstStyle/>
+          <a:p>
+            <a:fld id="{C8DEF3BC-85DD-4ED2-8C84-4F0BB785FC11}" type="slidenum">
+              <a:rPr lang="en-SG" smtClean="0"/>
+              <a:pPr/>
+              <a:t>3</a:t>
+            </a:fld>
+            <a:endParaRPr lang="en-SG" dirty="0"/>
           </a:p>
         </p:txBody>
       </p:sp>
     </p:spTree>
+    <p:extLst>
+      <p:ext uri="{BB962C8B-B14F-4D97-AF65-F5344CB8AC3E}">
+        <p14:creationId xmlns:p14="http://schemas.microsoft.com/office/powerpoint/2010/main" val="2524933246"/>
+      </p:ext>
+    </p:extLst>
   </p:cSld>
   <p:clrMapOvr>
     <a:masterClrMapping/>
@@ -1285,7 +1210,7 @@
             <a:fld id="{C8DEF3BC-85DD-4ED2-8C84-4F0BB785FC11}" type="slidenum">
               <a:rPr lang="en-SG" smtClean="0"/>
               <a:pPr/>
-              <a:t>4</a:t>
+              <a:t>6</a:t>
             </a:fld>
             <a:endParaRPr lang="en-SG" dirty="0"/>
           </a:p>
@@ -1294,7 +1219,7 @@
     </p:spTree>
     <p:extLst>
       <p:ext uri="{BB962C8B-B14F-4D97-AF65-F5344CB8AC3E}">
-        <p14:creationId xmlns:p14="http://schemas.microsoft.com/office/powerpoint/2010/main" xmlns="" val="2524933246"/>
+        <p14:creationId xmlns:p14="http://schemas.microsoft.com/office/powerpoint/2010/main" val="414590761"/>
       </p:ext>
     </p:extLst>
   </p:cSld>
@@ -1305,11 +1230,11 @@
 </file>
 
 <file path=ppt/notesSlides/notesSlide4.xml><?xml version="1.0" encoding="utf-8"?>
-<p:notes xmlns:a="http://schemas.openxmlformats.org/drawingml/2006/main" xmlns:r="http://schemas.openxmlformats.org/officeDocument/2006/relationships" xmlns:p="http://schemas.openxmlformats.org/presentationml/2006/main">
+<p:notes xmlns:a="http://schemas.openxmlformats.org/drawingml/2006/main" xmlns:r="http://schemas.openxmlformats.org/officeDocument/2006/relationships" xmlns:p="http://schemas.openxmlformats.org/presentationml/2006/main" showMasterSp="0" showMasterPhAnim="0">
   <p:cSld>
     <p:spTree>
       <p:nvGrpSpPr>
-        <p:cNvPr id="1" name=""/>
+        <p:cNvPr id="1" name="Shape 52"/>
         <p:cNvGrpSpPr/>
         <p:nvPr/>
       </p:nvGrpSpPr>
@@ -1323,12 +1248,12 @@
       </p:grpSpPr>
       <p:sp>
         <p:nvSpPr>
-          <p:cNvPr id="2" name="Slide Image Placeholder 1"/>
+          <p:cNvPr id="53" name="Shape 53"/>
           <p:cNvSpPr>
             <a:spLocks noGrp="1" noRot="1" noChangeAspect="1"/>
           </p:cNvSpPr>
           <p:nvPr>
-            <p:ph type="sldImg"/>
+            <p:ph type="sldImg" idx="2"/>
           </p:nvPr>
         </p:nvSpPr>
         <p:spPr>
@@ -1336,67 +1261,71 @@
             <a:off x="381000" y="685800"/>
             <a:ext cx="6096000" cy="3429000"/>
           </a:xfrm>
+          <a:custGeom>
+            <a:avLst/>
+            <a:gdLst/>
+            <a:ahLst/>
+            <a:cxnLst/>
+            <a:rect l="0" t="0" r="0" b="0"/>
+            <a:pathLst>
+              <a:path w="120000" h="120000" extrusionOk="0">
+                <a:moveTo>
+                  <a:pt x="0" y="0"/>
+                </a:moveTo>
+                <a:lnTo>
+                  <a:pt x="120000" y="0"/>
+                </a:lnTo>
+                <a:lnTo>
+                  <a:pt x="120000" y="120000"/>
+                </a:lnTo>
+                <a:lnTo>
+                  <a:pt x="0" y="120000"/>
+                </a:lnTo>
+                <a:close/>
+              </a:path>
+            </a:pathLst>
+          </a:custGeom>
         </p:spPr>
       </p:sp>
       <p:sp>
         <p:nvSpPr>
-          <p:cNvPr id="3" name="Notes Placeholder 2"/>
-          <p:cNvSpPr>
+          <p:cNvPr id="54" name="Shape 54"/>
+          <p:cNvSpPr txBox="1">
             <a:spLocks noGrp="1"/>
           </p:cNvSpPr>
           <p:nvPr>
             <p:ph type="body" idx="1"/>
           </p:nvPr>
         </p:nvSpPr>
-        <p:spPr/>
-        <p:txBody>
-          <a:bodyPr/>
-          <a:lstStyle/>
-          <a:p>
-            <a:r>
-              <a:rPr lang="en-SG" dirty="0" smtClean="0"/>
-              <a:t>Explain why they are bad</a:t>
-            </a:r>
-            <a:endParaRPr lang="en-SG" dirty="0"/>
-          </a:p>
-        </p:txBody>
-      </p:sp>
-      <p:sp>
-        <p:nvSpPr>
-          <p:cNvPr id="4" name="Slide Number Placeholder 3"/>
-          <p:cNvSpPr>
-            <a:spLocks noGrp="1"/>
-          </p:cNvSpPr>
-          <p:nvPr>
-            <p:ph type="sldNum" sz="quarter" idx="10"/>
-          </p:nvPr>
-        </p:nvSpPr>
         <p:spPr>
           <a:xfrm>
-            <a:off x="3884613" y="8685213"/>
-            <a:ext cx="2971800" cy="458787"/>
+            <a:off x="685800" y="4343400"/>
+            <a:ext cx="5486400" cy="4114800"/>
           </a:xfrm>
           <a:prstGeom prst="rect">
             <a:avLst/>
           </a:prstGeom>
         </p:spPr>
         <p:txBody>
-          <a:bodyPr/>
+          <a:bodyPr lIns="91425" tIns="91425" rIns="91425" bIns="91425" anchor="t" anchorCtr="0">
+            <a:noAutofit/>
+          </a:bodyPr>
           <a:lstStyle/>
           <a:p>
-            <a:fld id="{C8DEF3BC-85DD-4ED2-8C84-4F0BB785FC11}" type="slidenum">
-              <a:rPr lang="en-SG" smtClean="0"/>
-              <a:pPr/>
-              <a:t>7</a:t>
-            </a:fld>
-            <a:endParaRPr lang="en-SG" dirty="0"/>
+            <a:pPr lvl="0">
+              <a:spcBef>
+                <a:spcPts val="0"/>
+              </a:spcBef>
+              <a:buNone/>
+            </a:pPr>
+            <a:endParaRPr/>
           </a:p>
         </p:txBody>
       </p:sp>
     </p:spTree>
     <p:extLst>
       <p:ext uri="{BB962C8B-B14F-4D97-AF65-F5344CB8AC3E}">
-        <p14:creationId xmlns:p14="http://schemas.microsoft.com/office/powerpoint/2010/main" xmlns="" val="414590761"/>
+        <p14:creationId xmlns:p14="http://schemas.microsoft.com/office/powerpoint/2010/main" val="2421236949"/>
       </p:ext>
     </p:extLst>
   </p:cSld>
@@ -1495,14 +1424,18 @@
               </a:spcBef>
               <a:buNone/>
             </a:pPr>
-            <a:endParaRPr/>
+            <a:r>
+              <a:rPr lang="en-SG" dirty="0" smtClean="0"/>
+              <a:t>Label components</a:t>
+            </a:r>
+            <a:endParaRPr dirty="0"/>
           </a:p>
         </p:txBody>
       </p:sp>
     </p:spTree>
     <p:extLst>
       <p:ext uri="{BB962C8B-B14F-4D97-AF65-F5344CB8AC3E}">
-        <p14:creationId xmlns:p14="http://schemas.microsoft.com/office/powerpoint/2010/main" xmlns="" val="2421236949"/>
+        <p14:creationId xmlns:p14="http://schemas.microsoft.com/office/powerpoint/2010/main" val="1686591511"/>
       </p:ext>
     </p:extLst>
   </p:cSld>
@@ -1517,7 +1450,7 @@
   <p:cSld>
     <p:spTree>
       <p:nvGrpSpPr>
-        <p:cNvPr id="1" name="Shape 52"/>
+        <p:cNvPr id="1" name="Shape 68"/>
         <p:cNvGrpSpPr/>
         <p:nvPr/>
       </p:nvGrpSpPr>
@@ -1531,7 +1464,7 @@
       </p:grpSpPr>
       <p:sp>
         <p:nvSpPr>
-          <p:cNvPr id="53" name="Shape 53"/>
+          <p:cNvPr id="69" name="Shape 69"/>
           <p:cNvSpPr>
             <a:spLocks noGrp="1" noRot="1" noChangeAspect="1"/>
           </p:cNvSpPr>
@@ -1572,7 +1505,7 @@
       </p:sp>
       <p:sp>
         <p:nvSpPr>
-          <p:cNvPr id="54" name="Shape 54"/>
+          <p:cNvPr id="70" name="Shape 70"/>
           <p:cNvSpPr txBox="1">
             <a:spLocks noGrp="1"/>
           </p:cNvSpPr>
@@ -1603,16 +1536,172 @@
             </a:pPr>
             <a:r>
               <a:rPr lang="en-SG" dirty="0" smtClean="0"/>
-              <a:t>Label components</a:t>
+              <a:t>Thank</a:t>
             </a:r>
-            <a:endParaRPr dirty="0"/>
+            <a:r>
+              <a:rPr lang="en-SG" baseline="0" dirty="0" smtClean="0"/>
+              <a:t> you </a:t>
+            </a:r>
+            <a:r>
+              <a:rPr lang="en-SG" baseline="0" dirty="0" err="1" smtClean="0"/>
+              <a:t>Riwu</a:t>
+            </a:r>
+            <a:r>
+              <a:rPr lang="en-SG" baseline="0" dirty="0" smtClean="0"/>
+              <a:t> and good afternoon everyone. I am Julian, and I will be bringing all of you through the add and edit capabilities of WURI. First off, WURI’s add feature is amazingly simple, built with the sole purpose of allowing users to add tasks with minimal effort. As showing will definitely bring more clarity than seeing, let us jump right into it! </a:t>
+            </a:r>
+          </a:p>
+          <a:p>
+            <a:pPr lvl="0">
+              <a:spcBef>
+                <a:spcPts val="0"/>
+              </a:spcBef>
+              <a:buNone/>
+            </a:pPr>
+            <a:r>
+              <a:rPr lang="en-SG" baseline="0" dirty="0" smtClean="0"/>
+              <a:t>Now, imagine that you want to read some books in your free time, at your own pace.</a:t>
+            </a:r>
+            <a:br>
+              <a:rPr lang="en-SG" baseline="0" dirty="0" smtClean="0"/>
+            </a:br>
+            <a:r>
+              <a:rPr lang="en-SG" baseline="0" dirty="0" smtClean="0"/>
+              <a:t>You can simply type “Read books” into WURI for it to be recorded down for you!</a:t>
+            </a:r>
+          </a:p>
+          <a:p>
+            <a:pPr lvl="0">
+              <a:spcBef>
+                <a:spcPts val="0"/>
+              </a:spcBef>
+              <a:buNone/>
+            </a:pPr>
+            <a:r>
+              <a:rPr lang="en-SG" baseline="0" dirty="0" smtClean="0"/>
+              <a:t>Now, lets just say that you are meeting a friend for lunch on this Saturday.</a:t>
+            </a:r>
+            <a:br>
+              <a:rPr lang="en-SG" baseline="0" dirty="0" smtClean="0"/>
+            </a:br>
+            <a:r>
+              <a:rPr lang="en-SG" baseline="0" dirty="0" smtClean="0"/>
+              <a:t>Simply type “Meet friend Saturday 12pm” to record it down into WURI.</a:t>
+            </a:r>
+          </a:p>
+          <a:p>
+            <a:pPr lvl="0">
+              <a:spcBef>
+                <a:spcPts val="0"/>
+              </a:spcBef>
+              <a:buNone/>
+            </a:pPr>
+            <a:r>
+              <a:rPr lang="en-SG" baseline="0" dirty="0" smtClean="0"/>
+              <a:t>Tada, isn’t it amazing?</a:t>
+            </a:r>
+          </a:p>
+          <a:p>
+            <a:pPr lvl="0">
+              <a:spcBef>
+                <a:spcPts val="0"/>
+              </a:spcBef>
+              <a:buNone/>
+            </a:pPr>
+            <a:r>
+              <a:rPr lang="en-SG" baseline="0" dirty="0" smtClean="0"/>
+              <a:t>Moving on, how many of us here have work due by the end of almost every week?</a:t>
+            </a:r>
+          </a:p>
+          <a:p>
+            <a:pPr lvl="0">
+              <a:spcBef>
+                <a:spcPts val="0"/>
+              </a:spcBef>
+              <a:buNone/>
+            </a:pPr>
+            <a:r>
+              <a:rPr lang="en-SG" baseline="0" dirty="0" smtClean="0"/>
+              <a:t>For me I often have work due by the midnight of Sunday. If you face a similar situation, no problem! Just type “Do work Sunday 23:59 1w” and WURI will now record this task every week on Sunday. If Sunday has passed and you want to move the deadline to the next weekend, simply type “d 1” to delete last Sunday’s task, bringing forth to the next week. I will leave </a:t>
+            </a:r>
+            <a:r>
+              <a:rPr lang="en-SG" baseline="0" dirty="0" err="1" smtClean="0"/>
+              <a:t>Ruomu</a:t>
+            </a:r>
+            <a:r>
+              <a:rPr lang="en-SG" baseline="0" dirty="0" smtClean="0"/>
+              <a:t> to discuss the rest of deletion later.</a:t>
+            </a:r>
+          </a:p>
+          <a:p>
+            <a:pPr lvl="0">
+              <a:spcBef>
+                <a:spcPts val="0"/>
+              </a:spcBef>
+              <a:buNone/>
+            </a:pPr>
+            <a:endParaRPr lang="en-SG" baseline="0" dirty="0" smtClean="0"/>
+          </a:p>
+          <a:p>
+            <a:pPr lvl="0">
+              <a:spcBef>
+                <a:spcPts val="0"/>
+              </a:spcBef>
+              <a:buNone/>
+            </a:pPr>
+            <a:r>
+              <a:rPr lang="en-SG" baseline="0" dirty="0" smtClean="0"/>
+              <a:t>Now imagine if your meeting with your friend got rescheduled to Thursday instead. Simply type “e 1 </a:t>
+            </a:r>
+            <a:r>
+              <a:rPr lang="en-SG" baseline="0" dirty="0" err="1" smtClean="0"/>
+              <a:t>thurs</a:t>
+            </a:r>
+            <a:r>
+              <a:rPr lang="en-SG" baseline="0" dirty="0" smtClean="0"/>
+              <a:t>” and the date will be edited accordingly.</a:t>
+            </a:r>
+            <a:br>
+              <a:rPr lang="en-SG" baseline="0" dirty="0" smtClean="0"/>
+            </a:br>
+            <a:r>
+              <a:rPr lang="en-SG" baseline="0" dirty="0" smtClean="0"/>
+              <a:t>Now what if your friend suddenly says that he can only make it for dinner as it is a weekday? Fret not! Type “e 1 7pm” and the new time will be reflected in WURI.</a:t>
+            </a:r>
+          </a:p>
+          <a:p>
+            <a:pPr lvl="0">
+              <a:spcBef>
+                <a:spcPts val="0"/>
+              </a:spcBef>
+              <a:buNone/>
+            </a:pPr>
+            <a:r>
+              <a:rPr lang="en-SG" baseline="0" dirty="0" smtClean="0"/>
+              <a:t>Lastly, imagine that your workload has increased and that you now have work due every 3 days! We totally understand that at this point, you do not have the time to fiddle around with fanciful commands, so we’ve kept it short and sweet. Simply type “e 2 3d” for your deadlines to now be set every 3 days!</a:t>
+            </a:r>
+            <a:br>
+              <a:rPr lang="en-SG" baseline="0" dirty="0" smtClean="0"/>
+            </a:br>
+            <a:r>
+              <a:rPr lang="en-SG" baseline="0" dirty="0" smtClean="0"/>
+              <a:t>I will now be passing the time over to </a:t>
+            </a:r>
+            <a:r>
+              <a:rPr lang="en-SG" baseline="0" dirty="0" err="1" smtClean="0"/>
+              <a:t>Ruomu</a:t>
+            </a:r>
+            <a:r>
+              <a:rPr lang="en-SG" baseline="0" dirty="0" smtClean="0"/>
+              <a:t> to talk about the rest of WURI’s capabilities.</a:t>
+            </a:r>
           </a:p>
         </p:txBody>
       </p:sp>
     </p:spTree>
     <p:extLst>
       <p:ext uri="{BB962C8B-B14F-4D97-AF65-F5344CB8AC3E}">
-        <p14:creationId xmlns:p14="http://schemas.microsoft.com/office/powerpoint/2010/main" xmlns="" val="1686591511"/>
+        <p14:creationId xmlns:p14="http://schemas.microsoft.com/office/powerpoint/2010/main" val="4004960693"/>
       </p:ext>
     </p:extLst>
   </p:cSld>
@@ -1711,174 +1800,14 @@
               </a:spcBef>
               <a:buNone/>
             </a:pPr>
-            <a:r>
-              <a:rPr lang="en-SG" dirty="0" smtClean="0"/>
-              <a:t>Thank</a:t>
-            </a:r>
-            <a:r>
-              <a:rPr lang="en-SG" baseline="0" dirty="0" smtClean="0"/>
-              <a:t> you </a:t>
-            </a:r>
-            <a:r>
-              <a:rPr lang="en-SG" baseline="0" dirty="0" err="1" smtClean="0"/>
-              <a:t>Riwu</a:t>
-            </a:r>
-            <a:r>
-              <a:rPr lang="en-SG" baseline="0" dirty="0" smtClean="0"/>
-              <a:t> and good afternoon everyone. I am Julian, and I will be bringing all of you through the add and edit capabilities of WURI. First off, WURI’s add feature is amazingly simple, built with the sole purpose of allowing users to add tasks with minimal effort. As showing will definitely bring more clarity than seeing, let us jump right into it! </a:t>
-            </a:r>
-          </a:p>
-          <a:p>
-            <a:pPr lvl="0">
-              <a:spcBef>
-                <a:spcPts val="0"/>
-              </a:spcBef>
-              <a:buNone/>
-            </a:pPr>
-            <a:r>
-              <a:rPr lang="en-SG" baseline="0" dirty="0" smtClean="0"/>
-              <a:t>Now, imagine that you want to read some books in your free time, at your own pace.</a:t>
-            </a:r>
-            <a:br>
-              <a:rPr lang="en-SG" baseline="0" dirty="0" smtClean="0"/>
-            </a:br>
-            <a:r>
-              <a:rPr lang="en-SG" baseline="0" dirty="0" smtClean="0"/>
-              <a:t>You can simply type “Read books” into WURI for it to be recorded down for you!</a:t>
-            </a:r>
-          </a:p>
-          <a:p>
-            <a:pPr lvl="0">
-              <a:spcBef>
-                <a:spcPts val="0"/>
-              </a:spcBef>
-              <a:buNone/>
-            </a:pPr>
-            <a:r>
-              <a:rPr lang="en-SG" baseline="0" dirty="0" smtClean="0"/>
-              <a:t>Now, lets just say that you are meeting a friend for lunch on this Saturday.</a:t>
-            </a:r>
-            <a:br>
-              <a:rPr lang="en-SG" baseline="0" dirty="0" smtClean="0"/>
-            </a:br>
-            <a:r>
-              <a:rPr lang="en-SG" baseline="0" dirty="0" smtClean="0"/>
-              <a:t>Simply type “Meet friend Saturday 12pm” to record it down into WURI.</a:t>
-            </a:r>
-          </a:p>
-          <a:p>
-            <a:pPr lvl="0">
-              <a:spcBef>
-                <a:spcPts val="0"/>
-              </a:spcBef>
-              <a:buNone/>
-            </a:pPr>
-            <a:r>
-              <a:rPr lang="en-SG" baseline="0" dirty="0" smtClean="0"/>
-              <a:t>Tada, isn’t it amazing?</a:t>
-            </a:r>
-          </a:p>
-          <a:p>
-            <a:pPr lvl="0">
-              <a:spcBef>
-                <a:spcPts val="0"/>
-              </a:spcBef>
-              <a:buNone/>
-            </a:pPr>
-            <a:r>
-              <a:rPr lang="en-SG" baseline="0" dirty="0" smtClean="0"/>
-              <a:t>Moving on, how many of us here have work due by the end of almost every week?</a:t>
-            </a:r>
-          </a:p>
-          <a:p>
-            <a:pPr lvl="0">
-              <a:spcBef>
-                <a:spcPts val="0"/>
-              </a:spcBef>
-              <a:buNone/>
-            </a:pPr>
-            <a:r>
-              <a:rPr lang="en-SG" baseline="0" dirty="0" smtClean="0"/>
-              <a:t>For me I often have work due by the midnight of Sunday. If you face a similar situation, no problem! Just type “Do work Sunday 23:59 1w” and WURI will now record this task every week on Sunday. If Sunday has passed and you want to move the deadline to the next weekend, simply type “d 1” to delete last Sunday’s task, bringing forth to the next week. I will leave </a:t>
-            </a:r>
-            <a:r>
-              <a:rPr lang="en-SG" baseline="0" dirty="0" err="1" smtClean="0"/>
-              <a:t>Ruomu</a:t>
-            </a:r>
-            <a:r>
-              <a:rPr lang="en-SG" baseline="0" dirty="0" smtClean="0"/>
-              <a:t> to discuss the rest of deletion later.</a:t>
-            </a:r>
-          </a:p>
-          <a:p>
-            <a:pPr lvl="0">
-              <a:spcBef>
-                <a:spcPts val="0"/>
-              </a:spcBef>
-              <a:buNone/>
-            </a:pPr>
-            <a:endParaRPr lang="en-SG" baseline="0" dirty="0" smtClean="0"/>
-          </a:p>
-          <a:p>
-            <a:pPr lvl="0">
-              <a:spcBef>
-                <a:spcPts val="0"/>
-              </a:spcBef>
-              <a:buNone/>
-            </a:pPr>
-            <a:r>
-              <a:rPr lang="en-SG" baseline="0" dirty="0" smtClean="0"/>
-              <a:t>Now imagine if your meeting with your friend got rescheduled to Thursday instead. Simply type “e 1 </a:t>
-            </a:r>
-            <a:r>
-              <a:rPr lang="en-SG" baseline="0" dirty="0" err="1" smtClean="0"/>
-              <a:t>thurs</a:t>
-            </a:r>
-            <a:r>
-              <a:rPr lang="en-SG" baseline="0" dirty="0" smtClean="0"/>
-              <a:t>” and the date will be edited accordingly.</a:t>
-            </a:r>
-            <a:br>
-              <a:rPr lang="en-SG" baseline="0" dirty="0" smtClean="0"/>
-            </a:br>
-            <a:r>
-              <a:rPr lang="en-SG" baseline="0" dirty="0" smtClean="0"/>
-              <a:t>Now what if your friend suddenly says that he can only make it for dinner as it is a weekday? Fret not! Type “e 1 7pm” and the new time will be reflected in WURI.</a:t>
-            </a:r>
-          </a:p>
-          <a:p>
-            <a:pPr lvl="0">
-              <a:spcBef>
-                <a:spcPts val="0"/>
-              </a:spcBef>
-              <a:buNone/>
-            </a:pPr>
-            <a:r>
-              <a:rPr lang="en-SG" baseline="0" dirty="0" smtClean="0"/>
-              <a:t>Lastly, imagine that your workload has increased and that you now have work due every 3 days! We totally understand that at this point, you do not have the time to fiddle around with fanciful commands, so we’ve kept it short and sweet. Simply type “e 2 3d” for your deadlines to now be set every 3 days!</a:t>
-            </a:r>
-            <a:br>
-              <a:rPr lang="en-SG" baseline="0" dirty="0" smtClean="0"/>
-            </a:br>
-            <a:r>
-              <a:rPr lang="en-SG" baseline="0" dirty="0" smtClean="0"/>
-              <a:t>I will now be passing the time over to </a:t>
-            </a:r>
-            <a:r>
-              <a:rPr lang="en-SG" baseline="0" dirty="0" err="1" smtClean="0"/>
-              <a:t>Ruomu</a:t>
-            </a:r>
-            <a:r>
-              <a:rPr lang="en-SG" baseline="0" dirty="0" smtClean="0"/>
-              <a:t> to talk about the rest of WURI’s capabilities.</a:t>
-            </a:r>
+            <a:endParaRPr dirty="0"/>
           </a:p>
         </p:txBody>
       </p:sp>
     </p:spTree>
     <p:extLst>
       <p:ext uri="{BB962C8B-B14F-4D97-AF65-F5344CB8AC3E}">
-        <p14:creationId xmlns:p14="http://schemas.microsoft.com/office/powerpoint/2010/main" xmlns="" val="4004960693"/>
+        <p14:creationId xmlns:p14="http://schemas.microsoft.com/office/powerpoint/2010/main" val="2130086438"/>
       </p:ext>
     </p:extLst>
   </p:cSld>
@@ -1889,112 +1818,6 @@
 </file>
 
 <file path=ppt/notesSlides/notesSlide8.xml><?xml version="1.0" encoding="utf-8"?>
-<p:notes xmlns:a="http://schemas.openxmlformats.org/drawingml/2006/main" xmlns:r="http://schemas.openxmlformats.org/officeDocument/2006/relationships" xmlns:p="http://schemas.openxmlformats.org/presentationml/2006/main" showMasterSp="0" showMasterPhAnim="0">
-  <p:cSld>
-    <p:spTree>
-      <p:nvGrpSpPr>
-        <p:cNvPr id="1" name="Shape 68"/>
-        <p:cNvGrpSpPr/>
-        <p:nvPr/>
-      </p:nvGrpSpPr>
-      <p:grpSpPr>
-        <a:xfrm>
-          <a:off x="0" y="0"/>
-          <a:ext cx="0" cy="0"/>
-          <a:chOff x="0" y="0"/>
-          <a:chExt cx="0" cy="0"/>
-        </a:xfrm>
-      </p:grpSpPr>
-      <p:sp>
-        <p:nvSpPr>
-          <p:cNvPr id="69" name="Shape 69"/>
-          <p:cNvSpPr>
-            <a:spLocks noGrp="1" noRot="1" noChangeAspect="1"/>
-          </p:cNvSpPr>
-          <p:nvPr>
-            <p:ph type="sldImg" idx="2"/>
-          </p:nvPr>
-        </p:nvSpPr>
-        <p:spPr>
-          <a:xfrm>
-            <a:off x="381000" y="685800"/>
-            <a:ext cx="6096000" cy="3429000"/>
-          </a:xfrm>
-          <a:custGeom>
-            <a:avLst/>
-            <a:gdLst/>
-            <a:ahLst/>
-            <a:cxnLst/>
-            <a:rect l="0" t="0" r="0" b="0"/>
-            <a:pathLst>
-              <a:path w="120000" h="120000" extrusionOk="0">
-                <a:moveTo>
-                  <a:pt x="0" y="0"/>
-                </a:moveTo>
-                <a:lnTo>
-                  <a:pt x="120000" y="0"/>
-                </a:lnTo>
-                <a:lnTo>
-                  <a:pt x="120000" y="120000"/>
-                </a:lnTo>
-                <a:lnTo>
-                  <a:pt x="0" y="120000"/>
-                </a:lnTo>
-                <a:close/>
-              </a:path>
-            </a:pathLst>
-          </a:custGeom>
-        </p:spPr>
-      </p:sp>
-      <p:sp>
-        <p:nvSpPr>
-          <p:cNvPr id="70" name="Shape 70"/>
-          <p:cNvSpPr txBox="1">
-            <a:spLocks noGrp="1"/>
-          </p:cNvSpPr>
-          <p:nvPr>
-            <p:ph type="body" idx="1"/>
-          </p:nvPr>
-        </p:nvSpPr>
-        <p:spPr>
-          <a:xfrm>
-            <a:off x="685800" y="4343400"/>
-            <a:ext cx="5486400" cy="4114800"/>
-          </a:xfrm>
-          <a:prstGeom prst="rect">
-            <a:avLst/>
-          </a:prstGeom>
-        </p:spPr>
-        <p:txBody>
-          <a:bodyPr lIns="91425" tIns="91425" rIns="91425" bIns="91425" anchor="t" anchorCtr="0">
-            <a:noAutofit/>
-          </a:bodyPr>
-          <a:lstStyle/>
-          <a:p>
-            <a:pPr lvl="0">
-              <a:spcBef>
-                <a:spcPts val="0"/>
-              </a:spcBef>
-              <a:buNone/>
-            </a:pPr>
-            <a:endParaRPr dirty="0"/>
-          </a:p>
-        </p:txBody>
-      </p:sp>
-    </p:spTree>
-    <p:extLst>
-      <p:ext uri="{BB962C8B-B14F-4D97-AF65-F5344CB8AC3E}">
-        <p14:creationId xmlns:p14="http://schemas.microsoft.com/office/powerpoint/2010/main" xmlns="" val="2130086438"/>
-      </p:ext>
-    </p:extLst>
-  </p:cSld>
-  <p:clrMapOvr>
-    <a:masterClrMapping/>
-  </p:clrMapOvr>
-</p:notes>
-</file>
-
-<file path=ppt/notesSlides/notesSlide9.xml><?xml version="1.0" encoding="utf-8"?>
 <p:notes xmlns:a="http://schemas.openxmlformats.org/drawingml/2006/main" xmlns:r="http://schemas.openxmlformats.org/officeDocument/2006/relationships" xmlns:p="http://schemas.openxmlformats.org/presentationml/2006/main" showMasterSp="0" showMasterPhAnim="0">
   <p:cSld>
     <p:spTree>
@@ -2090,7 +1913,113 @@
     </p:spTree>
     <p:extLst>
       <p:ext uri="{BB962C8B-B14F-4D97-AF65-F5344CB8AC3E}">
-        <p14:creationId xmlns:p14="http://schemas.microsoft.com/office/powerpoint/2010/main" xmlns="" val="1888858988"/>
+        <p14:creationId xmlns:p14="http://schemas.microsoft.com/office/powerpoint/2010/main" val="1888858988"/>
+      </p:ext>
+    </p:extLst>
+  </p:cSld>
+  <p:clrMapOvr>
+    <a:masterClrMapping/>
+  </p:clrMapOvr>
+</p:notes>
+</file>
+
+<file path=ppt/notesSlides/notesSlide9.xml><?xml version="1.0" encoding="utf-8"?>
+<p:notes xmlns:a="http://schemas.openxmlformats.org/drawingml/2006/main" xmlns:r="http://schemas.openxmlformats.org/officeDocument/2006/relationships" xmlns:p="http://schemas.openxmlformats.org/presentationml/2006/main" showMasterSp="0" showMasterPhAnim="0">
+  <p:cSld>
+    <p:spTree>
+      <p:nvGrpSpPr>
+        <p:cNvPr id="1" name="Shape 86"/>
+        <p:cNvGrpSpPr/>
+        <p:nvPr/>
+      </p:nvGrpSpPr>
+      <p:grpSpPr>
+        <a:xfrm>
+          <a:off x="0" y="0"/>
+          <a:ext cx="0" cy="0"/>
+          <a:chOff x="0" y="0"/>
+          <a:chExt cx="0" cy="0"/>
+        </a:xfrm>
+      </p:grpSpPr>
+      <p:sp>
+        <p:nvSpPr>
+          <p:cNvPr id="87" name="Shape 87"/>
+          <p:cNvSpPr>
+            <a:spLocks noGrp="1" noRot="1" noChangeAspect="1"/>
+          </p:cNvSpPr>
+          <p:nvPr>
+            <p:ph type="sldImg" idx="2"/>
+          </p:nvPr>
+        </p:nvSpPr>
+        <p:spPr>
+          <a:xfrm>
+            <a:off x="381000" y="685800"/>
+            <a:ext cx="6096000" cy="3429000"/>
+          </a:xfrm>
+          <a:custGeom>
+            <a:avLst/>
+            <a:gdLst/>
+            <a:ahLst/>
+            <a:cxnLst/>
+            <a:rect l="0" t="0" r="0" b="0"/>
+            <a:pathLst>
+              <a:path w="120000" h="120000" extrusionOk="0">
+                <a:moveTo>
+                  <a:pt x="0" y="0"/>
+                </a:moveTo>
+                <a:lnTo>
+                  <a:pt x="120000" y="0"/>
+                </a:lnTo>
+                <a:lnTo>
+                  <a:pt x="120000" y="120000"/>
+                </a:lnTo>
+                <a:lnTo>
+                  <a:pt x="0" y="120000"/>
+                </a:lnTo>
+                <a:close/>
+              </a:path>
+            </a:pathLst>
+          </a:custGeom>
+        </p:spPr>
+      </p:sp>
+      <p:sp>
+        <p:nvSpPr>
+          <p:cNvPr id="88" name="Shape 88"/>
+          <p:cNvSpPr txBox="1">
+            <a:spLocks noGrp="1"/>
+          </p:cNvSpPr>
+          <p:nvPr>
+            <p:ph type="body" idx="1"/>
+          </p:nvPr>
+        </p:nvSpPr>
+        <p:spPr>
+          <a:xfrm>
+            <a:off x="685800" y="4343400"/>
+            <a:ext cx="5486400" cy="4114800"/>
+          </a:xfrm>
+          <a:prstGeom prst="rect">
+            <a:avLst/>
+          </a:prstGeom>
+        </p:spPr>
+        <p:txBody>
+          <a:bodyPr lIns="91425" tIns="91425" rIns="91425" bIns="91425" anchor="t" anchorCtr="0">
+            <a:noAutofit/>
+          </a:bodyPr>
+          <a:lstStyle/>
+          <a:p>
+            <a:pPr lvl="0">
+              <a:spcBef>
+                <a:spcPts val="0"/>
+              </a:spcBef>
+              <a:buNone/>
+            </a:pPr>
+            <a:endParaRPr/>
+          </a:p>
+        </p:txBody>
+      </p:sp>
+    </p:spTree>
+    <p:extLst>
+      <p:ext uri="{BB962C8B-B14F-4D97-AF65-F5344CB8AC3E}">
+        <p14:creationId xmlns:p14="http://schemas.microsoft.com/office/powerpoint/2010/main" val="1812763220"/>
       </p:ext>
     </p:extLst>
   </p:cSld>
@@ -3488,7 +3417,7 @@
     </p:spTree>
     <p:extLst>
       <p:ext uri="{BB962C8B-B14F-4D97-AF65-F5344CB8AC3E}">
-        <p14:creationId xmlns:p14="http://schemas.microsoft.com/office/powerpoint/2010/main" xmlns="" val="3223919070"/>
+        <p14:creationId xmlns:p14="http://schemas.microsoft.com/office/powerpoint/2010/main" val="3223919070"/>
       </p:ext>
     </p:extLst>
   </p:cSld>
@@ -7202,7 +7131,7 @@
           <a:blip r:embed="rId3">
             <a:extLst>
               <a:ext uri="{28A0092B-C50C-407E-A947-70E740481C1C}">
-                <a14:useLocalDpi xmlns:a14="http://schemas.microsoft.com/office/drawing/2010/main" xmlns="" val="0"/>
+                <a14:useLocalDpi xmlns:a14="http://schemas.microsoft.com/office/drawing/2010/main" val="0"/>
               </a:ext>
             </a:extLst>
           </a:blip>
@@ -7232,7 +7161,7 @@
           <a:blip r:embed="rId4" cstate="print">
             <a:extLst>
               <a:ext uri="{28A0092B-C50C-407E-A947-70E740481C1C}">
-                <a14:useLocalDpi xmlns:a14="http://schemas.microsoft.com/office/drawing/2010/main" xmlns="" val="0"/>
+                <a14:useLocalDpi xmlns:a14="http://schemas.microsoft.com/office/drawing/2010/main" val="0"/>
               </a:ext>
             </a:extLst>
           </a:blip>
@@ -7262,7 +7191,7 @@
           <a:blip r:embed="rId5">
             <a:extLst>
               <a:ext uri="{28A0092B-C50C-407E-A947-70E740481C1C}">
-                <a14:useLocalDpi xmlns:a14="http://schemas.microsoft.com/office/drawing/2010/main" xmlns="" val="0"/>
+                <a14:useLocalDpi xmlns:a14="http://schemas.microsoft.com/office/drawing/2010/main" val="0"/>
               </a:ext>
             </a:extLst>
           </a:blip>
@@ -7282,7 +7211,7 @@
           <a:noFill/>
           <a:extLst>
             <a:ext uri="{909E8E84-426E-40DD-AFC4-6F175D3DCCD1}">
-              <a14:hiddenFill xmlns:a14="http://schemas.microsoft.com/office/drawing/2010/main" xmlns="">
+              <a14:hiddenFill xmlns:a14="http://schemas.microsoft.com/office/drawing/2010/main">
                 <a:solidFill>
                   <a:srgbClr val="FFFFFF"/>
                 </a:solidFill>
@@ -7303,7 +7232,7 @@
           <a:blip r:embed="rId6" cstate="print">
             <a:extLst>
               <a:ext uri="{28A0092B-C50C-407E-A947-70E740481C1C}">
-                <a14:useLocalDpi xmlns:a14="http://schemas.microsoft.com/office/drawing/2010/main" xmlns="" val="0"/>
+                <a14:useLocalDpi xmlns:a14="http://schemas.microsoft.com/office/drawing/2010/main" val="0"/>
               </a:ext>
             </a:extLst>
           </a:blip>
@@ -7414,18 +7343,18 @@
     </p:spTree>
     <p:extLst>
       <p:ext uri="{BB962C8B-B14F-4D97-AF65-F5344CB8AC3E}">
-        <p14:creationId xmlns:p14="http://schemas.microsoft.com/office/powerpoint/2010/main" xmlns="" val="3837311647"/>
+        <p14:creationId xmlns:p14="http://schemas.microsoft.com/office/powerpoint/2010/main" val="3837311647"/>
       </p:ext>
     </p:extLst>
   </p:cSld>
   <p:clrMapOvr>
     <a:masterClrMapping/>
   </p:clrMapOvr>
-  <mc:AlternateContent xmlns:mc="http://schemas.openxmlformats.org/markup-compatibility/2006">
-    <mc:Choice xmlns:p14="http://schemas.microsoft.com/office/powerpoint/2010/main" xmlns="" Requires="p14">
+  <mc:AlternateContent xmlns:mc="http://schemas.openxmlformats.org/markup-compatibility/2006" xmlns:p14="http://schemas.microsoft.com/office/powerpoint/2010/main">
+    <mc:Choice Requires="p14">
       <p:transition p14:dur="10"/>
     </mc:Choice>
-    <mc:Fallback>
+    <mc:Fallback xmlns="">
       <p:transition/>
     </mc:Fallback>
   </mc:AlternateContent>
@@ -7468,7 +7397,324 @@
         </p:nvSpPr>
         <p:spPr>
           <a:xfrm>
-            <a:off x="1485900" y="1491630"/>
+            <a:off x="1259632" y="1851660"/>
+            <a:ext cx="6779961" cy="3291840"/>
+          </a:xfrm>
+        </p:spPr>
+        <p:txBody>
+          <a:bodyPr>
+            <a:normAutofit/>
+          </a:bodyPr>
+          <a:lstStyle/>
+          <a:p>
+            <a:r>
+              <a:rPr lang="en-SG" sz="2700" dirty="0" smtClean="0">
+                <a:latin typeface="Verdana" panose="020B0604030504040204" pitchFamily="34" charset="0"/>
+                <a:ea typeface="Verdana" panose="020B0604030504040204" pitchFamily="34" charset="0"/>
+                <a:cs typeface="Verdana" panose="020B0604030504040204" pitchFamily="34" charset="0"/>
+              </a:rPr>
+              <a:t>Download for free at </a:t>
+            </a:r>
+            <a:r>
+              <a:rPr lang="en-SG" sz="2700" dirty="0" smtClean="0">
+                <a:latin typeface="Verdana" panose="020B0604030504040204" pitchFamily="34" charset="0"/>
+                <a:ea typeface="Verdana" panose="020B0604030504040204" pitchFamily="34" charset="0"/>
+                <a:cs typeface="Verdana" panose="020B0604030504040204" pitchFamily="34" charset="0"/>
+                <a:hlinkClick r:id="rId2"/>
+              </a:rPr>
+              <a:t>www.java.com</a:t>
+            </a:r>
+            <a:endParaRPr lang="en-SG" sz="2700" dirty="0" smtClean="0">
+              <a:latin typeface="Verdana" panose="020B0604030504040204" pitchFamily="34" charset="0"/>
+              <a:ea typeface="Verdana" panose="020B0604030504040204" pitchFamily="34" charset="0"/>
+              <a:cs typeface="Verdana" panose="020B0604030504040204" pitchFamily="34" charset="0"/>
+            </a:endParaRPr>
+          </a:p>
+          <a:p>
+            <a:pPr marL="0" indent="0">
+              <a:buNone/>
+            </a:pPr>
+            <a:endParaRPr lang="en-SG" sz="2700" dirty="0">
+              <a:latin typeface="Verdana" panose="020B0604030504040204" pitchFamily="34" charset="0"/>
+              <a:ea typeface="Verdana" panose="020B0604030504040204" pitchFamily="34" charset="0"/>
+              <a:cs typeface="Verdana" panose="020B0604030504040204" pitchFamily="34" charset="0"/>
+            </a:endParaRPr>
+          </a:p>
+          <a:p>
+            <a:r>
+              <a:rPr lang="en-SG" sz="2700" dirty="0" smtClean="0">
+                <a:latin typeface="Verdana" panose="020B0604030504040204" pitchFamily="34" charset="0"/>
+                <a:ea typeface="Verdana" panose="020B0604030504040204" pitchFamily="34" charset="0"/>
+                <a:cs typeface="Verdana" panose="020B0604030504040204" pitchFamily="34" charset="0"/>
+              </a:rPr>
+              <a:t>Windows</a:t>
+            </a:r>
+            <a:r>
+              <a:rPr lang="en-SG" sz="2700" dirty="0">
+                <a:latin typeface="Verdana" panose="020B0604030504040204" pitchFamily="34" charset="0"/>
+                <a:ea typeface="Verdana" panose="020B0604030504040204" pitchFamily="34" charset="0"/>
+                <a:cs typeface="Verdana" panose="020B0604030504040204" pitchFamily="34" charset="0"/>
+              </a:rPr>
+              <a:t>, Linux, Mac</a:t>
+            </a:r>
+          </a:p>
+          <a:p>
+            <a:endParaRPr lang="en-SG" dirty="0" smtClean="0">
+              <a:latin typeface="Verdana" panose="020B0604030504040204" pitchFamily="34" charset="0"/>
+              <a:ea typeface="Verdana" panose="020B0604030504040204" pitchFamily="34" charset="0"/>
+              <a:cs typeface="Verdana" panose="020B0604030504040204" pitchFamily="34" charset="0"/>
+            </a:endParaRPr>
+          </a:p>
+          <a:p>
+            <a:endParaRPr lang="en-SG" dirty="0" smtClean="0">
+              <a:latin typeface="Verdana" panose="020B0604030504040204" pitchFamily="34" charset="0"/>
+              <a:ea typeface="Verdana" panose="020B0604030504040204" pitchFamily="34" charset="0"/>
+              <a:cs typeface="Verdana" panose="020B0604030504040204" pitchFamily="34" charset="0"/>
+            </a:endParaRPr>
+          </a:p>
+        </p:txBody>
+      </p:sp>
+      <p:sp>
+        <p:nvSpPr>
+          <p:cNvPr id="2" name="Title 1"/>
+          <p:cNvSpPr>
+            <a:spLocks noGrp="1"/>
+          </p:cNvSpPr>
+          <p:nvPr>
+            <p:ph type="title"/>
+          </p:nvPr>
+        </p:nvSpPr>
+        <p:spPr/>
+        <p:txBody>
+          <a:bodyPr>
+            <a:normAutofit/>
+          </a:bodyPr>
+          <a:lstStyle/>
+          <a:p>
+            <a:r>
+              <a:rPr lang="en-SG" sz="4050" dirty="0">
+                <a:latin typeface="Verdana" panose="020B0604030504040204" pitchFamily="34" charset="0"/>
+                <a:ea typeface="Verdana" panose="020B0604030504040204" pitchFamily="34" charset="0"/>
+                <a:cs typeface="Verdana" panose="020B0604030504040204" pitchFamily="34" charset="0"/>
+              </a:rPr>
+              <a:t>Run on </a:t>
+            </a:r>
+            <a:r>
+              <a:rPr lang="en-SG" sz="4050" dirty="0" smtClean="0">
+                <a:latin typeface="Verdana" panose="020B0604030504040204" pitchFamily="34" charset="0"/>
+                <a:ea typeface="Verdana" panose="020B0604030504040204" pitchFamily="34" charset="0"/>
+                <a:cs typeface="Verdana" panose="020B0604030504040204" pitchFamily="34" charset="0"/>
+              </a:rPr>
+              <a:t>anything with Java</a:t>
+            </a:r>
+            <a:endParaRPr lang="en-SG" sz="4050" dirty="0">
+              <a:latin typeface="Verdana" panose="020B0604030504040204" pitchFamily="34" charset="0"/>
+              <a:ea typeface="Verdana" panose="020B0604030504040204" pitchFamily="34" charset="0"/>
+              <a:cs typeface="Verdana" panose="020B0604030504040204" pitchFamily="34" charset="0"/>
+            </a:endParaRPr>
+          </a:p>
+        </p:txBody>
+      </p:sp>
+    </p:spTree>
+    <p:extLst>
+      <p:ext uri="{BB962C8B-B14F-4D97-AF65-F5344CB8AC3E}">
+        <p14:creationId xmlns:p14="http://schemas.microsoft.com/office/powerpoint/2010/main" val="1753727268"/>
+      </p:ext>
+    </p:extLst>
+  </p:cSld>
+  <p:clrMapOvr>
+    <a:masterClrMapping/>
+  </p:clrMapOvr>
+  <mc:AlternateContent xmlns:mc="http://schemas.openxmlformats.org/markup-compatibility/2006" xmlns:p14="http://schemas.microsoft.com/office/powerpoint/2010/main">
+    <mc:Choice Requires="p14">
+      <p:transition spd="med" p14:dur="700">
+        <p:fade/>
+      </p:transition>
+    </mc:Choice>
+    <mc:Fallback xmlns="">
+      <p:transition spd="med">
+        <p:fade/>
+      </p:transition>
+    </mc:Fallback>
+  </mc:AlternateContent>
+  <p:timing>
+    <p:tnLst>
+      <p:par>
+        <p:cTn id="1" dur="indefinite" restart="never" nodeType="tmRoot">
+          <p:childTnLst>
+            <p:seq concurrent="1" nextAc="seek">
+              <p:cTn id="2" dur="indefinite" nodeType="mainSeq">
+                <p:childTnLst>
+                  <p:par>
+                    <p:cTn id="3" fill="hold">
+                      <p:stCondLst>
+                        <p:cond delay="indefinite"/>
+                      </p:stCondLst>
+                      <p:childTnLst>
+                        <p:par>
+                          <p:cTn id="4" fill="hold">
+                            <p:stCondLst>
+                              <p:cond delay="0"/>
+                            </p:stCondLst>
+                            <p:childTnLst>
+                              <p:par>
+                                <p:cTn id="5" presetID="42" presetClass="entr" presetSubtype="0" fill="hold" nodeType="clickEffect">
+                                  <p:stCondLst>
+                                    <p:cond delay="0"/>
+                                  </p:stCondLst>
+                                  <p:childTnLst>
+                                    <p:set>
+                                      <p:cBhvr>
+                                        <p:cTn id="6" dur="1" fill="hold">
+                                          <p:stCondLst>
+                                            <p:cond delay="0"/>
+                                          </p:stCondLst>
+                                        </p:cTn>
+                                        <p:tgtEl>
+                                          <p:spTgt spid="3">
+                                            <p:txEl>
+                                              <p:pRg st="2" end="2"/>
+                                            </p:txEl>
+                                          </p:spTgt>
+                                        </p:tgtEl>
+                                        <p:attrNameLst>
+                                          <p:attrName>style.visibility</p:attrName>
+                                        </p:attrNameLst>
+                                      </p:cBhvr>
+                                      <p:to>
+                                        <p:strVal val="visible"/>
+                                      </p:to>
+                                    </p:set>
+                                    <p:animEffect transition="in" filter="fade">
+                                      <p:cBhvr>
+                                        <p:cTn id="7" dur="500"/>
+                                        <p:tgtEl>
+                                          <p:spTgt spid="3">
+                                            <p:txEl>
+                                              <p:pRg st="2" end="2"/>
+                                            </p:txEl>
+                                          </p:spTgt>
+                                        </p:tgtEl>
+                                      </p:cBhvr>
+                                    </p:animEffect>
+                                    <p:anim calcmode="lin" valueType="num">
+                                      <p:cBhvr>
+                                        <p:cTn id="8" dur="500" fill="hold"/>
+                                        <p:tgtEl>
+                                          <p:spTgt spid="3">
+                                            <p:txEl>
+                                              <p:pRg st="2" end="2"/>
+                                            </p:txEl>
+                                          </p:spTgt>
+                                        </p:tgtEl>
+                                        <p:attrNameLst>
+                                          <p:attrName>ppt_x</p:attrName>
+                                        </p:attrNameLst>
+                                      </p:cBhvr>
+                                      <p:tavLst>
+                                        <p:tav tm="0">
+                                          <p:val>
+                                            <p:strVal val="#ppt_x"/>
+                                          </p:val>
+                                        </p:tav>
+                                        <p:tav tm="100000">
+                                          <p:val>
+                                            <p:strVal val="#ppt_x"/>
+                                          </p:val>
+                                        </p:tav>
+                                      </p:tavLst>
+                                    </p:anim>
+                                    <p:anim calcmode="lin" valueType="num">
+                                      <p:cBhvr>
+                                        <p:cTn id="9" dur="500" fill="hold"/>
+                                        <p:tgtEl>
+                                          <p:spTgt spid="3">
+                                            <p:txEl>
+                                              <p:pRg st="2" end="2"/>
+                                            </p:txEl>
+                                          </p:spTgt>
+                                        </p:tgtEl>
+                                        <p:attrNameLst>
+                                          <p:attrName>ppt_y</p:attrName>
+                                        </p:attrNameLst>
+                                      </p:cBhvr>
+                                      <p:tavLst>
+                                        <p:tav tm="0">
+                                          <p:val>
+                                            <p:strVal val="#ppt_y+.1"/>
+                                          </p:val>
+                                        </p:tav>
+                                        <p:tav tm="100000">
+                                          <p:val>
+                                            <p:strVal val="#ppt_y"/>
+                                          </p:val>
+                                        </p:tav>
+                                      </p:tavLst>
+                                    </p:anim>
+                                  </p:childTnLst>
+                                </p:cTn>
+                              </p:par>
+                            </p:childTnLst>
+                          </p:cTn>
+                        </p:par>
+                      </p:childTnLst>
+                    </p:cTn>
+                  </p:par>
+                </p:childTnLst>
+              </p:cTn>
+              <p:prevCondLst>
+                <p:cond evt="onPrev" delay="0">
+                  <p:tgtEl>
+                    <p:sldTgt/>
+                  </p:tgtEl>
+                </p:cond>
+              </p:prevCondLst>
+              <p:nextCondLst>
+                <p:cond evt="onNext" delay="0">
+                  <p:tgtEl>
+                    <p:sldTgt/>
+                  </p:tgtEl>
+                </p:cond>
+              </p:nextCondLst>
+            </p:seq>
+          </p:childTnLst>
+        </p:cTn>
+      </p:par>
+    </p:tnLst>
+  </p:timing>
+</p:sld>
+</file>
+
+<file path=ppt/slides/slide11.xml><?xml version="1.0" encoding="utf-8"?>
+<p:sld xmlns:a="http://schemas.openxmlformats.org/drawingml/2006/main" xmlns:r="http://schemas.openxmlformats.org/officeDocument/2006/relationships" xmlns:p="http://schemas.openxmlformats.org/presentationml/2006/main">
+  <p:cSld>
+    <p:spTree>
+      <p:nvGrpSpPr>
+        <p:cNvPr id="1" name=""/>
+        <p:cNvGrpSpPr/>
+        <p:nvPr/>
+      </p:nvGrpSpPr>
+      <p:grpSpPr>
+        <a:xfrm>
+          <a:off x="0" y="0"/>
+          <a:ext cx="0" cy="0"/>
+          <a:chOff x="0" y="0"/>
+          <a:chExt cx="0" cy="0"/>
+        </a:xfrm>
+      </p:grpSpPr>
+      <p:sp>
+        <p:nvSpPr>
+          <p:cNvPr id="3" name="Content Placeholder 2"/>
+          <p:cNvSpPr>
+            <a:spLocks noGrp="1"/>
+          </p:cNvSpPr>
+          <p:nvPr>
+            <p:ph idx="1"/>
+          </p:nvPr>
+        </p:nvSpPr>
+        <p:spPr>
+          <a:xfrm>
+            <a:off x="1464447" y="1714494"/>
             <a:ext cx="6172200" cy="3291840"/>
           </a:xfrm>
         </p:spPr>
@@ -7479,63 +7725,51 @@
           <a:lstStyle/>
           <a:p>
             <a:r>
+              <a:rPr lang="en-SG" sz="2700" dirty="0" smtClean="0">
+                <a:latin typeface="Verdana" panose="020B0604030504040204" pitchFamily="34" charset="0"/>
+                <a:ea typeface="Verdana" panose="020B0604030504040204" pitchFamily="34" charset="0"/>
+                <a:cs typeface="Verdana" panose="020B0604030504040204" pitchFamily="34" charset="0"/>
+              </a:rPr>
+              <a:t>Task </a:t>
+            </a:r>
+            <a:r>
               <a:rPr lang="en-SG" sz="2700" dirty="0">
                 <a:latin typeface="Verdana" panose="020B0604030504040204" pitchFamily="34" charset="0"/>
                 <a:ea typeface="Verdana" panose="020B0604030504040204" pitchFamily="34" charset="0"/>
                 <a:cs typeface="Verdana" panose="020B0604030504040204" pitchFamily="34" charset="0"/>
               </a:rPr>
-              <a:t>Safe and </a:t>
+              <a:t>list saved to file after every operation. </a:t>
             </a:r>
+            <a:endParaRPr lang="en-SG" sz="2700" dirty="0" smtClean="0">
+              <a:latin typeface="Verdana" panose="020B0604030504040204" pitchFamily="34" charset="0"/>
+              <a:ea typeface="Verdana" panose="020B0604030504040204" pitchFamily="34" charset="0"/>
+              <a:cs typeface="Verdana" panose="020B0604030504040204" pitchFamily="34" charset="0"/>
+            </a:endParaRPr>
+          </a:p>
+          <a:p>
+            <a:pPr marL="0" indent="0">
+              <a:buNone/>
+            </a:pPr>
+            <a:endParaRPr lang="en-SG" sz="2700" dirty="0">
+              <a:latin typeface="Verdana" panose="020B0604030504040204" pitchFamily="34" charset="0"/>
+              <a:ea typeface="Verdana" panose="020B0604030504040204" pitchFamily="34" charset="0"/>
+              <a:cs typeface="Verdana" panose="020B0604030504040204" pitchFamily="34" charset="0"/>
+            </a:endParaRPr>
+          </a:p>
+          <a:p>
             <a:r>
               <a:rPr lang="en-SG" sz="2700" dirty="0" smtClean="0">
                 <a:latin typeface="Verdana" panose="020B0604030504040204" pitchFamily="34" charset="0"/>
                 <a:ea typeface="Verdana" panose="020B0604030504040204" pitchFamily="34" charset="0"/>
                 <a:cs typeface="Verdana" panose="020B0604030504040204" pitchFamily="34" charset="0"/>
               </a:rPr>
-              <a:t>Virus-free</a:t>
+              <a:t>Stable and never crashes</a:t>
             </a:r>
-          </a:p>
-          <a:p>
             <a:endParaRPr lang="en-SG" sz="2700" dirty="0">
               <a:latin typeface="Verdana" panose="020B0604030504040204" pitchFamily="34" charset="0"/>
               <a:ea typeface="Verdana" panose="020B0604030504040204" pitchFamily="34" charset="0"/>
               <a:cs typeface="Verdana" panose="020B0604030504040204" pitchFamily="34" charset="0"/>
             </a:endParaRPr>
-          </a:p>
-          <a:p>
-            <a:r>
-              <a:rPr lang="en-SG" sz="2700" dirty="0">
-                <a:latin typeface="Verdana" panose="020B0604030504040204" pitchFamily="34" charset="0"/>
-                <a:ea typeface="Verdana" panose="020B0604030504040204" pitchFamily="34" charset="0"/>
-                <a:cs typeface="Verdana" panose="020B0604030504040204" pitchFamily="34" charset="0"/>
-              </a:rPr>
-              <a:t>Continuously developed; never </a:t>
-            </a:r>
-            <a:r>
-              <a:rPr lang="en-SG" sz="2700" dirty="0" smtClean="0">
-                <a:latin typeface="Verdana" panose="020B0604030504040204" pitchFamily="34" charset="0"/>
-                <a:ea typeface="Verdana" panose="020B0604030504040204" pitchFamily="34" charset="0"/>
-                <a:cs typeface="Verdana" panose="020B0604030504040204" pitchFamily="34" charset="0"/>
-              </a:rPr>
-              <a:t>obsolete</a:t>
-            </a:r>
-          </a:p>
-          <a:p>
-            <a:endParaRPr lang="en-SG" sz="2700" dirty="0">
-              <a:latin typeface="Verdana" panose="020B0604030504040204" pitchFamily="34" charset="0"/>
-              <a:ea typeface="Verdana" panose="020B0604030504040204" pitchFamily="34" charset="0"/>
-              <a:cs typeface="Verdana" panose="020B0604030504040204" pitchFamily="34" charset="0"/>
-            </a:endParaRPr>
-          </a:p>
-          <a:p>
-            <a:r>
-              <a:rPr lang="en-SG" sz="2700" dirty="0">
-                <a:latin typeface="Verdana" panose="020B0604030504040204" pitchFamily="34" charset="0"/>
-                <a:ea typeface="Verdana" panose="020B0604030504040204" pitchFamily="34" charset="0"/>
-                <a:cs typeface="Verdana" panose="020B0604030504040204" pitchFamily="34" charset="0"/>
-              </a:rPr>
-              <a:t>Customisable by any programmer</a:t>
-            </a:r>
           </a:p>
           <a:p>
             <a:endParaRPr lang="en-SG" dirty="0" smtClean="0">
@@ -7574,7 +7808,7 @@
                 <a:ea typeface="Verdana" panose="020B0604030504040204" pitchFamily="34" charset="0"/>
                 <a:cs typeface="Verdana" panose="020B0604030504040204" pitchFamily="34" charset="0"/>
               </a:rPr>
-              <a:t>Free and Open source</a:t>
+              <a:t>Reliable</a:t>
             </a:r>
           </a:p>
         </p:txBody>
@@ -7582,20 +7816,829 @@
     </p:spTree>
     <p:extLst>
       <p:ext uri="{BB962C8B-B14F-4D97-AF65-F5344CB8AC3E}">
-        <p14:creationId xmlns:p14="http://schemas.microsoft.com/office/powerpoint/2010/main" xmlns="" val="3478573609"/>
+        <p14:creationId xmlns:p14="http://schemas.microsoft.com/office/powerpoint/2010/main" val="4092394669"/>
       </p:ext>
     </p:extLst>
   </p:cSld>
   <p:clrMapOvr>
     <a:masterClrMapping/>
   </p:clrMapOvr>
-  <mc:AlternateContent xmlns:mc="http://schemas.openxmlformats.org/markup-compatibility/2006">
-    <mc:Choice xmlns:p14="http://schemas.microsoft.com/office/powerpoint/2010/main" xmlns="" Requires="p14">
+  <mc:AlternateContent xmlns:mc="http://schemas.openxmlformats.org/markup-compatibility/2006" xmlns:p14="http://schemas.microsoft.com/office/powerpoint/2010/main">
+    <mc:Choice Requires="p14">
       <p:transition spd="med" p14:dur="700">
         <p:fade/>
       </p:transition>
     </mc:Choice>
-    <mc:Fallback>
+    <mc:Fallback xmlns="">
+      <p:transition spd="med">
+        <p:fade/>
+      </p:transition>
+    </mc:Fallback>
+  </mc:AlternateContent>
+  <p:timing>
+    <p:tnLst>
+      <p:par>
+        <p:cTn id="1" dur="indefinite" restart="never" nodeType="tmRoot">
+          <p:childTnLst>
+            <p:seq concurrent="1" nextAc="seek">
+              <p:cTn id="2" dur="indefinite" nodeType="mainSeq">
+                <p:childTnLst>
+                  <p:par>
+                    <p:cTn id="3" fill="hold">
+                      <p:stCondLst>
+                        <p:cond delay="indefinite"/>
+                      </p:stCondLst>
+                      <p:childTnLst>
+                        <p:par>
+                          <p:cTn id="4" fill="hold">
+                            <p:stCondLst>
+                              <p:cond delay="0"/>
+                            </p:stCondLst>
+                            <p:childTnLst>
+                              <p:par>
+                                <p:cTn id="5" presetID="42" presetClass="entr" presetSubtype="0" fill="hold" nodeType="clickEffect">
+                                  <p:stCondLst>
+                                    <p:cond delay="0"/>
+                                  </p:stCondLst>
+                                  <p:childTnLst>
+                                    <p:set>
+                                      <p:cBhvr>
+                                        <p:cTn id="6" dur="1" fill="hold">
+                                          <p:stCondLst>
+                                            <p:cond delay="0"/>
+                                          </p:stCondLst>
+                                        </p:cTn>
+                                        <p:tgtEl>
+                                          <p:spTgt spid="3">
+                                            <p:txEl>
+                                              <p:pRg st="2" end="2"/>
+                                            </p:txEl>
+                                          </p:spTgt>
+                                        </p:tgtEl>
+                                        <p:attrNameLst>
+                                          <p:attrName>style.visibility</p:attrName>
+                                        </p:attrNameLst>
+                                      </p:cBhvr>
+                                      <p:to>
+                                        <p:strVal val="visible"/>
+                                      </p:to>
+                                    </p:set>
+                                    <p:animEffect transition="in" filter="fade">
+                                      <p:cBhvr>
+                                        <p:cTn id="7" dur="500"/>
+                                        <p:tgtEl>
+                                          <p:spTgt spid="3">
+                                            <p:txEl>
+                                              <p:pRg st="2" end="2"/>
+                                            </p:txEl>
+                                          </p:spTgt>
+                                        </p:tgtEl>
+                                      </p:cBhvr>
+                                    </p:animEffect>
+                                    <p:anim calcmode="lin" valueType="num">
+                                      <p:cBhvr>
+                                        <p:cTn id="8" dur="500" fill="hold"/>
+                                        <p:tgtEl>
+                                          <p:spTgt spid="3">
+                                            <p:txEl>
+                                              <p:pRg st="2" end="2"/>
+                                            </p:txEl>
+                                          </p:spTgt>
+                                        </p:tgtEl>
+                                        <p:attrNameLst>
+                                          <p:attrName>ppt_x</p:attrName>
+                                        </p:attrNameLst>
+                                      </p:cBhvr>
+                                      <p:tavLst>
+                                        <p:tav tm="0">
+                                          <p:val>
+                                            <p:strVal val="#ppt_x"/>
+                                          </p:val>
+                                        </p:tav>
+                                        <p:tav tm="100000">
+                                          <p:val>
+                                            <p:strVal val="#ppt_x"/>
+                                          </p:val>
+                                        </p:tav>
+                                      </p:tavLst>
+                                    </p:anim>
+                                    <p:anim calcmode="lin" valueType="num">
+                                      <p:cBhvr>
+                                        <p:cTn id="9" dur="500" fill="hold"/>
+                                        <p:tgtEl>
+                                          <p:spTgt spid="3">
+                                            <p:txEl>
+                                              <p:pRg st="2" end="2"/>
+                                            </p:txEl>
+                                          </p:spTgt>
+                                        </p:tgtEl>
+                                        <p:attrNameLst>
+                                          <p:attrName>ppt_y</p:attrName>
+                                        </p:attrNameLst>
+                                      </p:cBhvr>
+                                      <p:tavLst>
+                                        <p:tav tm="0">
+                                          <p:val>
+                                            <p:strVal val="#ppt_y+.1"/>
+                                          </p:val>
+                                        </p:tav>
+                                        <p:tav tm="100000">
+                                          <p:val>
+                                            <p:strVal val="#ppt_y"/>
+                                          </p:val>
+                                        </p:tav>
+                                      </p:tavLst>
+                                    </p:anim>
+                                  </p:childTnLst>
+                                </p:cTn>
+                              </p:par>
+                            </p:childTnLst>
+                          </p:cTn>
+                        </p:par>
+                      </p:childTnLst>
+                    </p:cTn>
+                  </p:par>
+                </p:childTnLst>
+              </p:cTn>
+              <p:prevCondLst>
+                <p:cond evt="onPrev" delay="0">
+                  <p:tgtEl>
+                    <p:sldTgt/>
+                  </p:tgtEl>
+                </p:cond>
+              </p:prevCondLst>
+              <p:nextCondLst>
+                <p:cond evt="onNext" delay="0">
+                  <p:tgtEl>
+                    <p:sldTgt/>
+                  </p:tgtEl>
+                </p:cond>
+              </p:nextCondLst>
+            </p:seq>
+          </p:childTnLst>
+        </p:cTn>
+      </p:par>
+    </p:tnLst>
+  </p:timing>
+</p:sld>
+</file>
+
+<file path=ppt/slides/slide12.xml><?xml version="1.0" encoding="utf-8"?>
+<p:sld xmlns:a="http://schemas.openxmlformats.org/drawingml/2006/main" xmlns:r="http://schemas.openxmlformats.org/officeDocument/2006/relationships" xmlns:p="http://schemas.openxmlformats.org/presentationml/2006/main">
+  <p:cSld>
+    <p:spTree>
+      <p:nvGrpSpPr>
+        <p:cNvPr id="1" name=""/>
+        <p:cNvGrpSpPr/>
+        <p:nvPr/>
+      </p:nvGrpSpPr>
+      <p:grpSpPr>
+        <a:xfrm>
+          <a:off x="0" y="0"/>
+          <a:ext cx="0" cy="0"/>
+          <a:chOff x="0" y="0"/>
+          <a:chExt cx="0" cy="0"/>
+        </a:xfrm>
+      </p:grpSpPr>
+      <p:pic>
+        <p:nvPicPr>
+          <p:cNvPr id="6" name="Content Placeholder 5" descr="270307-windows-xp-vista-and-7-blue-screen-of-death.jpg"/>
+          <p:cNvPicPr>
+            <a:picLocks noGrp="1" noChangeAspect="1"/>
+          </p:cNvPicPr>
+          <p:nvPr>
+            <p:ph idx="1"/>
+          </p:nvPr>
+        </p:nvPicPr>
+        <p:blipFill>
+          <a:blip r:embed="rId2"/>
+          <a:stretch>
+            <a:fillRect/>
+          </a:stretch>
+        </p:blipFill>
+        <p:spPr>
+          <a:xfrm>
+            <a:off x="0" y="1"/>
+            <a:ext cx="9144000" cy="5162649"/>
+          </a:xfrm>
+        </p:spPr>
+      </p:pic>
+      <p:sp>
+        <p:nvSpPr>
+          <p:cNvPr id="4" name="Title 3"/>
+          <p:cNvSpPr>
+            <a:spLocks noGrp="1"/>
+          </p:cNvSpPr>
+          <p:nvPr>
+            <p:ph type="title"/>
+          </p:nvPr>
+        </p:nvSpPr>
+        <p:spPr/>
+        <p:txBody>
+          <a:bodyPr/>
+          <a:lstStyle/>
+          <a:p>
+            <a:endParaRPr lang="en-US"/>
+          </a:p>
+        </p:txBody>
+      </p:sp>
+    </p:spTree>
+    <p:extLst>
+      <p:ext uri="{BB962C8B-B14F-4D97-AF65-F5344CB8AC3E}">
+        <p14:creationId xmlns:p14="http://schemas.microsoft.com/office/powerpoint/2010/main" val="723934481"/>
+      </p:ext>
+    </p:extLst>
+  </p:cSld>
+  <p:clrMapOvr>
+    <a:masterClrMapping/>
+  </p:clrMapOvr>
+  <mc:AlternateContent xmlns:mc="http://schemas.openxmlformats.org/markup-compatibility/2006" xmlns:p14="http://schemas.microsoft.com/office/powerpoint/2010/main">
+    <mc:Choice Requires="p14">
+      <p:transition spd="med" p14:dur="700">
+        <p:fade/>
+      </p:transition>
+    </mc:Choice>
+    <mc:Fallback xmlns="">
+      <p:transition spd="med">
+        <p:fade/>
+      </p:transition>
+    </mc:Fallback>
+  </mc:AlternateContent>
+  <p:timing>
+    <p:tnLst>
+      <p:par>
+        <p:cTn id="1" dur="indefinite" restart="never" nodeType="tmRoot"/>
+      </p:par>
+    </p:tnLst>
+  </p:timing>
+</p:sld>
+</file>
+
+<file path=ppt/slides/slide13.xml><?xml version="1.0" encoding="utf-8"?>
+<p:sld xmlns:a="http://schemas.openxmlformats.org/drawingml/2006/main" xmlns:r="http://schemas.openxmlformats.org/officeDocument/2006/relationships" xmlns:p="http://schemas.openxmlformats.org/presentationml/2006/main">
+  <p:cSld>
+    <p:spTree>
+      <p:nvGrpSpPr>
+        <p:cNvPr id="1" name=""/>
+        <p:cNvGrpSpPr/>
+        <p:nvPr/>
+      </p:nvGrpSpPr>
+      <p:grpSpPr>
+        <a:xfrm>
+          <a:off x="0" y="0"/>
+          <a:ext cx="0" cy="0"/>
+          <a:chOff x="0" y="0"/>
+          <a:chExt cx="0" cy="0"/>
+        </a:xfrm>
+      </p:grpSpPr>
+      <p:sp>
+        <p:nvSpPr>
+          <p:cNvPr id="3" name="Content Placeholder 2"/>
+          <p:cNvSpPr>
+            <a:spLocks noGrp="1"/>
+          </p:cNvSpPr>
+          <p:nvPr>
+            <p:ph idx="1"/>
+          </p:nvPr>
+        </p:nvSpPr>
+        <p:spPr>
+          <a:xfrm>
+            <a:off x="1464447" y="1714494"/>
+            <a:ext cx="6172200" cy="3291840"/>
+          </a:xfrm>
+        </p:spPr>
+        <p:txBody>
+          <a:bodyPr>
+            <a:normAutofit/>
+          </a:bodyPr>
+          <a:lstStyle/>
+          <a:p>
+            <a:r>
+              <a:rPr lang="en-SG" sz="2700" dirty="0">
+                <a:latin typeface="Verdana" panose="020B0604030504040204" pitchFamily="34" charset="0"/>
+                <a:ea typeface="Verdana" panose="020B0604030504040204" pitchFamily="34" charset="0"/>
+                <a:cs typeface="Verdana" panose="020B0604030504040204" pitchFamily="34" charset="0"/>
+              </a:rPr>
+              <a:t>Saving done only after list updated on </a:t>
+            </a:r>
+            <a:r>
+              <a:rPr lang="en-SG" sz="2700" dirty="0" smtClean="0">
+                <a:latin typeface="Verdana" panose="020B0604030504040204" pitchFamily="34" charset="0"/>
+                <a:ea typeface="Verdana" panose="020B0604030504040204" pitchFamily="34" charset="0"/>
+                <a:cs typeface="Verdana" panose="020B0604030504040204" pitchFamily="34" charset="0"/>
+              </a:rPr>
+              <a:t>display</a:t>
+            </a:r>
+          </a:p>
+          <a:p>
+            <a:endParaRPr lang="en-SG" sz="2700" dirty="0">
+              <a:latin typeface="Verdana" panose="020B0604030504040204" pitchFamily="34" charset="0"/>
+              <a:ea typeface="Verdana" panose="020B0604030504040204" pitchFamily="34" charset="0"/>
+              <a:cs typeface="Verdana" panose="020B0604030504040204" pitchFamily="34" charset="0"/>
+            </a:endParaRPr>
+          </a:p>
+          <a:p>
+            <a:r>
+              <a:rPr lang="en-SG" sz="2700" dirty="0">
+                <a:latin typeface="Verdana" panose="020B0604030504040204" pitchFamily="34" charset="0"/>
+                <a:ea typeface="Verdana" panose="020B0604030504040204" pitchFamily="34" charset="0"/>
+                <a:cs typeface="Verdana" panose="020B0604030504040204" pitchFamily="34" charset="0"/>
+              </a:rPr>
+              <a:t>No perceivable delay</a:t>
+            </a:r>
+          </a:p>
+          <a:p>
+            <a:endParaRPr lang="en-SG" dirty="0" smtClean="0">
+              <a:latin typeface="Verdana" panose="020B0604030504040204" pitchFamily="34" charset="0"/>
+              <a:ea typeface="Verdana" panose="020B0604030504040204" pitchFamily="34" charset="0"/>
+              <a:cs typeface="Verdana" panose="020B0604030504040204" pitchFamily="34" charset="0"/>
+            </a:endParaRPr>
+          </a:p>
+          <a:p>
+            <a:endParaRPr lang="en-SG" dirty="0" smtClean="0">
+              <a:latin typeface="Verdana" panose="020B0604030504040204" pitchFamily="34" charset="0"/>
+              <a:ea typeface="Verdana" panose="020B0604030504040204" pitchFamily="34" charset="0"/>
+              <a:cs typeface="Verdana" panose="020B0604030504040204" pitchFamily="34" charset="0"/>
+            </a:endParaRPr>
+          </a:p>
+        </p:txBody>
+      </p:sp>
+      <p:sp>
+        <p:nvSpPr>
+          <p:cNvPr id="2" name="Title 1"/>
+          <p:cNvSpPr>
+            <a:spLocks noGrp="1"/>
+          </p:cNvSpPr>
+          <p:nvPr>
+            <p:ph type="title"/>
+          </p:nvPr>
+        </p:nvSpPr>
+        <p:spPr/>
+        <p:txBody>
+          <a:bodyPr/>
+          <a:lstStyle/>
+          <a:p>
+            <a:r>
+              <a:rPr lang="en-SG" dirty="0" smtClean="0">
+                <a:latin typeface="Verdana" panose="020B0604030504040204" pitchFamily="34" charset="0"/>
+                <a:ea typeface="Verdana" panose="020B0604030504040204" pitchFamily="34" charset="0"/>
+                <a:cs typeface="Verdana" panose="020B0604030504040204" pitchFamily="34" charset="0"/>
+              </a:rPr>
+              <a:t>Performance</a:t>
+            </a:r>
+          </a:p>
+        </p:txBody>
+      </p:sp>
+    </p:spTree>
+    <p:extLst>
+      <p:ext uri="{BB962C8B-B14F-4D97-AF65-F5344CB8AC3E}">
+        <p14:creationId xmlns:p14="http://schemas.microsoft.com/office/powerpoint/2010/main" val="1659345808"/>
+      </p:ext>
+    </p:extLst>
+  </p:cSld>
+  <p:clrMapOvr>
+    <a:masterClrMapping/>
+  </p:clrMapOvr>
+  <mc:AlternateContent xmlns:mc="http://schemas.openxmlformats.org/markup-compatibility/2006" xmlns:p14="http://schemas.microsoft.com/office/powerpoint/2010/main">
+    <mc:Choice Requires="p14">
+      <p:transition spd="med" p14:dur="700">
+        <p:fade/>
+      </p:transition>
+    </mc:Choice>
+    <mc:Fallback xmlns="">
+      <p:transition spd="med">
+        <p:fade/>
+      </p:transition>
+    </mc:Fallback>
+  </mc:AlternateContent>
+  <p:timing>
+    <p:tnLst>
+      <p:par>
+        <p:cTn id="1" dur="indefinite" restart="never" nodeType="tmRoot">
+          <p:childTnLst>
+            <p:seq concurrent="1" nextAc="seek">
+              <p:cTn id="2" dur="indefinite" nodeType="mainSeq">
+                <p:childTnLst>
+                  <p:par>
+                    <p:cTn id="3" fill="hold">
+                      <p:stCondLst>
+                        <p:cond delay="indefinite"/>
+                      </p:stCondLst>
+                      <p:childTnLst>
+                        <p:par>
+                          <p:cTn id="4" fill="hold">
+                            <p:stCondLst>
+                              <p:cond delay="0"/>
+                            </p:stCondLst>
+                            <p:childTnLst>
+                              <p:par>
+                                <p:cTn id="5" presetID="42" presetClass="entr" presetSubtype="0" fill="hold" nodeType="clickEffect">
+                                  <p:stCondLst>
+                                    <p:cond delay="0"/>
+                                  </p:stCondLst>
+                                  <p:childTnLst>
+                                    <p:set>
+                                      <p:cBhvr>
+                                        <p:cTn id="6" dur="1" fill="hold">
+                                          <p:stCondLst>
+                                            <p:cond delay="0"/>
+                                          </p:stCondLst>
+                                        </p:cTn>
+                                        <p:tgtEl>
+                                          <p:spTgt spid="3">
+                                            <p:txEl>
+                                              <p:pRg st="0" end="0"/>
+                                            </p:txEl>
+                                          </p:spTgt>
+                                        </p:tgtEl>
+                                        <p:attrNameLst>
+                                          <p:attrName>style.visibility</p:attrName>
+                                        </p:attrNameLst>
+                                      </p:cBhvr>
+                                      <p:to>
+                                        <p:strVal val="visible"/>
+                                      </p:to>
+                                    </p:set>
+                                    <p:animEffect transition="in" filter="fade">
+                                      <p:cBhvr>
+                                        <p:cTn id="7" dur="500"/>
+                                        <p:tgtEl>
+                                          <p:spTgt spid="3">
+                                            <p:txEl>
+                                              <p:pRg st="0" end="0"/>
+                                            </p:txEl>
+                                          </p:spTgt>
+                                        </p:tgtEl>
+                                      </p:cBhvr>
+                                    </p:animEffect>
+                                    <p:anim calcmode="lin" valueType="num">
+                                      <p:cBhvr>
+                                        <p:cTn id="8" dur="500" fill="hold"/>
+                                        <p:tgtEl>
+                                          <p:spTgt spid="3">
+                                            <p:txEl>
+                                              <p:pRg st="0" end="0"/>
+                                            </p:txEl>
+                                          </p:spTgt>
+                                        </p:tgtEl>
+                                        <p:attrNameLst>
+                                          <p:attrName>ppt_x</p:attrName>
+                                        </p:attrNameLst>
+                                      </p:cBhvr>
+                                      <p:tavLst>
+                                        <p:tav tm="0">
+                                          <p:val>
+                                            <p:strVal val="#ppt_x"/>
+                                          </p:val>
+                                        </p:tav>
+                                        <p:tav tm="100000">
+                                          <p:val>
+                                            <p:strVal val="#ppt_x"/>
+                                          </p:val>
+                                        </p:tav>
+                                      </p:tavLst>
+                                    </p:anim>
+                                    <p:anim calcmode="lin" valueType="num">
+                                      <p:cBhvr>
+                                        <p:cTn id="9" dur="500" fill="hold"/>
+                                        <p:tgtEl>
+                                          <p:spTgt spid="3">
+                                            <p:txEl>
+                                              <p:pRg st="0" end="0"/>
+                                            </p:txEl>
+                                          </p:spTgt>
+                                        </p:tgtEl>
+                                        <p:attrNameLst>
+                                          <p:attrName>ppt_y</p:attrName>
+                                        </p:attrNameLst>
+                                      </p:cBhvr>
+                                      <p:tavLst>
+                                        <p:tav tm="0">
+                                          <p:val>
+                                            <p:strVal val="#ppt_y+.1"/>
+                                          </p:val>
+                                        </p:tav>
+                                        <p:tav tm="100000">
+                                          <p:val>
+                                            <p:strVal val="#ppt_y"/>
+                                          </p:val>
+                                        </p:tav>
+                                      </p:tavLst>
+                                    </p:anim>
+                                  </p:childTnLst>
+                                </p:cTn>
+                              </p:par>
+                            </p:childTnLst>
+                          </p:cTn>
+                        </p:par>
+                      </p:childTnLst>
+                    </p:cTn>
+                  </p:par>
+                  <p:par>
+                    <p:cTn id="10" fill="hold">
+                      <p:stCondLst>
+                        <p:cond delay="indefinite"/>
+                      </p:stCondLst>
+                      <p:childTnLst>
+                        <p:par>
+                          <p:cTn id="11" fill="hold">
+                            <p:stCondLst>
+                              <p:cond delay="0"/>
+                            </p:stCondLst>
+                            <p:childTnLst>
+                              <p:par>
+                                <p:cTn id="12" presetID="42" presetClass="entr" presetSubtype="0" fill="hold" nodeType="clickEffect">
+                                  <p:stCondLst>
+                                    <p:cond delay="0"/>
+                                  </p:stCondLst>
+                                  <p:childTnLst>
+                                    <p:set>
+                                      <p:cBhvr>
+                                        <p:cTn id="13" dur="1" fill="hold">
+                                          <p:stCondLst>
+                                            <p:cond delay="0"/>
+                                          </p:stCondLst>
+                                        </p:cTn>
+                                        <p:tgtEl>
+                                          <p:spTgt spid="3">
+                                            <p:txEl>
+                                              <p:pRg st="2" end="2"/>
+                                            </p:txEl>
+                                          </p:spTgt>
+                                        </p:tgtEl>
+                                        <p:attrNameLst>
+                                          <p:attrName>style.visibility</p:attrName>
+                                        </p:attrNameLst>
+                                      </p:cBhvr>
+                                      <p:to>
+                                        <p:strVal val="visible"/>
+                                      </p:to>
+                                    </p:set>
+                                    <p:animEffect transition="in" filter="fade">
+                                      <p:cBhvr>
+                                        <p:cTn id="14" dur="500"/>
+                                        <p:tgtEl>
+                                          <p:spTgt spid="3">
+                                            <p:txEl>
+                                              <p:pRg st="2" end="2"/>
+                                            </p:txEl>
+                                          </p:spTgt>
+                                        </p:tgtEl>
+                                      </p:cBhvr>
+                                    </p:animEffect>
+                                    <p:anim calcmode="lin" valueType="num">
+                                      <p:cBhvr>
+                                        <p:cTn id="15" dur="500" fill="hold"/>
+                                        <p:tgtEl>
+                                          <p:spTgt spid="3">
+                                            <p:txEl>
+                                              <p:pRg st="2" end="2"/>
+                                            </p:txEl>
+                                          </p:spTgt>
+                                        </p:tgtEl>
+                                        <p:attrNameLst>
+                                          <p:attrName>ppt_x</p:attrName>
+                                        </p:attrNameLst>
+                                      </p:cBhvr>
+                                      <p:tavLst>
+                                        <p:tav tm="0">
+                                          <p:val>
+                                            <p:strVal val="#ppt_x"/>
+                                          </p:val>
+                                        </p:tav>
+                                        <p:tav tm="100000">
+                                          <p:val>
+                                            <p:strVal val="#ppt_x"/>
+                                          </p:val>
+                                        </p:tav>
+                                      </p:tavLst>
+                                    </p:anim>
+                                    <p:anim calcmode="lin" valueType="num">
+                                      <p:cBhvr>
+                                        <p:cTn id="16" dur="500" fill="hold"/>
+                                        <p:tgtEl>
+                                          <p:spTgt spid="3">
+                                            <p:txEl>
+                                              <p:pRg st="2" end="2"/>
+                                            </p:txEl>
+                                          </p:spTgt>
+                                        </p:tgtEl>
+                                        <p:attrNameLst>
+                                          <p:attrName>ppt_y</p:attrName>
+                                        </p:attrNameLst>
+                                      </p:cBhvr>
+                                      <p:tavLst>
+                                        <p:tav tm="0">
+                                          <p:val>
+                                            <p:strVal val="#ppt_y+.1"/>
+                                          </p:val>
+                                        </p:tav>
+                                        <p:tav tm="100000">
+                                          <p:val>
+                                            <p:strVal val="#ppt_y"/>
+                                          </p:val>
+                                        </p:tav>
+                                      </p:tavLst>
+                                    </p:anim>
+                                  </p:childTnLst>
+                                </p:cTn>
+                              </p:par>
+                            </p:childTnLst>
+                          </p:cTn>
+                        </p:par>
+                      </p:childTnLst>
+                    </p:cTn>
+                  </p:par>
+                </p:childTnLst>
+              </p:cTn>
+              <p:prevCondLst>
+                <p:cond evt="onPrev" delay="0">
+                  <p:tgtEl>
+                    <p:sldTgt/>
+                  </p:tgtEl>
+                </p:cond>
+              </p:prevCondLst>
+              <p:nextCondLst>
+                <p:cond evt="onNext" delay="0">
+                  <p:tgtEl>
+                    <p:sldTgt/>
+                  </p:tgtEl>
+                </p:cond>
+              </p:nextCondLst>
+            </p:seq>
+          </p:childTnLst>
+        </p:cTn>
+      </p:par>
+    </p:tnLst>
+  </p:timing>
+</p:sld>
+</file>
+
+<file path=ppt/slides/slide14.xml><?xml version="1.0" encoding="utf-8"?>
+<p:sld xmlns:a="http://schemas.openxmlformats.org/drawingml/2006/main" xmlns:r="http://schemas.openxmlformats.org/officeDocument/2006/relationships" xmlns:p="http://schemas.openxmlformats.org/presentationml/2006/main">
+  <p:cSld>
+    <p:spTree>
+      <p:nvGrpSpPr>
+        <p:cNvPr id="1" name=""/>
+        <p:cNvGrpSpPr/>
+        <p:nvPr/>
+      </p:nvGrpSpPr>
+      <p:grpSpPr>
+        <a:xfrm>
+          <a:off x="0" y="0"/>
+          <a:ext cx="0" cy="0"/>
+          <a:chOff x="0" y="0"/>
+          <a:chExt cx="0" cy="0"/>
+        </a:xfrm>
+      </p:grpSpPr>
+      <p:sp>
+        <p:nvSpPr>
+          <p:cNvPr id="3" name="Content Placeholder 2"/>
+          <p:cNvSpPr>
+            <a:spLocks noGrp="1"/>
+          </p:cNvSpPr>
+          <p:nvPr>
+            <p:ph idx="1"/>
+          </p:nvPr>
+        </p:nvSpPr>
+        <p:spPr>
+          <a:xfrm>
+            <a:off x="1464447" y="1714494"/>
+            <a:ext cx="6172200" cy="3291840"/>
+          </a:xfrm>
+        </p:spPr>
+        <p:txBody>
+          <a:bodyPr>
+            <a:normAutofit/>
+          </a:bodyPr>
+          <a:lstStyle/>
+          <a:p>
+            <a:r>
+              <a:rPr lang="en-SG" sz="2700" dirty="0">
+                <a:latin typeface="Verdana" panose="020B0604030504040204" pitchFamily="34" charset="0"/>
+                <a:ea typeface="Verdana" panose="020B0604030504040204" pitchFamily="34" charset="0"/>
+                <a:cs typeface="Verdana" panose="020B0604030504040204" pitchFamily="34" charset="0"/>
+              </a:rPr>
+              <a:t>Only need </a:t>
+            </a:r>
+            <a:r>
+              <a:rPr lang="en-SG" sz="2700" dirty="0" smtClean="0">
+                <a:latin typeface="Verdana" panose="020B0604030504040204" pitchFamily="34" charset="0"/>
+                <a:ea typeface="Verdana" panose="020B0604030504040204" pitchFamily="34" charset="0"/>
+                <a:cs typeface="Verdana" panose="020B0604030504040204" pitchFamily="34" charset="0"/>
+              </a:rPr>
+              <a:t>keyboard</a:t>
+            </a:r>
+          </a:p>
+          <a:p>
+            <a:pPr marL="0" indent="0">
+              <a:buNone/>
+            </a:pPr>
+            <a:endParaRPr lang="en-SG" sz="2700" dirty="0">
+              <a:latin typeface="Verdana" panose="020B0604030504040204" pitchFamily="34" charset="0"/>
+              <a:ea typeface="Verdana" panose="020B0604030504040204" pitchFamily="34" charset="0"/>
+              <a:cs typeface="Verdana" panose="020B0604030504040204" pitchFamily="34" charset="0"/>
+            </a:endParaRPr>
+          </a:p>
+          <a:p>
+            <a:r>
+              <a:rPr lang="en-SG" sz="2700" dirty="0">
+                <a:latin typeface="Verdana" panose="020B0604030504040204" pitchFamily="34" charset="0"/>
+                <a:ea typeface="Verdana" panose="020B0604030504040204" pitchFamily="34" charset="0"/>
+                <a:cs typeface="Verdana" panose="020B0604030504040204" pitchFamily="34" charset="0"/>
+              </a:rPr>
+              <a:t>Minimal </a:t>
+            </a:r>
+            <a:r>
+              <a:rPr lang="en-SG" sz="2700" dirty="0" smtClean="0">
+                <a:latin typeface="Verdana" panose="020B0604030504040204" pitchFamily="34" charset="0"/>
+                <a:ea typeface="Verdana" panose="020B0604030504040204" pitchFamily="34" charset="0"/>
+                <a:cs typeface="Verdana" panose="020B0604030504040204" pitchFamily="34" charset="0"/>
+              </a:rPr>
+              <a:t>keywords</a:t>
+            </a:r>
+          </a:p>
+          <a:p>
+            <a:endParaRPr lang="en-SG" sz="2700" dirty="0">
+              <a:latin typeface="Verdana" panose="020B0604030504040204" pitchFamily="34" charset="0"/>
+              <a:ea typeface="Verdana" panose="020B0604030504040204" pitchFamily="34" charset="0"/>
+              <a:cs typeface="Verdana" panose="020B0604030504040204" pitchFamily="34" charset="0"/>
+            </a:endParaRPr>
+          </a:p>
+          <a:p>
+            <a:r>
+              <a:rPr lang="en-SG" sz="2700" dirty="0" smtClean="0">
+                <a:latin typeface="Verdana" panose="020B0604030504040204" pitchFamily="34" charset="0"/>
+                <a:ea typeface="Verdana" panose="020B0604030504040204" pitchFamily="34" charset="0"/>
+                <a:cs typeface="Verdana" panose="020B0604030504040204" pitchFamily="34" charset="0"/>
+              </a:rPr>
+              <a:t>Single letter commands</a:t>
+            </a:r>
+            <a:endParaRPr lang="en-SG" sz="2700" dirty="0">
+              <a:latin typeface="Verdana" panose="020B0604030504040204" pitchFamily="34" charset="0"/>
+              <a:ea typeface="Verdana" panose="020B0604030504040204" pitchFamily="34" charset="0"/>
+              <a:cs typeface="Verdana" panose="020B0604030504040204" pitchFamily="34" charset="0"/>
+            </a:endParaRPr>
+          </a:p>
+          <a:p>
+            <a:endParaRPr lang="en-SG" dirty="0" smtClean="0">
+              <a:latin typeface="Verdana" panose="020B0604030504040204" pitchFamily="34" charset="0"/>
+              <a:ea typeface="Verdana" panose="020B0604030504040204" pitchFamily="34" charset="0"/>
+              <a:cs typeface="Verdana" panose="020B0604030504040204" pitchFamily="34" charset="0"/>
+            </a:endParaRPr>
+          </a:p>
+          <a:p>
+            <a:endParaRPr lang="en-SG" dirty="0" smtClean="0">
+              <a:latin typeface="Verdana" panose="020B0604030504040204" pitchFamily="34" charset="0"/>
+              <a:ea typeface="Verdana" panose="020B0604030504040204" pitchFamily="34" charset="0"/>
+              <a:cs typeface="Verdana" panose="020B0604030504040204" pitchFamily="34" charset="0"/>
+            </a:endParaRPr>
+          </a:p>
+        </p:txBody>
+      </p:sp>
+      <p:sp>
+        <p:nvSpPr>
+          <p:cNvPr id="2" name="Title 1"/>
+          <p:cNvSpPr>
+            <a:spLocks noGrp="1"/>
+          </p:cNvSpPr>
+          <p:nvPr>
+            <p:ph type="title"/>
+          </p:nvPr>
+        </p:nvSpPr>
+        <p:spPr/>
+        <p:txBody>
+          <a:bodyPr/>
+          <a:lstStyle/>
+          <a:p>
+            <a:r>
+              <a:rPr lang="en-SG" dirty="0" smtClean="0">
+                <a:latin typeface="Verdana" panose="020B0604030504040204" pitchFamily="34" charset="0"/>
+                <a:ea typeface="Verdana" panose="020B0604030504040204" pitchFamily="34" charset="0"/>
+                <a:cs typeface="Verdana" panose="020B0604030504040204" pitchFamily="34" charset="0"/>
+              </a:rPr>
+              <a:t>Ease of use</a:t>
+            </a:r>
+          </a:p>
+        </p:txBody>
+      </p:sp>
+    </p:spTree>
+    <p:extLst>
+      <p:ext uri="{BB962C8B-B14F-4D97-AF65-F5344CB8AC3E}">
+        <p14:creationId xmlns:p14="http://schemas.microsoft.com/office/powerpoint/2010/main" val="706766915"/>
+      </p:ext>
+    </p:extLst>
+  </p:cSld>
+  <p:clrMapOvr>
+    <a:masterClrMapping/>
+  </p:clrMapOvr>
+  <mc:AlternateContent xmlns:mc="http://schemas.openxmlformats.org/markup-compatibility/2006" xmlns:p14="http://schemas.microsoft.com/office/powerpoint/2010/main">
+    <mc:Choice Requires="p14">
+      <p:transition spd="med" p14:dur="700">
+        <p:fade/>
+      </p:transition>
+    </mc:Choice>
+    <mc:Fallback xmlns="">
       <p:transition spd="med">
         <p:fade/>
       </p:transition>
@@ -7979,1661 +9022,7 @@
 </p:sld>
 </file>
 
-<file path=ppt/slides/slide11.xml><?xml version="1.0" encoding="utf-8"?>
-<p:sld xmlns:a="http://schemas.openxmlformats.org/drawingml/2006/main" xmlns:r="http://schemas.openxmlformats.org/officeDocument/2006/relationships" xmlns:p="http://schemas.openxmlformats.org/presentationml/2006/main">
-  <p:cSld>
-    <p:spTree>
-      <p:nvGrpSpPr>
-        <p:cNvPr id="1" name=""/>
-        <p:cNvGrpSpPr/>
-        <p:nvPr/>
-      </p:nvGrpSpPr>
-      <p:grpSpPr>
-        <a:xfrm>
-          <a:off x="0" y="0"/>
-          <a:ext cx="0" cy="0"/>
-          <a:chOff x="0" y="0"/>
-          <a:chExt cx="0" cy="0"/>
-        </a:xfrm>
-      </p:grpSpPr>
-      <p:sp>
-        <p:nvSpPr>
-          <p:cNvPr id="3" name="Content Placeholder 2"/>
-          <p:cNvSpPr>
-            <a:spLocks noGrp="1"/>
-          </p:cNvSpPr>
-          <p:nvPr>
-            <p:ph idx="1"/>
-          </p:nvPr>
-        </p:nvSpPr>
-        <p:spPr>
-          <a:xfrm>
-            <a:off x="1259632" y="1851660"/>
-            <a:ext cx="6779961" cy="3291840"/>
-          </a:xfrm>
-        </p:spPr>
-        <p:txBody>
-          <a:bodyPr>
-            <a:normAutofit/>
-          </a:bodyPr>
-          <a:lstStyle/>
-          <a:p>
-            <a:r>
-              <a:rPr lang="en-SG" sz="2700" dirty="0" smtClean="0">
-                <a:latin typeface="Verdana" panose="020B0604030504040204" pitchFamily="34" charset="0"/>
-                <a:ea typeface="Verdana" panose="020B0604030504040204" pitchFamily="34" charset="0"/>
-                <a:cs typeface="Verdana" panose="020B0604030504040204" pitchFamily="34" charset="0"/>
-              </a:rPr>
-              <a:t>Download for free at </a:t>
-            </a:r>
-            <a:r>
-              <a:rPr lang="en-SG" sz="2700" dirty="0" smtClean="0">
-                <a:latin typeface="Verdana" panose="020B0604030504040204" pitchFamily="34" charset="0"/>
-                <a:ea typeface="Verdana" panose="020B0604030504040204" pitchFamily="34" charset="0"/>
-                <a:cs typeface="Verdana" panose="020B0604030504040204" pitchFamily="34" charset="0"/>
-                <a:hlinkClick r:id="rId2"/>
-              </a:rPr>
-              <a:t>www.java.com</a:t>
-            </a:r>
-            <a:endParaRPr lang="en-SG" sz="2700" dirty="0" smtClean="0">
-              <a:latin typeface="Verdana" panose="020B0604030504040204" pitchFamily="34" charset="0"/>
-              <a:ea typeface="Verdana" panose="020B0604030504040204" pitchFamily="34" charset="0"/>
-              <a:cs typeface="Verdana" panose="020B0604030504040204" pitchFamily="34" charset="0"/>
-            </a:endParaRPr>
-          </a:p>
-          <a:p>
-            <a:pPr marL="0" indent="0">
-              <a:buNone/>
-            </a:pPr>
-            <a:endParaRPr lang="en-SG" sz="2700" dirty="0">
-              <a:latin typeface="Verdana" panose="020B0604030504040204" pitchFamily="34" charset="0"/>
-              <a:ea typeface="Verdana" panose="020B0604030504040204" pitchFamily="34" charset="0"/>
-              <a:cs typeface="Verdana" panose="020B0604030504040204" pitchFamily="34" charset="0"/>
-            </a:endParaRPr>
-          </a:p>
-          <a:p>
-            <a:r>
-              <a:rPr lang="en-SG" sz="2700" dirty="0" smtClean="0">
-                <a:latin typeface="Verdana" panose="020B0604030504040204" pitchFamily="34" charset="0"/>
-                <a:ea typeface="Verdana" panose="020B0604030504040204" pitchFamily="34" charset="0"/>
-                <a:cs typeface="Verdana" panose="020B0604030504040204" pitchFamily="34" charset="0"/>
-              </a:rPr>
-              <a:t>Windows</a:t>
-            </a:r>
-            <a:r>
-              <a:rPr lang="en-SG" sz="2700" dirty="0">
-                <a:latin typeface="Verdana" panose="020B0604030504040204" pitchFamily="34" charset="0"/>
-                <a:ea typeface="Verdana" panose="020B0604030504040204" pitchFamily="34" charset="0"/>
-                <a:cs typeface="Verdana" panose="020B0604030504040204" pitchFamily="34" charset="0"/>
-              </a:rPr>
-              <a:t>, Linux, Mac</a:t>
-            </a:r>
-          </a:p>
-          <a:p>
-            <a:endParaRPr lang="en-SG" dirty="0" smtClean="0">
-              <a:latin typeface="Verdana" panose="020B0604030504040204" pitchFamily="34" charset="0"/>
-              <a:ea typeface="Verdana" panose="020B0604030504040204" pitchFamily="34" charset="0"/>
-              <a:cs typeface="Verdana" panose="020B0604030504040204" pitchFamily="34" charset="0"/>
-            </a:endParaRPr>
-          </a:p>
-          <a:p>
-            <a:endParaRPr lang="en-SG" dirty="0" smtClean="0">
-              <a:latin typeface="Verdana" panose="020B0604030504040204" pitchFamily="34" charset="0"/>
-              <a:ea typeface="Verdana" panose="020B0604030504040204" pitchFamily="34" charset="0"/>
-              <a:cs typeface="Verdana" panose="020B0604030504040204" pitchFamily="34" charset="0"/>
-            </a:endParaRPr>
-          </a:p>
-        </p:txBody>
-      </p:sp>
-      <p:sp>
-        <p:nvSpPr>
-          <p:cNvPr id="2" name="Title 1"/>
-          <p:cNvSpPr>
-            <a:spLocks noGrp="1"/>
-          </p:cNvSpPr>
-          <p:nvPr>
-            <p:ph type="title"/>
-          </p:nvPr>
-        </p:nvSpPr>
-        <p:spPr/>
-        <p:txBody>
-          <a:bodyPr>
-            <a:normAutofit/>
-          </a:bodyPr>
-          <a:lstStyle/>
-          <a:p>
-            <a:r>
-              <a:rPr lang="en-SG" sz="4050" dirty="0">
-                <a:latin typeface="Verdana" panose="020B0604030504040204" pitchFamily="34" charset="0"/>
-                <a:ea typeface="Verdana" panose="020B0604030504040204" pitchFamily="34" charset="0"/>
-                <a:cs typeface="Verdana" panose="020B0604030504040204" pitchFamily="34" charset="0"/>
-              </a:rPr>
-              <a:t>Run on </a:t>
-            </a:r>
-            <a:r>
-              <a:rPr lang="en-SG" sz="4050" dirty="0" smtClean="0">
-                <a:latin typeface="Verdana" panose="020B0604030504040204" pitchFamily="34" charset="0"/>
-                <a:ea typeface="Verdana" panose="020B0604030504040204" pitchFamily="34" charset="0"/>
-                <a:cs typeface="Verdana" panose="020B0604030504040204" pitchFamily="34" charset="0"/>
-              </a:rPr>
-              <a:t>anything with Java</a:t>
-            </a:r>
-            <a:endParaRPr lang="en-SG" sz="4050" dirty="0">
-              <a:latin typeface="Verdana" panose="020B0604030504040204" pitchFamily="34" charset="0"/>
-              <a:ea typeface="Verdana" panose="020B0604030504040204" pitchFamily="34" charset="0"/>
-              <a:cs typeface="Verdana" panose="020B0604030504040204" pitchFamily="34" charset="0"/>
-            </a:endParaRPr>
-          </a:p>
-        </p:txBody>
-      </p:sp>
-    </p:spTree>
-    <p:extLst>
-      <p:ext uri="{BB962C8B-B14F-4D97-AF65-F5344CB8AC3E}">
-        <p14:creationId xmlns:p14="http://schemas.microsoft.com/office/powerpoint/2010/main" xmlns="" val="1753727268"/>
-      </p:ext>
-    </p:extLst>
-  </p:cSld>
-  <p:clrMapOvr>
-    <a:masterClrMapping/>
-  </p:clrMapOvr>
-  <mc:AlternateContent xmlns:mc="http://schemas.openxmlformats.org/markup-compatibility/2006">
-    <mc:Choice xmlns:p14="http://schemas.microsoft.com/office/powerpoint/2010/main" xmlns="" Requires="p14">
-      <p:transition spd="med" p14:dur="700">
-        <p:fade/>
-      </p:transition>
-    </mc:Choice>
-    <mc:Fallback>
-      <p:transition spd="med">
-        <p:fade/>
-      </p:transition>
-    </mc:Fallback>
-  </mc:AlternateContent>
-  <p:timing>
-    <p:tnLst>
-      <p:par>
-        <p:cTn id="1" dur="indefinite" restart="never" nodeType="tmRoot">
-          <p:childTnLst>
-            <p:seq concurrent="1" nextAc="seek">
-              <p:cTn id="2" dur="indefinite" nodeType="mainSeq">
-                <p:childTnLst>
-                  <p:par>
-                    <p:cTn id="3" fill="hold">
-                      <p:stCondLst>
-                        <p:cond delay="indefinite"/>
-                      </p:stCondLst>
-                      <p:childTnLst>
-                        <p:par>
-                          <p:cTn id="4" fill="hold">
-                            <p:stCondLst>
-                              <p:cond delay="0"/>
-                            </p:stCondLst>
-                            <p:childTnLst>
-                              <p:par>
-                                <p:cTn id="5" presetID="42" presetClass="entr" presetSubtype="0" fill="hold" nodeType="clickEffect">
-                                  <p:stCondLst>
-                                    <p:cond delay="0"/>
-                                  </p:stCondLst>
-                                  <p:childTnLst>
-                                    <p:set>
-                                      <p:cBhvr>
-                                        <p:cTn id="6" dur="1" fill="hold">
-                                          <p:stCondLst>
-                                            <p:cond delay="0"/>
-                                          </p:stCondLst>
-                                        </p:cTn>
-                                        <p:tgtEl>
-                                          <p:spTgt spid="3">
-                                            <p:txEl>
-                                              <p:pRg st="2" end="2"/>
-                                            </p:txEl>
-                                          </p:spTgt>
-                                        </p:tgtEl>
-                                        <p:attrNameLst>
-                                          <p:attrName>style.visibility</p:attrName>
-                                        </p:attrNameLst>
-                                      </p:cBhvr>
-                                      <p:to>
-                                        <p:strVal val="visible"/>
-                                      </p:to>
-                                    </p:set>
-                                    <p:animEffect transition="in" filter="fade">
-                                      <p:cBhvr>
-                                        <p:cTn id="7" dur="500"/>
-                                        <p:tgtEl>
-                                          <p:spTgt spid="3">
-                                            <p:txEl>
-                                              <p:pRg st="2" end="2"/>
-                                            </p:txEl>
-                                          </p:spTgt>
-                                        </p:tgtEl>
-                                      </p:cBhvr>
-                                    </p:animEffect>
-                                    <p:anim calcmode="lin" valueType="num">
-                                      <p:cBhvr>
-                                        <p:cTn id="8" dur="500" fill="hold"/>
-                                        <p:tgtEl>
-                                          <p:spTgt spid="3">
-                                            <p:txEl>
-                                              <p:pRg st="2" end="2"/>
-                                            </p:txEl>
-                                          </p:spTgt>
-                                        </p:tgtEl>
-                                        <p:attrNameLst>
-                                          <p:attrName>ppt_x</p:attrName>
-                                        </p:attrNameLst>
-                                      </p:cBhvr>
-                                      <p:tavLst>
-                                        <p:tav tm="0">
-                                          <p:val>
-                                            <p:strVal val="#ppt_x"/>
-                                          </p:val>
-                                        </p:tav>
-                                        <p:tav tm="100000">
-                                          <p:val>
-                                            <p:strVal val="#ppt_x"/>
-                                          </p:val>
-                                        </p:tav>
-                                      </p:tavLst>
-                                    </p:anim>
-                                    <p:anim calcmode="lin" valueType="num">
-                                      <p:cBhvr>
-                                        <p:cTn id="9" dur="500" fill="hold"/>
-                                        <p:tgtEl>
-                                          <p:spTgt spid="3">
-                                            <p:txEl>
-                                              <p:pRg st="2" end="2"/>
-                                            </p:txEl>
-                                          </p:spTgt>
-                                        </p:tgtEl>
-                                        <p:attrNameLst>
-                                          <p:attrName>ppt_y</p:attrName>
-                                        </p:attrNameLst>
-                                      </p:cBhvr>
-                                      <p:tavLst>
-                                        <p:tav tm="0">
-                                          <p:val>
-                                            <p:strVal val="#ppt_y+.1"/>
-                                          </p:val>
-                                        </p:tav>
-                                        <p:tav tm="100000">
-                                          <p:val>
-                                            <p:strVal val="#ppt_y"/>
-                                          </p:val>
-                                        </p:tav>
-                                      </p:tavLst>
-                                    </p:anim>
-                                  </p:childTnLst>
-                                </p:cTn>
-                              </p:par>
-                            </p:childTnLst>
-                          </p:cTn>
-                        </p:par>
-                      </p:childTnLst>
-                    </p:cTn>
-                  </p:par>
-                </p:childTnLst>
-              </p:cTn>
-              <p:prevCondLst>
-                <p:cond evt="onPrev" delay="0">
-                  <p:tgtEl>
-                    <p:sldTgt/>
-                  </p:tgtEl>
-                </p:cond>
-              </p:prevCondLst>
-              <p:nextCondLst>
-                <p:cond evt="onNext" delay="0">
-                  <p:tgtEl>
-                    <p:sldTgt/>
-                  </p:tgtEl>
-                </p:cond>
-              </p:nextCondLst>
-            </p:seq>
-          </p:childTnLst>
-        </p:cTn>
-      </p:par>
-    </p:tnLst>
-  </p:timing>
-</p:sld>
-</file>
-
-<file path=ppt/slides/slide12.xml><?xml version="1.0" encoding="utf-8"?>
-<p:sld xmlns:a="http://schemas.openxmlformats.org/drawingml/2006/main" xmlns:r="http://schemas.openxmlformats.org/officeDocument/2006/relationships" xmlns:p="http://schemas.openxmlformats.org/presentationml/2006/main">
-  <p:cSld>
-    <p:spTree>
-      <p:nvGrpSpPr>
-        <p:cNvPr id="1" name=""/>
-        <p:cNvGrpSpPr/>
-        <p:nvPr/>
-      </p:nvGrpSpPr>
-      <p:grpSpPr>
-        <a:xfrm>
-          <a:off x="0" y="0"/>
-          <a:ext cx="0" cy="0"/>
-          <a:chOff x="0" y="0"/>
-          <a:chExt cx="0" cy="0"/>
-        </a:xfrm>
-      </p:grpSpPr>
-      <p:sp>
-        <p:nvSpPr>
-          <p:cNvPr id="3" name="Content Placeholder 2"/>
-          <p:cNvSpPr>
-            <a:spLocks noGrp="1"/>
-          </p:cNvSpPr>
-          <p:nvPr>
-            <p:ph idx="1"/>
-          </p:nvPr>
-        </p:nvSpPr>
-        <p:spPr>
-          <a:xfrm>
-            <a:off x="1464447" y="1714494"/>
-            <a:ext cx="6172200" cy="3291840"/>
-          </a:xfrm>
-        </p:spPr>
-        <p:txBody>
-          <a:bodyPr>
-            <a:normAutofit/>
-          </a:bodyPr>
-          <a:lstStyle/>
-          <a:p>
-            <a:r>
-              <a:rPr lang="en-SG" sz="2700" dirty="0" smtClean="0">
-                <a:latin typeface="Verdana" panose="020B0604030504040204" pitchFamily="34" charset="0"/>
-                <a:ea typeface="Verdana" panose="020B0604030504040204" pitchFamily="34" charset="0"/>
-                <a:cs typeface="Verdana" panose="020B0604030504040204" pitchFamily="34" charset="0"/>
-              </a:rPr>
-              <a:t>Task </a:t>
-            </a:r>
-            <a:r>
-              <a:rPr lang="en-SG" sz="2700" dirty="0">
-                <a:latin typeface="Verdana" panose="020B0604030504040204" pitchFamily="34" charset="0"/>
-                <a:ea typeface="Verdana" panose="020B0604030504040204" pitchFamily="34" charset="0"/>
-                <a:cs typeface="Verdana" panose="020B0604030504040204" pitchFamily="34" charset="0"/>
-              </a:rPr>
-              <a:t>list saved to file after every operation. </a:t>
-            </a:r>
-            <a:endParaRPr lang="en-SG" sz="2700" dirty="0" smtClean="0">
-              <a:latin typeface="Verdana" panose="020B0604030504040204" pitchFamily="34" charset="0"/>
-              <a:ea typeface="Verdana" panose="020B0604030504040204" pitchFamily="34" charset="0"/>
-              <a:cs typeface="Verdana" panose="020B0604030504040204" pitchFamily="34" charset="0"/>
-            </a:endParaRPr>
-          </a:p>
-          <a:p>
-            <a:pPr marL="0" indent="0">
-              <a:buNone/>
-            </a:pPr>
-            <a:endParaRPr lang="en-SG" sz="2700" dirty="0">
-              <a:latin typeface="Verdana" panose="020B0604030504040204" pitchFamily="34" charset="0"/>
-              <a:ea typeface="Verdana" panose="020B0604030504040204" pitchFamily="34" charset="0"/>
-              <a:cs typeface="Verdana" panose="020B0604030504040204" pitchFamily="34" charset="0"/>
-            </a:endParaRPr>
-          </a:p>
-          <a:p>
-            <a:r>
-              <a:rPr lang="en-SG" sz="2700" dirty="0" smtClean="0">
-                <a:latin typeface="Verdana" panose="020B0604030504040204" pitchFamily="34" charset="0"/>
-                <a:ea typeface="Verdana" panose="020B0604030504040204" pitchFamily="34" charset="0"/>
-                <a:cs typeface="Verdana" panose="020B0604030504040204" pitchFamily="34" charset="0"/>
-              </a:rPr>
-              <a:t>Stable and never crashes</a:t>
-            </a:r>
-            <a:endParaRPr lang="en-SG" sz="2700" dirty="0">
-              <a:latin typeface="Verdana" panose="020B0604030504040204" pitchFamily="34" charset="0"/>
-              <a:ea typeface="Verdana" panose="020B0604030504040204" pitchFamily="34" charset="0"/>
-              <a:cs typeface="Verdana" panose="020B0604030504040204" pitchFamily="34" charset="0"/>
-            </a:endParaRPr>
-          </a:p>
-          <a:p>
-            <a:endParaRPr lang="en-SG" dirty="0" smtClean="0">
-              <a:latin typeface="Verdana" panose="020B0604030504040204" pitchFamily="34" charset="0"/>
-              <a:ea typeface="Verdana" panose="020B0604030504040204" pitchFamily="34" charset="0"/>
-              <a:cs typeface="Verdana" panose="020B0604030504040204" pitchFamily="34" charset="0"/>
-            </a:endParaRPr>
-          </a:p>
-          <a:p>
-            <a:endParaRPr lang="en-SG" dirty="0" smtClean="0">
-              <a:latin typeface="Verdana" panose="020B0604030504040204" pitchFamily="34" charset="0"/>
-              <a:ea typeface="Verdana" panose="020B0604030504040204" pitchFamily="34" charset="0"/>
-              <a:cs typeface="Verdana" panose="020B0604030504040204" pitchFamily="34" charset="0"/>
-            </a:endParaRPr>
-          </a:p>
-        </p:txBody>
-      </p:sp>
-      <p:sp>
-        <p:nvSpPr>
-          <p:cNvPr id="2" name="Title 1"/>
-          <p:cNvSpPr>
-            <a:spLocks noGrp="1"/>
-          </p:cNvSpPr>
-          <p:nvPr>
-            <p:ph type="title"/>
-          </p:nvPr>
-        </p:nvSpPr>
-        <p:spPr/>
-        <p:txBody>
-          <a:bodyPr/>
-          <a:lstStyle/>
-          <a:p>
-            <a:r>
-              <a:rPr lang="en-SG" dirty="0" smtClean="0">
-                <a:latin typeface="Verdana" panose="020B0604030504040204" pitchFamily="34" charset="0"/>
-                <a:ea typeface="Verdana" panose="020B0604030504040204" pitchFamily="34" charset="0"/>
-                <a:cs typeface="Verdana" panose="020B0604030504040204" pitchFamily="34" charset="0"/>
-              </a:rPr>
-              <a:t>Reliable</a:t>
-            </a:r>
-          </a:p>
-        </p:txBody>
-      </p:sp>
-    </p:spTree>
-    <p:extLst>
-      <p:ext uri="{BB962C8B-B14F-4D97-AF65-F5344CB8AC3E}">
-        <p14:creationId xmlns:p14="http://schemas.microsoft.com/office/powerpoint/2010/main" xmlns="" val="4092394669"/>
-      </p:ext>
-    </p:extLst>
-  </p:cSld>
-  <p:clrMapOvr>
-    <a:masterClrMapping/>
-  </p:clrMapOvr>
-  <mc:AlternateContent xmlns:mc="http://schemas.openxmlformats.org/markup-compatibility/2006">
-    <mc:Choice xmlns:p14="http://schemas.microsoft.com/office/powerpoint/2010/main" xmlns="" Requires="p14">
-      <p:transition spd="med" p14:dur="700">
-        <p:fade/>
-      </p:transition>
-    </mc:Choice>
-    <mc:Fallback>
-      <p:transition spd="med">
-        <p:fade/>
-      </p:transition>
-    </mc:Fallback>
-  </mc:AlternateContent>
-  <p:timing>
-    <p:tnLst>
-      <p:par>
-        <p:cTn id="1" dur="indefinite" restart="never" nodeType="tmRoot">
-          <p:childTnLst>
-            <p:seq concurrent="1" nextAc="seek">
-              <p:cTn id="2" dur="indefinite" nodeType="mainSeq">
-                <p:childTnLst>
-                  <p:par>
-                    <p:cTn id="3" fill="hold">
-                      <p:stCondLst>
-                        <p:cond delay="indefinite"/>
-                      </p:stCondLst>
-                      <p:childTnLst>
-                        <p:par>
-                          <p:cTn id="4" fill="hold">
-                            <p:stCondLst>
-                              <p:cond delay="0"/>
-                            </p:stCondLst>
-                            <p:childTnLst>
-                              <p:par>
-                                <p:cTn id="5" presetID="42" presetClass="entr" presetSubtype="0" fill="hold" nodeType="clickEffect">
-                                  <p:stCondLst>
-                                    <p:cond delay="0"/>
-                                  </p:stCondLst>
-                                  <p:childTnLst>
-                                    <p:set>
-                                      <p:cBhvr>
-                                        <p:cTn id="6" dur="1" fill="hold">
-                                          <p:stCondLst>
-                                            <p:cond delay="0"/>
-                                          </p:stCondLst>
-                                        </p:cTn>
-                                        <p:tgtEl>
-                                          <p:spTgt spid="3">
-                                            <p:txEl>
-                                              <p:pRg st="2" end="2"/>
-                                            </p:txEl>
-                                          </p:spTgt>
-                                        </p:tgtEl>
-                                        <p:attrNameLst>
-                                          <p:attrName>style.visibility</p:attrName>
-                                        </p:attrNameLst>
-                                      </p:cBhvr>
-                                      <p:to>
-                                        <p:strVal val="visible"/>
-                                      </p:to>
-                                    </p:set>
-                                    <p:animEffect transition="in" filter="fade">
-                                      <p:cBhvr>
-                                        <p:cTn id="7" dur="500"/>
-                                        <p:tgtEl>
-                                          <p:spTgt spid="3">
-                                            <p:txEl>
-                                              <p:pRg st="2" end="2"/>
-                                            </p:txEl>
-                                          </p:spTgt>
-                                        </p:tgtEl>
-                                      </p:cBhvr>
-                                    </p:animEffect>
-                                    <p:anim calcmode="lin" valueType="num">
-                                      <p:cBhvr>
-                                        <p:cTn id="8" dur="500" fill="hold"/>
-                                        <p:tgtEl>
-                                          <p:spTgt spid="3">
-                                            <p:txEl>
-                                              <p:pRg st="2" end="2"/>
-                                            </p:txEl>
-                                          </p:spTgt>
-                                        </p:tgtEl>
-                                        <p:attrNameLst>
-                                          <p:attrName>ppt_x</p:attrName>
-                                        </p:attrNameLst>
-                                      </p:cBhvr>
-                                      <p:tavLst>
-                                        <p:tav tm="0">
-                                          <p:val>
-                                            <p:strVal val="#ppt_x"/>
-                                          </p:val>
-                                        </p:tav>
-                                        <p:tav tm="100000">
-                                          <p:val>
-                                            <p:strVal val="#ppt_x"/>
-                                          </p:val>
-                                        </p:tav>
-                                      </p:tavLst>
-                                    </p:anim>
-                                    <p:anim calcmode="lin" valueType="num">
-                                      <p:cBhvr>
-                                        <p:cTn id="9" dur="500" fill="hold"/>
-                                        <p:tgtEl>
-                                          <p:spTgt spid="3">
-                                            <p:txEl>
-                                              <p:pRg st="2" end="2"/>
-                                            </p:txEl>
-                                          </p:spTgt>
-                                        </p:tgtEl>
-                                        <p:attrNameLst>
-                                          <p:attrName>ppt_y</p:attrName>
-                                        </p:attrNameLst>
-                                      </p:cBhvr>
-                                      <p:tavLst>
-                                        <p:tav tm="0">
-                                          <p:val>
-                                            <p:strVal val="#ppt_y+.1"/>
-                                          </p:val>
-                                        </p:tav>
-                                        <p:tav tm="100000">
-                                          <p:val>
-                                            <p:strVal val="#ppt_y"/>
-                                          </p:val>
-                                        </p:tav>
-                                      </p:tavLst>
-                                    </p:anim>
-                                  </p:childTnLst>
-                                </p:cTn>
-                              </p:par>
-                            </p:childTnLst>
-                          </p:cTn>
-                        </p:par>
-                      </p:childTnLst>
-                    </p:cTn>
-                  </p:par>
-                </p:childTnLst>
-              </p:cTn>
-              <p:prevCondLst>
-                <p:cond evt="onPrev" delay="0">
-                  <p:tgtEl>
-                    <p:sldTgt/>
-                  </p:tgtEl>
-                </p:cond>
-              </p:prevCondLst>
-              <p:nextCondLst>
-                <p:cond evt="onNext" delay="0">
-                  <p:tgtEl>
-                    <p:sldTgt/>
-                  </p:tgtEl>
-                </p:cond>
-              </p:nextCondLst>
-            </p:seq>
-          </p:childTnLst>
-        </p:cTn>
-      </p:par>
-    </p:tnLst>
-  </p:timing>
-</p:sld>
-</file>
-
-<file path=ppt/slides/slide13.xml><?xml version="1.0" encoding="utf-8"?>
-<p:sld xmlns:a="http://schemas.openxmlformats.org/drawingml/2006/main" xmlns:r="http://schemas.openxmlformats.org/officeDocument/2006/relationships" xmlns:p="http://schemas.openxmlformats.org/presentationml/2006/main">
-  <p:cSld>
-    <p:spTree>
-      <p:nvGrpSpPr>
-        <p:cNvPr id="1" name=""/>
-        <p:cNvGrpSpPr/>
-        <p:nvPr/>
-      </p:nvGrpSpPr>
-      <p:grpSpPr>
-        <a:xfrm>
-          <a:off x="0" y="0"/>
-          <a:ext cx="0" cy="0"/>
-          <a:chOff x="0" y="0"/>
-          <a:chExt cx="0" cy="0"/>
-        </a:xfrm>
-      </p:grpSpPr>
-      <p:pic>
-        <p:nvPicPr>
-          <p:cNvPr id="6" name="Content Placeholder 5" descr="270307-windows-xp-vista-and-7-blue-screen-of-death.jpg"/>
-          <p:cNvPicPr>
-            <a:picLocks noGrp="1" noChangeAspect="1"/>
-          </p:cNvPicPr>
-          <p:nvPr>
-            <p:ph idx="1"/>
-          </p:nvPr>
-        </p:nvPicPr>
-        <p:blipFill>
-          <a:blip r:embed="rId2"/>
-          <a:stretch>
-            <a:fillRect/>
-          </a:stretch>
-        </p:blipFill>
-        <p:spPr>
-          <a:xfrm>
-            <a:off x="0" y="1"/>
-            <a:ext cx="9144000" cy="5162649"/>
-          </a:xfrm>
-        </p:spPr>
-      </p:pic>
-      <p:sp>
-        <p:nvSpPr>
-          <p:cNvPr id="4" name="Title 3"/>
-          <p:cNvSpPr>
-            <a:spLocks noGrp="1"/>
-          </p:cNvSpPr>
-          <p:nvPr>
-            <p:ph type="title"/>
-          </p:nvPr>
-        </p:nvSpPr>
-        <p:spPr/>
-        <p:txBody>
-          <a:bodyPr/>
-          <a:lstStyle/>
-          <a:p>
-            <a:endParaRPr lang="en-US"/>
-          </a:p>
-        </p:txBody>
-      </p:sp>
-    </p:spTree>
-    <p:extLst>
-      <p:ext uri="{BB962C8B-B14F-4D97-AF65-F5344CB8AC3E}">
-        <p14:creationId xmlns:p14="http://schemas.microsoft.com/office/powerpoint/2010/main" xmlns="" val="723934481"/>
-      </p:ext>
-    </p:extLst>
-  </p:cSld>
-  <p:clrMapOvr>
-    <a:masterClrMapping/>
-  </p:clrMapOvr>
-  <mc:AlternateContent xmlns:mc="http://schemas.openxmlformats.org/markup-compatibility/2006">
-    <mc:Choice xmlns:p14="http://schemas.microsoft.com/office/powerpoint/2010/main" xmlns="" Requires="p14">
-      <p:transition spd="med" p14:dur="700">
-        <p:fade/>
-      </p:transition>
-    </mc:Choice>
-    <mc:Fallback>
-      <p:transition spd="med">
-        <p:fade/>
-      </p:transition>
-    </mc:Fallback>
-  </mc:AlternateContent>
-  <p:timing>
-    <p:tnLst>
-      <p:par>
-        <p:cTn id="1" dur="indefinite" restart="never" nodeType="tmRoot"/>
-      </p:par>
-    </p:tnLst>
-  </p:timing>
-</p:sld>
-</file>
-
-<file path=ppt/slides/slide14.xml><?xml version="1.0" encoding="utf-8"?>
-<p:sld xmlns:a="http://schemas.openxmlformats.org/drawingml/2006/main" xmlns:r="http://schemas.openxmlformats.org/officeDocument/2006/relationships" xmlns:p="http://schemas.openxmlformats.org/presentationml/2006/main">
-  <p:cSld>
-    <p:spTree>
-      <p:nvGrpSpPr>
-        <p:cNvPr id="1" name=""/>
-        <p:cNvGrpSpPr/>
-        <p:nvPr/>
-      </p:nvGrpSpPr>
-      <p:grpSpPr>
-        <a:xfrm>
-          <a:off x="0" y="0"/>
-          <a:ext cx="0" cy="0"/>
-          <a:chOff x="0" y="0"/>
-          <a:chExt cx="0" cy="0"/>
-        </a:xfrm>
-      </p:grpSpPr>
-      <p:sp>
-        <p:nvSpPr>
-          <p:cNvPr id="3" name="Content Placeholder 2"/>
-          <p:cNvSpPr>
-            <a:spLocks noGrp="1"/>
-          </p:cNvSpPr>
-          <p:nvPr>
-            <p:ph idx="1"/>
-          </p:nvPr>
-        </p:nvSpPr>
-        <p:spPr>
-          <a:xfrm>
-            <a:off x="1464447" y="1714494"/>
-            <a:ext cx="6172200" cy="3291840"/>
-          </a:xfrm>
-        </p:spPr>
-        <p:txBody>
-          <a:bodyPr>
-            <a:normAutofit/>
-          </a:bodyPr>
-          <a:lstStyle/>
-          <a:p>
-            <a:r>
-              <a:rPr lang="en-SG" sz="2700" dirty="0">
-                <a:latin typeface="Verdana" panose="020B0604030504040204" pitchFamily="34" charset="0"/>
-                <a:ea typeface="Verdana" panose="020B0604030504040204" pitchFamily="34" charset="0"/>
-                <a:cs typeface="Verdana" panose="020B0604030504040204" pitchFamily="34" charset="0"/>
-              </a:rPr>
-              <a:t>Saving done only after list updated on </a:t>
-            </a:r>
-            <a:r>
-              <a:rPr lang="en-SG" sz="2700" dirty="0" smtClean="0">
-                <a:latin typeface="Verdana" panose="020B0604030504040204" pitchFamily="34" charset="0"/>
-                <a:ea typeface="Verdana" panose="020B0604030504040204" pitchFamily="34" charset="0"/>
-                <a:cs typeface="Verdana" panose="020B0604030504040204" pitchFamily="34" charset="0"/>
-              </a:rPr>
-              <a:t>display</a:t>
-            </a:r>
-          </a:p>
-          <a:p>
-            <a:endParaRPr lang="en-SG" sz="2700" dirty="0">
-              <a:latin typeface="Verdana" panose="020B0604030504040204" pitchFamily="34" charset="0"/>
-              <a:ea typeface="Verdana" panose="020B0604030504040204" pitchFamily="34" charset="0"/>
-              <a:cs typeface="Verdana" panose="020B0604030504040204" pitchFamily="34" charset="0"/>
-            </a:endParaRPr>
-          </a:p>
-          <a:p>
-            <a:r>
-              <a:rPr lang="en-SG" sz="2700" dirty="0">
-                <a:latin typeface="Verdana" panose="020B0604030504040204" pitchFamily="34" charset="0"/>
-                <a:ea typeface="Verdana" panose="020B0604030504040204" pitchFamily="34" charset="0"/>
-                <a:cs typeface="Verdana" panose="020B0604030504040204" pitchFamily="34" charset="0"/>
-              </a:rPr>
-              <a:t>No perceivable delay</a:t>
-            </a:r>
-          </a:p>
-          <a:p>
-            <a:endParaRPr lang="en-SG" dirty="0" smtClean="0">
-              <a:latin typeface="Verdana" panose="020B0604030504040204" pitchFamily="34" charset="0"/>
-              <a:ea typeface="Verdana" panose="020B0604030504040204" pitchFamily="34" charset="0"/>
-              <a:cs typeface="Verdana" panose="020B0604030504040204" pitchFamily="34" charset="0"/>
-            </a:endParaRPr>
-          </a:p>
-          <a:p>
-            <a:endParaRPr lang="en-SG" dirty="0" smtClean="0">
-              <a:latin typeface="Verdana" panose="020B0604030504040204" pitchFamily="34" charset="0"/>
-              <a:ea typeface="Verdana" panose="020B0604030504040204" pitchFamily="34" charset="0"/>
-              <a:cs typeface="Verdana" panose="020B0604030504040204" pitchFamily="34" charset="0"/>
-            </a:endParaRPr>
-          </a:p>
-        </p:txBody>
-      </p:sp>
-      <p:sp>
-        <p:nvSpPr>
-          <p:cNvPr id="2" name="Title 1"/>
-          <p:cNvSpPr>
-            <a:spLocks noGrp="1"/>
-          </p:cNvSpPr>
-          <p:nvPr>
-            <p:ph type="title"/>
-          </p:nvPr>
-        </p:nvSpPr>
-        <p:spPr/>
-        <p:txBody>
-          <a:bodyPr/>
-          <a:lstStyle/>
-          <a:p>
-            <a:r>
-              <a:rPr lang="en-SG" dirty="0" smtClean="0">
-                <a:latin typeface="Verdana" panose="020B0604030504040204" pitchFamily="34" charset="0"/>
-                <a:ea typeface="Verdana" panose="020B0604030504040204" pitchFamily="34" charset="0"/>
-                <a:cs typeface="Verdana" panose="020B0604030504040204" pitchFamily="34" charset="0"/>
-              </a:rPr>
-              <a:t>Performance</a:t>
-            </a:r>
-          </a:p>
-        </p:txBody>
-      </p:sp>
-    </p:spTree>
-    <p:extLst>
-      <p:ext uri="{BB962C8B-B14F-4D97-AF65-F5344CB8AC3E}">
-        <p14:creationId xmlns:p14="http://schemas.microsoft.com/office/powerpoint/2010/main" xmlns="" val="1659345808"/>
-      </p:ext>
-    </p:extLst>
-  </p:cSld>
-  <p:clrMapOvr>
-    <a:masterClrMapping/>
-  </p:clrMapOvr>
-  <mc:AlternateContent xmlns:mc="http://schemas.openxmlformats.org/markup-compatibility/2006">
-    <mc:Choice xmlns:p14="http://schemas.microsoft.com/office/powerpoint/2010/main" xmlns="" Requires="p14">
-      <p:transition spd="med" p14:dur="700">
-        <p:fade/>
-      </p:transition>
-    </mc:Choice>
-    <mc:Fallback>
-      <p:transition spd="med">
-        <p:fade/>
-      </p:transition>
-    </mc:Fallback>
-  </mc:AlternateContent>
-  <p:timing>
-    <p:tnLst>
-      <p:par>
-        <p:cTn id="1" dur="indefinite" restart="never" nodeType="tmRoot">
-          <p:childTnLst>
-            <p:seq concurrent="1" nextAc="seek">
-              <p:cTn id="2" dur="indefinite" nodeType="mainSeq">
-                <p:childTnLst>
-                  <p:par>
-                    <p:cTn id="3" fill="hold">
-                      <p:stCondLst>
-                        <p:cond delay="indefinite"/>
-                      </p:stCondLst>
-                      <p:childTnLst>
-                        <p:par>
-                          <p:cTn id="4" fill="hold">
-                            <p:stCondLst>
-                              <p:cond delay="0"/>
-                            </p:stCondLst>
-                            <p:childTnLst>
-                              <p:par>
-                                <p:cTn id="5" presetID="42" presetClass="entr" presetSubtype="0" fill="hold" nodeType="clickEffect">
-                                  <p:stCondLst>
-                                    <p:cond delay="0"/>
-                                  </p:stCondLst>
-                                  <p:childTnLst>
-                                    <p:set>
-                                      <p:cBhvr>
-                                        <p:cTn id="6" dur="1" fill="hold">
-                                          <p:stCondLst>
-                                            <p:cond delay="0"/>
-                                          </p:stCondLst>
-                                        </p:cTn>
-                                        <p:tgtEl>
-                                          <p:spTgt spid="3">
-                                            <p:txEl>
-                                              <p:pRg st="0" end="0"/>
-                                            </p:txEl>
-                                          </p:spTgt>
-                                        </p:tgtEl>
-                                        <p:attrNameLst>
-                                          <p:attrName>style.visibility</p:attrName>
-                                        </p:attrNameLst>
-                                      </p:cBhvr>
-                                      <p:to>
-                                        <p:strVal val="visible"/>
-                                      </p:to>
-                                    </p:set>
-                                    <p:animEffect transition="in" filter="fade">
-                                      <p:cBhvr>
-                                        <p:cTn id="7" dur="500"/>
-                                        <p:tgtEl>
-                                          <p:spTgt spid="3">
-                                            <p:txEl>
-                                              <p:pRg st="0" end="0"/>
-                                            </p:txEl>
-                                          </p:spTgt>
-                                        </p:tgtEl>
-                                      </p:cBhvr>
-                                    </p:animEffect>
-                                    <p:anim calcmode="lin" valueType="num">
-                                      <p:cBhvr>
-                                        <p:cTn id="8" dur="500" fill="hold"/>
-                                        <p:tgtEl>
-                                          <p:spTgt spid="3">
-                                            <p:txEl>
-                                              <p:pRg st="0" end="0"/>
-                                            </p:txEl>
-                                          </p:spTgt>
-                                        </p:tgtEl>
-                                        <p:attrNameLst>
-                                          <p:attrName>ppt_x</p:attrName>
-                                        </p:attrNameLst>
-                                      </p:cBhvr>
-                                      <p:tavLst>
-                                        <p:tav tm="0">
-                                          <p:val>
-                                            <p:strVal val="#ppt_x"/>
-                                          </p:val>
-                                        </p:tav>
-                                        <p:tav tm="100000">
-                                          <p:val>
-                                            <p:strVal val="#ppt_x"/>
-                                          </p:val>
-                                        </p:tav>
-                                      </p:tavLst>
-                                    </p:anim>
-                                    <p:anim calcmode="lin" valueType="num">
-                                      <p:cBhvr>
-                                        <p:cTn id="9" dur="500" fill="hold"/>
-                                        <p:tgtEl>
-                                          <p:spTgt spid="3">
-                                            <p:txEl>
-                                              <p:pRg st="0" end="0"/>
-                                            </p:txEl>
-                                          </p:spTgt>
-                                        </p:tgtEl>
-                                        <p:attrNameLst>
-                                          <p:attrName>ppt_y</p:attrName>
-                                        </p:attrNameLst>
-                                      </p:cBhvr>
-                                      <p:tavLst>
-                                        <p:tav tm="0">
-                                          <p:val>
-                                            <p:strVal val="#ppt_y+.1"/>
-                                          </p:val>
-                                        </p:tav>
-                                        <p:tav tm="100000">
-                                          <p:val>
-                                            <p:strVal val="#ppt_y"/>
-                                          </p:val>
-                                        </p:tav>
-                                      </p:tavLst>
-                                    </p:anim>
-                                  </p:childTnLst>
-                                </p:cTn>
-                              </p:par>
-                            </p:childTnLst>
-                          </p:cTn>
-                        </p:par>
-                      </p:childTnLst>
-                    </p:cTn>
-                  </p:par>
-                  <p:par>
-                    <p:cTn id="10" fill="hold">
-                      <p:stCondLst>
-                        <p:cond delay="indefinite"/>
-                      </p:stCondLst>
-                      <p:childTnLst>
-                        <p:par>
-                          <p:cTn id="11" fill="hold">
-                            <p:stCondLst>
-                              <p:cond delay="0"/>
-                            </p:stCondLst>
-                            <p:childTnLst>
-                              <p:par>
-                                <p:cTn id="12" presetID="42" presetClass="entr" presetSubtype="0" fill="hold" nodeType="clickEffect">
-                                  <p:stCondLst>
-                                    <p:cond delay="0"/>
-                                  </p:stCondLst>
-                                  <p:childTnLst>
-                                    <p:set>
-                                      <p:cBhvr>
-                                        <p:cTn id="13" dur="1" fill="hold">
-                                          <p:stCondLst>
-                                            <p:cond delay="0"/>
-                                          </p:stCondLst>
-                                        </p:cTn>
-                                        <p:tgtEl>
-                                          <p:spTgt spid="3">
-                                            <p:txEl>
-                                              <p:pRg st="2" end="2"/>
-                                            </p:txEl>
-                                          </p:spTgt>
-                                        </p:tgtEl>
-                                        <p:attrNameLst>
-                                          <p:attrName>style.visibility</p:attrName>
-                                        </p:attrNameLst>
-                                      </p:cBhvr>
-                                      <p:to>
-                                        <p:strVal val="visible"/>
-                                      </p:to>
-                                    </p:set>
-                                    <p:animEffect transition="in" filter="fade">
-                                      <p:cBhvr>
-                                        <p:cTn id="14" dur="500"/>
-                                        <p:tgtEl>
-                                          <p:spTgt spid="3">
-                                            <p:txEl>
-                                              <p:pRg st="2" end="2"/>
-                                            </p:txEl>
-                                          </p:spTgt>
-                                        </p:tgtEl>
-                                      </p:cBhvr>
-                                    </p:animEffect>
-                                    <p:anim calcmode="lin" valueType="num">
-                                      <p:cBhvr>
-                                        <p:cTn id="15" dur="500" fill="hold"/>
-                                        <p:tgtEl>
-                                          <p:spTgt spid="3">
-                                            <p:txEl>
-                                              <p:pRg st="2" end="2"/>
-                                            </p:txEl>
-                                          </p:spTgt>
-                                        </p:tgtEl>
-                                        <p:attrNameLst>
-                                          <p:attrName>ppt_x</p:attrName>
-                                        </p:attrNameLst>
-                                      </p:cBhvr>
-                                      <p:tavLst>
-                                        <p:tav tm="0">
-                                          <p:val>
-                                            <p:strVal val="#ppt_x"/>
-                                          </p:val>
-                                        </p:tav>
-                                        <p:tav tm="100000">
-                                          <p:val>
-                                            <p:strVal val="#ppt_x"/>
-                                          </p:val>
-                                        </p:tav>
-                                      </p:tavLst>
-                                    </p:anim>
-                                    <p:anim calcmode="lin" valueType="num">
-                                      <p:cBhvr>
-                                        <p:cTn id="16" dur="500" fill="hold"/>
-                                        <p:tgtEl>
-                                          <p:spTgt spid="3">
-                                            <p:txEl>
-                                              <p:pRg st="2" end="2"/>
-                                            </p:txEl>
-                                          </p:spTgt>
-                                        </p:tgtEl>
-                                        <p:attrNameLst>
-                                          <p:attrName>ppt_y</p:attrName>
-                                        </p:attrNameLst>
-                                      </p:cBhvr>
-                                      <p:tavLst>
-                                        <p:tav tm="0">
-                                          <p:val>
-                                            <p:strVal val="#ppt_y+.1"/>
-                                          </p:val>
-                                        </p:tav>
-                                        <p:tav tm="100000">
-                                          <p:val>
-                                            <p:strVal val="#ppt_y"/>
-                                          </p:val>
-                                        </p:tav>
-                                      </p:tavLst>
-                                    </p:anim>
-                                  </p:childTnLst>
-                                </p:cTn>
-                              </p:par>
-                            </p:childTnLst>
-                          </p:cTn>
-                        </p:par>
-                      </p:childTnLst>
-                    </p:cTn>
-                  </p:par>
-                </p:childTnLst>
-              </p:cTn>
-              <p:prevCondLst>
-                <p:cond evt="onPrev" delay="0">
-                  <p:tgtEl>
-                    <p:sldTgt/>
-                  </p:tgtEl>
-                </p:cond>
-              </p:prevCondLst>
-              <p:nextCondLst>
-                <p:cond evt="onNext" delay="0">
-                  <p:tgtEl>
-                    <p:sldTgt/>
-                  </p:tgtEl>
-                </p:cond>
-              </p:nextCondLst>
-            </p:seq>
-          </p:childTnLst>
-        </p:cTn>
-      </p:par>
-    </p:tnLst>
-  </p:timing>
-</p:sld>
-</file>
-
 <file path=ppt/slides/slide15.xml><?xml version="1.0" encoding="utf-8"?>
-<p:sld xmlns:a="http://schemas.openxmlformats.org/drawingml/2006/main" xmlns:r="http://schemas.openxmlformats.org/officeDocument/2006/relationships" xmlns:p="http://schemas.openxmlformats.org/presentationml/2006/main">
-  <p:cSld>
-    <p:spTree>
-      <p:nvGrpSpPr>
-        <p:cNvPr id="1" name=""/>
-        <p:cNvGrpSpPr/>
-        <p:nvPr/>
-      </p:nvGrpSpPr>
-      <p:grpSpPr>
-        <a:xfrm>
-          <a:off x="0" y="0"/>
-          <a:ext cx="0" cy="0"/>
-          <a:chOff x="0" y="0"/>
-          <a:chExt cx="0" cy="0"/>
-        </a:xfrm>
-      </p:grpSpPr>
-      <p:sp>
-        <p:nvSpPr>
-          <p:cNvPr id="3" name="Content Placeholder 2"/>
-          <p:cNvSpPr>
-            <a:spLocks noGrp="1"/>
-          </p:cNvSpPr>
-          <p:nvPr>
-            <p:ph idx="1"/>
-          </p:nvPr>
-        </p:nvSpPr>
-        <p:spPr>
-          <a:xfrm>
-            <a:off x="1464447" y="1714494"/>
-            <a:ext cx="6172200" cy="3291840"/>
-          </a:xfrm>
-        </p:spPr>
-        <p:txBody>
-          <a:bodyPr>
-            <a:normAutofit/>
-          </a:bodyPr>
-          <a:lstStyle/>
-          <a:p>
-            <a:r>
-              <a:rPr lang="en-SG" sz="2700" dirty="0">
-                <a:latin typeface="Verdana" panose="020B0604030504040204" pitchFamily="34" charset="0"/>
-                <a:ea typeface="Verdana" panose="020B0604030504040204" pitchFamily="34" charset="0"/>
-                <a:cs typeface="Verdana" panose="020B0604030504040204" pitchFamily="34" charset="0"/>
-              </a:rPr>
-              <a:t>Only need </a:t>
-            </a:r>
-            <a:r>
-              <a:rPr lang="en-SG" sz="2700" dirty="0" smtClean="0">
-                <a:latin typeface="Verdana" panose="020B0604030504040204" pitchFamily="34" charset="0"/>
-                <a:ea typeface="Verdana" panose="020B0604030504040204" pitchFamily="34" charset="0"/>
-                <a:cs typeface="Verdana" panose="020B0604030504040204" pitchFamily="34" charset="0"/>
-              </a:rPr>
-              <a:t>keyboard</a:t>
-            </a:r>
-          </a:p>
-          <a:p>
-            <a:pPr marL="0" indent="0">
-              <a:buNone/>
-            </a:pPr>
-            <a:endParaRPr lang="en-SG" sz="2700" dirty="0">
-              <a:latin typeface="Verdana" panose="020B0604030504040204" pitchFamily="34" charset="0"/>
-              <a:ea typeface="Verdana" panose="020B0604030504040204" pitchFamily="34" charset="0"/>
-              <a:cs typeface="Verdana" panose="020B0604030504040204" pitchFamily="34" charset="0"/>
-            </a:endParaRPr>
-          </a:p>
-          <a:p>
-            <a:r>
-              <a:rPr lang="en-SG" sz="2700" dirty="0">
-                <a:latin typeface="Verdana" panose="020B0604030504040204" pitchFamily="34" charset="0"/>
-                <a:ea typeface="Verdana" panose="020B0604030504040204" pitchFamily="34" charset="0"/>
-                <a:cs typeface="Verdana" panose="020B0604030504040204" pitchFamily="34" charset="0"/>
-              </a:rPr>
-              <a:t>Minimal </a:t>
-            </a:r>
-            <a:r>
-              <a:rPr lang="en-SG" sz="2700" dirty="0" smtClean="0">
-                <a:latin typeface="Verdana" panose="020B0604030504040204" pitchFamily="34" charset="0"/>
-                <a:ea typeface="Verdana" panose="020B0604030504040204" pitchFamily="34" charset="0"/>
-                <a:cs typeface="Verdana" panose="020B0604030504040204" pitchFamily="34" charset="0"/>
-              </a:rPr>
-              <a:t>keywords</a:t>
-            </a:r>
-          </a:p>
-          <a:p>
-            <a:endParaRPr lang="en-SG" sz="2700" dirty="0">
-              <a:latin typeface="Verdana" panose="020B0604030504040204" pitchFamily="34" charset="0"/>
-              <a:ea typeface="Verdana" panose="020B0604030504040204" pitchFamily="34" charset="0"/>
-              <a:cs typeface="Verdana" panose="020B0604030504040204" pitchFamily="34" charset="0"/>
-            </a:endParaRPr>
-          </a:p>
-          <a:p>
-            <a:r>
-              <a:rPr lang="en-SG" sz="2700" dirty="0" smtClean="0">
-                <a:latin typeface="Verdana" panose="020B0604030504040204" pitchFamily="34" charset="0"/>
-                <a:ea typeface="Verdana" panose="020B0604030504040204" pitchFamily="34" charset="0"/>
-                <a:cs typeface="Verdana" panose="020B0604030504040204" pitchFamily="34" charset="0"/>
-              </a:rPr>
-              <a:t>Single letter commands</a:t>
-            </a:r>
-            <a:endParaRPr lang="en-SG" sz="2700" dirty="0">
-              <a:latin typeface="Verdana" panose="020B0604030504040204" pitchFamily="34" charset="0"/>
-              <a:ea typeface="Verdana" panose="020B0604030504040204" pitchFamily="34" charset="0"/>
-              <a:cs typeface="Verdana" panose="020B0604030504040204" pitchFamily="34" charset="0"/>
-            </a:endParaRPr>
-          </a:p>
-          <a:p>
-            <a:endParaRPr lang="en-SG" dirty="0" smtClean="0">
-              <a:latin typeface="Verdana" panose="020B0604030504040204" pitchFamily="34" charset="0"/>
-              <a:ea typeface="Verdana" panose="020B0604030504040204" pitchFamily="34" charset="0"/>
-              <a:cs typeface="Verdana" panose="020B0604030504040204" pitchFamily="34" charset="0"/>
-            </a:endParaRPr>
-          </a:p>
-          <a:p>
-            <a:endParaRPr lang="en-SG" dirty="0" smtClean="0">
-              <a:latin typeface="Verdana" panose="020B0604030504040204" pitchFamily="34" charset="0"/>
-              <a:ea typeface="Verdana" panose="020B0604030504040204" pitchFamily="34" charset="0"/>
-              <a:cs typeface="Verdana" panose="020B0604030504040204" pitchFamily="34" charset="0"/>
-            </a:endParaRPr>
-          </a:p>
-        </p:txBody>
-      </p:sp>
-      <p:sp>
-        <p:nvSpPr>
-          <p:cNvPr id="2" name="Title 1"/>
-          <p:cNvSpPr>
-            <a:spLocks noGrp="1"/>
-          </p:cNvSpPr>
-          <p:nvPr>
-            <p:ph type="title"/>
-          </p:nvPr>
-        </p:nvSpPr>
-        <p:spPr/>
-        <p:txBody>
-          <a:bodyPr/>
-          <a:lstStyle/>
-          <a:p>
-            <a:r>
-              <a:rPr lang="en-SG" dirty="0" smtClean="0">
-                <a:latin typeface="Verdana" panose="020B0604030504040204" pitchFamily="34" charset="0"/>
-                <a:ea typeface="Verdana" panose="020B0604030504040204" pitchFamily="34" charset="0"/>
-                <a:cs typeface="Verdana" panose="020B0604030504040204" pitchFamily="34" charset="0"/>
-              </a:rPr>
-              <a:t>Ease of use</a:t>
-            </a:r>
-          </a:p>
-        </p:txBody>
-      </p:sp>
-    </p:spTree>
-    <p:extLst>
-      <p:ext uri="{BB962C8B-B14F-4D97-AF65-F5344CB8AC3E}">
-        <p14:creationId xmlns:p14="http://schemas.microsoft.com/office/powerpoint/2010/main" xmlns="" val="706766915"/>
-      </p:ext>
-    </p:extLst>
-  </p:cSld>
-  <p:clrMapOvr>
-    <a:masterClrMapping/>
-  </p:clrMapOvr>
-  <mc:AlternateContent xmlns:mc="http://schemas.openxmlformats.org/markup-compatibility/2006">
-    <mc:Choice xmlns:p14="http://schemas.microsoft.com/office/powerpoint/2010/main" xmlns="" Requires="p14">
-      <p:transition spd="med" p14:dur="700">
-        <p:fade/>
-      </p:transition>
-    </mc:Choice>
-    <mc:Fallback>
-      <p:transition spd="med">
-        <p:fade/>
-      </p:transition>
-    </mc:Fallback>
-  </mc:AlternateContent>
-  <p:timing>
-    <p:tnLst>
-      <p:par>
-        <p:cTn id="1" dur="indefinite" restart="never" nodeType="tmRoot">
-          <p:childTnLst>
-            <p:seq concurrent="1" nextAc="seek">
-              <p:cTn id="2" dur="indefinite" nodeType="mainSeq">
-                <p:childTnLst>
-                  <p:par>
-                    <p:cTn id="3" fill="hold">
-                      <p:stCondLst>
-                        <p:cond delay="indefinite"/>
-                      </p:stCondLst>
-                      <p:childTnLst>
-                        <p:par>
-                          <p:cTn id="4" fill="hold">
-                            <p:stCondLst>
-                              <p:cond delay="0"/>
-                            </p:stCondLst>
-                            <p:childTnLst>
-                              <p:par>
-                                <p:cTn id="5" presetID="42" presetClass="entr" presetSubtype="0" fill="hold" nodeType="clickEffect">
-                                  <p:stCondLst>
-                                    <p:cond delay="0"/>
-                                  </p:stCondLst>
-                                  <p:childTnLst>
-                                    <p:set>
-                                      <p:cBhvr>
-                                        <p:cTn id="6" dur="1" fill="hold">
-                                          <p:stCondLst>
-                                            <p:cond delay="0"/>
-                                          </p:stCondLst>
-                                        </p:cTn>
-                                        <p:tgtEl>
-                                          <p:spTgt spid="3">
-                                            <p:txEl>
-                                              <p:pRg st="0" end="0"/>
-                                            </p:txEl>
-                                          </p:spTgt>
-                                        </p:tgtEl>
-                                        <p:attrNameLst>
-                                          <p:attrName>style.visibility</p:attrName>
-                                        </p:attrNameLst>
-                                      </p:cBhvr>
-                                      <p:to>
-                                        <p:strVal val="visible"/>
-                                      </p:to>
-                                    </p:set>
-                                    <p:animEffect transition="in" filter="fade">
-                                      <p:cBhvr>
-                                        <p:cTn id="7" dur="500"/>
-                                        <p:tgtEl>
-                                          <p:spTgt spid="3">
-                                            <p:txEl>
-                                              <p:pRg st="0" end="0"/>
-                                            </p:txEl>
-                                          </p:spTgt>
-                                        </p:tgtEl>
-                                      </p:cBhvr>
-                                    </p:animEffect>
-                                    <p:anim calcmode="lin" valueType="num">
-                                      <p:cBhvr>
-                                        <p:cTn id="8" dur="500" fill="hold"/>
-                                        <p:tgtEl>
-                                          <p:spTgt spid="3">
-                                            <p:txEl>
-                                              <p:pRg st="0" end="0"/>
-                                            </p:txEl>
-                                          </p:spTgt>
-                                        </p:tgtEl>
-                                        <p:attrNameLst>
-                                          <p:attrName>ppt_x</p:attrName>
-                                        </p:attrNameLst>
-                                      </p:cBhvr>
-                                      <p:tavLst>
-                                        <p:tav tm="0">
-                                          <p:val>
-                                            <p:strVal val="#ppt_x"/>
-                                          </p:val>
-                                        </p:tav>
-                                        <p:tav tm="100000">
-                                          <p:val>
-                                            <p:strVal val="#ppt_x"/>
-                                          </p:val>
-                                        </p:tav>
-                                      </p:tavLst>
-                                    </p:anim>
-                                    <p:anim calcmode="lin" valueType="num">
-                                      <p:cBhvr>
-                                        <p:cTn id="9" dur="500" fill="hold"/>
-                                        <p:tgtEl>
-                                          <p:spTgt spid="3">
-                                            <p:txEl>
-                                              <p:pRg st="0" end="0"/>
-                                            </p:txEl>
-                                          </p:spTgt>
-                                        </p:tgtEl>
-                                        <p:attrNameLst>
-                                          <p:attrName>ppt_y</p:attrName>
-                                        </p:attrNameLst>
-                                      </p:cBhvr>
-                                      <p:tavLst>
-                                        <p:tav tm="0">
-                                          <p:val>
-                                            <p:strVal val="#ppt_y+.1"/>
-                                          </p:val>
-                                        </p:tav>
-                                        <p:tav tm="100000">
-                                          <p:val>
-                                            <p:strVal val="#ppt_y"/>
-                                          </p:val>
-                                        </p:tav>
-                                      </p:tavLst>
-                                    </p:anim>
-                                  </p:childTnLst>
-                                </p:cTn>
-                              </p:par>
-                            </p:childTnLst>
-                          </p:cTn>
-                        </p:par>
-                      </p:childTnLst>
-                    </p:cTn>
-                  </p:par>
-                  <p:par>
-                    <p:cTn id="10" fill="hold">
-                      <p:stCondLst>
-                        <p:cond delay="indefinite"/>
-                      </p:stCondLst>
-                      <p:childTnLst>
-                        <p:par>
-                          <p:cTn id="11" fill="hold">
-                            <p:stCondLst>
-                              <p:cond delay="0"/>
-                            </p:stCondLst>
-                            <p:childTnLst>
-                              <p:par>
-                                <p:cTn id="12" presetID="42" presetClass="entr" presetSubtype="0" fill="hold" nodeType="clickEffect">
-                                  <p:stCondLst>
-                                    <p:cond delay="0"/>
-                                  </p:stCondLst>
-                                  <p:childTnLst>
-                                    <p:set>
-                                      <p:cBhvr>
-                                        <p:cTn id="13" dur="1" fill="hold">
-                                          <p:stCondLst>
-                                            <p:cond delay="0"/>
-                                          </p:stCondLst>
-                                        </p:cTn>
-                                        <p:tgtEl>
-                                          <p:spTgt spid="3">
-                                            <p:txEl>
-                                              <p:pRg st="2" end="2"/>
-                                            </p:txEl>
-                                          </p:spTgt>
-                                        </p:tgtEl>
-                                        <p:attrNameLst>
-                                          <p:attrName>style.visibility</p:attrName>
-                                        </p:attrNameLst>
-                                      </p:cBhvr>
-                                      <p:to>
-                                        <p:strVal val="visible"/>
-                                      </p:to>
-                                    </p:set>
-                                    <p:animEffect transition="in" filter="fade">
-                                      <p:cBhvr>
-                                        <p:cTn id="14" dur="500"/>
-                                        <p:tgtEl>
-                                          <p:spTgt spid="3">
-                                            <p:txEl>
-                                              <p:pRg st="2" end="2"/>
-                                            </p:txEl>
-                                          </p:spTgt>
-                                        </p:tgtEl>
-                                      </p:cBhvr>
-                                    </p:animEffect>
-                                    <p:anim calcmode="lin" valueType="num">
-                                      <p:cBhvr>
-                                        <p:cTn id="15" dur="500" fill="hold"/>
-                                        <p:tgtEl>
-                                          <p:spTgt spid="3">
-                                            <p:txEl>
-                                              <p:pRg st="2" end="2"/>
-                                            </p:txEl>
-                                          </p:spTgt>
-                                        </p:tgtEl>
-                                        <p:attrNameLst>
-                                          <p:attrName>ppt_x</p:attrName>
-                                        </p:attrNameLst>
-                                      </p:cBhvr>
-                                      <p:tavLst>
-                                        <p:tav tm="0">
-                                          <p:val>
-                                            <p:strVal val="#ppt_x"/>
-                                          </p:val>
-                                        </p:tav>
-                                        <p:tav tm="100000">
-                                          <p:val>
-                                            <p:strVal val="#ppt_x"/>
-                                          </p:val>
-                                        </p:tav>
-                                      </p:tavLst>
-                                    </p:anim>
-                                    <p:anim calcmode="lin" valueType="num">
-                                      <p:cBhvr>
-                                        <p:cTn id="16" dur="500" fill="hold"/>
-                                        <p:tgtEl>
-                                          <p:spTgt spid="3">
-                                            <p:txEl>
-                                              <p:pRg st="2" end="2"/>
-                                            </p:txEl>
-                                          </p:spTgt>
-                                        </p:tgtEl>
-                                        <p:attrNameLst>
-                                          <p:attrName>ppt_y</p:attrName>
-                                        </p:attrNameLst>
-                                      </p:cBhvr>
-                                      <p:tavLst>
-                                        <p:tav tm="0">
-                                          <p:val>
-                                            <p:strVal val="#ppt_y+.1"/>
-                                          </p:val>
-                                        </p:tav>
-                                        <p:tav tm="100000">
-                                          <p:val>
-                                            <p:strVal val="#ppt_y"/>
-                                          </p:val>
-                                        </p:tav>
-                                      </p:tavLst>
-                                    </p:anim>
-                                  </p:childTnLst>
-                                </p:cTn>
-                              </p:par>
-                            </p:childTnLst>
-                          </p:cTn>
-                        </p:par>
-                      </p:childTnLst>
-                    </p:cTn>
-                  </p:par>
-                  <p:par>
-                    <p:cTn id="17" fill="hold">
-                      <p:stCondLst>
-                        <p:cond delay="indefinite"/>
-                      </p:stCondLst>
-                      <p:childTnLst>
-                        <p:par>
-                          <p:cTn id="18" fill="hold">
-                            <p:stCondLst>
-                              <p:cond delay="0"/>
-                            </p:stCondLst>
-                            <p:childTnLst>
-                              <p:par>
-                                <p:cTn id="19" presetID="42" presetClass="entr" presetSubtype="0" fill="hold" nodeType="clickEffect">
-                                  <p:stCondLst>
-                                    <p:cond delay="0"/>
-                                  </p:stCondLst>
-                                  <p:childTnLst>
-                                    <p:set>
-                                      <p:cBhvr>
-                                        <p:cTn id="20" dur="1" fill="hold">
-                                          <p:stCondLst>
-                                            <p:cond delay="0"/>
-                                          </p:stCondLst>
-                                        </p:cTn>
-                                        <p:tgtEl>
-                                          <p:spTgt spid="3">
-                                            <p:txEl>
-                                              <p:pRg st="4" end="4"/>
-                                            </p:txEl>
-                                          </p:spTgt>
-                                        </p:tgtEl>
-                                        <p:attrNameLst>
-                                          <p:attrName>style.visibility</p:attrName>
-                                        </p:attrNameLst>
-                                      </p:cBhvr>
-                                      <p:to>
-                                        <p:strVal val="visible"/>
-                                      </p:to>
-                                    </p:set>
-                                    <p:animEffect transition="in" filter="fade">
-                                      <p:cBhvr>
-                                        <p:cTn id="21" dur="500"/>
-                                        <p:tgtEl>
-                                          <p:spTgt spid="3">
-                                            <p:txEl>
-                                              <p:pRg st="4" end="4"/>
-                                            </p:txEl>
-                                          </p:spTgt>
-                                        </p:tgtEl>
-                                      </p:cBhvr>
-                                    </p:animEffect>
-                                    <p:anim calcmode="lin" valueType="num">
-                                      <p:cBhvr>
-                                        <p:cTn id="22" dur="500" fill="hold"/>
-                                        <p:tgtEl>
-                                          <p:spTgt spid="3">
-                                            <p:txEl>
-                                              <p:pRg st="4" end="4"/>
-                                            </p:txEl>
-                                          </p:spTgt>
-                                        </p:tgtEl>
-                                        <p:attrNameLst>
-                                          <p:attrName>ppt_x</p:attrName>
-                                        </p:attrNameLst>
-                                      </p:cBhvr>
-                                      <p:tavLst>
-                                        <p:tav tm="0">
-                                          <p:val>
-                                            <p:strVal val="#ppt_x"/>
-                                          </p:val>
-                                        </p:tav>
-                                        <p:tav tm="100000">
-                                          <p:val>
-                                            <p:strVal val="#ppt_x"/>
-                                          </p:val>
-                                        </p:tav>
-                                      </p:tavLst>
-                                    </p:anim>
-                                    <p:anim calcmode="lin" valueType="num">
-                                      <p:cBhvr>
-                                        <p:cTn id="23" dur="500" fill="hold"/>
-                                        <p:tgtEl>
-                                          <p:spTgt spid="3">
-                                            <p:txEl>
-                                              <p:pRg st="4" end="4"/>
-                                            </p:txEl>
-                                          </p:spTgt>
-                                        </p:tgtEl>
-                                        <p:attrNameLst>
-                                          <p:attrName>ppt_y</p:attrName>
-                                        </p:attrNameLst>
-                                      </p:cBhvr>
-                                      <p:tavLst>
-                                        <p:tav tm="0">
-                                          <p:val>
-                                            <p:strVal val="#ppt_y+.1"/>
-                                          </p:val>
-                                        </p:tav>
-                                        <p:tav tm="100000">
-                                          <p:val>
-                                            <p:strVal val="#ppt_y"/>
-                                          </p:val>
-                                        </p:tav>
-                                      </p:tavLst>
-                                    </p:anim>
-                                  </p:childTnLst>
-                                </p:cTn>
-                              </p:par>
-                            </p:childTnLst>
-                          </p:cTn>
-                        </p:par>
-                      </p:childTnLst>
-                    </p:cTn>
-                  </p:par>
-                </p:childTnLst>
-              </p:cTn>
-              <p:prevCondLst>
-                <p:cond evt="onPrev" delay="0">
-                  <p:tgtEl>
-                    <p:sldTgt/>
-                  </p:tgtEl>
-                </p:cond>
-              </p:prevCondLst>
-              <p:nextCondLst>
-                <p:cond evt="onNext" delay="0">
-                  <p:tgtEl>
-                    <p:sldTgt/>
-                  </p:tgtEl>
-                </p:cond>
-              </p:nextCondLst>
-            </p:seq>
-          </p:childTnLst>
-        </p:cTn>
-      </p:par>
-    </p:tnLst>
-  </p:timing>
-</p:sld>
-</file>
-
-<file path=ppt/slides/slide16.xml><?xml version="1.0" encoding="utf-8"?>
 <p:sld xmlns:a="http://schemas.openxmlformats.org/drawingml/2006/main" xmlns:r="http://schemas.openxmlformats.org/officeDocument/2006/relationships" xmlns:p="http://schemas.openxmlformats.org/presentationml/2006/main">
   <p:cSld>
     <p:spTree>
@@ -9755,20 +9144,20 @@
     </p:spTree>
     <p:extLst>
       <p:ext uri="{BB962C8B-B14F-4D97-AF65-F5344CB8AC3E}">
-        <p14:creationId xmlns:p14="http://schemas.microsoft.com/office/powerpoint/2010/main" xmlns="" val="1476971637"/>
+        <p14:creationId xmlns:p14="http://schemas.microsoft.com/office/powerpoint/2010/main" val="1476971637"/>
       </p:ext>
     </p:extLst>
   </p:cSld>
   <p:clrMapOvr>
     <a:masterClrMapping/>
   </p:clrMapOvr>
-  <mc:AlternateContent xmlns:mc="http://schemas.openxmlformats.org/markup-compatibility/2006">
-    <mc:Choice xmlns:p14="http://schemas.microsoft.com/office/powerpoint/2010/main" xmlns="" Requires="p14">
+  <mc:AlternateContent xmlns:mc="http://schemas.openxmlformats.org/markup-compatibility/2006" xmlns:p14="http://schemas.microsoft.com/office/powerpoint/2010/main">
+    <mc:Choice Requires="p14">
       <p:transition spd="med" p14:dur="700">
         <p:fade/>
       </p:transition>
     </mc:Choice>
-    <mc:Fallback>
+    <mc:Fallback xmlns="">
       <p:transition spd="med">
         <p:fade/>
       </p:transition>
@@ -9784,7 +9173,7 @@
 </p:sld>
 </file>
 
-<file path=ppt/slides/slide17.xml><?xml version="1.0" encoding="utf-8"?>
+<file path=ppt/slides/slide16.xml><?xml version="1.0" encoding="utf-8"?>
 <p:sld xmlns:a="http://schemas.openxmlformats.org/drawingml/2006/main" xmlns:r="http://schemas.openxmlformats.org/officeDocument/2006/relationships" xmlns:p="http://schemas.openxmlformats.org/presentationml/2006/main">
   <p:cSld>
     <p:spTree>
@@ -9952,7 +9341,7 @@
 </p:sld>
 </file>
 
-<file path=ppt/slides/slide18.xml><?xml version="1.0" encoding="utf-8"?>
+<file path=ppt/slides/slide17.xml><?xml version="1.0" encoding="utf-8"?>
 <p:sld xmlns:a="http://schemas.openxmlformats.org/drawingml/2006/main" xmlns:r="http://schemas.openxmlformats.org/officeDocument/2006/relationships" xmlns:p="http://schemas.openxmlformats.org/presentationml/2006/main">
   <p:cSld>
     <p:spTree>
@@ -10261,7 +9650,7 @@
 </p:sld>
 </file>
 
-<file path=ppt/slides/slide19.xml><?xml version="1.0" encoding="utf-8"?>
+<file path=ppt/slides/slide18.xml><?xml version="1.0" encoding="utf-8"?>
 <p:sld xmlns:a="http://schemas.openxmlformats.org/drawingml/2006/main" xmlns:r="http://schemas.openxmlformats.org/officeDocument/2006/relationships" xmlns:p="http://schemas.openxmlformats.org/presentationml/2006/main">
   <p:cSld>
     <p:spTree>
@@ -10290,7 +9679,7 @@
           <a:blip r:embed="rId2">
             <a:extLst>
               <a:ext uri="{BEBA8EAE-BF5A-486C-A8C5-ECC9F3942E4B}">
-                <a14:imgProps xmlns:a14="http://schemas.microsoft.com/office/drawing/2010/main" xmlns="">
+                <a14:imgProps xmlns:a14="http://schemas.microsoft.com/office/drawing/2010/main">
                   <a14:imgLayer r:embed="rId3">
                     <a14:imgEffect>
                       <a14:backgroundRemoval t="0" b="100000" l="0" r="100000">
@@ -10320,7 +9709,7 @@
                 </a14:imgProps>
               </a:ext>
               <a:ext uri="{28A0092B-C50C-407E-A947-70E740481C1C}">
-                <a14:useLocalDpi xmlns:a14="http://schemas.microsoft.com/office/drawing/2010/main" xmlns="" val="0"/>
+                <a14:useLocalDpi xmlns:a14="http://schemas.microsoft.com/office/drawing/2010/main" val="0"/>
               </a:ext>
             </a:extLst>
           </a:blip>
@@ -10340,7 +9729,7 @@
           <a:noFill/>
           <a:extLst>
             <a:ext uri="{909E8E84-426E-40DD-AFC4-6F175D3DCCD1}">
-              <a14:hiddenFill xmlns:a14="http://schemas.microsoft.com/office/drawing/2010/main" xmlns="">
+              <a14:hiddenFill xmlns:a14="http://schemas.microsoft.com/office/drawing/2010/main">
                 <a:solidFill>
                   <a:srgbClr val="FFFFFF"/>
                 </a:solidFill>
@@ -11470,7 +10859,7 @@
     </p:spTree>
     <p:extLst>
       <p:ext uri="{BB962C8B-B14F-4D97-AF65-F5344CB8AC3E}">
-        <p14:creationId xmlns:p14="http://schemas.microsoft.com/office/powerpoint/2010/main" xmlns="" val="2635564311"/>
+        <p14:creationId xmlns:p14="http://schemas.microsoft.com/office/powerpoint/2010/main" val="2635564311"/>
       </p:ext>
     </p:extLst>
   </p:cSld>
@@ -12180,110 +11569,7 @@
 </p:sld>
 </file>
 
-<file path=ppt/slides/slide2.xml><?xml version="1.0" encoding="utf-8"?>
-<p:sld xmlns:a="http://schemas.openxmlformats.org/drawingml/2006/main" xmlns:r="http://schemas.openxmlformats.org/officeDocument/2006/relationships" xmlns:p="http://schemas.openxmlformats.org/presentationml/2006/main">
-  <p:cSld>
-    <p:spTree>
-      <p:nvGrpSpPr>
-        <p:cNvPr id="1" name=""/>
-        <p:cNvGrpSpPr/>
-        <p:nvPr/>
-      </p:nvGrpSpPr>
-      <p:grpSpPr>
-        <a:xfrm>
-          <a:off x="0" y="0"/>
-          <a:ext cx="0" cy="0"/>
-          <a:chOff x="0" y="0"/>
-          <a:chExt cx="0" cy="0"/>
-        </a:xfrm>
-      </p:grpSpPr>
-      <p:sp>
-        <p:nvSpPr>
-          <p:cNvPr id="6" name="Rectangle 5"/>
-          <p:cNvSpPr/>
-          <p:nvPr/>
-        </p:nvSpPr>
-        <p:spPr>
-          <a:xfrm>
-            <a:off x="1043610" y="1491630"/>
-            <a:ext cx="6936133" cy="1938992"/>
-          </a:xfrm>
-          <a:prstGeom prst="rect">
-            <a:avLst/>
-          </a:prstGeom>
-          <a:noFill/>
-        </p:spPr>
-        <p:txBody>
-          <a:bodyPr wrap="square" lIns="68580" tIns="34290" rIns="68580" bIns="34290">
-            <a:spAutoFit/>
-          </a:bodyPr>
-          <a:lstStyle/>
-          <a:p>
-            <a:pPr algn="ctr"/>
-            <a:r>
-              <a:rPr lang="en-SG" sz="4050" dirty="0">
-                <a:ln w="0"/>
-                <a:gradFill>
-                  <a:gsLst>
-                    <a:gs pos="0">
-                      <a:schemeClr val="accent5">
-                        <a:lumMod val="50000"/>
-                      </a:schemeClr>
-                    </a:gs>
-                    <a:gs pos="50000">
-                      <a:schemeClr val="accent5"/>
-                    </a:gs>
-                    <a:gs pos="100000">
-                      <a:schemeClr val="accent5">
-                        <a:lumMod val="60000"/>
-                        <a:lumOff val="40000"/>
-                      </a:schemeClr>
-                    </a:gs>
-                  </a:gsLst>
-                  <a:lin ang="5400000"/>
-                </a:gradFill>
-                <a:latin typeface="Verdana" panose="020B0604030504040204" pitchFamily="34" charset="0"/>
-                <a:ea typeface="Verdana" panose="020B0604030504040204" pitchFamily="34" charset="0"/>
-                <a:cs typeface="Verdana" panose="020B0604030504040204" pitchFamily="34" charset="0"/>
-              </a:rPr>
-              <a:t>How many things can your mind hold in working memory?</a:t>
-            </a:r>
-          </a:p>
-        </p:txBody>
-      </p:sp>
-    </p:spTree>
-    <p:extLst>
-      <p:ext uri="{BB962C8B-B14F-4D97-AF65-F5344CB8AC3E}">
-        <p14:creationId xmlns:p14="http://schemas.microsoft.com/office/powerpoint/2010/main" xmlns="" val="1151886779"/>
-      </p:ext>
-    </p:extLst>
-  </p:cSld>
-  <p:clrMapOvr>
-    <a:masterClrMapping/>
-  </p:clrMapOvr>
-  <mc:AlternateContent xmlns:mc="http://schemas.openxmlformats.org/markup-compatibility/2006">
-    <mc:Choice xmlns:p14="http://schemas.microsoft.com/office/powerpoint/2010/main" xmlns="" Requires="p14">
-      <p:transition spd="med" p14:dur="700">
-        <p:fade/>
-      </p:transition>
-    </mc:Choice>
-    <mc:Fallback>
-      <p:transition spd="med">
-        <p:fade/>
-      </p:transition>
-    </mc:Fallback>
-  </mc:AlternateContent>
-  <p:timing>
-    <p:tnLst>
-      <p:par>
-        <p:cTn id="1" dur="indefinite" restart="never" nodeType="tmRoot"/>
-      </p:par>
-    </p:tnLst>
-  </p:timing>
-</p:sld>
-</file>
-
-<file path=ppt/slides/slide20.xml><?xml version="1.0" encoding="utf-8"?>
+<file path=ppt/slides/slide19.xml><?xml version="1.0" encoding="utf-8"?>
 <p:sld xmlns:a="http://schemas.openxmlformats.org/drawingml/2006/main" xmlns:r="http://schemas.openxmlformats.org/officeDocument/2006/relationships" xmlns:p="http://schemas.openxmlformats.org/presentationml/2006/main">
   <p:cSld>
     <p:spTree>
@@ -12491,7 +11777,7 @@
           <a:blip r:embed="rId5">
             <a:extLst>
               <a:ext uri="{28A0092B-C50C-407E-A947-70E740481C1C}">
-                <a14:useLocalDpi xmlns:a14="http://schemas.microsoft.com/office/drawing/2010/main" xmlns="" val="0"/>
+                <a14:useLocalDpi xmlns:a14="http://schemas.microsoft.com/office/drawing/2010/main" val="0"/>
               </a:ext>
             </a:extLst>
           </a:blip>
@@ -12509,7 +11795,7 @@
           <a:noFill/>
           <a:extLst>
             <a:ext uri="{909E8E84-426E-40DD-AFC4-6F175D3DCCD1}">
-              <a14:hiddenFill xmlns:a14="http://schemas.microsoft.com/office/drawing/2010/main" xmlns="">
+              <a14:hiddenFill xmlns:a14="http://schemas.microsoft.com/office/drawing/2010/main">
                 <a:solidFill>
                   <a:srgbClr val="FFFFFF"/>
                 </a:solidFill>
@@ -12789,7 +12075,281 @@
 </p:sld>
 </file>
 
-<file path=ppt/slides/slide21.xml><?xml version="1.0" encoding="utf-8"?>
+<file path=ppt/slides/slide2.xml><?xml version="1.0" encoding="utf-8"?>
+<p:sld xmlns:a="http://schemas.openxmlformats.org/drawingml/2006/main" xmlns:r="http://schemas.openxmlformats.org/officeDocument/2006/relationships" xmlns:p="http://schemas.openxmlformats.org/presentationml/2006/main">
+  <p:cSld>
+    <p:spTree>
+      <p:nvGrpSpPr>
+        <p:cNvPr id="1" name=""/>
+        <p:cNvGrpSpPr/>
+        <p:nvPr/>
+      </p:nvGrpSpPr>
+      <p:grpSpPr>
+        <a:xfrm>
+          <a:off x="0" y="0"/>
+          <a:ext cx="0" cy="0"/>
+          <a:chOff x="0" y="0"/>
+          <a:chExt cx="0" cy="0"/>
+        </a:xfrm>
+      </p:grpSpPr>
+      <p:sp>
+        <p:nvSpPr>
+          <p:cNvPr id="6" name="Rectangle 5"/>
+          <p:cNvSpPr/>
+          <p:nvPr/>
+        </p:nvSpPr>
+        <p:spPr>
+          <a:xfrm>
+            <a:off x="1043610" y="1491630"/>
+            <a:ext cx="6936133" cy="1938992"/>
+          </a:xfrm>
+          <a:prstGeom prst="rect">
+            <a:avLst/>
+          </a:prstGeom>
+          <a:noFill/>
+        </p:spPr>
+        <p:txBody>
+          <a:bodyPr wrap="square" lIns="68580" tIns="34290" rIns="68580" bIns="34290">
+            <a:spAutoFit/>
+          </a:bodyPr>
+          <a:lstStyle/>
+          <a:p>
+            <a:pPr algn="ctr"/>
+            <a:r>
+              <a:rPr lang="en-SG" sz="4050" dirty="0">
+                <a:ln w="0"/>
+                <a:gradFill>
+                  <a:gsLst>
+                    <a:gs pos="0">
+                      <a:schemeClr val="accent5">
+                        <a:lumMod val="50000"/>
+                      </a:schemeClr>
+                    </a:gs>
+                    <a:gs pos="50000">
+                      <a:schemeClr val="accent5"/>
+                    </a:gs>
+                    <a:gs pos="100000">
+                      <a:schemeClr val="accent5">
+                        <a:lumMod val="60000"/>
+                        <a:lumOff val="40000"/>
+                      </a:schemeClr>
+                    </a:gs>
+                  </a:gsLst>
+                  <a:lin ang="5400000"/>
+                </a:gradFill>
+                <a:latin typeface="Verdana" panose="020B0604030504040204" pitchFamily="34" charset="0"/>
+                <a:ea typeface="Verdana" panose="020B0604030504040204" pitchFamily="34" charset="0"/>
+                <a:cs typeface="Verdana" panose="020B0604030504040204" pitchFamily="34" charset="0"/>
+              </a:rPr>
+              <a:t>How many things can your mind hold in working memory?</a:t>
+            </a:r>
+          </a:p>
+        </p:txBody>
+      </p:sp>
+      <p:sp>
+        <p:nvSpPr>
+          <p:cNvPr id="2" name="Rectangle 1"/>
+          <p:cNvSpPr/>
+          <p:nvPr/>
+        </p:nvSpPr>
+        <p:spPr>
+          <a:xfrm rot="21060627">
+            <a:off x="3215532" y="1026616"/>
+            <a:ext cx="2592288" cy="3170099"/>
+          </a:xfrm>
+          <a:prstGeom prst="rect">
+            <a:avLst/>
+          </a:prstGeom>
+          <a:noFill/>
+          <a:effectLst>
+            <a:glow rad="228600">
+              <a:schemeClr val="accent5">
+                <a:satMod val="175000"/>
+                <a:alpha val="40000"/>
+              </a:schemeClr>
+            </a:glow>
+          </a:effectLst>
+        </p:spPr>
+        <p:txBody>
+          <a:bodyPr wrap="square" lIns="91440" tIns="45720" rIns="91440" bIns="45720">
+            <a:spAutoFit/>
+          </a:bodyPr>
+          <a:lstStyle/>
+          <a:p>
+            <a:pPr algn="ctr"/>
+            <a:r>
+              <a:rPr lang="en-US" sz="20000" b="1" dirty="0">
+                <a:ln w="22225">
+                  <a:solidFill>
+                    <a:schemeClr val="accent2"/>
+                  </a:solidFill>
+                  <a:prstDash val="solid"/>
+                </a:ln>
+                <a:solidFill>
+                  <a:schemeClr val="accent2">
+                    <a:lumMod val="40000"/>
+                    <a:lumOff val="60000"/>
+                  </a:schemeClr>
+                </a:solidFill>
+                <a:latin typeface="Arial" panose="020B0604020202020204" pitchFamily="34" charset="0"/>
+                <a:ea typeface="Verdana" panose="020B0604030504040204" pitchFamily="34" charset="0"/>
+                <a:cs typeface="Arial" panose="020B0604020202020204" pitchFamily="34" charset="0"/>
+              </a:rPr>
+              <a:t>7</a:t>
+            </a:r>
+          </a:p>
+        </p:txBody>
+      </p:sp>
+    </p:spTree>
+    <p:extLst>
+      <p:ext uri="{BB962C8B-B14F-4D97-AF65-F5344CB8AC3E}">
+        <p14:creationId xmlns:p14="http://schemas.microsoft.com/office/powerpoint/2010/main" val="1151886779"/>
+      </p:ext>
+    </p:extLst>
+  </p:cSld>
+  <p:clrMapOvr>
+    <a:masterClrMapping/>
+  </p:clrMapOvr>
+  <mc:AlternateContent xmlns:mc="http://schemas.openxmlformats.org/markup-compatibility/2006" xmlns:p14="http://schemas.microsoft.com/office/powerpoint/2010/main">
+    <mc:Choice Requires="p14">
+      <p:transition spd="med" p14:dur="700">
+        <p:fade/>
+      </p:transition>
+    </mc:Choice>
+    <mc:Fallback xmlns="">
+      <p:transition spd="med">
+        <p:fade/>
+      </p:transition>
+    </mc:Fallback>
+  </mc:AlternateContent>
+  <p:timing>
+    <p:tnLst>
+      <p:par>
+        <p:cTn id="1" dur="indefinite" restart="never" nodeType="tmRoot">
+          <p:childTnLst>
+            <p:seq concurrent="1" nextAc="seek">
+              <p:cTn id="2" dur="indefinite" nodeType="mainSeq">
+                <p:childTnLst>
+                  <p:par>
+                    <p:cTn id="3" fill="hold">
+                      <p:stCondLst>
+                        <p:cond delay="indefinite"/>
+                      </p:stCondLst>
+                      <p:childTnLst>
+                        <p:par>
+                          <p:cTn id="4" fill="hold">
+                            <p:stCondLst>
+                              <p:cond delay="0"/>
+                            </p:stCondLst>
+                            <p:childTnLst>
+                              <p:par>
+                                <p:cTn id="5" presetID="2" presetClass="entr" presetSubtype="4" fill="hold" grpId="0" nodeType="clickEffect">
+                                  <p:stCondLst>
+                                    <p:cond delay="0"/>
+                                  </p:stCondLst>
+                                  <p:childTnLst>
+                                    <p:set>
+                                      <p:cBhvr>
+                                        <p:cTn id="6" dur="1" fill="hold">
+                                          <p:stCondLst>
+                                            <p:cond delay="0"/>
+                                          </p:stCondLst>
+                                        </p:cTn>
+                                        <p:tgtEl>
+                                          <p:spTgt spid="2"/>
+                                        </p:tgtEl>
+                                        <p:attrNameLst>
+                                          <p:attrName>style.visibility</p:attrName>
+                                        </p:attrNameLst>
+                                      </p:cBhvr>
+                                      <p:to>
+                                        <p:strVal val="visible"/>
+                                      </p:to>
+                                    </p:set>
+                                    <p:anim calcmode="lin" valueType="num">
+                                      <p:cBhvr additive="base">
+                                        <p:cTn id="7" dur="500" fill="hold"/>
+                                        <p:tgtEl>
+                                          <p:spTgt spid="2"/>
+                                        </p:tgtEl>
+                                        <p:attrNameLst>
+                                          <p:attrName>ppt_x</p:attrName>
+                                        </p:attrNameLst>
+                                      </p:cBhvr>
+                                      <p:tavLst>
+                                        <p:tav tm="0">
+                                          <p:val>
+                                            <p:strVal val="#ppt_x"/>
+                                          </p:val>
+                                        </p:tav>
+                                        <p:tav tm="100000">
+                                          <p:val>
+                                            <p:strVal val="#ppt_x"/>
+                                          </p:val>
+                                        </p:tav>
+                                      </p:tavLst>
+                                    </p:anim>
+                                    <p:anim calcmode="lin" valueType="num">
+                                      <p:cBhvr additive="base">
+                                        <p:cTn id="8" dur="500" fill="hold"/>
+                                        <p:tgtEl>
+                                          <p:spTgt spid="2"/>
+                                        </p:tgtEl>
+                                        <p:attrNameLst>
+                                          <p:attrName>ppt_y</p:attrName>
+                                        </p:attrNameLst>
+                                      </p:cBhvr>
+                                      <p:tavLst>
+                                        <p:tav tm="0">
+                                          <p:val>
+                                            <p:strVal val="1+#ppt_h/2"/>
+                                          </p:val>
+                                        </p:tav>
+                                        <p:tav tm="100000">
+                                          <p:val>
+                                            <p:strVal val="#ppt_y"/>
+                                          </p:val>
+                                        </p:tav>
+                                      </p:tavLst>
+                                    </p:anim>
+                                  </p:childTnLst>
+                                </p:cTn>
+                              </p:par>
+                            </p:childTnLst>
+                          </p:cTn>
+                        </p:par>
+                      </p:childTnLst>
+                    </p:cTn>
+                  </p:par>
+                </p:childTnLst>
+              </p:cTn>
+              <p:prevCondLst>
+                <p:cond evt="onPrev" delay="0">
+                  <p:tgtEl>
+                    <p:sldTgt/>
+                  </p:tgtEl>
+                </p:cond>
+              </p:prevCondLst>
+              <p:nextCondLst>
+                <p:cond evt="onNext" delay="0">
+                  <p:tgtEl>
+                    <p:sldTgt/>
+                  </p:tgtEl>
+                </p:cond>
+              </p:nextCondLst>
+            </p:seq>
+          </p:childTnLst>
+        </p:cTn>
+      </p:par>
+    </p:tnLst>
+    <p:bldLst>
+      <p:bldP spid="2" grpId="0"/>
+    </p:bldLst>
+  </p:timing>
+</p:sld>
+</file>
+
+<file path=ppt/slides/slide20.xml><?xml version="1.0" encoding="utf-8"?>
 <p:sld xmlns:a="http://schemas.openxmlformats.org/drawingml/2006/main" xmlns:r="http://schemas.openxmlformats.org/officeDocument/2006/relationships" xmlns:p="http://schemas.openxmlformats.org/presentationml/2006/main">
   <p:cSld>
     <p:spTree>
@@ -13464,7 +13024,7 @@
 </p:sld>
 </file>
 
-<file path=ppt/slides/slide22.xml><?xml version="1.0" encoding="utf-8"?>
+<file path=ppt/slides/slide21.xml><?xml version="1.0" encoding="utf-8"?>
 <p:sld xmlns:a="http://schemas.openxmlformats.org/drawingml/2006/main" xmlns:r="http://schemas.openxmlformats.org/officeDocument/2006/relationships" xmlns:p="http://schemas.openxmlformats.org/presentationml/2006/main">
   <p:cSld>
     <p:spTree>
@@ -13661,7 +13221,7 @@
 </p:sld>
 </file>
 
-<file path=ppt/slides/slide23.xml><?xml version="1.0" encoding="utf-8"?>
+<file path=ppt/slides/slide22.xml><?xml version="1.0" encoding="utf-8"?>
 <p:sld xmlns:a="http://schemas.openxmlformats.org/drawingml/2006/main" xmlns:r="http://schemas.openxmlformats.org/officeDocument/2006/relationships" xmlns:p="http://schemas.openxmlformats.org/presentationml/2006/main">
   <p:cSld>
     <p:spTree>
@@ -13823,7 +13383,7 @@
           <a:blip r:embed="rId3">
             <a:extLst>
               <a:ext uri="{28A0092B-C50C-407E-A947-70E740481C1C}">
-                <a14:useLocalDpi xmlns:a14="http://schemas.microsoft.com/office/drawing/2010/main" xmlns="" val="0"/>
+                <a14:useLocalDpi xmlns:a14="http://schemas.microsoft.com/office/drawing/2010/main" val="0"/>
               </a:ext>
             </a:extLst>
           </a:blip>
@@ -13843,7 +13403,7 @@
           <a:noFill/>
           <a:extLst>
             <a:ext uri="{909E8E84-426E-40DD-AFC4-6F175D3DCCD1}">
-              <a14:hiddenFill xmlns:a14="http://schemas.microsoft.com/office/drawing/2010/main" xmlns="">
+              <a14:hiddenFill xmlns:a14="http://schemas.microsoft.com/office/drawing/2010/main">
                 <a:solidFill>
                   <a:srgbClr val="FFFFFF"/>
                 </a:solidFill>
@@ -13864,7 +13424,7 @@
           <a:blip r:embed="rId4">
             <a:extLst>
               <a:ext uri="{28A0092B-C50C-407E-A947-70E740481C1C}">
-                <a14:useLocalDpi xmlns:a14="http://schemas.microsoft.com/office/drawing/2010/main" xmlns="" val="0"/>
+                <a14:useLocalDpi xmlns:a14="http://schemas.microsoft.com/office/drawing/2010/main" val="0"/>
               </a:ext>
             </a:extLst>
           </a:blip>
@@ -13884,7 +13444,7 @@
           <a:noFill/>
           <a:extLst>
             <a:ext uri="{909E8E84-426E-40DD-AFC4-6F175D3DCCD1}">
-              <a14:hiddenFill xmlns:a14="http://schemas.microsoft.com/office/drawing/2010/main" xmlns="">
+              <a14:hiddenFill xmlns:a14="http://schemas.microsoft.com/office/drawing/2010/main">
                 <a:solidFill>
                   <a:srgbClr val="FFFFFF"/>
                 </a:solidFill>
@@ -13896,7 +13456,7 @@
     </p:spTree>
     <p:extLst>
       <p:ext uri="{BB962C8B-B14F-4D97-AF65-F5344CB8AC3E}">
-        <p14:creationId xmlns:p14="http://schemas.microsoft.com/office/powerpoint/2010/main" xmlns="" val="2608349919"/>
+        <p14:creationId xmlns:p14="http://schemas.microsoft.com/office/powerpoint/2010/main" val="2608349919"/>
       </p:ext>
     </p:extLst>
   </p:cSld>
@@ -14094,7 +13654,7 @@
 </p:sld>
 </file>
 
-<file path=ppt/slides/slide24.xml><?xml version="1.0" encoding="utf-8"?>
+<file path=ppt/slides/slide23.xml><?xml version="1.0" encoding="utf-8"?>
 <p:sld xmlns:a="http://schemas.openxmlformats.org/drawingml/2006/main" xmlns:r="http://schemas.openxmlformats.org/officeDocument/2006/relationships" xmlns:p="http://schemas.openxmlformats.org/presentationml/2006/main">
   <p:cSld>
     <p:spTree>
@@ -14216,109 +13776,6 @@
           <a:chExt cx="0" cy="0"/>
         </a:xfrm>
       </p:grpSpPr>
-      <p:sp>
-        <p:nvSpPr>
-          <p:cNvPr id="6" name="Rectangle 5"/>
-          <p:cNvSpPr/>
-          <p:nvPr/>
-        </p:nvSpPr>
-        <p:spPr>
-          <a:xfrm>
-            <a:off x="1043610" y="1275606"/>
-            <a:ext cx="6936133" cy="2562240"/>
-          </a:xfrm>
-          <a:prstGeom prst="rect">
-            <a:avLst/>
-          </a:prstGeom>
-          <a:noFill/>
-        </p:spPr>
-        <p:txBody>
-          <a:bodyPr wrap="square" lIns="68580" tIns="34290" rIns="68580" bIns="34290">
-            <a:spAutoFit/>
-          </a:bodyPr>
-          <a:lstStyle/>
-          <a:p>
-            <a:pPr algn="ctr"/>
-            <a:r>
-              <a:rPr lang="en-SG" sz="4050" dirty="0">
-                <a:ln w="0"/>
-                <a:gradFill>
-                  <a:gsLst>
-                    <a:gs pos="0">
-                      <a:schemeClr val="accent5">
-                        <a:lumMod val="50000"/>
-                      </a:schemeClr>
-                    </a:gs>
-                    <a:gs pos="50000">
-                      <a:schemeClr val="accent5"/>
-                    </a:gs>
-                    <a:gs pos="100000">
-                      <a:schemeClr val="accent5">
-                        <a:lumMod val="60000"/>
-                        <a:lumOff val="40000"/>
-                      </a:schemeClr>
-                    </a:gs>
-                  </a:gsLst>
-                  <a:lin ang="5400000"/>
-                </a:gradFill>
-                <a:latin typeface="Verdana" panose="020B0604030504040204" pitchFamily="34" charset="0"/>
-                <a:ea typeface="Verdana" panose="020B0604030504040204" pitchFamily="34" charset="0"/>
-                <a:cs typeface="Verdana" panose="020B0604030504040204" pitchFamily="34" charset="0"/>
-              </a:rPr>
-              <a:t>Miller’s law: An average person can hold about seven objects in working memory.</a:t>
-            </a:r>
-          </a:p>
-        </p:txBody>
-      </p:sp>
-    </p:spTree>
-    <p:extLst>
-      <p:ext uri="{BB962C8B-B14F-4D97-AF65-F5344CB8AC3E}">
-        <p14:creationId xmlns:p14="http://schemas.microsoft.com/office/powerpoint/2010/main" xmlns="" val="2485261482"/>
-      </p:ext>
-    </p:extLst>
-  </p:cSld>
-  <p:clrMapOvr>
-    <a:masterClrMapping/>
-  </p:clrMapOvr>
-  <mc:AlternateContent xmlns:mc="http://schemas.openxmlformats.org/markup-compatibility/2006">
-    <mc:Choice xmlns:p14="http://schemas.microsoft.com/office/powerpoint/2010/main" xmlns="" Requires="p14">
-      <p:transition spd="med" p14:dur="700">
-        <p:fade/>
-      </p:transition>
-    </mc:Choice>
-    <mc:Fallback>
-      <p:transition spd="med">
-        <p:fade/>
-      </p:transition>
-    </mc:Fallback>
-  </mc:AlternateContent>
-  <p:timing>
-    <p:tnLst>
-      <p:par>
-        <p:cTn id="1" dur="indefinite" restart="never" nodeType="tmRoot"/>
-      </p:par>
-    </p:tnLst>
-  </p:timing>
-</p:sld>
-</file>
-
-<file path=ppt/slides/slide4.xml><?xml version="1.0" encoding="utf-8"?>
-<p:sld xmlns:a="http://schemas.openxmlformats.org/drawingml/2006/main" xmlns:r="http://schemas.openxmlformats.org/officeDocument/2006/relationships" xmlns:p="http://schemas.openxmlformats.org/presentationml/2006/main">
-  <p:cSld>
-    <p:spTree>
-      <p:nvGrpSpPr>
-        <p:cNvPr id="1" name=""/>
-        <p:cNvGrpSpPr/>
-        <p:nvPr/>
-      </p:nvGrpSpPr>
-      <p:grpSpPr>
-        <a:xfrm>
-          <a:off x="0" y="0"/>
-          <a:ext cx="0" cy="0"/>
-          <a:chOff x="0" y="0"/>
-          <a:chExt cx="0" cy="0"/>
-        </a:xfrm>
-      </p:grpSpPr>
       <p:pic>
         <p:nvPicPr>
           <p:cNvPr id="2" name="Picture 1"/>
@@ -14331,7 +13788,7 @@
           <a:blip r:embed="rId3">
             <a:extLst>
               <a:ext uri="{28A0092B-C50C-407E-A947-70E740481C1C}">
-                <a14:useLocalDpi xmlns:a14="http://schemas.microsoft.com/office/drawing/2010/main" xmlns="" val="0"/>
+                <a14:useLocalDpi xmlns:a14="http://schemas.microsoft.com/office/drawing/2010/main" val="0"/>
               </a:ext>
             </a:extLst>
           </a:blip>
@@ -14842,20 +14299,20 @@
     </p:spTree>
     <p:extLst>
       <p:ext uri="{BB962C8B-B14F-4D97-AF65-F5344CB8AC3E}">
-        <p14:creationId xmlns:p14="http://schemas.microsoft.com/office/powerpoint/2010/main" xmlns="" val="2397811176"/>
+        <p14:creationId xmlns:p14="http://schemas.microsoft.com/office/powerpoint/2010/main" val="2397811176"/>
       </p:ext>
     </p:extLst>
   </p:cSld>
   <p:clrMapOvr>
     <a:masterClrMapping/>
   </p:clrMapOvr>
-  <mc:AlternateContent xmlns:mc="http://schemas.openxmlformats.org/markup-compatibility/2006">
-    <mc:Choice xmlns:p14="http://schemas.microsoft.com/office/powerpoint/2010/main" xmlns="" Requires="p14">
+  <mc:AlternateContent xmlns:mc="http://schemas.openxmlformats.org/markup-compatibility/2006" xmlns:p14="http://schemas.microsoft.com/office/powerpoint/2010/main">
+    <mc:Choice Requires="p14">
       <p:transition spd="med" p14:dur="700">
         <p:fade/>
       </p:transition>
     </mc:Choice>
-    <mc:Fallback>
+    <mc:Fallback xmlns="">
       <p:transition spd="med">
         <p:fade/>
       </p:transition>
@@ -15542,6 +14999,85 @@
 </p:sld>
 </file>
 
+<file path=ppt/slides/slide4.xml><?xml version="1.0" encoding="utf-8"?>
+<p:sld xmlns:a="http://schemas.openxmlformats.org/drawingml/2006/main" xmlns:r="http://schemas.openxmlformats.org/officeDocument/2006/relationships" xmlns:p="http://schemas.openxmlformats.org/presentationml/2006/main">
+  <p:cSld>
+    <p:spTree>
+      <p:nvGrpSpPr>
+        <p:cNvPr id="1" name=""/>
+        <p:cNvGrpSpPr/>
+        <p:nvPr/>
+      </p:nvGrpSpPr>
+      <p:grpSpPr>
+        <a:xfrm>
+          <a:off x="0" y="0"/>
+          <a:ext cx="0" cy="0"/>
+          <a:chOff x="0" y="0"/>
+          <a:chExt cx="0" cy="0"/>
+        </a:xfrm>
+      </p:grpSpPr>
+      <p:pic>
+        <p:nvPicPr>
+          <p:cNvPr id="2" name="Picture 1"/>
+          <p:cNvPicPr>
+            <a:picLocks noChangeAspect="1"/>
+          </p:cNvPicPr>
+          <p:nvPr/>
+        </p:nvPicPr>
+        <p:blipFill>
+          <a:blip r:embed="rId2">
+            <a:extLst>
+              <a:ext uri="{28A0092B-C50C-407E-A947-70E740481C1C}">
+                <a14:useLocalDpi xmlns:a14="http://schemas.microsoft.com/office/drawing/2010/main" val="0"/>
+              </a:ext>
+            </a:extLst>
+          </a:blip>
+          <a:stretch>
+            <a:fillRect/>
+          </a:stretch>
+        </p:blipFill>
+        <p:spPr>
+          <a:xfrm>
+            <a:off x="2051720" y="28136"/>
+            <a:ext cx="5022356" cy="5115363"/>
+          </a:xfrm>
+          <a:prstGeom prst="rect">
+            <a:avLst/>
+          </a:prstGeom>
+        </p:spPr>
+      </p:pic>
+    </p:spTree>
+    <p:extLst>
+      <p:ext uri="{BB962C8B-B14F-4D97-AF65-F5344CB8AC3E}">
+        <p14:creationId xmlns:p14="http://schemas.microsoft.com/office/powerpoint/2010/main" val="2953115204"/>
+      </p:ext>
+    </p:extLst>
+  </p:cSld>
+  <p:clrMapOvr>
+    <a:masterClrMapping/>
+  </p:clrMapOvr>
+  <mc:AlternateContent xmlns:mc="http://schemas.openxmlformats.org/markup-compatibility/2006" xmlns:p14="http://schemas.microsoft.com/office/powerpoint/2010/main">
+    <mc:Choice Requires="p14">
+      <p:transition spd="med" p14:dur="700">
+        <p:fade/>
+      </p:transition>
+    </mc:Choice>
+    <mc:Fallback xmlns="">
+      <p:transition spd="med">
+        <p:fade/>
+      </p:transition>
+    </mc:Fallback>
+  </mc:AlternateContent>
+  <p:timing>
+    <p:tnLst>
+      <p:par>
+        <p:cTn id="1" dur="indefinite" restart="never" nodeType="tmRoot"/>
+      </p:par>
+    </p:tnLst>
+  </p:timing>
+</p:sld>
+</file>
+
 <file path=ppt/slides/slide5.xml><?xml version="1.0" encoding="utf-8"?>
 <p:sld xmlns:a="http://schemas.openxmlformats.org/drawingml/2006/main" xmlns:r="http://schemas.openxmlformats.org/officeDocument/2006/relationships" xmlns:p="http://schemas.openxmlformats.org/presentationml/2006/main">
   <p:cSld>
@@ -15571,7 +15107,7 @@
           <a:blip r:embed="rId2">
             <a:extLst>
               <a:ext uri="{28A0092B-C50C-407E-A947-70E740481C1C}">
-                <a14:useLocalDpi xmlns:a14="http://schemas.microsoft.com/office/drawing/2010/main" xmlns="" val="0"/>
+                <a14:useLocalDpi xmlns:a14="http://schemas.microsoft.com/office/drawing/2010/main" val="0"/>
               </a:ext>
             </a:extLst>
           </a:blip>
@@ -15589,23 +15125,53 @@
           </a:prstGeom>
         </p:spPr>
       </p:pic>
+      <p:pic>
+        <p:nvPicPr>
+          <p:cNvPr id="3" name="Picture 2"/>
+          <p:cNvPicPr>
+            <a:picLocks noChangeAspect="1"/>
+          </p:cNvPicPr>
+          <p:nvPr/>
+        </p:nvPicPr>
+        <p:blipFill>
+          <a:blip r:embed="rId3">
+            <a:extLst>
+              <a:ext uri="{28A0092B-C50C-407E-A947-70E740481C1C}">
+                <a14:useLocalDpi xmlns:a14="http://schemas.microsoft.com/office/drawing/2010/main" val="0"/>
+              </a:ext>
+            </a:extLst>
+          </a:blip>
+          <a:stretch>
+            <a:fillRect/>
+          </a:stretch>
+        </p:blipFill>
+        <p:spPr>
+          <a:xfrm>
+            <a:off x="2051720" y="29091"/>
+            <a:ext cx="5022356" cy="5138884"/>
+          </a:xfrm>
+          <a:prstGeom prst="rect">
+            <a:avLst/>
+          </a:prstGeom>
+        </p:spPr>
+      </p:pic>
     </p:spTree>
     <p:extLst>
       <p:ext uri="{BB962C8B-B14F-4D97-AF65-F5344CB8AC3E}">
-        <p14:creationId xmlns:p14="http://schemas.microsoft.com/office/powerpoint/2010/main" xmlns="" val="2953115204"/>
+        <p14:creationId xmlns:p14="http://schemas.microsoft.com/office/powerpoint/2010/main" val="2409456868"/>
       </p:ext>
     </p:extLst>
   </p:cSld>
   <p:clrMapOvr>
     <a:masterClrMapping/>
   </p:clrMapOvr>
-  <mc:AlternateContent xmlns:mc="http://schemas.openxmlformats.org/markup-compatibility/2006">
-    <mc:Choice xmlns:p14="http://schemas.microsoft.com/office/powerpoint/2010/main" xmlns="" Requires="p14">
+  <mc:AlternateContent xmlns:mc="http://schemas.openxmlformats.org/markup-compatibility/2006" xmlns:p14="http://schemas.microsoft.com/office/powerpoint/2010/main">
+    <mc:Choice Requires="p14">
       <p:transition spd="med" p14:dur="700">
         <p:fade/>
       </p:transition>
     </mc:Choice>
-    <mc:Fallback>
+    <mc:Fallback xmlns="">
       <p:transition spd="med">
         <p:fade/>
       </p:transition>
@@ -15640,115 +15206,6 @@
       </p:grpSpPr>
       <p:pic>
         <p:nvPicPr>
-          <p:cNvPr id="2" name="Picture 1"/>
-          <p:cNvPicPr>
-            <a:picLocks noChangeAspect="1"/>
-          </p:cNvPicPr>
-          <p:nvPr/>
-        </p:nvPicPr>
-        <p:blipFill>
-          <a:blip r:embed="rId2">
-            <a:extLst>
-              <a:ext uri="{28A0092B-C50C-407E-A947-70E740481C1C}">
-                <a14:useLocalDpi xmlns:a14="http://schemas.microsoft.com/office/drawing/2010/main" xmlns="" val="0"/>
-              </a:ext>
-            </a:extLst>
-          </a:blip>
-          <a:stretch>
-            <a:fillRect/>
-          </a:stretch>
-        </p:blipFill>
-        <p:spPr>
-          <a:xfrm>
-            <a:off x="2051720" y="28136"/>
-            <a:ext cx="5022356" cy="5115363"/>
-          </a:xfrm>
-          <a:prstGeom prst="rect">
-            <a:avLst/>
-          </a:prstGeom>
-        </p:spPr>
-      </p:pic>
-      <p:pic>
-        <p:nvPicPr>
-          <p:cNvPr id="3" name="Picture 2"/>
-          <p:cNvPicPr>
-            <a:picLocks noChangeAspect="1"/>
-          </p:cNvPicPr>
-          <p:nvPr/>
-        </p:nvPicPr>
-        <p:blipFill>
-          <a:blip r:embed="rId3">
-            <a:extLst>
-              <a:ext uri="{28A0092B-C50C-407E-A947-70E740481C1C}">
-                <a14:useLocalDpi xmlns:a14="http://schemas.microsoft.com/office/drawing/2010/main" xmlns="" val="0"/>
-              </a:ext>
-            </a:extLst>
-          </a:blip>
-          <a:stretch>
-            <a:fillRect/>
-          </a:stretch>
-        </p:blipFill>
-        <p:spPr>
-          <a:xfrm>
-            <a:off x="2051720" y="29091"/>
-            <a:ext cx="5022356" cy="5138884"/>
-          </a:xfrm>
-          <a:prstGeom prst="rect">
-            <a:avLst/>
-          </a:prstGeom>
-        </p:spPr>
-      </p:pic>
-    </p:spTree>
-    <p:extLst>
-      <p:ext uri="{BB962C8B-B14F-4D97-AF65-F5344CB8AC3E}">
-        <p14:creationId xmlns:p14="http://schemas.microsoft.com/office/powerpoint/2010/main" xmlns="" val="2409456868"/>
-      </p:ext>
-    </p:extLst>
-  </p:cSld>
-  <p:clrMapOvr>
-    <a:masterClrMapping/>
-  </p:clrMapOvr>
-  <mc:AlternateContent xmlns:mc="http://schemas.openxmlformats.org/markup-compatibility/2006">
-    <mc:Choice xmlns:p14="http://schemas.microsoft.com/office/powerpoint/2010/main" xmlns="" Requires="p14">
-      <p:transition spd="med" p14:dur="700">
-        <p:fade/>
-      </p:transition>
-    </mc:Choice>
-    <mc:Fallback>
-      <p:transition spd="med">
-        <p:fade/>
-      </p:transition>
-    </mc:Fallback>
-  </mc:AlternateContent>
-  <p:timing>
-    <p:tnLst>
-      <p:par>
-        <p:cTn id="1" dur="indefinite" restart="never" nodeType="tmRoot"/>
-      </p:par>
-    </p:tnLst>
-  </p:timing>
-</p:sld>
-</file>
-
-<file path=ppt/slides/slide7.xml><?xml version="1.0" encoding="utf-8"?>
-<p:sld xmlns:a="http://schemas.openxmlformats.org/drawingml/2006/main" xmlns:r="http://schemas.openxmlformats.org/officeDocument/2006/relationships" xmlns:p="http://schemas.openxmlformats.org/presentationml/2006/main">
-  <p:cSld>
-    <p:spTree>
-      <p:nvGrpSpPr>
-        <p:cNvPr id="1" name=""/>
-        <p:cNvGrpSpPr/>
-        <p:nvPr/>
-      </p:nvGrpSpPr>
-      <p:grpSpPr>
-        <a:xfrm>
-          <a:off x="0" y="0"/>
-          <a:ext cx="0" cy="0"/>
-          <a:chOff x="0" y="0"/>
-          <a:chExt cx="0" cy="0"/>
-        </a:xfrm>
-      </p:grpSpPr>
-      <p:pic>
-        <p:nvPicPr>
           <p:cNvPr id="1027" name="Picture 3" descr="C:\Users\Shaun Lee\Desktop\WinWP-1024x467.png"/>
           <p:cNvPicPr>
             <a:picLocks noChangeAspect="1" noChangeArrowheads="1"/>
@@ -15759,7 +15216,7 @@
           <a:blip r:embed="rId3">
             <a:extLst>
               <a:ext uri="{28A0092B-C50C-407E-A947-70E740481C1C}">
-                <a14:useLocalDpi xmlns:a14="http://schemas.microsoft.com/office/drawing/2010/main" xmlns="" val="0"/>
+                <a14:useLocalDpi xmlns:a14="http://schemas.microsoft.com/office/drawing/2010/main" val="0"/>
               </a:ext>
             </a:extLst>
           </a:blip>
@@ -15777,7 +15234,7 @@
           <a:noFill/>
           <a:extLst>
             <a:ext uri="{909E8E84-426E-40DD-AFC4-6F175D3DCCD1}">
-              <a14:hiddenFill xmlns:a14="http://schemas.microsoft.com/office/drawing/2010/main" xmlns="">
+              <a14:hiddenFill xmlns:a14="http://schemas.microsoft.com/office/drawing/2010/main">
                 <a:solidFill>
                   <a:srgbClr val="FFFFFF"/>
                 </a:solidFill>
@@ -15798,7 +15255,7 @@
           <a:blip r:embed="rId4">
             <a:extLst>
               <a:ext uri="{28A0092B-C50C-407E-A947-70E740481C1C}">
-                <a14:useLocalDpi xmlns:a14="http://schemas.microsoft.com/office/drawing/2010/main" xmlns="" val="0"/>
+                <a14:useLocalDpi xmlns:a14="http://schemas.microsoft.com/office/drawing/2010/main" val="0"/>
               </a:ext>
             </a:extLst>
           </a:blip>
@@ -15816,7 +15273,7 @@
           <a:noFill/>
           <a:extLst>
             <a:ext uri="{909E8E84-426E-40DD-AFC4-6F175D3DCCD1}">
-              <a14:hiddenFill xmlns:a14="http://schemas.microsoft.com/office/drawing/2010/main" xmlns="">
+              <a14:hiddenFill xmlns:a14="http://schemas.microsoft.com/office/drawing/2010/main">
                 <a:solidFill>
                   <a:srgbClr val="FFFFFF"/>
                 </a:solidFill>
@@ -15839,7 +15296,7 @@
           <a:blip r:embed="rId5" cstate="print">
             <a:extLst>
               <a:ext uri="{28A0092B-C50C-407E-A947-70E740481C1C}">
-                <a14:useLocalDpi xmlns:a14="http://schemas.microsoft.com/office/drawing/2010/main" xmlns="" val="0"/>
+                <a14:useLocalDpi xmlns:a14="http://schemas.microsoft.com/office/drawing/2010/main" val="0"/>
               </a:ext>
             </a:extLst>
           </a:blip>
@@ -15858,7 +15315,7 @@
           <a:noFill/>
           <a:extLst>
             <a:ext uri="{909E8E84-426E-40DD-AFC4-6F175D3DCCD1}">
-              <a14:hiddenFill xmlns:a14="http://schemas.microsoft.com/office/drawing/2010/main" xmlns="">
+              <a14:hiddenFill xmlns:a14="http://schemas.microsoft.com/office/drawing/2010/main">
                 <a:solidFill>
                   <a:srgbClr val="FFFFFF"/>
                 </a:solidFill>
@@ -15898,7 +15355,7 @@
           <a:blip r:embed="rId6">
             <a:extLst>
               <a:ext uri="{28A0092B-C50C-407E-A947-70E740481C1C}">
-                <a14:useLocalDpi xmlns:a14="http://schemas.microsoft.com/office/drawing/2010/main" xmlns="" val="0"/>
+                <a14:useLocalDpi xmlns:a14="http://schemas.microsoft.com/office/drawing/2010/main" val="0"/>
               </a:ext>
             </a:extLst>
           </a:blip>
@@ -15916,23 +15373,53 @@
           </a:prstGeom>
         </p:spPr>
       </p:pic>
+      <p:pic>
+        <p:nvPicPr>
+          <p:cNvPr id="2" name="Picture 1"/>
+          <p:cNvPicPr>
+            <a:picLocks noChangeAspect="1"/>
+          </p:cNvPicPr>
+          <p:nvPr/>
+        </p:nvPicPr>
+        <p:blipFill>
+          <a:blip r:embed="rId7">
+            <a:extLst>
+              <a:ext uri="{28A0092B-C50C-407E-A947-70E740481C1C}">
+                <a14:useLocalDpi xmlns:a14="http://schemas.microsoft.com/office/drawing/2010/main" val="0"/>
+              </a:ext>
+            </a:extLst>
+          </a:blip>
+          <a:stretch>
+            <a:fillRect/>
+          </a:stretch>
+        </p:blipFill>
+        <p:spPr>
+          <a:xfrm>
+            <a:off x="708240" y="207806"/>
+            <a:ext cx="7043890" cy="4392488"/>
+          </a:xfrm>
+          <a:prstGeom prst="rect">
+            <a:avLst/>
+          </a:prstGeom>
+        </p:spPr>
+      </p:pic>
     </p:spTree>
     <p:extLst>
       <p:ext uri="{BB962C8B-B14F-4D97-AF65-F5344CB8AC3E}">
-        <p14:creationId xmlns:p14="http://schemas.microsoft.com/office/powerpoint/2010/main" xmlns="" val="2614510639"/>
+        <p14:creationId xmlns:p14="http://schemas.microsoft.com/office/powerpoint/2010/main" val="2614510639"/>
       </p:ext>
     </p:extLst>
   </p:cSld>
   <p:clrMapOvr>
     <a:masterClrMapping/>
   </p:clrMapOvr>
-  <mc:AlternateContent xmlns:mc="http://schemas.openxmlformats.org/markup-compatibility/2006">
-    <mc:Choice xmlns:p14="http://schemas.microsoft.com/office/powerpoint/2010/main" xmlns="" Requires="p14">
+  <mc:AlternateContent xmlns:mc="http://schemas.openxmlformats.org/markup-compatibility/2006" xmlns:p14="http://schemas.microsoft.com/office/powerpoint/2010/main">
+    <mc:Choice Requires="p14">
       <p:transition spd="med" p14:dur="700">
         <p:fade/>
       </p:transition>
     </mc:Choice>
-    <mc:Fallback>
+    <mc:Fallback xmlns="">
       <p:transition spd="med">
         <p:fade/>
       </p:transition>
@@ -16087,6 +15574,50 @@
                             </p:childTnLst>
                           </p:cTn>
                         </p:par>
+                        <p:par>
+                          <p:cTn id="16" fill="hold">
+                            <p:stCondLst>
+                              <p:cond delay="3750"/>
+                            </p:stCondLst>
+                            <p:childTnLst>
+                              <p:par>
+                                <p:cTn id="17" presetID="10" presetClass="entr" presetSubtype="0" fill="hold" nodeType="afterEffect">
+                                  <p:stCondLst>
+                                    <p:cond delay="0"/>
+                                  </p:stCondLst>
+                                  <p:childTnLst>
+                                    <p:set>
+                                      <p:cBhvr>
+                                        <p:cTn id="18" dur="1" fill="hold">
+                                          <p:stCondLst>
+                                            <p:cond delay="0"/>
+                                          </p:stCondLst>
+                                        </p:cTn>
+                                        <p:tgtEl>
+                                          <p:spTgt spid="2"/>
+                                        </p:tgtEl>
+                                        <p:attrNameLst>
+                                          <p:attrName>style.visibility</p:attrName>
+                                        </p:attrNameLst>
+                                      </p:cBhvr>
+                                      <p:to>
+                                        <p:strVal val="visible"/>
+                                      </p:to>
+                                    </p:set>
+                                    <p:animEffect transition="in" filter="fade">
+                                      <p:cBhvr>
+                                        <p:cTn id="19" dur="500"/>
+                                        <p:tgtEl>
+                                          <p:spTgt spid="2"/>
+                                        </p:tgtEl>
+                                      </p:cBhvr>
+                                    </p:animEffect>
+                                  </p:childTnLst>
+                                </p:cTn>
+                              </p:par>
+                            </p:childTnLst>
+                          </p:cTn>
+                        </p:par>
                       </p:childTnLst>
                     </p:cTn>
                   </p:par>
@@ -16115,7 +15646,7 @@
 </p:sld>
 </file>
 
-<file path=ppt/slides/slide8.xml><?xml version="1.0" encoding="utf-8"?>
+<file path=ppt/slides/slide7.xml><?xml version="1.0" encoding="utf-8"?>
 <p:sld xmlns:a="http://schemas.openxmlformats.org/drawingml/2006/main" xmlns:r="http://schemas.openxmlformats.org/officeDocument/2006/relationships" xmlns:p="http://schemas.openxmlformats.org/presentationml/2006/main">
   <p:cSld>
     <p:spTree>
@@ -16163,20 +15694,20 @@
     </p:spTree>
     <p:extLst>
       <p:ext uri="{BB962C8B-B14F-4D97-AF65-F5344CB8AC3E}">
-        <p14:creationId xmlns:p14="http://schemas.microsoft.com/office/powerpoint/2010/main" xmlns="" val="4285225190"/>
+        <p14:creationId xmlns:p14="http://schemas.microsoft.com/office/powerpoint/2010/main" val="4285225190"/>
       </p:ext>
     </p:extLst>
   </p:cSld>
   <p:clrMapOvr>
     <a:masterClrMapping/>
   </p:clrMapOvr>
-  <mc:AlternateContent xmlns:mc="http://schemas.openxmlformats.org/markup-compatibility/2006">
-    <mc:Choice xmlns:p14="http://schemas.microsoft.com/office/powerpoint/2010/main" xmlns="" Requires="p14">
+  <mc:AlternateContent xmlns:mc="http://schemas.openxmlformats.org/markup-compatibility/2006" xmlns:p14="http://schemas.microsoft.com/office/powerpoint/2010/main">
+    <mc:Choice Requires="p14">
       <p:transition spd="med" p14:dur="700">
         <p:fade/>
       </p:transition>
     </mc:Choice>
-    <mc:Fallback>
+    <mc:Fallback xmlns="">
       <p:transition spd="med">
         <p:fade/>
       </p:transition>
@@ -16192,7 +15723,7 @@
 </p:sld>
 </file>
 
-<file path=ppt/slides/slide9.xml><?xml version="1.0" encoding="utf-8"?>
+<file path=ppt/slides/slide8.xml><?xml version="1.0" encoding="utf-8"?>
 <p:sld xmlns:a="http://schemas.openxmlformats.org/drawingml/2006/main" xmlns:r="http://schemas.openxmlformats.org/officeDocument/2006/relationships" xmlns:p="http://schemas.openxmlformats.org/presentationml/2006/main">
   <p:cSld>
     <p:spTree>
@@ -16236,20 +15767,20 @@
     </p:spTree>
     <p:extLst>
       <p:ext uri="{BB962C8B-B14F-4D97-AF65-F5344CB8AC3E}">
-        <p14:creationId xmlns:p14="http://schemas.microsoft.com/office/powerpoint/2010/main" xmlns="" val="462715694"/>
+        <p14:creationId xmlns:p14="http://schemas.microsoft.com/office/powerpoint/2010/main" val="462715694"/>
       </p:ext>
     </p:extLst>
   </p:cSld>
   <p:clrMapOvr>
     <a:masterClrMapping/>
   </p:clrMapOvr>
-  <mc:AlternateContent xmlns:mc="http://schemas.openxmlformats.org/markup-compatibility/2006">
-    <mc:Choice xmlns:p14="http://schemas.microsoft.com/office/powerpoint/2010/main" xmlns="" Requires="p14">
+  <mc:AlternateContent xmlns:mc="http://schemas.openxmlformats.org/markup-compatibility/2006" xmlns:p14="http://schemas.microsoft.com/office/powerpoint/2010/main">
+    <mc:Choice Requires="p14">
       <p:transition spd="med" p14:dur="700">
         <p:fade/>
       </p:transition>
     </mc:Choice>
-    <mc:Fallback>
+    <mc:Fallback xmlns="">
       <p:transition spd="med">
         <p:fade/>
       </p:transition>
@@ -16259,6 +15790,546 @@
     <p:tnLst>
       <p:par>
         <p:cTn id="1" dur="indefinite" restart="never" nodeType="tmRoot"/>
+      </p:par>
+    </p:tnLst>
+  </p:timing>
+</p:sld>
+</file>
+
+<file path=ppt/slides/slide9.xml><?xml version="1.0" encoding="utf-8"?>
+<p:sld xmlns:a="http://schemas.openxmlformats.org/drawingml/2006/main" xmlns:r="http://schemas.openxmlformats.org/officeDocument/2006/relationships" xmlns:p="http://schemas.openxmlformats.org/presentationml/2006/main">
+  <p:cSld>
+    <p:spTree>
+      <p:nvGrpSpPr>
+        <p:cNvPr id="1" name=""/>
+        <p:cNvGrpSpPr/>
+        <p:nvPr/>
+      </p:nvGrpSpPr>
+      <p:grpSpPr>
+        <a:xfrm>
+          <a:off x="0" y="0"/>
+          <a:ext cx="0" cy="0"/>
+          <a:chOff x="0" y="0"/>
+          <a:chExt cx="0" cy="0"/>
+        </a:xfrm>
+      </p:grpSpPr>
+      <p:sp>
+        <p:nvSpPr>
+          <p:cNvPr id="3" name="Content Placeholder 2"/>
+          <p:cNvSpPr>
+            <a:spLocks noGrp="1"/>
+          </p:cNvSpPr>
+          <p:nvPr>
+            <p:ph idx="1"/>
+          </p:nvPr>
+        </p:nvSpPr>
+        <p:spPr>
+          <a:xfrm>
+            <a:off x="1485900" y="1491630"/>
+            <a:ext cx="6172200" cy="3291840"/>
+          </a:xfrm>
+        </p:spPr>
+        <p:txBody>
+          <a:bodyPr>
+            <a:normAutofit/>
+          </a:bodyPr>
+          <a:lstStyle/>
+          <a:p>
+            <a:r>
+              <a:rPr lang="en-SG" sz="2700" dirty="0">
+                <a:latin typeface="Verdana" panose="020B0604030504040204" pitchFamily="34" charset="0"/>
+                <a:ea typeface="Verdana" panose="020B0604030504040204" pitchFamily="34" charset="0"/>
+                <a:cs typeface="Verdana" panose="020B0604030504040204" pitchFamily="34" charset="0"/>
+              </a:rPr>
+              <a:t>Safe and </a:t>
+            </a:r>
+            <a:r>
+              <a:rPr lang="en-SG" sz="2700" dirty="0" smtClean="0">
+                <a:latin typeface="Verdana" panose="020B0604030504040204" pitchFamily="34" charset="0"/>
+                <a:ea typeface="Verdana" panose="020B0604030504040204" pitchFamily="34" charset="0"/>
+                <a:cs typeface="Verdana" panose="020B0604030504040204" pitchFamily="34" charset="0"/>
+              </a:rPr>
+              <a:t>Virus-free</a:t>
+            </a:r>
+          </a:p>
+          <a:p>
+            <a:endParaRPr lang="en-SG" sz="2700" dirty="0">
+              <a:latin typeface="Verdana" panose="020B0604030504040204" pitchFamily="34" charset="0"/>
+              <a:ea typeface="Verdana" panose="020B0604030504040204" pitchFamily="34" charset="0"/>
+              <a:cs typeface="Verdana" panose="020B0604030504040204" pitchFamily="34" charset="0"/>
+            </a:endParaRPr>
+          </a:p>
+          <a:p>
+            <a:r>
+              <a:rPr lang="en-SG" sz="2700" dirty="0">
+                <a:latin typeface="Verdana" panose="020B0604030504040204" pitchFamily="34" charset="0"/>
+                <a:ea typeface="Verdana" panose="020B0604030504040204" pitchFamily="34" charset="0"/>
+                <a:cs typeface="Verdana" panose="020B0604030504040204" pitchFamily="34" charset="0"/>
+              </a:rPr>
+              <a:t>Continuously developed; never </a:t>
+            </a:r>
+            <a:r>
+              <a:rPr lang="en-SG" sz="2700" dirty="0" smtClean="0">
+                <a:latin typeface="Verdana" panose="020B0604030504040204" pitchFamily="34" charset="0"/>
+                <a:ea typeface="Verdana" panose="020B0604030504040204" pitchFamily="34" charset="0"/>
+                <a:cs typeface="Verdana" panose="020B0604030504040204" pitchFamily="34" charset="0"/>
+              </a:rPr>
+              <a:t>obsolete</a:t>
+            </a:r>
+          </a:p>
+          <a:p>
+            <a:endParaRPr lang="en-SG" sz="2700" dirty="0">
+              <a:latin typeface="Verdana" panose="020B0604030504040204" pitchFamily="34" charset="0"/>
+              <a:ea typeface="Verdana" panose="020B0604030504040204" pitchFamily="34" charset="0"/>
+              <a:cs typeface="Verdana" panose="020B0604030504040204" pitchFamily="34" charset="0"/>
+            </a:endParaRPr>
+          </a:p>
+          <a:p>
+            <a:r>
+              <a:rPr lang="en-SG" sz="2700" dirty="0">
+                <a:latin typeface="Verdana" panose="020B0604030504040204" pitchFamily="34" charset="0"/>
+                <a:ea typeface="Verdana" panose="020B0604030504040204" pitchFamily="34" charset="0"/>
+                <a:cs typeface="Verdana" panose="020B0604030504040204" pitchFamily="34" charset="0"/>
+              </a:rPr>
+              <a:t>Customisable by any programmer</a:t>
+            </a:r>
+          </a:p>
+          <a:p>
+            <a:endParaRPr lang="en-SG" dirty="0" smtClean="0">
+              <a:latin typeface="Verdana" panose="020B0604030504040204" pitchFamily="34" charset="0"/>
+              <a:ea typeface="Verdana" panose="020B0604030504040204" pitchFamily="34" charset="0"/>
+              <a:cs typeface="Verdana" panose="020B0604030504040204" pitchFamily="34" charset="0"/>
+            </a:endParaRPr>
+          </a:p>
+          <a:p>
+            <a:endParaRPr lang="en-SG" dirty="0" smtClean="0">
+              <a:latin typeface="Verdana" panose="020B0604030504040204" pitchFamily="34" charset="0"/>
+              <a:ea typeface="Verdana" panose="020B0604030504040204" pitchFamily="34" charset="0"/>
+              <a:cs typeface="Verdana" panose="020B0604030504040204" pitchFamily="34" charset="0"/>
+            </a:endParaRPr>
+          </a:p>
+        </p:txBody>
+      </p:sp>
+      <p:sp>
+        <p:nvSpPr>
+          <p:cNvPr id="2" name="Title 1"/>
+          <p:cNvSpPr>
+            <a:spLocks noGrp="1"/>
+          </p:cNvSpPr>
+          <p:nvPr>
+            <p:ph type="title"/>
+          </p:nvPr>
+        </p:nvSpPr>
+        <p:spPr/>
+        <p:txBody>
+          <a:bodyPr/>
+          <a:lstStyle/>
+          <a:p>
+            <a:r>
+              <a:rPr lang="en-SG" dirty="0" smtClean="0">
+                <a:latin typeface="Verdana" panose="020B0604030504040204" pitchFamily="34" charset="0"/>
+                <a:ea typeface="Verdana" panose="020B0604030504040204" pitchFamily="34" charset="0"/>
+                <a:cs typeface="Verdana" panose="020B0604030504040204" pitchFamily="34" charset="0"/>
+              </a:rPr>
+              <a:t>Free and Open source</a:t>
+            </a:r>
+          </a:p>
+        </p:txBody>
+      </p:sp>
+    </p:spTree>
+    <p:extLst>
+      <p:ext uri="{BB962C8B-B14F-4D97-AF65-F5344CB8AC3E}">
+        <p14:creationId xmlns:p14="http://schemas.microsoft.com/office/powerpoint/2010/main" val="3478573609"/>
+      </p:ext>
+    </p:extLst>
+  </p:cSld>
+  <p:clrMapOvr>
+    <a:masterClrMapping/>
+  </p:clrMapOvr>
+  <mc:AlternateContent xmlns:mc="http://schemas.openxmlformats.org/markup-compatibility/2006" xmlns:p14="http://schemas.microsoft.com/office/powerpoint/2010/main">
+    <mc:Choice Requires="p14">
+      <p:transition spd="med" p14:dur="700">
+        <p:fade/>
+      </p:transition>
+    </mc:Choice>
+    <mc:Fallback xmlns="">
+      <p:transition spd="med">
+        <p:fade/>
+      </p:transition>
+    </mc:Fallback>
+  </mc:AlternateContent>
+  <p:timing>
+    <p:tnLst>
+      <p:par>
+        <p:cTn id="1" dur="indefinite" restart="never" nodeType="tmRoot">
+          <p:childTnLst>
+            <p:seq concurrent="1" nextAc="seek">
+              <p:cTn id="2" dur="indefinite" nodeType="mainSeq">
+                <p:childTnLst>
+                  <p:par>
+                    <p:cTn id="3" fill="hold">
+                      <p:stCondLst>
+                        <p:cond delay="indefinite"/>
+                      </p:stCondLst>
+                      <p:childTnLst>
+                        <p:par>
+                          <p:cTn id="4" fill="hold">
+                            <p:stCondLst>
+                              <p:cond delay="0"/>
+                            </p:stCondLst>
+                            <p:childTnLst>
+                              <p:par>
+                                <p:cTn id="5" presetID="42" presetClass="entr" presetSubtype="0" fill="hold" nodeType="clickEffect">
+                                  <p:stCondLst>
+                                    <p:cond delay="0"/>
+                                  </p:stCondLst>
+                                  <p:childTnLst>
+                                    <p:set>
+                                      <p:cBhvr>
+                                        <p:cTn id="6" dur="1" fill="hold">
+                                          <p:stCondLst>
+                                            <p:cond delay="0"/>
+                                          </p:stCondLst>
+                                        </p:cTn>
+                                        <p:tgtEl>
+                                          <p:spTgt spid="3">
+                                            <p:txEl>
+                                              <p:pRg st="0" end="0"/>
+                                            </p:txEl>
+                                          </p:spTgt>
+                                        </p:tgtEl>
+                                        <p:attrNameLst>
+                                          <p:attrName>style.visibility</p:attrName>
+                                        </p:attrNameLst>
+                                      </p:cBhvr>
+                                      <p:to>
+                                        <p:strVal val="visible"/>
+                                      </p:to>
+                                    </p:set>
+                                    <p:animEffect transition="in" filter="fade">
+                                      <p:cBhvr>
+                                        <p:cTn id="7" dur="500"/>
+                                        <p:tgtEl>
+                                          <p:spTgt spid="3">
+                                            <p:txEl>
+                                              <p:pRg st="0" end="0"/>
+                                            </p:txEl>
+                                          </p:spTgt>
+                                        </p:tgtEl>
+                                      </p:cBhvr>
+                                    </p:animEffect>
+                                    <p:anim calcmode="lin" valueType="num">
+                                      <p:cBhvr>
+                                        <p:cTn id="8" dur="500" fill="hold"/>
+                                        <p:tgtEl>
+                                          <p:spTgt spid="3">
+                                            <p:txEl>
+                                              <p:pRg st="0" end="0"/>
+                                            </p:txEl>
+                                          </p:spTgt>
+                                        </p:tgtEl>
+                                        <p:attrNameLst>
+                                          <p:attrName>ppt_x</p:attrName>
+                                        </p:attrNameLst>
+                                      </p:cBhvr>
+                                      <p:tavLst>
+                                        <p:tav tm="0">
+                                          <p:val>
+                                            <p:strVal val="#ppt_x"/>
+                                          </p:val>
+                                        </p:tav>
+                                        <p:tav tm="100000">
+                                          <p:val>
+                                            <p:strVal val="#ppt_x"/>
+                                          </p:val>
+                                        </p:tav>
+                                      </p:tavLst>
+                                    </p:anim>
+                                    <p:anim calcmode="lin" valueType="num">
+                                      <p:cBhvr>
+                                        <p:cTn id="9" dur="500" fill="hold"/>
+                                        <p:tgtEl>
+                                          <p:spTgt spid="3">
+                                            <p:txEl>
+                                              <p:pRg st="0" end="0"/>
+                                            </p:txEl>
+                                          </p:spTgt>
+                                        </p:tgtEl>
+                                        <p:attrNameLst>
+                                          <p:attrName>ppt_y</p:attrName>
+                                        </p:attrNameLst>
+                                      </p:cBhvr>
+                                      <p:tavLst>
+                                        <p:tav tm="0">
+                                          <p:val>
+                                            <p:strVal val="#ppt_y+.1"/>
+                                          </p:val>
+                                        </p:tav>
+                                        <p:tav tm="100000">
+                                          <p:val>
+                                            <p:strVal val="#ppt_y"/>
+                                          </p:val>
+                                        </p:tav>
+                                      </p:tavLst>
+                                    </p:anim>
+                                  </p:childTnLst>
+                                </p:cTn>
+                              </p:par>
+                            </p:childTnLst>
+                          </p:cTn>
+                        </p:par>
+                      </p:childTnLst>
+                    </p:cTn>
+                  </p:par>
+                  <p:par>
+                    <p:cTn id="10" fill="hold">
+                      <p:stCondLst>
+                        <p:cond delay="indefinite"/>
+                      </p:stCondLst>
+                      <p:childTnLst>
+                        <p:par>
+                          <p:cTn id="11" fill="hold">
+                            <p:stCondLst>
+                              <p:cond delay="0"/>
+                            </p:stCondLst>
+                            <p:childTnLst>
+                              <p:par>
+                                <p:cTn id="12" presetID="42" presetClass="entr" presetSubtype="0" fill="hold" nodeType="clickEffect">
+                                  <p:stCondLst>
+                                    <p:cond delay="0"/>
+                                  </p:stCondLst>
+                                  <p:childTnLst>
+                                    <p:set>
+                                      <p:cBhvr>
+                                        <p:cTn id="13" dur="1" fill="hold">
+                                          <p:stCondLst>
+                                            <p:cond delay="0"/>
+                                          </p:stCondLst>
+                                        </p:cTn>
+                                        <p:tgtEl>
+                                          <p:spTgt spid="3">
+                                            <p:txEl>
+                                              <p:pRg st="2" end="2"/>
+                                            </p:txEl>
+                                          </p:spTgt>
+                                        </p:tgtEl>
+                                        <p:attrNameLst>
+                                          <p:attrName>style.visibility</p:attrName>
+                                        </p:attrNameLst>
+                                      </p:cBhvr>
+                                      <p:to>
+                                        <p:strVal val="visible"/>
+                                      </p:to>
+                                    </p:set>
+                                    <p:animEffect transition="in" filter="fade">
+                                      <p:cBhvr>
+                                        <p:cTn id="14" dur="500"/>
+                                        <p:tgtEl>
+                                          <p:spTgt spid="3">
+                                            <p:txEl>
+                                              <p:pRg st="2" end="2"/>
+                                            </p:txEl>
+                                          </p:spTgt>
+                                        </p:tgtEl>
+                                      </p:cBhvr>
+                                    </p:animEffect>
+                                    <p:anim calcmode="lin" valueType="num">
+                                      <p:cBhvr>
+                                        <p:cTn id="15" dur="500" fill="hold"/>
+                                        <p:tgtEl>
+                                          <p:spTgt spid="3">
+                                            <p:txEl>
+                                              <p:pRg st="2" end="2"/>
+                                            </p:txEl>
+                                          </p:spTgt>
+                                        </p:tgtEl>
+                                        <p:attrNameLst>
+                                          <p:attrName>ppt_x</p:attrName>
+                                        </p:attrNameLst>
+                                      </p:cBhvr>
+                                      <p:tavLst>
+                                        <p:tav tm="0">
+                                          <p:val>
+                                            <p:strVal val="#ppt_x"/>
+                                          </p:val>
+                                        </p:tav>
+                                        <p:tav tm="100000">
+                                          <p:val>
+                                            <p:strVal val="#ppt_x"/>
+                                          </p:val>
+                                        </p:tav>
+                                      </p:tavLst>
+                                    </p:anim>
+                                    <p:anim calcmode="lin" valueType="num">
+                                      <p:cBhvr>
+                                        <p:cTn id="16" dur="500" fill="hold"/>
+                                        <p:tgtEl>
+                                          <p:spTgt spid="3">
+                                            <p:txEl>
+                                              <p:pRg st="2" end="2"/>
+                                            </p:txEl>
+                                          </p:spTgt>
+                                        </p:tgtEl>
+                                        <p:attrNameLst>
+                                          <p:attrName>ppt_y</p:attrName>
+                                        </p:attrNameLst>
+                                      </p:cBhvr>
+                                      <p:tavLst>
+                                        <p:tav tm="0">
+                                          <p:val>
+                                            <p:strVal val="#ppt_y+.1"/>
+                                          </p:val>
+                                        </p:tav>
+                                        <p:tav tm="100000">
+                                          <p:val>
+                                            <p:strVal val="#ppt_y"/>
+                                          </p:val>
+                                        </p:tav>
+                                      </p:tavLst>
+                                    </p:anim>
+                                  </p:childTnLst>
+                                </p:cTn>
+                              </p:par>
+                            </p:childTnLst>
+                          </p:cTn>
+                        </p:par>
+                      </p:childTnLst>
+                    </p:cTn>
+                  </p:par>
+                  <p:par>
+                    <p:cTn id="17" fill="hold">
+                      <p:stCondLst>
+                        <p:cond delay="indefinite"/>
+                      </p:stCondLst>
+                      <p:childTnLst>
+                        <p:par>
+                          <p:cTn id="18" fill="hold">
+                            <p:stCondLst>
+                              <p:cond delay="0"/>
+                            </p:stCondLst>
+                            <p:childTnLst>
+                              <p:par>
+                                <p:cTn id="19" presetID="42" presetClass="entr" presetSubtype="0" fill="hold" nodeType="clickEffect">
+                                  <p:stCondLst>
+                                    <p:cond delay="0"/>
+                                  </p:stCondLst>
+                                  <p:childTnLst>
+                                    <p:set>
+                                      <p:cBhvr>
+                                        <p:cTn id="20" dur="1" fill="hold">
+                                          <p:stCondLst>
+                                            <p:cond delay="0"/>
+                                          </p:stCondLst>
+                                        </p:cTn>
+                                        <p:tgtEl>
+                                          <p:spTgt spid="3">
+                                            <p:txEl>
+                                              <p:pRg st="4" end="4"/>
+                                            </p:txEl>
+                                          </p:spTgt>
+                                        </p:tgtEl>
+                                        <p:attrNameLst>
+                                          <p:attrName>style.visibility</p:attrName>
+                                        </p:attrNameLst>
+                                      </p:cBhvr>
+                                      <p:to>
+                                        <p:strVal val="visible"/>
+                                      </p:to>
+                                    </p:set>
+                                    <p:animEffect transition="in" filter="fade">
+                                      <p:cBhvr>
+                                        <p:cTn id="21" dur="500"/>
+                                        <p:tgtEl>
+                                          <p:spTgt spid="3">
+                                            <p:txEl>
+                                              <p:pRg st="4" end="4"/>
+                                            </p:txEl>
+                                          </p:spTgt>
+                                        </p:tgtEl>
+                                      </p:cBhvr>
+                                    </p:animEffect>
+                                    <p:anim calcmode="lin" valueType="num">
+                                      <p:cBhvr>
+                                        <p:cTn id="22" dur="500" fill="hold"/>
+                                        <p:tgtEl>
+                                          <p:spTgt spid="3">
+                                            <p:txEl>
+                                              <p:pRg st="4" end="4"/>
+                                            </p:txEl>
+                                          </p:spTgt>
+                                        </p:tgtEl>
+                                        <p:attrNameLst>
+                                          <p:attrName>ppt_x</p:attrName>
+                                        </p:attrNameLst>
+                                      </p:cBhvr>
+                                      <p:tavLst>
+                                        <p:tav tm="0">
+                                          <p:val>
+                                            <p:strVal val="#ppt_x"/>
+                                          </p:val>
+                                        </p:tav>
+                                        <p:tav tm="100000">
+                                          <p:val>
+                                            <p:strVal val="#ppt_x"/>
+                                          </p:val>
+                                        </p:tav>
+                                      </p:tavLst>
+                                    </p:anim>
+                                    <p:anim calcmode="lin" valueType="num">
+                                      <p:cBhvr>
+                                        <p:cTn id="23" dur="500" fill="hold"/>
+                                        <p:tgtEl>
+                                          <p:spTgt spid="3">
+                                            <p:txEl>
+                                              <p:pRg st="4" end="4"/>
+                                            </p:txEl>
+                                          </p:spTgt>
+                                        </p:tgtEl>
+                                        <p:attrNameLst>
+                                          <p:attrName>ppt_y</p:attrName>
+                                        </p:attrNameLst>
+                                      </p:cBhvr>
+                                      <p:tavLst>
+                                        <p:tav tm="0">
+                                          <p:val>
+                                            <p:strVal val="#ppt_y+.1"/>
+                                          </p:val>
+                                        </p:tav>
+                                        <p:tav tm="100000">
+                                          <p:val>
+                                            <p:strVal val="#ppt_y"/>
+                                          </p:val>
+                                        </p:tav>
+                                      </p:tavLst>
+                                    </p:anim>
+                                  </p:childTnLst>
+                                </p:cTn>
+                              </p:par>
+                            </p:childTnLst>
+                          </p:cTn>
+                        </p:par>
+                      </p:childTnLst>
+                    </p:cTn>
+                  </p:par>
+                </p:childTnLst>
+              </p:cTn>
+              <p:prevCondLst>
+                <p:cond evt="onPrev" delay="0">
+                  <p:tgtEl>
+                    <p:sldTgt/>
+                  </p:tgtEl>
+                </p:cond>
+              </p:prevCondLst>
+              <p:nextCondLst>
+                <p:cond evt="onNext" delay="0">
+                  <p:tgtEl>
+                    <p:sldTgt/>
+                  </p:tgtEl>
+                </p:cond>
+              </p:nextCondLst>
+            </p:seq>
+          </p:childTnLst>
+        </p:cTn>
       </p:par>
     </p:tnLst>
   </p:timing>

--- a/WURI OP2.pptx
+++ b/WURI OP2.pptx
@@ -7492,7 +7492,7 @@
           <a:lstStyle/>
           <a:p>
             <a:r>
-              <a:rPr lang="en-SG" sz="4050" dirty="0">
+              <a:rPr lang="en-SG" sz="4050" b="0" dirty="0">
                 <a:latin typeface="Verdana" panose="020B0604030504040204" pitchFamily="34" charset="0"/>
                 <a:ea typeface="Verdana" panose="020B0604030504040204" pitchFamily="34" charset="0"/>
                 <a:cs typeface="Verdana" panose="020B0604030504040204" pitchFamily="34" charset="0"/>
@@ -7500,14 +7500,14 @@
               <a:t>Run on </a:t>
             </a:r>
             <a:r>
-              <a:rPr lang="en-SG" sz="4050" dirty="0" smtClean="0">
+              <a:rPr lang="en-SG" sz="4050" b="0" dirty="0" smtClean="0">
                 <a:latin typeface="Verdana" panose="020B0604030504040204" pitchFamily="34" charset="0"/>
                 <a:ea typeface="Verdana" panose="020B0604030504040204" pitchFamily="34" charset="0"/>
                 <a:cs typeface="Verdana" panose="020B0604030504040204" pitchFamily="34" charset="0"/>
               </a:rPr>
               <a:t>anything with Java</a:t>
             </a:r>
-            <a:endParaRPr lang="en-SG" sz="4050" dirty="0">
+            <a:endParaRPr lang="en-SG" sz="4050" b="0" dirty="0">
               <a:latin typeface="Verdana" panose="020B0604030504040204" pitchFamily="34" charset="0"/>
               <a:ea typeface="Verdana" panose="020B0604030504040204" pitchFamily="34" charset="0"/>
               <a:cs typeface="Verdana" panose="020B0604030504040204" pitchFamily="34" charset="0"/>
@@ -7803,7 +7803,7 @@
           <a:lstStyle/>
           <a:p>
             <a:r>
-              <a:rPr lang="en-SG" dirty="0" smtClean="0">
+              <a:rPr lang="en-SG" b="0" dirty="0" smtClean="0">
                 <a:latin typeface="Verdana" panose="020B0604030504040204" pitchFamily="34" charset="0"/>
                 <a:ea typeface="Verdana" panose="020B0604030504040204" pitchFamily="34" charset="0"/>
                 <a:cs typeface="Verdana" panose="020B0604030504040204" pitchFamily="34" charset="0"/>
@@ -8179,7 +8179,7 @@
           <a:lstStyle/>
           <a:p>
             <a:r>
-              <a:rPr lang="en-SG" dirty="0" smtClean="0">
+              <a:rPr lang="en-SG" b="0" dirty="0" smtClean="0">
                 <a:latin typeface="Verdana" panose="020B0604030504040204" pitchFamily="34" charset="0"/>
                 <a:ea typeface="Verdana" panose="020B0604030504040204" pitchFamily="34" charset="0"/>
                 <a:cs typeface="Verdana" panose="020B0604030504040204" pitchFamily="34" charset="0"/>
@@ -8612,7 +8612,7 @@
           <a:lstStyle/>
           <a:p>
             <a:r>
-              <a:rPr lang="en-SG" dirty="0" smtClean="0">
+              <a:rPr lang="en-SG" b="0" dirty="0" smtClean="0">
                 <a:latin typeface="Verdana" panose="020B0604030504040204" pitchFamily="34" charset="0"/>
                 <a:ea typeface="Verdana" panose="020B0604030504040204" pitchFamily="34" charset="0"/>
                 <a:cs typeface="Verdana" panose="020B0604030504040204" pitchFamily="34" charset="0"/>
@@ -12141,7 +12141,63 @@
                 <a:ea typeface="Verdana" panose="020B0604030504040204" pitchFamily="34" charset="0"/>
                 <a:cs typeface="Verdana" panose="020B0604030504040204" pitchFamily="34" charset="0"/>
               </a:rPr>
-              <a:t>How many things can your mind hold in working memory?</a:t>
+              <a:t>How many </a:t>
+            </a:r>
+            <a:r>
+              <a:rPr lang="en-SG" sz="4050" dirty="0" smtClean="0">
+                <a:ln w="0"/>
+                <a:gradFill>
+                  <a:gsLst>
+                    <a:gs pos="0">
+                      <a:schemeClr val="accent5">
+                        <a:lumMod val="50000"/>
+                      </a:schemeClr>
+                    </a:gs>
+                    <a:gs pos="50000">
+                      <a:schemeClr val="accent5"/>
+                    </a:gs>
+                    <a:gs pos="100000">
+                      <a:schemeClr val="accent5">
+                        <a:lumMod val="60000"/>
+                        <a:lumOff val="40000"/>
+                      </a:schemeClr>
+                    </a:gs>
+                  </a:gsLst>
+                  <a:lin ang="5400000"/>
+                </a:gradFill>
+                <a:latin typeface="Verdana" panose="020B0604030504040204" pitchFamily="34" charset="0"/>
+                <a:ea typeface="Verdana" panose="020B0604030504040204" pitchFamily="34" charset="0"/>
+                <a:cs typeface="Verdana" panose="020B0604030504040204" pitchFamily="34" charset="0"/>
+              </a:rPr>
+              <a:t>objects </a:t>
+            </a:r>
+            <a:r>
+              <a:rPr lang="en-SG" sz="4050" dirty="0">
+                <a:ln w="0"/>
+                <a:gradFill>
+                  <a:gsLst>
+                    <a:gs pos="0">
+                      <a:schemeClr val="accent5">
+                        <a:lumMod val="50000"/>
+                      </a:schemeClr>
+                    </a:gs>
+                    <a:gs pos="50000">
+                      <a:schemeClr val="accent5"/>
+                    </a:gs>
+                    <a:gs pos="100000">
+                      <a:schemeClr val="accent5">
+                        <a:lumMod val="60000"/>
+                        <a:lumOff val="40000"/>
+                      </a:schemeClr>
+                    </a:gs>
+                  </a:gsLst>
+                  <a:lin ang="5400000"/>
+                </a:gradFill>
+                <a:latin typeface="Verdana" panose="020B0604030504040204" pitchFamily="34" charset="0"/>
+                <a:ea typeface="Verdana" panose="020B0604030504040204" pitchFamily="34" charset="0"/>
+                <a:cs typeface="Verdana" panose="020B0604030504040204" pitchFamily="34" charset="0"/>
+              </a:rPr>
+              <a:t>can your mind hold in working memory?</a:t>
             </a:r>
           </a:p>
         </p:txBody>
@@ -15926,7 +15982,7 @@
           <a:lstStyle/>
           <a:p>
             <a:r>
-              <a:rPr lang="en-SG" dirty="0" smtClean="0">
+              <a:rPr lang="en-SG" b="0" dirty="0" smtClean="0">
                 <a:latin typeface="Verdana" panose="020B0604030504040204" pitchFamily="34" charset="0"/>
                 <a:ea typeface="Verdana" panose="020B0604030504040204" pitchFamily="34" charset="0"/>
                 <a:cs typeface="Verdana" panose="020B0604030504040204" pitchFamily="34" charset="0"/>

--- a/WURI OP2.pptx
+++ b/WURI OP2.pptx
@@ -5,7 +5,7 @@
     <p:sldMasterId id="2147484275" r:id="rId1"/>
   </p:sldMasterIdLst>
   <p:notesMasterIdLst>
-    <p:notesMasterId r:id="rId26"/>
+    <p:notesMasterId r:id="rId31"/>
   </p:notesMasterIdLst>
   <p:sldIdLst>
     <p:sldId id="268" r:id="rId2"/>
@@ -24,41 +24,46 @@
     <p:sldId id="279" r:id="rId15"/>
     <p:sldId id="280" r:id="rId16"/>
     <p:sldId id="267" r:id="rId17"/>
-    <p:sldId id="259" r:id="rId18"/>
-    <p:sldId id="260" r:id="rId19"/>
-    <p:sldId id="265" r:id="rId20"/>
-    <p:sldId id="261" r:id="rId21"/>
-    <p:sldId id="262" r:id="rId22"/>
-    <p:sldId id="263" r:id="rId23"/>
-    <p:sldId id="266" r:id="rId24"/>
-    <p:sldId id="264" r:id="rId25"/>
+    <p:sldId id="283" r:id="rId18"/>
+    <p:sldId id="284" r:id="rId19"/>
+    <p:sldId id="286" r:id="rId20"/>
+    <p:sldId id="285" r:id="rId21"/>
+    <p:sldId id="287" r:id="rId22"/>
+    <p:sldId id="259" r:id="rId23"/>
+    <p:sldId id="260" r:id="rId24"/>
+    <p:sldId id="265" r:id="rId25"/>
+    <p:sldId id="261" r:id="rId26"/>
+    <p:sldId id="262" r:id="rId27"/>
+    <p:sldId id="263" r:id="rId28"/>
+    <p:sldId id="266" r:id="rId29"/>
+    <p:sldId id="264" r:id="rId30"/>
   </p:sldIdLst>
   <p:sldSz cx="9144000" cy="5143500" type="screen16x9"/>
   <p:notesSz cx="6858000" cy="9144000"/>
   <p:embeddedFontLst>
     <p:embeddedFont>
-      <p:font typeface="Verdana" pitchFamily="34" charset="0"/>
-      <p:regular r:id="rId27"/>
-      <p:bold r:id="rId28"/>
-      <p:italic r:id="rId29"/>
-      <p:boldItalic r:id="rId30"/>
-    </p:embeddedFont>
-    <p:embeddedFont>
-      <p:font typeface="Lucida Sans Unicode" pitchFamily="34" charset="0"/>
-      <p:regular r:id="rId31"/>
-    </p:embeddedFont>
-    <p:embeddedFont>
-      <p:font typeface="Wingdings 3" pitchFamily="18" charset="2"/>
+      <p:font typeface="Wingdings 3" panose="05040102010807070707" pitchFamily="18" charset="2"/>
       <p:regular r:id="rId32"/>
     </p:embeddedFont>
     <p:embeddedFont>
-      <p:font typeface="Wingdings 2" pitchFamily="18" charset="2"/>
+      <p:font typeface="Verdana" panose="020B0604030504040204" pitchFamily="34" charset="0"/>
       <p:regular r:id="rId33"/>
+      <p:bold r:id="rId34"/>
+      <p:italic r:id="rId35"/>
+      <p:boldItalic r:id="rId36"/>
     </p:embeddedFont>
     <p:embeddedFont>
-      <p:font typeface="Source Code Pro" charset="0"/>
-      <p:regular r:id="rId34"/>
-      <p:bold r:id="rId35"/>
+      <p:font typeface="Lucida Sans Unicode" panose="020B0602030504020204" pitchFamily="34" charset="0"/>
+      <p:regular r:id="rId37"/>
+    </p:embeddedFont>
+    <p:embeddedFont>
+      <p:font typeface="Wingdings 2" panose="05020102010507070707" pitchFamily="18" charset="2"/>
+      <p:regular r:id="rId38"/>
+    </p:embeddedFont>
+    <p:embeddedFont>
+      <p:font typeface="Source Code Pro" panose="020B0604020202020204" charset="0"/>
+      <p:regular r:id="rId39"/>
+      <p:bold r:id="rId40"/>
     </p:embeddedFont>
   </p:embeddedFontLst>
   <p:defaultTextStyle>
@@ -265,7 +270,7 @@
   </p:defaultTextStyle>
   <p:extLst>
     <p:ext uri="{EFAFB233-063F-42B5-8137-9DF3F51BA10A}">
-      <p15:sldGuideLst xmlns:p15="http://schemas.microsoft.com/office/powerpoint/2012/main" xmlns="">
+      <p15:sldGuideLst xmlns:p15="http://schemas.microsoft.com/office/powerpoint/2012/main">
         <p15:guide id="1" orient="horz" pos="1620">
           <p15:clr>
             <a:srgbClr val="A4A3A4"/>
@@ -444,7 +449,7 @@
     </p:spTree>
     <p:extLst>
       <p:ext uri="{BB962C8B-B14F-4D97-AF65-F5344CB8AC3E}">
-        <p14:creationId xmlns:p14="http://schemas.microsoft.com/office/powerpoint/2010/main" xmlns="" val="3233127415"/>
+        <p14:creationId xmlns:p14="http://schemas.microsoft.com/office/powerpoint/2010/main" val="3233127415"/>
       </p:ext>
     </p:extLst>
   </p:cSld>
@@ -600,7 +605,7 @@
     </p:spTree>
     <p:extLst>
       <p:ext uri="{BB962C8B-B14F-4D97-AF65-F5344CB8AC3E}">
-        <p14:creationId xmlns:p14="http://schemas.microsoft.com/office/powerpoint/2010/main" xmlns="" val="3044555344"/>
+        <p14:creationId xmlns:p14="http://schemas.microsoft.com/office/powerpoint/2010/main" val="3044555344"/>
       </p:ext>
     </p:extLst>
   </p:cSld>
@@ -611,6 +616,755 @@
 </file>
 
 <file path=ppt/notesSlides/notesSlide10.xml><?xml version="1.0" encoding="utf-8"?>
+<p:notes xmlns:a="http://schemas.openxmlformats.org/drawingml/2006/main" xmlns:r="http://schemas.openxmlformats.org/officeDocument/2006/relationships" xmlns:p="http://schemas.openxmlformats.org/presentationml/2006/main" showMasterSp="0" showMasterPhAnim="0">
+  <p:cSld>
+    <p:spTree>
+      <p:nvGrpSpPr>
+        <p:cNvPr id="1" name="Shape 68"/>
+        <p:cNvGrpSpPr/>
+        <p:nvPr/>
+      </p:nvGrpSpPr>
+      <p:grpSpPr>
+        <a:xfrm>
+          <a:off x="0" y="0"/>
+          <a:ext cx="0" cy="0"/>
+          <a:chOff x="0" y="0"/>
+          <a:chExt cx="0" cy="0"/>
+        </a:xfrm>
+      </p:grpSpPr>
+      <p:sp>
+        <p:nvSpPr>
+          <p:cNvPr id="69" name="Shape 69"/>
+          <p:cNvSpPr>
+            <a:spLocks noGrp="1" noRot="1" noChangeAspect="1"/>
+          </p:cNvSpPr>
+          <p:nvPr>
+            <p:ph type="sldImg" idx="2"/>
+          </p:nvPr>
+        </p:nvSpPr>
+        <p:spPr>
+          <a:xfrm>
+            <a:off x="381000" y="685800"/>
+            <a:ext cx="6096000" cy="3429000"/>
+          </a:xfrm>
+          <a:custGeom>
+            <a:avLst/>
+            <a:gdLst/>
+            <a:ahLst/>
+            <a:cxnLst/>
+            <a:rect l="0" t="0" r="0" b="0"/>
+            <a:pathLst>
+              <a:path w="120000" h="120000" extrusionOk="0">
+                <a:moveTo>
+                  <a:pt x="0" y="0"/>
+                </a:moveTo>
+                <a:lnTo>
+                  <a:pt x="120000" y="0"/>
+                </a:lnTo>
+                <a:lnTo>
+                  <a:pt x="120000" y="120000"/>
+                </a:lnTo>
+                <a:lnTo>
+                  <a:pt x="0" y="120000"/>
+                </a:lnTo>
+                <a:close/>
+              </a:path>
+            </a:pathLst>
+          </a:custGeom>
+        </p:spPr>
+      </p:sp>
+      <p:sp>
+        <p:nvSpPr>
+          <p:cNvPr id="70" name="Shape 70"/>
+          <p:cNvSpPr txBox="1">
+            <a:spLocks noGrp="1"/>
+          </p:cNvSpPr>
+          <p:nvPr>
+            <p:ph type="body" idx="1"/>
+          </p:nvPr>
+        </p:nvSpPr>
+        <p:spPr>
+          <a:xfrm>
+            <a:off x="685800" y="4343400"/>
+            <a:ext cx="5486400" cy="4114800"/>
+          </a:xfrm>
+          <a:prstGeom prst="rect">
+            <a:avLst/>
+          </a:prstGeom>
+        </p:spPr>
+        <p:txBody>
+          <a:bodyPr lIns="91425" tIns="91425" rIns="91425" bIns="91425" anchor="t" anchorCtr="0">
+            <a:noAutofit/>
+          </a:bodyPr>
+          <a:lstStyle/>
+          <a:p>
+            <a:pPr lvl="0">
+              <a:spcBef>
+                <a:spcPts val="0"/>
+              </a:spcBef>
+              <a:buNone/>
+            </a:pPr>
+            <a:r>
+              <a:rPr lang="en-SG" baseline="0" dirty="0" smtClean="0"/>
+              <a:t>Now, lets say that you want to record a specific time for a meeting that is going to be held today.</a:t>
+            </a:r>
+          </a:p>
+          <a:p>
+            <a:pPr lvl="0">
+              <a:spcBef>
+                <a:spcPts val="0"/>
+              </a:spcBef>
+              <a:buNone/>
+            </a:pPr>
+            <a:r>
+              <a:rPr lang="en-SG" baseline="0" dirty="0" smtClean="0"/>
+              <a:t>Simply type “Meeting 3pm” for it to be recorded into WURI, and it will be recorded right away for you.</a:t>
+            </a:r>
+          </a:p>
+          <a:p>
+            <a:pPr lvl="0">
+              <a:spcBef>
+                <a:spcPts val="0"/>
+              </a:spcBef>
+              <a:buNone/>
+            </a:pPr>
+            <a:r>
+              <a:rPr lang="en-SG" baseline="0" dirty="0" smtClean="0"/>
+              <a:t>Notice that time can also be entered together with a date,</a:t>
+            </a:r>
+          </a:p>
+          <a:p>
+            <a:pPr lvl="0">
+              <a:spcBef>
+                <a:spcPts val="0"/>
+              </a:spcBef>
+              <a:buNone/>
+            </a:pPr>
+            <a:r>
+              <a:rPr lang="en-SG" baseline="0" dirty="0" smtClean="0"/>
+              <a:t>For example, if you wish to block out 2 hours on Sunday morning to run errands, you can simply type</a:t>
+            </a:r>
+            <a:br>
+              <a:rPr lang="en-SG" baseline="0" dirty="0" smtClean="0"/>
+            </a:br>
+            <a:r>
+              <a:rPr lang="en-SG" baseline="0" dirty="0" smtClean="0"/>
+              <a:t>“Run errands Sunday 1000-1200” and WURI will do the rest for you.</a:t>
+            </a:r>
+          </a:p>
+        </p:txBody>
+      </p:sp>
+    </p:spTree>
+    <p:extLst>
+      <p:ext uri="{BB962C8B-B14F-4D97-AF65-F5344CB8AC3E}">
+        <p14:creationId xmlns:p14="http://schemas.microsoft.com/office/powerpoint/2010/main" val="3154843208"/>
+      </p:ext>
+    </p:extLst>
+  </p:cSld>
+  <p:clrMapOvr>
+    <a:masterClrMapping/>
+  </p:clrMapOvr>
+</p:notes>
+</file>
+
+<file path=ppt/notesSlides/notesSlide11.xml><?xml version="1.0" encoding="utf-8"?>
+<p:notes xmlns:a="http://schemas.openxmlformats.org/drawingml/2006/main" xmlns:r="http://schemas.openxmlformats.org/officeDocument/2006/relationships" xmlns:p="http://schemas.openxmlformats.org/presentationml/2006/main" showMasterSp="0" showMasterPhAnim="0">
+  <p:cSld>
+    <p:spTree>
+      <p:nvGrpSpPr>
+        <p:cNvPr id="1" name="Shape 68"/>
+        <p:cNvGrpSpPr/>
+        <p:nvPr/>
+      </p:nvGrpSpPr>
+      <p:grpSpPr>
+        <a:xfrm>
+          <a:off x="0" y="0"/>
+          <a:ext cx="0" cy="0"/>
+          <a:chOff x="0" y="0"/>
+          <a:chExt cx="0" cy="0"/>
+        </a:xfrm>
+      </p:grpSpPr>
+      <p:sp>
+        <p:nvSpPr>
+          <p:cNvPr id="69" name="Shape 69"/>
+          <p:cNvSpPr>
+            <a:spLocks noGrp="1" noRot="1" noChangeAspect="1"/>
+          </p:cNvSpPr>
+          <p:nvPr>
+            <p:ph type="sldImg" idx="2"/>
+          </p:nvPr>
+        </p:nvSpPr>
+        <p:spPr>
+          <a:xfrm>
+            <a:off x="381000" y="685800"/>
+            <a:ext cx="6096000" cy="3429000"/>
+          </a:xfrm>
+          <a:custGeom>
+            <a:avLst/>
+            <a:gdLst/>
+            <a:ahLst/>
+            <a:cxnLst/>
+            <a:rect l="0" t="0" r="0" b="0"/>
+            <a:pathLst>
+              <a:path w="120000" h="120000" extrusionOk="0">
+                <a:moveTo>
+                  <a:pt x="0" y="0"/>
+                </a:moveTo>
+                <a:lnTo>
+                  <a:pt x="120000" y="0"/>
+                </a:lnTo>
+                <a:lnTo>
+                  <a:pt x="120000" y="120000"/>
+                </a:lnTo>
+                <a:lnTo>
+                  <a:pt x="0" y="120000"/>
+                </a:lnTo>
+                <a:close/>
+              </a:path>
+            </a:pathLst>
+          </a:custGeom>
+        </p:spPr>
+      </p:sp>
+      <p:sp>
+        <p:nvSpPr>
+          <p:cNvPr id="70" name="Shape 70"/>
+          <p:cNvSpPr txBox="1">
+            <a:spLocks noGrp="1"/>
+          </p:cNvSpPr>
+          <p:nvPr>
+            <p:ph type="body" idx="1"/>
+          </p:nvPr>
+        </p:nvSpPr>
+        <p:spPr>
+          <a:xfrm>
+            <a:off x="685800" y="4343400"/>
+            <a:ext cx="5486400" cy="4114800"/>
+          </a:xfrm>
+          <a:prstGeom prst="rect">
+            <a:avLst/>
+          </a:prstGeom>
+        </p:spPr>
+        <p:txBody>
+          <a:bodyPr lIns="91425" tIns="91425" rIns="91425" bIns="91425" anchor="t" anchorCtr="0">
+            <a:noAutofit/>
+          </a:bodyPr>
+          <a:lstStyle/>
+          <a:p>
+            <a:pPr lvl="0">
+              <a:spcBef>
+                <a:spcPts val="0"/>
+              </a:spcBef>
+              <a:buNone/>
+            </a:pPr>
+            <a:r>
+              <a:rPr lang="en-SG" baseline="0" dirty="0" smtClean="0"/>
+              <a:t>Moving on, how many of us here have work due by the end of almost every week?</a:t>
+            </a:r>
+          </a:p>
+          <a:p>
+            <a:pPr lvl="0">
+              <a:spcBef>
+                <a:spcPts val="0"/>
+              </a:spcBef>
+              <a:buNone/>
+            </a:pPr>
+            <a:r>
+              <a:rPr lang="en-SG" baseline="0" dirty="0" smtClean="0"/>
+              <a:t>For me I often have work due by the midnight of Sunday. </a:t>
+            </a:r>
+          </a:p>
+          <a:p>
+            <a:pPr marL="0" marR="0" lvl="0" indent="0" algn="l" defTabSz="914400" rtl="0" eaLnBrk="1" fontAlgn="auto" latinLnBrk="0" hangingPunct="1">
+              <a:lnSpc>
+                <a:spcPct val="100000"/>
+              </a:lnSpc>
+              <a:spcBef>
+                <a:spcPts val="0"/>
+              </a:spcBef>
+              <a:spcAft>
+                <a:spcPts val="0"/>
+              </a:spcAft>
+              <a:buClrTx/>
+              <a:buSzTx/>
+              <a:buFontTx/>
+              <a:buNone/>
+              <a:tabLst/>
+              <a:defRPr/>
+            </a:pPr>
+            <a:r>
+              <a:rPr lang="en-SG" baseline="0" dirty="0" smtClean="0"/>
+              <a:t>If you face a similar situation, no problem! </a:t>
+            </a:r>
+            <a:br>
+              <a:rPr lang="en-SG" baseline="0" dirty="0" smtClean="0"/>
+            </a:br>
+            <a:r>
+              <a:rPr lang="en-SG" baseline="0" dirty="0" smtClean="0"/>
+              <a:t>Just type following this format, and WURI will now record this task every week on Sunday.</a:t>
+            </a:r>
+            <a:br>
+              <a:rPr lang="en-SG" baseline="0" dirty="0" smtClean="0"/>
+            </a:br>
+            <a:r>
+              <a:rPr lang="en-SG" baseline="0" dirty="0" smtClean="0"/>
+              <a:t>Note that in this case 1w here stands for 1 week. Similarly, 2d stands for 2 days.</a:t>
+            </a:r>
+            <a:br>
+              <a:rPr lang="en-SG" baseline="0" dirty="0" smtClean="0"/>
+            </a:br>
+            <a:r>
+              <a:rPr lang="en-SG" baseline="0" dirty="0" smtClean="0"/>
+              <a:t>If Sunday has passed and you want to move the deadline to the next weekend, simply type “d 1” to delete last Sunday’s task, bringing forth to the next week. I will leave </a:t>
+            </a:r>
+            <a:r>
+              <a:rPr lang="en-SG" baseline="0" dirty="0" err="1" smtClean="0"/>
+              <a:t>Ruomu</a:t>
+            </a:r>
+            <a:r>
+              <a:rPr lang="en-SG" baseline="0" dirty="0" smtClean="0"/>
+              <a:t> to discuss the rest of deletion later.</a:t>
+            </a:r>
+          </a:p>
+          <a:p>
+            <a:pPr lvl="0">
+              <a:spcBef>
+                <a:spcPts val="0"/>
+              </a:spcBef>
+              <a:buNone/>
+            </a:pPr>
+            <a:r>
+              <a:rPr lang="en-SG" baseline="0" dirty="0" smtClean="0"/>
+              <a:t/>
+            </a:r>
+            <a:br>
+              <a:rPr lang="en-SG" baseline="0" dirty="0" smtClean="0"/>
+            </a:br>
+            <a:r>
+              <a:rPr lang="en-SG" baseline="0" dirty="0" smtClean="0"/>
+              <a:t>Additionally, you can also state an end date for a recurrence. </a:t>
+            </a:r>
+          </a:p>
+          <a:p>
+            <a:pPr lvl="0">
+              <a:spcBef>
+                <a:spcPts val="0"/>
+              </a:spcBef>
+              <a:buNone/>
+            </a:pPr>
+            <a:r>
+              <a:rPr lang="en-SG" baseline="0" dirty="0" smtClean="0"/>
+              <a:t>For example, imagine that you have signed up for weekly 10am Saturday yoga lessons until the end of May.</a:t>
+            </a:r>
+            <a:br>
+              <a:rPr lang="en-SG" baseline="0" dirty="0" smtClean="0"/>
+            </a:br>
+            <a:r>
+              <a:rPr lang="en-SG" baseline="0" dirty="0" smtClean="0"/>
+              <a:t>You could simply type “Go for yoga lessons Sat 10am 1w 31/5” and WURI will record it down for you.</a:t>
+            </a:r>
+            <a:endParaRPr lang="en-SG" baseline="0" dirty="0" smtClean="0"/>
+          </a:p>
+        </p:txBody>
+      </p:sp>
+    </p:spTree>
+    <p:extLst>
+      <p:ext uri="{BB962C8B-B14F-4D97-AF65-F5344CB8AC3E}">
+        <p14:creationId xmlns:p14="http://schemas.microsoft.com/office/powerpoint/2010/main" val="2440931743"/>
+      </p:ext>
+    </p:extLst>
+  </p:cSld>
+  <p:clrMapOvr>
+    <a:masterClrMapping/>
+  </p:clrMapOvr>
+</p:notes>
+</file>
+
+<file path=ppt/notesSlides/notesSlide12.xml><?xml version="1.0" encoding="utf-8"?>
+<p:notes xmlns:a="http://schemas.openxmlformats.org/drawingml/2006/main" xmlns:r="http://schemas.openxmlformats.org/officeDocument/2006/relationships" xmlns:p="http://schemas.openxmlformats.org/presentationml/2006/main" showMasterSp="0" showMasterPhAnim="0">
+  <p:cSld>
+    <p:spTree>
+      <p:nvGrpSpPr>
+        <p:cNvPr id="1" name="Shape 68"/>
+        <p:cNvGrpSpPr/>
+        <p:nvPr/>
+      </p:nvGrpSpPr>
+      <p:grpSpPr>
+        <a:xfrm>
+          <a:off x="0" y="0"/>
+          <a:ext cx="0" cy="0"/>
+          <a:chOff x="0" y="0"/>
+          <a:chExt cx="0" cy="0"/>
+        </a:xfrm>
+      </p:grpSpPr>
+      <p:sp>
+        <p:nvSpPr>
+          <p:cNvPr id="69" name="Shape 69"/>
+          <p:cNvSpPr>
+            <a:spLocks noGrp="1" noRot="1" noChangeAspect="1"/>
+          </p:cNvSpPr>
+          <p:nvPr>
+            <p:ph type="sldImg" idx="2"/>
+          </p:nvPr>
+        </p:nvSpPr>
+        <p:spPr>
+          <a:xfrm>
+            <a:off x="381000" y="685800"/>
+            <a:ext cx="6096000" cy="3429000"/>
+          </a:xfrm>
+          <a:custGeom>
+            <a:avLst/>
+            <a:gdLst/>
+            <a:ahLst/>
+            <a:cxnLst/>
+            <a:rect l="0" t="0" r="0" b="0"/>
+            <a:pathLst>
+              <a:path w="120000" h="120000" extrusionOk="0">
+                <a:moveTo>
+                  <a:pt x="0" y="0"/>
+                </a:moveTo>
+                <a:lnTo>
+                  <a:pt x="120000" y="0"/>
+                </a:lnTo>
+                <a:lnTo>
+                  <a:pt x="120000" y="120000"/>
+                </a:lnTo>
+                <a:lnTo>
+                  <a:pt x="0" y="120000"/>
+                </a:lnTo>
+                <a:close/>
+              </a:path>
+            </a:pathLst>
+          </a:custGeom>
+        </p:spPr>
+      </p:sp>
+      <p:sp>
+        <p:nvSpPr>
+          <p:cNvPr id="70" name="Shape 70"/>
+          <p:cNvSpPr txBox="1">
+            <a:spLocks noGrp="1"/>
+          </p:cNvSpPr>
+          <p:nvPr>
+            <p:ph type="body" idx="1"/>
+          </p:nvPr>
+        </p:nvSpPr>
+        <p:spPr>
+          <a:xfrm>
+            <a:off x="685800" y="4343400"/>
+            <a:ext cx="5486400" cy="4114800"/>
+          </a:xfrm>
+          <a:prstGeom prst="rect">
+            <a:avLst/>
+          </a:prstGeom>
+        </p:spPr>
+        <p:txBody>
+          <a:bodyPr lIns="91425" tIns="91425" rIns="91425" bIns="91425" anchor="t" anchorCtr="0">
+            <a:noAutofit/>
+          </a:bodyPr>
+          <a:lstStyle/>
+          <a:p>
+            <a:pPr lvl="0">
+              <a:spcBef>
+                <a:spcPts val="0"/>
+              </a:spcBef>
+              <a:buNone/>
+            </a:pPr>
+            <a:r>
+              <a:rPr lang="en-SG" baseline="0" dirty="0" smtClean="0"/>
+              <a:t>Moving on to editing, imagine if your meeting with your friend got rescheduled to Thursday instead. Simply type “e 1 </a:t>
+            </a:r>
+            <a:r>
+              <a:rPr lang="en-SG" baseline="0" dirty="0" err="1" smtClean="0"/>
+              <a:t>thurs</a:t>
+            </a:r>
+            <a:r>
+              <a:rPr lang="en-SG" baseline="0" dirty="0" smtClean="0"/>
+              <a:t>” and the date will be edited accordingly.</a:t>
+            </a:r>
+            <a:br>
+              <a:rPr lang="en-SG" baseline="0" dirty="0" smtClean="0"/>
+            </a:br>
+            <a:r>
+              <a:rPr lang="en-SG" baseline="0" dirty="0" smtClean="0"/>
+              <a:t>Now what if your friend suddenly says that he can only make it for dinner as it is a weekday? Fret not! Type “e 1 7pm” and the new time will be reflected in WURI.</a:t>
+            </a:r>
+          </a:p>
+          <a:p>
+            <a:pPr lvl="0">
+              <a:spcBef>
+                <a:spcPts val="0"/>
+              </a:spcBef>
+              <a:buNone/>
+            </a:pPr>
+            <a:r>
+              <a:rPr lang="en-SG" baseline="0" dirty="0" smtClean="0"/>
+              <a:t>Lastly, imagine that your workload has increased and that you now have work due every 3 days! We totally understand that at this point, you do not have the time to fiddle around with fanciful commands, so we’ve kept it short and sweet. Simply type “e 2 3d” for your deadlines to now be set every 3 days!</a:t>
+            </a:r>
+            <a:br>
+              <a:rPr lang="en-SG" baseline="0" dirty="0" smtClean="0"/>
+            </a:br>
+            <a:r>
+              <a:rPr lang="en-SG" baseline="0" dirty="0" smtClean="0"/>
+              <a:t/>
+            </a:r>
+            <a:br>
+              <a:rPr lang="en-SG" baseline="0" dirty="0" smtClean="0"/>
+            </a:br>
+            <a:r>
+              <a:rPr lang="en-SG" baseline="0" dirty="0" smtClean="0"/>
+              <a:t>The commands used in editing are very similar to the commands for adding, in order to lessen the time you have to take to learn our intuitive commands.</a:t>
+            </a:r>
+            <a:br>
+              <a:rPr lang="en-SG" baseline="0" dirty="0" smtClean="0"/>
+            </a:br>
+            <a:r>
+              <a:rPr lang="en-SG" baseline="0" dirty="0" smtClean="0"/>
+              <a:t/>
+            </a:r>
+            <a:br>
+              <a:rPr lang="en-SG" baseline="0" dirty="0" smtClean="0"/>
+            </a:br>
+            <a:r>
+              <a:rPr lang="en-SG" baseline="0" dirty="0" smtClean="0"/>
+              <a:t>I will now be passing the time over to </a:t>
+            </a:r>
+            <a:r>
+              <a:rPr lang="en-SG" baseline="0" dirty="0" err="1" smtClean="0"/>
+              <a:t>Ruomu</a:t>
+            </a:r>
+            <a:r>
+              <a:rPr lang="en-SG" baseline="0" dirty="0" smtClean="0"/>
+              <a:t> to talk about the rest of WURI’s capabilities.</a:t>
+            </a:r>
+            <a:endParaRPr lang="en-SG" baseline="0" dirty="0" smtClean="0"/>
+          </a:p>
+        </p:txBody>
+      </p:sp>
+    </p:spTree>
+    <p:extLst>
+      <p:ext uri="{BB962C8B-B14F-4D97-AF65-F5344CB8AC3E}">
+        <p14:creationId xmlns:p14="http://schemas.microsoft.com/office/powerpoint/2010/main" val="2352098231"/>
+      </p:ext>
+    </p:extLst>
+  </p:cSld>
+  <p:clrMapOvr>
+    <a:masterClrMapping/>
+  </p:clrMapOvr>
+</p:notes>
+</file>
+
+<file path=ppt/notesSlides/notesSlide13.xml><?xml version="1.0" encoding="utf-8"?>
+<p:notes xmlns:a="http://schemas.openxmlformats.org/drawingml/2006/main" xmlns:r="http://schemas.openxmlformats.org/officeDocument/2006/relationships" xmlns:p="http://schemas.openxmlformats.org/presentationml/2006/main" showMasterSp="0" showMasterPhAnim="0">
+  <p:cSld>
+    <p:spTree>
+      <p:nvGrpSpPr>
+        <p:cNvPr id="1" name="Shape 68"/>
+        <p:cNvGrpSpPr/>
+        <p:nvPr/>
+      </p:nvGrpSpPr>
+      <p:grpSpPr>
+        <a:xfrm>
+          <a:off x="0" y="0"/>
+          <a:ext cx="0" cy="0"/>
+          <a:chOff x="0" y="0"/>
+          <a:chExt cx="0" cy="0"/>
+        </a:xfrm>
+      </p:grpSpPr>
+      <p:sp>
+        <p:nvSpPr>
+          <p:cNvPr id="69" name="Shape 69"/>
+          <p:cNvSpPr>
+            <a:spLocks noGrp="1" noRot="1" noChangeAspect="1"/>
+          </p:cNvSpPr>
+          <p:nvPr>
+            <p:ph type="sldImg" idx="2"/>
+          </p:nvPr>
+        </p:nvSpPr>
+        <p:spPr>
+          <a:xfrm>
+            <a:off x="381000" y="685800"/>
+            <a:ext cx="6096000" cy="3429000"/>
+          </a:xfrm>
+          <a:custGeom>
+            <a:avLst/>
+            <a:gdLst/>
+            <a:ahLst/>
+            <a:cxnLst/>
+            <a:rect l="0" t="0" r="0" b="0"/>
+            <a:pathLst>
+              <a:path w="120000" h="120000" extrusionOk="0">
+                <a:moveTo>
+                  <a:pt x="0" y="0"/>
+                </a:moveTo>
+                <a:lnTo>
+                  <a:pt x="120000" y="0"/>
+                </a:lnTo>
+                <a:lnTo>
+                  <a:pt x="120000" y="120000"/>
+                </a:lnTo>
+                <a:lnTo>
+                  <a:pt x="0" y="120000"/>
+                </a:lnTo>
+                <a:close/>
+              </a:path>
+            </a:pathLst>
+          </a:custGeom>
+        </p:spPr>
+      </p:sp>
+      <p:sp>
+        <p:nvSpPr>
+          <p:cNvPr id="70" name="Shape 70"/>
+          <p:cNvSpPr txBox="1">
+            <a:spLocks noGrp="1"/>
+          </p:cNvSpPr>
+          <p:nvPr>
+            <p:ph type="body" idx="1"/>
+          </p:nvPr>
+        </p:nvSpPr>
+        <p:spPr>
+          <a:xfrm>
+            <a:off x="685800" y="4343400"/>
+            <a:ext cx="5486400" cy="4114800"/>
+          </a:xfrm>
+          <a:prstGeom prst="rect">
+            <a:avLst/>
+          </a:prstGeom>
+        </p:spPr>
+        <p:txBody>
+          <a:bodyPr lIns="91425" tIns="91425" rIns="91425" bIns="91425" anchor="t" anchorCtr="0">
+            <a:noAutofit/>
+          </a:bodyPr>
+          <a:lstStyle/>
+          <a:p>
+            <a:pPr lvl="0">
+              <a:spcBef>
+                <a:spcPts val="0"/>
+              </a:spcBef>
+              <a:buNone/>
+            </a:pPr>
+            <a:endParaRPr dirty="0"/>
+          </a:p>
+        </p:txBody>
+      </p:sp>
+    </p:spTree>
+    <p:extLst>
+      <p:ext uri="{BB962C8B-B14F-4D97-AF65-F5344CB8AC3E}">
+        <p14:creationId xmlns:p14="http://schemas.microsoft.com/office/powerpoint/2010/main" val="2130086438"/>
+      </p:ext>
+    </p:extLst>
+  </p:cSld>
+  <p:clrMapOvr>
+    <a:masterClrMapping/>
+  </p:clrMapOvr>
+</p:notes>
+</file>
+
+<file path=ppt/notesSlides/notesSlide14.xml><?xml version="1.0" encoding="utf-8"?>
+<p:notes xmlns:a="http://schemas.openxmlformats.org/drawingml/2006/main" xmlns:r="http://schemas.openxmlformats.org/officeDocument/2006/relationships" xmlns:p="http://schemas.openxmlformats.org/presentationml/2006/main" showMasterSp="0" showMasterPhAnim="0">
+  <p:cSld>
+    <p:spTree>
+      <p:nvGrpSpPr>
+        <p:cNvPr id="1" name="Shape 75"/>
+        <p:cNvGrpSpPr/>
+        <p:nvPr/>
+      </p:nvGrpSpPr>
+      <p:grpSpPr>
+        <a:xfrm>
+          <a:off x="0" y="0"/>
+          <a:ext cx="0" cy="0"/>
+          <a:chOff x="0" y="0"/>
+          <a:chExt cx="0" cy="0"/>
+        </a:xfrm>
+      </p:grpSpPr>
+      <p:sp>
+        <p:nvSpPr>
+          <p:cNvPr id="76" name="Shape 76"/>
+          <p:cNvSpPr>
+            <a:spLocks noGrp="1" noRot="1" noChangeAspect="1"/>
+          </p:cNvSpPr>
+          <p:nvPr>
+            <p:ph type="sldImg" idx="2"/>
+          </p:nvPr>
+        </p:nvSpPr>
+        <p:spPr>
+          <a:xfrm>
+            <a:off x="381000" y="685800"/>
+            <a:ext cx="6096000" cy="3429000"/>
+          </a:xfrm>
+          <a:custGeom>
+            <a:avLst/>
+            <a:gdLst/>
+            <a:ahLst/>
+            <a:cxnLst/>
+            <a:rect l="0" t="0" r="0" b="0"/>
+            <a:pathLst>
+              <a:path w="120000" h="120000" extrusionOk="0">
+                <a:moveTo>
+                  <a:pt x="0" y="0"/>
+                </a:moveTo>
+                <a:lnTo>
+                  <a:pt x="120000" y="0"/>
+                </a:lnTo>
+                <a:lnTo>
+                  <a:pt x="120000" y="120000"/>
+                </a:lnTo>
+                <a:lnTo>
+                  <a:pt x="0" y="120000"/>
+                </a:lnTo>
+                <a:close/>
+              </a:path>
+            </a:pathLst>
+          </a:custGeom>
+        </p:spPr>
+      </p:sp>
+      <p:sp>
+        <p:nvSpPr>
+          <p:cNvPr id="77" name="Shape 77"/>
+          <p:cNvSpPr txBox="1">
+            <a:spLocks noGrp="1"/>
+          </p:cNvSpPr>
+          <p:nvPr>
+            <p:ph type="body" idx="1"/>
+          </p:nvPr>
+        </p:nvSpPr>
+        <p:spPr>
+          <a:xfrm>
+            <a:off x="685800" y="4343400"/>
+            <a:ext cx="5486400" cy="4114800"/>
+          </a:xfrm>
+          <a:prstGeom prst="rect">
+            <a:avLst/>
+          </a:prstGeom>
+        </p:spPr>
+        <p:txBody>
+          <a:bodyPr lIns="91425" tIns="91425" rIns="91425" bIns="91425" anchor="t" anchorCtr="0">
+            <a:noAutofit/>
+          </a:bodyPr>
+          <a:lstStyle/>
+          <a:p>
+            <a:pPr lvl="0">
+              <a:spcBef>
+                <a:spcPts val="0"/>
+              </a:spcBef>
+              <a:buNone/>
+            </a:pPr>
+            <a:endParaRPr dirty="0"/>
+          </a:p>
+        </p:txBody>
+      </p:sp>
+    </p:spTree>
+    <p:extLst>
+      <p:ext uri="{BB962C8B-B14F-4D97-AF65-F5344CB8AC3E}">
+        <p14:creationId xmlns:p14="http://schemas.microsoft.com/office/powerpoint/2010/main" val="1888858988"/>
+      </p:ext>
+    </p:extLst>
+  </p:cSld>
+  <p:clrMapOvr>
+    <a:masterClrMapping/>
+  </p:clrMapOvr>
+</p:notes>
+</file>
+
+<file path=ppt/notesSlides/notesSlide15.xml><?xml version="1.0" encoding="utf-8"?>
 <p:notes xmlns:a="http://schemas.openxmlformats.org/drawingml/2006/main" xmlns:r="http://schemas.openxmlformats.org/officeDocument/2006/relationships" xmlns:p="http://schemas.openxmlformats.org/presentationml/2006/main" showMasterSp="0" showMasterPhAnim="0">
   <p:cSld>
     <p:spTree>
@@ -706,7 +1460,7 @@
     </p:spTree>
     <p:extLst>
       <p:ext uri="{BB962C8B-B14F-4D97-AF65-F5344CB8AC3E}">
-        <p14:creationId xmlns:p14="http://schemas.microsoft.com/office/powerpoint/2010/main" xmlns="" val="1812763220"/>
+        <p14:creationId xmlns:p14="http://schemas.microsoft.com/office/powerpoint/2010/main" val="1812763220"/>
       </p:ext>
     </p:extLst>
   </p:cSld>
@@ -716,7 +1470,7 @@
 </p:notes>
 </file>
 
-<file path=ppt/notesSlides/notesSlide11.xml><?xml version="1.0" encoding="utf-8"?>
+<file path=ppt/notesSlides/notesSlide16.xml><?xml version="1.0" encoding="utf-8"?>
 <p:notes xmlns:a="http://schemas.openxmlformats.org/drawingml/2006/main" xmlns:r="http://schemas.openxmlformats.org/officeDocument/2006/relationships" xmlns:p="http://schemas.openxmlformats.org/presentationml/2006/main" showMasterSp="0" showMasterPhAnim="0">
   <p:cSld>
     <p:spTree>
@@ -812,7 +1566,7 @@
     </p:spTree>
     <p:extLst>
       <p:ext uri="{BB962C8B-B14F-4D97-AF65-F5344CB8AC3E}">
-        <p14:creationId xmlns:p14="http://schemas.microsoft.com/office/powerpoint/2010/main" xmlns="" val="1799691028"/>
+        <p14:creationId xmlns:p14="http://schemas.microsoft.com/office/powerpoint/2010/main" val="1799691028"/>
       </p:ext>
     </p:extLst>
   </p:cSld>
@@ -822,7 +1576,7 @@
 </p:notes>
 </file>
 
-<file path=ppt/notesSlides/notesSlide12.xml><?xml version="1.0" encoding="utf-8"?>
+<file path=ppt/notesSlides/notesSlide17.xml><?xml version="1.0" encoding="utf-8"?>
 <p:notes xmlns:a="http://schemas.openxmlformats.org/drawingml/2006/main" xmlns:r="http://schemas.openxmlformats.org/officeDocument/2006/relationships" xmlns:p="http://schemas.openxmlformats.org/presentationml/2006/main" showMasterSp="0" showMasterPhAnim="0">
   <p:cSld>
     <p:spTree>
@@ -918,7 +1672,7 @@
     </p:spTree>
     <p:extLst>
       <p:ext uri="{BB962C8B-B14F-4D97-AF65-F5344CB8AC3E}">
-        <p14:creationId xmlns:p14="http://schemas.microsoft.com/office/powerpoint/2010/main" xmlns="" val="1692111521"/>
+        <p14:creationId xmlns:p14="http://schemas.microsoft.com/office/powerpoint/2010/main" val="1692111521"/>
       </p:ext>
     </p:extLst>
   </p:cSld>
@@ -928,7 +1682,7 @@
 </p:notes>
 </file>
 
-<file path=ppt/notesSlides/notesSlide13.xml><?xml version="1.0" encoding="utf-8"?>
+<file path=ppt/notesSlides/notesSlide18.xml><?xml version="1.0" encoding="utf-8"?>
 <p:notes xmlns:a="http://schemas.openxmlformats.org/drawingml/2006/main" xmlns:r="http://schemas.openxmlformats.org/officeDocument/2006/relationships" xmlns:p="http://schemas.openxmlformats.org/presentationml/2006/main" showMasterSp="0" showMasterPhAnim="0">
   <p:cSld>
     <p:spTree>
@@ -1024,7 +1778,7 @@
     </p:spTree>
     <p:extLst>
       <p:ext uri="{BB962C8B-B14F-4D97-AF65-F5344CB8AC3E}">
-        <p14:creationId xmlns:p14="http://schemas.microsoft.com/office/powerpoint/2010/main" xmlns="" val="4284199866"/>
+        <p14:creationId xmlns:p14="http://schemas.microsoft.com/office/powerpoint/2010/main" val="4284199866"/>
       </p:ext>
     </p:extLst>
   </p:cSld>
@@ -1034,7 +1788,7 @@
 </p:notes>
 </file>
 
-<file path=ppt/notesSlides/notesSlide14.xml><?xml version="1.0" encoding="utf-8"?>
+<file path=ppt/notesSlides/notesSlide19.xml><?xml version="1.0" encoding="utf-8"?>
 <p:notes xmlns:a="http://schemas.openxmlformats.org/drawingml/2006/main" xmlns:r="http://schemas.openxmlformats.org/officeDocument/2006/relationships" xmlns:p="http://schemas.openxmlformats.org/presentationml/2006/main" showMasterSp="0" showMasterPhAnim="0">
   <p:cSld>
     <p:spTree>
@@ -1130,7 +1884,7 @@
     </p:spTree>
     <p:extLst>
       <p:ext uri="{BB962C8B-B14F-4D97-AF65-F5344CB8AC3E}">
-        <p14:creationId xmlns:p14="http://schemas.microsoft.com/office/powerpoint/2010/main" xmlns="" val="1437425740"/>
+        <p14:creationId xmlns:p14="http://schemas.microsoft.com/office/powerpoint/2010/main" val="1437425740"/>
       </p:ext>
     </p:extLst>
   </p:cSld>
@@ -1199,6 +1953,11 @@
         </p:txBody>
       </p:sp>
     </p:spTree>
+    <p:extLst>
+      <p:ext uri="{BB962C8B-B14F-4D97-AF65-F5344CB8AC3E}">
+        <p14:creationId xmlns:p14="http://schemas.microsoft.com/office/powerpoint/2010/main" val="3580154155"/>
+      </p:ext>
+    </p:extLst>
   </p:cSld>
   <p:clrMapOvr>
     <a:masterClrMapping/>
@@ -1294,7 +2053,7 @@
     </p:spTree>
     <p:extLst>
       <p:ext uri="{BB962C8B-B14F-4D97-AF65-F5344CB8AC3E}">
-        <p14:creationId xmlns:p14="http://schemas.microsoft.com/office/powerpoint/2010/main" xmlns="" val="2524933246"/>
+        <p14:creationId xmlns:p14="http://schemas.microsoft.com/office/powerpoint/2010/main" val="2524933246"/>
       </p:ext>
     </p:extLst>
   </p:cSld>
@@ -1396,7 +2155,7 @@
     </p:spTree>
     <p:extLst>
       <p:ext uri="{BB962C8B-B14F-4D97-AF65-F5344CB8AC3E}">
-        <p14:creationId xmlns:p14="http://schemas.microsoft.com/office/powerpoint/2010/main" xmlns="" val="414590761"/>
+        <p14:creationId xmlns:p14="http://schemas.microsoft.com/office/powerpoint/2010/main" val="414590761"/>
       </p:ext>
     </p:extLst>
   </p:cSld>
@@ -1502,7 +2261,7 @@
     </p:spTree>
     <p:extLst>
       <p:ext uri="{BB962C8B-B14F-4D97-AF65-F5344CB8AC3E}">
-        <p14:creationId xmlns:p14="http://schemas.microsoft.com/office/powerpoint/2010/main" xmlns="" val="2421236949"/>
+        <p14:creationId xmlns:p14="http://schemas.microsoft.com/office/powerpoint/2010/main" val="2421236949"/>
       </p:ext>
     </p:extLst>
   </p:cSld>
@@ -1612,7 +2371,7 @@
     </p:spTree>
     <p:extLst>
       <p:ext uri="{BB962C8B-B14F-4D97-AF65-F5344CB8AC3E}">
-        <p14:creationId xmlns:p14="http://schemas.microsoft.com/office/powerpoint/2010/main" xmlns="" val="1686591511"/>
+        <p14:creationId xmlns:p14="http://schemas.microsoft.com/office/powerpoint/2010/main" val="1686591511"/>
       </p:ext>
     </p:extLst>
   </p:cSld>
@@ -1737,57 +2496,11 @@
             </a:pPr>
             <a:r>
               <a:rPr lang="en-SG" baseline="0" dirty="0" smtClean="0"/>
-              <a:t>Now, imagine that you want to read some books in your free time, at your own pace.</a:t>
-            </a:r>
-            <a:br>
+              <a:t>Moving </a:t>
+            </a:r>
+            <a:r>
               <a:rPr lang="en-SG" baseline="0" dirty="0" smtClean="0"/>
-            </a:br>
-            <a:r>
-              <a:rPr lang="en-SG" baseline="0" dirty="0" smtClean="0"/>
-              <a:t>You can simply type “Read books” into WURI for it to be recorded down for you!</a:t>
-            </a:r>
-          </a:p>
-          <a:p>
-            <a:pPr lvl="0">
-              <a:spcBef>
-                <a:spcPts val="0"/>
-              </a:spcBef>
-              <a:buNone/>
-            </a:pPr>
-            <a:r>
-              <a:rPr lang="en-SG" baseline="0" dirty="0" smtClean="0"/>
-              <a:t>Now, lets just say that you are meeting a friend for lunch on this Saturday.</a:t>
-            </a:r>
-            <a:br>
-              <a:rPr lang="en-SG" baseline="0" dirty="0" smtClean="0"/>
-            </a:br>
-            <a:r>
-              <a:rPr lang="en-SG" baseline="0" dirty="0" smtClean="0"/>
-              <a:t>Simply type “Meet friend Saturday 12pm” to record it down into WURI.</a:t>
-            </a:r>
-          </a:p>
-          <a:p>
-            <a:pPr lvl="0">
-              <a:spcBef>
-                <a:spcPts val="0"/>
-              </a:spcBef>
-              <a:buNone/>
-            </a:pPr>
-            <a:r>
-              <a:rPr lang="en-SG" baseline="0" dirty="0" smtClean="0"/>
-              <a:t>Tada, isn’t it amazing?</a:t>
-            </a:r>
-          </a:p>
-          <a:p>
-            <a:pPr lvl="0">
-              <a:spcBef>
-                <a:spcPts val="0"/>
-              </a:spcBef>
-              <a:buNone/>
-            </a:pPr>
-            <a:r>
-              <a:rPr lang="en-SG" baseline="0" dirty="0" smtClean="0"/>
-              <a:t>Moving on, how many of us here have work due by the end of almost every week?</a:t>
+              <a:t>on, how many of us here have work due by the end of almost every week?</a:t>
             </a:r>
           </a:p>
           <a:p>
@@ -1878,7 +2591,7 @@
     </p:spTree>
     <p:extLst>
       <p:ext uri="{BB962C8B-B14F-4D97-AF65-F5344CB8AC3E}">
-        <p14:creationId xmlns:p14="http://schemas.microsoft.com/office/powerpoint/2010/main" xmlns="" val="4004960693"/>
+        <p14:creationId xmlns:p14="http://schemas.microsoft.com/office/powerpoint/2010/main" val="4004960693"/>
       </p:ext>
     </p:extLst>
   </p:cSld>
@@ -1971,20 +2684,73 @@
           </a:bodyPr>
           <a:lstStyle/>
           <a:p>
+            <a:pPr marL="0" marR="0" lvl="0" indent="0" algn="l" defTabSz="914400" rtl="0" eaLnBrk="1" fontAlgn="auto" latinLnBrk="0" hangingPunct="1">
+              <a:lnSpc>
+                <a:spcPct val="100000"/>
+              </a:lnSpc>
+              <a:spcBef>
+                <a:spcPts val="0"/>
+              </a:spcBef>
+              <a:spcAft>
+                <a:spcPts val="0"/>
+              </a:spcAft>
+              <a:buClrTx/>
+              <a:buSzTx/>
+              <a:buFontTx/>
+              <a:buNone/>
+              <a:tabLst/>
+              <a:defRPr/>
+            </a:pPr>
+            <a:r>
+              <a:rPr lang="en-SG" baseline="0" dirty="0" smtClean="0"/>
+              <a:t>Now, imagine that you want to read some books in your free time, at your own pace.</a:t>
+            </a:r>
+            <a:br>
+              <a:rPr lang="en-SG" baseline="0" dirty="0" smtClean="0"/>
+            </a:br>
+            <a:r>
+              <a:rPr lang="en-SG" baseline="0" dirty="0" smtClean="0"/>
+              <a:t>You can simply type “Read books” into WURI for it to be recorded down for you!</a:t>
+            </a:r>
+          </a:p>
+          <a:p>
+            <a:pPr marL="0" marR="0" lvl="0" indent="0" algn="l" defTabSz="914400" rtl="0" eaLnBrk="1" fontAlgn="auto" latinLnBrk="0" hangingPunct="1">
+              <a:lnSpc>
+                <a:spcPct val="100000"/>
+              </a:lnSpc>
+              <a:spcBef>
+                <a:spcPts val="0"/>
+              </a:spcBef>
+              <a:spcAft>
+                <a:spcPts val="0"/>
+              </a:spcAft>
+              <a:buClrTx/>
+              <a:buSzTx/>
+              <a:buFontTx/>
+              <a:buNone/>
+              <a:tabLst/>
+              <a:defRPr/>
+            </a:pPr>
+            <a:r>
+              <a:rPr lang="en-SG" baseline="0" dirty="0" smtClean="0"/>
+              <a:t>Similarly, with any other tasks without deadlines, you can simply type them in to WURI as they are.</a:t>
+            </a:r>
+          </a:p>
+          <a:p>
             <a:pPr lvl="0">
               <a:spcBef>
                 <a:spcPts val="0"/>
               </a:spcBef>
               <a:buNone/>
             </a:pPr>
-            <a:endParaRPr dirty="0"/>
+            <a:endParaRPr lang="en-SG" baseline="0" dirty="0" smtClean="0"/>
           </a:p>
         </p:txBody>
       </p:sp>
     </p:spTree>
     <p:extLst>
       <p:ext uri="{BB962C8B-B14F-4D97-AF65-F5344CB8AC3E}">
-        <p14:creationId xmlns:p14="http://schemas.microsoft.com/office/powerpoint/2010/main" xmlns="" val="2130086438"/>
+        <p14:creationId xmlns:p14="http://schemas.microsoft.com/office/powerpoint/2010/main" val="4144614138"/>
       </p:ext>
     </p:extLst>
   </p:cSld>
@@ -1999,7 +2765,7 @@
   <p:cSld>
     <p:spTree>
       <p:nvGrpSpPr>
-        <p:cNvPr id="1" name="Shape 75"/>
+        <p:cNvPr id="1" name="Shape 68"/>
         <p:cNvGrpSpPr/>
         <p:nvPr/>
       </p:nvGrpSpPr>
@@ -2013,7 +2779,7 @@
       </p:grpSpPr>
       <p:sp>
         <p:nvSpPr>
-          <p:cNvPr id="76" name="Shape 76"/>
+          <p:cNvPr id="69" name="Shape 69"/>
           <p:cNvSpPr>
             <a:spLocks noGrp="1" noRot="1" noChangeAspect="1"/>
           </p:cNvSpPr>
@@ -2054,7 +2820,7 @@
       </p:sp>
       <p:sp>
         <p:nvSpPr>
-          <p:cNvPr id="77" name="Shape 77"/>
+          <p:cNvPr id="70" name="Shape 70"/>
           <p:cNvSpPr txBox="1">
             <a:spLocks noGrp="1"/>
           </p:cNvSpPr>
@@ -2083,14 +2849,70 @@
               </a:spcBef>
               <a:buNone/>
             </a:pPr>
-            <a:endParaRPr dirty="0"/>
+            <a:r>
+              <a:rPr lang="en-SG" baseline="0" dirty="0" smtClean="0"/>
+              <a:t>Now, lets imagine that you are meeting a friend for lunch next Saturday.</a:t>
+            </a:r>
+            <a:br>
+              <a:rPr lang="en-SG" baseline="0" dirty="0" smtClean="0"/>
+            </a:br>
+            <a:r>
+              <a:rPr lang="en-SG" baseline="0" dirty="0" smtClean="0"/>
+              <a:t>Simply type “Meet friend Saturday” to record it down into WURI.</a:t>
+            </a:r>
+          </a:p>
+          <a:p>
+            <a:pPr marL="0" marR="0" lvl="0" indent="0" algn="l" defTabSz="914400" rtl="0" eaLnBrk="1" fontAlgn="auto" latinLnBrk="0" hangingPunct="1">
+              <a:lnSpc>
+                <a:spcPct val="100000"/>
+              </a:lnSpc>
+              <a:spcBef>
+                <a:spcPts val="0"/>
+              </a:spcBef>
+              <a:spcAft>
+                <a:spcPts val="0"/>
+              </a:spcAft>
+              <a:buClrTx/>
+              <a:buSzTx/>
+              <a:buFontTx/>
+              <a:buNone/>
+              <a:tabLst/>
+              <a:defRPr/>
+            </a:pPr>
+            <a:r>
+              <a:rPr lang="en-SG" baseline="0" dirty="0" smtClean="0"/>
+              <a:t>Tada, isn’t it amazing?</a:t>
+            </a:r>
+          </a:p>
+          <a:p>
+            <a:pPr marL="0" marR="0" lvl="0" indent="0" algn="l" defTabSz="914400" rtl="0" eaLnBrk="1" fontAlgn="auto" latinLnBrk="0" hangingPunct="1">
+              <a:lnSpc>
+                <a:spcPct val="100000"/>
+              </a:lnSpc>
+              <a:spcBef>
+                <a:spcPts val="0"/>
+              </a:spcBef>
+              <a:spcAft>
+                <a:spcPts val="0"/>
+              </a:spcAft>
+              <a:buClrTx/>
+              <a:buSzTx/>
+              <a:buFontTx/>
+              <a:buNone/>
+              <a:tabLst/>
+              <a:defRPr/>
+            </a:pPr>
+            <a:r>
+              <a:rPr lang="en-SG" baseline="0" dirty="0" smtClean="0"/>
+              <a:t>Alternatively, you can also use a date to record a task in WURI or even key it down as today or tomorrow!</a:t>
+            </a:r>
           </a:p>
         </p:txBody>
       </p:sp>
     </p:spTree>
     <p:extLst>
       <p:ext uri="{BB962C8B-B14F-4D97-AF65-F5344CB8AC3E}">
-        <p14:creationId xmlns:p14="http://schemas.microsoft.com/office/powerpoint/2010/main" xmlns="" val="1888858988"/>
+        <p14:creationId xmlns:p14="http://schemas.microsoft.com/office/powerpoint/2010/main" val="244659471"/>
       </p:ext>
     </p:extLst>
   </p:cSld>
@@ -3488,7 +4310,7 @@
     </p:spTree>
     <p:extLst>
       <p:ext uri="{BB962C8B-B14F-4D97-AF65-F5344CB8AC3E}">
-        <p14:creationId xmlns:p14="http://schemas.microsoft.com/office/powerpoint/2010/main" xmlns="" val="3223919070"/>
+        <p14:creationId xmlns:p14="http://schemas.microsoft.com/office/powerpoint/2010/main" val="3223919070"/>
       </p:ext>
     </p:extLst>
   </p:cSld>
@@ -7202,7 +8024,7 @@
           <a:blip r:embed="rId3">
             <a:extLst>
               <a:ext uri="{28A0092B-C50C-407E-A947-70E740481C1C}">
-                <a14:useLocalDpi xmlns:a14="http://schemas.microsoft.com/office/drawing/2010/main" xmlns="" val="0"/>
+                <a14:useLocalDpi xmlns:a14="http://schemas.microsoft.com/office/drawing/2010/main" val="0"/>
               </a:ext>
             </a:extLst>
           </a:blip>
@@ -7232,7 +8054,7 @@
           <a:blip r:embed="rId4" cstate="print">
             <a:extLst>
               <a:ext uri="{28A0092B-C50C-407E-A947-70E740481C1C}">
-                <a14:useLocalDpi xmlns:a14="http://schemas.microsoft.com/office/drawing/2010/main" xmlns="" val="0"/>
+                <a14:useLocalDpi xmlns:a14="http://schemas.microsoft.com/office/drawing/2010/main" val="0"/>
               </a:ext>
             </a:extLst>
           </a:blip>
@@ -7262,7 +8084,7 @@
           <a:blip r:embed="rId5">
             <a:extLst>
               <a:ext uri="{28A0092B-C50C-407E-A947-70E740481C1C}">
-                <a14:useLocalDpi xmlns:a14="http://schemas.microsoft.com/office/drawing/2010/main" xmlns="" val="0"/>
+                <a14:useLocalDpi xmlns:a14="http://schemas.microsoft.com/office/drawing/2010/main" val="0"/>
               </a:ext>
             </a:extLst>
           </a:blip>
@@ -7282,7 +8104,7 @@
           <a:noFill/>
           <a:extLst>
             <a:ext uri="{909E8E84-426E-40DD-AFC4-6F175D3DCCD1}">
-              <a14:hiddenFill xmlns:a14="http://schemas.microsoft.com/office/drawing/2010/main" xmlns="">
+              <a14:hiddenFill xmlns:a14="http://schemas.microsoft.com/office/drawing/2010/main">
                 <a:solidFill>
                   <a:srgbClr val="FFFFFF"/>
                 </a:solidFill>
@@ -7303,7 +8125,7 @@
           <a:blip r:embed="rId6" cstate="print">
             <a:extLst>
               <a:ext uri="{28A0092B-C50C-407E-A947-70E740481C1C}">
-                <a14:useLocalDpi xmlns:a14="http://schemas.microsoft.com/office/drawing/2010/main" xmlns="" val="0"/>
+                <a14:useLocalDpi xmlns:a14="http://schemas.microsoft.com/office/drawing/2010/main" val="0"/>
               </a:ext>
             </a:extLst>
           </a:blip>
@@ -7414,18 +8236,18 @@
     </p:spTree>
     <p:extLst>
       <p:ext uri="{BB962C8B-B14F-4D97-AF65-F5344CB8AC3E}">
-        <p14:creationId xmlns:p14="http://schemas.microsoft.com/office/powerpoint/2010/main" xmlns="" val="3837311647"/>
+        <p14:creationId xmlns:p14="http://schemas.microsoft.com/office/powerpoint/2010/main" val="3837311647"/>
       </p:ext>
     </p:extLst>
   </p:cSld>
   <p:clrMapOvr>
     <a:masterClrMapping/>
   </p:clrMapOvr>
-  <mc:AlternateContent xmlns:mc="http://schemas.openxmlformats.org/markup-compatibility/2006">
-    <mc:Choice xmlns:p14="http://schemas.microsoft.com/office/powerpoint/2010/main" xmlns="" Requires="p14">
+  <mc:AlternateContent xmlns:mc="http://schemas.openxmlformats.org/markup-compatibility/2006" xmlns:p14="http://schemas.microsoft.com/office/powerpoint/2010/main">
+    <mc:Choice Requires="p14">
       <p:transition p14:dur="10"/>
     </mc:Choice>
-    <mc:Fallback>
+    <mc:Fallback xmlns="">
       <p:transition/>
     </mc:Fallback>
   </mc:AlternateContent>
@@ -7582,20 +8404,20 @@
     </p:spTree>
     <p:extLst>
       <p:ext uri="{BB962C8B-B14F-4D97-AF65-F5344CB8AC3E}">
-        <p14:creationId xmlns:p14="http://schemas.microsoft.com/office/powerpoint/2010/main" xmlns="" val="3478573609"/>
+        <p14:creationId xmlns:p14="http://schemas.microsoft.com/office/powerpoint/2010/main" val="3478573609"/>
       </p:ext>
     </p:extLst>
   </p:cSld>
   <p:clrMapOvr>
     <a:masterClrMapping/>
   </p:clrMapOvr>
-  <mc:AlternateContent xmlns:mc="http://schemas.openxmlformats.org/markup-compatibility/2006">
-    <mc:Choice xmlns:p14="http://schemas.microsoft.com/office/powerpoint/2010/main" xmlns="" Requires="p14">
+  <mc:AlternateContent xmlns:mc="http://schemas.openxmlformats.org/markup-compatibility/2006" xmlns:p14="http://schemas.microsoft.com/office/powerpoint/2010/main">
+    <mc:Choice Requires="p14">
       <p:transition spd="med" p14:dur="700">
         <p:fade/>
       </p:transition>
     </mc:Choice>
-    <mc:Fallback>
+    <mc:Fallback xmlns="">
       <p:transition spd="med">
         <p:fade/>
       </p:transition>
@@ -8129,20 +8951,20 @@
     </p:spTree>
     <p:extLst>
       <p:ext uri="{BB962C8B-B14F-4D97-AF65-F5344CB8AC3E}">
-        <p14:creationId xmlns:p14="http://schemas.microsoft.com/office/powerpoint/2010/main" xmlns="" val="1753727268"/>
+        <p14:creationId xmlns:p14="http://schemas.microsoft.com/office/powerpoint/2010/main" val="1753727268"/>
       </p:ext>
     </p:extLst>
   </p:cSld>
   <p:clrMapOvr>
     <a:masterClrMapping/>
   </p:clrMapOvr>
-  <mc:AlternateContent xmlns:mc="http://schemas.openxmlformats.org/markup-compatibility/2006">
-    <mc:Choice xmlns:p14="http://schemas.microsoft.com/office/powerpoint/2010/main" xmlns="" Requires="p14">
+  <mc:AlternateContent xmlns:mc="http://schemas.openxmlformats.org/markup-compatibility/2006" xmlns:p14="http://schemas.microsoft.com/office/powerpoint/2010/main">
+    <mc:Choice Requires="p14">
       <p:transition spd="med" p14:dur="700">
         <p:fade/>
       </p:transition>
     </mc:Choice>
-    <mc:Fallback>
+    <mc:Fallback xmlns="">
       <p:transition spd="med">
         <p:fade/>
       </p:transition>
@@ -8427,20 +9249,20 @@
     </p:spTree>
     <p:extLst>
       <p:ext uri="{BB962C8B-B14F-4D97-AF65-F5344CB8AC3E}">
-        <p14:creationId xmlns:p14="http://schemas.microsoft.com/office/powerpoint/2010/main" xmlns="" val="4092394669"/>
+        <p14:creationId xmlns:p14="http://schemas.microsoft.com/office/powerpoint/2010/main" val="4092394669"/>
       </p:ext>
     </p:extLst>
   </p:cSld>
   <p:clrMapOvr>
     <a:masterClrMapping/>
   </p:clrMapOvr>
-  <mc:AlternateContent xmlns:mc="http://schemas.openxmlformats.org/markup-compatibility/2006">
-    <mc:Choice xmlns:p14="http://schemas.microsoft.com/office/powerpoint/2010/main" xmlns="" Requires="p14">
+  <mc:AlternateContent xmlns:mc="http://schemas.openxmlformats.org/markup-compatibility/2006" xmlns:p14="http://schemas.microsoft.com/office/powerpoint/2010/main">
+    <mc:Choice Requires="p14">
       <p:transition spd="med" p14:dur="700">
         <p:fade/>
       </p:transition>
     </mc:Choice>
-    <mc:Fallback>
+    <mc:Fallback xmlns="">
       <p:transition spd="med">
         <p:fade/>
       </p:transition>
@@ -8656,20 +9478,20 @@
     </p:spTree>
     <p:extLst>
       <p:ext uri="{BB962C8B-B14F-4D97-AF65-F5344CB8AC3E}">
-        <p14:creationId xmlns:p14="http://schemas.microsoft.com/office/powerpoint/2010/main" xmlns="" val="723934481"/>
+        <p14:creationId xmlns:p14="http://schemas.microsoft.com/office/powerpoint/2010/main" val="723934481"/>
       </p:ext>
     </p:extLst>
   </p:cSld>
   <p:clrMapOvr>
     <a:masterClrMapping/>
   </p:clrMapOvr>
-  <mc:AlternateContent xmlns:mc="http://schemas.openxmlformats.org/markup-compatibility/2006">
-    <mc:Choice xmlns:p14="http://schemas.microsoft.com/office/powerpoint/2010/main" xmlns="" Requires="p14">
+  <mc:AlternateContent xmlns:mc="http://schemas.openxmlformats.org/markup-compatibility/2006" xmlns:p14="http://schemas.microsoft.com/office/powerpoint/2010/main">
+    <mc:Choice Requires="p14">
       <p:transition spd="med" p14:dur="700">
         <p:fade/>
       </p:transition>
     </mc:Choice>
-    <mc:Fallback>
+    <mc:Fallback xmlns="">
       <p:transition spd="med">
         <p:fade/>
       </p:transition>
@@ -8803,20 +9625,20 @@
     </p:spTree>
     <p:extLst>
       <p:ext uri="{BB962C8B-B14F-4D97-AF65-F5344CB8AC3E}">
-        <p14:creationId xmlns:p14="http://schemas.microsoft.com/office/powerpoint/2010/main" xmlns="" val="1659345808"/>
+        <p14:creationId xmlns:p14="http://schemas.microsoft.com/office/powerpoint/2010/main" val="1659345808"/>
       </p:ext>
     </p:extLst>
   </p:cSld>
   <p:clrMapOvr>
     <a:masterClrMapping/>
   </p:clrMapOvr>
-  <mc:AlternateContent xmlns:mc="http://schemas.openxmlformats.org/markup-compatibility/2006">
-    <mc:Choice xmlns:p14="http://schemas.microsoft.com/office/powerpoint/2010/main" xmlns="" Requires="p14">
+  <mc:AlternateContent xmlns:mc="http://schemas.openxmlformats.org/markup-compatibility/2006" xmlns:p14="http://schemas.microsoft.com/office/powerpoint/2010/main">
+    <mc:Choice Requires="p14">
       <p:transition spd="med" p14:dur="700">
         <p:fade/>
       </p:transition>
     </mc:Choice>
-    <mc:Fallback>
+    <mc:Fallback xmlns="">
       <p:transition spd="med">
         <p:fade/>
       </p:transition>
@@ -9236,20 +10058,20 @@
     </p:spTree>
     <p:extLst>
       <p:ext uri="{BB962C8B-B14F-4D97-AF65-F5344CB8AC3E}">
-        <p14:creationId xmlns:p14="http://schemas.microsoft.com/office/powerpoint/2010/main" xmlns="" val="706766915"/>
+        <p14:creationId xmlns:p14="http://schemas.microsoft.com/office/powerpoint/2010/main" val="706766915"/>
       </p:ext>
     </p:extLst>
   </p:cSld>
   <p:clrMapOvr>
     <a:masterClrMapping/>
   </p:clrMapOvr>
-  <mc:AlternateContent xmlns:mc="http://schemas.openxmlformats.org/markup-compatibility/2006">
-    <mc:Choice xmlns:p14="http://schemas.microsoft.com/office/powerpoint/2010/main" xmlns="" Requires="p14">
+  <mc:AlternateContent xmlns:mc="http://schemas.openxmlformats.org/markup-compatibility/2006" xmlns:p14="http://schemas.microsoft.com/office/powerpoint/2010/main">
+    <mc:Choice Requires="p14">
       <p:transition spd="med" p14:dur="700">
         <p:fade/>
       </p:transition>
     </mc:Choice>
-    <mc:Fallback>
+    <mc:Fallback xmlns="">
       <p:transition spd="med">
         <p:fade/>
       </p:transition>
@@ -9721,6 +10543,18 @@
                 <a:spcPts val="0"/>
               </a:spcBef>
             </a:pPr>
+            <a:endParaRPr lang="en" dirty="0" smtClean="0">
+              <a:latin typeface="Verdana" panose="020B0604030504040204" pitchFamily="34" charset="0"/>
+              <a:ea typeface="Verdana" panose="020B0604030504040204" pitchFamily="34" charset="0"/>
+              <a:cs typeface="Verdana" panose="020B0604030504040204" pitchFamily="34" charset="0"/>
+            </a:endParaRPr>
+          </a:p>
+          <a:p>
+            <a:pPr marL="457200" lvl="0" indent="-228600" rtl="0">
+              <a:spcBef>
+                <a:spcPts val="0"/>
+              </a:spcBef>
+            </a:pPr>
             <a:r>
               <a:rPr lang="en" dirty="0" smtClean="0">
                 <a:latin typeface="Verdana" panose="020B0604030504040204" pitchFamily="34" charset="0"/>
@@ -9731,6 +10565,32 @@
             </a:r>
           </a:p>
           <a:p>
+            <a:pPr marL="228600" lvl="0" indent="0" rtl="0">
+              <a:spcBef>
+                <a:spcPts val="0"/>
+              </a:spcBef>
+              <a:buNone/>
+            </a:pPr>
+            <a:endParaRPr lang="en" dirty="0">
+              <a:latin typeface="Verdana" panose="020B0604030504040204" pitchFamily="34" charset="0"/>
+              <a:ea typeface="Verdana" panose="020B0604030504040204" pitchFamily="34" charset="0"/>
+              <a:cs typeface="Verdana" panose="020B0604030504040204" pitchFamily="34" charset="0"/>
+            </a:endParaRPr>
+          </a:p>
+          <a:p>
+            <a:pPr marL="228600" lvl="0" indent="0" rtl="0">
+              <a:spcBef>
+                <a:spcPts val="0"/>
+              </a:spcBef>
+              <a:buNone/>
+            </a:pPr>
+            <a:endParaRPr lang="en" dirty="0" smtClean="0">
+              <a:latin typeface="Verdana" panose="020B0604030504040204" pitchFamily="34" charset="0"/>
+              <a:ea typeface="Verdana" panose="020B0604030504040204" pitchFamily="34" charset="0"/>
+              <a:cs typeface="Verdana" panose="020B0604030504040204" pitchFamily="34" charset="0"/>
+            </a:endParaRPr>
+          </a:p>
+          <a:p>
             <a:pPr marL="457200" lvl="0" indent="-228600" rtl="0">
               <a:spcBef>
                 <a:spcPts val="0"/>
@@ -9755,20 +10615,20 @@
     </p:spTree>
     <p:extLst>
       <p:ext uri="{BB962C8B-B14F-4D97-AF65-F5344CB8AC3E}">
-        <p14:creationId xmlns:p14="http://schemas.microsoft.com/office/powerpoint/2010/main" xmlns="" val="1476971637"/>
+        <p14:creationId xmlns:p14="http://schemas.microsoft.com/office/powerpoint/2010/main" val="1476971637"/>
       </p:ext>
     </p:extLst>
   </p:cSld>
   <p:clrMapOvr>
     <a:masterClrMapping/>
   </p:clrMapOvr>
-  <mc:AlternateContent xmlns:mc="http://schemas.openxmlformats.org/markup-compatibility/2006">
-    <mc:Choice xmlns:p14="http://schemas.microsoft.com/office/powerpoint/2010/main" xmlns="" Requires="p14">
+  <mc:AlternateContent xmlns:mc="http://schemas.openxmlformats.org/markup-compatibility/2006" xmlns:p14="http://schemas.microsoft.com/office/powerpoint/2010/main">
+    <mc:Choice Requires="p14">
       <p:transition spd="med" p14:dur="700">
         <p:fade/>
       </p:transition>
     </mc:Choice>
-    <mc:Fallback>
+    <mc:Fallback xmlns="">
       <p:transition spd="med">
         <p:fade/>
       </p:transition>
@@ -9829,6 +10689,1059 @@
               <a:buNone/>
             </a:pPr>
             <a:r>
+              <a:rPr lang="en" b="0" dirty="0" smtClean="0">
+                <a:latin typeface="Verdana"/>
+                <a:ea typeface="Verdana"/>
+                <a:cs typeface="Verdana"/>
+                <a:sym typeface="Verdana"/>
+              </a:rPr>
+              <a:t>Adding – without deadlines</a:t>
+            </a:r>
+            <a:endParaRPr lang="en" b="0" dirty="0">
+              <a:latin typeface="Verdana"/>
+              <a:ea typeface="Verdana"/>
+              <a:cs typeface="Verdana"/>
+              <a:sym typeface="Verdana"/>
+            </a:endParaRPr>
+          </a:p>
+        </p:txBody>
+      </p:sp>
+      <p:sp>
+        <p:nvSpPr>
+          <p:cNvPr id="73" name="Shape 73"/>
+          <p:cNvSpPr txBox="1">
+            <a:spLocks noGrp="1"/>
+          </p:cNvSpPr>
+          <p:nvPr>
+            <p:ph type="body" idx="1"/>
+          </p:nvPr>
+        </p:nvSpPr>
+        <p:spPr>
+          <a:prstGeom prst="rect">
+            <a:avLst/>
+          </a:prstGeom>
+        </p:spPr>
+        <p:txBody>
+          <a:bodyPr lIns="91425" tIns="91425" rIns="91425" bIns="91425" anchor="t" anchorCtr="0">
+            <a:noAutofit/>
+          </a:bodyPr>
+          <a:lstStyle/>
+          <a:p>
+            <a:pPr marL="457200" lvl="0" indent="-228600" rtl="0">
+              <a:spcBef>
+                <a:spcPts val="0"/>
+              </a:spcBef>
+            </a:pPr>
+            <a:r>
+              <a:rPr lang="en" dirty="0" smtClean="0">
+                <a:latin typeface="Verdana" panose="020B0604030504040204" pitchFamily="34" charset="0"/>
+                <a:ea typeface="Verdana" panose="020B0604030504040204" pitchFamily="34" charset="0"/>
+                <a:cs typeface="Verdana" panose="020B0604030504040204" pitchFamily="34" charset="0"/>
+              </a:rPr>
+              <a:t>E.g.</a:t>
+            </a:r>
+          </a:p>
+          <a:p>
+            <a:pPr marL="457200" lvl="0" indent="-228600" rtl="0">
+              <a:spcBef>
+                <a:spcPts val="0"/>
+              </a:spcBef>
+            </a:pPr>
+            <a:endParaRPr lang="en" dirty="0" smtClean="0">
+              <a:latin typeface="Verdana" panose="020B0604030504040204" pitchFamily="34" charset="0"/>
+              <a:ea typeface="Verdana" panose="020B0604030504040204" pitchFamily="34" charset="0"/>
+              <a:cs typeface="Verdana" panose="020B0604030504040204" pitchFamily="34" charset="0"/>
+            </a:endParaRPr>
+          </a:p>
+          <a:p>
+            <a:pPr marL="457200" lvl="0" indent="-228600" rtl="0">
+              <a:spcBef>
+                <a:spcPts val="0"/>
+              </a:spcBef>
+            </a:pPr>
+            <a:r>
+              <a:rPr lang="en" dirty="0" smtClean="0">
+                <a:latin typeface="Verdana" panose="020B0604030504040204" pitchFamily="34" charset="0"/>
+                <a:ea typeface="Verdana" panose="020B0604030504040204" pitchFamily="34" charset="0"/>
+                <a:cs typeface="Verdana" panose="020B0604030504040204" pitchFamily="34" charset="0"/>
+              </a:rPr>
+              <a:t>“Read book”</a:t>
+            </a:r>
+          </a:p>
+          <a:p>
+            <a:pPr marL="457200" lvl="0" indent="-228600" rtl="0">
+              <a:spcBef>
+                <a:spcPts val="0"/>
+              </a:spcBef>
+            </a:pPr>
+            <a:endParaRPr lang="en" dirty="0" smtClean="0">
+              <a:latin typeface="Verdana" panose="020B0604030504040204" pitchFamily="34" charset="0"/>
+              <a:ea typeface="Verdana" panose="020B0604030504040204" pitchFamily="34" charset="0"/>
+              <a:cs typeface="Verdana" panose="020B0604030504040204" pitchFamily="34" charset="0"/>
+            </a:endParaRPr>
+          </a:p>
+          <a:p>
+            <a:pPr marL="457200" lvl="0" indent="-228600" rtl="0">
+              <a:spcBef>
+                <a:spcPts val="0"/>
+              </a:spcBef>
+            </a:pPr>
+            <a:r>
+              <a:rPr lang="en" dirty="0" smtClean="0">
+                <a:latin typeface="Verdana" panose="020B0604030504040204" pitchFamily="34" charset="0"/>
+                <a:ea typeface="Verdana" panose="020B0604030504040204" pitchFamily="34" charset="0"/>
+                <a:cs typeface="Verdana" panose="020B0604030504040204" pitchFamily="34" charset="0"/>
+              </a:rPr>
+              <a:t>“Listen to music”</a:t>
+            </a:r>
+          </a:p>
+          <a:p>
+            <a:pPr marL="457200" lvl="0" indent="-228600" rtl="0">
+              <a:spcBef>
+                <a:spcPts val="0"/>
+              </a:spcBef>
+            </a:pPr>
+            <a:endParaRPr lang="en" dirty="0" smtClean="0">
+              <a:latin typeface="Verdana" panose="020B0604030504040204" pitchFamily="34" charset="0"/>
+              <a:ea typeface="Verdana" panose="020B0604030504040204" pitchFamily="34" charset="0"/>
+              <a:cs typeface="Verdana" panose="020B0604030504040204" pitchFamily="34" charset="0"/>
+            </a:endParaRPr>
+          </a:p>
+          <a:p>
+            <a:pPr marL="457200" lvl="0" indent="-228600" rtl="0">
+              <a:spcBef>
+                <a:spcPts val="0"/>
+              </a:spcBef>
+            </a:pPr>
+            <a:r>
+              <a:rPr lang="en" dirty="0" smtClean="0">
+                <a:latin typeface="Verdana" panose="020B0604030504040204" pitchFamily="34" charset="0"/>
+                <a:ea typeface="Verdana" panose="020B0604030504040204" pitchFamily="34" charset="0"/>
+                <a:cs typeface="Verdana" panose="020B0604030504040204" pitchFamily="34" charset="0"/>
+              </a:rPr>
+              <a:t>“Watch a movie”</a:t>
+            </a:r>
+            <a:endParaRPr lang="en" dirty="0">
+              <a:latin typeface="Verdana" panose="020B0604030504040204" pitchFamily="34" charset="0"/>
+              <a:ea typeface="Verdana" panose="020B0604030504040204" pitchFamily="34" charset="0"/>
+              <a:cs typeface="Verdana" panose="020B0604030504040204" pitchFamily="34" charset="0"/>
+            </a:endParaRPr>
+          </a:p>
+        </p:txBody>
+      </p:sp>
+    </p:spTree>
+    <p:extLst>
+      <p:ext uri="{BB962C8B-B14F-4D97-AF65-F5344CB8AC3E}">
+        <p14:creationId xmlns:p14="http://schemas.microsoft.com/office/powerpoint/2010/main" val="551120680"/>
+      </p:ext>
+    </p:extLst>
+  </p:cSld>
+  <p:clrMapOvr>
+    <a:masterClrMapping/>
+  </p:clrMapOvr>
+  <mc:AlternateContent xmlns:mc="http://schemas.openxmlformats.org/markup-compatibility/2006" xmlns:p14="http://schemas.microsoft.com/office/powerpoint/2010/main">
+    <mc:Choice Requires="p14">
+      <p:transition spd="med" p14:dur="700">
+        <p:fade/>
+      </p:transition>
+    </mc:Choice>
+    <mc:Fallback xmlns="">
+      <p:transition spd="med">
+        <p:fade/>
+      </p:transition>
+    </mc:Fallback>
+  </mc:AlternateContent>
+  <p:timing>
+    <p:tnLst>
+      <p:par>
+        <p:cTn id="1" dur="indefinite" restart="never" nodeType="tmRoot"/>
+      </p:par>
+    </p:tnLst>
+  </p:timing>
+</p:sld>
+</file>
+
+<file path=ppt/slides/slide18.xml><?xml version="1.0" encoding="utf-8"?>
+<p:sld xmlns:a="http://schemas.openxmlformats.org/drawingml/2006/main" xmlns:r="http://schemas.openxmlformats.org/officeDocument/2006/relationships" xmlns:p="http://schemas.openxmlformats.org/presentationml/2006/main">
+  <p:cSld>
+    <p:spTree>
+      <p:nvGrpSpPr>
+        <p:cNvPr id="1" name="Shape 71"/>
+        <p:cNvGrpSpPr/>
+        <p:nvPr/>
+      </p:nvGrpSpPr>
+      <p:grpSpPr>
+        <a:xfrm>
+          <a:off x="0" y="0"/>
+          <a:ext cx="0" cy="0"/>
+          <a:chOff x="0" y="0"/>
+          <a:chExt cx="0" cy="0"/>
+        </a:xfrm>
+      </p:grpSpPr>
+      <p:sp>
+        <p:nvSpPr>
+          <p:cNvPr id="72" name="Shape 72"/>
+          <p:cNvSpPr txBox="1">
+            <a:spLocks noGrp="1"/>
+          </p:cNvSpPr>
+          <p:nvPr>
+            <p:ph type="title"/>
+          </p:nvPr>
+        </p:nvSpPr>
+        <p:spPr>
+          <a:prstGeom prst="rect">
+            <a:avLst/>
+          </a:prstGeom>
+        </p:spPr>
+        <p:txBody>
+          <a:bodyPr lIns="91425" tIns="91425" rIns="91425" bIns="91425" anchor="t" anchorCtr="0">
+            <a:noAutofit/>
+          </a:bodyPr>
+          <a:lstStyle/>
+          <a:p>
+            <a:pPr lvl="0">
+              <a:spcBef>
+                <a:spcPts val="0"/>
+              </a:spcBef>
+              <a:buNone/>
+            </a:pPr>
+            <a:r>
+              <a:rPr lang="en" b="0" dirty="0" smtClean="0">
+                <a:latin typeface="Verdana"/>
+                <a:ea typeface="Verdana"/>
+                <a:cs typeface="Verdana"/>
+                <a:sym typeface="Verdana"/>
+              </a:rPr>
+              <a:t>Adding – with date</a:t>
+            </a:r>
+            <a:endParaRPr lang="en" b="0" dirty="0">
+              <a:latin typeface="Verdana"/>
+              <a:ea typeface="Verdana"/>
+              <a:cs typeface="Verdana"/>
+              <a:sym typeface="Verdana"/>
+            </a:endParaRPr>
+          </a:p>
+        </p:txBody>
+      </p:sp>
+      <p:sp>
+        <p:nvSpPr>
+          <p:cNvPr id="73" name="Shape 73"/>
+          <p:cNvSpPr txBox="1">
+            <a:spLocks noGrp="1"/>
+          </p:cNvSpPr>
+          <p:nvPr>
+            <p:ph type="body" idx="1"/>
+          </p:nvPr>
+        </p:nvSpPr>
+        <p:spPr>
+          <a:prstGeom prst="rect">
+            <a:avLst/>
+          </a:prstGeom>
+        </p:spPr>
+        <p:txBody>
+          <a:bodyPr lIns="91425" tIns="91425" rIns="91425" bIns="91425" anchor="t" anchorCtr="0">
+            <a:noAutofit/>
+          </a:bodyPr>
+          <a:lstStyle/>
+          <a:p>
+            <a:pPr marL="457200" lvl="0" indent="-228600" rtl="0">
+              <a:spcBef>
+                <a:spcPts val="0"/>
+              </a:spcBef>
+            </a:pPr>
+            <a:r>
+              <a:rPr lang="en" dirty="0" smtClean="0">
+                <a:latin typeface="Verdana" panose="020B0604030504040204" pitchFamily="34" charset="0"/>
+                <a:ea typeface="Verdana" panose="020B0604030504040204" pitchFamily="34" charset="0"/>
+                <a:cs typeface="Verdana" panose="020B0604030504040204" pitchFamily="34" charset="0"/>
+              </a:rPr>
+              <a:t>E.g.</a:t>
+            </a:r>
+          </a:p>
+          <a:p>
+            <a:pPr marL="457200" lvl="0" indent="-228600" rtl="0">
+              <a:spcBef>
+                <a:spcPts val="0"/>
+              </a:spcBef>
+            </a:pPr>
+            <a:endParaRPr lang="en" dirty="0" smtClean="0">
+              <a:latin typeface="Verdana" panose="020B0604030504040204" pitchFamily="34" charset="0"/>
+              <a:ea typeface="Verdana" panose="020B0604030504040204" pitchFamily="34" charset="0"/>
+              <a:cs typeface="Verdana" panose="020B0604030504040204" pitchFamily="34" charset="0"/>
+            </a:endParaRPr>
+          </a:p>
+          <a:p>
+            <a:pPr marL="457200" lvl="0" indent="-228600" rtl="0">
+              <a:spcBef>
+                <a:spcPts val="0"/>
+              </a:spcBef>
+            </a:pPr>
+            <a:r>
+              <a:rPr lang="en" dirty="0" smtClean="0">
+                <a:latin typeface="Verdana" panose="020B0604030504040204" pitchFamily="34" charset="0"/>
+                <a:ea typeface="Verdana" panose="020B0604030504040204" pitchFamily="34" charset="0"/>
+                <a:cs typeface="Verdana" panose="020B0604030504040204" pitchFamily="34" charset="0"/>
+              </a:rPr>
+              <a:t>“Meet friend next Saturday”</a:t>
+            </a:r>
+          </a:p>
+          <a:p>
+            <a:pPr marL="457200" lvl="0" indent="-228600" rtl="0">
+              <a:spcBef>
+                <a:spcPts val="0"/>
+              </a:spcBef>
+            </a:pPr>
+            <a:endParaRPr lang="en" dirty="0" smtClean="0">
+              <a:latin typeface="Verdana" panose="020B0604030504040204" pitchFamily="34" charset="0"/>
+              <a:ea typeface="Verdana" panose="020B0604030504040204" pitchFamily="34" charset="0"/>
+              <a:cs typeface="Verdana" panose="020B0604030504040204" pitchFamily="34" charset="0"/>
+            </a:endParaRPr>
+          </a:p>
+          <a:p>
+            <a:pPr marL="457200" lvl="0" indent="-228600" rtl="0">
+              <a:spcBef>
+                <a:spcPts val="0"/>
+              </a:spcBef>
+            </a:pPr>
+            <a:r>
+              <a:rPr lang="en" dirty="0" smtClean="0">
+                <a:latin typeface="Verdana" panose="020B0604030504040204" pitchFamily="34" charset="0"/>
+                <a:ea typeface="Verdana" panose="020B0604030504040204" pitchFamily="34" charset="0"/>
+                <a:cs typeface="Verdana" panose="020B0604030504040204" pitchFamily="34" charset="0"/>
+              </a:rPr>
+              <a:t>“Overseas trip 30/4”</a:t>
+            </a:r>
+          </a:p>
+          <a:p>
+            <a:pPr marL="457200" lvl="0" indent="-228600" rtl="0">
+              <a:spcBef>
+                <a:spcPts val="0"/>
+              </a:spcBef>
+            </a:pPr>
+            <a:endParaRPr lang="en" dirty="0" smtClean="0">
+              <a:latin typeface="Verdana" panose="020B0604030504040204" pitchFamily="34" charset="0"/>
+              <a:ea typeface="Verdana" panose="020B0604030504040204" pitchFamily="34" charset="0"/>
+              <a:cs typeface="Verdana" panose="020B0604030504040204" pitchFamily="34" charset="0"/>
+            </a:endParaRPr>
+          </a:p>
+          <a:p>
+            <a:pPr marL="457200" lvl="0" indent="-228600" rtl="0">
+              <a:spcBef>
+                <a:spcPts val="0"/>
+              </a:spcBef>
+            </a:pPr>
+            <a:r>
+              <a:rPr lang="en" dirty="0" smtClean="0">
+                <a:latin typeface="Verdana" panose="020B0604030504040204" pitchFamily="34" charset="0"/>
+                <a:ea typeface="Verdana" panose="020B0604030504040204" pitchFamily="34" charset="0"/>
+                <a:cs typeface="Verdana" panose="020B0604030504040204" pitchFamily="34" charset="0"/>
+              </a:rPr>
+              <a:t>“Do everything tomorrow”</a:t>
+            </a:r>
+            <a:endParaRPr lang="en" dirty="0">
+              <a:latin typeface="Verdana" panose="020B0604030504040204" pitchFamily="34" charset="0"/>
+              <a:ea typeface="Verdana" panose="020B0604030504040204" pitchFamily="34" charset="0"/>
+              <a:cs typeface="Verdana" panose="020B0604030504040204" pitchFamily="34" charset="0"/>
+            </a:endParaRPr>
+          </a:p>
+        </p:txBody>
+      </p:sp>
+    </p:spTree>
+    <p:extLst>
+      <p:ext uri="{BB962C8B-B14F-4D97-AF65-F5344CB8AC3E}">
+        <p14:creationId xmlns:p14="http://schemas.microsoft.com/office/powerpoint/2010/main" val="2621789456"/>
+      </p:ext>
+    </p:extLst>
+  </p:cSld>
+  <p:clrMapOvr>
+    <a:masterClrMapping/>
+  </p:clrMapOvr>
+  <mc:AlternateContent xmlns:mc="http://schemas.openxmlformats.org/markup-compatibility/2006" xmlns:p14="http://schemas.microsoft.com/office/powerpoint/2010/main">
+    <mc:Choice Requires="p14">
+      <p:transition spd="med" p14:dur="700">
+        <p:fade/>
+      </p:transition>
+    </mc:Choice>
+    <mc:Fallback xmlns="">
+      <p:transition spd="med">
+        <p:fade/>
+      </p:transition>
+    </mc:Fallback>
+  </mc:AlternateContent>
+  <p:timing>
+    <p:tnLst>
+      <p:par>
+        <p:cTn id="1" dur="indefinite" restart="never" nodeType="tmRoot"/>
+      </p:par>
+    </p:tnLst>
+  </p:timing>
+</p:sld>
+</file>
+
+<file path=ppt/slides/slide19.xml><?xml version="1.0" encoding="utf-8"?>
+<p:sld xmlns:a="http://schemas.openxmlformats.org/drawingml/2006/main" xmlns:r="http://schemas.openxmlformats.org/officeDocument/2006/relationships" xmlns:p="http://schemas.openxmlformats.org/presentationml/2006/main">
+  <p:cSld>
+    <p:spTree>
+      <p:nvGrpSpPr>
+        <p:cNvPr id="1" name="Shape 71"/>
+        <p:cNvGrpSpPr/>
+        <p:nvPr/>
+      </p:nvGrpSpPr>
+      <p:grpSpPr>
+        <a:xfrm>
+          <a:off x="0" y="0"/>
+          <a:ext cx="0" cy="0"/>
+          <a:chOff x="0" y="0"/>
+          <a:chExt cx="0" cy="0"/>
+        </a:xfrm>
+      </p:grpSpPr>
+      <p:sp>
+        <p:nvSpPr>
+          <p:cNvPr id="72" name="Shape 72"/>
+          <p:cNvSpPr txBox="1">
+            <a:spLocks noGrp="1"/>
+          </p:cNvSpPr>
+          <p:nvPr>
+            <p:ph type="title"/>
+          </p:nvPr>
+        </p:nvSpPr>
+        <p:spPr>
+          <a:prstGeom prst="rect">
+            <a:avLst/>
+          </a:prstGeom>
+        </p:spPr>
+        <p:txBody>
+          <a:bodyPr lIns="91425" tIns="91425" rIns="91425" bIns="91425" anchor="t" anchorCtr="0">
+            <a:noAutofit/>
+          </a:bodyPr>
+          <a:lstStyle/>
+          <a:p>
+            <a:pPr lvl="0">
+              <a:spcBef>
+                <a:spcPts val="0"/>
+              </a:spcBef>
+              <a:buNone/>
+            </a:pPr>
+            <a:r>
+              <a:rPr lang="en" b="0" dirty="0" smtClean="0">
+                <a:latin typeface="Verdana"/>
+                <a:ea typeface="Verdana"/>
+                <a:cs typeface="Verdana"/>
+                <a:sym typeface="Verdana"/>
+              </a:rPr>
+              <a:t>Adding – with time</a:t>
+            </a:r>
+            <a:endParaRPr lang="en" b="0" dirty="0">
+              <a:latin typeface="Verdana"/>
+              <a:ea typeface="Verdana"/>
+              <a:cs typeface="Verdana"/>
+              <a:sym typeface="Verdana"/>
+            </a:endParaRPr>
+          </a:p>
+        </p:txBody>
+      </p:sp>
+      <p:sp>
+        <p:nvSpPr>
+          <p:cNvPr id="73" name="Shape 73"/>
+          <p:cNvSpPr txBox="1">
+            <a:spLocks noGrp="1"/>
+          </p:cNvSpPr>
+          <p:nvPr>
+            <p:ph type="body" idx="1"/>
+          </p:nvPr>
+        </p:nvSpPr>
+        <p:spPr>
+          <a:prstGeom prst="rect">
+            <a:avLst/>
+          </a:prstGeom>
+        </p:spPr>
+        <p:txBody>
+          <a:bodyPr lIns="91425" tIns="91425" rIns="91425" bIns="91425" anchor="t" anchorCtr="0">
+            <a:noAutofit/>
+          </a:bodyPr>
+          <a:lstStyle/>
+          <a:p>
+            <a:pPr marL="457200" lvl="0" indent="-228600" rtl="0">
+              <a:spcBef>
+                <a:spcPts val="0"/>
+              </a:spcBef>
+            </a:pPr>
+            <a:r>
+              <a:rPr lang="en" dirty="0" smtClean="0">
+                <a:latin typeface="Verdana" panose="020B0604030504040204" pitchFamily="34" charset="0"/>
+                <a:ea typeface="Verdana" panose="020B0604030504040204" pitchFamily="34" charset="0"/>
+                <a:cs typeface="Verdana" panose="020B0604030504040204" pitchFamily="34" charset="0"/>
+              </a:rPr>
+              <a:t>E.g.</a:t>
+            </a:r>
+          </a:p>
+          <a:p>
+            <a:pPr marL="457200" lvl="0" indent="-228600" rtl="0">
+              <a:spcBef>
+                <a:spcPts val="0"/>
+              </a:spcBef>
+            </a:pPr>
+            <a:endParaRPr lang="en" dirty="0" smtClean="0">
+              <a:latin typeface="Verdana" panose="020B0604030504040204" pitchFamily="34" charset="0"/>
+              <a:ea typeface="Verdana" panose="020B0604030504040204" pitchFamily="34" charset="0"/>
+              <a:cs typeface="Verdana" panose="020B0604030504040204" pitchFamily="34" charset="0"/>
+            </a:endParaRPr>
+          </a:p>
+          <a:p>
+            <a:pPr marL="457200" lvl="0" indent="-228600" rtl="0">
+              <a:spcBef>
+                <a:spcPts val="0"/>
+              </a:spcBef>
+            </a:pPr>
+            <a:r>
+              <a:rPr lang="en" dirty="0" smtClean="0">
+                <a:latin typeface="Verdana" panose="020B0604030504040204" pitchFamily="34" charset="0"/>
+                <a:ea typeface="Verdana" panose="020B0604030504040204" pitchFamily="34" charset="0"/>
+                <a:cs typeface="Verdana" panose="020B0604030504040204" pitchFamily="34" charset="0"/>
+              </a:rPr>
+              <a:t>“Meeting 3pm”</a:t>
+            </a:r>
+          </a:p>
+          <a:p>
+            <a:pPr marL="457200" lvl="0" indent="-228600" rtl="0">
+              <a:spcBef>
+                <a:spcPts val="0"/>
+              </a:spcBef>
+            </a:pPr>
+            <a:endParaRPr lang="en" dirty="0" smtClean="0">
+              <a:latin typeface="Verdana" panose="020B0604030504040204" pitchFamily="34" charset="0"/>
+              <a:ea typeface="Verdana" panose="020B0604030504040204" pitchFamily="34" charset="0"/>
+              <a:cs typeface="Verdana" panose="020B0604030504040204" pitchFamily="34" charset="0"/>
+            </a:endParaRPr>
+          </a:p>
+          <a:p>
+            <a:pPr marL="457200" lvl="0" indent="-228600"/>
+            <a:r>
+              <a:rPr lang="en-SG" dirty="0"/>
+              <a:t>“Run errands Sunday 1000-1200</a:t>
+            </a:r>
+            <a:r>
+              <a:rPr lang="en-SG" dirty="0" smtClean="0"/>
+              <a:t>”</a:t>
+            </a:r>
+            <a:endParaRPr lang="en" dirty="0">
+              <a:latin typeface="Verdana" panose="020B0604030504040204" pitchFamily="34" charset="0"/>
+              <a:ea typeface="Verdana" panose="020B0604030504040204" pitchFamily="34" charset="0"/>
+              <a:cs typeface="Verdana" panose="020B0604030504040204" pitchFamily="34" charset="0"/>
+            </a:endParaRPr>
+          </a:p>
+        </p:txBody>
+      </p:sp>
+    </p:spTree>
+    <p:extLst>
+      <p:ext uri="{BB962C8B-B14F-4D97-AF65-F5344CB8AC3E}">
+        <p14:creationId xmlns:p14="http://schemas.microsoft.com/office/powerpoint/2010/main" val="3259660995"/>
+      </p:ext>
+    </p:extLst>
+  </p:cSld>
+  <p:clrMapOvr>
+    <a:masterClrMapping/>
+  </p:clrMapOvr>
+  <mc:AlternateContent xmlns:mc="http://schemas.openxmlformats.org/markup-compatibility/2006" xmlns:p14="http://schemas.microsoft.com/office/powerpoint/2010/main">
+    <mc:Choice Requires="p14">
+      <p:transition spd="med" p14:dur="700">
+        <p:fade/>
+      </p:transition>
+    </mc:Choice>
+    <mc:Fallback xmlns="">
+      <p:transition spd="med">
+        <p:fade/>
+      </p:transition>
+    </mc:Fallback>
+  </mc:AlternateContent>
+  <p:timing>
+    <p:tnLst>
+      <p:par>
+        <p:cTn id="1" dur="indefinite" restart="never" nodeType="tmRoot"/>
+      </p:par>
+    </p:tnLst>
+  </p:timing>
+</p:sld>
+</file>
+
+<file path=ppt/slides/slide2.xml><?xml version="1.0" encoding="utf-8"?>
+<p:sld xmlns:a="http://schemas.openxmlformats.org/drawingml/2006/main" xmlns:r="http://schemas.openxmlformats.org/officeDocument/2006/relationships" xmlns:p="http://schemas.openxmlformats.org/presentationml/2006/main">
+  <p:cSld>
+    <p:spTree>
+      <p:nvGrpSpPr>
+        <p:cNvPr id="1" name=""/>
+        <p:cNvGrpSpPr/>
+        <p:nvPr/>
+      </p:nvGrpSpPr>
+      <p:grpSpPr>
+        <a:xfrm>
+          <a:off x="0" y="0"/>
+          <a:ext cx="0" cy="0"/>
+          <a:chOff x="0" y="0"/>
+          <a:chExt cx="0" cy="0"/>
+        </a:xfrm>
+      </p:grpSpPr>
+      <p:sp>
+        <p:nvSpPr>
+          <p:cNvPr id="6" name="Rectangle 5"/>
+          <p:cNvSpPr/>
+          <p:nvPr/>
+        </p:nvSpPr>
+        <p:spPr>
+          <a:xfrm>
+            <a:off x="1043610" y="1491630"/>
+            <a:ext cx="6936133" cy="1938992"/>
+          </a:xfrm>
+          <a:prstGeom prst="rect">
+            <a:avLst/>
+          </a:prstGeom>
+          <a:noFill/>
+        </p:spPr>
+        <p:txBody>
+          <a:bodyPr wrap="square" lIns="68580" tIns="34290" rIns="68580" bIns="34290">
+            <a:spAutoFit/>
+          </a:bodyPr>
+          <a:lstStyle/>
+          <a:p>
+            <a:pPr algn="ctr"/>
+            <a:r>
+              <a:rPr lang="en-SG" sz="4050" dirty="0">
+                <a:ln w="0"/>
+                <a:gradFill>
+                  <a:gsLst>
+                    <a:gs pos="0">
+                      <a:schemeClr val="accent5">
+                        <a:lumMod val="50000"/>
+                      </a:schemeClr>
+                    </a:gs>
+                    <a:gs pos="50000">
+                      <a:schemeClr val="accent5"/>
+                    </a:gs>
+                    <a:gs pos="100000">
+                      <a:schemeClr val="accent5">
+                        <a:lumMod val="60000"/>
+                        <a:lumOff val="40000"/>
+                      </a:schemeClr>
+                    </a:gs>
+                  </a:gsLst>
+                  <a:lin ang="5400000"/>
+                </a:gradFill>
+                <a:latin typeface="Verdana" panose="020B0604030504040204" pitchFamily="34" charset="0"/>
+                <a:ea typeface="Verdana" panose="020B0604030504040204" pitchFamily="34" charset="0"/>
+                <a:cs typeface="Verdana" panose="020B0604030504040204" pitchFamily="34" charset="0"/>
+              </a:rPr>
+              <a:t>How many things can your mind hold in working memory?</a:t>
+            </a:r>
+          </a:p>
+        </p:txBody>
+      </p:sp>
+    </p:spTree>
+    <p:extLst>
+      <p:ext uri="{BB962C8B-B14F-4D97-AF65-F5344CB8AC3E}">
+        <p14:creationId xmlns:p14="http://schemas.microsoft.com/office/powerpoint/2010/main" val="1151886779"/>
+      </p:ext>
+    </p:extLst>
+  </p:cSld>
+  <p:clrMapOvr>
+    <a:masterClrMapping/>
+  </p:clrMapOvr>
+  <mc:AlternateContent xmlns:mc="http://schemas.openxmlformats.org/markup-compatibility/2006" xmlns:p14="http://schemas.microsoft.com/office/powerpoint/2010/main">
+    <mc:Choice Requires="p14">
+      <p:transition spd="med" p14:dur="700">
+        <p:fade/>
+      </p:transition>
+    </mc:Choice>
+    <mc:Fallback xmlns="">
+      <p:transition spd="med">
+        <p:fade/>
+      </p:transition>
+    </mc:Fallback>
+  </mc:AlternateContent>
+  <p:timing>
+    <p:tnLst>
+      <p:par>
+        <p:cTn id="1" dur="indefinite" restart="never" nodeType="tmRoot"/>
+      </p:par>
+    </p:tnLst>
+  </p:timing>
+</p:sld>
+</file>
+
+<file path=ppt/slides/slide20.xml><?xml version="1.0" encoding="utf-8"?>
+<p:sld xmlns:a="http://schemas.openxmlformats.org/drawingml/2006/main" xmlns:r="http://schemas.openxmlformats.org/officeDocument/2006/relationships" xmlns:p="http://schemas.openxmlformats.org/presentationml/2006/main">
+  <p:cSld>
+    <p:spTree>
+      <p:nvGrpSpPr>
+        <p:cNvPr id="1" name="Shape 71"/>
+        <p:cNvGrpSpPr/>
+        <p:nvPr/>
+      </p:nvGrpSpPr>
+      <p:grpSpPr>
+        <a:xfrm>
+          <a:off x="0" y="0"/>
+          <a:ext cx="0" cy="0"/>
+          <a:chOff x="0" y="0"/>
+          <a:chExt cx="0" cy="0"/>
+        </a:xfrm>
+      </p:grpSpPr>
+      <p:sp>
+        <p:nvSpPr>
+          <p:cNvPr id="72" name="Shape 72"/>
+          <p:cNvSpPr txBox="1">
+            <a:spLocks noGrp="1"/>
+          </p:cNvSpPr>
+          <p:nvPr>
+            <p:ph type="title"/>
+          </p:nvPr>
+        </p:nvSpPr>
+        <p:spPr>
+          <a:prstGeom prst="rect">
+            <a:avLst/>
+          </a:prstGeom>
+        </p:spPr>
+        <p:txBody>
+          <a:bodyPr lIns="91425" tIns="91425" rIns="91425" bIns="91425" anchor="t" anchorCtr="0">
+            <a:noAutofit/>
+          </a:bodyPr>
+          <a:lstStyle/>
+          <a:p>
+            <a:pPr lvl="0">
+              <a:spcBef>
+                <a:spcPts val="0"/>
+              </a:spcBef>
+              <a:buNone/>
+            </a:pPr>
+            <a:r>
+              <a:rPr lang="en" b="0" dirty="0" smtClean="0">
+                <a:latin typeface="Verdana"/>
+                <a:ea typeface="Verdana"/>
+                <a:cs typeface="Verdana"/>
+                <a:sym typeface="Verdana"/>
+              </a:rPr>
+              <a:t>Adding – with recurrence</a:t>
+            </a:r>
+            <a:endParaRPr lang="en" b="0" dirty="0">
+              <a:latin typeface="Verdana"/>
+              <a:ea typeface="Verdana"/>
+              <a:cs typeface="Verdana"/>
+              <a:sym typeface="Verdana"/>
+            </a:endParaRPr>
+          </a:p>
+        </p:txBody>
+      </p:sp>
+      <p:sp>
+        <p:nvSpPr>
+          <p:cNvPr id="73" name="Shape 73"/>
+          <p:cNvSpPr txBox="1">
+            <a:spLocks noGrp="1"/>
+          </p:cNvSpPr>
+          <p:nvPr>
+            <p:ph type="body" idx="1"/>
+          </p:nvPr>
+        </p:nvSpPr>
+        <p:spPr>
+          <a:prstGeom prst="rect">
+            <a:avLst/>
+          </a:prstGeom>
+        </p:spPr>
+        <p:txBody>
+          <a:bodyPr lIns="91425" tIns="91425" rIns="91425" bIns="91425" anchor="t" anchorCtr="0">
+            <a:noAutofit/>
+          </a:bodyPr>
+          <a:lstStyle/>
+          <a:p>
+            <a:pPr marL="457200" lvl="0" indent="-228600" rtl="0">
+              <a:spcBef>
+                <a:spcPts val="0"/>
+              </a:spcBef>
+            </a:pPr>
+            <a:r>
+              <a:rPr lang="en" dirty="0" smtClean="0">
+                <a:latin typeface="Verdana" panose="020B0604030504040204" pitchFamily="34" charset="0"/>
+                <a:ea typeface="Verdana" panose="020B0604030504040204" pitchFamily="34" charset="0"/>
+                <a:cs typeface="Verdana" panose="020B0604030504040204" pitchFamily="34" charset="0"/>
+              </a:rPr>
+              <a:t>E.g.</a:t>
+            </a:r>
+          </a:p>
+          <a:p>
+            <a:pPr marL="457200" lvl="0" indent="-228600" rtl="0">
+              <a:spcBef>
+                <a:spcPts val="0"/>
+              </a:spcBef>
+            </a:pPr>
+            <a:endParaRPr lang="en" dirty="0" smtClean="0">
+              <a:latin typeface="Verdana" panose="020B0604030504040204" pitchFamily="34" charset="0"/>
+              <a:ea typeface="Verdana" panose="020B0604030504040204" pitchFamily="34" charset="0"/>
+              <a:cs typeface="Verdana" panose="020B0604030504040204" pitchFamily="34" charset="0"/>
+            </a:endParaRPr>
+          </a:p>
+          <a:p>
+            <a:pPr marL="457200" lvl="0" indent="-228600"/>
+            <a:r>
+              <a:rPr lang="en-SG" dirty="0"/>
+              <a:t>“Do work Sunday 23:59 1w</a:t>
+            </a:r>
+            <a:r>
+              <a:rPr lang="en-SG" dirty="0" smtClean="0"/>
+              <a:t>”</a:t>
+            </a:r>
+          </a:p>
+          <a:p>
+            <a:pPr marL="457200" lvl="0" indent="-228600"/>
+            <a:endParaRPr lang="en-SG" dirty="0"/>
+          </a:p>
+          <a:p>
+            <a:pPr marL="457200" lvl="0" indent="-228600"/>
+            <a:r>
+              <a:rPr lang="en-SG" dirty="0" smtClean="0"/>
+              <a:t>y=year, m=month, w = week, d = day,</a:t>
+            </a:r>
+          </a:p>
+        </p:txBody>
+      </p:sp>
+    </p:spTree>
+    <p:extLst>
+      <p:ext uri="{BB962C8B-B14F-4D97-AF65-F5344CB8AC3E}">
+        <p14:creationId xmlns:p14="http://schemas.microsoft.com/office/powerpoint/2010/main" val="3856058173"/>
+      </p:ext>
+    </p:extLst>
+  </p:cSld>
+  <p:clrMapOvr>
+    <a:masterClrMapping/>
+  </p:clrMapOvr>
+  <mc:AlternateContent xmlns:mc="http://schemas.openxmlformats.org/markup-compatibility/2006" xmlns:p14="http://schemas.microsoft.com/office/powerpoint/2010/main">
+    <mc:Choice Requires="p14">
+      <p:transition spd="med" p14:dur="700">
+        <p:fade/>
+      </p:transition>
+    </mc:Choice>
+    <mc:Fallback xmlns="">
+      <p:transition spd="med">
+        <p:fade/>
+      </p:transition>
+    </mc:Fallback>
+  </mc:AlternateContent>
+  <p:timing>
+    <p:tnLst>
+      <p:par>
+        <p:cTn id="1" dur="indefinite" restart="never" nodeType="tmRoot"/>
+      </p:par>
+    </p:tnLst>
+  </p:timing>
+</p:sld>
+</file>
+
+<file path=ppt/slides/slide21.xml><?xml version="1.0" encoding="utf-8"?>
+<p:sld xmlns:a="http://schemas.openxmlformats.org/drawingml/2006/main" xmlns:r="http://schemas.openxmlformats.org/officeDocument/2006/relationships" xmlns:p="http://schemas.openxmlformats.org/presentationml/2006/main">
+  <p:cSld>
+    <p:spTree>
+      <p:nvGrpSpPr>
+        <p:cNvPr id="1" name="Shape 71"/>
+        <p:cNvGrpSpPr/>
+        <p:nvPr/>
+      </p:nvGrpSpPr>
+      <p:grpSpPr>
+        <a:xfrm>
+          <a:off x="0" y="0"/>
+          <a:ext cx="0" cy="0"/>
+          <a:chOff x="0" y="0"/>
+          <a:chExt cx="0" cy="0"/>
+        </a:xfrm>
+      </p:grpSpPr>
+      <p:sp>
+        <p:nvSpPr>
+          <p:cNvPr id="72" name="Shape 72"/>
+          <p:cNvSpPr txBox="1">
+            <a:spLocks noGrp="1"/>
+          </p:cNvSpPr>
+          <p:nvPr>
+            <p:ph type="title"/>
+          </p:nvPr>
+        </p:nvSpPr>
+        <p:spPr>
+          <a:prstGeom prst="rect">
+            <a:avLst/>
+          </a:prstGeom>
+        </p:spPr>
+        <p:txBody>
+          <a:bodyPr lIns="91425" tIns="91425" rIns="91425" bIns="91425" anchor="t" anchorCtr="0">
+            <a:noAutofit/>
+          </a:bodyPr>
+          <a:lstStyle/>
+          <a:p>
+            <a:pPr lvl="0">
+              <a:spcBef>
+                <a:spcPts val="0"/>
+              </a:spcBef>
+              <a:buNone/>
+            </a:pPr>
+            <a:r>
+              <a:rPr lang="en" b="0" dirty="0" smtClean="0">
+                <a:latin typeface="Verdana"/>
+                <a:ea typeface="Verdana"/>
+                <a:cs typeface="Verdana"/>
+                <a:sym typeface="Verdana"/>
+              </a:rPr>
+              <a:t>Editing</a:t>
+            </a:r>
+            <a:endParaRPr lang="en" b="0" dirty="0">
+              <a:latin typeface="Verdana"/>
+              <a:ea typeface="Verdana"/>
+              <a:cs typeface="Verdana"/>
+              <a:sym typeface="Verdana"/>
+            </a:endParaRPr>
+          </a:p>
+        </p:txBody>
+      </p:sp>
+      <p:sp>
+        <p:nvSpPr>
+          <p:cNvPr id="73" name="Shape 73"/>
+          <p:cNvSpPr txBox="1">
+            <a:spLocks noGrp="1"/>
+          </p:cNvSpPr>
+          <p:nvPr>
+            <p:ph type="body" idx="1"/>
+          </p:nvPr>
+        </p:nvSpPr>
+        <p:spPr>
+          <a:prstGeom prst="rect">
+            <a:avLst/>
+          </a:prstGeom>
+        </p:spPr>
+        <p:txBody>
+          <a:bodyPr lIns="91425" tIns="91425" rIns="91425" bIns="91425" anchor="t" anchorCtr="0">
+            <a:noAutofit/>
+          </a:bodyPr>
+          <a:lstStyle/>
+          <a:p>
+            <a:pPr marL="457200" lvl="0" indent="-228600" rtl="0">
+              <a:spcBef>
+                <a:spcPts val="0"/>
+              </a:spcBef>
+            </a:pPr>
+            <a:r>
+              <a:rPr lang="en" dirty="0" smtClean="0">
+                <a:latin typeface="Verdana" panose="020B0604030504040204" pitchFamily="34" charset="0"/>
+                <a:ea typeface="Verdana" panose="020B0604030504040204" pitchFamily="34" charset="0"/>
+                <a:cs typeface="Verdana" panose="020B0604030504040204" pitchFamily="34" charset="0"/>
+              </a:rPr>
+              <a:t>E.g.</a:t>
+            </a:r>
+          </a:p>
+          <a:p>
+            <a:pPr marL="457200" lvl="0" indent="-228600" rtl="0">
+              <a:spcBef>
+                <a:spcPts val="0"/>
+              </a:spcBef>
+            </a:pPr>
+            <a:endParaRPr lang="en" dirty="0" smtClean="0">
+              <a:latin typeface="Verdana" panose="020B0604030504040204" pitchFamily="34" charset="0"/>
+              <a:ea typeface="Verdana" panose="020B0604030504040204" pitchFamily="34" charset="0"/>
+              <a:cs typeface="Verdana" panose="020B0604030504040204" pitchFamily="34" charset="0"/>
+            </a:endParaRPr>
+          </a:p>
+          <a:p>
+            <a:pPr marL="457200" lvl="0" indent="-228600"/>
+            <a:r>
+              <a:rPr lang="en-SG" dirty="0"/>
+              <a:t>“Do work Sunday 23:59 1w</a:t>
+            </a:r>
+            <a:r>
+              <a:rPr lang="en-SG" dirty="0" smtClean="0"/>
+              <a:t>”</a:t>
+            </a:r>
+          </a:p>
+          <a:p>
+            <a:pPr marL="457200" lvl="0" indent="-228600"/>
+            <a:endParaRPr lang="en-SG" dirty="0"/>
+          </a:p>
+          <a:p>
+            <a:pPr marL="457200" lvl="0" indent="-228600"/>
+            <a:r>
+              <a:rPr lang="en-SG" dirty="0" smtClean="0"/>
+              <a:t>y=year, m=month, w = week, d = day,</a:t>
+            </a:r>
+          </a:p>
+        </p:txBody>
+      </p:sp>
+    </p:spTree>
+    <p:extLst>
+      <p:ext uri="{BB962C8B-B14F-4D97-AF65-F5344CB8AC3E}">
+        <p14:creationId xmlns:p14="http://schemas.microsoft.com/office/powerpoint/2010/main" val="1958440057"/>
+      </p:ext>
+    </p:extLst>
+  </p:cSld>
+  <p:clrMapOvr>
+    <a:masterClrMapping/>
+  </p:clrMapOvr>
+  <mc:AlternateContent xmlns:mc="http://schemas.openxmlformats.org/markup-compatibility/2006" xmlns:p14="http://schemas.microsoft.com/office/powerpoint/2010/main">
+    <mc:Choice Requires="p14">
+      <p:transition spd="med" p14:dur="700">
+        <p:fade/>
+      </p:transition>
+    </mc:Choice>
+    <mc:Fallback xmlns="">
+      <p:transition spd="med">
+        <p:fade/>
+      </p:transition>
+    </mc:Fallback>
+  </mc:AlternateContent>
+  <p:timing>
+    <p:tnLst>
+      <p:par>
+        <p:cTn id="1" dur="indefinite" restart="never" nodeType="tmRoot"/>
+      </p:par>
+    </p:tnLst>
+  </p:timing>
+</p:sld>
+</file>
+
+<file path=ppt/slides/slide22.xml><?xml version="1.0" encoding="utf-8"?>
+<p:sld xmlns:a="http://schemas.openxmlformats.org/drawingml/2006/main" xmlns:r="http://schemas.openxmlformats.org/officeDocument/2006/relationships" xmlns:p="http://schemas.openxmlformats.org/presentationml/2006/main">
+  <p:cSld>
+    <p:spTree>
+      <p:nvGrpSpPr>
+        <p:cNvPr id="1" name="Shape 71"/>
+        <p:cNvGrpSpPr/>
+        <p:nvPr/>
+      </p:nvGrpSpPr>
+      <p:grpSpPr>
+        <a:xfrm>
+          <a:off x="0" y="0"/>
+          <a:ext cx="0" cy="0"/>
+          <a:chOff x="0" y="0"/>
+          <a:chExt cx="0" cy="0"/>
+        </a:xfrm>
+      </p:grpSpPr>
+      <p:sp>
+        <p:nvSpPr>
+          <p:cNvPr id="72" name="Shape 72"/>
+          <p:cNvSpPr txBox="1">
+            <a:spLocks noGrp="1"/>
+          </p:cNvSpPr>
+          <p:nvPr>
+            <p:ph type="title"/>
+          </p:nvPr>
+        </p:nvSpPr>
+        <p:spPr>
+          <a:prstGeom prst="rect">
+            <a:avLst/>
+          </a:prstGeom>
+        </p:spPr>
+        <p:txBody>
+          <a:bodyPr lIns="91425" tIns="91425" rIns="91425" bIns="91425" anchor="t" anchorCtr="0">
+            <a:noAutofit/>
+          </a:bodyPr>
+          <a:lstStyle/>
+          <a:p>
+            <a:pPr lvl="0">
+              <a:spcBef>
+                <a:spcPts val="0"/>
+              </a:spcBef>
+              <a:buNone/>
+            </a:pPr>
+            <a:r>
               <a:rPr lang="en" b="0" dirty="0">
                 <a:latin typeface="Verdana"/>
                 <a:ea typeface="Verdana"/>
@@ -9952,7 +11865,7 @@
 </p:sld>
 </file>
 
-<file path=ppt/slides/slide18.xml><?xml version="1.0" encoding="utf-8"?>
+<file path=ppt/slides/slide23.xml><?xml version="1.0" encoding="utf-8"?>
 <p:sld xmlns:a="http://schemas.openxmlformats.org/drawingml/2006/main" xmlns:r="http://schemas.openxmlformats.org/officeDocument/2006/relationships" xmlns:p="http://schemas.openxmlformats.org/presentationml/2006/main">
   <p:cSld>
     <p:spTree>
@@ -10261,7 +12174,7 @@
 </p:sld>
 </file>
 
-<file path=ppt/slides/slide19.xml><?xml version="1.0" encoding="utf-8"?>
+<file path=ppt/slides/slide24.xml><?xml version="1.0" encoding="utf-8"?>
 <p:sld xmlns:a="http://schemas.openxmlformats.org/drawingml/2006/main" xmlns:r="http://schemas.openxmlformats.org/officeDocument/2006/relationships" xmlns:p="http://schemas.openxmlformats.org/presentationml/2006/main">
   <p:cSld>
     <p:spTree>
@@ -10290,7 +12203,7 @@
           <a:blip r:embed="rId2">
             <a:extLst>
               <a:ext uri="{BEBA8EAE-BF5A-486C-A8C5-ECC9F3942E4B}">
-                <a14:imgProps xmlns:a14="http://schemas.microsoft.com/office/drawing/2010/main" xmlns="">
+                <a14:imgProps xmlns:a14="http://schemas.microsoft.com/office/drawing/2010/main">
                   <a14:imgLayer r:embed="rId3">
                     <a14:imgEffect>
                       <a14:backgroundRemoval t="0" b="100000" l="0" r="100000">
@@ -10320,7 +12233,7 @@
                 </a14:imgProps>
               </a:ext>
               <a:ext uri="{28A0092B-C50C-407E-A947-70E740481C1C}">
-                <a14:useLocalDpi xmlns:a14="http://schemas.microsoft.com/office/drawing/2010/main" xmlns="" val="0"/>
+                <a14:useLocalDpi xmlns:a14="http://schemas.microsoft.com/office/drawing/2010/main" val="0"/>
               </a:ext>
             </a:extLst>
           </a:blip>
@@ -10340,7 +12253,7 @@
           <a:noFill/>
           <a:extLst>
             <a:ext uri="{909E8E84-426E-40DD-AFC4-6F175D3DCCD1}">
-              <a14:hiddenFill xmlns:a14="http://schemas.microsoft.com/office/drawing/2010/main" xmlns="">
+              <a14:hiddenFill xmlns:a14="http://schemas.microsoft.com/office/drawing/2010/main">
                 <a:solidFill>
                   <a:srgbClr val="FFFFFF"/>
                 </a:solidFill>
@@ -11470,7 +13383,7 @@
     </p:spTree>
     <p:extLst>
       <p:ext uri="{BB962C8B-B14F-4D97-AF65-F5344CB8AC3E}">
-        <p14:creationId xmlns:p14="http://schemas.microsoft.com/office/powerpoint/2010/main" xmlns="" val="2635564311"/>
+        <p14:creationId xmlns:p14="http://schemas.microsoft.com/office/powerpoint/2010/main" val="2635564311"/>
       </p:ext>
     </p:extLst>
   </p:cSld>
@@ -12180,110 +14093,7 @@
 </p:sld>
 </file>
 
-<file path=ppt/slides/slide2.xml><?xml version="1.0" encoding="utf-8"?>
-<p:sld xmlns:a="http://schemas.openxmlformats.org/drawingml/2006/main" xmlns:r="http://schemas.openxmlformats.org/officeDocument/2006/relationships" xmlns:p="http://schemas.openxmlformats.org/presentationml/2006/main">
-  <p:cSld>
-    <p:spTree>
-      <p:nvGrpSpPr>
-        <p:cNvPr id="1" name=""/>
-        <p:cNvGrpSpPr/>
-        <p:nvPr/>
-      </p:nvGrpSpPr>
-      <p:grpSpPr>
-        <a:xfrm>
-          <a:off x="0" y="0"/>
-          <a:ext cx="0" cy="0"/>
-          <a:chOff x="0" y="0"/>
-          <a:chExt cx="0" cy="0"/>
-        </a:xfrm>
-      </p:grpSpPr>
-      <p:sp>
-        <p:nvSpPr>
-          <p:cNvPr id="6" name="Rectangle 5"/>
-          <p:cNvSpPr/>
-          <p:nvPr/>
-        </p:nvSpPr>
-        <p:spPr>
-          <a:xfrm>
-            <a:off x="1043610" y="1491630"/>
-            <a:ext cx="6936133" cy="1938992"/>
-          </a:xfrm>
-          <a:prstGeom prst="rect">
-            <a:avLst/>
-          </a:prstGeom>
-          <a:noFill/>
-        </p:spPr>
-        <p:txBody>
-          <a:bodyPr wrap="square" lIns="68580" tIns="34290" rIns="68580" bIns="34290">
-            <a:spAutoFit/>
-          </a:bodyPr>
-          <a:lstStyle/>
-          <a:p>
-            <a:pPr algn="ctr"/>
-            <a:r>
-              <a:rPr lang="en-SG" sz="4050" dirty="0">
-                <a:ln w="0"/>
-                <a:gradFill>
-                  <a:gsLst>
-                    <a:gs pos="0">
-                      <a:schemeClr val="accent5">
-                        <a:lumMod val="50000"/>
-                      </a:schemeClr>
-                    </a:gs>
-                    <a:gs pos="50000">
-                      <a:schemeClr val="accent5"/>
-                    </a:gs>
-                    <a:gs pos="100000">
-                      <a:schemeClr val="accent5">
-                        <a:lumMod val="60000"/>
-                        <a:lumOff val="40000"/>
-                      </a:schemeClr>
-                    </a:gs>
-                  </a:gsLst>
-                  <a:lin ang="5400000"/>
-                </a:gradFill>
-                <a:latin typeface="Verdana" panose="020B0604030504040204" pitchFamily="34" charset="0"/>
-                <a:ea typeface="Verdana" panose="020B0604030504040204" pitchFamily="34" charset="0"/>
-                <a:cs typeface="Verdana" panose="020B0604030504040204" pitchFamily="34" charset="0"/>
-              </a:rPr>
-              <a:t>How many things can your mind hold in working memory?</a:t>
-            </a:r>
-          </a:p>
-        </p:txBody>
-      </p:sp>
-    </p:spTree>
-    <p:extLst>
-      <p:ext uri="{BB962C8B-B14F-4D97-AF65-F5344CB8AC3E}">
-        <p14:creationId xmlns:p14="http://schemas.microsoft.com/office/powerpoint/2010/main" xmlns="" val="1151886779"/>
-      </p:ext>
-    </p:extLst>
-  </p:cSld>
-  <p:clrMapOvr>
-    <a:masterClrMapping/>
-  </p:clrMapOvr>
-  <mc:AlternateContent xmlns:mc="http://schemas.openxmlformats.org/markup-compatibility/2006">
-    <mc:Choice xmlns:p14="http://schemas.microsoft.com/office/powerpoint/2010/main" xmlns="" Requires="p14">
-      <p:transition spd="med" p14:dur="700">
-        <p:fade/>
-      </p:transition>
-    </mc:Choice>
-    <mc:Fallback>
-      <p:transition spd="med">
-        <p:fade/>
-      </p:transition>
-    </mc:Fallback>
-  </mc:AlternateContent>
-  <p:timing>
-    <p:tnLst>
-      <p:par>
-        <p:cTn id="1" dur="indefinite" restart="never" nodeType="tmRoot"/>
-      </p:par>
-    </p:tnLst>
-  </p:timing>
-</p:sld>
-</file>
-
-<file path=ppt/slides/slide20.xml><?xml version="1.0" encoding="utf-8"?>
+<file path=ppt/slides/slide25.xml><?xml version="1.0" encoding="utf-8"?>
 <p:sld xmlns:a="http://schemas.openxmlformats.org/drawingml/2006/main" xmlns:r="http://schemas.openxmlformats.org/officeDocument/2006/relationships" xmlns:p="http://schemas.openxmlformats.org/presentationml/2006/main">
   <p:cSld>
     <p:spTree>
@@ -12491,7 +14301,7 @@
           <a:blip r:embed="rId5">
             <a:extLst>
               <a:ext uri="{28A0092B-C50C-407E-A947-70E740481C1C}">
-                <a14:useLocalDpi xmlns:a14="http://schemas.microsoft.com/office/drawing/2010/main" xmlns="" val="0"/>
+                <a14:useLocalDpi xmlns:a14="http://schemas.microsoft.com/office/drawing/2010/main" val="0"/>
               </a:ext>
             </a:extLst>
           </a:blip>
@@ -12509,7 +14319,7 @@
           <a:noFill/>
           <a:extLst>
             <a:ext uri="{909E8E84-426E-40DD-AFC4-6F175D3DCCD1}">
-              <a14:hiddenFill xmlns:a14="http://schemas.microsoft.com/office/drawing/2010/main" xmlns="">
+              <a14:hiddenFill xmlns:a14="http://schemas.microsoft.com/office/drawing/2010/main">
                 <a:solidFill>
                   <a:srgbClr val="FFFFFF"/>
                 </a:solidFill>
@@ -12789,7 +14599,7 @@
 </p:sld>
 </file>
 
-<file path=ppt/slides/slide21.xml><?xml version="1.0" encoding="utf-8"?>
+<file path=ppt/slides/slide26.xml><?xml version="1.0" encoding="utf-8"?>
 <p:sld xmlns:a="http://schemas.openxmlformats.org/drawingml/2006/main" xmlns:r="http://schemas.openxmlformats.org/officeDocument/2006/relationships" xmlns:p="http://schemas.openxmlformats.org/presentationml/2006/main">
   <p:cSld>
     <p:spTree>
@@ -13464,7 +15274,7 @@
 </p:sld>
 </file>
 
-<file path=ppt/slides/slide22.xml><?xml version="1.0" encoding="utf-8"?>
+<file path=ppt/slides/slide27.xml><?xml version="1.0" encoding="utf-8"?>
 <p:sld xmlns:a="http://schemas.openxmlformats.org/drawingml/2006/main" xmlns:r="http://schemas.openxmlformats.org/officeDocument/2006/relationships" xmlns:p="http://schemas.openxmlformats.org/presentationml/2006/main">
   <p:cSld>
     <p:spTree>
@@ -13661,7 +15471,7 @@
 </p:sld>
 </file>
 
-<file path=ppt/slides/slide23.xml><?xml version="1.0" encoding="utf-8"?>
+<file path=ppt/slides/slide28.xml><?xml version="1.0" encoding="utf-8"?>
 <p:sld xmlns:a="http://schemas.openxmlformats.org/drawingml/2006/main" xmlns:r="http://schemas.openxmlformats.org/officeDocument/2006/relationships" xmlns:p="http://schemas.openxmlformats.org/presentationml/2006/main">
   <p:cSld>
     <p:spTree>
@@ -13823,7 +15633,7 @@
           <a:blip r:embed="rId3">
             <a:extLst>
               <a:ext uri="{28A0092B-C50C-407E-A947-70E740481C1C}">
-                <a14:useLocalDpi xmlns:a14="http://schemas.microsoft.com/office/drawing/2010/main" xmlns="" val="0"/>
+                <a14:useLocalDpi xmlns:a14="http://schemas.microsoft.com/office/drawing/2010/main" val="0"/>
               </a:ext>
             </a:extLst>
           </a:blip>
@@ -13843,7 +15653,7 @@
           <a:noFill/>
           <a:extLst>
             <a:ext uri="{909E8E84-426E-40DD-AFC4-6F175D3DCCD1}">
-              <a14:hiddenFill xmlns:a14="http://schemas.microsoft.com/office/drawing/2010/main" xmlns="">
+              <a14:hiddenFill xmlns:a14="http://schemas.microsoft.com/office/drawing/2010/main">
                 <a:solidFill>
                   <a:srgbClr val="FFFFFF"/>
                 </a:solidFill>
@@ -13864,7 +15674,7 @@
           <a:blip r:embed="rId4">
             <a:extLst>
               <a:ext uri="{28A0092B-C50C-407E-A947-70E740481C1C}">
-                <a14:useLocalDpi xmlns:a14="http://schemas.microsoft.com/office/drawing/2010/main" xmlns="" val="0"/>
+                <a14:useLocalDpi xmlns:a14="http://schemas.microsoft.com/office/drawing/2010/main" val="0"/>
               </a:ext>
             </a:extLst>
           </a:blip>
@@ -13884,7 +15694,7 @@
           <a:noFill/>
           <a:extLst>
             <a:ext uri="{909E8E84-426E-40DD-AFC4-6F175D3DCCD1}">
-              <a14:hiddenFill xmlns:a14="http://schemas.microsoft.com/office/drawing/2010/main" xmlns="">
+              <a14:hiddenFill xmlns:a14="http://schemas.microsoft.com/office/drawing/2010/main">
                 <a:solidFill>
                   <a:srgbClr val="FFFFFF"/>
                 </a:solidFill>
@@ -13896,7 +15706,7 @@
     </p:spTree>
     <p:extLst>
       <p:ext uri="{BB962C8B-B14F-4D97-AF65-F5344CB8AC3E}">
-        <p14:creationId xmlns:p14="http://schemas.microsoft.com/office/powerpoint/2010/main" xmlns="" val="2608349919"/>
+        <p14:creationId xmlns:p14="http://schemas.microsoft.com/office/powerpoint/2010/main" val="2608349919"/>
       </p:ext>
     </p:extLst>
   </p:cSld>
@@ -14094,7 +15904,7 @@
 </p:sld>
 </file>
 
-<file path=ppt/slides/slide24.xml><?xml version="1.0" encoding="utf-8"?>
+<file path=ppt/slides/slide29.xml><?xml version="1.0" encoding="utf-8"?>
 <p:sld xmlns:a="http://schemas.openxmlformats.org/drawingml/2006/main" xmlns:r="http://schemas.openxmlformats.org/officeDocument/2006/relationships" xmlns:p="http://schemas.openxmlformats.org/presentationml/2006/main">
   <p:cSld>
     <p:spTree>
@@ -14273,20 +16083,20 @@
     </p:spTree>
     <p:extLst>
       <p:ext uri="{BB962C8B-B14F-4D97-AF65-F5344CB8AC3E}">
-        <p14:creationId xmlns:p14="http://schemas.microsoft.com/office/powerpoint/2010/main" xmlns="" val="2485261482"/>
+        <p14:creationId xmlns:p14="http://schemas.microsoft.com/office/powerpoint/2010/main" val="2485261482"/>
       </p:ext>
     </p:extLst>
   </p:cSld>
   <p:clrMapOvr>
     <a:masterClrMapping/>
   </p:clrMapOvr>
-  <mc:AlternateContent xmlns:mc="http://schemas.openxmlformats.org/markup-compatibility/2006">
-    <mc:Choice xmlns:p14="http://schemas.microsoft.com/office/powerpoint/2010/main" xmlns="" Requires="p14">
+  <mc:AlternateContent xmlns:mc="http://schemas.openxmlformats.org/markup-compatibility/2006" xmlns:p14="http://schemas.microsoft.com/office/powerpoint/2010/main">
+    <mc:Choice Requires="p14">
       <p:transition spd="med" p14:dur="700">
         <p:fade/>
       </p:transition>
     </mc:Choice>
-    <mc:Fallback>
+    <mc:Fallback xmlns="">
       <p:transition spd="med">
         <p:fade/>
       </p:transition>
@@ -14331,7 +16141,7 @@
           <a:blip r:embed="rId3">
             <a:extLst>
               <a:ext uri="{28A0092B-C50C-407E-A947-70E740481C1C}">
-                <a14:useLocalDpi xmlns:a14="http://schemas.microsoft.com/office/drawing/2010/main" xmlns="" val="0"/>
+                <a14:useLocalDpi xmlns:a14="http://schemas.microsoft.com/office/drawing/2010/main" val="0"/>
               </a:ext>
             </a:extLst>
           </a:blip>
@@ -14842,20 +16652,20 @@
     </p:spTree>
     <p:extLst>
       <p:ext uri="{BB962C8B-B14F-4D97-AF65-F5344CB8AC3E}">
-        <p14:creationId xmlns:p14="http://schemas.microsoft.com/office/powerpoint/2010/main" xmlns="" val="2397811176"/>
+        <p14:creationId xmlns:p14="http://schemas.microsoft.com/office/powerpoint/2010/main" val="2397811176"/>
       </p:ext>
     </p:extLst>
   </p:cSld>
   <p:clrMapOvr>
     <a:masterClrMapping/>
   </p:clrMapOvr>
-  <mc:AlternateContent xmlns:mc="http://schemas.openxmlformats.org/markup-compatibility/2006">
-    <mc:Choice xmlns:p14="http://schemas.microsoft.com/office/powerpoint/2010/main" xmlns="" Requires="p14">
+  <mc:AlternateContent xmlns:mc="http://schemas.openxmlformats.org/markup-compatibility/2006" xmlns:p14="http://schemas.microsoft.com/office/powerpoint/2010/main">
+    <mc:Choice Requires="p14">
       <p:transition spd="med" p14:dur="700">
         <p:fade/>
       </p:transition>
     </mc:Choice>
-    <mc:Fallback>
+    <mc:Fallback xmlns="">
       <p:transition spd="med">
         <p:fade/>
       </p:transition>
@@ -15571,7 +17381,7 @@
           <a:blip r:embed="rId2">
             <a:extLst>
               <a:ext uri="{28A0092B-C50C-407E-A947-70E740481C1C}">
-                <a14:useLocalDpi xmlns:a14="http://schemas.microsoft.com/office/drawing/2010/main" xmlns="" val="0"/>
+                <a14:useLocalDpi xmlns:a14="http://schemas.microsoft.com/office/drawing/2010/main" val="0"/>
               </a:ext>
             </a:extLst>
           </a:blip>
@@ -15592,20 +17402,20 @@
     </p:spTree>
     <p:extLst>
       <p:ext uri="{BB962C8B-B14F-4D97-AF65-F5344CB8AC3E}">
-        <p14:creationId xmlns:p14="http://schemas.microsoft.com/office/powerpoint/2010/main" xmlns="" val="2953115204"/>
+        <p14:creationId xmlns:p14="http://schemas.microsoft.com/office/powerpoint/2010/main" val="2953115204"/>
       </p:ext>
     </p:extLst>
   </p:cSld>
   <p:clrMapOvr>
     <a:masterClrMapping/>
   </p:clrMapOvr>
-  <mc:AlternateContent xmlns:mc="http://schemas.openxmlformats.org/markup-compatibility/2006">
-    <mc:Choice xmlns:p14="http://schemas.microsoft.com/office/powerpoint/2010/main" xmlns="" Requires="p14">
+  <mc:AlternateContent xmlns:mc="http://schemas.openxmlformats.org/markup-compatibility/2006" xmlns:p14="http://schemas.microsoft.com/office/powerpoint/2010/main">
+    <mc:Choice Requires="p14">
       <p:transition spd="med" p14:dur="700">
         <p:fade/>
       </p:transition>
     </mc:Choice>
-    <mc:Fallback>
+    <mc:Fallback xmlns="">
       <p:transition spd="med">
         <p:fade/>
       </p:transition>
@@ -15650,7 +17460,7 @@
           <a:blip r:embed="rId2">
             <a:extLst>
               <a:ext uri="{28A0092B-C50C-407E-A947-70E740481C1C}">
-                <a14:useLocalDpi xmlns:a14="http://schemas.microsoft.com/office/drawing/2010/main" xmlns="" val="0"/>
+                <a14:useLocalDpi xmlns:a14="http://schemas.microsoft.com/office/drawing/2010/main" val="0"/>
               </a:ext>
             </a:extLst>
           </a:blip>
@@ -15680,7 +17490,7 @@
           <a:blip r:embed="rId3">
             <a:extLst>
               <a:ext uri="{28A0092B-C50C-407E-A947-70E740481C1C}">
-                <a14:useLocalDpi xmlns:a14="http://schemas.microsoft.com/office/drawing/2010/main" xmlns="" val="0"/>
+                <a14:useLocalDpi xmlns:a14="http://schemas.microsoft.com/office/drawing/2010/main" val="0"/>
               </a:ext>
             </a:extLst>
           </a:blip>
@@ -15701,20 +17511,20 @@
     </p:spTree>
     <p:extLst>
       <p:ext uri="{BB962C8B-B14F-4D97-AF65-F5344CB8AC3E}">
-        <p14:creationId xmlns:p14="http://schemas.microsoft.com/office/powerpoint/2010/main" xmlns="" val="2409456868"/>
+        <p14:creationId xmlns:p14="http://schemas.microsoft.com/office/powerpoint/2010/main" val="2409456868"/>
       </p:ext>
     </p:extLst>
   </p:cSld>
   <p:clrMapOvr>
     <a:masterClrMapping/>
   </p:clrMapOvr>
-  <mc:AlternateContent xmlns:mc="http://schemas.openxmlformats.org/markup-compatibility/2006">
-    <mc:Choice xmlns:p14="http://schemas.microsoft.com/office/powerpoint/2010/main" xmlns="" Requires="p14">
+  <mc:AlternateContent xmlns:mc="http://schemas.openxmlformats.org/markup-compatibility/2006" xmlns:p14="http://schemas.microsoft.com/office/powerpoint/2010/main">
+    <mc:Choice Requires="p14">
       <p:transition spd="med" p14:dur="700">
         <p:fade/>
       </p:transition>
     </mc:Choice>
-    <mc:Fallback>
+    <mc:Fallback xmlns="">
       <p:transition spd="med">
         <p:fade/>
       </p:transition>
@@ -15759,7 +17569,7 @@
           <a:blip r:embed="rId3">
             <a:extLst>
               <a:ext uri="{28A0092B-C50C-407E-A947-70E740481C1C}">
-                <a14:useLocalDpi xmlns:a14="http://schemas.microsoft.com/office/drawing/2010/main" xmlns="" val="0"/>
+                <a14:useLocalDpi xmlns:a14="http://schemas.microsoft.com/office/drawing/2010/main" val="0"/>
               </a:ext>
             </a:extLst>
           </a:blip>
@@ -15777,7 +17587,7 @@
           <a:noFill/>
           <a:extLst>
             <a:ext uri="{909E8E84-426E-40DD-AFC4-6F175D3DCCD1}">
-              <a14:hiddenFill xmlns:a14="http://schemas.microsoft.com/office/drawing/2010/main" xmlns="">
+              <a14:hiddenFill xmlns:a14="http://schemas.microsoft.com/office/drawing/2010/main">
                 <a:solidFill>
                   <a:srgbClr val="FFFFFF"/>
                 </a:solidFill>
@@ -15798,7 +17608,7 @@
           <a:blip r:embed="rId4">
             <a:extLst>
               <a:ext uri="{28A0092B-C50C-407E-A947-70E740481C1C}">
-                <a14:useLocalDpi xmlns:a14="http://schemas.microsoft.com/office/drawing/2010/main" xmlns="" val="0"/>
+                <a14:useLocalDpi xmlns:a14="http://schemas.microsoft.com/office/drawing/2010/main" val="0"/>
               </a:ext>
             </a:extLst>
           </a:blip>
@@ -15816,7 +17626,7 @@
           <a:noFill/>
           <a:extLst>
             <a:ext uri="{909E8E84-426E-40DD-AFC4-6F175D3DCCD1}">
-              <a14:hiddenFill xmlns:a14="http://schemas.microsoft.com/office/drawing/2010/main" xmlns="">
+              <a14:hiddenFill xmlns:a14="http://schemas.microsoft.com/office/drawing/2010/main">
                 <a:solidFill>
                   <a:srgbClr val="FFFFFF"/>
                 </a:solidFill>
@@ -15839,7 +17649,7 @@
           <a:blip r:embed="rId5" cstate="print">
             <a:extLst>
               <a:ext uri="{28A0092B-C50C-407E-A947-70E740481C1C}">
-                <a14:useLocalDpi xmlns:a14="http://schemas.microsoft.com/office/drawing/2010/main" xmlns="" val="0"/>
+                <a14:useLocalDpi xmlns:a14="http://schemas.microsoft.com/office/drawing/2010/main" val="0"/>
               </a:ext>
             </a:extLst>
           </a:blip>
@@ -15858,7 +17668,7 @@
           <a:noFill/>
           <a:extLst>
             <a:ext uri="{909E8E84-426E-40DD-AFC4-6F175D3DCCD1}">
-              <a14:hiddenFill xmlns:a14="http://schemas.microsoft.com/office/drawing/2010/main" xmlns="">
+              <a14:hiddenFill xmlns:a14="http://schemas.microsoft.com/office/drawing/2010/main">
                 <a:solidFill>
                   <a:srgbClr val="FFFFFF"/>
                 </a:solidFill>
@@ -15898,7 +17708,7 @@
           <a:blip r:embed="rId6">
             <a:extLst>
               <a:ext uri="{28A0092B-C50C-407E-A947-70E740481C1C}">
-                <a14:useLocalDpi xmlns:a14="http://schemas.microsoft.com/office/drawing/2010/main" xmlns="" val="0"/>
+                <a14:useLocalDpi xmlns:a14="http://schemas.microsoft.com/office/drawing/2010/main" val="0"/>
               </a:ext>
             </a:extLst>
           </a:blip>
@@ -15919,20 +17729,20 @@
     </p:spTree>
     <p:extLst>
       <p:ext uri="{BB962C8B-B14F-4D97-AF65-F5344CB8AC3E}">
-        <p14:creationId xmlns:p14="http://schemas.microsoft.com/office/powerpoint/2010/main" xmlns="" val="2614510639"/>
+        <p14:creationId xmlns:p14="http://schemas.microsoft.com/office/powerpoint/2010/main" val="2614510639"/>
       </p:ext>
     </p:extLst>
   </p:cSld>
   <p:clrMapOvr>
     <a:masterClrMapping/>
   </p:clrMapOvr>
-  <mc:AlternateContent xmlns:mc="http://schemas.openxmlformats.org/markup-compatibility/2006">
-    <mc:Choice xmlns:p14="http://schemas.microsoft.com/office/powerpoint/2010/main" xmlns="" Requires="p14">
+  <mc:AlternateContent xmlns:mc="http://schemas.openxmlformats.org/markup-compatibility/2006" xmlns:p14="http://schemas.microsoft.com/office/powerpoint/2010/main">
+    <mc:Choice Requires="p14">
       <p:transition spd="med" p14:dur="700">
         <p:fade/>
       </p:transition>
     </mc:Choice>
-    <mc:Fallback>
+    <mc:Fallback xmlns="">
       <p:transition spd="med">
         <p:fade/>
       </p:transition>
@@ -16163,20 +17973,20 @@
     </p:spTree>
     <p:extLst>
       <p:ext uri="{BB962C8B-B14F-4D97-AF65-F5344CB8AC3E}">
-        <p14:creationId xmlns:p14="http://schemas.microsoft.com/office/powerpoint/2010/main" xmlns="" val="4285225190"/>
+        <p14:creationId xmlns:p14="http://schemas.microsoft.com/office/powerpoint/2010/main" val="4285225190"/>
       </p:ext>
     </p:extLst>
   </p:cSld>
   <p:clrMapOvr>
     <a:masterClrMapping/>
   </p:clrMapOvr>
-  <mc:AlternateContent xmlns:mc="http://schemas.openxmlformats.org/markup-compatibility/2006">
-    <mc:Choice xmlns:p14="http://schemas.microsoft.com/office/powerpoint/2010/main" xmlns="" Requires="p14">
+  <mc:AlternateContent xmlns:mc="http://schemas.openxmlformats.org/markup-compatibility/2006" xmlns:p14="http://schemas.microsoft.com/office/powerpoint/2010/main">
+    <mc:Choice Requires="p14">
       <p:transition spd="med" p14:dur="700">
         <p:fade/>
       </p:transition>
     </mc:Choice>
-    <mc:Fallback>
+    <mc:Fallback xmlns="">
       <p:transition spd="med">
         <p:fade/>
       </p:transition>
@@ -16236,20 +18046,20 @@
     </p:spTree>
     <p:extLst>
       <p:ext uri="{BB962C8B-B14F-4D97-AF65-F5344CB8AC3E}">
-        <p14:creationId xmlns:p14="http://schemas.microsoft.com/office/powerpoint/2010/main" xmlns="" val="462715694"/>
+        <p14:creationId xmlns:p14="http://schemas.microsoft.com/office/powerpoint/2010/main" val="462715694"/>
       </p:ext>
     </p:extLst>
   </p:cSld>
   <p:clrMapOvr>
     <a:masterClrMapping/>
   </p:clrMapOvr>
-  <mc:AlternateContent xmlns:mc="http://schemas.openxmlformats.org/markup-compatibility/2006">
-    <mc:Choice xmlns:p14="http://schemas.microsoft.com/office/powerpoint/2010/main" xmlns="" Requires="p14">
+  <mc:AlternateContent xmlns:mc="http://schemas.openxmlformats.org/markup-compatibility/2006" xmlns:p14="http://schemas.microsoft.com/office/powerpoint/2010/main">
+    <mc:Choice Requires="p14">
       <p:transition spd="med" p14:dur="700">
         <p:fade/>
       </p:transition>
     </mc:Choice>
-    <mc:Fallback>
+    <mc:Fallback xmlns="">
       <p:transition spd="med">
         <p:fade/>
       </p:transition>

--- a/WURI OP2.pptx
+++ b/WURI OP2.pptx
@@ -5,65 +5,64 @@
     <p:sldMasterId id="2147484275" r:id="rId1"/>
   </p:sldMasterIdLst>
   <p:notesMasterIdLst>
-    <p:notesMasterId r:id="rId31"/>
+    <p:notesMasterId r:id="rId30"/>
   </p:notesMasterIdLst>
   <p:sldIdLst>
-    <p:sldId id="268" r:id="rId2"/>
-    <p:sldId id="269" r:id="rId3"/>
-    <p:sldId id="270" r:id="rId4"/>
-    <p:sldId id="271" r:id="rId5"/>
-    <p:sldId id="281" r:id="rId6"/>
-    <p:sldId id="282" r:id="rId7"/>
-    <p:sldId id="272" r:id="rId8"/>
-    <p:sldId id="273" r:id="rId9"/>
-    <p:sldId id="274" r:id="rId10"/>
-    <p:sldId id="275" r:id="rId11"/>
-    <p:sldId id="276" r:id="rId12"/>
-    <p:sldId id="277" r:id="rId13"/>
-    <p:sldId id="278" r:id="rId14"/>
-    <p:sldId id="279" r:id="rId15"/>
-    <p:sldId id="280" r:id="rId16"/>
-    <p:sldId id="267" r:id="rId17"/>
-    <p:sldId id="283" r:id="rId18"/>
-    <p:sldId id="284" r:id="rId19"/>
-    <p:sldId id="286" r:id="rId20"/>
-    <p:sldId id="285" r:id="rId21"/>
-    <p:sldId id="287" r:id="rId22"/>
-    <p:sldId id="259" r:id="rId23"/>
-    <p:sldId id="260" r:id="rId24"/>
-    <p:sldId id="265" r:id="rId25"/>
-    <p:sldId id="261" r:id="rId26"/>
-    <p:sldId id="262" r:id="rId27"/>
-    <p:sldId id="263" r:id="rId28"/>
-    <p:sldId id="266" r:id="rId29"/>
-    <p:sldId id="264" r:id="rId30"/>
+    <p:sldId id="288" r:id="rId2"/>
+    <p:sldId id="289" r:id="rId3"/>
+    <p:sldId id="290" r:id="rId4"/>
+    <p:sldId id="291" r:id="rId5"/>
+    <p:sldId id="292" r:id="rId6"/>
+    <p:sldId id="293" r:id="rId7"/>
+    <p:sldId id="294" r:id="rId8"/>
+    <p:sldId id="295" r:id="rId9"/>
+    <p:sldId id="296" r:id="rId10"/>
+    <p:sldId id="297" r:id="rId11"/>
+    <p:sldId id="298" r:id="rId12"/>
+    <p:sldId id="299" r:id="rId13"/>
+    <p:sldId id="300" r:id="rId14"/>
+    <p:sldId id="301" r:id="rId15"/>
+    <p:sldId id="267" r:id="rId16"/>
+    <p:sldId id="283" r:id="rId17"/>
+    <p:sldId id="284" r:id="rId18"/>
+    <p:sldId id="286" r:id="rId19"/>
+    <p:sldId id="285" r:id="rId20"/>
+    <p:sldId id="287" r:id="rId21"/>
+    <p:sldId id="259" r:id="rId22"/>
+    <p:sldId id="260" r:id="rId23"/>
+    <p:sldId id="265" r:id="rId24"/>
+    <p:sldId id="261" r:id="rId25"/>
+    <p:sldId id="262" r:id="rId26"/>
+    <p:sldId id="263" r:id="rId27"/>
+    <p:sldId id="266" r:id="rId28"/>
+    <p:sldId id="264" r:id="rId29"/>
   </p:sldIdLst>
   <p:sldSz cx="9144000" cy="5143500" type="screen16x9"/>
   <p:notesSz cx="6858000" cy="9144000"/>
   <p:embeddedFontLst>
     <p:embeddedFont>
       <p:font typeface="Wingdings 3" panose="05040102010807070707" pitchFamily="18" charset="2"/>
-      <p:regular r:id="rId32"/>
+      <p:regular r:id="rId31"/>
     </p:embeddedFont>
     <p:embeddedFont>
       <p:font typeface="Verdana" panose="020B0604030504040204" pitchFamily="34" charset="0"/>
-      <p:regular r:id="rId33"/>
-      <p:bold r:id="rId34"/>
-      <p:italic r:id="rId35"/>
-      <p:boldItalic r:id="rId36"/>
+      <p:regular r:id="rId32"/>
+      <p:bold r:id="rId33"/>
+      <p:italic r:id="rId34"/>
+      <p:boldItalic r:id="rId35"/>
+    </p:embeddedFont>
+    <p:embeddedFont>
+      <p:font typeface="Source Code Pro" panose="020B0604020202020204" charset="0"/>
+      <p:regular r:id="rId36"/>
+      <p:bold r:id="rId37"/>
     </p:embeddedFont>
     <p:embeddedFont>
       <p:font typeface="Lucida Sans Unicode" panose="020B0602030504020204" pitchFamily="34" charset="0"/>
-      <p:regular r:id="rId37"/>
+      <p:regular r:id="rId38"/>
     </p:embeddedFont>
     <p:embeddedFont>
       <p:font typeface="Wingdings 2" panose="05020102010507070707" pitchFamily="18" charset="2"/>
-      <p:regular r:id="rId38"/>
-    </p:embeddedFont>
-    <p:embeddedFont>
-      <p:font typeface="Source Code Pro" panose="020B0604020202020204" charset="0"/>
       <p:regular r:id="rId39"/>
-      <p:bold r:id="rId40"/>
     </p:embeddedFont>
   </p:embeddedFontLst>
   <p:defaultTextStyle>
@@ -605,7 +604,7 @@
     </p:spTree>
     <p:extLst>
       <p:ext uri="{BB962C8B-B14F-4D97-AF65-F5344CB8AC3E}">
-        <p14:creationId xmlns:p14="http://schemas.microsoft.com/office/powerpoint/2010/main" val="3044555344"/>
+        <p14:creationId xmlns:p14="http://schemas.microsoft.com/office/powerpoint/2010/main" val="2238148795"/>
       </p:ext>
     </p:extLst>
   </p:cSld>
@@ -706,7 +705,7 @@
             </a:pPr>
             <a:r>
               <a:rPr lang="en-SG" baseline="0" dirty="0" smtClean="0"/>
-              <a:t>Now, lets say that you want to record a specific time for a meeting that is going to be held today.</a:t>
+              <a:t>Moving on, how many of us here have work due by the end of almost every week?</a:t>
             </a:r>
           </a:p>
           <a:p>
@@ -718,7 +717,59 @@
             </a:pPr>
             <a:r>
               <a:rPr lang="en-SG" baseline="0" dirty="0" smtClean="0"/>
-              <a:t>Simply type “Meeting 3pm” for it to be recorded into WURI, and it will be recorded right away for you.</a:t>
+              <a:t>For me I often have work due by the midnight of Sunday. </a:t>
+            </a:r>
+          </a:p>
+          <a:p>
+            <a:pPr marL="0" marR="0" lvl="0" indent="0" algn="l" defTabSz="914400" rtl="0" eaLnBrk="1" fontAlgn="auto" latinLnBrk="0" hangingPunct="1">
+              <a:lnSpc>
+                <a:spcPct val="100000"/>
+              </a:lnSpc>
+              <a:spcBef>
+                <a:spcPts val="0"/>
+              </a:spcBef>
+              <a:spcAft>
+                <a:spcPts val="0"/>
+              </a:spcAft>
+              <a:buClrTx/>
+              <a:buSzTx/>
+              <a:buFontTx/>
+              <a:buNone/>
+              <a:tabLst/>
+              <a:defRPr/>
+            </a:pPr>
+            <a:r>
+              <a:rPr lang="en-SG" baseline="0" dirty="0" smtClean="0"/>
+              <a:t>If you face a similar situation, no problem! </a:t>
+            </a:r>
+            <a:br>
+              <a:rPr lang="en-SG" baseline="0" dirty="0" smtClean="0"/>
+            </a:br>
+            <a:r>
+              <a:rPr lang="en-SG" baseline="0" dirty="0" smtClean="0"/>
+              <a:t>Just type following this format, and WURI will now record this task every week on Sunday.</a:t>
+            </a:r>
+            <a:br>
+              <a:rPr lang="en-SG" baseline="0" dirty="0" smtClean="0"/>
+            </a:br>
+            <a:r>
+              <a:rPr lang="en-SG" baseline="0" dirty="0" smtClean="0"/>
+              <a:t>Note that in this case 1w here stands for 1 week. Similarly, 2d stands for 2 days.</a:t>
+            </a:r>
+            <a:br>
+              <a:rPr lang="en-SG" baseline="0" dirty="0" smtClean="0"/>
+            </a:br>
+            <a:r>
+              <a:rPr lang="en-SG" baseline="0" dirty="0" smtClean="0"/>
+              <a:t>If Sunday has passed and you want to move the deadline to the next weekend, simply type “d 1” to delete last Sunday’s task, bringing forth to the next week. I will leave </a:t>
+            </a:r>
+            <a:r>
+              <a:rPr lang="en-SG" baseline="0" dirty="0" err="1" smtClean="0"/>
+              <a:t>Ruomu</a:t>
+            </a:r>
+            <a:r>
+              <a:rPr lang="en-SG" baseline="0" dirty="0" smtClean="0"/>
+              <a:t> to discuss the rest of deletion later.</a:t>
             </a:r>
           </a:p>
           <a:p>
@@ -730,7 +781,14 @@
             </a:pPr>
             <a:r>
               <a:rPr lang="en-SG" baseline="0" dirty="0" smtClean="0"/>
-              <a:t>Notice that time can also be entered together with a date,</a:t>
+              <a:t/>
+            </a:r>
+            <a:br>
+              <a:rPr lang="en-SG" baseline="0" dirty="0" smtClean="0"/>
+            </a:br>
+            <a:r>
+              <a:rPr lang="en-SG" baseline="0" dirty="0" smtClean="0"/>
+              <a:t>Additionally, you can also state an end date for a recurrence. </a:t>
             </a:r>
           </a:p>
           <a:p>
@@ -742,14 +800,14 @@
             </a:pPr>
             <a:r>
               <a:rPr lang="en-SG" baseline="0" dirty="0" smtClean="0"/>
-              <a:t>For example, if you wish to block out 2 hours on Sunday morning to run errands, you can simply type</a:t>
+              <a:t>For example, imagine that you have signed up for weekly 10am Saturday yoga lessons until the end of May.</a:t>
             </a:r>
             <a:br>
               <a:rPr lang="en-SG" baseline="0" dirty="0" smtClean="0"/>
             </a:br>
             <a:r>
               <a:rPr lang="en-SG" baseline="0" dirty="0" smtClean="0"/>
-              <a:t>“Run errands Sunday 1000-1200” and WURI will do the rest for you.</a:t>
+              <a:t>You could simply type “Go for yoga lessons Sat 10am 1w 31/5” and WURI will record it down for you.</a:t>
             </a:r>
           </a:p>
         </p:txBody>
@@ -757,7 +815,7 @@
     </p:spTree>
     <p:extLst>
       <p:ext uri="{BB962C8B-B14F-4D97-AF65-F5344CB8AC3E}">
-        <p14:creationId xmlns:p14="http://schemas.microsoft.com/office/powerpoint/2010/main" val="3154843208"/>
+        <p14:creationId xmlns:p14="http://schemas.microsoft.com/office/powerpoint/2010/main" val="2440931743"/>
       </p:ext>
     </p:extLst>
   </p:cSld>
@@ -858,7 +916,22 @@
             </a:pPr>
             <a:r>
               <a:rPr lang="en-SG" baseline="0" dirty="0" smtClean="0"/>
-              <a:t>Moving on, how many of us here have work due by the end of almost every week?</a:t>
+              <a:t>Moving on to editing, imagine if your meeting with your friend got rescheduled to Thursday instead. Simply type “e 1 </a:t>
+            </a:r>
+            <a:r>
+              <a:rPr lang="en-SG" baseline="0" dirty="0" err="1" smtClean="0"/>
+              <a:t>thurs</a:t>
+            </a:r>
+            <a:r>
+              <a:rPr lang="en-SG" baseline="0" dirty="0" smtClean="0"/>
+              <a:t>” and the date will be edited accordingly.</a:t>
+            </a:r>
+            <a:br>
+              <a:rPr lang="en-SG" baseline="0" dirty="0" smtClean="0"/>
+            </a:br>
+            <a:r>
+              <a:rPr lang="en-SG" baseline="0" dirty="0" smtClean="0"/>
+              <a:t>Now what if your friend suddenly says that he can only make it for dinner as it is a weekday? Fret not! Type “e 1 7pm” and the new time will be reflected in WURI.</a:t>
             </a:r>
           </a:p>
           <a:p>
@@ -870,70 +943,27 @@
             </a:pPr>
             <a:r>
               <a:rPr lang="en-SG" baseline="0" dirty="0" smtClean="0"/>
-              <a:t>For me I often have work due by the midnight of Sunday. </a:t>
-            </a:r>
-          </a:p>
-          <a:p>
-            <a:pPr marL="0" marR="0" lvl="0" indent="0" algn="l" defTabSz="914400" rtl="0" eaLnBrk="1" fontAlgn="auto" latinLnBrk="0" hangingPunct="1">
-              <a:lnSpc>
-                <a:spcPct val="100000"/>
-              </a:lnSpc>
-              <a:spcBef>
-                <a:spcPts val="0"/>
-              </a:spcBef>
-              <a:spcAft>
-                <a:spcPts val="0"/>
-              </a:spcAft>
-              <a:buClrTx/>
-              <a:buSzTx/>
-              <a:buFontTx/>
-              <a:buNone/>
-              <a:tabLst/>
-              <a:defRPr/>
-            </a:pPr>
-            <a:r>
-              <a:rPr lang="en-SG" baseline="0" dirty="0" smtClean="0"/>
-              <a:t>If you face a similar situation, no problem! </a:t>
+              <a:t>Lastly, imagine that your workload has increased and that you now have work due every 3 days! We totally understand that at this point, you do not have the time to fiddle around with fanciful commands, so we’ve kept it short and sweet. Simply type “e 2 3d” for your deadlines to now be set every 3 days!</a:t>
             </a:r>
             <a:br>
               <a:rPr lang="en-SG" baseline="0" dirty="0" smtClean="0"/>
             </a:br>
             <a:r>
               <a:rPr lang="en-SG" baseline="0" dirty="0" smtClean="0"/>
-              <a:t>Just type following this format, and WURI will now record this task every week on Sunday.</a:t>
+              <a:t/>
             </a:r>
             <a:br>
               <a:rPr lang="en-SG" baseline="0" dirty="0" smtClean="0"/>
             </a:br>
             <a:r>
               <a:rPr lang="en-SG" baseline="0" dirty="0" smtClean="0"/>
-              <a:t>Note that in this case 1w here stands for 1 week. Similarly, 2d stands for 2 days.</a:t>
+              <a:t>The commands used in editing are very similar to the commands for adding, in order to lessen the time you have to take to learn our intuitive commands.</a:t>
             </a:r>
             <a:br>
               <a:rPr lang="en-SG" baseline="0" dirty="0" smtClean="0"/>
             </a:br>
             <a:r>
               <a:rPr lang="en-SG" baseline="0" dirty="0" smtClean="0"/>
-              <a:t>If Sunday has passed and you want to move the deadline to the next weekend, simply type “d 1” to delete last Sunday’s task, bringing forth to the next week. I will leave </a:t>
-            </a:r>
-            <a:r>
-              <a:rPr lang="en-SG" baseline="0" dirty="0" err="1" smtClean="0"/>
-              <a:t>Ruomu</a:t>
-            </a:r>
-            <a:r>
-              <a:rPr lang="en-SG" baseline="0" dirty="0" smtClean="0"/>
-              <a:t> to discuss the rest of deletion later.</a:t>
-            </a:r>
-          </a:p>
-          <a:p>
-            <a:pPr lvl="0">
-              <a:spcBef>
-                <a:spcPts val="0"/>
-              </a:spcBef>
-              <a:buNone/>
-            </a:pPr>
-            <a:r>
-              <a:rPr lang="en-SG" baseline="0" dirty="0" smtClean="0"/>
               <a:t/>
             </a:r>
             <a:br>
@@ -941,35 +971,23 @@
             </a:br>
             <a:r>
               <a:rPr lang="en-SG" baseline="0" dirty="0" smtClean="0"/>
-              <a:t>Additionally, you can also state an end date for a recurrence. </a:t>
-            </a:r>
-          </a:p>
-          <a:p>
-            <a:pPr lvl="0">
-              <a:spcBef>
-                <a:spcPts val="0"/>
-              </a:spcBef>
-              <a:buNone/>
-            </a:pPr>
+              <a:t>I will now be passing the time over to </a:t>
+            </a:r>
+            <a:r>
+              <a:rPr lang="en-SG" baseline="0" dirty="0" err="1" smtClean="0"/>
+              <a:t>Ruomu</a:t>
+            </a:r>
             <a:r>
               <a:rPr lang="en-SG" baseline="0" dirty="0" smtClean="0"/>
-              <a:t>For example, imagine that you have signed up for weekly 10am Saturday yoga lessons until the end of May.</a:t>
-            </a:r>
-            <a:br>
-              <a:rPr lang="en-SG" baseline="0" dirty="0" smtClean="0"/>
-            </a:br>
-            <a:r>
-              <a:rPr lang="en-SG" baseline="0" dirty="0" smtClean="0"/>
-              <a:t>You could simply type “Go for yoga lessons Sat 10am 1w 31/5” and WURI will record it down for you.</a:t>
-            </a:r>
-            <a:endParaRPr lang="en-SG" baseline="0" dirty="0" smtClean="0"/>
+              <a:t> to talk about the rest of WURI’s capabilities.</a:t>
+            </a:r>
           </a:p>
         </p:txBody>
       </p:sp>
     </p:spTree>
     <p:extLst>
       <p:ext uri="{BB962C8B-B14F-4D97-AF65-F5344CB8AC3E}">
-        <p14:creationId xmlns:p14="http://schemas.microsoft.com/office/powerpoint/2010/main" val="2440931743"/>
+        <p14:creationId xmlns:p14="http://schemas.microsoft.com/office/powerpoint/2010/main" val="2352098231"/>
       </p:ext>
     </p:extLst>
   </p:cSld>
@@ -1068,179 +1086,6 @@
               </a:spcBef>
               <a:buNone/>
             </a:pPr>
-            <a:r>
-              <a:rPr lang="en-SG" baseline="0" dirty="0" smtClean="0"/>
-              <a:t>Moving on to editing, imagine if your meeting with your friend got rescheduled to Thursday instead. Simply type “e 1 </a:t>
-            </a:r>
-            <a:r>
-              <a:rPr lang="en-SG" baseline="0" dirty="0" err="1" smtClean="0"/>
-              <a:t>thurs</a:t>
-            </a:r>
-            <a:r>
-              <a:rPr lang="en-SG" baseline="0" dirty="0" smtClean="0"/>
-              <a:t>” and the date will be edited accordingly.</a:t>
-            </a:r>
-            <a:br>
-              <a:rPr lang="en-SG" baseline="0" dirty="0" smtClean="0"/>
-            </a:br>
-            <a:r>
-              <a:rPr lang="en-SG" baseline="0" dirty="0" smtClean="0"/>
-              <a:t>Now what if your friend suddenly says that he can only make it for dinner as it is a weekday? Fret not! Type “e 1 7pm” and the new time will be reflected in WURI.</a:t>
-            </a:r>
-          </a:p>
-          <a:p>
-            <a:pPr lvl="0">
-              <a:spcBef>
-                <a:spcPts val="0"/>
-              </a:spcBef>
-              <a:buNone/>
-            </a:pPr>
-            <a:r>
-              <a:rPr lang="en-SG" baseline="0" dirty="0" smtClean="0"/>
-              <a:t>Lastly, imagine that your workload has increased and that you now have work due every 3 days! We totally understand that at this point, you do not have the time to fiddle around with fanciful commands, so we’ve kept it short and sweet. Simply type “e 2 3d” for your deadlines to now be set every 3 days!</a:t>
-            </a:r>
-            <a:br>
-              <a:rPr lang="en-SG" baseline="0" dirty="0" smtClean="0"/>
-            </a:br>
-            <a:r>
-              <a:rPr lang="en-SG" baseline="0" dirty="0" smtClean="0"/>
-              <a:t/>
-            </a:r>
-            <a:br>
-              <a:rPr lang="en-SG" baseline="0" dirty="0" smtClean="0"/>
-            </a:br>
-            <a:r>
-              <a:rPr lang="en-SG" baseline="0" dirty="0" smtClean="0"/>
-              <a:t>The commands used in editing are very similar to the commands for adding, in order to lessen the time you have to take to learn our intuitive commands.</a:t>
-            </a:r>
-            <a:br>
-              <a:rPr lang="en-SG" baseline="0" dirty="0" smtClean="0"/>
-            </a:br>
-            <a:r>
-              <a:rPr lang="en-SG" baseline="0" dirty="0" smtClean="0"/>
-              <a:t/>
-            </a:r>
-            <a:br>
-              <a:rPr lang="en-SG" baseline="0" dirty="0" smtClean="0"/>
-            </a:br>
-            <a:r>
-              <a:rPr lang="en-SG" baseline="0" dirty="0" smtClean="0"/>
-              <a:t>I will now be passing the time over to </a:t>
-            </a:r>
-            <a:r>
-              <a:rPr lang="en-SG" baseline="0" dirty="0" err="1" smtClean="0"/>
-              <a:t>Ruomu</a:t>
-            </a:r>
-            <a:r>
-              <a:rPr lang="en-SG" baseline="0" dirty="0" smtClean="0"/>
-              <a:t> to talk about the rest of WURI’s capabilities.</a:t>
-            </a:r>
-            <a:endParaRPr lang="en-SG" baseline="0" dirty="0" smtClean="0"/>
-          </a:p>
-        </p:txBody>
-      </p:sp>
-    </p:spTree>
-    <p:extLst>
-      <p:ext uri="{BB962C8B-B14F-4D97-AF65-F5344CB8AC3E}">
-        <p14:creationId xmlns:p14="http://schemas.microsoft.com/office/powerpoint/2010/main" val="2352098231"/>
-      </p:ext>
-    </p:extLst>
-  </p:cSld>
-  <p:clrMapOvr>
-    <a:masterClrMapping/>
-  </p:clrMapOvr>
-</p:notes>
-</file>
-
-<file path=ppt/notesSlides/notesSlide13.xml><?xml version="1.0" encoding="utf-8"?>
-<p:notes xmlns:a="http://schemas.openxmlformats.org/drawingml/2006/main" xmlns:r="http://schemas.openxmlformats.org/officeDocument/2006/relationships" xmlns:p="http://schemas.openxmlformats.org/presentationml/2006/main" showMasterSp="0" showMasterPhAnim="0">
-  <p:cSld>
-    <p:spTree>
-      <p:nvGrpSpPr>
-        <p:cNvPr id="1" name="Shape 68"/>
-        <p:cNvGrpSpPr/>
-        <p:nvPr/>
-      </p:nvGrpSpPr>
-      <p:grpSpPr>
-        <a:xfrm>
-          <a:off x="0" y="0"/>
-          <a:ext cx="0" cy="0"/>
-          <a:chOff x="0" y="0"/>
-          <a:chExt cx="0" cy="0"/>
-        </a:xfrm>
-      </p:grpSpPr>
-      <p:sp>
-        <p:nvSpPr>
-          <p:cNvPr id="69" name="Shape 69"/>
-          <p:cNvSpPr>
-            <a:spLocks noGrp="1" noRot="1" noChangeAspect="1"/>
-          </p:cNvSpPr>
-          <p:nvPr>
-            <p:ph type="sldImg" idx="2"/>
-          </p:nvPr>
-        </p:nvSpPr>
-        <p:spPr>
-          <a:xfrm>
-            <a:off x="381000" y="685800"/>
-            <a:ext cx="6096000" cy="3429000"/>
-          </a:xfrm>
-          <a:custGeom>
-            <a:avLst/>
-            <a:gdLst/>
-            <a:ahLst/>
-            <a:cxnLst/>
-            <a:rect l="0" t="0" r="0" b="0"/>
-            <a:pathLst>
-              <a:path w="120000" h="120000" extrusionOk="0">
-                <a:moveTo>
-                  <a:pt x="0" y="0"/>
-                </a:moveTo>
-                <a:lnTo>
-                  <a:pt x="120000" y="0"/>
-                </a:lnTo>
-                <a:lnTo>
-                  <a:pt x="120000" y="120000"/>
-                </a:lnTo>
-                <a:lnTo>
-                  <a:pt x="0" y="120000"/>
-                </a:lnTo>
-                <a:close/>
-              </a:path>
-            </a:pathLst>
-          </a:custGeom>
-        </p:spPr>
-      </p:sp>
-      <p:sp>
-        <p:nvSpPr>
-          <p:cNvPr id="70" name="Shape 70"/>
-          <p:cNvSpPr txBox="1">
-            <a:spLocks noGrp="1"/>
-          </p:cNvSpPr>
-          <p:nvPr>
-            <p:ph type="body" idx="1"/>
-          </p:nvPr>
-        </p:nvSpPr>
-        <p:spPr>
-          <a:xfrm>
-            <a:off x="685800" y="4343400"/>
-            <a:ext cx="5486400" cy="4114800"/>
-          </a:xfrm>
-          <a:prstGeom prst="rect">
-            <a:avLst/>
-          </a:prstGeom>
-        </p:spPr>
-        <p:txBody>
-          <a:bodyPr lIns="91425" tIns="91425" rIns="91425" bIns="91425" anchor="t" anchorCtr="0">
-            <a:noAutofit/>
-          </a:bodyPr>
-          <a:lstStyle/>
-          <a:p>
-            <a:pPr lvl="0">
-              <a:spcBef>
-                <a:spcPts val="0"/>
-              </a:spcBef>
-              <a:buNone/>
-            </a:pPr>
             <a:endParaRPr dirty="0"/>
           </a:p>
         </p:txBody>
@@ -1258,7 +1103,7 @@
 </p:notes>
 </file>
 
-<file path=ppt/notesSlides/notesSlide14.xml><?xml version="1.0" encoding="utf-8"?>
+<file path=ppt/notesSlides/notesSlide13.xml><?xml version="1.0" encoding="utf-8"?>
 <p:notes xmlns:a="http://schemas.openxmlformats.org/drawingml/2006/main" xmlns:r="http://schemas.openxmlformats.org/officeDocument/2006/relationships" xmlns:p="http://schemas.openxmlformats.org/presentationml/2006/main" showMasterSp="0" showMasterPhAnim="0">
   <p:cSld>
     <p:spTree>
@@ -1364,7 +1209,7 @@
 </p:notes>
 </file>
 
-<file path=ppt/notesSlides/notesSlide15.xml><?xml version="1.0" encoding="utf-8"?>
+<file path=ppt/notesSlides/notesSlide14.xml><?xml version="1.0" encoding="utf-8"?>
 <p:notes xmlns:a="http://schemas.openxmlformats.org/drawingml/2006/main" xmlns:r="http://schemas.openxmlformats.org/officeDocument/2006/relationships" xmlns:p="http://schemas.openxmlformats.org/presentationml/2006/main" showMasterSp="0" showMasterPhAnim="0">
   <p:cSld>
     <p:spTree>
@@ -1470,7 +1315,7 @@
 </p:notes>
 </file>
 
-<file path=ppt/notesSlides/notesSlide16.xml><?xml version="1.0" encoding="utf-8"?>
+<file path=ppt/notesSlides/notesSlide15.xml><?xml version="1.0" encoding="utf-8"?>
 <p:notes xmlns:a="http://schemas.openxmlformats.org/drawingml/2006/main" xmlns:r="http://schemas.openxmlformats.org/officeDocument/2006/relationships" xmlns:p="http://schemas.openxmlformats.org/presentationml/2006/main" showMasterSp="0" showMasterPhAnim="0">
   <p:cSld>
     <p:spTree>
@@ -1567,6 +1412,112 @@
     <p:extLst>
       <p:ext uri="{BB962C8B-B14F-4D97-AF65-F5344CB8AC3E}">
         <p14:creationId xmlns:p14="http://schemas.microsoft.com/office/powerpoint/2010/main" val="1799691028"/>
+      </p:ext>
+    </p:extLst>
+  </p:cSld>
+  <p:clrMapOvr>
+    <a:masterClrMapping/>
+  </p:clrMapOvr>
+</p:notes>
+</file>
+
+<file path=ppt/notesSlides/notesSlide16.xml><?xml version="1.0" encoding="utf-8"?>
+<p:notes xmlns:a="http://schemas.openxmlformats.org/drawingml/2006/main" xmlns:r="http://schemas.openxmlformats.org/officeDocument/2006/relationships" xmlns:p="http://schemas.openxmlformats.org/presentationml/2006/main" showMasterSp="0" showMasterPhAnim="0">
+  <p:cSld>
+    <p:spTree>
+      <p:nvGrpSpPr>
+        <p:cNvPr id="1" name="Shape 108"/>
+        <p:cNvGrpSpPr/>
+        <p:nvPr/>
+      </p:nvGrpSpPr>
+      <p:grpSpPr>
+        <a:xfrm>
+          <a:off x="0" y="0"/>
+          <a:ext cx="0" cy="0"/>
+          <a:chOff x="0" y="0"/>
+          <a:chExt cx="0" cy="0"/>
+        </a:xfrm>
+      </p:grpSpPr>
+      <p:sp>
+        <p:nvSpPr>
+          <p:cNvPr id="109" name="Shape 109"/>
+          <p:cNvSpPr>
+            <a:spLocks noGrp="1" noRot="1" noChangeAspect="1"/>
+          </p:cNvSpPr>
+          <p:nvPr>
+            <p:ph type="sldImg" idx="2"/>
+          </p:nvPr>
+        </p:nvSpPr>
+        <p:spPr>
+          <a:xfrm>
+            <a:off x="381000" y="685800"/>
+            <a:ext cx="6096000" cy="3429000"/>
+          </a:xfrm>
+          <a:custGeom>
+            <a:avLst/>
+            <a:gdLst/>
+            <a:ahLst/>
+            <a:cxnLst/>
+            <a:rect l="0" t="0" r="0" b="0"/>
+            <a:pathLst>
+              <a:path w="120000" h="120000" extrusionOk="0">
+                <a:moveTo>
+                  <a:pt x="0" y="0"/>
+                </a:moveTo>
+                <a:lnTo>
+                  <a:pt x="120000" y="0"/>
+                </a:lnTo>
+                <a:lnTo>
+                  <a:pt x="120000" y="120000"/>
+                </a:lnTo>
+                <a:lnTo>
+                  <a:pt x="0" y="120000"/>
+                </a:lnTo>
+                <a:close/>
+              </a:path>
+            </a:pathLst>
+          </a:custGeom>
+        </p:spPr>
+      </p:sp>
+      <p:sp>
+        <p:nvSpPr>
+          <p:cNvPr id="110" name="Shape 110"/>
+          <p:cNvSpPr txBox="1">
+            <a:spLocks noGrp="1"/>
+          </p:cNvSpPr>
+          <p:nvPr>
+            <p:ph type="body" idx="1"/>
+          </p:nvPr>
+        </p:nvSpPr>
+        <p:spPr>
+          <a:xfrm>
+            <a:off x="685800" y="4343400"/>
+            <a:ext cx="5486400" cy="4114800"/>
+          </a:xfrm>
+          <a:prstGeom prst="rect">
+            <a:avLst/>
+          </a:prstGeom>
+        </p:spPr>
+        <p:txBody>
+          <a:bodyPr lIns="91425" tIns="91425" rIns="91425" bIns="91425" anchor="t" anchorCtr="0">
+            <a:noAutofit/>
+          </a:bodyPr>
+          <a:lstStyle/>
+          <a:p>
+            <a:pPr lvl="0">
+              <a:spcBef>
+                <a:spcPts val="0"/>
+              </a:spcBef>
+              <a:buNone/>
+            </a:pPr>
+            <a:endParaRPr/>
+          </a:p>
+        </p:txBody>
+      </p:sp>
+    </p:spTree>
+    <p:extLst>
+      <p:ext uri="{BB962C8B-B14F-4D97-AF65-F5344CB8AC3E}">
+        <p14:creationId xmlns:p14="http://schemas.microsoft.com/office/powerpoint/2010/main" val="1692111521"/>
       </p:ext>
     </p:extLst>
   </p:cSld>
@@ -1672,7 +1623,7 @@
     </p:spTree>
     <p:extLst>
       <p:ext uri="{BB962C8B-B14F-4D97-AF65-F5344CB8AC3E}">
-        <p14:creationId xmlns:p14="http://schemas.microsoft.com/office/powerpoint/2010/main" val="1692111521"/>
+        <p14:creationId xmlns:p14="http://schemas.microsoft.com/office/powerpoint/2010/main" val="4284199866"/>
       </p:ext>
     </p:extLst>
   </p:cSld>
@@ -1683,112 +1634,6 @@
 </file>
 
 <file path=ppt/notesSlides/notesSlide18.xml><?xml version="1.0" encoding="utf-8"?>
-<p:notes xmlns:a="http://schemas.openxmlformats.org/drawingml/2006/main" xmlns:r="http://schemas.openxmlformats.org/officeDocument/2006/relationships" xmlns:p="http://schemas.openxmlformats.org/presentationml/2006/main" showMasterSp="0" showMasterPhAnim="0">
-  <p:cSld>
-    <p:spTree>
-      <p:nvGrpSpPr>
-        <p:cNvPr id="1" name="Shape 108"/>
-        <p:cNvGrpSpPr/>
-        <p:nvPr/>
-      </p:nvGrpSpPr>
-      <p:grpSpPr>
-        <a:xfrm>
-          <a:off x="0" y="0"/>
-          <a:ext cx="0" cy="0"/>
-          <a:chOff x="0" y="0"/>
-          <a:chExt cx="0" cy="0"/>
-        </a:xfrm>
-      </p:grpSpPr>
-      <p:sp>
-        <p:nvSpPr>
-          <p:cNvPr id="109" name="Shape 109"/>
-          <p:cNvSpPr>
-            <a:spLocks noGrp="1" noRot="1" noChangeAspect="1"/>
-          </p:cNvSpPr>
-          <p:nvPr>
-            <p:ph type="sldImg" idx="2"/>
-          </p:nvPr>
-        </p:nvSpPr>
-        <p:spPr>
-          <a:xfrm>
-            <a:off x="381000" y="685800"/>
-            <a:ext cx="6096000" cy="3429000"/>
-          </a:xfrm>
-          <a:custGeom>
-            <a:avLst/>
-            <a:gdLst/>
-            <a:ahLst/>
-            <a:cxnLst/>
-            <a:rect l="0" t="0" r="0" b="0"/>
-            <a:pathLst>
-              <a:path w="120000" h="120000" extrusionOk="0">
-                <a:moveTo>
-                  <a:pt x="0" y="0"/>
-                </a:moveTo>
-                <a:lnTo>
-                  <a:pt x="120000" y="0"/>
-                </a:lnTo>
-                <a:lnTo>
-                  <a:pt x="120000" y="120000"/>
-                </a:lnTo>
-                <a:lnTo>
-                  <a:pt x="0" y="120000"/>
-                </a:lnTo>
-                <a:close/>
-              </a:path>
-            </a:pathLst>
-          </a:custGeom>
-        </p:spPr>
-      </p:sp>
-      <p:sp>
-        <p:nvSpPr>
-          <p:cNvPr id="110" name="Shape 110"/>
-          <p:cNvSpPr txBox="1">
-            <a:spLocks noGrp="1"/>
-          </p:cNvSpPr>
-          <p:nvPr>
-            <p:ph type="body" idx="1"/>
-          </p:nvPr>
-        </p:nvSpPr>
-        <p:spPr>
-          <a:xfrm>
-            <a:off x="685800" y="4343400"/>
-            <a:ext cx="5486400" cy="4114800"/>
-          </a:xfrm>
-          <a:prstGeom prst="rect">
-            <a:avLst/>
-          </a:prstGeom>
-        </p:spPr>
-        <p:txBody>
-          <a:bodyPr lIns="91425" tIns="91425" rIns="91425" bIns="91425" anchor="t" anchorCtr="0">
-            <a:noAutofit/>
-          </a:bodyPr>
-          <a:lstStyle/>
-          <a:p>
-            <a:pPr lvl="0">
-              <a:spcBef>
-                <a:spcPts val="0"/>
-              </a:spcBef>
-              <a:buNone/>
-            </a:pPr>
-            <a:endParaRPr/>
-          </a:p>
-        </p:txBody>
-      </p:sp>
-    </p:spTree>
-    <p:extLst>
-      <p:ext uri="{BB962C8B-B14F-4D97-AF65-F5344CB8AC3E}">
-        <p14:creationId xmlns:p14="http://schemas.microsoft.com/office/powerpoint/2010/main" val="4284199866"/>
-      </p:ext>
-    </p:extLst>
-  </p:cSld>
-  <p:clrMapOvr>
-    <a:masterClrMapping/>
-  </p:clrMapOvr>
-</p:notes>
-</file>
-
-<file path=ppt/notesSlides/notesSlide19.xml><?xml version="1.0" encoding="utf-8"?>
 <p:notes xmlns:a="http://schemas.openxmlformats.org/drawingml/2006/main" xmlns:r="http://schemas.openxmlformats.org/officeDocument/2006/relationships" xmlns:p="http://schemas.openxmlformats.org/presentationml/2006/main" showMasterSp="0" showMasterPhAnim="0">
   <p:cSld>
     <p:spTree>
@@ -1921,7 +1766,12 @@
             <p:ph type="sldImg"/>
           </p:nvPr>
         </p:nvSpPr>
-        <p:spPr/>
+        <p:spPr>
+          <a:xfrm>
+            <a:off x="381000" y="685800"/>
+            <a:ext cx="6096000" cy="3429000"/>
+          </a:xfrm>
+        </p:spPr>
       </p:sp>
       <p:sp>
         <p:nvSpPr>
@@ -1935,27 +1785,49 @@
         </p:nvSpPr>
         <p:spPr/>
         <p:txBody>
-          <a:bodyPr>
-            <a:normAutofit/>
-          </a:bodyPr>
+          <a:bodyPr/>
           <a:lstStyle/>
           <a:p>
-            <a:r>
-              <a:rPr lang="en-SG" dirty="0" smtClean="0"/>
-              <a:t>Highlight</a:t>
-            </a:r>
-            <a:r>
-              <a:rPr lang="en-SG" baseline="0" dirty="0" smtClean="0"/>
-              <a:t> the seven, or only put seven</a:t>
-            </a:r>
-            <a:endParaRPr lang="en-US" dirty="0"/>
+            <a:endParaRPr lang="en-SG" dirty="0"/>
+          </a:p>
+        </p:txBody>
+      </p:sp>
+      <p:sp>
+        <p:nvSpPr>
+          <p:cNvPr id="4" name="Slide Number Placeholder 3"/>
+          <p:cNvSpPr>
+            <a:spLocks noGrp="1"/>
+          </p:cNvSpPr>
+          <p:nvPr>
+            <p:ph type="sldNum" sz="quarter" idx="10"/>
+          </p:nvPr>
+        </p:nvSpPr>
+        <p:spPr>
+          <a:xfrm>
+            <a:off x="3884613" y="8685213"/>
+            <a:ext cx="2971800" cy="458787"/>
+          </a:xfrm>
+          <a:prstGeom prst="rect">
+            <a:avLst/>
+          </a:prstGeom>
+        </p:spPr>
+        <p:txBody>
+          <a:bodyPr/>
+          <a:lstStyle/>
+          <a:p>
+            <a:fld id="{C8DEF3BC-85DD-4ED2-8C84-4F0BB785FC11}" type="slidenum">
+              <a:rPr lang="en-SG" smtClean="0"/>
+              <a:pPr/>
+              <a:t>3</a:t>
+            </a:fld>
+            <a:endParaRPr lang="en-SG" dirty="0"/>
           </a:p>
         </p:txBody>
       </p:sp>
     </p:spTree>
     <p:extLst>
       <p:ext uri="{BB962C8B-B14F-4D97-AF65-F5344CB8AC3E}">
-        <p14:creationId xmlns:p14="http://schemas.microsoft.com/office/powerpoint/2010/main" val="3580154155"/>
+        <p14:creationId xmlns:p14="http://schemas.microsoft.com/office/powerpoint/2010/main" val="4256702432"/>
       </p:ext>
     </p:extLst>
   </p:cSld>
@@ -2044,7 +1916,7 @@
             <a:fld id="{C8DEF3BC-85DD-4ED2-8C84-4F0BB785FC11}" type="slidenum">
               <a:rPr lang="en-SG" smtClean="0"/>
               <a:pPr/>
-              <a:t>4</a:t>
+              <a:t>6</a:t>
             </a:fld>
             <a:endParaRPr lang="en-SG" dirty="0"/>
           </a:p>
@@ -2053,7 +1925,7 @@
     </p:spTree>
     <p:extLst>
       <p:ext uri="{BB962C8B-B14F-4D97-AF65-F5344CB8AC3E}">
-        <p14:creationId xmlns:p14="http://schemas.microsoft.com/office/powerpoint/2010/main" val="2524933246"/>
+        <p14:creationId xmlns:p14="http://schemas.microsoft.com/office/powerpoint/2010/main" val="3853728400"/>
       </p:ext>
     </p:extLst>
   </p:cSld>
@@ -2064,11 +1936,11 @@
 </file>
 
 <file path=ppt/notesSlides/notesSlide4.xml><?xml version="1.0" encoding="utf-8"?>
-<p:notes xmlns:a="http://schemas.openxmlformats.org/drawingml/2006/main" xmlns:r="http://schemas.openxmlformats.org/officeDocument/2006/relationships" xmlns:p="http://schemas.openxmlformats.org/presentationml/2006/main">
+<p:notes xmlns:a="http://schemas.openxmlformats.org/drawingml/2006/main" xmlns:r="http://schemas.openxmlformats.org/officeDocument/2006/relationships" xmlns:p="http://schemas.openxmlformats.org/presentationml/2006/main" showMasterSp="0" showMasterPhAnim="0">
   <p:cSld>
     <p:spTree>
       <p:nvGrpSpPr>
-        <p:cNvPr id="1" name=""/>
+        <p:cNvPr id="1" name="Shape 52"/>
         <p:cNvGrpSpPr/>
         <p:nvPr/>
       </p:nvGrpSpPr>
@@ -2082,12 +1954,12 @@
       </p:grpSpPr>
       <p:sp>
         <p:nvSpPr>
-          <p:cNvPr id="2" name="Slide Image Placeholder 1"/>
+          <p:cNvPr id="53" name="Shape 53"/>
           <p:cNvSpPr>
             <a:spLocks noGrp="1" noRot="1" noChangeAspect="1"/>
           </p:cNvSpPr>
           <p:nvPr>
-            <p:ph type="sldImg"/>
+            <p:ph type="sldImg" idx="2"/>
           </p:nvPr>
         </p:nvSpPr>
         <p:spPr>
@@ -2095,67 +1967,71 @@
             <a:off x="381000" y="685800"/>
             <a:ext cx="6096000" cy="3429000"/>
           </a:xfrm>
+          <a:custGeom>
+            <a:avLst/>
+            <a:gdLst/>
+            <a:ahLst/>
+            <a:cxnLst/>
+            <a:rect l="0" t="0" r="0" b="0"/>
+            <a:pathLst>
+              <a:path w="120000" h="120000" extrusionOk="0">
+                <a:moveTo>
+                  <a:pt x="0" y="0"/>
+                </a:moveTo>
+                <a:lnTo>
+                  <a:pt x="120000" y="0"/>
+                </a:lnTo>
+                <a:lnTo>
+                  <a:pt x="120000" y="120000"/>
+                </a:lnTo>
+                <a:lnTo>
+                  <a:pt x="0" y="120000"/>
+                </a:lnTo>
+                <a:close/>
+              </a:path>
+            </a:pathLst>
+          </a:custGeom>
         </p:spPr>
       </p:sp>
       <p:sp>
         <p:nvSpPr>
-          <p:cNvPr id="3" name="Notes Placeholder 2"/>
-          <p:cNvSpPr>
+          <p:cNvPr id="54" name="Shape 54"/>
+          <p:cNvSpPr txBox="1">
             <a:spLocks noGrp="1"/>
           </p:cNvSpPr>
           <p:nvPr>
             <p:ph type="body" idx="1"/>
           </p:nvPr>
         </p:nvSpPr>
-        <p:spPr/>
-        <p:txBody>
-          <a:bodyPr/>
-          <a:lstStyle/>
-          <a:p>
-            <a:r>
-              <a:rPr lang="en-SG" dirty="0" smtClean="0"/>
-              <a:t>Explain why they are bad</a:t>
-            </a:r>
-            <a:endParaRPr lang="en-SG" dirty="0"/>
-          </a:p>
-        </p:txBody>
-      </p:sp>
-      <p:sp>
-        <p:nvSpPr>
-          <p:cNvPr id="4" name="Slide Number Placeholder 3"/>
-          <p:cNvSpPr>
-            <a:spLocks noGrp="1"/>
-          </p:cNvSpPr>
-          <p:nvPr>
-            <p:ph type="sldNum" sz="quarter" idx="10"/>
-          </p:nvPr>
-        </p:nvSpPr>
         <p:spPr>
           <a:xfrm>
-            <a:off x="3884613" y="8685213"/>
-            <a:ext cx="2971800" cy="458787"/>
+            <a:off x="685800" y="4343400"/>
+            <a:ext cx="5486400" cy="4114800"/>
           </a:xfrm>
           <a:prstGeom prst="rect">
             <a:avLst/>
           </a:prstGeom>
         </p:spPr>
         <p:txBody>
-          <a:bodyPr/>
+          <a:bodyPr lIns="91425" tIns="91425" rIns="91425" bIns="91425" anchor="t" anchorCtr="0">
+            <a:noAutofit/>
+          </a:bodyPr>
           <a:lstStyle/>
           <a:p>
-            <a:fld id="{C8DEF3BC-85DD-4ED2-8C84-4F0BB785FC11}" type="slidenum">
-              <a:rPr lang="en-SG" smtClean="0"/>
-              <a:pPr/>
-              <a:t>7</a:t>
-            </a:fld>
-            <a:endParaRPr lang="en-SG" dirty="0"/>
+            <a:pPr lvl="0">
+              <a:spcBef>
+                <a:spcPts val="0"/>
+              </a:spcBef>
+              <a:buNone/>
+            </a:pPr>
+            <a:endParaRPr/>
           </a:p>
         </p:txBody>
       </p:sp>
     </p:spTree>
     <p:extLst>
       <p:ext uri="{BB962C8B-B14F-4D97-AF65-F5344CB8AC3E}">
-        <p14:creationId xmlns:p14="http://schemas.microsoft.com/office/powerpoint/2010/main" val="414590761"/>
+        <p14:creationId xmlns:p14="http://schemas.microsoft.com/office/powerpoint/2010/main" val="1134178264"/>
       </p:ext>
     </p:extLst>
   </p:cSld>
@@ -2254,14 +2130,18 @@
               </a:spcBef>
               <a:buNone/>
             </a:pPr>
-            <a:endParaRPr/>
+            <a:r>
+              <a:rPr lang="en-SG" dirty="0" smtClean="0"/>
+              <a:t>Label components</a:t>
+            </a:r>
+            <a:endParaRPr dirty="0"/>
           </a:p>
         </p:txBody>
       </p:sp>
     </p:spTree>
     <p:extLst>
       <p:ext uri="{BB962C8B-B14F-4D97-AF65-F5344CB8AC3E}">
-        <p14:creationId xmlns:p14="http://schemas.microsoft.com/office/powerpoint/2010/main" val="2421236949"/>
+        <p14:creationId xmlns:p14="http://schemas.microsoft.com/office/powerpoint/2010/main" val="3064451325"/>
       </p:ext>
     </p:extLst>
   </p:cSld>
@@ -2276,7 +2156,7 @@
   <p:cSld>
     <p:spTree>
       <p:nvGrpSpPr>
-        <p:cNvPr id="1" name="Shape 52"/>
+        <p:cNvPr id="1" name="Shape 68"/>
         <p:cNvGrpSpPr/>
         <p:nvPr/>
       </p:nvGrpSpPr>
@@ -2290,7 +2170,7 @@
       </p:grpSpPr>
       <p:sp>
         <p:nvSpPr>
-          <p:cNvPr id="53" name="Shape 53"/>
+          <p:cNvPr id="69" name="Shape 69"/>
           <p:cNvSpPr>
             <a:spLocks noGrp="1" noRot="1" noChangeAspect="1"/>
           </p:cNvSpPr>
@@ -2331,7 +2211,7 @@
       </p:sp>
       <p:sp>
         <p:nvSpPr>
-          <p:cNvPr id="54" name="Shape 54"/>
+          <p:cNvPr id="70" name="Shape 70"/>
           <p:cNvSpPr txBox="1">
             <a:spLocks noGrp="1"/>
           </p:cNvSpPr>
@@ -2362,16 +2242,122 @@
             </a:pPr>
             <a:r>
               <a:rPr lang="en-SG" dirty="0" smtClean="0"/>
-              <a:t>Label components</a:t>
-            </a:r>
-            <a:endParaRPr dirty="0"/>
+              <a:t>Thank</a:t>
+            </a:r>
+            <a:r>
+              <a:rPr lang="en-SG" baseline="0" dirty="0" smtClean="0"/>
+              <a:t> you </a:t>
+            </a:r>
+            <a:r>
+              <a:rPr lang="en-SG" baseline="0" dirty="0" err="1" smtClean="0"/>
+              <a:t>Riwu</a:t>
+            </a:r>
+            <a:r>
+              <a:rPr lang="en-SG" baseline="0" dirty="0" smtClean="0"/>
+              <a:t> and good afternoon everyone. I am Julian, and I will be bringing all of you through the add and edit capabilities of WURI. First off, WURI’s add feature is amazingly simple, built with the sole purpose of allowing users to add tasks with minimal effort. As showing will definitely bring more clarity than seeing, let us jump right into it! </a:t>
+            </a:r>
+          </a:p>
+          <a:p>
+            <a:pPr lvl="0">
+              <a:spcBef>
+                <a:spcPts val="0"/>
+              </a:spcBef>
+              <a:buNone/>
+            </a:pPr>
+            <a:r>
+              <a:rPr lang="en-SG" baseline="0" dirty="0" smtClean="0"/>
+              <a:t>Moving on, how many of us here have work due by the end of almost every week?</a:t>
+            </a:r>
+          </a:p>
+          <a:p>
+            <a:pPr lvl="0">
+              <a:spcBef>
+                <a:spcPts val="0"/>
+              </a:spcBef>
+              <a:buNone/>
+            </a:pPr>
+            <a:r>
+              <a:rPr lang="en-SG" baseline="0" dirty="0" smtClean="0"/>
+              <a:t>For me I often have work due by the midnight of Sunday. If you face a similar situation, no problem! Just type “Do work Sunday 23:59 1w” and WURI will now record this task every week on Sunday. If Sunday has passed and you want to move the deadline to the next weekend, simply type “d 1” to delete last Sunday’s task, bringing forth to the next week. I will leave </a:t>
+            </a:r>
+            <a:r>
+              <a:rPr lang="en-SG" baseline="0" dirty="0" err="1" smtClean="0"/>
+              <a:t>Ruomu</a:t>
+            </a:r>
+            <a:r>
+              <a:rPr lang="en-SG" baseline="0" dirty="0" smtClean="0"/>
+              <a:t> to discuss the rest of deletion later.</a:t>
+            </a:r>
+          </a:p>
+          <a:p>
+            <a:pPr lvl="0">
+              <a:spcBef>
+                <a:spcPts val="0"/>
+              </a:spcBef>
+              <a:buNone/>
+            </a:pPr>
+            <a:endParaRPr lang="en-SG" baseline="0" dirty="0" smtClean="0"/>
+          </a:p>
+          <a:p>
+            <a:pPr lvl="0">
+              <a:spcBef>
+                <a:spcPts val="0"/>
+              </a:spcBef>
+              <a:buNone/>
+            </a:pPr>
+            <a:r>
+              <a:rPr lang="en-SG" baseline="0" dirty="0" smtClean="0"/>
+              <a:t>Now imagine if your meeting with your friend got rescheduled to Thursday instead. Simply type “e 1 </a:t>
+            </a:r>
+            <a:r>
+              <a:rPr lang="en-SG" baseline="0" dirty="0" err="1" smtClean="0"/>
+              <a:t>thurs</a:t>
+            </a:r>
+            <a:r>
+              <a:rPr lang="en-SG" baseline="0" dirty="0" smtClean="0"/>
+              <a:t>” and the date will be edited accordingly.</a:t>
+            </a:r>
+            <a:br>
+              <a:rPr lang="en-SG" baseline="0" dirty="0" smtClean="0"/>
+            </a:br>
+            <a:r>
+              <a:rPr lang="en-SG" baseline="0" dirty="0" smtClean="0"/>
+              <a:t>Now what if your friend suddenly says that he can only make it for dinner as it is a weekday? Fret not! Type “e 1 7pm” and the new time will be reflected in WURI.</a:t>
+            </a:r>
+          </a:p>
+          <a:p>
+            <a:pPr lvl="0">
+              <a:spcBef>
+                <a:spcPts val="0"/>
+              </a:spcBef>
+              <a:buNone/>
+            </a:pPr>
+            <a:r>
+              <a:rPr lang="en-SG" baseline="0" dirty="0" smtClean="0"/>
+              <a:t>Lastly, imagine that your workload has increased and that you now have work due every 3 days! We totally understand that at this point, you do not have the time to fiddle around with fanciful commands, so we’ve kept it short and sweet. Simply type “e 2 3d” for your deadlines to now be set every 3 days!</a:t>
+            </a:r>
+            <a:br>
+              <a:rPr lang="en-SG" baseline="0" dirty="0" smtClean="0"/>
+            </a:br>
+            <a:r>
+              <a:rPr lang="en-SG" baseline="0" dirty="0" smtClean="0"/>
+              <a:t>I will now be passing the time over to </a:t>
+            </a:r>
+            <a:r>
+              <a:rPr lang="en-SG" baseline="0" dirty="0" err="1" smtClean="0"/>
+              <a:t>Ruomu</a:t>
+            </a:r>
+            <a:r>
+              <a:rPr lang="en-SG" baseline="0" dirty="0" smtClean="0"/>
+              <a:t> to talk about the rest of WURI’s capabilities.</a:t>
+            </a:r>
           </a:p>
         </p:txBody>
       </p:sp>
     </p:spTree>
     <p:extLst>
       <p:ext uri="{BB962C8B-B14F-4D97-AF65-F5344CB8AC3E}">
-        <p14:creationId xmlns:p14="http://schemas.microsoft.com/office/powerpoint/2010/main" val="1686591511"/>
+        <p14:creationId xmlns:p14="http://schemas.microsoft.com/office/powerpoint/2010/main" val="4004960693"/>
       </p:ext>
     </p:extLst>
   </p:cSld>
@@ -2464,63 +2450,56 @@
           </a:bodyPr>
           <a:lstStyle/>
           <a:p>
-            <a:pPr lvl="0">
+            <a:pPr marL="0" marR="0" lvl="0" indent="0" algn="l" defTabSz="914400" rtl="0" eaLnBrk="1" fontAlgn="auto" latinLnBrk="0" hangingPunct="1">
+              <a:lnSpc>
+                <a:spcPct val="100000"/>
+              </a:lnSpc>
               <a:spcBef>
                 <a:spcPts val="0"/>
               </a:spcBef>
+              <a:spcAft>
+                <a:spcPts val="0"/>
+              </a:spcAft>
+              <a:buClrTx/>
+              <a:buSzTx/>
+              <a:buFontTx/>
               <a:buNone/>
+              <a:tabLst/>
+              <a:defRPr/>
             </a:pPr>
             <a:r>
-              <a:rPr lang="en-SG" dirty="0" smtClean="0"/>
-              <a:t>Thank</a:t>
-            </a:r>
-            <a:r>
               <a:rPr lang="en-SG" baseline="0" dirty="0" smtClean="0"/>
-              <a:t> you </a:t>
-            </a:r>
-            <a:r>
-              <a:rPr lang="en-SG" baseline="0" dirty="0" err="1" smtClean="0"/>
-              <a:t>Riwu</a:t>
-            </a:r>
-            <a:r>
+              <a:t>Now, imagine that you want to read some books in your free time, at your own pace.</a:t>
+            </a:r>
+            <a:br>
               <a:rPr lang="en-SG" baseline="0" dirty="0" smtClean="0"/>
-              <a:t> and good afternoon everyone. I am Julian, and I will be bringing all of you through the add and edit capabilities of WURI. First off, WURI’s add feature is amazingly simple, built with the sole purpose of allowing users to add tasks with minimal effort. As showing will definitely bring more clarity than seeing, let us jump right into it! </a:t>
-            </a:r>
-          </a:p>
-          <a:p>
-            <a:pPr lvl="0">
+            </a:br>
+            <a:r>
+              <a:rPr lang="en-SG" baseline="0" dirty="0" smtClean="0"/>
+              <a:t>You can simply type “Read books” into WURI for it to be recorded down for you!</a:t>
+            </a:r>
+          </a:p>
+          <a:p>
+            <a:pPr marL="0" marR="0" lvl="0" indent="0" algn="l" defTabSz="914400" rtl="0" eaLnBrk="1" fontAlgn="auto" latinLnBrk="0" hangingPunct="1">
+              <a:lnSpc>
+                <a:spcPct val="100000"/>
+              </a:lnSpc>
               <a:spcBef>
                 <a:spcPts val="0"/>
               </a:spcBef>
+              <a:spcAft>
+                <a:spcPts val="0"/>
+              </a:spcAft>
+              <a:buClrTx/>
+              <a:buSzTx/>
+              <a:buFontTx/>
               <a:buNone/>
+              <a:tabLst/>
+              <a:defRPr/>
             </a:pPr>
             <a:r>
               <a:rPr lang="en-SG" baseline="0" dirty="0" smtClean="0"/>
-              <a:t>Moving </a:t>
-            </a:r>
-            <a:r>
-              <a:rPr lang="en-SG" baseline="0" dirty="0" smtClean="0"/>
-              <a:t>on, how many of us here have work due by the end of almost every week?</a:t>
-            </a:r>
-          </a:p>
-          <a:p>
-            <a:pPr lvl="0">
-              <a:spcBef>
-                <a:spcPts val="0"/>
-              </a:spcBef>
-              <a:buNone/>
-            </a:pPr>
-            <a:r>
-              <a:rPr lang="en-SG" baseline="0" dirty="0" smtClean="0"/>
-              <a:t>For me I often have work due by the midnight of Sunday. If you face a similar situation, no problem! Just type “Do work Sunday 23:59 1w” and WURI will now record this task every week on Sunday. If Sunday has passed and you want to move the deadline to the next weekend, simply type “d 1” to delete last Sunday’s task, bringing forth to the next week. I will leave </a:t>
-            </a:r>
-            <a:r>
-              <a:rPr lang="en-SG" baseline="0" dirty="0" err="1" smtClean="0"/>
-              <a:t>Ruomu</a:t>
-            </a:r>
-            <a:r>
-              <a:rPr lang="en-SG" baseline="0" dirty="0" smtClean="0"/>
-              <a:t> to discuss the rest of deletion later.</a:t>
+              <a:t>Similarly, with any other tasks without deadlines, you can simply type them in to WURI as they are.</a:t>
             </a:r>
           </a:p>
           <a:p>
@@ -2532,66 +2511,12 @@
             </a:pPr>
             <a:endParaRPr lang="en-SG" baseline="0" dirty="0" smtClean="0"/>
           </a:p>
-          <a:p>
-            <a:pPr lvl="0">
-              <a:spcBef>
-                <a:spcPts val="0"/>
-              </a:spcBef>
-              <a:buNone/>
-            </a:pPr>
-            <a:r>
-              <a:rPr lang="en-SG" baseline="0" dirty="0" smtClean="0"/>
-              <a:t>Now imagine if your meeting with your friend got rescheduled to Thursday instead. Simply type “e 1 </a:t>
-            </a:r>
-            <a:r>
-              <a:rPr lang="en-SG" baseline="0" dirty="0" err="1" smtClean="0"/>
-              <a:t>thurs</a:t>
-            </a:r>
-            <a:r>
-              <a:rPr lang="en-SG" baseline="0" dirty="0" smtClean="0"/>
-              <a:t>” and the date will be edited accordingly.</a:t>
-            </a:r>
-            <a:br>
-              <a:rPr lang="en-SG" baseline="0" dirty="0" smtClean="0"/>
-            </a:br>
-            <a:r>
-              <a:rPr lang="en-SG" baseline="0" dirty="0" smtClean="0"/>
-              <a:t>Now what if your friend suddenly says that he can only make it for dinner as it is a weekday? Fret not! Type “e 1 7pm” and the new time will be reflected in WURI.</a:t>
-            </a:r>
-          </a:p>
-          <a:p>
-            <a:pPr lvl="0">
-              <a:spcBef>
-                <a:spcPts val="0"/>
-              </a:spcBef>
-              <a:buNone/>
-            </a:pPr>
-            <a:r>
-              <a:rPr lang="en-SG" baseline="0" dirty="0" smtClean="0"/>
-              <a:t>Lastly, imagine that your workload has increased and that you now have work due every 3 days! We totally understand that at this point, you do not have the time to fiddle around with fanciful commands, so we’ve kept it short and sweet. Simply type “e 2 3d” for your deadlines to now be set every 3 days!</a:t>
-            </a:r>
-            <a:br>
-              <a:rPr lang="en-SG" baseline="0" dirty="0" smtClean="0"/>
-            </a:br>
-            <a:r>
-              <a:rPr lang="en-SG" baseline="0" dirty="0" smtClean="0"/>
-              <a:t>I will now be passing the time over to </a:t>
-            </a:r>
-            <a:r>
-              <a:rPr lang="en-SG" baseline="0" dirty="0" err="1" smtClean="0"/>
-              <a:t>Ruomu</a:t>
-            </a:r>
-            <a:r>
-              <a:rPr lang="en-SG" baseline="0" dirty="0" smtClean="0"/>
-              <a:t> to talk about the rest of WURI’s capabilities.</a:t>
-            </a:r>
-          </a:p>
         </p:txBody>
       </p:sp>
     </p:spTree>
     <p:extLst>
       <p:ext uri="{BB962C8B-B14F-4D97-AF65-F5344CB8AC3E}">
-        <p14:creationId xmlns:p14="http://schemas.microsoft.com/office/powerpoint/2010/main" val="4004960693"/>
+        <p14:creationId xmlns:p14="http://schemas.microsoft.com/office/powerpoint/2010/main" val="4144614138"/>
       </p:ext>
     </p:extLst>
   </p:cSld>
@@ -2684,6 +2609,25 @@
           </a:bodyPr>
           <a:lstStyle/>
           <a:p>
+            <a:pPr lvl="0">
+              <a:spcBef>
+                <a:spcPts val="0"/>
+              </a:spcBef>
+              <a:buNone/>
+            </a:pPr>
+            <a:r>
+              <a:rPr lang="en-SG" baseline="0" dirty="0" smtClean="0"/>
+              <a:t>Now, lets imagine that you are meeting a friend for lunch next Saturday.</a:t>
+            </a:r>
+            <a:br>
+              <a:rPr lang="en-SG" baseline="0" dirty="0" smtClean="0"/>
+            </a:br>
+            <a:r>
+              <a:rPr lang="en-SG" baseline="0" dirty="0" smtClean="0"/>
+              <a:t>Simply type “Meet friend Saturday” to record it down into WURI.</a:t>
+            </a:r>
+          </a:p>
+          <a:p>
             <a:pPr marL="0" marR="0" lvl="0" indent="0" algn="l" defTabSz="914400" rtl="0" eaLnBrk="1" fontAlgn="auto" latinLnBrk="0" hangingPunct="1">
               <a:lnSpc>
                 <a:spcPct val="100000"/>
@@ -2703,14 +2647,7 @@
             </a:pPr>
             <a:r>
               <a:rPr lang="en-SG" baseline="0" dirty="0" smtClean="0"/>
-              <a:t>Now, imagine that you want to read some books in your free time, at your own pace.</a:t>
-            </a:r>
-            <a:br>
-              <a:rPr lang="en-SG" baseline="0" dirty="0" smtClean="0"/>
-            </a:br>
-            <a:r>
-              <a:rPr lang="en-SG" baseline="0" dirty="0" smtClean="0"/>
-              <a:t>You can simply type “Read books” into WURI for it to be recorded down for you!</a:t>
+              <a:t>Tada, isn’t it amazing?</a:t>
             </a:r>
           </a:p>
           <a:p>
@@ -2733,24 +2670,15 @@
             </a:pPr>
             <a:r>
               <a:rPr lang="en-SG" baseline="0" dirty="0" smtClean="0"/>
-              <a:t>Similarly, with any other tasks without deadlines, you can simply type them in to WURI as they are.</a:t>
-            </a:r>
-          </a:p>
-          <a:p>
-            <a:pPr lvl="0">
-              <a:spcBef>
-                <a:spcPts val="0"/>
-              </a:spcBef>
-              <a:buNone/>
-            </a:pPr>
-            <a:endParaRPr lang="en-SG" baseline="0" dirty="0" smtClean="0"/>
+              <a:t>Alternatively, you can also use a date to record a task in WURI or even key it down as today or tomorrow!</a:t>
+            </a:r>
           </a:p>
         </p:txBody>
       </p:sp>
     </p:spTree>
     <p:extLst>
       <p:ext uri="{BB962C8B-B14F-4D97-AF65-F5344CB8AC3E}">
-        <p14:creationId xmlns:p14="http://schemas.microsoft.com/office/powerpoint/2010/main" val="4144614138"/>
+        <p14:creationId xmlns:p14="http://schemas.microsoft.com/office/powerpoint/2010/main" val="244659471"/>
       </p:ext>
     </p:extLst>
   </p:cSld>
@@ -2851,60 +2779,50 @@
             </a:pPr>
             <a:r>
               <a:rPr lang="en-SG" baseline="0" dirty="0" smtClean="0"/>
-              <a:t>Now, lets imagine that you are meeting a friend for lunch next Saturday.</a:t>
+              <a:t>Now, lets say that you want to record a specific time for a meeting that is going to be held today.</a:t>
+            </a:r>
+          </a:p>
+          <a:p>
+            <a:pPr lvl="0">
+              <a:spcBef>
+                <a:spcPts val="0"/>
+              </a:spcBef>
+              <a:buNone/>
+            </a:pPr>
+            <a:r>
+              <a:rPr lang="en-SG" baseline="0" dirty="0" smtClean="0"/>
+              <a:t>Simply type “Meeting 3pm” for it to be recorded into WURI, and it will be recorded right away for you.</a:t>
+            </a:r>
+          </a:p>
+          <a:p>
+            <a:pPr lvl="0">
+              <a:spcBef>
+                <a:spcPts val="0"/>
+              </a:spcBef>
+              <a:buNone/>
+            </a:pPr>
+            <a:r>
+              <a:rPr lang="en-SG" baseline="0" dirty="0" smtClean="0"/>
+              <a:t>Notice that time can also be entered together with a date,</a:t>
+            </a:r>
+          </a:p>
+          <a:p>
+            <a:pPr lvl="0">
+              <a:spcBef>
+                <a:spcPts val="0"/>
+              </a:spcBef>
+              <a:buNone/>
+            </a:pPr>
+            <a:r>
+              <a:rPr lang="en-SG" baseline="0" dirty="0" smtClean="0"/>
+              <a:t>For example, if you wish to block out 2 hours on Sunday morning to run errands, you can simply type</a:t>
             </a:r>
             <a:br>
               <a:rPr lang="en-SG" baseline="0" dirty="0" smtClean="0"/>
             </a:br>
             <a:r>
               <a:rPr lang="en-SG" baseline="0" dirty="0" smtClean="0"/>
-              <a:t>Simply type “Meet friend Saturday” to record it down into WURI.</a:t>
-            </a:r>
-          </a:p>
-          <a:p>
-            <a:pPr marL="0" marR="0" lvl="0" indent="0" algn="l" defTabSz="914400" rtl="0" eaLnBrk="1" fontAlgn="auto" latinLnBrk="0" hangingPunct="1">
-              <a:lnSpc>
-                <a:spcPct val="100000"/>
-              </a:lnSpc>
-              <a:spcBef>
-                <a:spcPts val="0"/>
-              </a:spcBef>
-              <a:spcAft>
-                <a:spcPts val="0"/>
-              </a:spcAft>
-              <a:buClrTx/>
-              <a:buSzTx/>
-              <a:buFontTx/>
-              <a:buNone/>
-              <a:tabLst/>
-              <a:defRPr/>
-            </a:pPr>
-            <a:r>
-              <a:rPr lang="en-SG" baseline="0" dirty="0" smtClean="0"/>
-              <a:t>Tada, isn’t it amazing?</a:t>
-            </a:r>
-          </a:p>
-          <a:p>
-            <a:pPr marL="0" marR="0" lvl="0" indent="0" algn="l" defTabSz="914400" rtl="0" eaLnBrk="1" fontAlgn="auto" latinLnBrk="0" hangingPunct="1">
-              <a:lnSpc>
-                <a:spcPct val="100000"/>
-              </a:lnSpc>
-              <a:spcBef>
-                <a:spcPts val="0"/>
-              </a:spcBef>
-              <a:spcAft>
-                <a:spcPts val="0"/>
-              </a:spcAft>
-              <a:buClrTx/>
-              <a:buSzTx/>
-              <a:buFontTx/>
-              <a:buNone/>
-              <a:tabLst/>
-              <a:defRPr/>
-            </a:pPr>
-            <a:r>
-              <a:rPr lang="en-SG" baseline="0" dirty="0" smtClean="0"/>
-              <a:t>Alternatively, you can also use a date to record a task in WURI or even key it down as today or tomorrow!</a:t>
+              <a:t>“Run errands Sunday 1000-1200” and WURI will do the rest for you.</a:t>
             </a:r>
           </a:p>
         </p:txBody>
@@ -2912,7 +2830,7 @@
     </p:spTree>
     <p:extLst>
       <p:ext uri="{BB962C8B-B14F-4D97-AF65-F5344CB8AC3E}">
-        <p14:creationId xmlns:p14="http://schemas.microsoft.com/office/powerpoint/2010/main" val="244659471"/>
+        <p14:creationId xmlns:p14="http://schemas.microsoft.com/office/powerpoint/2010/main" val="3154843208"/>
       </p:ext>
     </p:extLst>
   </p:cSld>
@@ -8236,18 +8154,18 @@
     </p:spTree>
     <p:extLst>
       <p:ext uri="{BB962C8B-B14F-4D97-AF65-F5344CB8AC3E}">
-        <p14:creationId xmlns:p14="http://schemas.microsoft.com/office/powerpoint/2010/main" val="3837311647"/>
+        <p14:creationId xmlns:p14="http://schemas.microsoft.com/office/powerpoint/2010/main" val="3304692058"/>
       </p:ext>
     </p:extLst>
   </p:cSld>
   <p:clrMapOvr>
     <a:masterClrMapping/>
   </p:clrMapOvr>
-  <mc:AlternateContent xmlns:mc="http://schemas.openxmlformats.org/markup-compatibility/2006" xmlns:p14="http://schemas.microsoft.com/office/powerpoint/2010/main">
-    <mc:Choice Requires="p14">
+  <mc:AlternateContent xmlns:mc="http://schemas.openxmlformats.org/markup-compatibility/2006">
+    <mc:Choice xmlns:p14="http://schemas.microsoft.com/office/powerpoint/2010/main" Requires="p14">
       <p:transition p14:dur="10"/>
     </mc:Choice>
-    <mc:Fallback xmlns="">
+    <mc:Fallback>
       <p:transition/>
     </mc:Fallback>
   </mc:AlternateContent>
@@ -8290,7 +8208,324 @@
         </p:nvSpPr>
         <p:spPr>
           <a:xfrm>
-            <a:off x="1485900" y="1491630"/>
+            <a:off x="1259632" y="1851660"/>
+            <a:ext cx="6779961" cy="3291840"/>
+          </a:xfrm>
+        </p:spPr>
+        <p:txBody>
+          <a:bodyPr>
+            <a:normAutofit/>
+          </a:bodyPr>
+          <a:lstStyle/>
+          <a:p>
+            <a:r>
+              <a:rPr lang="en-SG" sz="2700" dirty="0" smtClean="0">
+                <a:latin typeface="Verdana" panose="020B0604030504040204" pitchFamily="34" charset="0"/>
+                <a:ea typeface="Verdana" panose="020B0604030504040204" pitchFamily="34" charset="0"/>
+                <a:cs typeface="Verdana" panose="020B0604030504040204" pitchFamily="34" charset="0"/>
+              </a:rPr>
+              <a:t>Download for free at </a:t>
+            </a:r>
+            <a:r>
+              <a:rPr lang="en-SG" sz="2700" dirty="0" smtClean="0">
+                <a:latin typeface="Verdana" panose="020B0604030504040204" pitchFamily="34" charset="0"/>
+                <a:ea typeface="Verdana" panose="020B0604030504040204" pitchFamily="34" charset="0"/>
+                <a:cs typeface="Verdana" panose="020B0604030504040204" pitchFamily="34" charset="0"/>
+                <a:hlinkClick r:id="rId2"/>
+              </a:rPr>
+              <a:t>www.java.com</a:t>
+            </a:r>
+            <a:endParaRPr lang="en-SG" sz="2700" dirty="0" smtClean="0">
+              <a:latin typeface="Verdana" panose="020B0604030504040204" pitchFamily="34" charset="0"/>
+              <a:ea typeface="Verdana" panose="020B0604030504040204" pitchFamily="34" charset="0"/>
+              <a:cs typeface="Verdana" panose="020B0604030504040204" pitchFamily="34" charset="0"/>
+            </a:endParaRPr>
+          </a:p>
+          <a:p>
+            <a:pPr marL="0" indent="0">
+              <a:buNone/>
+            </a:pPr>
+            <a:endParaRPr lang="en-SG" sz="2700" dirty="0">
+              <a:latin typeface="Verdana" panose="020B0604030504040204" pitchFamily="34" charset="0"/>
+              <a:ea typeface="Verdana" panose="020B0604030504040204" pitchFamily="34" charset="0"/>
+              <a:cs typeface="Verdana" panose="020B0604030504040204" pitchFamily="34" charset="0"/>
+            </a:endParaRPr>
+          </a:p>
+          <a:p>
+            <a:r>
+              <a:rPr lang="en-SG" sz="2700" dirty="0" smtClean="0">
+                <a:latin typeface="Verdana" panose="020B0604030504040204" pitchFamily="34" charset="0"/>
+                <a:ea typeface="Verdana" panose="020B0604030504040204" pitchFamily="34" charset="0"/>
+                <a:cs typeface="Verdana" panose="020B0604030504040204" pitchFamily="34" charset="0"/>
+              </a:rPr>
+              <a:t>Windows</a:t>
+            </a:r>
+            <a:r>
+              <a:rPr lang="en-SG" sz="2700" dirty="0">
+                <a:latin typeface="Verdana" panose="020B0604030504040204" pitchFamily="34" charset="0"/>
+                <a:ea typeface="Verdana" panose="020B0604030504040204" pitchFamily="34" charset="0"/>
+                <a:cs typeface="Verdana" panose="020B0604030504040204" pitchFamily="34" charset="0"/>
+              </a:rPr>
+              <a:t>, Linux, Mac</a:t>
+            </a:r>
+          </a:p>
+          <a:p>
+            <a:endParaRPr lang="en-SG" dirty="0" smtClean="0">
+              <a:latin typeface="Verdana" panose="020B0604030504040204" pitchFamily="34" charset="0"/>
+              <a:ea typeface="Verdana" panose="020B0604030504040204" pitchFamily="34" charset="0"/>
+              <a:cs typeface="Verdana" panose="020B0604030504040204" pitchFamily="34" charset="0"/>
+            </a:endParaRPr>
+          </a:p>
+          <a:p>
+            <a:endParaRPr lang="en-SG" dirty="0" smtClean="0">
+              <a:latin typeface="Verdana" panose="020B0604030504040204" pitchFamily="34" charset="0"/>
+              <a:ea typeface="Verdana" panose="020B0604030504040204" pitchFamily="34" charset="0"/>
+              <a:cs typeface="Verdana" panose="020B0604030504040204" pitchFamily="34" charset="0"/>
+            </a:endParaRPr>
+          </a:p>
+        </p:txBody>
+      </p:sp>
+      <p:sp>
+        <p:nvSpPr>
+          <p:cNvPr id="2" name="Title 1"/>
+          <p:cNvSpPr>
+            <a:spLocks noGrp="1"/>
+          </p:cNvSpPr>
+          <p:nvPr>
+            <p:ph type="title"/>
+          </p:nvPr>
+        </p:nvSpPr>
+        <p:spPr/>
+        <p:txBody>
+          <a:bodyPr>
+            <a:normAutofit/>
+          </a:bodyPr>
+          <a:lstStyle/>
+          <a:p>
+            <a:r>
+              <a:rPr lang="en-SG" sz="4050" b="0" dirty="0">
+                <a:latin typeface="Verdana" panose="020B0604030504040204" pitchFamily="34" charset="0"/>
+                <a:ea typeface="Verdana" panose="020B0604030504040204" pitchFamily="34" charset="0"/>
+                <a:cs typeface="Verdana" panose="020B0604030504040204" pitchFamily="34" charset="0"/>
+              </a:rPr>
+              <a:t>Run on </a:t>
+            </a:r>
+            <a:r>
+              <a:rPr lang="en-SG" sz="4050" b="0" dirty="0" smtClean="0">
+                <a:latin typeface="Verdana" panose="020B0604030504040204" pitchFamily="34" charset="0"/>
+                <a:ea typeface="Verdana" panose="020B0604030504040204" pitchFamily="34" charset="0"/>
+                <a:cs typeface="Verdana" panose="020B0604030504040204" pitchFamily="34" charset="0"/>
+              </a:rPr>
+              <a:t>anything with Java</a:t>
+            </a:r>
+            <a:endParaRPr lang="en-SG" sz="4050" b="0" dirty="0">
+              <a:latin typeface="Verdana" panose="020B0604030504040204" pitchFamily="34" charset="0"/>
+              <a:ea typeface="Verdana" panose="020B0604030504040204" pitchFamily="34" charset="0"/>
+              <a:cs typeface="Verdana" panose="020B0604030504040204" pitchFamily="34" charset="0"/>
+            </a:endParaRPr>
+          </a:p>
+        </p:txBody>
+      </p:sp>
+    </p:spTree>
+    <p:extLst>
+      <p:ext uri="{BB962C8B-B14F-4D97-AF65-F5344CB8AC3E}">
+        <p14:creationId xmlns:p14="http://schemas.microsoft.com/office/powerpoint/2010/main" val="1342099388"/>
+      </p:ext>
+    </p:extLst>
+  </p:cSld>
+  <p:clrMapOvr>
+    <a:masterClrMapping/>
+  </p:clrMapOvr>
+  <mc:AlternateContent xmlns:mc="http://schemas.openxmlformats.org/markup-compatibility/2006">
+    <mc:Choice xmlns:p14="http://schemas.microsoft.com/office/powerpoint/2010/main" Requires="p14">
+      <p:transition spd="med" p14:dur="700">
+        <p:fade/>
+      </p:transition>
+    </mc:Choice>
+    <mc:Fallback>
+      <p:transition spd="med">
+        <p:fade/>
+      </p:transition>
+    </mc:Fallback>
+  </mc:AlternateContent>
+  <p:timing>
+    <p:tnLst>
+      <p:par>
+        <p:cTn id="1" dur="indefinite" restart="never" nodeType="tmRoot">
+          <p:childTnLst>
+            <p:seq concurrent="1" nextAc="seek">
+              <p:cTn id="2" dur="indefinite" nodeType="mainSeq">
+                <p:childTnLst>
+                  <p:par>
+                    <p:cTn id="3" fill="hold">
+                      <p:stCondLst>
+                        <p:cond delay="indefinite"/>
+                      </p:stCondLst>
+                      <p:childTnLst>
+                        <p:par>
+                          <p:cTn id="4" fill="hold">
+                            <p:stCondLst>
+                              <p:cond delay="0"/>
+                            </p:stCondLst>
+                            <p:childTnLst>
+                              <p:par>
+                                <p:cTn id="5" presetID="42" presetClass="entr" presetSubtype="0" fill="hold" nodeType="clickEffect">
+                                  <p:stCondLst>
+                                    <p:cond delay="0"/>
+                                  </p:stCondLst>
+                                  <p:childTnLst>
+                                    <p:set>
+                                      <p:cBhvr>
+                                        <p:cTn id="6" dur="1" fill="hold">
+                                          <p:stCondLst>
+                                            <p:cond delay="0"/>
+                                          </p:stCondLst>
+                                        </p:cTn>
+                                        <p:tgtEl>
+                                          <p:spTgt spid="3">
+                                            <p:txEl>
+                                              <p:pRg st="2" end="2"/>
+                                            </p:txEl>
+                                          </p:spTgt>
+                                        </p:tgtEl>
+                                        <p:attrNameLst>
+                                          <p:attrName>style.visibility</p:attrName>
+                                        </p:attrNameLst>
+                                      </p:cBhvr>
+                                      <p:to>
+                                        <p:strVal val="visible"/>
+                                      </p:to>
+                                    </p:set>
+                                    <p:animEffect transition="in" filter="fade">
+                                      <p:cBhvr>
+                                        <p:cTn id="7" dur="500"/>
+                                        <p:tgtEl>
+                                          <p:spTgt spid="3">
+                                            <p:txEl>
+                                              <p:pRg st="2" end="2"/>
+                                            </p:txEl>
+                                          </p:spTgt>
+                                        </p:tgtEl>
+                                      </p:cBhvr>
+                                    </p:animEffect>
+                                    <p:anim calcmode="lin" valueType="num">
+                                      <p:cBhvr>
+                                        <p:cTn id="8" dur="500" fill="hold"/>
+                                        <p:tgtEl>
+                                          <p:spTgt spid="3">
+                                            <p:txEl>
+                                              <p:pRg st="2" end="2"/>
+                                            </p:txEl>
+                                          </p:spTgt>
+                                        </p:tgtEl>
+                                        <p:attrNameLst>
+                                          <p:attrName>ppt_x</p:attrName>
+                                        </p:attrNameLst>
+                                      </p:cBhvr>
+                                      <p:tavLst>
+                                        <p:tav tm="0">
+                                          <p:val>
+                                            <p:strVal val="#ppt_x"/>
+                                          </p:val>
+                                        </p:tav>
+                                        <p:tav tm="100000">
+                                          <p:val>
+                                            <p:strVal val="#ppt_x"/>
+                                          </p:val>
+                                        </p:tav>
+                                      </p:tavLst>
+                                    </p:anim>
+                                    <p:anim calcmode="lin" valueType="num">
+                                      <p:cBhvr>
+                                        <p:cTn id="9" dur="500" fill="hold"/>
+                                        <p:tgtEl>
+                                          <p:spTgt spid="3">
+                                            <p:txEl>
+                                              <p:pRg st="2" end="2"/>
+                                            </p:txEl>
+                                          </p:spTgt>
+                                        </p:tgtEl>
+                                        <p:attrNameLst>
+                                          <p:attrName>ppt_y</p:attrName>
+                                        </p:attrNameLst>
+                                      </p:cBhvr>
+                                      <p:tavLst>
+                                        <p:tav tm="0">
+                                          <p:val>
+                                            <p:strVal val="#ppt_y+.1"/>
+                                          </p:val>
+                                        </p:tav>
+                                        <p:tav tm="100000">
+                                          <p:val>
+                                            <p:strVal val="#ppt_y"/>
+                                          </p:val>
+                                        </p:tav>
+                                      </p:tavLst>
+                                    </p:anim>
+                                  </p:childTnLst>
+                                </p:cTn>
+                              </p:par>
+                            </p:childTnLst>
+                          </p:cTn>
+                        </p:par>
+                      </p:childTnLst>
+                    </p:cTn>
+                  </p:par>
+                </p:childTnLst>
+              </p:cTn>
+              <p:prevCondLst>
+                <p:cond evt="onPrev" delay="0">
+                  <p:tgtEl>
+                    <p:sldTgt/>
+                  </p:tgtEl>
+                </p:cond>
+              </p:prevCondLst>
+              <p:nextCondLst>
+                <p:cond evt="onNext" delay="0">
+                  <p:tgtEl>
+                    <p:sldTgt/>
+                  </p:tgtEl>
+                </p:cond>
+              </p:nextCondLst>
+            </p:seq>
+          </p:childTnLst>
+        </p:cTn>
+      </p:par>
+    </p:tnLst>
+  </p:timing>
+</p:sld>
+</file>
+
+<file path=ppt/slides/slide11.xml><?xml version="1.0" encoding="utf-8"?>
+<p:sld xmlns:a="http://schemas.openxmlformats.org/drawingml/2006/main" xmlns:r="http://schemas.openxmlformats.org/officeDocument/2006/relationships" xmlns:p="http://schemas.openxmlformats.org/presentationml/2006/main">
+  <p:cSld>
+    <p:spTree>
+      <p:nvGrpSpPr>
+        <p:cNvPr id="1" name=""/>
+        <p:cNvGrpSpPr/>
+        <p:nvPr/>
+      </p:nvGrpSpPr>
+      <p:grpSpPr>
+        <a:xfrm>
+          <a:off x="0" y="0"/>
+          <a:ext cx="0" cy="0"/>
+          <a:chOff x="0" y="0"/>
+          <a:chExt cx="0" cy="0"/>
+        </a:xfrm>
+      </p:grpSpPr>
+      <p:sp>
+        <p:nvSpPr>
+          <p:cNvPr id="3" name="Content Placeholder 2"/>
+          <p:cNvSpPr>
+            <a:spLocks noGrp="1"/>
+          </p:cNvSpPr>
+          <p:nvPr>
+            <p:ph idx="1"/>
+          </p:nvPr>
+        </p:nvSpPr>
+        <p:spPr>
+          <a:xfrm>
+            <a:off x="1464447" y="1714494"/>
             <a:ext cx="6172200" cy="3291840"/>
           </a:xfrm>
         </p:spPr>
@@ -8301,63 +8536,51 @@
           <a:lstStyle/>
           <a:p>
             <a:r>
+              <a:rPr lang="en-SG" sz="2700" dirty="0" smtClean="0">
+                <a:latin typeface="Verdana" panose="020B0604030504040204" pitchFamily="34" charset="0"/>
+                <a:ea typeface="Verdana" panose="020B0604030504040204" pitchFamily="34" charset="0"/>
+                <a:cs typeface="Verdana" panose="020B0604030504040204" pitchFamily="34" charset="0"/>
+              </a:rPr>
+              <a:t>Task </a:t>
+            </a:r>
+            <a:r>
               <a:rPr lang="en-SG" sz="2700" dirty="0">
                 <a:latin typeface="Verdana" panose="020B0604030504040204" pitchFamily="34" charset="0"/>
                 <a:ea typeface="Verdana" panose="020B0604030504040204" pitchFamily="34" charset="0"/>
                 <a:cs typeface="Verdana" panose="020B0604030504040204" pitchFamily="34" charset="0"/>
               </a:rPr>
-              <a:t>Safe and </a:t>
-            </a:r>
+              <a:t>list saved to file after every operation. </a:t>
+            </a:r>
+            <a:endParaRPr lang="en-SG" sz="2700" dirty="0" smtClean="0">
+              <a:latin typeface="Verdana" panose="020B0604030504040204" pitchFamily="34" charset="0"/>
+              <a:ea typeface="Verdana" panose="020B0604030504040204" pitchFamily="34" charset="0"/>
+              <a:cs typeface="Verdana" panose="020B0604030504040204" pitchFamily="34" charset="0"/>
+            </a:endParaRPr>
+          </a:p>
+          <a:p>
+            <a:pPr marL="0" indent="0">
+              <a:buNone/>
+            </a:pPr>
+            <a:endParaRPr lang="en-SG" sz="2700" dirty="0">
+              <a:latin typeface="Verdana" panose="020B0604030504040204" pitchFamily="34" charset="0"/>
+              <a:ea typeface="Verdana" panose="020B0604030504040204" pitchFamily="34" charset="0"/>
+              <a:cs typeface="Verdana" panose="020B0604030504040204" pitchFamily="34" charset="0"/>
+            </a:endParaRPr>
+          </a:p>
+          <a:p>
             <a:r>
               <a:rPr lang="en-SG" sz="2700" dirty="0" smtClean="0">
                 <a:latin typeface="Verdana" panose="020B0604030504040204" pitchFamily="34" charset="0"/>
                 <a:ea typeface="Verdana" panose="020B0604030504040204" pitchFamily="34" charset="0"/>
                 <a:cs typeface="Verdana" panose="020B0604030504040204" pitchFamily="34" charset="0"/>
               </a:rPr>
-              <a:t>Virus-free</a:t>
-            </a:r>
-          </a:p>
-          <a:p>
+              <a:t>Stable and never crashes</a:t>
+            </a:r>
             <a:endParaRPr lang="en-SG" sz="2700" dirty="0">
               <a:latin typeface="Verdana" panose="020B0604030504040204" pitchFamily="34" charset="0"/>
               <a:ea typeface="Verdana" panose="020B0604030504040204" pitchFamily="34" charset="0"/>
               <a:cs typeface="Verdana" panose="020B0604030504040204" pitchFamily="34" charset="0"/>
             </a:endParaRPr>
-          </a:p>
-          <a:p>
-            <a:r>
-              <a:rPr lang="en-SG" sz="2700" dirty="0">
-                <a:latin typeface="Verdana" panose="020B0604030504040204" pitchFamily="34" charset="0"/>
-                <a:ea typeface="Verdana" panose="020B0604030504040204" pitchFamily="34" charset="0"/>
-                <a:cs typeface="Verdana" panose="020B0604030504040204" pitchFamily="34" charset="0"/>
-              </a:rPr>
-              <a:t>Continuously developed; never </a:t>
-            </a:r>
-            <a:r>
-              <a:rPr lang="en-SG" sz="2700" dirty="0" smtClean="0">
-                <a:latin typeface="Verdana" panose="020B0604030504040204" pitchFamily="34" charset="0"/>
-                <a:ea typeface="Verdana" panose="020B0604030504040204" pitchFamily="34" charset="0"/>
-                <a:cs typeface="Verdana" panose="020B0604030504040204" pitchFamily="34" charset="0"/>
-              </a:rPr>
-              <a:t>obsolete</a:t>
-            </a:r>
-          </a:p>
-          <a:p>
-            <a:endParaRPr lang="en-SG" sz="2700" dirty="0">
-              <a:latin typeface="Verdana" panose="020B0604030504040204" pitchFamily="34" charset="0"/>
-              <a:ea typeface="Verdana" panose="020B0604030504040204" pitchFamily="34" charset="0"/>
-              <a:cs typeface="Verdana" panose="020B0604030504040204" pitchFamily="34" charset="0"/>
-            </a:endParaRPr>
-          </a:p>
-          <a:p>
-            <a:r>
-              <a:rPr lang="en-SG" sz="2700" dirty="0">
-                <a:latin typeface="Verdana" panose="020B0604030504040204" pitchFamily="34" charset="0"/>
-                <a:ea typeface="Verdana" panose="020B0604030504040204" pitchFamily="34" charset="0"/>
-                <a:cs typeface="Verdana" panose="020B0604030504040204" pitchFamily="34" charset="0"/>
-              </a:rPr>
-              <a:t>Customisable by any programmer</a:t>
-            </a:r>
           </a:p>
           <a:p>
             <a:endParaRPr lang="en-SG" dirty="0" smtClean="0">
@@ -8391,12 +8614,12 @@
           <a:lstStyle/>
           <a:p>
             <a:r>
-              <a:rPr lang="en-SG" dirty="0" smtClean="0">
+              <a:rPr lang="en-SG" b="0" dirty="0" smtClean="0">
                 <a:latin typeface="Verdana" panose="020B0604030504040204" pitchFamily="34" charset="0"/>
                 <a:ea typeface="Verdana" panose="020B0604030504040204" pitchFamily="34" charset="0"/>
                 <a:cs typeface="Verdana" panose="020B0604030504040204" pitchFamily="34" charset="0"/>
               </a:rPr>
-              <a:t>Free and Open source</a:t>
+              <a:t>Reliable</a:t>
             </a:r>
           </a:p>
         </p:txBody>
@@ -8404,20 +8627,829 @@
     </p:spTree>
     <p:extLst>
       <p:ext uri="{BB962C8B-B14F-4D97-AF65-F5344CB8AC3E}">
-        <p14:creationId xmlns:p14="http://schemas.microsoft.com/office/powerpoint/2010/main" val="3478573609"/>
+        <p14:creationId xmlns:p14="http://schemas.microsoft.com/office/powerpoint/2010/main" val="2420263624"/>
       </p:ext>
     </p:extLst>
   </p:cSld>
   <p:clrMapOvr>
     <a:masterClrMapping/>
   </p:clrMapOvr>
-  <mc:AlternateContent xmlns:mc="http://schemas.openxmlformats.org/markup-compatibility/2006" xmlns:p14="http://schemas.microsoft.com/office/powerpoint/2010/main">
-    <mc:Choice Requires="p14">
+  <mc:AlternateContent xmlns:mc="http://schemas.openxmlformats.org/markup-compatibility/2006">
+    <mc:Choice xmlns:p14="http://schemas.microsoft.com/office/powerpoint/2010/main" Requires="p14">
       <p:transition spd="med" p14:dur="700">
         <p:fade/>
       </p:transition>
     </mc:Choice>
-    <mc:Fallback xmlns="">
+    <mc:Fallback>
+      <p:transition spd="med">
+        <p:fade/>
+      </p:transition>
+    </mc:Fallback>
+  </mc:AlternateContent>
+  <p:timing>
+    <p:tnLst>
+      <p:par>
+        <p:cTn id="1" dur="indefinite" restart="never" nodeType="tmRoot">
+          <p:childTnLst>
+            <p:seq concurrent="1" nextAc="seek">
+              <p:cTn id="2" dur="indefinite" nodeType="mainSeq">
+                <p:childTnLst>
+                  <p:par>
+                    <p:cTn id="3" fill="hold">
+                      <p:stCondLst>
+                        <p:cond delay="indefinite"/>
+                      </p:stCondLst>
+                      <p:childTnLst>
+                        <p:par>
+                          <p:cTn id="4" fill="hold">
+                            <p:stCondLst>
+                              <p:cond delay="0"/>
+                            </p:stCondLst>
+                            <p:childTnLst>
+                              <p:par>
+                                <p:cTn id="5" presetID="42" presetClass="entr" presetSubtype="0" fill="hold" nodeType="clickEffect">
+                                  <p:stCondLst>
+                                    <p:cond delay="0"/>
+                                  </p:stCondLst>
+                                  <p:childTnLst>
+                                    <p:set>
+                                      <p:cBhvr>
+                                        <p:cTn id="6" dur="1" fill="hold">
+                                          <p:stCondLst>
+                                            <p:cond delay="0"/>
+                                          </p:stCondLst>
+                                        </p:cTn>
+                                        <p:tgtEl>
+                                          <p:spTgt spid="3">
+                                            <p:txEl>
+                                              <p:pRg st="2" end="2"/>
+                                            </p:txEl>
+                                          </p:spTgt>
+                                        </p:tgtEl>
+                                        <p:attrNameLst>
+                                          <p:attrName>style.visibility</p:attrName>
+                                        </p:attrNameLst>
+                                      </p:cBhvr>
+                                      <p:to>
+                                        <p:strVal val="visible"/>
+                                      </p:to>
+                                    </p:set>
+                                    <p:animEffect transition="in" filter="fade">
+                                      <p:cBhvr>
+                                        <p:cTn id="7" dur="500"/>
+                                        <p:tgtEl>
+                                          <p:spTgt spid="3">
+                                            <p:txEl>
+                                              <p:pRg st="2" end="2"/>
+                                            </p:txEl>
+                                          </p:spTgt>
+                                        </p:tgtEl>
+                                      </p:cBhvr>
+                                    </p:animEffect>
+                                    <p:anim calcmode="lin" valueType="num">
+                                      <p:cBhvr>
+                                        <p:cTn id="8" dur="500" fill="hold"/>
+                                        <p:tgtEl>
+                                          <p:spTgt spid="3">
+                                            <p:txEl>
+                                              <p:pRg st="2" end="2"/>
+                                            </p:txEl>
+                                          </p:spTgt>
+                                        </p:tgtEl>
+                                        <p:attrNameLst>
+                                          <p:attrName>ppt_x</p:attrName>
+                                        </p:attrNameLst>
+                                      </p:cBhvr>
+                                      <p:tavLst>
+                                        <p:tav tm="0">
+                                          <p:val>
+                                            <p:strVal val="#ppt_x"/>
+                                          </p:val>
+                                        </p:tav>
+                                        <p:tav tm="100000">
+                                          <p:val>
+                                            <p:strVal val="#ppt_x"/>
+                                          </p:val>
+                                        </p:tav>
+                                      </p:tavLst>
+                                    </p:anim>
+                                    <p:anim calcmode="lin" valueType="num">
+                                      <p:cBhvr>
+                                        <p:cTn id="9" dur="500" fill="hold"/>
+                                        <p:tgtEl>
+                                          <p:spTgt spid="3">
+                                            <p:txEl>
+                                              <p:pRg st="2" end="2"/>
+                                            </p:txEl>
+                                          </p:spTgt>
+                                        </p:tgtEl>
+                                        <p:attrNameLst>
+                                          <p:attrName>ppt_y</p:attrName>
+                                        </p:attrNameLst>
+                                      </p:cBhvr>
+                                      <p:tavLst>
+                                        <p:tav tm="0">
+                                          <p:val>
+                                            <p:strVal val="#ppt_y+.1"/>
+                                          </p:val>
+                                        </p:tav>
+                                        <p:tav tm="100000">
+                                          <p:val>
+                                            <p:strVal val="#ppt_y"/>
+                                          </p:val>
+                                        </p:tav>
+                                      </p:tavLst>
+                                    </p:anim>
+                                  </p:childTnLst>
+                                </p:cTn>
+                              </p:par>
+                            </p:childTnLst>
+                          </p:cTn>
+                        </p:par>
+                      </p:childTnLst>
+                    </p:cTn>
+                  </p:par>
+                </p:childTnLst>
+              </p:cTn>
+              <p:prevCondLst>
+                <p:cond evt="onPrev" delay="0">
+                  <p:tgtEl>
+                    <p:sldTgt/>
+                  </p:tgtEl>
+                </p:cond>
+              </p:prevCondLst>
+              <p:nextCondLst>
+                <p:cond evt="onNext" delay="0">
+                  <p:tgtEl>
+                    <p:sldTgt/>
+                  </p:tgtEl>
+                </p:cond>
+              </p:nextCondLst>
+            </p:seq>
+          </p:childTnLst>
+        </p:cTn>
+      </p:par>
+    </p:tnLst>
+  </p:timing>
+</p:sld>
+</file>
+
+<file path=ppt/slides/slide12.xml><?xml version="1.0" encoding="utf-8"?>
+<p:sld xmlns:a="http://schemas.openxmlformats.org/drawingml/2006/main" xmlns:r="http://schemas.openxmlformats.org/officeDocument/2006/relationships" xmlns:p="http://schemas.openxmlformats.org/presentationml/2006/main">
+  <p:cSld>
+    <p:spTree>
+      <p:nvGrpSpPr>
+        <p:cNvPr id="1" name=""/>
+        <p:cNvGrpSpPr/>
+        <p:nvPr/>
+      </p:nvGrpSpPr>
+      <p:grpSpPr>
+        <a:xfrm>
+          <a:off x="0" y="0"/>
+          <a:ext cx="0" cy="0"/>
+          <a:chOff x="0" y="0"/>
+          <a:chExt cx="0" cy="0"/>
+        </a:xfrm>
+      </p:grpSpPr>
+      <p:pic>
+        <p:nvPicPr>
+          <p:cNvPr id="6" name="Content Placeholder 5" descr="270307-windows-xp-vista-and-7-blue-screen-of-death.jpg"/>
+          <p:cNvPicPr>
+            <a:picLocks noGrp="1" noChangeAspect="1"/>
+          </p:cNvPicPr>
+          <p:nvPr>
+            <p:ph idx="1"/>
+          </p:nvPr>
+        </p:nvPicPr>
+        <p:blipFill>
+          <a:blip r:embed="rId2"/>
+          <a:stretch>
+            <a:fillRect/>
+          </a:stretch>
+        </p:blipFill>
+        <p:spPr>
+          <a:xfrm>
+            <a:off x="0" y="1"/>
+            <a:ext cx="9144000" cy="5162649"/>
+          </a:xfrm>
+        </p:spPr>
+      </p:pic>
+      <p:sp>
+        <p:nvSpPr>
+          <p:cNvPr id="4" name="Title 3"/>
+          <p:cNvSpPr>
+            <a:spLocks noGrp="1"/>
+          </p:cNvSpPr>
+          <p:nvPr>
+            <p:ph type="title"/>
+          </p:nvPr>
+        </p:nvSpPr>
+        <p:spPr/>
+        <p:txBody>
+          <a:bodyPr/>
+          <a:lstStyle/>
+          <a:p>
+            <a:endParaRPr lang="en-US"/>
+          </a:p>
+        </p:txBody>
+      </p:sp>
+    </p:spTree>
+    <p:extLst>
+      <p:ext uri="{BB962C8B-B14F-4D97-AF65-F5344CB8AC3E}">
+        <p14:creationId xmlns:p14="http://schemas.microsoft.com/office/powerpoint/2010/main" val="3723066267"/>
+      </p:ext>
+    </p:extLst>
+  </p:cSld>
+  <p:clrMapOvr>
+    <a:masterClrMapping/>
+  </p:clrMapOvr>
+  <mc:AlternateContent xmlns:mc="http://schemas.openxmlformats.org/markup-compatibility/2006">
+    <mc:Choice xmlns:p14="http://schemas.microsoft.com/office/powerpoint/2010/main" Requires="p14">
+      <p:transition spd="med" p14:dur="700">
+        <p:fade/>
+      </p:transition>
+    </mc:Choice>
+    <mc:Fallback>
+      <p:transition spd="med">
+        <p:fade/>
+      </p:transition>
+    </mc:Fallback>
+  </mc:AlternateContent>
+  <p:timing>
+    <p:tnLst>
+      <p:par>
+        <p:cTn id="1" dur="indefinite" restart="never" nodeType="tmRoot"/>
+      </p:par>
+    </p:tnLst>
+  </p:timing>
+</p:sld>
+</file>
+
+<file path=ppt/slides/slide13.xml><?xml version="1.0" encoding="utf-8"?>
+<p:sld xmlns:a="http://schemas.openxmlformats.org/drawingml/2006/main" xmlns:r="http://schemas.openxmlformats.org/officeDocument/2006/relationships" xmlns:p="http://schemas.openxmlformats.org/presentationml/2006/main">
+  <p:cSld>
+    <p:spTree>
+      <p:nvGrpSpPr>
+        <p:cNvPr id="1" name=""/>
+        <p:cNvGrpSpPr/>
+        <p:nvPr/>
+      </p:nvGrpSpPr>
+      <p:grpSpPr>
+        <a:xfrm>
+          <a:off x="0" y="0"/>
+          <a:ext cx="0" cy="0"/>
+          <a:chOff x="0" y="0"/>
+          <a:chExt cx="0" cy="0"/>
+        </a:xfrm>
+      </p:grpSpPr>
+      <p:sp>
+        <p:nvSpPr>
+          <p:cNvPr id="3" name="Content Placeholder 2"/>
+          <p:cNvSpPr>
+            <a:spLocks noGrp="1"/>
+          </p:cNvSpPr>
+          <p:nvPr>
+            <p:ph idx="1"/>
+          </p:nvPr>
+        </p:nvSpPr>
+        <p:spPr>
+          <a:xfrm>
+            <a:off x="1464447" y="1714494"/>
+            <a:ext cx="6172200" cy="3291840"/>
+          </a:xfrm>
+        </p:spPr>
+        <p:txBody>
+          <a:bodyPr>
+            <a:normAutofit/>
+          </a:bodyPr>
+          <a:lstStyle/>
+          <a:p>
+            <a:r>
+              <a:rPr lang="en-SG" sz="2700" dirty="0">
+                <a:latin typeface="Verdana" panose="020B0604030504040204" pitchFamily="34" charset="0"/>
+                <a:ea typeface="Verdana" panose="020B0604030504040204" pitchFamily="34" charset="0"/>
+                <a:cs typeface="Verdana" panose="020B0604030504040204" pitchFamily="34" charset="0"/>
+              </a:rPr>
+              <a:t>Saving done only after list updated on </a:t>
+            </a:r>
+            <a:r>
+              <a:rPr lang="en-SG" sz="2700" dirty="0" smtClean="0">
+                <a:latin typeface="Verdana" panose="020B0604030504040204" pitchFamily="34" charset="0"/>
+                <a:ea typeface="Verdana" panose="020B0604030504040204" pitchFamily="34" charset="0"/>
+                <a:cs typeface="Verdana" panose="020B0604030504040204" pitchFamily="34" charset="0"/>
+              </a:rPr>
+              <a:t>display</a:t>
+            </a:r>
+          </a:p>
+          <a:p>
+            <a:endParaRPr lang="en-SG" sz="2700" dirty="0">
+              <a:latin typeface="Verdana" panose="020B0604030504040204" pitchFamily="34" charset="0"/>
+              <a:ea typeface="Verdana" panose="020B0604030504040204" pitchFamily="34" charset="0"/>
+              <a:cs typeface="Verdana" panose="020B0604030504040204" pitchFamily="34" charset="0"/>
+            </a:endParaRPr>
+          </a:p>
+          <a:p>
+            <a:r>
+              <a:rPr lang="en-SG" sz="2700" dirty="0">
+                <a:latin typeface="Verdana" panose="020B0604030504040204" pitchFamily="34" charset="0"/>
+                <a:ea typeface="Verdana" panose="020B0604030504040204" pitchFamily="34" charset="0"/>
+                <a:cs typeface="Verdana" panose="020B0604030504040204" pitchFamily="34" charset="0"/>
+              </a:rPr>
+              <a:t>No perceivable delay</a:t>
+            </a:r>
+          </a:p>
+          <a:p>
+            <a:endParaRPr lang="en-SG" dirty="0" smtClean="0">
+              <a:latin typeface="Verdana" panose="020B0604030504040204" pitchFamily="34" charset="0"/>
+              <a:ea typeface="Verdana" panose="020B0604030504040204" pitchFamily="34" charset="0"/>
+              <a:cs typeface="Verdana" panose="020B0604030504040204" pitchFamily="34" charset="0"/>
+            </a:endParaRPr>
+          </a:p>
+          <a:p>
+            <a:endParaRPr lang="en-SG" dirty="0" smtClean="0">
+              <a:latin typeface="Verdana" panose="020B0604030504040204" pitchFamily="34" charset="0"/>
+              <a:ea typeface="Verdana" panose="020B0604030504040204" pitchFamily="34" charset="0"/>
+              <a:cs typeface="Verdana" panose="020B0604030504040204" pitchFamily="34" charset="0"/>
+            </a:endParaRPr>
+          </a:p>
+        </p:txBody>
+      </p:sp>
+      <p:sp>
+        <p:nvSpPr>
+          <p:cNvPr id="2" name="Title 1"/>
+          <p:cNvSpPr>
+            <a:spLocks noGrp="1"/>
+          </p:cNvSpPr>
+          <p:nvPr>
+            <p:ph type="title"/>
+          </p:nvPr>
+        </p:nvSpPr>
+        <p:spPr/>
+        <p:txBody>
+          <a:bodyPr/>
+          <a:lstStyle/>
+          <a:p>
+            <a:r>
+              <a:rPr lang="en-SG" b="0" dirty="0" smtClean="0">
+                <a:latin typeface="Verdana" panose="020B0604030504040204" pitchFamily="34" charset="0"/>
+                <a:ea typeface="Verdana" panose="020B0604030504040204" pitchFamily="34" charset="0"/>
+                <a:cs typeface="Verdana" panose="020B0604030504040204" pitchFamily="34" charset="0"/>
+              </a:rPr>
+              <a:t>Performance</a:t>
+            </a:r>
+          </a:p>
+        </p:txBody>
+      </p:sp>
+    </p:spTree>
+    <p:extLst>
+      <p:ext uri="{BB962C8B-B14F-4D97-AF65-F5344CB8AC3E}">
+        <p14:creationId xmlns:p14="http://schemas.microsoft.com/office/powerpoint/2010/main" val="3884211131"/>
+      </p:ext>
+    </p:extLst>
+  </p:cSld>
+  <p:clrMapOvr>
+    <a:masterClrMapping/>
+  </p:clrMapOvr>
+  <mc:AlternateContent xmlns:mc="http://schemas.openxmlformats.org/markup-compatibility/2006">
+    <mc:Choice xmlns:p14="http://schemas.microsoft.com/office/powerpoint/2010/main" Requires="p14">
+      <p:transition spd="med" p14:dur="700">
+        <p:fade/>
+      </p:transition>
+    </mc:Choice>
+    <mc:Fallback>
+      <p:transition spd="med">
+        <p:fade/>
+      </p:transition>
+    </mc:Fallback>
+  </mc:AlternateContent>
+  <p:timing>
+    <p:tnLst>
+      <p:par>
+        <p:cTn id="1" dur="indefinite" restart="never" nodeType="tmRoot">
+          <p:childTnLst>
+            <p:seq concurrent="1" nextAc="seek">
+              <p:cTn id="2" dur="indefinite" nodeType="mainSeq">
+                <p:childTnLst>
+                  <p:par>
+                    <p:cTn id="3" fill="hold">
+                      <p:stCondLst>
+                        <p:cond delay="indefinite"/>
+                      </p:stCondLst>
+                      <p:childTnLst>
+                        <p:par>
+                          <p:cTn id="4" fill="hold">
+                            <p:stCondLst>
+                              <p:cond delay="0"/>
+                            </p:stCondLst>
+                            <p:childTnLst>
+                              <p:par>
+                                <p:cTn id="5" presetID="42" presetClass="entr" presetSubtype="0" fill="hold" nodeType="clickEffect">
+                                  <p:stCondLst>
+                                    <p:cond delay="0"/>
+                                  </p:stCondLst>
+                                  <p:childTnLst>
+                                    <p:set>
+                                      <p:cBhvr>
+                                        <p:cTn id="6" dur="1" fill="hold">
+                                          <p:stCondLst>
+                                            <p:cond delay="0"/>
+                                          </p:stCondLst>
+                                        </p:cTn>
+                                        <p:tgtEl>
+                                          <p:spTgt spid="3">
+                                            <p:txEl>
+                                              <p:pRg st="0" end="0"/>
+                                            </p:txEl>
+                                          </p:spTgt>
+                                        </p:tgtEl>
+                                        <p:attrNameLst>
+                                          <p:attrName>style.visibility</p:attrName>
+                                        </p:attrNameLst>
+                                      </p:cBhvr>
+                                      <p:to>
+                                        <p:strVal val="visible"/>
+                                      </p:to>
+                                    </p:set>
+                                    <p:animEffect transition="in" filter="fade">
+                                      <p:cBhvr>
+                                        <p:cTn id="7" dur="500"/>
+                                        <p:tgtEl>
+                                          <p:spTgt spid="3">
+                                            <p:txEl>
+                                              <p:pRg st="0" end="0"/>
+                                            </p:txEl>
+                                          </p:spTgt>
+                                        </p:tgtEl>
+                                      </p:cBhvr>
+                                    </p:animEffect>
+                                    <p:anim calcmode="lin" valueType="num">
+                                      <p:cBhvr>
+                                        <p:cTn id="8" dur="500" fill="hold"/>
+                                        <p:tgtEl>
+                                          <p:spTgt spid="3">
+                                            <p:txEl>
+                                              <p:pRg st="0" end="0"/>
+                                            </p:txEl>
+                                          </p:spTgt>
+                                        </p:tgtEl>
+                                        <p:attrNameLst>
+                                          <p:attrName>ppt_x</p:attrName>
+                                        </p:attrNameLst>
+                                      </p:cBhvr>
+                                      <p:tavLst>
+                                        <p:tav tm="0">
+                                          <p:val>
+                                            <p:strVal val="#ppt_x"/>
+                                          </p:val>
+                                        </p:tav>
+                                        <p:tav tm="100000">
+                                          <p:val>
+                                            <p:strVal val="#ppt_x"/>
+                                          </p:val>
+                                        </p:tav>
+                                      </p:tavLst>
+                                    </p:anim>
+                                    <p:anim calcmode="lin" valueType="num">
+                                      <p:cBhvr>
+                                        <p:cTn id="9" dur="500" fill="hold"/>
+                                        <p:tgtEl>
+                                          <p:spTgt spid="3">
+                                            <p:txEl>
+                                              <p:pRg st="0" end="0"/>
+                                            </p:txEl>
+                                          </p:spTgt>
+                                        </p:tgtEl>
+                                        <p:attrNameLst>
+                                          <p:attrName>ppt_y</p:attrName>
+                                        </p:attrNameLst>
+                                      </p:cBhvr>
+                                      <p:tavLst>
+                                        <p:tav tm="0">
+                                          <p:val>
+                                            <p:strVal val="#ppt_y+.1"/>
+                                          </p:val>
+                                        </p:tav>
+                                        <p:tav tm="100000">
+                                          <p:val>
+                                            <p:strVal val="#ppt_y"/>
+                                          </p:val>
+                                        </p:tav>
+                                      </p:tavLst>
+                                    </p:anim>
+                                  </p:childTnLst>
+                                </p:cTn>
+                              </p:par>
+                            </p:childTnLst>
+                          </p:cTn>
+                        </p:par>
+                      </p:childTnLst>
+                    </p:cTn>
+                  </p:par>
+                  <p:par>
+                    <p:cTn id="10" fill="hold">
+                      <p:stCondLst>
+                        <p:cond delay="indefinite"/>
+                      </p:stCondLst>
+                      <p:childTnLst>
+                        <p:par>
+                          <p:cTn id="11" fill="hold">
+                            <p:stCondLst>
+                              <p:cond delay="0"/>
+                            </p:stCondLst>
+                            <p:childTnLst>
+                              <p:par>
+                                <p:cTn id="12" presetID="42" presetClass="entr" presetSubtype="0" fill="hold" nodeType="clickEffect">
+                                  <p:stCondLst>
+                                    <p:cond delay="0"/>
+                                  </p:stCondLst>
+                                  <p:childTnLst>
+                                    <p:set>
+                                      <p:cBhvr>
+                                        <p:cTn id="13" dur="1" fill="hold">
+                                          <p:stCondLst>
+                                            <p:cond delay="0"/>
+                                          </p:stCondLst>
+                                        </p:cTn>
+                                        <p:tgtEl>
+                                          <p:spTgt spid="3">
+                                            <p:txEl>
+                                              <p:pRg st="2" end="2"/>
+                                            </p:txEl>
+                                          </p:spTgt>
+                                        </p:tgtEl>
+                                        <p:attrNameLst>
+                                          <p:attrName>style.visibility</p:attrName>
+                                        </p:attrNameLst>
+                                      </p:cBhvr>
+                                      <p:to>
+                                        <p:strVal val="visible"/>
+                                      </p:to>
+                                    </p:set>
+                                    <p:animEffect transition="in" filter="fade">
+                                      <p:cBhvr>
+                                        <p:cTn id="14" dur="500"/>
+                                        <p:tgtEl>
+                                          <p:spTgt spid="3">
+                                            <p:txEl>
+                                              <p:pRg st="2" end="2"/>
+                                            </p:txEl>
+                                          </p:spTgt>
+                                        </p:tgtEl>
+                                      </p:cBhvr>
+                                    </p:animEffect>
+                                    <p:anim calcmode="lin" valueType="num">
+                                      <p:cBhvr>
+                                        <p:cTn id="15" dur="500" fill="hold"/>
+                                        <p:tgtEl>
+                                          <p:spTgt spid="3">
+                                            <p:txEl>
+                                              <p:pRg st="2" end="2"/>
+                                            </p:txEl>
+                                          </p:spTgt>
+                                        </p:tgtEl>
+                                        <p:attrNameLst>
+                                          <p:attrName>ppt_x</p:attrName>
+                                        </p:attrNameLst>
+                                      </p:cBhvr>
+                                      <p:tavLst>
+                                        <p:tav tm="0">
+                                          <p:val>
+                                            <p:strVal val="#ppt_x"/>
+                                          </p:val>
+                                        </p:tav>
+                                        <p:tav tm="100000">
+                                          <p:val>
+                                            <p:strVal val="#ppt_x"/>
+                                          </p:val>
+                                        </p:tav>
+                                      </p:tavLst>
+                                    </p:anim>
+                                    <p:anim calcmode="lin" valueType="num">
+                                      <p:cBhvr>
+                                        <p:cTn id="16" dur="500" fill="hold"/>
+                                        <p:tgtEl>
+                                          <p:spTgt spid="3">
+                                            <p:txEl>
+                                              <p:pRg st="2" end="2"/>
+                                            </p:txEl>
+                                          </p:spTgt>
+                                        </p:tgtEl>
+                                        <p:attrNameLst>
+                                          <p:attrName>ppt_y</p:attrName>
+                                        </p:attrNameLst>
+                                      </p:cBhvr>
+                                      <p:tavLst>
+                                        <p:tav tm="0">
+                                          <p:val>
+                                            <p:strVal val="#ppt_y+.1"/>
+                                          </p:val>
+                                        </p:tav>
+                                        <p:tav tm="100000">
+                                          <p:val>
+                                            <p:strVal val="#ppt_y"/>
+                                          </p:val>
+                                        </p:tav>
+                                      </p:tavLst>
+                                    </p:anim>
+                                  </p:childTnLst>
+                                </p:cTn>
+                              </p:par>
+                            </p:childTnLst>
+                          </p:cTn>
+                        </p:par>
+                      </p:childTnLst>
+                    </p:cTn>
+                  </p:par>
+                </p:childTnLst>
+              </p:cTn>
+              <p:prevCondLst>
+                <p:cond evt="onPrev" delay="0">
+                  <p:tgtEl>
+                    <p:sldTgt/>
+                  </p:tgtEl>
+                </p:cond>
+              </p:prevCondLst>
+              <p:nextCondLst>
+                <p:cond evt="onNext" delay="0">
+                  <p:tgtEl>
+                    <p:sldTgt/>
+                  </p:tgtEl>
+                </p:cond>
+              </p:nextCondLst>
+            </p:seq>
+          </p:childTnLst>
+        </p:cTn>
+      </p:par>
+    </p:tnLst>
+  </p:timing>
+</p:sld>
+</file>
+
+<file path=ppt/slides/slide14.xml><?xml version="1.0" encoding="utf-8"?>
+<p:sld xmlns:a="http://schemas.openxmlformats.org/drawingml/2006/main" xmlns:r="http://schemas.openxmlformats.org/officeDocument/2006/relationships" xmlns:p="http://schemas.openxmlformats.org/presentationml/2006/main">
+  <p:cSld>
+    <p:spTree>
+      <p:nvGrpSpPr>
+        <p:cNvPr id="1" name=""/>
+        <p:cNvGrpSpPr/>
+        <p:nvPr/>
+      </p:nvGrpSpPr>
+      <p:grpSpPr>
+        <a:xfrm>
+          <a:off x="0" y="0"/>
+          <a:ext cx="0" cy="0"/>
+          <a:chOff x="0" y="0"/>
+          <a:chExt cx="0" cy="0"/>
+        </a:xfrm>
+      </p:grpSpPr>
+      <p:sp>
+        <p:nvSpPr>
+          <p:cNvPr id="3" name="Content Placeholder 2"/>
+          <p:cNvSpPr>
+            <a:spLocks noGrp="1"/>
+          </p:cNvSpPr>
+          <p:nvPr>
+            <p:ph idx="1"/>
+          </p:nvPr>
+        </p:nvSpPr>
+        <p:spPr>
+          <a:xfrm>
+            <a:off x="1464447" y="1714494"/>
+            <a:ext cx="6172200" cy="3291840"/>
+          </a:xfrm>
+        </p:spPr>
+        <p:txBody>
+          <a:bodyPr>
+            <a:normAutofit/>
+          </a:bodyPr>
+          <a:lstStyle/>
+          <a:p>
+            <a:r>
+              <a:rPr lang="en-SG" sz="2700" dirty="0">
+                <a:latin typeface="Verdana" panose="020B0604030504040204" pitchFamily="34" charset="0"/>
+                <a:ea typeface="Verdana" panose="020B0604030504040204" pitchFamily="34" charset="0"/>
+                <a:cs typeface="Verdana" panose="020B0604030504040204" pitchFamily="34" charset="0"/>
+              </a:rPr>
+              <a:t>Only need </a:t>
+            </a:r>
+            <a:r>
+              <a:rPr lang="en-SG" sz="2700" dirty="0" smtClean="0">
+                <a:latin typeface="Verdana" panose="020B0604030504040204" pitchFamily="34" charset="0"/>
+                <a:ea typeface="Verdana" panose="020B0604030504040204" pitchFamily="34" charset="0"/>
+                <a:cs typeface="Verdana" panose="020B0604030504040204" pitchFamily="34" charset="0"/>
+              </a:rPr>
+              <a:t>keyboard</a:t>
+            </a:r>
+          </a:p>
+          <a:p>
+            <a:pPr marL="0" indent="0">
+              <a:buNone/>
+            </a:pPr>
+            <a:endParaRPr lang="en-SG" sz="2700" dirty="0">
+              <a:latin typeface="Verdana" panose="020B0604030504040204" pitchFamily="34" charset="0"/>
+              <a:ea typeface="Verdana" panose="020B0604030504040204" pitchFamily="34" charset="0"/>
+              <a:cs typeface="Verdana" panose="020B0604030504040204" pitchFamily="34" charset="0"/>
+            </a:endParaRPr>
+          </a:p>
+          <a:p>
+            <a:r>
+              <a:rPr lang="en-SG" sz="2700" dirty="0">
+                <a:latin typeface="Verdana" panose="020B0604030504040204" pitchFamily="34" charset="0"/>
+                <a:ea typeface="Verdana" panose="020B0604030504040204" pitchFamily="34" charset="0"/>
+                <a:cs typeface="Verdana" panose="020B0604030504040204" pitchFamily="34" charset="0"/>
+              </a:rPr>
+              <a:t>Minimal </a:t>
+            </a:r>
+            <a:r>
+              <a:rPr lang="en-SG" sz="2700" dirty="0" smtClean="0">
+                <a:latin typeface="Verdana" panose="020B0604030504040204" pitchFamily="34" charset="0"/>
+                <a:ea typeface="Verdana" panose="020B0604030504040204" pitchFamily="34" charset="0"/>
+                <a:cs typeface="Verdana" panose="020B0604030504040204" pitchFamily="34" charset="0"/>
+              </a:rPr>
+              <a:t>keywords</a:t>
+            </a:r>
+          </a:p>
+          <a:p>
+            <a:endParaRPr lang="en-SG" sz="2700" dirty="0">
+              <a:latin typeface="Verdana" panose="020B0604030504040204" pitchFamily="34" charset="0"/>
+              <a:ea typeface="Verdana" panose="020B0604030504040204" pitchFamily="34" charset="0"/>
+              <a:cs typeface="Verdana" panose="020B0604030504040204" pitchFamily="34" charset="0"/>
+            </a:endParaRPr>
+          </a:p>
+          <a:p>
+            <a:r>
+              <a:rPr lang="en-SG" sz="2700" dirty="0" smtClean="0">
+                <a:latin typeface="Verdana" panose="020B0604030504040204" pitchFamily="34" charset="0"/>
+                <a:ea typeface="Verdana" panose="020B0604030504040204" pitchFamily="34" charset="0"/>
+                <a:cs typeface="Verdana" panose="020B0604030504040204" pitchFamily="34" charset="0"/>
+              </a:rPr>
+              <a:t>Single letter commands</a:t>
+            </a:r>
+            <a:endParaRPr lang="en-SG" sz="2700" dirty="0">
+              <a:latin typeface="Verdana" panose="020B0604030504040204" pitchFamily="34" charset="0"/>
+              <a:ea typeface="Verdana" panose="020B0604030504040204" pitchFamily="34" charset="0"/>
+              <a:cs typeface="Verdana" panose="020B0604030504040204" pitchFamily="34" charset="0"/>
+            </a:endParaRPr>
+          </a:p>
+          <a:p>
+            <a:endParaRPr lang="en-SG" dirty="0" smtClean="0">
+              <a:latin typeface="Verdana" panose="020B0604030504040204" pitchFamily="34" charset="0"/>
+              <a:ea typeface="Verdana" panose="020B0604030504040204" pitchFamily="34" charset="0"/>
+              <a:cs typeface="Verdana" panose="020B0604030504040204" pitchFamily="34" charset="0"/>
+            </a:endParaRPr>
+          </a:p>
+          <a:p>
+            <a:endParaRPr lang="en-SG" dirty="0" smtClean="0">
+              <a:latin typeface="Verdana" panose="020B0604030504040204" pitchFamily="34" charset="0"/>
+              <a:ea typeface="Verdana" panose="020B0604030504040204" pitchFamily="34" charset="0"/>
+              <a:cs typeface="Verdana" panose="020B0604030504040204" pitchFamily="34" charset="0"/>
+            </a:endParaRPr>
+          </a:p>
+        </p:txBody>
+      </p:sp>
+      <p:sp>
+        <p:nvSpPr>
+          <p:cNvPr id="2" name="Title 1"/>
+          <p:cNvSpPr>
+            <a:spLocks noGrp="1"/>
+          </p:cNvSpPr>
+          <p:nvPr>
+            <p:ph type="title"/>
+          </p:nvPr>
+        </p:nvSpPr>
+        <p:spPr/>
+        <p:txBody>
+          <a:bodyPr/>
+          <a:lstStyle/>
+          <a:p>
+            <a:r>
+              <a:rPr lang="en-SG" b="0" dirty="0" smtClean="0">
+                <a:latin typeface="Verdana" panose="020B0604030504040204" pitchFamily="34" charset="0"/>
+                <a:ea typeface="Verdana" panose="020B0604030504040204" pitchFamily="34" charset="0"/>
+                <a:cs typeface="Verdana" panose="020B0604030504040204" pitchFamily="34" charset="0"/>
+              </a:rPr>
+              <a:t>Ease of use</a:t>
+            </a:r>
+          </a:p>
+        </p:txBody>
+      </p:sp>
+    </p:spTree>
+    <p:extLst>
+      <p:ext uri="{BB962C8B-B14F-4D97-AF65-F5344CB8AC3E}">
+        <p14:creationId xmlns:p14="http://schemas.microsoft.com/office/powerpoint/2010/main" val="702902363"/>
+      </p:ext>
+    </p:extLst>
+  </p:cSld>
+  <p:clrMapOvr>
+    <a:masterClrMapping/>
+  </p:clrMapOvr>
+  <mc:AlternateContent xmlns:mc="http://schemas.openxmlformats.org/markup-compatibility/2006">
+    <mc:Choice xmlns:p14="http://schemas.microsoft.com/office/powerpoint/2010/main" Requires="p14">
+      <p:transition spd="med" p14:dur="700">
+        <p:fade/>
+      </p:transition>
+    </mc:Choice>
+    <mc:Fallback>
       <p:transition spd="med">
         <p:fade/>
       </p:transition>
@@ -8801,12 +9833,12 @@
 </p:sld>
 </file>
 
-<file path=ppt/slides/slide11.xml><?xml version="1.0" encoding="utf-8"?>
+<file path=ppt/slides/slide15.xml><?xml version="1.0" encoding="utf-8"?>
 <p:sld xmlns:a="http://schemas.openxmlformats.org/drawingml/2006/main" xmlns:r="http://schemas.openxmlformats.org/officeDocument/2006/relationships" xmlns:p="http://schemas.openxmlformats.org/presentationml/2006/main">
   <p:cSld>
     <p:spTree>
       <p:nvGrpSpPr>
-        <p:cNvPr id="1" name=""/>
+        <p:cNvPr id="1" name="Shape 71"/>
         <p:cNvGrpSpPr/>
         <p:nvPr/>
       </p:nvGrpSpPr>
@@ -8820,127 +9852,137 @@
       </p:grpSpPr>
       <p:sp>
         <p:nvSpPr>
-          <p:cNvPr id="3" name="Content Placeholder 2"/>
-          <p:cNvSpPr>
-            <a:spLocks noGrp="1"/>
-          </p:cNvSpPr>
-          <p:nvPr>
-            <p:ph idx="1"/>
-          </p:nvPr>
-        </p:nvSpPr>
-        <p:spPr>
-          <a:xfrm>
-            <a:off x="1259632" y="1851660"/>
-            <a:ext cx="6779961" cy="3291840"/>
-          </a:xfrm>
-        </p:spPr>
-        <p:txBody>
-          <a:bodyPr>
-            <a:normAutofit/>
-          </a:bodyPr>
-          <a:lstStyle/>
-          <a:p>
-            <a:r>
-              <a:rPr lang="en-SG" sz="2700" dirty="0" smtClean="0">
-                <a:latin typeface="Verdana" panose="020B0604030504040204" pitchFamily="34" charset="0"/>
-                <a:ea typeface="Verdana" panose="020B0604030504040204" pitchFamily="34" charset="0"/>
-                <a:cs typeface="Verdana" panose="020B0604030504040204" pitchFamily="34" charset="0"/>
-              </a:rPr>
-              <a:t>Download for free at </a:t>
-            </a:r>
-            <a:r>
-              <a:rPr lang="en-SG" sz="2700" dirty="0" smtClean="0">
-                <a:latin typeface="Verdana" panose="020B0604030504040204" pitchFamily="34" charset="0"/>
-                <a:ea typeface="Verdana" panose="020B0604030504040204" pitchFamily="34" charset="0"/>
-                <a:cs typeface="Verdana" panose="020B0604030504040204" pitchFamily="34" charset="0"/>
-                <a:hlinkClick r:id="rId2"/>
-              </a:rPr>
-              <a:t>www.java.com</a:t>
-            </a:r>
-            <a:endParaRPr lang="en-SG" sz="2700" dirty="0" smtClean="0">
-              <a:latin typeface="Verdana" panose="020B0604030504040204" pitchFamily="34" charset="0"/>
-              <a:ea typeface="Verdana" panose="020B0604030504040204" pitchFamily="34" charset="0"/>
-              <a:cs typeface="Verdana" panose="020B0604030504040204" pitchFamily="34" charset="0"/>
-            </a:endParaRPr>
-          </a:p>
-          <a:p>
-            <a:pPr marL="0" indent="0">
-              <a:buNone/>
-            </a:pPr>
-            <a:endParaRPr lang="en-SG" sz="2700" dirty="0">
-              <a:latin typeface="Verdana" panose="020B0604030504040204" pitchFamily="34" charset="0"/>
-              <a:ea typeface="Verdana" panose="020B0604030504040204" pitchFamily="34" charset="0"/>
-              <a:cs typeface="Verdana" panose="020B0604030504040204" pitchFamily="34" charset="0"/>
-            </a:endParaRPr>
-          </a:p>
-          <a:p>
-            <a:r>
-              <a:rPr lang="en-SG" sz="2700" dirty="0" smtClean="0">
-                <a:latin typeface="Verdana" panose="020B0604030504040204" pitchFamily="34" charset="0"/>
-                <a:ea typeface="Verdana" panose="020B0604030504040204" pitchFamily="34" charset="0"/>
-                <a:cs typeface="Verdana" panose="020B0604030504040204" pitchFamily="34" charset="0"/>
-              </a:rPr>
-              <a:t>Windows</a:t>
-            </a:r>
-            <a:r>
-              <a:rPr lang="en-SG" sz="2700" dirty="0">
-                <a:latin typeface="Verdana" panose="020B0604030504040204" pitchFamily="34" charset="0"/>
-                <a:ea typeface="Verdana" panose="020B0604030504040204" pitchFamily="34" charset="0"/>
-                <a:cs typeface="Verdana" panose="020B0604030504040204" pitchFamily="34" charset="0"/>
-              </a:rPr>
-              <a:t>, Linux, Mac</a:t>
-            </a:r>
-          </a:p>
-          <a:p>
-            <a:endParaRPr lang="en-SG" dirty="0" smtClean="0">
-              <a:latin typeface="Verdana" panose="020B0604030504040204" pitchFamily="34" charset="0"/>
-              <a:ea typeface="Verdana" panose="020B0604030504040204" pitchFamily="34" charset="0"/>
-              <a:cs typeface="Verdana" panose="020B0604030504040204" pitchFamily="34" charset="0"/>
-            </a:endParaRPr>
-          </a:p>
-          <a:p>
-            <a:endParaRPr lang="en-SG" dirty="0" smtClean="0">
-              <a:latin typeface="Verdana" panose="020B0604030504040204" pitchFamily="34" charset="0"/>
-              <a:ea typeface="Verdana" panose="020B0604030504040204" pitchFamily="34" charset="0"/>
-              <a:cs typeface="Verdana" panose="020B0604030504040204" pitchFamily="34" charset="0"/>
-            </a:endParaRPr>
-          </a:p>
-        </p:txBody>
-      </p:sp>
-      <p:sp>
-        <p:nvSpPr>
-          <p:cNvPr id="2" name="Title 1"/>
-          <p:cNvSpPr>
+          <p:cNvPr id="72" name="Shape 72"/>
+          <p:cNvSpPr txBox="1">
             <a:spLocks noGrp="1"/>
           </p:cNvSpPr>
           <p:nvPr>
             <p:ph type="title"/>
           </p:nvPr>
         </p:nvSpPr>
-        <p:spPr/>
+        <p:spPr>
+          <a:prstGeom prst="rect">
+            <a:avLst/>
+          </a:prstGeom>
+        </p:spPr>
         <p:txBody>
-          <a:bodyPr>
-            <a:normAutofit/>
+          <a:bodyPr lIns="91425" tIns="91425" rIns="91425" bIns="91425" anchor="t" anchorCtr="0">
+            <a:noAutofit/>
           </a:bodyPr>
           <a:lstStyle/>
           <a:p>
-            <a:r>
-              <a:rPr lang="en-SG" sz="4050" dirty="0">
+            <a:pPr lvl="0">
+              <a:spcBef>
+                <a:spcPts val="0"/>
+              </a:spcBef>
+              <a:buNone/>
+            </a:pPr>
+            <a:r>
+              <a:rPr lang="en" b="0" dirty="0" smtClean="0">
+                <a:latin typeface="Verdana"/>
+                <a:ea typeface="Verdana"/>
+                <a:cs typeface="Verdana"/>
+                <a:sym typeface="Verdana"/>
+              </a:rPr>
+              <a:t>Adding and Editing</a:t>
+            </a:r>
+            <a:endParaRPr lang="en" b="0" dirty="0">
+              <a:latin typeface="Verdana"/>
+              <a:ea typeface="Verdana"/>
+              <a:cs typeface="Verdana"/>
+              <a:sym typeface="Verdana"/>
+            </a:endParaRPr>
+          </a:p>
+        </p:txBody>
+      </p:sp>
+      <p:sp>
+        <p:nvSpPr>
+          <p:cNvPr id="73" name="Shape 73"/>
+          <p:cNvSpPr txBox="1">
+            <a:spLocks noGrp="1"/>
+          </p:cNvSpPr>
+          <p:nvPr>
+            <p:ph type="body" idx="1"/>
+          </p:nvPr>
+        </p:nvSpPr>
+        <p:spPr>
+          <a:prstGeom prst="rect">
+            <a:avLst/>
+          </a:prstGeom>
+        </p:spPr>
+        <p:txBody>
+          <a:bodyPr lIns="91425" tIns="91425" rIns="91425" bIns="91425" anchor="t" anchorCtr="0">
+            <a:noAutofit/>
+          </a:bodyPr>
+          <a:lstStyle/>
+          <a:p>
+            <a:pPr marL="457200" lvl="0" indent="-228600" rtl="0">
+              <a:spcBef>
+                <a:spcPts val="0"/>
+              </a:spcBef>
+            </a:pPr>
+            <a:endParaRPr lang="en" dirty="0" smtClean="0">
+              <a:latin typeface="Verdana" panose="020B0604030504040204" pitchFamily="34" charset="0"/>
+              <a:ea typeface="Verdana" panose="020B0604030504040204" pitchFamily="34" charset="0"/>
+              <a:cs typeface="Verdana" panose="020B0604030504040204" pitchFamily="34" charset="0"/>
+            </a:endParaRPr>
+          </a:p>
+          <a:p>
+            <a:pPr marL="457200" lvl="0" indent="-228600" rtl="0">
+              <a:spcBef>
+                <a:spcPts val="0"/>
+              </a:spcBef>
+            </a:pPr>
+            <a:r>
+              <a:rPr lang="en" dirty="0" smtClean="0">
                 <a:latin typeface="Verdana" panose="020B0604030504040204" pitchFamily="34" charset="0"/>
                 <a:ea typeface="Verdana" panose="020B0604030504040204" pitchFamily="34" charset="0"/>
                 <a:cs typeface="Verdana" panose="020B0604030504040204" pitchFamily="34" charset="0"/>
               </a:rPr>
-              <a:t>Run on </a:t>
-            </a:r>
-            <a:r>
-              <a:rPr lang="en-SG" sz="4050" dirty="0" smtClean="0">
+              <a:t>Simple</a:t>
+            </a:r>
+          </a:p>
+          <a:p>
+            <a:pPr marL="228600" lvl="0" indent="0" rtl="0">
+              <a:spcBef>
+                <a:spcPts val="0"/>
+              </a:spcBef>
+              <a:buNone/>
+            </a:pPr>
+            <a:endParaRPr lang="en" dirty="0">
+              <a:latin typeface="Verdana" panose="020B0604030504040204" pitchFamily="34" charset="0"/>
+              <a:ea typeface="Verdana" panose="020B0604030504040204" pitchFamily="34" charset="0"/>
+              <a:cs typeface="Verdana" panose="020B0604030504040204" pitchFamily="34" charset="0"/>
+            </a:endParaRPr>
+          </a:p>
+          <a:p>
+            <a:pPr marL="228600" lvl="0" indent="0" rtl="0">
+              <a:spcBef>
+                <a:spcPts val="0"/>
+              </a:spcBef>
+              <a:buNone/>
+            </a:pPr>
+            <a:endParaRPr lang="en" dirty="0" smtClean="0">
+              <a:latin typeface="Verdana" panose="020B0604030504040204" pitchFamily="34" charset="0"/>
+              <a:ea typeface="Verdana" panose="020B0604030504040204" pitchFamily="34" charset="0"/>
+              <a:cs typeface="Verdana" panose="020B0604030504040204" pitchFamily="34" charset="0"/>
+            </a:endParaRPr>
+          </a:p>
+          <a:p>
+            <a:pPr marL="457200" lvl="0" indent="-228600" rtl="0">
+              <a:spcBef>
+                <a:spcPts val="0"/>
+              </a:spcBef>
+            </a:pPr>
+            <a:r>
+              <a:rPr lang="en" dirty="0" smtClean="0">
                 <a:latin typeface="Verdana" panose="020B0604030504040204" pitchFamily="34" charset="0"/>
                 <a:ea typeface="Verdana" panose="020B0604030504040204" pitchFamily="34" charset="0"/>
                 <a:cs typeface="Verdana" panose="020B0604030504040204" pitchFamily="34" charset="0"/>
               </a:rPr>
-              <a:t>anything with Java</a:t>
-            </a:r>
-            <a:endParaRPr lang="en-SG" sz="4050" dirty="0">
+              <a:t>Minimal effort</a:t>
+            </a:r>
+            <a:endParaRPr lang="en" dirty="0">
               <a:latin typeface="Verdana" panose="020B0604030504040204" pitchFamily="34" charset="0"/>
               <a:ea typeface="Verdana" panose="020B0604030504040204" pitchFamily="34" charset="0"/>
               <a:cs typeface="Verdana" panose="020B0604030504040204" pitchFamily="34" charset="0"/>
@@ -8951,534 +9993,7 @@
     </p:spTree>
     <p:extLst>
       <p:ext uri="{BB962C8B-B14F-4D97-AF65-F5344CB8AC3E}">
-        <p14:creationId xmlns:p14="http://schemas.microsoft.com/office/powerpoint/2010/main" val="1753727268"/>
-      </p:ext>
-    </p:extLst>
-  </p:cSld>
-  <p:clrMapOvr>
-    <a:masterClrMapping/>
-  </p:clrMapOvr>
-  <mc:AlternateContent xmlns:mc="http://schemas.openxmlformats.org/markup-compatibility/2006" xmlns:p14="http://schemas.microsoft.com/office/powerpoint/2010/main">
-    <mc:Choice Requires="p14">
-      <p:transition spd="med" p14:dur="700">
-        <p:fade/>
-      </p:transition>
-    </mc:Choice>
-    <mc:Fallback xmlns="">
-      <p:transition spd="med">
-        <p:fade/>
-      </p:transition>
-    </mc:Fallback>
-  </mc:AlternateContent>
-  <p:timing>
-    <p:tnLst>
-      <p:par>
-        <p:cTn id="1" dur="indefinite" restart="never" nodeType="tmRoot">
-          <p:childTnLst>
-            <p:seq concurrent="1" nextAc="seek">
-              <p:cTn id="2" dur="indefinite" nodeType="mainSeq">
-                <p:childTnLst>
-                  <p:par>
-                    <p:cTn id="3" fill="hold">
-                      <p:stCondLst>
-                        <p:cond delay="indefinite"/>
-                      </p:stCondLst>
-                      <p:childTnLst>
-                        <p:par>
-                          <p:cTn id="4" fill="hold">
-                            <p:stCondLst>
-                              <p:cond delay="0"/>
-                            </p:stCondLst>
-                            <p:childTnLst>
-                              <p:par>
-                                <p:cTn id="5" presetID="42" presetClass="entr" presetSubtype="0" fill="hold" nodeType="clickEffect">
-                                  <p:stCondLst>
-                                    <p:cond delay="0"/>
-                                  </p:stCondLst>
-                                  <p:childTnLst>
-                                    <p:set>
-                                      <p:cBhvr>
-                                        <p:cTn id="6" dur="1" fill="hold">
-                                          <p:stCondLst>
-                                            <p:cond delay="0"/>
-                                          </p:stCondLst>
-                                        </p:cTn>
-                                        <p:tgtEl>
-                                          <p:spTgt spid="3">
-                                            <p:txEl>
-                                              <p:pRg st="2" end="2"/>
-                                            </p:txEl>
-                                          </p:spTgt>
-                                        </p:tgtEl>
-                                        <p:attrNameLst>
-                                          <p:attrName>style.visibility</p:attrName>
-                                        </p:attrNameLst>
-                                      </p:cBhvr>
-                                      <p:to>
-                                        <p:strVal val="visible"/>
-                                      </p:to>
-                                    </p:set>
-                                    <p:animEffect transition="in" filter="fade">
-                                      <p:cBhvr>
-                                        <p:cTn id="7" dur="500"/>
-                                        <p:tgtEl>
-                                          <p:spTgt spid="3">
-                                            <p:txEl>
-                                              <p:pRg st="2" end="2"/>
-                                            </p:txEl>
-                                          </p:spTgt>
-                                        </p:tgtEl>
-                                      </p:cBhvr>
-                                    </p:animEffect>
-                                    <p:anim calcmode="lin" valueType="num">
-                                      <p:cBhvr>
-                                        <p:cTn id="8" dur="500" fill="hold"/>
-                                        <p:tgtEl>
-                                          <p:spTgt spid="3">
-                                            <p:txEl>
-                                              <p:pRg st="2" end="2"/>
-                                            </p:txEl>
-                                          </p:spTgt>
-                                        </p:tgtEl>
-                                        <p:attrNameLst>
-                                          <p:attrName>ppt_x</p:attrName>
-                                        </p:attrNameLst>
-                                      </p:cBhvr>
-                                      <p:tavLst>
-                                        <p:tav tm="0">
-                                          <p:val>
-                                            <p:strVal val="#ppt_x"/>
-                                          </p:val>
-                                        </p:tav>
-                                        <p:tav tm="100000">
-                                          <p:val>
-                                            <p:strVal val="#ppt_x"/>
-                                          </p:val>
-                                        </p:tav>
-                                      </p:tavLst>
-                                    </p:anim>
-                                    <p:anim calcmode="lin" valueType="num">
-                                      <p:cBhvr>
-                                        <p:cTn id="9" dur="500" fill="hold"/>
-                                        <p:tgtEl>
-                                          <p:spTgt spid="3">
-                                            <p:txEl>
-                                              <p:pRg st="2" end="2"/>
-                                            </p:txEl>
-                                          </p:spTgt>
-                                        </p:tgtEl>
-                                        <p:attrNameLst>
-                                          <p:attrName>ppt_y</p:attrName>
-                                        </p:attrNameLst>
-                                      </p:cBhvr>
-                                      <p:tavLst>
-                                        <p:tav tm="0">
-                                          <p:val>
-                                            <p:strVal val="#ppt_y+.1"/>
-                                          </p:val>
-                                        </p:tav>
-                                        <p:tav tm="100000">
-                                          <p:val>
-                                            <p:strVal val="#ppt_y"/>
-                                          </p:val>
-                                        </p:tav>
-                                      </p:tavLst>
-                                    </p:anim>
-                                  </p:childTnLst>
-                                </p:cTn>
-                              </p:par>
-                            </p:childTnLst>
-                          </p:cTn>
-                        </p:par>
-                      </p:childTnLst>
-                    </p:cTn>
-                  </p:par>
-                </p:childTnLst>
-              </p:cTn>
-              <p:prevCondLst>
-                <p:cond evt="onPrev" delay="0">
-                  <p:tgtEl>
-                    <p:sldTgt/>
-                  </p:tgtEl>
-                </p:cond>
-              </p:prevCondLst>
-              <p:nextCondLst>
-                <p:cond evt="onNext" delay="0">
-                  <p:tgtEl>
-                    <p:sldTgt/>
-                  </p:tgtEl>
-                </p:cond>
-              </p:nextCondLst>
-            </p:seq>
-          </p:childTnLst>
-        </p:cTn>
-      </p:par>
-    </p:tnLst>
-  </p:timing>
-</p:sld>
-</file>
-
-<file path=ppt/slides/slide12.xml><?xml version="1.0" encoding="utf-8"?>
-<p:sld xmlns:a="http://schemas.openxmlformats.org/drawingml/2006/main" xmlns:r="http://schemas.openxmlformats.org/officeDocument/2006/relationships" xmlns:p="http://schemas.openxmlformats.org/presentationml/2006/main">
-  <p:cSld>
-    <p:spTree>
-      <p:nvGrpSpPr>
-        <p:cNvPr id="1" name=""/>
-        <p:cNvGrpSpPr/>
-        <p:nvPr/>
-      </p:nvGrpSpPr>
-      <p:grpSpPr>
-        <a:xfrm>
-          <a:off x="0" y="0"/>
-          <a:ext cx="0" cy="0"/>
-          <a:chOff x="0" y="0"/>
-          <a:chExt cx="0" cy="0"/>
-        </a:xfrm>
-      </p:grpSpPr>
-      <p:sp>
-        <p:nvSpPr>
-          <p:cNvPr id="3" name="Content Placeholder 2"/>
-          <p:cNvSpPr>
-            <a:spLocks noGrp="1"/>
-          </p:cNvSpPr>
-          <p:nvPr>
-            <p:ph idx="1"/>
-          </p:nvPr>
-        </p:nvSpPr>
-        <p:spPr>
-          <a:xfrm>
-            <a:off x="1464447" y="1714494"/>
-            <a:ext cx="6172200" cy="3291840"/>
-          </a:xfrm>
-        </p:spPr>
-        <p:txBody>
-          <a:bodyPr>
-            <a:normAutofit/>
-          </a:bodyPr>
-          <a:lstStyle/>
-          <a:p>
-            <a:r>
-              <a:rPr lang="en-SG" sz="2700" dirty="0" smtClean="0">
-                <a:latin typeface="Verdana" panose="020B0604030504040204" pitchFamily="34" charset="0"/>
-                <a:ea typeface="Verdana" panose="020B0604030504040204" pitchFamily="34" charset="0"/>
-                <a:cs typeface="Verdana" panose="020B0604030504040204" pitchFamily="34" charset="0"/>
-              </a:rPr>
-              <a:t>Task </a:t>
-            </a:r>
-            <a:r>
-              <a:rPr lang="en-SG" sz="2700" dirty="0">
-                <a:latin typeface="Verdana" panose="020B0604030504040204" pitchFamily="34" charset="0"/>
-                <a:ea typeface="Verdana" panose="020B0604030504040204" pitchFamily="34" charset="0"/>
-                <a:cs typeface="Verdana" panose="020B0604030504040204" pitchFamily="34" charset="0"/>
-              </a:rPr>
-              <a:t>list saved to file after every operation. </a:t>
-            </a:r>
-            <a:endParaRPr lang="en-SG" sz="2700" dirty="0" smtClean="0">
-              <a:latin typeface="Verdana" panose="020B0604030504040204" pitchFamily="34" charset="0"/>
-              <a:ea typeface="Verdana" panose="020B0604030504040204" pitchFamily="34" charset="0"/>
-              <a:cs typeface="Verdana" panose="020B0604030504040204" pitchFamily="34" charset="0"/>
-            </a:endParaRPr>
-          </a:p>
-          <a:p>
-            <a:pPr marL="0" indent="0">
-              <a:buNone/>
-            </a:pPr>
-            <a:endParaRPr lang="en-SG" sz="2700" dirty="0">
-              <a:latin typeface="Verdana" panose="020B0604030504040204" pitchFamily="34" charset="0"/>
-              <a:ea typeface="Verdana" panose="020B0604030504040204" pitchFamily="34" charset="0"/>
-              <a:cs typeface="Verdana" panose="020B0604030504040204" pitchFamily="34" charset="0"/>
-            </a:endParaRPr>
-          </a:p>
-          <a:p>
-            <a:r>
-              <a:rPr lang="en-SG" sz="2700" dirty="0" smtClean="0">
-                <a:latin typeface="Verdana" panose="020B0604030504040204" pitchFamily="34" charset="0"/>
-                <a:ea typeface="Verdana" panose="020B0604030504040204" pitchFamily="34" charset="0"/>
-                <a:cs typeface="Verdana" panose="020B0604030504040204" pitchFamily="34" charset="0"/>
-              </a:rPr>
-              <a:t>Stable and never crashes</a:t>
-            </a:r>
-            <a:endParaRPr lang="en-SG" sz="2700" dirty="0">
-              <a:latin typeface="Verdana" panose="020B0604030504040204" pitchFamily="34" charset="0"/>
-              <a:ea typeface="Verdana" panose="020B0604030504040204" pitchFamily="34" charset="0"/>
-              <a:cs typeface="Verdana" panose="020B0604030504040204" pitchFamily="34" charset="0"/>
-            </a:endParaRPr>
-          </a:p>
-          <a:p>
-            <a:endParaRPr lang="en-SG" dirty="0" smtClean="0">
-              <a:latin typeface="Verdana" panose="020B0604030504040204" pitchFamily="34" charset="0"/>
-              <a:ea typeface="Verdana" panose="020B0604030504040204" pitchFamily="34" charset="0"/>
-              <a:cs typeface="Verdana" panose="020B0604030504040204" pitchFamily="34" charset="0"/>
-            </a:endParaRPr>
-          </a:p>
-          <a:p>
-            <a:endParaRPr lang="en-SG" dirty="0" smtClean="0">
-              <a:latin typeface="Verdana" panose="020B0604030504040204" pitchFamily="34" charset="0"/>
-              <a:ea typeface="Verdana" panose="020B0604030504040204" pitchFamily="34" charset="0"/>
-              <a:cs typeface="Verdana" panose="020B0604030504040204" pitchFamily="34" charset="0"/>
-            </a:endParaRPr>
-          </a:p>
-        </p:txBody>
-      </p:sp>
-      <p:sp>
-        <p:nvSpPr>
-          <p:cNvPr id="2" name="Title 1"/>
-          <p:cNvSpPr>
-            <a:spLocks noGrp="1"/>
-          </p:cNvSpPr>
-          <p:nvPr>
-            <p:ph type="title"/>
-          </p:nvPr>
-        </p:nvSpPr>
-        <p:spPr/>
-        <p:txBody>
-          <a:bodyPr/>
-          <a:lstStyle/>
-          <a:p>
-            <a:r>
-              <a:rPr lang="en-SG" dirty="0" smtClean="0">
-                <a:latin typeface="Verdana" panose="020B0604030504040204" pitchFamily="34" charset="0"/>
-                <a:ea typeface="Verdana" panose="020B0604030504040204" pitchFamily="34" charset="0"/>
-                <a:cs typeface="Verdana" panose="020B0604030504040204" pitchFamily="34" charset="0"/>
-              </a:rPr>
-              <a:t>Reliable</a:t>
-            </a:r>
-          </a:p>
-        </p:txBody>
-      </p:sp>
-    </p:spTree>
-    <p:extLst>
-      <p:ext uri="{BB962C8B-B14F-4D97-AF65-F5344CB8AC3E}">
-        <p14:creationId xmlns:p14="http://schemas.microsoft.com/office/powerpoint/2010/main" val="4092394669"/>
-      </p:ext>
-    </p:extLst>
-  </p:cSld>
-  <p:clrMapOvr>
-    <a:masterClrMapping/>
-  </p:clrMapOvr>
-  <mc:AlternateContent xmlns:mc="http://schemas.openxmlformats.org/markup-compatibility/2006" xmlns:p14="http://schemas.microsoft.com/office/powerpoint/2010/main">
-    <mc:Choice Requires="p14">
-      <p:transition spd="med" p14:dur="700">
-        <p:fade/>
-      </p:transition>
-    </mc:Choice>
-    <mc:Fallback xmlns="">
-      <p:transition spd="med">
-        <p:fade/>
-      </p:transition>
-    </mc:Fallback>
-  </mc:AlternateContent>
-  <p:timing>
-    <p:tnLst>
-      <p:par>
-        <p:cTn id="1" dur="indefinite" restart="never" nodeType="tmRoot">
-          <p:childTnLst>
-            <p:seq concurrent="1" nextAc="seek">
-              <p:cTn id="2" dur="indefinite" nodeType="mainSeq">
-                <p:childTnLst>
-                  <p:par>
-                    <p:cTn id="3" fill="hold">
-                      <p:stCondLst>
-                        <p:cond delay="indefinite"/>
-                      </p:stCondLst>
-                      <p:childTnLst>
-                        <p:par>
-                          <p:cTn id="4" fill="hold">
-                            <p:stCondLst>
-                              <p:cond delay="0"/>
-                            </p:stCondLst>
-                            <p:childTnLst>
-                              <p:par>
-                                <p:cTn id="5" presetID="42" presetClass="entr" presetSubtype="0" fill="hold" nodeType="clickEffect">
-                                  <p:stCondLst>
-                                    <p:cond delay="0"/>
-                                  </p:stCondLst>
-                                  <p:childTnLst>
-                                    <p:set>
-                                      <p:cBhvr>
-                                        <p:cTn id="6" dur="1" fill="hold">
-                                          <p:stCondLst>
-                                            <p:cond delay="0"/>
-                                          </p:stCondLst>
-                                        </p:cTn>
-                                        <p:tgtEl>
-                                          <p:spTgt spid="3">
-                                            <p:txEl>
-                                              <p:pRg st="2" end="2"/>
-                                            </p:txEl>
-                                          </p:spTgt>
-                                        </p:tgtEl>
-                                        <p:attrNameLst>
-                                          <p:attrName>style.visibility</p:attrName>
-                                        </p:attrNameLst>
-                                      </p:cBhvr>
-                                      <p:to>
-                                        <p:strVal val="visible"/>
-                                      </p:to>
-                                    </p:set>
-                                    <p:animEffect transition="in" filter="fade">
-                                      <p:cBhvr>
-                                        <p:cTn id="7" dur="500"/>
-                                        <p:tgtEl>
-                                          <p:spTgt spid="3">
-                                            <p:txEl>
-                                              <p:pRg st="2" end="2"/>
-                                            </p:txEl>
-                                          </p:spTgt>
-                                        </p:tgtEl>
-                                      </p:cBhvr>
-                                    </p:animEffect>
-                                    <p:anim calcmode="lin" valueType="num">
-                                      <p:cBhvr>
-                                        <p:cTn id="8" dur="500" fill="hold"/>
-                                        <p:tgtEl>
-                                          <p:spTgt spid="3">
-                                            <p:txEl>
-                                              <p:pRg st="2" end="2"/>
-                                            </p:txEl>
-                                          </p:spTgt>
-                                        </p:tgtEl>
-                                        <p:attrNameLst>
-                                          <p:attrName>ppt_x</p:attrName>
-                                        </p:attrNameLst>
-                                      </p:cBhvr>
-                                      <p:tavLst>
-                                        <p:tav tm="0">
-                                          <p:val>
-                                            <p:strVal val="#ppt_x"/>
-                                          </p:val>
-                                        </p:tav>
-                                        <p:tav tm="100000">
-                                          <p:val>
-                                            <p:strVal val="#ppt_x"/>
-                                          </p:val>
-                                        </p:tav>
-                                      </p:tavLst>
-                                    </p:anim>
-                                    <p:anim calcmode="lin" valueType="num">
-                                      <p:cBhvr>
-                                        <p:cTn id="9" dur="500" fill="hold"/>
-                                        <p:tgtEl>
-                                          <p:spTgt spid="3">
-                                            <p:txEl>
-                                              <p:pRg st="2" end="2"/>
-                                            </p:txEl>
-                                          </p:spTgt>
-                                        </p:tgtEl>
-                                        <p:attrNameLst>
-                                          <p:attrName>ppt_y</p:attrName>
-                                        </p:attrNameLst>
-                                      </p:cBhvr>
-                                      <p:tavLst>
-                                        <p:tav tm="0">
-                                          <p:val>
-                                            <p:strVal val="#ppt_y+.1"/>
-                                          </p:val>
-                                        </p:tav>
-                                        <p:tav tm="100000">
-                                          <p:val>
-                                            <p:strVal val="#ppt_y"/>
-                                          </p:val>
-                                        </p:tav>
-                                      </p:tavLst>
-                                    </p:anim>
-                                  </p:childTnLst>
-                                </p:cTn>
-                              </p:par>
-                            </p:childTnLst>
-                          </p:cTn>
-                        </p:par>
-                      </p:childTnLst>
-                    </p:cTn>
-                  </p:par>
-                </p:childTnLst>
-              </p:cTn>
-              <p:prevCondLst>
-                <p:cond evt="onPrev" delay="0">
-                  <p:tgtEl>
-                    <p:sldTgt/>
-                  </p:tgtEl>
-                </p:cond>
-              </p:prevCondLst>
-              <p:nextCondLst>
-                <p:cond evt="onNext" delay="0">
-                  <p:tgtEl>
-                    <p:sldTgt/>
-                  </p:tgtEl>
-                </p:cond>
-              </p:nextCondLst>
-            </p:seq>
-          </p:childTnLst>
-        </p:cTn>
-      </p:par>
-    </p:tnLst>
-  </p:timing>
-</p:sld>
-</file>
-
-<file path=ppt/slides/slide13.xml><?xml version="1.0" encoding="utf-8"?>
-<p:sld xmlns:a="http://schemas.openxmlformats.org/drawingml/2006/main" xmlns:r="http://schemas.openxmlformats.org/officeDocument/2006/relationships" xmlns:p="http://schemas.openxmlformats.org/presentationml/2006/main">
-  <p:cSld>
-    <p:spTree>
-      <p:nvGrpSpPr>
-        <p:cNvPr id="1" name=""/>
-        <p:cNvGrpSpPr/>
-        <p:nvPr/>
-      </p:nvGrpSpPr>
-      <p:grpSpPr>
-        <a:xfrm>
-          <a:off x="0" y="0"/>
-          <a:ext cx="0" cy="0"/>
-          <a:chOff x="0" y="0"/>
-          <a:chExt cx="0" cy="0"/>
-        </a:xfrm>
-      </p:grpSpPr>
-      <p:pic>
-        <p:nvPicPr>
-          <p:cNvPr id="6" name="Content Placeholder 5" descr="270307-windows-xp-vista-and-7-blue-screen-of-death.jpg"/>
-          <p:cNvPicPr>
-            <a:picLocks noGrp="1" noChangeAspect="1"/>
-          </p:cNvPicPr>
-          <p:nvPr>
-            <p:ph idx="1"/>
-          </p:nvPr>
-        </p:nvPicPr>
-        <p:blipFill>
-          <a:blip r:embed="rId2"/>
-          <a:stretch>
-            <a:fillRect/>
-          </a:stretch>
-        </p:blipFill>
-        <p:spPr>
-          <a:xfrm>
-            <a:off x="0" y="1"/>
-            <a:ext cx="9144000" cy="5162649"/>
-          </a:xfrm>
-        </p:spPr>
-      </p:pic>
-      <p:sp>
-        <p:nvSpPr>
-          <p:cNvPr id="4" name="Title 3"/>
-          <p:cNvSpPr>
-            <a:spLocks noGrp="1"/>
-          </p:cNvSpPr>
-          <p:nvPr>
-            <p:ph type="title"/>
-          </p:nvPr>
-        </p:nvSpPr>
-        <p:spPr/>
-        <p:txBody>
-          <a:bodyPr/>
-          <a:lstStyle/>
-          <a:p>
-            <a:endParaRPr lang="en-US"/>
-          </a:p>
-        </p:txBody>
-      </p:sp>
-    </p:spTree>
-    <p:extLst>
-      <p:ext uri="{BB962C8B-B14F-4D97-AF65-F5344CB8AC3E}">
-        <p14:creationId xmlns:p14="http://schemas.microsoft.com/office/powerpoint/2010/main" val="723934481"/>
+        <p14:creationId xmlns:p14="http://schemas.microsoft.com/office/powerpoint/2010/main" val="1476971637"/>
       </p:ext>
     </p:extLst>
   </p:cSld>
@@ -9501,954 +10016,6 @@
     <p:tnLst>
       <p:par>
         <p:cTn id="1" dur="indefinite" restart="never" nodeType="tmRoot"/>
-      </p:par>
-    </p:tnLst>
-  </p:timing>
-</p:sld>
-</file>
-
-<file path=ppt/slides/slide14.xml><?xml version="1.0" encoding="utf-8"?>
-<p:sld xmlns:a="http://schemas.openxmlformats.org/drawingml/2006/main" xmlns:r="http://schemas.openxmlformats.org/officeDocument/2006/relationships" xmlns:p="http://schemas.openxmlformats.org/presentationml/2006/main">
-  <p:cSld>
-    <p:spTree>
-      <p:nvGrpSpPr>
-        <p:cNvPr id="1" name=""/>
-        <p:cNvGrpSpPr/>
-        <p:nvPr/>
-      </p:nvGrpSpPr>
-      <p:grpSpPr>
-        <a:xfrm>
-          <a:off x="0" y="0"/>
-          <a:ext cx="0" cy="0"/>
-          <a:chOff x="0" y="0"/>
-          <a:chExt cx="0" cy="0"/>
-        </a:xfrm>
-      </p:grpSpPr>
-      <p:sp>
-        <p:nvSpPr>
-          <p:cNvPr id="3" name="Content Placeholder 2"/>
-          <p:cNvSpPr>
-            <a:spLocks noGrp="1"/>
-          </p:cNvSpPr>
-          <p:nvPr>
-            <p:ph idx="1"/>
-          </p:nvPr>
-        </p:nvSpPr>
-        <p:spPr>
-          <a:xfrm>
-            <a:off x="1464447" y="1714494"/>
-            <a:ext cx="6172200" cy="3291840"/>
-          </a:xfrm>
-        </p:spPr>
-        <p:txBody>
-          <a:bodyPr>
-            <a:normAutofit/>
-          </a:bodyPr>
-          <a:lstStyle/>
-          <a:p>
-            <a:r>
-              <a:rPr lang="en-SG" sz="2700" dirty="0">
-                <a:latin typeface="Verdana" panose="020B0604030504040204" pitchFamily="34" charset="0"/>
-                <a:ea typeface="Verdana" panose="020B0604030504040204" pitchFamily="34" charset="0"/>
-                <a:cs typeface="Verdana" panose="020B0604030504040204" pitchFamily="34" charset="0"/>
-              </a:rPr>
-              <a:t>Saving done only after list updated on </a:t>
-            </a:r>
-            <a:r>
-              <a:rPr lang="en-SG" sz="2700" dirty="0" smtClean="0">
-                <a:latin typeface="Verdana" panose="020B0604030504040204" pitchFamily="34" charset="0"/>
-                <a:ea typeface="Verdana" panose="020B0604030504040204" pitchFamily="34" charset="0"/>
-                <a:cs typeface="Verdana" panose="020B0604030504040204" pitchFamily="34" charset="0"/>
-              </a:rPr>
-              <a:t>display</a:t>
-            </a:r>
-          </a:p>
-          <a:p>
-            <a:endParaRPr lang="en-SG" sz="2700" dirty="0">
-              <a:latin typeface="Verdana" panose="020B0604030504040204" pitchFamily="34" charset="0"/>
-              <a:ea typeface="Verdana" panose="020B0604030504040204" pitchFamily="34" charset="0"/>
-              <a:cs typeface="Verdana" panose="020B0604030504040204" pitchFamily="34" charset="0"/>
-            </a:endParaRPr>
-          </a:p>
-          <a:p>
-            <a:r>
-              <a:rPr lang="en-SG" sz="2700" dirty="0">
-                <a:latin typeface="Verdana" panose="020B0604030504040204" pitchFamily="34" charset="0"/>
-                <a:ea typeface="Verdana" panose="020B0604030504040204" pitchFamily="34" charset="0"/>
-                <a:cs typeface="Verdana" panose="020B0604030504040204" pitchFamily="34" charset="0"/>
-              </a:rPr>
-              <a:t>No perceivable delay</a:t>
-            </a:r>
-          </a:p>
-          <a:p>
-            <a:endParaRPr lang="en-SG" dirty="0" smtClean="0">
-              <a:latin typeface="Verdana" panose="020B0604030504040204" pitchFamily="34" charset="0"/>
-              <a:ea typeface="Verdana" panose="020B0604030504040204" pitchFamily="34" charset="0"/>
-              <a:cs typeface="Verdana" panose="020B0604030504040204" pitchFamily="34" charset="0"/>
-            </a:endParaRPr>
-          </a:p>
-          <a:p>
-            <a:endParaRPr lang="en-SG" dirty="0" smtClean="0">
-              <a:latin typeface="Verdana" panose="020B0604030504040204" pitchFamily="34" charset="0"/>
-              <a:ea typeface="Verdana" panose="020B0604030504040204" pitchFamily="34" charset="0"/>
-              <a:cs typeface="Verdana" panose="020B0604030504040204" pitchFamily="34" charset="0"/>
-            </a:endParaRPr>
-          </a:p>
-        </p:txBody>
-      </p:sp>
-      <p:sp>
-        <p:nvSpPr>
-          <p:cNvPr id="2" name="Title 1"/>
-          <p:cNvSpPr>
-            <a:spLocks noGrp="1"/>
-          </p:cNvSpPr>
-          <p:nvPr>
-            <p:ph type="title"/>
-          </p:nvPr>
-        </p:nvSpPr>
-        <p:spPr/>
-        <p:txBody>
-          <a:bodyPr/>
-          <a:lstStyle/>
-          <a:p>
-            <a:r>
-              <a:rPr lang="en-SG" dirty="0" smtClean="0">
-                <a:latin typeface="Verdana" panose="020B0604030504040204" pitchFamily="34" charset="0"/>
-                <a:ea typeface="Verdana" panose="020B0604030504040204" pitchFamily="34" charset="0"/>
-                <a:cs typeface="Verdana" panose="020B0604030504040204" pitchFamily="34" charset="0"/>
-              </a:rPr>
-              <a:t>Performance</a:t>
-            </a:r>
-          </a:p>
-        </p:txBody>
-      </p:sp>
-    </p:spTree>
-    <p:extLst>
-      <p:ext uri="{BB962C8B-B14F-4D97-AF65-F5344CB8AC3E}">
-        <p14:creationId xmlns:p14="http://schemas.microsoft.com/office/powerpoint/2010/main" val="1659345808"/>
-      </p:ext>
-    </p:extLst>
-  </p:cSld>
-  <p:clrMapOvr>
-    <a:masterClrMapping/>
-  </p:clrMapOvr>
-  <mc:AlternateContent xmlns:mc="http://schemas.openxmlformats.org/markup-compatibility/2006" xmlns:p14="http://schemas.microsoft.com/office/powerpoint/2010/main">
-    <mc:Choice Requires="p14">
-      <p:transition spd="med" p14:dur="700">
-        <p:fade/>
-      </p:transition>
-    </mc:Choice>
-    <mc:Fallback xmlns="">
-      <p:transition spd="med">
-        <p:fade/>
-      </p:transition>
-    </mc:Fallback>
-  </mc:AlternateContent>
-  <p:timing>
-    <p:tnLst>
-      <p:par>
-        <p:cTn id="1" dur="indefinite" restart="never" nodeType="tmRoot">
-          <p:childTnLst>
-            <p:seq concurrent="1" nextAc="seek">
-              <p:cTn id="2" dur="indefinite" nodeType="mainSeq">
-                <p:childTnLst>
-                  <p:par>
-                    <p:cTn id="3" fill="hold">
-                      <p:stCondLst>
-                        <p:cond delay="indefinite"/>
-                      </p:stCondLst>
-                      <p:childTnLst>
-                        <p:par>
-                          <p:cTn id="4" fill="hold">
-                            <p:stCondLst>
-                              <p:cond delay="0"/>
-                            </p:stCondLst>
-                            <p:childTnLst>
-                              <p:par>
-                                <p:cTn id="5" presetID="42" presetClass="entr" presetSubtype="0" fill="hold" nodeType="clickEffect">
-                                  <p:stCondLst>
-                                    <p:cond delay="0"/>
-                                  </p:stCondLst>
-                                  <p:childTnLst>
-                                    <p:set>
-                                      <p:cBhvr>
-                                        <p:cTn id="6" dur="1" fill="hold">
-                                          <p:stCondLst>
-                                            <p:cond delay="0"/>
-                                          </p:stCondLst>
-                                        </p:cTn>
-                                        <p:tgtEl>
-                                          <p:spTgt spid="3">
-                                            <p:txEl>
-                                              <p:pRg st="0" end="0"/>
-                                            </p:txEl>
-                                          </p:spTgt>
-                                        </p:tgtEl>
-                                        <p:attrNameLst>
-                                          <p:attrName>style.visibility</p:attrName>
-                                        </p:attrNameLst>
-                                      </p:cBhvr>
-                                      <p:to>
-                                        <p:strVal val="visible"/>
-                                      </p:to>
-                                    </p:set>
-                                    <p:animEffect transition="in" filter="fade">
-                                      <p:cBhvr>
-                                        <p:cTn id="7" dur="500"/>
-                                        <p:tgtEl>
-                                          <p:spTgt spid="3">
-                                            <p:txEl>
-                                              <p:pRg st="0" end="0"/>
-                                            </p:txEl>
-                                          </p:spTgt>
-                                        </p:tgtEl>
-                                      </p:cBhvr>
-                                    </p:animEffect>
-                                    <p:anim calcmode="lin" valueType="num">
-                                      <p:cBhvr>
-                                        <p:cTn id="8" dur="500" fill="hold"/>
-                                        <p:tgtEl>
-                                          <p:spTgt spid="3">
-                                            <p:txEl>
-                                              <p:pRg st="0" end="0"/>
-                                            </p:txEl>
-                                          </p:spTgt>
-                                        </p:tgtEl>
-                                        <p:attrNameLst>
-                                          <p:attrName>ppt_x</p:attrName>
-                                        </p:attrNameLst>
-                                      </p:cBhvr>
-                                      <p:tavLst>
-                                        <p:tav tm="0">
-                                          <p:val>
-                                            <p:strVal val="#ppt_x"/>
-                                          </p:val>
-                                        </p:tav>
-                                        <p:tav tm="100000">
-                                          <p:val>
-                                            <p:strVal val="#ppt_x"/>
-                                          </p:val>
-                                        </p:tav>
-                                      </p:tavLst>
-                                    </p:anim>
-                                    <p:anim calcmode="lin" valueType="num">
-                                      <p:cBhvr>
-                                        <p:cTn id="9" dur="500" fill="hold"/>
-                                        <p:tgtEl>
-                                          <p:spTgt spid="3">
-                                            <p:txEl>
-                                              <p:pRg st="0" end="0"/>
-                                            </p:txEl>
-                                          </p:spTgt>
-                                        </p:tgtEl>
-                                        <p:attrNameLst>
-                                          <p:attrName>ppt_y</p:attrName>
-                                        </p:attrNameLst>
-                                      </p:cBhvr>
-                                      <p:tavLst>
-                                        <p:tav tm="0">
-                                          <p:val>
-                                            <p:strVal val="#ppt_y+.1"/>
-                                          </p:val>
-                                        </p:tav>
-                                        <p:tav tm="100000">
-                                          <p:val>
-                                            <p:strVal val="#ppt_y"/>
-                                          </p:val>
-                                        </p:tav>
-                                      </p:tavLst>
-                                    </p:anim>
-                                  </p:childTnLst>
-                                </p:cTn>
-                              </p:par>
-                            </p:childTnLst>
-                          </p:cTn>
-                        </p:par>
-                      </p:childTnLst>
-                    </p:cTn>
-                  </p:par>
-                  <p:par>
-                    <p:cTn id="10" fill="hold">
-                      <p:stCondLst>
-                        <p:cond delay="indefinite"/>
-                      </p:stCondLst>
-                      <p:childTnLst>
-                        <p:par>
-                          <p:cTn id="11" fill="hold">
-                            <p:stCondLst>
-                              <p:cond delay="0"/>
-                            </p:stCondLst>
-                            <p:childTnLst>
-                              <p:par>
-                                <p:cTn id="12" presetID="42" presetClass="entr" presetSubtype="0" fill="hold" nodeType="clickEffect">
-                                  <p:stCondLst>
-                                    <p:cond delay="0"/>
-                                  </p:stCondLst>
-                                  <p:childTnLst>
-                                    <p:set>
-                                      <p:cBhvr>
-                                        <p:cTn id="13" dur="1" fill="hold">
-                                          <p:stCondLst>
-                                            <p:cond delay="0"/>
-                                          </p:stCondLst>
-                                        </p:cTn>
-                                        <p:tgtEl>
-                                          <p:spTgt spid="3">
-                                            <p:txEl>
-                                              <p:pRg st="2" end="2"/>
-                                            </p:txEl>
-                                          </p:spTgt>
-                                        </p:tgtEl>
-                                        <p:attrNameLst>
-                                          <p:attrName>style.visibility</p:attrName>
-                                        </p:attrNameLst>
-                                      </p:cBhvr>
-                                      <p:to>
-                                        <p:strVal val="visible"/>
-                                      </p:to>
-                                    </p:set>
-                                    <p:animEffect transition="in" filter="fade">
-                                      <p:cBhvr>
-                                        <p:cTn id="14" dur="500"/>
-                                        <p:tgtEl>
-                                          <p:spTgt spid="3">
-                                            <p:txEl>
-                                              <p:pRg st="2" end="2"/>
-                                            </p:txEl>
-                                          </p:spTgt>
-                                        </p:tgtEl>
-                                      </p:cBhvr>
-                                    </p:animEffect>
-                                    <p:anim calcmode="lin" valueType="num">
-                                      <p:cBhvr>
-                                        <p:cTn id="15" dur="500" fill="hold"/>
-                                        <p:tgtEl>
-                                          <p:spTgt spid="3">
-                                            <p:txEl>
-                                              <p:pRg st="2" end="2"/>
-                                            </p:txEl>
-                                          </p:spTgt>
-                                        </p:tgtEl>
-                                        <p:attrNameLst>
-                                          <p:attrName>ppt_x</p:attrName>
-                                        </p:attrNameLst>
-                                      </p:cBhvr>
-                                      <p:tavLst>
-                                        <p:tav tm="0">
-                                          <p:val>
-                                            <p:strVal val="#ppt_x"/>
-                                          </p:val>
-                                        </p:tav>
-                                        <p:tav tm="100000">
-                                          <p:val>
-                                            <p:strVal val="#ppt_x"/>
-                                          </p:val>
-                                        </p:tav>
-                                      </p:tavLst>
-                                    </p:anim>
-                                    <p:anim calcmode="lin" valueType="num">
-                                      <p:cBhvr>
-                                        <p:cTn id="16" dur="500" fill="hold"/>
-                                        <p:tgtEl>
-                                          <p:spTgt spid="3">
-                                            <p:txEl>
-                                              <p:pRg st="2" end="2"/>
-                                            </p:txEl>
-                                          </p:spTgt>
-                                        </p:tgtEl>
-                                        <p:attrNameLst>
-                                          <p:attrName>ppt_y</p:attrName>
-                                        </p:attrNameLst>
-                                      </p:cBhvr>
-                                      <p:tavLst>
-                                        <p:tav tm="0">
-                                          <p:val>
-                                            <p:strVal val="#ppt_y+.1"/>
-                                          </p:val>
-                                        </p:tav>
-                                        <p:tav tm="100000">
-                                          <p:val>
-                                            <p:strVal val="#ppt_y"/>
-                                          </p:val>
-                                        </p:tav>
-                                      </p:tavLst>
-                                    </p:anim>
-                                  </p:childTnLst>
-                                </p:cTn>
-                              </p:par>
-                            </p:childTnLst>
-                          </p:cTn>
-                        </p:par>
-                      </p:childTnLst>
-                    </p:cTn>
-                  </p:par>
-                </p:childTnLst>
-              </p:cTn>
-              <p:prevCondLst>
-                <p:cond evt="onPrev" delay="0">
-                  <p:tgtEl>
-                    <p:sldTgt/>
-                  </p:tgtEl>
-                </p:cond>
-              </p:prevCondLst>
-              <p:nextCondLst>
-                <p:cond evt="onNext" delay="0">
-                  <p:tgtEl>
-                    <p:sldTgt/>
-                  </p:tgtEl>
-                </p:cond>
-              </p:nextCondLst>
-            </p:seq>
-          </p:childTnLst>
-        </p:cTn>
-      </p:par>
-    </p:tnLst>
-  </p:timing>
-</p:sld>
-</file>
-
-<file path=ppt/slides/slide15.xml><?xml version="1.0" encoding="utf-8"?>
-<p:sld xmlns:a="http://schemas.openxmlformats.org/drawingml/2006/main" xmlns:r="http://schemas.openxmlformats.org/officeDocument/2006/relationships" xmlns:p="http://schemas.openxmlformats.org/presentationml/2006/main">
-  <p:cSld>
-    <p:spTree>
-      <p:nvGrpSpPr>
-        <p:cNvPr id="1" name=""/>
-        <p:cNvGrpSpPr/>
-        <p:nvPr/>
-      </p:nvGrpSpPr>
-      <p:grpSpPr>
-        <a:xfrm>
-          <a:off x="0" y="0"/>
-          <a:ext cx="0" cy="0"/>
-          <a:chOff x="0" y="0"/>
-          <a:chExt cx="0" cy="0"/>
-        </a:xfrm>
-      </p:grpSpPr>
-      <p:sp>
-        <p:nvSpPr>
-          <p:cNvPr id="3" name="Content Placeholder 2"/>
-          <p:cNvSpPr>
-            <a:spLocks noGrp="1"/>
-          </p:cNvSpPr>
-          <p:nvPr>
-            <p:ph idx="1"/>
-          </p:nvPr>
-        </p:nvSpPr>
-        <p:spPr>
-          <a:xfrm>
-            <a:off x="1464447" y="1714494"/>
-            <a:ext cx="6172200" cy="3291840"/>
-          </a:xfrm>
-        </p:spPr>
-        <p:txBody>
-          <a:bodyPr>
-            <a:normAutofit/>
-          </a:bodyPr>
-          <a:lstStyle/>
-          <a:p>
-            <a:r>
-              <a:rPr lang="en-SG" sz="2700" dirty="0">
-                <a:latin typeface="Verdana" panose="020B0604030504040204" pitchFamily="34" charset="0"/>
-                <a:ea typeface="Verdana" panose="020B0604030504040204" pitchFamily="34" charset="0"/>
-                <a:cs typeface="Verdana" panose="020B0604030504040204" pitchFamily="34" charset="0"/>
-              </a:rPr>
-              <a:t>Only need </a:t>
-            </a:r>
-            <a:r>
-              <a:rPr lang="en-SG" sz="2700" dirty="0" smtClean="0">
-                <a:latin typeface="Verdana" panose="020B0604030504040204" pitchFamily="34" charset="0"/>
-                <a:ea typeface="Verdana" panose="020B0604030504040204" pitchFamily="34" charset="0"/>
-                <a:cs typeface="Verdana" panose="020B0604030504040204" pitchFamily="34" charset="0"/>
-              </a:rPr>
-              <a:t>keyboard</a:t>
-            </a:r>
-          </a:p>
-          <a:p>
-            <a:pPr marL="0" indent="0">
-              <a:buNone/>
-            </a:pPr>
-            <a:endParaRPr lang="en-SG" sz="2700" dirty="0">
-              <a:latin typeface="Verdana" panose="020B0604030504040204" pitchFamily="34" charset="0"/>
-              <a:ea typeface="Verdana" panose="020B0604030504040204" pitchFamily="34" charset="0"/>
-              <a:cs typeface="Verdana" panose="020B0604030504040204" pitchFamily="34" charset="0"/>
-            </a:endParaRPr>
-          </a:p>
-          <a:p>
-            <a:r>
-              <a:rPr lang="en-SG" sz="2700" dirty="0">
-                <a:latin typeface="Verdana" panose="020B0604030504040204" pitchFamily="34" charset="0"/>
-                <a:ea typeface="Verdana" panose="020B0604030504040204" pitchFamily="34" charset="0"/>
-                <a:cs typeface="Verdana" panose="020B0604030504040204" pitchFamily="34" charset="0"/>
-              </a:rPr>
-              <a:t>Minimal </a:t>
-            </a:r>
-            <a:r>
-              <a:rPr lang="en-SG" sz="2700" dirty="0" smtClean="0">
-                <a:latin typeface="Verdana" panose="020B0604030504040204" pitchFamily="34" charset="0"/>
-                <a:ea typeface="Verdana" panose="020B0604030504040204" pitchFamily="34" charset="0"/>
-                <a:cs typeface="Verdana" panose="020B0604030504040204" pitchFamily="34" charset="0"/>
-              </a:rPr>
-              <a:t>keywords</a:t>
-            </a:r>
-          </a:p>
-          <a:p>
-            <a:endParaRPr lang="en-SG" sz="2700" dirty="0">
-              <a:latin typeface="Verdana" panose="020B0604030504040204" pitchFamily="34" charset="0"/>
-              <a:ea typeface="Verdana" panose="020B0604030504040204" pitchFamily="34" charset="0"/>
-              <a:cs typeface="Verdana" panose="020B0604030504040204" pitchFamily="34" charset="0"/>
-            </a:endParaRPr>
-          </a:p>
-          <a:p>
-            <a:r>
-              <a:rPr lang="en-SG" sz="2700" dirty="0" smtClean="0">
-                <a:latin typeface="Verdana" panose="020B0604030504040204" pitchFamily="34" charset="0"/>
-                <a:ea typeface="Verdana" panose="020B0604030504040204" pitchFamily="34" charset="0"/>
-                <a:cs typeface="Verdana" panose="020B0604030504040204" pitchFamily="34" charset="0"/>
-              </a:rPr>
-              <a:t>Single letter commands</a:t>
-            </a:r>
-            <a:endParaRPr lang="en-SG" sz="2700" dirty="0">
-              <a:latin typeface="Verdana" panose="020B0604030504040204" pitchFamily="34" charset="0"/>
-              <a:ea typeface="Verdana" panose="020B0604030504040204" pitchFamily="34" charset="0"/>
-              <a:cs typeface="Verdana" panose="020B0604030504040204" pitchFamily="34" charset="0"/>
-            </a:endParaRPr>
-          </a:p>
-          <a:p>
-            <a:endParaRPr lang="en-SG" dirty="0" smtClean="0">
-              <a:latin typeface="Verdana" panose="020B0604030504040204" pitchFamily="34" charset="0"/>
-              <a:ea typeface="Verdana" panose="020B0604030504040204" pitchFamily="34" charset="0"/>
-              <a:cs typeface="Verdana" panose="020B0604030504040204" pitchFamily="34" charset="0"/>
-            </a:endParaRPr>
-          </a:p>
-          <a:p>
-            <a:endParaRPr lang="en-SG" dirty="0" smtClean="0">
-              <a:latin typeface="Verdana" panose="020B0604030504040204" pitchFamily="34" charset="0"/>
-              <a:ea typeface="Verdana" panose="020B0604030504040204" pitchFamily="34" charset="0"/>
-              <a:cs typeface="Verdana" panose="020B0604030504040204" pitchFamily="34" charset="0"/>
-            </a:endParaRPr>
-          </a:p>
-        </p:txBody>
-      </p:sp>
-      <p:sp>
-        <p:nvSpPr>
-          <p:cNvPr id="2" name="Title 1"/>
-          <p:cNvSpPr>
-            <a:spLocks noGrp="1"/>
-          </p:cNvSpPr>
-          <p:nvPr>
-            <p:ph type="title"/>
-          </p:nvPr>
-        </p:nvSpPr>
-        <p:spPr/>
-        <p:txBody>
-          <a:bodyPr/>
-          <a:lstStyle/>
-          <a:p>
-            <a:r>
-              <a:rPr lang="en-SG" dirty="0" smtClean="0">
-                <a:latin typeface="Verdana" panose="020B0604030504040204" pitchFamily="34" charset="0"/>
-                <a:ea typeface="Verdana" panose="020B0604030504040204" pitchFamily="34" charset="0"/>
-                <a:cs typeface="Verdana" panose="020B0604030504040204" pitchFamily="34" charset="0"/>
-              </a:rPr>
-              <a:t>Ease of use</a:t>
-            </a:r>
-          </a:p>
-        </p:txBody>
-      </p:sp>
-    </p:spTree>
-    <p:extLst>
-      <p:ext uri="{BB962C8B-B14F-4D97-AF65-F5344CB8AC3E}">
-        <p14:creationId xmlns:p14="http://schemas.microsoft.com/office/powerpoint/2010/main" val="706766915"/>
-      </p:ext>
-    </p:extLst>
-  </p:cSld>
-  <p:clrMapOvr>
-    <a:masterClrMapping/>
-  </p:clrMapOvr>
-  <mc:AlternateContent xmlns:mc="http://schemas.openxmlformats.org/markup-compatibility/2006" xmlns:p14="http://schemas.microsoft.com/office/powerpoint/2010/main">
-    <mc:Choice Requires="p14">
-      <p:transition spd="med" p14:dur="700">
-        <p:fade/>
-      </p:transition>
-    </mc:Choice>
-    <mc:Fallback xmlns="">
-      <p:transition spd="med">
-        <p:fade/>
-      </p:transition>
-    </mc:Fallback>
-  </mc:AlternateContent>
-  <p:timing>
-    <p:tnLst>
-      <p:par>
-        <p:cTn id="1" dur="indefinite" restart="never" nodeType="tmRoot">
-          <p:childTnLst>
-            <p:seq concurrent="1" nextAc="seek">
-              <p:cTn id="2" dur="indefinite" nodeType="mainSeq">
-                <p:childTnLst>
-                  <p:par>
-                    <p:cTn id="3" fill="hold">
-                      <p:stCondLst>
-                        <p:cond delay="indefinite"/>
-                      </p:stCondLst>
-                      <p:childTnLst>
-                        <p:par>
-                          <p:cTn id="4" fill="hold">
-                            <p:stCondLst>
-                              <p:cond delay="0"/>
-                            </p:stCondLst>
-                            <p:childTnLst>
-                              <p:par>
-                                <p:cTn id="5" presetID="42" presetClass="entr" presetSubtype="0" fill="hold" nodeType="clickEffect">
-                                  <p:stCondLst>
-                                    <p:cond delay="0"/>
-                                  </p:stCondLst>
-                                  <p:childTnLst>
-                                    <p:set>
-                                      <p:cBhvr>
-                                        <p:cTn id="6" dur="1" fill="hold">
-                                          <p:stCondLst>
-                                            <p:cond delay="0"/>
-                                          </p:stCondLst>
-                                        </p:cTn>
-                                        <p:tgtEl>
-                                          <p:spTgt spid="3">
-                                            <p:txEl>
-                                              <p:pRg st="0" end="0"/>
-                                            </p:txEl>
-                                          </p:spTgt>
-                                        </p:tgtEl>
-                                        <p:attrNameLst>
-                                          <p:attrName>style.visibility</p:attrName>
-                                        </p:attrNameLst>
-                                      </p:cBhvr>
-                                      <p:to>
-                                        <p:strVal val="visible"/>
-                                      </p:to>
-                                    </p:set>
-                                    <p:animEffect transition="in" filter="fade">
-                                      <p:cBhvr>
-                                        <p:cTn id="7" dur="500"/>
-                                        <p:tgtEl>
-                                          <p:spTgt spid="3">
-                                            <p:txEl>
-                                              <p:pRg st="0" end="0"/>
-                                            </p:txEl>
-                                          </p:spTgt>
-                                        </p:tgtEl>
-                                      </p:cBhvr>
-                                    </p:animEffect>
-                                    <p:anim calcmode="lin" valueType="num">
-                                      <p:cBhvr>
-                                        <p:cTn id="8" dur="500" fill="hold"/>
-                                        <p:tgtEl>
-                                          <p:spTgt spid="3">
-                                            <p:txEl>
-                                              <p:pRg st="0" end="0"/>
-                                            </p:txEl>
-                                          </p:spTgt>
-                                        </p:tgtEl>
-                                        <p:attrNameLst>
-                                          <p:attrName>ppt_x</p:attrName>
-                                        </p:attrNameLst>
-                                      </p:cBhvr>
-                                      <p:tavLst>
-                                        <p:tav tm="0">
-                                          <p:val>
-                                            <p:strVal val="#ppt_x"/>
-                                          </p:val>
-                                        </p:tav>
-                                        <p:tav tm="100000">
-                                          <p:val>
-                                            <p:strVal val="#ppt_x"/>
-                                          </p:val>
-                                        </p:tav>
-                                      </p:tavLst>
-                                    </p:anim>
-                                    <p:anim calcmode="lin" valueType="num">
-                                      <p:cBhvr>
-                                        <p:cTn id="9" dur="500" fill="hold"/>
-                                        <p:tgtEl>
-                                          <p:spTgt spid="3">
-                                            <p:txEl>
-                                              <p:pRg st="0" end="0"/>
-                                            </p:txEl>
-                                          </p:spTgt>
-                                        </p:tgtEl>
-                                        <p:attrNameLst>
-                                          <p:attrName>ppt_y</p:attrName>
-                                        </p:attrNameLst>
-                                      </p:cBhvr>
-                                      <p:tavLst>
-                                        <p:tav tm="0">
-                                          <p:val>
-                                            <p:strVal val="#ppt_y+.1"/>
-                                          </p:val>
-                                        </p:tav>
-                                        <p:tav tm="100000">
-                                          <p:val>
-                                            <p:strVal val="#ppt_y"/>
-                                          </p:val>
-                                        </p:tav>
-                                      </p:tavLst>
-                                    </p:anim>
-                                  </p:childTnLst>
-                                </p:cTn>
-                              </p:par>
-                            </p:childTnLst>
-                          </p:cTn>
-                        </p:par>
-                      </p:childTnLst>
-                    </p:cTn>
-                  </p:par>
-                  <p:par>
-                    <p:cTn id="10" fill="hold">
-                      <p:stCondLst>
-                        <p:cond delay="indefinite"/>
-                      </p:stCondLst>
-                      <p:childTnLst>
-                        <p:par>
-                          <p:cTn id="11" fill="hold">
-                            <p:stCondLst>
-                              <p:cond delay="0"/>
-                            </p:stCondLst>
-                            <p:childTnLst>
-                              <p:par>
-                                <p:cTn id="12" presetID="42" presetClass="entr" presetSubtype="0" fill="hold" nodeType="clickEffect">
-                                  <p:stCondLst>
-                                    <p:cond delay="0"/>
-                                  </p:stCondLst>
-                                  <p:childTnLst>
-                                    <p:set>
-                                      <p:cBhvr>
-                                        <p:cTn id="13" dur="1" fill="hold">
-                                          <p:stCondLst>
-                                            <p:cond delay="0"/>
-                                          </p:stCondLst>
-                                        </p:cTn>
-                                        <p:tgtEl>
-                                          <p:spTgt spid="3">
-                                            <p:txEl>
-                                              <p:pRg st="2" end="2"/>
-                                            </p:txEl>
-                                          </p:spTgt>
-                                        </p:tgtEl>
-                                        <p:attrNameLst>
-                                          <p:attrName>style.visibility</p:attrName>
-                                        </p:attrNameLst>
-                                      </p:cBhvr>
-                                      <p:to>
-                                        <p:strVal val="visible"/>
-                                      </p:to>
-                                    </p:set>
-                                    <p:animEffect transition="in" filter="fade">
-                                      <p:cBhvr>
-                                        <p:cTn id="14" dur="500"/>
-                                        <p:tgtEl>
-                                          <p:spTgt spid="3">
-                                            <p:txEl>
-                                              <p:pRg st="2" end="2"/>
-                                            </p:txEl>
-                                          </p:spTgt>
-                                        </p:tgtEl>
-                                      </p:cBhvr>
-                                    </p:animEffect>
-                                    <p:anim calcmode="lin" valueType="num">
-                                      <p:cBhvr>
-                                        <p:cTn id="15" dur="500" fill="hold"/>
-                                        <p:tgtEl>
-                                          <p:spTgt spid="3">
-                                            <p:txEl>
-                                              <p:pRg st="2" end="2"/>
-                                            </p:txEl>
-                                          </p:spTgt>
-                                        </p:tgtEl>
-                                        <p:attrNameLst>
-                                          <p:attrName>ppt_x</p:attrName>
-                                        </p:attrNameLst>
-                                      </p:cBhvr>
-                                      <p:tavLst>
-                                        <p:tav tm="0">
-                                          <p:val>
-                                            <p:strVal val="#ppt_x"/>
-                                          </p:val>
-                                        </p:tav>
-                                        <p:tav tm="100000">
-                                          <p:val>
-                                            <p:strVal val="#ppt_x"/>
-                                          </p:val>
-                                        </p:tav>
-                                      </p:tavLst>
-                                    </p:anim>
-                                    <p:anim calcmode="lin" valueType="num">
-                                      <p:cBhvr>
-                                        <p:cTn id="16" dur="500" fill="hold"/>
-                                        <p:tgtEl>
-                                          <p:spTgt spid="3">
-                                            <p:txEl>
-                                              <p:pRg st="2" end="2"/>
-                                            </p:txEl>
-                                          </p:spTgt>
-                                        </p:tgtEl>
-                                        <p:attrNameLst>
-                                          <p:attrName>ppt_y</p:attrName>
-                                        </p:attrNameLst>
-                                      </p:cBhvr>
-                                      <p:tavLst>
-                                        <p:tav tm="0">
-                                          <p:val>
-                                            <p:strVal val="#ppt_y+.1"/>
-                                          </p:val>
-                                        </p:tav>
-                                        <p:tav tm="100000">
-                                          <p:val>
-                                            <p:strVal val="#ppt_y"/>
-                                          </p:val>
-                                        </p:tav>
-                                      </p:tavLst>
-                                    </p:anim>
-                                  </p:childTnLst>
-                                </p:cTn>
-                              </p:par>
-                            </p:childTnLst>
-                          </p:cTn>
-                        </p:par>
-                      </p:childTnLst>
-                    </p:cTn>
-                  </p:par>
-                  <p:par>
-                    <p:cTn id="17" fill="hold">
-                      <p:stCondLst>
-                        <p:cond delay="indefinite"/>
-                      </p:stCondLst>
-                      <p:childTnLst>
-                        <p:par>
-                          <p:cTn id="18" fill="hold">
-                            <p:stCondLst>
-                              <p:cond delay="0"/>
-                            </p:stCondLst>
-                            <p:childTnLst>
-                              <p:par>
-                                <p:cTn id="19" presetID="42" presetClass="entr" presetSubtype="0" fill="hold" nodeType="clickEffect">
-                                  <p:stCondLst>
-                                    <p:cond delay="0"/>
-                                  </p:stCondLst>
-                                  <p:childTnLst>
-                                    <p:set>
-                                      <p:cBhvr>
-                                        <p:cTn id="20" dur="1" fill="hold">
-                                          <p:stCondLst>
-                                            <p:cond delay="0"/>
-                                          </p:stCondLst>
-                                        </p:cTn>
-                                        <p:tgtEl>
-                                          <p:spTgt spid="3">
-                                            <p:txEl>
-                                              <p:pRg st="4" end="4"/>
-                                            </p:txEl>
-                                          </p:spTgt>
-                                        </p:tgtEl>
-                                        <p:attrNameLst>
-                                          <p:attrName>style.visibility</p:attrName>
-                                        </p:attrNameLst>
-                                      </p:cBhvr>
-                                      <p:to>
-                                        <p:strVal val="visible"/>
-                                      </p:to>
-                                    </p:set>
-                                    <p:animEffect transition="in" filter="fade">
-                                      <p:cBhvr>
-                                        <p:cTn id="21" dur="500"/>
-                                        <p:tgtEl>
-                                          <p:spTgt spid="3">
-                                            <p:txEl>
-                                              <p:pRg st="4" end="4"/>
-                                            </p:txEl>
-                                          </p:spTgt>
-                                        </p:tgtEl>
-                                      </p:cBhvr>
-                                    </p:animEffect>
-                                    <p:anim calcmode="lin" valueType="num">
-                                      <p:cBhvr>
-                                        <p:cTn id="22" dur="500" fill="hold"/>
-                                        <p:tgtEl>
-                                          <p:spTgt spid="3">
-                                            <p:txEl>
-                                              <p:pRg st="4" end="4"/>
-                                            </p:txEl>
-                                          </p:spTgt>
-                                        </p:tgtEl>
-                                        <p:attrNameLst>
-                                          <p:attrName>ppt_x</p:attrName>
-                                        </p:attrNameLst>
-                                      </p:cBhvr>
-                                      <p:tavLst>
-                                        <p:tav tm="0">
-                                          <p:val>
-                                            <p:strVal val="#ppt_x"/>
-                                          </p:val>
-                                        </p:tav>
-                                        <p:tav tm="100000">
-                                          <p:val>
-                                            <p:strVal val="#ppt_x"/>
-                                          </p:val>
-                                        </p:tav>
-                                      </p:tavLst>
-                                    </p:anim>
-                                    <p:anim calcmode="lin" valueType="num">
-                                      <p:cBhvr>
-                                        <p:cTn id="23" dur="500" fill="hold"/>
-                                        <p:tgtEl>
-                                          <p:spTgt spid="3">
-                                            <p:txEl>
-                                              <p:pRg st="4" end="4"/>
-                                            </p:txEl>
-                                          </p:spTgt>
-                                        </p:tgtEl>
-                                        <p:attrNameLst>
-                                          <p:attrName>ppt_y</p:attrName>
-                                        </p:attrNameLst>
-                                      </p:cBhvr>
-                                      <p:tavLst>
-                                        <p:tav tm="0">
-                                          <p:val>
-                                            <p:strVal val="#ppt_y+.1"/>
-                                          </p:val>
-                                        </p:tav>
-                                        <p:tav tm="100000">
-                                          <p:val>
-                                            <p:strVal val="#ppt_y"/>
-                                          </p:val>
-                                        </p:tav>
-                                      </p:tavLst>
-                                    </p:anim>
-                                  </p:childTnLst>
-                                </p:cTn>
-                              </p:par>
-                            </p:childTnLst>
-                          </p:cTn>
-                        </p:par>
-                      </p:childTnLst>
-                    </p:cTn>
-                  </p:par>
-                </p:childTnLst>
-              </p:cTn>
-              <p:prevCondLst>
-                <p:cond evt="onPrev" delay="0">
-                  <p:tgtEl>
-                    <p:sldTgt/>
-                  </p:tgtEl>
-                </p:cond>
-              </p:prevCondLst>
-              <p:nextCondLst>
-                <p:cond evt="onNext" delay="0">
-                  <p:tgtEl>
-                    <p:sldTgt/>
-                  </p:tgtEl>
-                </p:cond>
-              </p:nextCondLst>
-            </p:seq>
-          </p:childTnLst>
-        </p:cTn>
       </p:par>
     </p:tnLst>
   </p:timing>
@@ -10506,7 +10073,7 @@
                 <a:cs typeface="Verdana"/>
                 <a:sym typeface="Verdana"/>
               </a:rPr>
-              <a:t>Adding and Editing</a:t>
+              <a:t>Adding – without deadlines</a:t>
             </a:r>
             <a:endParaRPr lang="en" b="0" dirty="0">
               <a:latin typeface="Verdana"/>
@@ -10543,46 +10110,20 @@
                 <a:spcPts val="0"/>
               </a:spcBef>
             </a:pPr>
-            <a:endParaRPr lang="en" dirty="0" smtClean="0">
-              <a:latin typeface="Verdana" panose="020B0604030504040204" pitchFamily="34" charset="0"/>
-              <a:ea typeface="Verdana" panose="020B0604030504040204" pitchFamily="34" charset="0"/>
-              <a:cs typeface="Verdana" panose="020B0604030504040204" pitchFamily="34" charset="0"/>
-            </a:endParaRPr>
-          </a:p>
-          <a:p>
-            <a:pPr marL="457200" lvl="0" indent="-228600" rtl="0">
-              <a:spcBef>
-                <a:spcPts val="0"/>
-              </a:spcBef>
-            </a:pPr>
             <a:r>
               <a:rPr lang="en" dirty="0" smtClean="0">
                 <a:latin typeface="Verdana" panose="020B0604030504040204" pitchFamily="34" charset="0"/>
                 <a:ea typeface="Verdana" panose="020B0604030504040204" pitchFamily="34" charset="0"/>
                 <a:cs typeface="Verdana" panose="020B0604030504040204" pitchFamily="34" charset="0"/>
               </a:rPr>
-              <a:t>Simple</a:t>
-            </a:r>
-          </a:p>
-          <a:p>
-            <a:pPr marL="228600" lvl="0" indent="0" rtl="0">
+              <a:t>E.g.</a:t>
+            </a:r>
+          </a:p>
+          <a:p>
+            <a:pPr marL="457200" lvl="0" indent="-228600" rtl="0">
               <a:spcBef>
                 <a:spcPts val="0"/>
               </a:spcBef>
-              <a:buNone/>
-            </a:pPr>
-            <a:endParaRPr lang="en" dirty="0">
-              <a:latin typeface="Verdana" panose="020B0604030504040204" pitchFamily="34" charset="0"/>
-              <a:ea typeface="Verdana" panose="020B0604030504040204" pitchFamily="34" charset="0"/>
-              <a:cs typeface="Verdana" panose="020B0604030504040204" pitchFamily="34" charset="0"/>
-            </a:endParaRPr>
-          </a:p>
-          <a:p>
-            <a:pPr marL="228600" lvl="0" indent="0" rtl="0">
-              <a:spcBef>
-                <a:spcPts val="0"/>
-              </a:spcBef>
-              <a:buNone/>
             </a:pPr>
             <a:endParaRPr lang="en" dirty="0" smtClean="0">
               <a:latin typeface="Verdana" panose="020B0604030504040204" pitchFamily="34" charset="0"/>
@@ -10602,7 +10143,61 @@
                 <a:ea typeface="Verdana" panose="020B0604030504040204" pitchFamily="34" charset="0"/>
                 <a:cs typeface="Verdana" panose="020B0604030504040204" pitchFamily="34" charset="0"/>
               </a:rPr>
-              <a:t>Minimal effort</a:t>
+              <a:t>“Read book”</a:t>
+            </a:r>
+          </a:p>
+          <a:p>
+            <a:pPr marL="457200" lvl="0" indent="-228600" rtl="0">
+              <a:spcBef>
+                <a:spcPts val="0"/>
+              </a:spcBef>
+            </a:pPr>
+            <a:endParaRPr lang="en" dirty="0" smtClean="0">
+              <a:latin typeface="Verdana" panose="020B0604030504040204" pitchFamily="34" charset="0"/>
+              <a:ea typeface="Verdana" panose="020B0604030504040204" pitchFamily="34" charset="0"/>
+              <a:cs typeface="Verdana" panose="020B0604030504040204" pitchFamily="34" charset="0"/>
+            </a:endParaRPr>
+          </a:p>
+          <a:p>
+            <a:pPr marL="457200" lvl="0" indent="-228600" rtl="0">
+              <a:spcBef>
+                <a:spcPts val="0"/>
+              </a:spcBef>
+            </a:pPr>
+            <a:r>
+              <a:rPr lang="en" dirty="0" smtClean="0">
+                <a:latin typeface="Verdana" panose="020B0604030504040204" pitchFamily="34" charset="0"/>
+                <a:ea typeface="Verdana" panose="020B0604030504040204" pitchFamily="34" charset="0"/>
+                <a:cs typeface="Verdana" panose="020B0604030504040204" pitchFamily="34" charset="0"/>
+              </a:rPr>
+              <a:t>“Listen to music”</a:t>
+            </a:r>
+          </a:p>
+          <a:p>
+            <a:pPr marL="457200" lvl="0" indent="-228600" rtl="0">
+              <a:spcBef>
+                <a:spcPts val="0"/>
+              </a:spcBef>
+            </a:pPr>
+            <a:endParaRPr lang="en" dirty="0" smtClean="0">
+              <a:latin typeface="Verdana" panose="020B0604030504040204" pitchFamily="34" charset="0"/>
+              <a:ea typeface="Verdana" panose="020B0604030504040204" pitchFamily="34" charset="0"/>
+              <a:cs typeface="Verdana" panose="020B0604030504040204" pitchFamily="34" charset="0"/>
+            </a:endParaRPr>
+          </a:p>
+          <a:p>
+            <a:pPr marL="457200" lvl="0" indent="-228600" rtl="0">
+              <a:spcBef>
+                <a:spcPts val="0"/>
+              </a:spcBef>
+            </a:pPr>
+            <a:r>
+              <a:rPr lang="en" dirty="0" smtClean="0">
+                <a:latin typeface="Verdana" panose="020B0604030504040204" pitchFamily="34" charset="0"/>
+                <a:ea typeface="Verdana" panose="020B0604030504040204" pitchFamily="34" charset="0"/>
+                <a:cs typeface="Verdana" panose="020B0604030504040204" pitchFamily="34" charset="0"/>
+              </a:rPr>
+              <a:t>“Watch a movie”</a:t>
             </a:r>
             <a:endParaRPr lang="en" dirty="0">
               <a:latin typeface="Verdana" panose="020B0604030504040204" pitchFamily="34" charset="0"/>
@@ -10615,7 +10210,7 @@
     </p:spTree>
     <p:extLst>
       <p:ext uri="{BB962C8B-B14F-4D97-AF65-F5344CB8AC3E}">
-        <p14:creationId xmlns:p14="http://schemas.microsoft.com/office/powerpoint/2010/main" val="1476971637"/>
+        <p14:creationId xmlns:p14="http://schemas.microsoft.com/office/powerpoint/2010/main" val="551120680"/>
       </p:ext>
     </p:extLst>
   </p:cSld>
@@ -10695,7 +10290,7 @@
                 <a:cs typeface="Verdana"/>
                 <a:sym typeface="Verdana"/>
               </a:rPr>
-              <a:t>Adding – without deadlines</a:t>
+              <a:t>Adding – with date</a:t>
             </a:r>
             <a:endParaRPr lang="en" b="0" dirty="0">
               <a:latin typeface="Verdana"/>
@@ -10765,7 +10360,7 @@
                 <a:ea typeface="Verdana" panose="020B0604030504040204" pitchFamily="34" charset="0"/>
                 <a:cs typeface="Verdana" panose="020B0604030504040204" pitchFamily="34" charset="0"/>
               </a:rPr>
-              <a:t>“Read book”</a:t>
+              <a:t>“Meet friend next Saturday”</a:t>
             </a:r>
           </a:p>
           <a:p>
@@ -10792,7 +10387,7 @@
                 <a:ea typeface="Verdana" panose="020B0604030504040204" pitchFamily="34" charset="0"/>
                 <a:cs typeface="Verdana" panose="020B0604030504040204" pitchFamily="34" charset="0"/>
               </a:rPr>
-              <a:t>“Listen to music”</a:t>
+              <a:t>“Overseas trip 30/4”</a:t>
             </a:r>
           </a:p>
           <a:p>
@@ -10819,7 +10414,7 @@
                 <a:ea typeface="Verdana" panose="020B0604030504040204" pitchFamily="34" charset="0"/>
                 <a:cs typeface="Verdana" panose="020B0604030504040204" pitchFamily="34" charset="0"/>
               </a:rPr>
-              <a:t>“Watch a movie”</a:t>
+              <a:t>“Do everything tomorrow”</a:t>
             </a:r>
             <a:endParaRPr lang="en" dirty="0">
               <a:latin typeface="Verdana" panose="020B0604030504040204" pitchFamily="34" charset="0"/>
@@ -10832,7 +10427,7 @@
     </p:spTree>
     <p:extLst>
       <p:ext uri="{BB962C8B-B14F-4D97-AF65-F5344CB8AC3E}">
-        <p14:creationId xmlns:p14="http://schemas.microsoft.com/office/powerpoint/2010/main" val="551120680"/>
+        <p14:creationId xmlns:p14="http://schemas.microsoft.com/office/powerpoint/2010/main" val="2621789456"/>
       </p:ext>
     </p:extLst>
   </p:cSld>
@@ -10912,7 +10507,7 @@
                 <a:cs typeface="Verdana"/>
                 <a:sym typeface="Verdana"/>
               </a:rPr>
-              <a:t>Adding – with date</a:t>
+              <a:t>Adding – with time</a:t>
             </a:r>
             <a:endParaRPr lang="en" b="0" dirty="0">
               <a:latin typeface="Verdana"/>
@@ -10982,7 +10577,7 @@
                 <a:ea typeface="Verdana" panose="020B0604030504040204" pitchFamily="34" charset="0"/>
                 <a:cs typeface="Verdana" panose="020B0604030504040204" pitchFamily="34" charset="0"/>
               </a:rPr>
-              <a:t>“Meet friend next Saturday”</a:t>
+              <a:t>“Meeting 3pm”</a:t>
             </a:r>
           </a:p>
           <a:p>
@@ -10998,45 +10593,14 @@
             </a:endParaRPr>
           </a:p>
           <a:p>
-            <a:pPr marL="457200" lvl="0" indent="-228600" rtl="0">
-              <a:spcBef>
-                <a:spcPts val="0"/>
-              </a:spcBef>
-            </a:pPr>
-            <a:r>
-              <a:rPr lang="en" dirty="0" smtClean="0">
-                <a:latin typeface="Verdana" panose="020B0604030504040204" pitchFamily="34" charset="0"/>
-                <a:ea typeface="Verdana" panose="020B0604030504040204" pitchFamily="34" charset="0"/>
-                <a:cs typeface="Verdana" panose="020B0604030504040204" pitchFamily="34" charset="0"/>
-              </a:rPr>
-              <a:t>“Overseas trip 30/4”</a:t>
-            </a:r>
-          </a:p>
-          <a:p>
-            <a:pPr marL="457200" lvl="0" indent="-228600" rtl="0">
-              <a:spcBef>
-                <a:spcPts val="0"/>
-              </a:spcBef>
-            </a:pPr>
-            <a:endParaRPr lang="en" dirty="0" smtClean="0">
-              <a:latin typeface="Verdana" panose="020B0604030504040204" pitchFamily="34" charset="0"/>
-              <a:ea typeface="Verdana" panose="020B0604030504040204" pitchFamily="34" charset="0"/>
-              <a:cs typeface="Verdana" panose="020B0604030504040204" pitchFamily="34" charset="0"/>
-            </a:endParaRPr>
-          </a:p>
-          <a:p>
-            <a:pPr marL="457200" lvl="0" indent="-228600" rtl="0">
-              <a:spcBef>
-                <a:spcPts val="0"/>
-              </a:spcBef>
-            </a:pPr>
-            <a:r>
-              <a:rPr lang="en" dirty="0" smtClean="0">
-                <a:latin typeface="Verdana" panose="020B0604030504040204" pitchFamily="34" charset="0"/>
-                <a:ea typeface="Verdana" panose="020B0604030504040204" pitchFamily="34" charset="0"/>
-                <a:cs typeface="Verdana" panose="020B0604030504040204" pitchFamily="34" charset="0"/>
-              </a:rPr>
-              <a:t>“Do everything tomorrow”</a:t>
+            <a:pPr marL="457200" lvl="0" indent="-228600"/>
+            <a:r>
+              <a:rPr lang="en-SG" dirty="0"/>
+              <a:t>“Run errands Sunday 1000-1200</a:t>
+            </a:r>
+            <a:r>
+              <a:rPr lang="en-SG" dirty="0" smtClean="0"/>
+              <a:t>”</a:t>
             </a:r>
             <a:endParaRPr lang="en" dirty="0">
               <a:latin typeface="Verdana" panose="020B0604030504040204" pitchFamily="34" charset="0"/>
@@ -11049,7 +10613,7 @@
     </p:spTree>
     <p:extLst>
       <p:ext uri="{BB962C8B-B14F-4D97-AF65-F5344CB8AC3E}">
-        <p14:creationId xmlns:p14="http://schemas.microsoft.com/office/powerpoint/2010/main" val="2621789456"/>
+        <p14:creationId xmlns:p14="http://schemas.microsoft.com/office/powerpoint/2010/main" val="3259660995"/>
       </p:ext>
     </p:extLst>
   </p:cSld>
@@ -11129,7 +10693,7 @@
                 <a:cs typeface="Verdana"/>
                 <a:sym typeface="Verdana"/>
               </a:rPr>
-              <a:t>Adding – with time</a:t>
+              <a:t>Adding – with recurrence</a:t>
             </a:r>
             <a:endParaRPr lang="en" b="0" dirty="0">
               <a:latin typeface="Verdana"/>
@@ -11188,54 +10752,33 @@
             </a:endParaRPr>
           </a:p>
           <a:p>
-            <a:pPr marL="457200" lvl="0" indent="-228600" rtl="0">
-              <a:spcBef>
-                <a:spcPts val="0"/>
-              </a:spcBef>
-            </a:pPr>
-            <a:r>
-              <a:rPr lang="en" dirty="0" smtClean="0">
-                <a:latin typeface="Verdana" panose="020B0604030504040204" pitchFamily="34" charset="0"/>
-                <a:ea typeface="Verdana" panose="020B0604030504040204" pitchFamily="34" charset="0"/>
-                <a:cs typeface="Verdana" panose="020B0604030504040204" pitchFamily="34" charset="0"/>
-              </a:rPr>
-              <a:t>“Meeting 3pm”</a:t>
-            </a:r>
-          </a:p>
-          <a:p>
-            <a:pPr marL="457200" lvl="0" indent="-228600" rtl="0">
-              <a:spcBef>
-                <a:spcPts val="0"/>
-              </a:spcBef>
-            </a:pPr>
-            <a:endParaRPr lang="en" dirty="0" smtClean="0">
-              <a:latin typeface="Verdana" panose="020B0604030504040204" pitchFamily="34" charset="0"/>
-              <a:ea typeface="Verdana" panose="020B0604030504040204" pitchFamily="34" charset="0"/>
-              <a:cs typeface="Verdana" panose="020B0604030504040204" pitchFamily="34" charset="0"/>
-            </a:endParaRPr>
-          </a:p>
-          <a:p>
             <a:pPr marL="457200" lvl="0" indent="-228600"/>
             <a:r>
               <a:rPr lang="en-SG" dirty="0"/>
-              <a:t>“Run errands Sunday 1000-1200</a:t>
+              <a:t>“Do work Sunday 23:59 1w</a:t>
             </a:r>
             <a:r>
               <a:rPr lang="en-SG" dirty="0" smtClean="0"/>
               <a:t>”</a:t>
             </a:r>
-            <a:endParaRPr lang="en" dirty="0">
-              <a:latin typeface="Verdana" panose="020B0604030504040204" pitchFamily="34" charset="0"/>
-              <a:ea typeface="Verdana" panose="020B0604030504040204" pitchFamily="34" charset="0"/>
-              <a:cs typeface="Verdana" panose="020B0604030504040204" pitchFamily="34" charset="0"/>
-            </a:endParaRPr>
+          </a:p>
+          <a:p>
+            <a:pPr marL="457200" lvl="0" indent="-228600"/>
+            <a:endParaRPr lang="en-SG" dirty="0"/>
+          </a:p>
+          <a:p>
+            <a:pPr marL="457200" lvl="0" indent="-228600"/>
+            <a:r>
+              <a:rPr lang="en-SG" dirty="0" smtClean="0"/>
+              <a:t>y=year, m=month, w = week, d = day,</a:t>
+            </a:r>
           </a:p>
         </p:txBody>
       </p:sp>
     </p:spTree>
     <p:extLst>
       <p:ext uri="{BB962C8B-B14F-4D97-AF65-F5344CB8AC3E}">
-        <p14:creationId xmlns:p14="http://schemas.microsoft.com/office/powerpoint/2010/main" val="3259660995"/>
+        <p14:creationId xmlns:p14="http://schemas.microsoft.com/office/powerpoint/2010/main" val="3856058173"/>
       </p:ext>
     </p:extLst>
   </p:cSld>
@@ -11330,7 +10873,117 @@
                 <a:ea typeface="Verdana" panose="020B0604030504040204" pitchFamily="34" charset="0"/>
                 <a:cs typeface="Verdana" panose="020B0604030504040204" pitchFamily="34" charset="0"/>
               </a:rPr>
-              <a:t>How many things can your mind hold in working memory?</a:t>
+              <a:t>How many </a:t>
+            </a:r>
+            <a:r>
+              <a:rPr lang="en-SG" sz="4050" dirty="0" smtClean="0">
+                <a:ln w="0"/>
+                <a:gradFill>
+                  <a:gsLst>
+                    <a:gs pos="0">
+                      <a:schemeClr val="accent5">
+                        <a:lumMod val="50000"/>
+                      </a:schemeClr>
+                    </a:gs>
+                    <a:gs pos="50000">
+                      <a:schemeClr val="accent5"/>
+                    </a:gs>
+                    <a:gs pos="100000">
+                      <a:schemeClr val="accent5">
+                        <a:lumMod val="60000"/>
+                        <a:lumOff val="40000"/>
+                      </a:schemeClr>
+                    </a:gs>
+                  </a:gsLst>
+                  <a:lin ang="5400000"/>
+                </a:gradFill>
+                <a:latin typeface="Verdana" panose="020B0604030504040204" pitchFamily="34" charset="0"/>
+                <a:ea typeface="Verdana" panose="020B0604030504040204" pitchFamily="34" charset="0"/>
+                <a:cs typeface="Verdana" panose="020B0604030504040204" pitchFamily="34" charset="0"/>
+              </a:rPr>
+              <a:t>objects </a:t>
+            </a:r>
+            <a:r>
+              <a:rPr lang="en-SG" sz="4050" dirty="0">
+                <a:ln w="0"/>
+                <a:gradFill>
+                  <a:gsLst>
+                    <a:gs pos="0">
+                      <a:schemeClr val="accent5">
+                        <a:lumMod val="50000"/>
+                      </a:schemeClr>
+                    </a:gs>
+                    <a:gs pos="50000">
+                      <a:schemeClr val="accent5"/>
+                    </a:gs>
+                    <a:gs pos="100000">
+                      <a:schemeClr val="accent5">
+                        <a:lumMod val="60000"/>
+                        <a:lumOff val="40000"/>
+                      </a:schemeClr>
+                    </a:gs>
+                  </a:gsLst>
+                  <a:lin ang="5400000"/>
+                </a:gradFill>
+                <a:latin typeface="Verdana" panose="020B0604030504040204" pitchFamily="34" charset="0"/>
+                <a:ea typeface="Verdana" panose="020B0604030504040204" pitchFamily="34" charset="0"/>
+                <a:cs typeface="Verdana" panose="020B0604030504040204" pitchFamily="34" charset="0"/>
+              </a:rPr>
+              <a:t>can your mind hold in working memory?</a:t>
+            </a:r>
+          </a:p>
+        </p:txBody>
+      </p:sp>
+      <p:sp>
+        <p:nvSpPr>
+          <p:cNvPr id="2" name="Rectangle 1"/>
+          <p:cNvSpPr/>
+          <p:nvPr/>
+        </p:nvSpPr>
+        <p:spPr>
+          <a:xfrm rot="21060627">
+            <a:off x="3215532" y="1026616"/>
+            <a:ext cx="2592288" cy="3170099"/>
+          </a:xfrm>
+          <a:prstGeom prst="rect">
+            <a:avLst/>
+          </a:prstGeom>
+          <a:noFill/>
+          <a:effectLst>
+            <a:glow rad="228600">
+              <a:schemeClr val="accent5">
+                <a:satMod val="175000"/>
+                <a:alpha val="40000"/>
+              </a:schemeClr>
+            </a:glow>
+          </a:effectLst>
+        </p:spPr>
+        <p:txBody>
+          <a:bodyPr wrap="square" lIns="91440" tIns="45720" rIns="91440" bIns="45720">
+            <a:spAutoFit/>
+          </a:bodyPr>
+          <a:lstStyle/>
+          <a:p>
+            <a:pPr algn="ctr"/>
+            <a:r>
+              <a:rPr lang="en-US" sz="20000" b="1" dirty="0">
+                <a:ln w="22225">
+                  <a:solidFill>
+                    <a:schemeClr val="accent2"/>
+                  </a:solidFill>
+                  <a:prstDash val="solid"/>
+                </a:ln>
+                <a:solidFill>
+                  <a:schemeClr val="accent2">
+                    <a:lumMod val="40000"/>
+                    <a:lumOff val="60000"/>
+                  </a:schemeClr>
+                </a:solidFill>
+                <a:latin typeface="Arial" panose="020B0604020202020204" pitchFamily="34" charset="0"/>
+                <a:ea typeface="Verdana" panose="020B0604030504040204" pitchFamily="34" charset="0"/>
+                <a:cs typeface="Arial" panose="020B0604020202020204" pitchFamily="34" charset="0"/>
+              </a:rPr>
+              <a:t>7</a:t>
             </a:r>
           </a:p>
         </p:txBody>
@@ -11338,20 +10991,20 @@
     </p:spTree>
     <p:extLst>
       <p:ext uri="{BB962C8B-B14F-4D97-AF65-F5344CB8AC3E}">
-        <p14:creationId xmlns:p14="http://schemas.microsoft.com/office/powerpoint/2010/main" val="1151886779"/>
+        <p14:creationId xmlns:p14="http://schemas.microsoft.com/office/powerpoint/2010/main" val="260471139"/>
       </p:ext>
     </p:extLst>
   </p:cSld>
   <p:clrMapOvr>
     <a:masterClrMapping/>
   </p:clrMapOvr>
-  <mc:AlternateContent xmlns:mc="http://schemas.openxmlformats.org/markup-compatibility/2006" xmlns:p14="http://schemas.microsoft.com/office/powerpoint/2010/main">
-    <mc:Choice Requires="p14">
+  <mc:AlternateContent xmlns:mc="http://schemas.openxmlformats.org/markup-compatibility/2006">
+    <mc:Choice xmlns:p14="http://schemas.microsoft.com/office/powerpoint/2010/main" Requires="p14">
       <p:transition spd="med" p14:dur="700">
         <p:fade/>
       </p:transition>
     </mc:Choice>
-    <mc:Fallback xmlns="">
+    <mc:Fallback>
       <p:transition spd="med">
         <p:fade/>
       </p:transition>
@@ -11360,9 +11013,126 @@
   <p:timing>
     <p:tnLst>
       <p:par>
-        <p:cTn id="1" dur="indefinite" restart="never" nodeType="tmRoot"/>
+        <p:cTn id="1" dur="indefinite" restart="never" nodeType="tmRoot">
+          <p:childTnLst>
+            <p:seq concurrent="1" nextAc="seek">
+              <p:cTn id="2" dur="indefinite" nodeType="mainSeq">
+                <p:childTnLst>
+                  <p:par>
+                    <p:cTn id="3" fill="hold">
+                      <p:stCondLst>
+                        <p:cond delay="indefinite"/>
+                      </p:stCondLst>
+                      <p:childTnLst>
+                        <p:par>
+                          <p:cTn id="4" fill="hold">
+                            <p:stCondLst>
+                              <p:cond delay="0"/>
+                            </p:stCondLst>
+                            <p:childTnLst>
+                              <p:par>
+                                <p:cTn id="5" presetID="2" presetClass="entr" presetSubtype="4" fill="hold" grpId="0" nodeType="clickEffect">
+                                  <p:stCondLst>
+                                    <p:cond delay="0"/>
+                                  </p:stCondLst>
+                                  <p:childTnLst>
+                                    <p:set>
+                                      <p:cBhvr>
+                                        <p:cTn id="6" dur="1" fill="hold">
+                                          <p:stCondLst>
+                                            <p:cond delay="0"/>
+                                          </p:stCondLst>
+                                        </p:cTn>
+                                        <p:tgtEl>
+                                          <p:spTgt spid="2"/>
+                                        </p:tgtEl>
+                                        <p:attrNameLst>
+                                          <p:attrName>style.visibility</p:attrName>
+                                        </p:attrNameLst>
+                                      </p:cBhvr>
+                                      <p:to>
+                                        <p:strVal val="visible"/>
+                                      </p:to>
+                                    </p:set>
+                                    <p:anim calcmode="lin" valueType="num">
+                                      <p:cBhvr additive="base">
+                                        <p:cTn id="7" dur="500" fill="hold"/>
+                                        <p:tgtEl>
+                                          <p:spTgt spid="2"/>
+                                        </p:tgtEl>
+                                        <p:attrNameLst>
+                                          <p:attrName>ppt_x</p:attrName>
+                                        </p:attrNameLst>
+                                      </p:cBhvr>
+                                      <p:tavLst>
+                                        <p:tav tm="0">
+                                          <p:val>
+                                            <p:strVal val="#ppt_x"/>
+                                          </p:val>
+                                        </p:tav>
+                                        <p:tav tm="100000">
+                                          <p:val>
+                                            <p:strVal val="#ppt_x"/>
+                                          </p:val>
+                                        </p:tav>
+                                      </p:tavLst>
+                                    </p:anim>
+                                    <p:anim calcmode="lin" valueType="num">
+                                      <p:cBhvr additive="base">
+                                        <p:cTn id="8" dur="500" fill="hold"/>
+                                        <p:tgtEl>
+                                          <p:spTgt spid="2"/>
+                                        </p:tgtEl>
+                                        <p:attrNameLst>
+                                          <p:attrName>ppt_y</p:attrName>
+                                        </p:attrNameLst>
+                                      </p:cBhvr>
+                                      <p:tavLst>
+                                        <p:tav tm="0">
+                                          <p:val>
+                                            <p:strVal val="1+#ppt_h/2"/>
+                                          </p:val>
+                                        </p:tav>
+                                        <p:tav tm="100000">
+                                          <p:val>
+                                            <p:strVal val="#ppt_y"/>
+                                          </p:val>
+                                        </p:tav>
+                                      </p:tavLst>
+                                    </p:anim>
+                                  </p:childTnLst>
+                                </p:cTn>
+                              </p:par>
+                            </p:childTnLst>
+                          </p:cTn>
+                        </p:par>
+                      </p:childTnLst>
+                    </p:cTn>
+                  </p:par>
+                </p:childTnLst>
+              </p:cTn>
+              <p:prevCondLst>
+                <p:cond evt="onPrev" delay="0">
+                  <p:tgtEl>
+                    <p:sldTgt/>
+                  </p:tgtEl>
+                </p:cond>
+              </p:prevCondLst>
+              <p:nextCondLst>
+                <p:cond evt="onNext" delay="0">
+                  <p:tgtEl>
+                    <p:sldTgt/>
+                  </p:tgtEl>
+                </p:cond>
+              </p:nextCondLst>
+            </p:seq>
+          </p:childTnLst>
+        </p:cTn>
       </p:par>
     </p:tnLst>
+    <p:bldLst>
+      <p:bldP spid="2" grpId="0"/>
+    </p:bldLst>
   </p:timing>
 </p:sld>
 </file>
@@ -11418,7 +11188,7 @@
                 <a:cs typeface="Verdana"/>
                 <a:sym typeface="Verdana"/>
               </a:rPr>
-              <a:t>Adding – with recurrence</a:t>
+              <a:t>Editing</a:t>
             </a:r>
             <a:endParaRPr lang="en" b="0" dirty="0">
               <a:latin typeface="Verdana"/>
@@ -11503,7 +11273,7 @@
     </p:spTree>
     <p:extLst>
       <p:ext uri="{BB962C8B-B14F-4D97-AF65-F5344CB8AC3E}">
-        <p14:creationId xmlns:p14="http://schemas.microsoft.com/office/powerpoint/2010/main" val="3856058173"/>
+        <p14:creationId xmlns:p14="http://schemas.microsoft.com/office/powerpoint/2010/main" val="1958440057"/>
       </p:ext>
     </p:extLst>
   </p:cSld>
@@ -11577,171 +11347,6 @@
               <a:buNone/>
             </a:pPr>
             <a:r>
-              <a:rPr lang="en" b="0" dirty="0" smtClean="0">
-                <a:latin typeface="Verdana"/>
-                <a:ea typeface="Verdana"/>
-                <a:cs typeface="Verdana"/>
-                <a:sym typeface="Verdana"/>
-              </a:rPr>
-              <a:t>Editing</a:t>
-            </a:r>
-            <a:endParaRPr lang="en" b="0" dirty="0">
-              <a:latin typeface="Verdana"/>
-              <a:ea typeface="Verdana"/>
-              <a:cs typeface="Verdana"/>
-              <a:sym typeface="Verdana"/>
-            </a:endParaRPr>
-          </a:p>
-        </p:txBody>
-      </p:sp>
-      <p:sp>
-        <p:nvSpPr>
-          <p:cNvPr id="73" name="Shape 73"/>
-          <p:cNvSpPr txBox="1">
-            <a:spLocks noGrp="1"/>
-          </p:cNvSpPr>
-          <p:nvPr>
-            <p:ph type="body" idx="1"/>
-          </p:nvPr>
-        </p:nvSpPr>
-        <p:spPr>
-          <a:prstGeom prst="rect">
-            <a:avLst/>
-          </a:prstGeom>
-        </p:spPr>
-        <p:txBody>
-          <a:bodyPr lIns="91425" tIns="91425" rIns="91425" bIns="91425" anchor="t" anchorCtr="0">
-            <a:noAutofit/>
-          </a:bodyPr>
-          <a:lstStyle/>
-          <a:p>
-            <a:pPr marL="457200" lvl="0" indent="-228600" rtl="0">
-              <a:spcBef>
-                <a:spcPts val="0"/>
-              </a:spcBef>
-            </a:pPr>
-            <a:r>
-              <a:rPr lang="en" dirty="0" smtClean="0">
-                <a:latin typeface="Verdana" panose="020B0604030504040204" pitchFamily="34" charset="0"/>
-                <a:ea typeface="Verdana" panose="020B0604030504040204" pitchFamily="34" charset="0"/>
-                <a:cs typeface="Verdana" panose="020B0604030504040204" pitchFamily="34" charset="0"/>
-              </a:rPr>
-              <a:t>E.g.</a:t>
-            </a:r>
-          </a:p>
-          <a:p>
-            <a:pPr marL="457200" lvl="0" indent="-228600" rtl="0">
-              <a:spcBef>
-                <a:spcPts val="0"/>
-              </a:spcBef>
-            </a:pPr>
-            <a:endParaRPr lang="en" dirty="0" smtClean="0">
-              <a:latin typeface="Verdana" panose="020B0604030504040204" pitchFamily="34" charset="0"/>
-              <a:ea typeface="Verdana" panose="020B0604030504040204" pitchFamily="34" charset="0"/>
-              <a:cs typeface="Verdana" panose="020B0604030504040204" pitchFamily="34" charset="0"/>
-            </a:endParaRPr>
-          </a:p>
-          <a:p>
-            <a:pPr marL="457200" lvl="0" indent="-228600"/>
-            <a:r>
-              <a:rPr lang="en-SG" dirty="0"/>
-              <a:t>“Do work Sunday 23:59 1w</a:t>
-            </a:r>
-            <a:r>
-              <a:rPr lang="en-SG" dirty="0" smtClean="0"/>
-              <a:t>”</a:t>
-            </a:r>
-          </a:p>
-          <a:p>
-            <a:pPr marL="457200" lvl="0" indent="-228600"/>
-            <a:endParaRPr lang="en-SG" dirty="0"/>
-          </a:p>
-          <a:p>
-            <a:pPr marL="457200" lvl="0" indent="-228600"/>
-            <a:r>
-              <a:rPr lang="en-SG" dirty="0" smtClean="0"/>
-              <a:t>y=year, m=month, w = week, d = day,</a:t>
-            </a:r>
-          </a:p>
-        </p:txBody>
-      </p:sp>
-    </p:spTree>
-    <p:extLst>
-      <p:ext uri="{BB962C8B-B14F-4D97-AF65-F5344CB8AC3E}">
-        <p14:creationId xmlns:p14="http://schemas.microsoft.com/office/powerpoint/2010/main" val="1958440057"/>
-      </p:ext>
-    </p:extLst>
-  </p:cSld>
-  <p:clrMapOvr>
-    <a:masterClrMapping/>
-  </p:clrMapOvr>
-  <mc:AlternateContent xmlns:mc="http://schemas.openxmlformats.org/markup-compatibility/2006" xmlns:p14="http://schemas.microsoft.com/office/powerpoint/2010/main">
-    <mc:Choice Requires="p14">
-      <p:transition spd="med" p14:dur="700">
-        <p:fade/>
-      </p:transition>
-    </mc:Choice>
-    <mc:Fallback xmlns="">
-      <p:transition spd="med">
-        <p:fade/>
-      </p:transition>
-    </mc:Fallback>
-  </mc:AlternateContent>
-  <p:timing>
-    <p:tnLst>
-      <p:par>
-        <p:cTn id="1" dur="indefinite" restart="never" nodeType="tmRoot"/>
-      </p:par>
-    </p:tnLst>
-  </p:timing>
-</p:sld>
-</file>
-
-<file path=ppt/slides/slide22.xml><?xml version="1.0" encoding="utf-8"?>
-<p:sld xmlns:a="http://schemas.openxmlformats.org/drawingml/2006/main" xmlns:r="http://schemas.openxmlformats.org/officeDocument/2006/relationships" xmlns:p="http://schemas.openxmlformats.org/presentationml/2006/main">
-  <p:cSld>
-    <p:spTree>
-      <p:nvGrpSpPr>
-        <p:cNvPr id="1" name="Shape 71"/>
-        <p:cNvGrpSpPr/>
-        <p:nvPr/>
-      </p:nvGrpSpPr>
-      <p:grpSpPr>
-        <a:xfrm>
-          <a:off x="0" y="0"/>
-          <a:ext cx="0" cy="0"/>
-          <a:chOff x="0" y="0"/>
-          <a:chExt cx="0" cy="0"/>
-        </a:xfrm>
-      </p:grpSpPr>
-      <p:sp>
-        <p:nvSpPr>
-          <p:cNvPr id="72" name="Shape 72"/>
-          <p:cNvSpPr txBox="1">
-            <a:spLocks noGrp="1"/>
-          </p:cNvSpPr>
-          <p:nvPr>
-            <p:ph type="title"/>
-          </p:nvPr>
-        </p:nvSpPr>
-        <p:spPr>
-          <a:prstGeom prst="rect">
-            <a:avLst/>
-          </a:prstGeom>
-        </p:spPr>
-        <p:txBody>
-          <a:bodyPr lIns="91425" tIns="91425" rIns="91425" bIns="91425" anchor="t" anchorCtr="0">
-            <a:noAutofit/>
-          </a:bodyPr>
-          <a:lstStyle/>
-          <a:p>
-            <a:pPr lvl="0">
-              <a:spcBef>
-                <a:spcPts val="0"/>
-              </a:spcBef>
-              <a:buNone/>
-            </a:pPr>
-            <a:r>
               <a:rPr lang="en" b="0" dirty="0">
                 <a:latin typeface="Verdana"/>
                 <a:ea typeface="Verdana"/>
@@ -11865,7 +11470,7 @@
 </p:sld>
 </file>
 
-<file path=ppt/slides/slide23.xml><?xml version="1.0" encoding="utf-8"?>
+<file path=ppt/slides/slide22.xml><?xml version="1.0" encoding="utf-8"?>
 <p:sld xmlns:a="http://schemas.openxmlformats.org/drawingml/2006/main" xmlns:r="http://schemas.openxmlformats.org/officeDocument/2006/relationships" xmlns:p="http://schemas.openxmlformats.org/presentationml/2006/main">
   <p:cSld>
     <p:spTree>
@@ -12174,7 +11779,7 @@
 </p:sld>
 </file>
 
-<file path=ppt/slides/slide24.xml><?xml version="1.0" encoding="utf-8"?>
+<file path=ppt/slides/slide23.xml><?xml version="1.0" encoding="utf-8"?>
 <p:sld xmlns:a="http://schemas.openxmlformats.org/drawingml/2006/main" xmlns:r="http://schemas.openxmlformats.org/officeDocument/2006/relationships" xmlns:p="http://schemas.openxmlformats.org/presentationml/2006/main">
   <p:cSld>
     <p:spTree>
@@ -13123,7 +12728,7 @@
           <a:p>
             <a:pPr lvl="0"/>
             <a:r>
-              <a:rPr lang="en-SG" sz="4400" dirty="0">
+              <a:rPr lang="en-SG" sz="4400" b="0" dirty="0">
                 <a:latin typeface="Verdana"/>
                 <a:ea typeface="Verdana"/>
                 <a:cs typeface="Verdana"/>
@@ -13132,7 +12737,7 @@
               <a:t>What’s next?</a:t>
             </a:r>
             <a:r>
-              <a:rPr lang="en-SG" dirty="0">
+              <a:rPr lang="en-SG" b="0" dirty="0">
                 <a:latin typeface="Verdana"/>
                 <a:ea typeface="Verdana"/>
                 <a:cs typeface="Verdana"/>
@@ -13141,7 +12746,7 @@
               <a:t/>
             </a:r>
             <a:br>
-              <a:rPr lang="en-SG" dirty="0">
+              <a:rPr lang="en-SG" b="0" dirty="0">
                 <a:latin typeface="Verdana"/>
                 <a:ea typeface="Verdana"/>
                 <a:cs typeface="Verdana"/>
@@ -13149,13 +12754,13 @@
               </a:rPr>
             </a:br>
             <a:r>
-              <a:rPr lang="en-SG" dirty="0"/>
+              <a:rPr lang="en-SG" b="0" dirty="0"/>
               <a:t/>
             </a:r>
             <a:br>
-              <a:rPr lang="en-SG" dirty="0"/>
+              <a:rPr lang="en-SG" b="0" dirty="0"/>
             </a:br>
-            <a:endParaRPr lang="en-SG" dirty="0"/>
+            <a:endParaRPr lang="en-SG" b="0" dirty="0"/>
           </a:p>
         </p:txBody>
       </p:sp>
@@ -14093,7 +13698,7 @@
 </p:sld>
 </file>
 
-<file path=ppt/slides/slide25.xml><?xml version="1.0" encoding="utf-8"?>
+<file path=ppt/slides/slide24.xml><?xml version="1.0" encoding="utf-8"?>
 <p:sld xmlns:a="http://schemas.openxmlformats.org/drawingml/2006/main" xmlns:r="http://schemas.openxmlformats.org/officeDocument/2006/relationships" xmlns:p="http://schemas.openxmlformats.org/presentationml/2006/main">
   <p:cSld>
     <p:spTree>
@@ -14129,7 +13734,7 @@
           <a:p>
             <a:pPr lvl="0"/>
             <a:r>
-              <a:rPr lang="en-SG" sz="4400" dirty="0">
+              <a:rPr lang="en-SG" sz="4400" b="0" dirty="0">
                 <a:latin typeface="Verdana"/>
                 <a:ea typeface="Verdana"/>
                 <a:cs typeface="Verdana"/>
@@ -14138,7 +13743,7 @@
               <a:t>What’s next</a:t>
             </a:r>
             <a:r>
-              <a:rPr lang="en-SG" sz="4400" dirty="0" smtClean="0">
+              <a:rPr lang="en-SG" sz="4400" b="0" dirty="0" smtClean="0">
                 <a:latin typeface="Verdana"/>
                 <a:ea typeface="Verdana"/>
                 <a:cs typeface="Verdana"/>
@@ -14146,7 +13751,7 @@
               </a:rPr>
               <a:t>?</a:t>
             </a:r>
-            <a:endParaRPr lang="en-SG" dirty="0"/>
+            <a:endParaRPr lang="en-SG" b="0" dirty="0"/>
           </a:p>
         </p:txBody>
       </p:sp>
@@ -14599,7 +14204,7 @@
 </p:sld>
 </file>
 
-<file path=ppt/slides/slide26.xml><?xml version="1.0" encoding="utf-8"?>
+<file path=ppt/slides/slide25.xml><?xml version="1.0" encoding="utf-8"?>
 <p:sld xmlns:a="http://schemas.openxmlformats.org/drawingml/2006/main" xmlns:r="http://schemas.openxmlformats.org/officeDocument/2006/relationships" xmlns:p="http://schemas.openxmlformats.org/presentationml/2006/main">
   <p:cSld>
     <p:spTree>
@@ -14635,7 +14240,7 @@
           <a:p>
             <a:pPr lvl="0"/>
             <a:r>
-              <a:rPr lang="en-SG" sz="4400" dirty="0">
+              <a:rPr lang="en-SG" sz="4400" b="0" dirty="0">
                 <a:latin typeface="Verdana"/>
                 <a:ea typeface="Verdana"/>
                 <a:cs typeface="Verdana"/>
@@ -14644,7 +14249,7 @@
               <a:t>What’s next</a:t>
             </a:r>
             <a:r>
-              <a:rPr lang="en-SG" sz="4400" dirty="0" smtClean="0">
+              <a:rPr lang="en-SG" sz="4400" b="0" dirty="0" smtClean="0">
                 <a:latin typeface="Verdana"/>
                 <a:ea typeface="Verdana"/>
                 <a:cs typeface="Verdana"/>
@@ -14652,7 +14257,7 @@
               </a:rPr>
               <a:t>?</a:t>
             </a:r>
-            <a:endParaRPr lang="en-SG" dirty="0"/>
+            <a:endParaRPr lang="en-SG" b="0" dirty="0"/>
           </a:p>
         </p:txBody>
       </p:sp>
@@ -15274,7 +14879,7 @@
 </p:sld>
 </file>
 
-<file path=ppt/slides/slide27.xml><?xml version="1.0" encoding="utf-8"?>
+<file path=ppt/slides/slide26.xml><?xml version="1.0" encoding="utf-8"?>
 <p:sld xmlns:a="http://schemas.openxmlformats.org/drawingml/2006/main" xmlns:r="http://schemas.openxmlformats.org/officeDocument/2006/relationships" xmlns:p="http://schemas.openxmlformats.org/presentationml/2006/main">
   <p:cSld>
     <p:spTree>
@@ -15471,7 +15076,7 @@
 </p:sld>
 </file>
 
-<file path=ppt/slides/slide28.xml><?xml version="1.0" encoding="utf-8"?>
+<file path=ppt/slides/slide27.xml><?xml version="1.0" encoding="utf-8"?>
 <p:sld xmlns:a="http://schemas.openxmlformats.org/drawingml/2006/main" xmlns:r="http://schemas.openxmlformats.org/officeDocument/2006/relationships" xmlns:p="http://schemas.openxmlformats.org/presentationml/2006/main">
   <p:cSld>
     <p:spTree>
@@ -15904,7 +15509,7 @@
 </p:sld>
 </file>
 
-<file path=ppt/slides/slide29.xml><?xml version="1.0" encoding="utf-8"?>
+<file path=ppt/slides/slide28.xml><?xml version="1.0" encoding="utf-8"?>
 <p:sld xmlns:a="http://schemas.openxmlformats.org/drawingml/2006/main" xmlns:r="http://schemas.openxmlformats.org/officeDocument/2006/relationships" xmlns:p="http://schemas.openxmlformats.org/presentationml/2006/main">
   <p:cSld>
     <p:spTree>
@@ -16010,109 +15615,6 @@
 </file>
 
 <file path=ppt/slides/slide3.xml><?xml version="1.0" encoding="utf-8"?>
-<p:sld xmlns:a="http://schemas.openxmlformats.org/drawingml/2006/main" xmlns:r="http://schemas.openxmlformats.org/officeDocument/2006/relationships" xmlns:p="http://schemas.openxmlformats.org/presentationml/2006/main">
-  <p:cSld>
-    <p:spTree>
-      <p:nvGrpSpPr>
-        <p:cNvPr id="1" name=""/>
-        <p:cNvGrpSpPr/>
-        <p:nvPr/>
-      </p:nvGrpSpPr>
-      <p:grpSpPr>
-        <a:xfrm>
-          <a:off x="0" y="0"/>
-          <a:ext cx="0" cy="0"/>
-          <a:chOff x="0" y="0"/>
-          <a:chExt cx="0" cy="0"/>
-        </a:xfrm>
-      </p:grpSpPr>
-      <p:sp>
-        <p:nvSpPr>
-          <p:cNvPr id="6" name="Rectangle 5"/>
-          <p:cNvSpPr/>
-          <p:nvPr/>
-        </p:nvSpPr>
-        <p:spPr>
-          <a:xfrm>
-            <a:off x="1043610" y="1275606"/>
-            <a:ext cx="6936133" cy="2562240"/>
-          </a:xfrm>
-          <a:prstGeom prst="rect">
-            <a:avLst/>
-          </a:prstGeom>
-          <a:noFill/>
-        </p:spPr>
-        <p:txBody>
-          <a:bodyPr wrap="square" lIns="68580" tIns="34290" rIns="68580" bIns="34290">
-            <a:spAutoFit/>
-          </a:bodyPr>
-          <a:lstStyle/>
-          <a:p>
-            <a:pPr algn="ctr"/>
-            <a:r>
-              <a:rPr lang="en-SG" sz="4050" dirty="0">
-                <a:ln w="0"/>
-                <a:gradFill>
-                  <a:gsLst>
-                    <a:gs pos="0">
-                      <a:schemeClr val="accent5">
-                        <a:lumMod val="50000"/>
-                      </a:schemeClr>
-                    </a:gs>
-                    <a:gs pos="50000">
-                      <a:schemeClr val="accent5"/>
-                    </a:gs>
-                    <a:gs pos="100000">
-                      <a:schemeClr val="accent5">
-                        <a:lumMod val="60000"/>
-                        <a:lumOff val="40000"/>
-                      </a:schemeClr>
-                    </a:gs>
-                  </a:gsLst>
-                  <a:lin ang="5400000"/>
-                </a:gradFill>
-                <a:latin typeface="Verdana" panose="020B0604030504040204" pitchFamily="34" charset="0"/>
-                <a:ea typeface="Verdana" panose="020B0604030504040204" pitchFamily="34" charset="0"/>
-                <a:cs typeface="Verdana" panose="020B0604030504040204" pitchFamily="34" charset="0"/>
-              </a:rPr>
-              <a:t>Miller’s law: An average person can hold about seven objects in working memory.</a:t>
-            </a:r>
-          </a:p>
-        </p:txBody>
-      </p:sp>
-    </p:spTree>
-    <p:extLst>
-      <p:ext uri="{BB962C8B-B14F-4D97-AF65-F5344CB8AC3E}">
-        <p14:creationId xmlns:p14="http://schemas.microsoft.com/office/powerpoint/2010/main" val="2485261482"/>
-      </p:ext>
-    </p:extLst>
-  </p:cSld>
-  <p:clrMapOvr>
-    <a:masterClrMapping/>
-  </p:clrMapOvr>
-  <mc:AlternateContent xmlns:mc="http://schemas.openxmlformats.org/markup-compatibility/2006" xmlns:p14="http://schemas.microsoft.com/office/powerpoint/2010/main">
-    <mc:Choice Requires="p14">
-      <p:transition spd="med" p14:dur="700">
-        <p:fade/>
-      </p:transition>
-    </mc:Choice>
-    <mc:Fallback xmlns="">
-      <p:transition spd="med">
-        <p:fade/>
-      </p:transition>
-    </mc:Fallback>
-  </mc:AlternateContent>
-  <p:timing>
-    <p:tnLst>
-      <p:par>
-        <p:cTn id="1" dur="indefinite" restart="never" nodeType="tmRoot"/>
-      </p:par>
-    </p:tnLst>
-  </p:timing>
-</p:sld>
-</file>
-
-<file path=ppt/slides/slide4.xml><?xml version="1.0" encoding="utf-8"?>
 <p:sld xmlns:a="http://schemas.openxmlformats.org/drawingml/2006/main" xmlns:r="http://schemas.openxmlformats.org/officeDocument/2006/relationships" xmlns:p="http://schemas.openxmlformats.org/presentationml/2006/main">
   <p:cSld>
     <p:spTree>
@@ -16652,20 +16154,20 @@
     </p:spTree>
     <p:extLst>
       <p:ext uri="{BB962C8B-B14F-4D97-AF65-F5344CB8AC3E}">
-        <p14:creationId xmlns:p14="http://schemas.microsoft.com/office/powerpoint/2010/main" val="2397811176"/>
+        <p14:creationId xmlns:p14="http://schemas.microsoft.com/office/powerpoint/2010/main" val="1812725775"/>
       </p:ext>
     </p:extLst>
   </p:cSld>
   <p:clrMapOvr>
     <a:masterClrMapping/>
   </p:clrMapOvr>
-  <mc:AlternateContent xmlns:mc="http://schemas.openxmlformats.org/markup-compatibility/2006" xmlns:p14="http://schemas.microsoft.com/office/powerpoint/2010/main">
-    <mc:Choice Requires="p14">
+  <mc:AlternateContent xmlns:mc="http://schemas.openxmlformats.org/markup-compatibility/2006">
+    <mc:Choice xmlns:p14="http://schemas.microsoft.com/office/powerpoint/2010/main" Requires="p14">
       <p:transition spd="med" p14:dur="700">
         <p:fade/>
       </p:transition>
     </mc:Choice>
-    <mc:Fallback xmlns="">
+    <mc:Fallback>
       <p:transition spd="med">
         <p:fade/>
       </p:transition>
@@ -17352,7 +16854,7 @@
 </p:sld>
 </file>
 
-<file path=ppt/slides/slide5.xml><?xml version="1.0" encoding="utf-8"?>
+<file path=ppt/slides/slide4.xml><?xml version="1.0" encoding="utf-8"?>
 <p:sld xmlns:a="http://schemas.openxmlformats.org/drawingml/2006/main" xmlns:r="http://schemas.openxmlformats.org/officeDocument/2006/relationships" xmlns:p="http://schemas.openxmlformats.org/presentationml/2006/main">
   <p:cSld>
     <p:spTree>
@@ -17402,20 +16904,20 @@
     </p:spTree>
     <p:extLst>
       <p:ext uri="{BB962C8B-B14F-4D97-AF65-F5344CB8AC3E}">
-        <p14:creationId xmlns:p14="http://schemas.microsoft.com/office/powerpoint/2010/main" val="2953115204"/>
+        <p14:creationId xmlns:p14="http://schemas.microsoft.com/office/powerpoint/2010/main" val="4066091828"/>
       </p:ext>
     </p:extLst>
   </p:cSld>
   <p:clrMapOvr>
     <a:masterClrMapping/>
   </p:clrMapOvr>
-  <mc:AlternateContent xmlns:mc="http://schemas.openxmlformats.org/markup-compatibility/2006" xmlns:p14="http://schemas.microsoft.com/office/powerpoint/2010/main">
-    <mc:Choice Requires="p14">
+  <mc:AlternateContent xmlns:mc="http://schemas.openxmlformats.org/markup-compatibility/2006">
+    <mc:Choice xmlns:p14="http://schemas.microsoft.com/office/powerpoint/2010/main" Requires="p14">
       <p:transition spd="med" p14:dur="700">
         <p:fade/>
       </p:transition>
     </mc:Choice>
-    <mc:Fallback xmlns="">
+    <mc:Fallback>
       <p:transition spd="med">
         <p:fade/>
       </p:transition>
@@ -17431,7 +16933,7 @@
 </p:sld>
 </file>
 
-<file path=ppt/slides/slide6.xml><?xml version="1.0" encoding="utf-8"?>
+<file path=ppt/slides/slide5.xml><?xml version="1.0" encoding="utf-8"?>
 <p:sld xmlns:a="http://schemas.openxmlformats.org/drawingml/2006/main" xmlns:r="http://schemas.openxmlformats.org/officeDocument/2006/relationships" xmlns:p="http://schemas.openxmlformats.org/presentationml/2006/main">
   <p:cSld>
     <p:spTree>
@@ -17511,20 +17013,20 @@
     </p:spTree>
     <p:extLst>
       <p:ext uri="{BB962C8B-B14F-4D97-AF65-F5344CB8AC3E}">
-        <p14:creationId xmlns:p14="http://schemas.microsoft.com/office/powerpoint/2010/main" val="2409456868"/>
+        <p14:creationId xmlns:p14="http://schemas.microsoft.com/office/powerpoint/2010/main" val="2822960661"/>
       </p:ext>
     </p:extLst>
   </p:cSld>
   <p:clrMapOvr>
     <a:masterClrMapping/>
   </p:clrMapOvr>
-  <mc:AlternateContent xmlns:mc="http://schemas.openxmlformats.org/markup-compatibility/2006" xmlns:p14="http://schemas.microsoft.com/office/powerpoint/2010/main">
-    <mc:Choice Requires="p14">
+  <mc:AlternateContent xmlns:mc="http://schemas.openxmlformats.org/markup-compatibility/2006">
+    <mc:Choice xmlns:p14="http://schemas.microsoft.com/office/powerpoint/2010/main" Requires="p14">
       <p:transition spd="med" p14:dur="700">
         <p:fade/>
       </p:transition>
     </mc:Choice>
-    <mc:Fallback xmlns="">
+    <mc:Fallback>
       <p:transition spd="med">
         <p:fade/>
       </p:transition>
@@ -17540,7 +17042,7 @@
 </p:sld>
 </file>
 
-<file path=ppt/slides/slide7.xml><?xml version="1.0" encoding="utf-8"?>
+<file path=ppt/slides/slide6.xml><?xml version="1.0" encoding="utf-8"?>
 <p:sld xmlns:a="http://schemas.openxmlformats.org/drawingml/2006/main" xmlns:r="http://schemas.openxmlformats.org/officeDocument/2006/relationships" xmlns:p="http://schemas.openxmlformats.org/presentationml/2006/main">
   <p:cSld>
     <p:spTree>
@@ -17726,23 +17228,53 @@
           </a:prstGeom>
         </p:spPr>
       </p:pic>
+      <p:pic>
+        <p:nvPicPr>
+          <p:cNvPr id="2" name="Picture 1"/>
+          <p:cNvPicPr>
+            <a:picLocks noChangeAspect="1"/>
+          </p:cNvPicPr>
+          <p:nvPr/>
+        </p:nvPicPr>
+        <p:blipFill>
+          <a:blip r:embed="rId7">
+            <a:extLst>
+              <a:ext uri="{28A0092B-C50C-407E-A947-70E740481C1C}">
+                <a14:useLocalDpi xmlns:a14="http://schemas.microsoft.com/office/drawing/2010/main" val="0"/>
+              </a:ext>
+            </a:extLst>
+          </a:blip>
+          <a:stretch>
+            <a:fillRect/>
+          </a:stretch>
+        </p:blipFill>
+        <p:spPr>
+          <a:xfrm>
+            <a:off x="708240" y="207806"/>
+            <a:ext cx="7043890" cy="4392488"/>
+          </a:xfrm>
+          <a:prstGeom prst="rect">
+            <a:avLst/>
+          </a:prstGeom>
+        </p:spPr>
+      </p:pic>
     </p:spTree>
     <p:extLst>
       <p:ext uri="{BB962C8B-B14F-4D97-AF65-F5344CB8AC3E}">
-        <p14:creationId xmlns:p14="http://schemas.microsoft.com/office/powerpoint/2010/main" val="2614510639"/>
+        <p14:creationId xmlns:p14="http://schemas.microsoft.com/office/powerpoint/2010/main" val="3560891089"/>
       </p:ext>
     </p:extLst>
   </p:cSld>
   <p:clrMapOvr>
     <a:masterClrMapping/>
   </p:clrMapOvr>
-  <mc:AlternateContent xmlns:mc="http://schemas.openxmlformats.org/markup-compatibility/2006" xmlns:p14="http://schemas.microsoft.com/office/powerpoint/2010/main">
-    <mc:Choice Requires="p14">
+  <mc:AlternateContent xmlns:mc="http://schemas.openxmlformats.org/markup-compatibility/2006">
+    <mc:Choice xmlns:p14="http://schemas.microsoft.com/office/powerpoint/2010/main" Requires="p14">
       <p:transition spd="med" p14:dur="700">
         <p:fade/>
       </p:transition>
     </mc:Choice>
-    <mc:Fallback xmlns="">
+    <mc:Fallback>
       <p:transition spd="med">
         <p:fade/>
       </p:transition>
@@ -17897,6 +17429,50 @@
                             </p:childTnLst>
                           </p:cTn>
                         </p:par>
+                        <p:par>
+                          <p:cTn id="16" fill="hold">
+                            <p:stCondLst>
+                              <p:cond delay="3750"/>
+                            </p:stCondLst>
+                            <p:childTnLst>
+                              <p:par>
+                                <p:cTn id="17" presetID="10" presetClass="entr" presetSubtype="0" fill="hold" nodeType="afterEffect">
+                                  <p:stCondLst>
+                                    <p:cond delay="0"/>
+                                  </p:stCondLst>
+                                  <p:childTnLst>
+                                    <p:set>
+                                      <p:cBhvr>
+                                        <p:cTn id="18" dur="1" fill="hold">
+                                          <p:stCondLst>
+                                            <p:cond delay="0"/>
+                                          </p:stCondLst>
+                                        </p:cTn>
+                                        <p:tgtEl>
+                                          <p:spTgt spid="2"/>
+                                        </p:tgtEl>
+                                        <p:attrNameLst>
+                                          <p:attrName>style.visibility</p:attrName>
+                                        </p:attrNameLst>
+                                      </p:cBhvr>
+                                      <p:to>
+                                        <p:strVal val="visible"/>
+                                      </p:to>
+                                    </p:set>
+                                    <p:animEffect transition="in" filter="fade">
+                                      <p:cBhvr>
+                                        <p:cTn id="19" dur="500"/>
+                                        <p:tgtEl>
+                                          <p:spTgt spid="2"/>
+                                        </p:tgtEl>
+                                      </p:cBhvr>
+                                    </p:animEffect>
+                                  </p:childTnLst>
+                                </p:cTn>
+                              </p:par>
+                            </p:childTnLst>
+                          </p:cTn>
+                        </p:par>
                       </p:childTnLst>
                     </p:cTn>
                   </p:par>
@@ -17925,7 +17501,7 @@
 </p:sld>
 </file>
 
-<file path=ppt/slides/slide8.xml><?xml version="1.0" encoding="utf-8"?>
+<file path=ppt/slides/slide7.xml><?xml version="1.0" encoding="utf-8"?>
 <p:sld xmlns:a="http://schemas.openxmlformats.org/drawingml/2006/main" xmlns:r="http://schemas.openxmlformats.org/officeDocument/2006/relationships" xmlns:p="http://schemas.openxmlformats.org/presentationml/2006/main">
   <p:cSld>
     <p:spTree>
@@ -17973,20 +17549,20 @@
     </p:spTree>
     <p:extLst>
       <p:ext uri="{BB962C8B-B14F-4D97-AF65-F5344CB8AC3E}">
-        <p14:creationId xmlns:p14="http://schemas.microsoft.com/office/powerpoint/2010/main" val="4285225190"/>
+        <p14:creationId xmlns:p14="http://schemas.microsoft.com/office/powerpoint/2010/main" val="3673722578"/>
       </p:ext>
     </p:extLst>
   </p:cSld>
   <p:clrMapOvr>
     <a:masterClrMapping/>
   </p:clrMapOvr>
-  <mc:AlternateContent xmlns:mc="http://schemas.openxmlformats.org/markup-compatibility/2006" xmlns:p14="http://schemas.microsoft.com/office/powerpoint/2010/main">
-    <mc:Choice Requires="p14">
+  <mc:AlternateContent xmlns:mc="http://schemas.openxmlformats.org/markup-compatibility/2006">
+    <mc:Choice xmlns:p14="http://schemas.microsoft.com/office/powerpoint/2010/main" Requires="p14">
       <p:transition spd="med" p14:dur="700">
         <p:fade/>
       </p:transition>
     </mc:Choice>
-    <mc:Fallback xmlns="">
+    <mc:Fallback>
       <p:transition spd="med">
         <p:fade/>
       </p:transition>
@@ -18002,7 +17578,7 @@
 </p:sld>
 </file>
 
-<file path=ppt/slides/slide9.xml><?xml version="1.0" encoding="utf-8"?>
+<file path=ppt/slides/slide8.xml><?xml version="1.0" encoding="utf-8"?>
 <p:sld xmlns:a="http://schemas.openxmlformats.org/drawingml/2006/main" xmlns:r="http://schemas.openxmlformats.org/officeDocument/2006/relationships" xmlns:p="http://schemas.openxmlformats.org/presentationml/2006/main">
   <p:cSld>
     <p:spTree>
@@ -18046,20 +17622,20 @@
     </p:spTree>
     <p:extLst>
       <p:ext uri="{BB962C8B-B14F-4D97-AF65-F5344CB8AC3E}">
-        <p14:creationId xmlns:p14="http://schemas.microsoft.com/office/powerpoint/2010/main" val="462715694"/>
+        <p14:creationId xmlns:p14="http://schemas.microsoft.com/office/powerpoint/2010/main" val="770180779"/>
       </p:ext>
     </p:extLst>
   </p:cSld>
   <p:clrMapOvr>
     <a:masterClrMapping/>
   </p:clrMapOvr>
-  <mc:AlternateContent xmlns:mc="http://schemas.openxmlformats.org/markup-compatibility/2006" xmlns:p14="http://schemas.microsoft.com/office/powerpoint/2010/main">
-    <mc:Choice Requires="p14">
+  <mc:AlternateContent xmlns:mc="http://schemas.openxmlformats.org/markup-compatibility/2006">
+    <mc:Choice xmlns:p14="http://schemas.microsoft.com/office/powerpoint/2010/main" Requires="p14">
       <p:transition spd="med" p14:dur="700">
         <p:fade/>
       </p:transition>
     </mc:Choice>
-    <mc:Fallback xmlns="">
+    <mc:Fallback>
       <p:transition spd="med">
         <p:fade/>
       </p:transition>
@@ -18069,6 +17645,546 @@
     <p:tnLst>
       <p:par>
         <p:cTn id="1" dur="indefinite" restart="never" nodeType="tmRoot"/>
+      </p:par>
+    </p:tnLst>
+  </p:timing>
+</p:sld>
+</file>
+
+<file path=ppt/slides/slide9.xml><?xml version="1.0" encoding="utf-8"?>
+<p:sld xmlns:a="http://schemas.openxmlformats.org/drawingml/2006/main" xmlns:r="http://schemas.openxmlformats.org/officeDocument/2006/relationships" xmlns:p="http://schemas.openxmlformats.org/presentationml/2006/main">
+  <p:cSld>
+    <p:spTree>
+      <p:nvGrpSpPr>
+        <p:cNvPr id="1" name=""/>
+        <p:cNvGrpSpPr/>
+        <p:nvPr/>
+      </p:nvGrpSpPr>
+      <p:grpSpPr>
+        <a:xfrm>
+          <a:off x="0" y="0"/>
+          <a:ext cx="0" cy="0"/>
+          <a:chOff x="0" y="0"/>
+          <a:chExt cx="0" cy="0"/>
+        </a:xfrm>
+      </p:grpSpPr>
+      <p:sp>
+        <p:nvSpPr>
+          <p:cNvPr id="3" name="Content Placeholder 2"/>
+          <p:cNvSpPr>
+            <a:spLocks noGrp="1"/>
+          </p:cNvSpPr>
+          <p:nvPr>
+            <p:ph idx="1"/>
+          </p:nvPr>
+        </p:nvSpPr>
+        <p:spPr>
+          <a:xfrm>
+            <a:off x="1485900" y="1491630"/>
+            <a:ext cx="6172200" cy="3291840"/>
+          </a:xfrm>
+        </p:spPr>
+        <p:txBody>
+          <a:bodyPr>
+            <a:normAutofit/>
+          </a:bodyPr>
+          <a:lstStyle/>
+          <a:p>
+            <a:r>
+              <a:rPr lang="en-SG" sz="2700" dirty="0">
+                <a:latin typeface="Verdana" panose="020B0604030504040204" pitchFamily="34" charset="0"/>
+                <a:ea typeface="Verdana" panose="020B0604030504040204" pitchFamily="34" charset="0"/>
+                <a:cs typeface="Verdana" panose="020B0604030504040204" pitchFamily="34" charset="0"/>
+              </a:rPr>
+              <a:t>Safe and </a:t>
+            </a:r>
+            <a:r>
+              <a:rPr lang="en-SG" sz="2700" dirty="0" smtClean="0">
+                <a:latin typeface="Verdana" panose="020B0604030504040204" pitchFamily="34" charset="0"/>
+                <a:ea typeface="Verdana" panose="020B0604030504040204" pitchFamily="34" charset="0"/>
+                <a:cs typeface="Verdana" panose="020B0604030504040204" pitchFamily="34" charset="0"/>
+              </a:rPr>
+              <a:t>Virus-free</a:t>
+            </a:r>
+          </a:p>
+          <a:p>
+            <a:endParaRPr lang="en-SG" sz="2700" dirty="0">
+              <a:latin typeface="Verdana" panose="020B0604030504040204" pitchFamily="34" charset="0"/>
+              <a:ea typeface="Verdana" panose="020B0604030504040204" pitchFamily="34" charset="0"/>
+              <a:cs typeface="Verdana" panose="020B0604030504040204" pitchFamily="34" charset="0"/>
+            </a:endParaRPr>
+          </a:p>
+          <a:p>
+            <a:r>
+              <a:rPr lang="en-SG" sz="2700" dirty="0">
+                <a:latin typeface="Verdana" panose="020B0604030504040204" pitchFamily="34" charset="0"/>
+                <a:ea typeface="Verdana" panose="020B0604030504040204" pitchFamily="34" charset="0"/>
+                <a:cs typeface="Verdana" panose="020B0604030504040204" pitchFamily="34" charset="0"/>
+              </a:rPr>
+              <a:t>Continuously developed; never </a:t>
+            </a:r>
+            <a:r>
+              <a:rPr lang="en-SG" sz="2700" dirty="0" smtClean="0">
+                <a:latin typeface="Verdana" panose="020B0604030504040204" pitchFamily="34" charset="0"/>
+                <a:ea typeface="Verdana" panose="020B0604030504040204" pitchFamily="34" charset="0"/>
+                <a:cs typeface="Verdana" panose="020B0604030504040204" pitchFamily="34" charset="0"/>
+              </a:rPr>
+              <a:t>obsolete</a:t>
+            </a:r>
+          </a:p>
+          <a:p>
+            <a:endParaRPr lang="en-SG" sz="2700" dirty="0">
+              <a:latin typeface="Verdana" panose="020B0604030504040204" pitchFamily="34" charset="0"/>
+              <a:ea typeface="Verdana" panose="020B0604030504040204" pitchFamily="34" charset="0"/>
+              <a:cs typeface="Verdana" panose="020B0604030504040204" pitchFamily="34" charset="0"/>
+            </a:endParaRPr>
+          </a:p>
+          <a:p>
+            <a:r>
+              <a:rPr lang="en-SG" sz="2700" dirty="0">
+                <a:latin typeface="Verdana" panose="020B0604030504040204" pitchFamily="34" charset="0"/>
+                <a:ea typeface="Verdana" panose="020B0604030504040204" pitchFamily="34" charset="0"/>
+                <a:cs typeface="Verdana" panose="020B0604030504040204" pitchFamily="34" charset="0"/>
+              </a:rPr>
+              <a:t>Customisable by any programmer</a:t>
+            </a:r>
+          </a:p>
+          <a:p>
+            <a:endParaRPr lang="en-SG" dirty="0" smtClean="0">
+              <a:latin typeface="Verdana" panose="020B0604030504040204" pitchFamily="34" charset="0"/>
+              <a:ea typeface="Verdana" panose="020B0604030504040204" pitchFamily="34" charset="0"/>
+              <a:cs typeface="Verdana" panose="020B0604030504040204" pitchFamily="34" charset="0"/>
+            </a:endParaRPr>
+          </a:p>
+          <a:p>
+            <a:endParaRPr lang="en-SG" dirty="0" smtClean="0">
+              <a:latin typeface="Verdana" panose="020B0604030504040204" pitchFamily="34" charset="0"/>
+              <a:ea typeface="Verdana" panose="020B0604030504040204" pitchFamily="34" charset="0"/>
+              <a:cs typeface="Verdana" panose="020B0604030504040204" pitchFamily="34" charset="0"/>
+            </a:endParaRPr>
+          </a:p>
+        </p:txBody>
+      </p:sp>
+      <p:sp>
+        <p:nvSpPr>
+          <p:cNvPr id="2" name="Title 1"/>
+          <p:cNvSpPr>
+            <a:spLocks noGrp="1"/>
+          </p:cNvSpPr>
+          <p:nvPr>
+            <p:ph type="title"/>
+          </p:nvPr>
+        </p:nvSpPr>
+        <p:spPr/>
+        <p:txBody>
+          <a:bodyPr/>
+          <a:lstStyle/>
+          <a:p>
+            <a:r>
+              <a:rPr lang="en-SG" b="0" dirty="0" smtClean="0">
+                <a:latin typeface="Verdana" panose="020B0604030504040204" pitchFamily="34" charset="0"/>
+                <a:ea typeface="Verdana" panose="020B0604030504040204" pitchFamily="34" charset="0"/>
+                <a:cs typeface="Verdana" panose="020B0604030504040204" pitchFamily="34" charset="0"/>
+              </a:rPr>
+              <a:t>Free and Open source</a:t>
+            </a:r>
+          </a:p>
+        </p:txBody>
+      </p:sp>
+    </p:spTree>
+    <p:extLst>
+      <p:ext uri="{BB962C8B-B14F-4D97-AF65-F5344CB8AC3E}">
+        <p14:creationId xmlns:p14="http://schemas.microsoft.com/office/powerpoint/2010/main" val="3637050361"/>
+      </p:ext>
+    </p:extLst>
+  </p:cSld>
+  <p:clrMapOvr>
+    <a:masterClrMapping/>
+  </p:clrMapOvr>
+  <mc:AlternateContent xmlns:mc="http://schemas.openxmlformats.org/markup-compatibility/2006">
+    <mc:Choice xmlns:p14="http://schemas.microsoft.com/office/powerpoint/2010/main" Requires="p14">
+      <p:transition spd="med" p14:dur="700">
+        <p:fade/>
+      </p:transition>
+    </mc:Choice>
+    <mc:Fallback>
+      <p:transition spd="med">
+        <p:fade/>
+      </p:transition>
+    </mc:Fallback>
+  </mc:AlternateContent>
+  <p:timing>
+    <p:tnLst>
+      <p:par>
+        <p:cTn id="1" dur="indefinite" restart="never" nodeType="tmRoot">
+          <p:childTnLst>
+            <p:seq concurrent="1" nextAc="seek">
+              <p:cTn id="2" dur="indefinite" nodeType="mainSeq">
+                <p:childTnLst>
+                  <p:par>
+                    <p:cTn id="3" fill="hold">
+                      <p:stCondLst>
+                        <p:cond delay="indefinite"/>
+                      </p:stCondLst>
+                      <p:childTnLst>
+                        <p:par>
+                          <p:cTn id="4" fill="hold">
+                            <p:stCondLst>
+                              <p:cond delay="0"/>
+                            </p:stCondLst>
+                            <p:childTnLst>
+                              <p:par>
+                                <p:cTn id="5" presetID="42" presetClass="entr" presetSubtype="0" fill="hold" nodeType="clickEffect">
+                                  <p:stCondLst>
+                                    <p:cond delay="0"/>
+                                  </p:stCondLst>
+                                  <p:childTnLst>
+                                    <p:set>
+                                      <p:cBhvr>
+                                        <p:cTn id="6" dur="1" fill="hold">
+                                          <p:stCondLst>
+                                            <p:cond delay="0"/>
+                                          </p:stCondLst>
+                                        </p:cTn>
+                                        <p:tgtEl>
+                                          <p:spTgt spid="3">
+                                            <p:txEl>
+                                              <p:pRg st="0" end="0"/>
+                                            </p:txEl>
+                                          </p:spTgt>
+                                        </p:tgtEl>
+                                        <p:attrNameLst>
+                                          <p:attrName>style.visibility</p:attrName>
+                                        </p:attrNameLst>
+                                      </p:cBhvr>
+                                      <p:to>
+                                        <p:strVal val="visible"/>
+                                      </p:to>
+                                    </p:set>
+                                    <p:animEffect transition="in" filter="fade">
+                                      <p:cBhvr>
+                                        <p:cTn id="7" dur="500"/>
+                                        <p:tgtEl>
+                                          <p:spTgt spid="3">
+                                            <p:txEl>
+                                              <p:pRg st="0" end="0"/>
+                                            </p:txEl>
+                                          </p:spTgt>
+                                        </p:tgtEl>
+                                      </p:cBhvr>
+                                    </p:animEffect>
+                                    <p:anim calcmode="lin" valueType="num">
+                                      <p:cBhvr>
+                                        <p:cTn id="8" dur="500" fill="hold"/>
+                                        <p:tgtEl>
+                                          <p:spTgt spid="3">
+                                            <p:txEl>
+                                              <p:pRg st="0" end="0"/>
+                                            </p:txEl>
+                                          </p:spTgt>
+                                        </p:tgtEl>
+                                        <p:attrNameLst>
+                                          <p:attrName>ppt_x</p:attrName>
+                                        </p:attrNameLst>
+                                      </p:cBhvr>
+                                      <p:tavLst>
+                                        <p:tav tm="0">
+                                          <p:val>
+                                            <p:strVal val="#ppt_x"/>
+                                          </p:val>
+                                        </p:tav>
+                                        <p:tav tm="100000">
+                                          <p:val>
+                                            <p:strVal val="#ppt_x"/>
+                                          </p:val>
+                                        </p:tav>
+                                      </p:tavLst>
+                                    </p:anim>
+                                    <p:anim calcmode="lin" valueType="num">
+                                      <p:cBhvr>
+                                        <p:cTn id="9" dur="500" fill="hold"/>
+                                        <p:tgtEl>
+                                          <p:spTgt spid="3">
+                                            <p:txEl>
+                                              <p:pRg st="0" end="0"/>
+                                            </p:txEl>
+                                          </p:spTgt>
+                                        </p:tgtEl>
+                                        <p:attrNameLst>
+                                          <p:attrName>ppt_y</p:attrName>
+                                        </p:attrNameLst>
+                                      </p:cBhvr>
+                                      <p:tavLst>
+                                        <p:tav tm="0">
+                                          <p:val>
+                                            <p:strVal val="#ppt_y+.1"/>
+                                          </p:val>
+                                        </p:tav>
+                                        <p:tav tm="100000">
+                                          <p:val>
+                                            <p:strVal val="#ppt_y"/>
+                                          </p:val>
+                                        </p:tav>
+                                      </p:tavLst>
+                                    </p:anim>
+                                  </p:childTnLst>
+                                </p:cTn>
+                              </p:par>
+                            </p:childTnLst>
+                          </p:cTn>
+                        </p:par>
+                      </p:childTnLst>
+                    </p:cTn>
+                  </p:par>
+                  <p:par>
+                    <p:cTn id="10" fill="hold">
+                      <p:stCondLst>
+                        <p:cond delay="indefinite"/>
+                      </p:stCondLst>
+                      <p:childTnLst>
+                        <p:par>
+                          <p:cTn id="11" fill="hold">
+                            <p:stCondLst>
+                              <p:cond delay="0"/>
+                            </p:stCondLst>
+                            <p:childTnLst>
+                              <p:par>
+                                <p:cTn id="12" presetID="42" presetClass="entr" presetSubtype="0" fill="hold" nodeType="clickEffect">
+                                  <p:stCondLst>
+                                    <p:cond delay="0"/>
+                                  </p:stCondLst>
+                                  <p:childTnLst>
+                                    <p:set>
+                                      <p:cBhvr>
+                                        <p:cTn id="13" dur="1" fill="hold">
+                                          <p:stCondLst>
+                                            <p:cond delay="0"/>
+                                          </p:stCondLst>
+                                        </p:cTn>
+                                        <p:tgtEl>
+                                          <p:spTgt spid="3">
+                                            <p:txEl>
+                                              <p:pRg st="2" end="2"/>
+                                            </p:txEl>
+                                          </p:spTgt>
+                                        </p:tgtEl>
+                                        <p:attrNameLst>
+                                          <p:attrName>style.visibility</p:attrName>
+                                        </p:attrNameLst>
+                                      </p:cBhvr>
+                                      <p:to>
+                                        <p:strVal val="visible"/>
+                                      </p:to>
+                                    </p:set>
+                                    <p:animEffect transition="in" filter="fade">
+                                      <p:cBhvr>
+                                        <p:cTn id="14" dur="500"/>
+                                        <p:tgtEl>
+                                          <p:spTgt spid="3">
+                                            <p:txEl>
+                                              <p:pRg st="2" end="2"/>
+                                            </p:txEl>
+                                          </p:spTgt>
+                                        </p:tgtEl>
+                                      </p:cBhvr>
+                                    </p:animEffect>
+                                    <p:anim calcmode="lin" valueType="num">
+                                      <p:cBhvr>
+                                        <p:cTn id="15" dur="500" fill="hold"/>
+                                        <p:tgtEl>
+                                          <p:spTgt spid="3">
+                                            <p:txEl>
+                                              <p:pRg st="2" end="2"/>
+                                            </p:txEl>
+                                          </p:spTgt>
+                                        </p:tgtEl>
+                                        <p:attrNameLst>
+                                          <p:attrName>ppt_x</p:attrName>
+                                        </p:attrNameLst>
+                                      </p:cBhvr>
+                                      <p:tavLst>
+                                        <p:tav tm="0">
+                                          <p:val>
+                                            <p:strVal val="#ppt_x"/>
+                                          </p:val>
+                                        </p:tav>
+                                        <p:tav tm="100000">
+                                          <p:val>
+                                            <p:strVal val="#ppt_x"/>
+                                          </p:val>
+                                        </p:tav>
+                                      </p:tavLst>
+                                    </p:anim>
+                                    <p:anim calcmode="lin" valueType="num">
+                                      <p:cBhvr>
+                                        <p:cTn id="16" dur="500" fill="hold"/>
+                                        <p:tgtEl>
+                                          <p:spTgt spid="3">
+                                            <p:txEl>
+                                              <p:pRg st="2" end="2"/>
+                                            </p:txEl>
+                                          </p:spTgt>
+                                        </p:tgtEl>
+                                        <p:attrNameLst>
+                                          <p:attrName>ppt_y</p:attrName>
+                                        </p:attrNameLst>
+                                      </p:cBhvr>
+                                      <p:tavLst>
+                                        <p:tav tm="0">
+                                          <p:val>
+                                            <p:strVal val="#ppt_y+.1"/>
+                                          </p:val>
+                                        </p:tav>
+                                        <p:tav tm="100000">
+                                          <p:val>
+                                            <p:strVal val="#ppt_y"/>
+                                          </p:val>
+                                        </p:tav>
+                                      </p:tavLst>
+                                    </p:anim>
+                                  </p:childTnLst>
+                                </p:cTn>
+                              </p:par>
+                            </p:childTnLst>
+                          </p:cTn>
+                        </p:par>
+                      </p:childTnLst>
+                    </p:cTn>
+                  </p:par>
+                  <p:par>
+                    <p:cTn id="17" fill="hold">
+                      <p:stCondLst>
+                        <p:cond delay="indefinite"/>
+                      </p:stCondLst>
+                      <p:childTnLst>
+                        <p:par>
+                          <p:cTn id="18" fill="hold">
+                            <p:stCondLst>
+                              <p:cond delay="0"/>
+                            </p:stCondLst>
+                            <p:childTnLst>
+                              <p:par>
+                                <p:cTn id="19" presetID="42" presetClass="entr" presetSubtype="0" fill="hold" nodeType="clickEffect">
+                                  <p:stCondLst>
+                                    <p:cond delay="0"/>
+                                  </p:stCondLst>
+                                  <p:childTnLst>
+                                    <p:set>
+                                      <p:cBhvr>
+                                        <p:cTn id="20" dur="1" fill="hold">
+                                          <p:stCondLst>
+                                            <p:cond delay="0"/>
+                                          </p:stCondLst>
+                                        </p:cTn>
+                                        <p:tgtEl>
+                                          <p:spTgt spid="3">
+                                            <p:txEl>
+                                              <p:pRg st="4" end="4"/>
+                                            </p:txEl>
+                                          </p:spTgt>
+                                        </p:tgtEl>
+                                        <p:attrNameLst>
+                                          <p:attrName>style.visibility</p:attrName>
+                                        </p:attrNameLst>
+                                      </p:cBhvr>
+                                      <p:to>
+                                        <p:strVal val="visible"/>
+                                      </p:to>
+                                    </p:set>
+                                    <p:animEffect transition="in" filter="fade">
+                                      <p:cBhvr>
+                                        <p:cTn id="21" dur="500"/>
+                                        <p:tgtEl>
+                                          <p:spTgt spid="3">
+                                            <p:txEl>
+                                              <p:pRg st="4" end="4"/>
+                                            </p:txEl>
+                                          </p:spTgt>
+                                        </p:tgtEl>
+                                      </p:cBhvr>
+                                    </p:animEffect>
+                                    <p:anim calcmode="lin" valueType="num">
+                                      <p:cBhvr>
+                                        <p:cTn id="22" dur="500" fill="hold"/>
+                                        <p:tgtEl>
+                                          <p:spTgt spid="3">
+                                            <p:txEl>
+                                              <p:pRg st="4" end="4"/>
+                                            </p:txEl>
+                                          </p:spTgt>
+                                        </p:tgtEl>
+                                        <p:attrNameLst>
+                                          <p:attrName>ppt_x</p:attrName>
+                                        </p:attrNameLst>
+                                      </p:cBhvr>
+                                      <p:tavLst>
+                                        <p:tav tm="0">
+                                          <p:val>
+                                            <p:strVal val="#ppt_x"/>
+                                          </p:val>
+                                        </p:tav>
+                                        <p:tav tm="100000">
+                                          <p:val>
+                                            <p:strVal val="#ppt_x"/>
+                                          </p:val>
+                                        </p:tav>
+                                      </p:tavLst>
+                                    </p:anim>
+                                    <p:anim calcmode="lin" valueType="num">
+                                      <p:cBhvr>
+                                        <p:cTn id="23" dur="500" fill="hold"/>
+                                        <p:tgtEl>
+                                          <p:spTgt spid="3">
+                                            <p:txEl>
+                                              <p:pRg st="4" end="4"/>
+                                            </p:txEl>
+                                          </p:spTgt>
+                                        </p:tgtEl>
+                                        <p:attrNameLst>
+                                          <p:attrName>ppt_y</p:attrName>
+                                        </p:attrNameLst>
+                                      </p:cBhvr>
+                                      <p:tavLst>
+                                        <p:tav tm="0">
+                                          <p:val>
+                                            <p:strVal val="#ppt_y+.1"/>
+                                          </p:val>
+                                        </p:tav>
+                                        <p:tav tm="100000">
+                                          <p:val>
+                                            <p:strVal val="#ppt_y"/>
+                                          </p:val>
+                                        </p:tav>
+                                      </p:tavLst>
+                                    </p:anim>
+                                  </p:childTnLst>
+                                </p:cTn>
+                              </p:par>
+                            </p:childTnLst>
+                          </p:cTn>
+                        </p:par>
+                      </p:childTnLst>
+                    </p:cTn>
+                  </p:par>
+                </p:childTnLst>
+              </p:cTn>
+              <p:prevCondLst>
+                <p:cond evt="onPrev" delay="0">
+                  <p:tgtEl>
+                    <p:sldTgt/>
+                  </p:tgtEl>
+                </p:cond>
+              </p:prevCondLst>
+              <p:nextCondLst>
+                <p:cond evt="onNext" delay="0">
+                  <p:tgtEl>
+                    <p:sldTgt/>
+                  </p:tgtEl>
+                </p:cond>
+              </p:nextCondLst>
+            </p:seq>
+          </p:childTnLst>
+        </p:cTn>
       </p:par>
     </p:tnLst>
   </p:timing>

--- a/WURI OP2.pptx
+++ b/WURI OP2.pptx
@@ -5,7 +5,7 @@
     <p:sldMasterId id="2147484275" r:id="rId1"/>
   </p:sldMasterIdLst>
   <p:notesMasterIdLst>
-    <p:notesMasterId r:id="rId30"/>
+    <p:notesMasterId r:id="rId35"/>
   </p:notesMasterIdLst>
   <p:sldIdLst>
     <p:sldId id="288" r:id="rId2"/>
@@ -28,41 +28,50 @@
     <p:sldId id="286" r:id="rId19"/>
     <p:sldId id="285" r:id="rId20"/>
     <p:sldId id="287" r:id="rId21"/>
-    <p:sldId id="259" r:id="rId22"/>
-    <p:sldId id="260" r:id="rId23"/>
-    <p:sldId id="265" r:id="rId24"/>
-    <p:sldId id="261" r:id="rId25"/>
-    <p:sldId id="262" r:id="rId26"/>
-    <p:sldId id="263" r:id="rId27"/>
-    <p:sldId id="266" r:id="rId28"/>
-    <p:sldId id="264" r:id="rId29"/>
+    <p:sldId id="302" r:id="rId22"/>
+    <p:sldId id="303" r:id="rId23"/>
+    <p:sldId id="304" r:id="rId24"/>
+    <p:sldId id="305" r:id="rId25"/>
+    <p:sldId id="306" r:id="rId26"/>
+    <p:sldId id="259" r:id="rId27"/>
+    <p:sldId id="260" r:id="rId28"/>
+    <p:sldId id="265" r:id="rId29"/>
+    <p:sldId id="261" r:id="rId30"/>
+    <p:sldId id="262" r:id="rId31"/>
+    <p:sldId id="263" r:id="rId32"/>
+    <p:sldId id="266" r:id="rId33"/>
+    <p:sldId id="264" r:id="rId34"/>
   </p:sldIdLst>
   <p:sldSz cx="9144000" cy="5143500" type="screen16x9"/>
   <p:notesSz cx="6858000" cy="9144000"/>
   <p:embeddedFontLst>
     <p:embeddedFont>
-      <p:font typeface="Wingdings 3" panose="05040102010807070707" pitchFamily="18" charset="2"/>
-      <p:regular r:id="rId31"/>
+      <p:font typeface="Verdana" panose="020B0604030504040204" pitchFamily="34" charset="0"/>
+      <p:regular r:id="rId36"/>
+      <p:bold r:id="rId37"/>
+      <p:italic r:id="rId38"/>
+      <p:boldItalic r:id="rId39"/>
     </p:embeddedFont>
     <p:embeddedFont>
-      <p:font typeface="Verdana" panose="020B0604030504040204" pitchFamily="34" charset="0"/>
-      <p:regular r:id="rId32"/>
-      <p:bold r:id="rId33"/>
-      <p:italic r:id="rId34"/>
-      <p:boldItalic r:id="rId35"/>
+      <p:font typeface="Wingdings 3" panose="05040102010807070707" pitchFamily="18" charset="2"/>
+      <p:regular r:id="rId40"/>
+    </p:embeddedFont>
+    <p:embeddedFont>
+      <p:font typeface="Lucida Sans Unicode" panose="020B0602030504020204" pitchFamily="34" charset="0"/>
+      <p:regular r:id="rId41"/>
     </p:embeddedFont>
     <p:embeddedFont>
       <p:font typeface="Source Code Pro" panose="020B0604020202020204" charset="0"/>
-      <p:regular r:id="rId36"/>
-      <p:bold r:id="rId37"/>
-    </p:embeddedFont>
-    <p:embeddedFont>
-      <p:font typeface="Lucida Sans Unicode" panose="020B0602030504020204" pitchFamily="34" charset="0"/>
-      <p:regular r:id="rId38"/>
+      <p:regular r:id="rId42"/>
+      <p:bold r:id="rId43"/>
     </p:embeddedFont>
     <p:embeddedFont>
       <p:font typeface="Wingdings 2" panose="05020102010507070707" pitchFamily="18" charset="2"/>
-      <p:regular r:id="rId39"/>
+      <p:regular r:id="rId44"/>
+    </p:embeddedFont>
+    <p:embeddedFont>
+      <p:font typeface="黑体" panose="02010609060101010101" pitchFamily="49" charset="-122"/>
+      <p:regular r:id="rId45"/>
     </p:embeddedFont>
   </p:embeddedFontLst>
   <p:defaultTextStyle>
@@ -998,6 +1007,407 @@
 </file>
 
 <file path=ppt/notesSlides/notesSlide12.xml><?xml version="1.0" encoding="utf-8"?>
+<p:notes xmlns:a="http://schemas.openxmlformats.org/drawingml/2006/main" xmlns:r="http://schemas.openxmlformats.org/officeDocument/2006/relationships" xmlns:p="http://schemas.openxmlformats.org/presentationml/2006/main">
+  <p:cSld>
+    <p:spTree>
+      <p:nvGrpSpPr>
+        <p:cNvPr id="1" name=""/>
+        <p:cNvGrpSpPr/>
+        <p:nvPr/>
+      </p:nvGrpSpPr>
+      <p:grpSpPr>
+        <a:xfrm>
+          <a:off x="0" y="0"/>
+          <a:ext cx="0" cy="0"/>
+          <a:chOff x="0" y="0"/>
+          <a:chExt cx="0" cy="0"/>
+        </a:xfrm>
+      </p:grpSpPr>
+      <p:sp>
+        <p:nvSpPr>
+          <p:cNvPr id="2" name="幻灯片图像占位符 1"/>
+          <p:cNvSpPr>
+            <a:spLocks noGrp="1" noRot="1" noChangeAspect="1"/>
+          </p:cNvSpPr>
+          <p:nvPr>
+            <p:ph type="sldImg"/>
+          </p:nvPr>
+        </p:nvSpPr>
+        <p:spPr/>
+      </p:sp>
+      <p:sp>
+        <p:nvSpPr>
+          <p:cNvPr id="3" name="备注占位符 2"/>
+          <p:cNvSpPr>
+            <a:spLocks noGrp="1"/>
+          </p:cNvSpPr>
+          <p:nvPr>
+            <p:ph type="body" idx="1"/>
+          </p:nvPr>
+        </p:nvSpPr>
+        <p:spPr/>
+        <p:txBody>
+          <a:bodyPr/>
+          <a:lstStyle/>
+          <a:p>
+            <a:r>
+              <a:rPr lang="en-SG" altLang="zh-SG" dirty="0" smtClean="0"/>
+              <a:t>Thank you Julian,</a:t>
+            </a:r>
+            <a:r>
+              <a:rPr lang="en-SG" altLang="zh-SG" baseline="0" dirty="0" smtClean="0"/>
+              <a:t> I will continue with Julian’s demonstration and show you how powerful WURI is.  As a </a:t>
+            </a:r>
+            <a:r>
+              <a:rPr lang="en-SG" altLang="zh-SG" baseline="0" dirty="0" err="1" smtClean="0"/>
+              <a:t>todo</a:t>
+            </a:r>
+            <a:r>
+              <a:rPr lang="en-SG" altLang="zh-SG" baseline="0" dirty="0" smtClean="0"/>
+              <a:t> list software, WU.RI will definitely allow you to mark a event as complete. For example, </a:t>
+            </a:r>
+            <a:r>
+              <a:rPr lang="en-SG" altLang="zh-SG" baseline="0" dirty="0" err="1" smtClean="0"/>
+              <a:t>Zootopia</a:t>
+            </a:r>
+            <a:r>
+              <a:rPr lang="en-SG" altLang="zh-SG" baseline="0" dirty="0" smtClean="0"/>
+              <a:t> is on show now. Let’s assume you have just watched this movie, then you could type c 8 to mark the “watch a movie” task as completed. After watching the movie, you want to go </a:t>
+            </a:r>
+            <a:r>
+              <a:rPr lang="en-SG" altLang="zh-SG" baseline="0" dirty="0" err="1" smtClean="0"/>
+              <a:t>kinokuniya</a:t>
+            </a:r>
+            <a:r>
+              <a:rPr lang="en-SG" altLang="zh-SG" baseline="0" dirty="0" smtClean="0"/>
+              <a:t> to find some book to read, then you may want to use “t 10” to mark the “Read books” as complete. Then basically this is everything you want to do today, so you also use “c 2” to complete the “Do everything”. Now, on WURI you can see you have completed 3 tasks today~~~ Congrats~~~ But what if you </a:t>
+            </a:r>
+            <a:r>
+              <a:rPr lang="en-SG" altLang="zh-SG" baseline="0" dirty="0" smtClean="0"/>
+              <a:t>suddenly </a:t>
+            </a:r>
+            <a:r>
+              <a:rPr lang="en-SG" altLang="zh-SG" baseline="0" dirty="0" smtClean="0"/>
+              <a:t>decided that you need to listen to a concert today also. Then you can use the same command “c 2” to remark the “do everything” as incomplete again. In summary, if you want to mark certain task as complete/incomplete, just type in c + the id of the task.</a:t>
+            </a:r>
+            <a:endParaRPr lang="zh-SG" altLang="en-US" dirty="0"/>
+          </a:p>
+        </p:txBody>
+      </p:sp>
+    </p:spTree>
+    <p:extLst>
+      <p:ext uri="{BB962C8B-B14F-4D97-AF65-F5344CB8AC3E}">
+        <p14:creationId xmlns:p14="http://schemas.microsoft.com/office/powerpoint/2010/main" val="2929583593"/>
+      </p:ext>
+    </p:extLst>
+  </p:cSld>
+  <p:clrMapOvr>
+    <a:masterClrMapping/>
+  </p:clrMapOvr>
+</p:notes>
+</file>
+
+<file path=ppt/notesSlides/notesSlide13.xml><?xml version="1.0" encoding="utf-8"?>
+<p:notes xmlns:a="http://schemas.openxmlformats.org/drawingml/2006/main" xmlns:r="http://schemas.openxmlformats.org/officeDocument/2006/relationships" xmlns:p="http://schemas.openxmlformats.org/presentationml/2006/main">
+  <p:cSld>
+    <p:spTree>
+      <p:nvGrpSpPr>
+        <p:cNvPr id="1" name=""/>
+        <p:cNvGrpSpPr/>
+        <p:nvPr/>
+      </p:nvGrpSpPr>
+      <p:grpSpPr>
+        <a:xfrm>
+          <a:off x="0" y="0"/>
+          <a:ext cx="0" cy="0"/>
+          <a:chOff x="0" y="0"/>
+          <a:chExt cx="0" cy="0"/>
+        </a:xfrm>
+      </p:grpSpPr>
+      <p:sp>
+        <p:nvSpPr>
+          <p:cNvPr id="2" name="幻灯片图像占位符 1"/>
+          <p:cNvSpPr>
+            <a:spLocks noGrp="1" noRot="1" noChangeAspect="1"/>
+          </p:cNvSpPr>
+          <p:nvPr>
+            <p:ph type="sldImg"/>
+          </p:nvPr>
+        </p:nvSpPr>
+        <p:spPr/>
+      </p:sp>
+      <p:sp>
+        <p:nvSpPr>
+          <p:cNvPr id="3" name="备注占位符 2"/>
+          <p:cNvSpPr>
+            <a:spLocks noGrp="1"/>
+          </p:cNvSpPr>
+          <p:nvPr>
+            <p:ph type="body" idx="1"/>
+          </p:nvPr>
+        </p:nvSpPr>
+        <p:spPr/>
+        <p:txBody>
+          <a:bodyPr/>
+          <a:lstStyle/>
+          <a:p>
+            <a:r>
+              <a:rPr lang="en-SG" altLang="zh-SG" dirty="0" smtClean="0"/>
+              <a:t>After</a:t>
+            </a:r>
+            <a:r>
+              <a:rPr lang="en-SG" altLang="zh-SG" baseline="0" dirty="0" smtClean="0"/>
+              <a:t> all, the “do everything” is a bit vague. You, as a perfectionist, do not want to see such ambiguous task. You may find the Deletion function useful. You can do deletion in many ways as you wish. You may want to use “d 2”, which means “delete task with id 2” to delete the “Do Everything” task. With WURI, you are efficient in your work, say you have finished all the tasks before the 10</a:t>
+            </a:r>
+            <a:r>
+              <a:rPr lang="en-SG" altLang="zh-SG" baseline="30000" dirty="0" smtClean="0"/>
+              <a:t>th</a:t>
+            </a:r>
+            <a:r>
+              <a:rPr lang="en-SG" altLang="zh-SG" baseline="0" dirty="0" smtClean="0"/>
+              <a:t> of April, you can use “d &lt;11/4” to delete all the tasks before 10</a:t>
+            </a:r>
+            <a:r>
+              <a:rPr lang="en-SG" altLang="zh-SG" baseline="30000" dirty="0" smtClean="0"/>
+              <a:t>th</a:t>
+            </a:r>
+            <a:r>
+              <a:rPr lang="en-SG" altLang="zh-SG" baseline="0" dirty="0" smtClean="0"/>
+              <a:t> .</a:t>
+            </a:r>
+            <a:endParaRPr lang="zh-SG" altLang="en-US" dirty="0"/>
+          </a:p>
+        </p:txBody>
+      </p:sp>
+    </p:spTree>
+    <p:extLst>
+      <p:ext uri="{BB962C8B-B14F-4D97-AF65-F5344CB8AC3E}">
+        <p14:creationId xmlns:p14="http://schemas.microsoft.com/office/powerpoint/2010/main" val="3526994203"/>
+      </p:ext>
+    </p:extLst>
+  </p:cSld>
+  <p:clrMapOvr>
+    <a:masterClrMapping/>
+  </p:clrMapOvr>
+</p:notes>
+</file>
+
+<file path=ppt/notesSlides/notesSlide14.xml><?xml version="1.0" encoding="utf-8"?>
+<p:notes xmlns:a="http://schemas.openxmlformats.org/drawingml/2006/main" xmlns:r="http://schemas.openxmlformats.org/officeDocument/2006/relationships" xmlns:p="http://schemas.openxmlformats.org/presentationml/2006/main">
+  <p:cSld>
+    <p:spTree>
+      <p:nvGrpSpPr>
+        <p:cNvPr id="1" name=""/>
+        <p:cNvGrpSpPr/>
+        <p:nvPr/>
+      </p:nvGrpSpPr>
+      <p:grpSpPr>
+        <a:xfrm>
+          <a:off x="0" y="0"/>
+          <a:ext cx="0" cy="0"/>
+          <a:chOff x="0" y="0"/>
+          <a:chExt cx="0" cy="0"/>
+        </a:xfrm>
+      </p:grpSpPr>
+      <p:sp>
+        <p:nvSpPr>
+          <p:cNvPr id="2" name="幻灯片图像占位符 1"/>
+          <p:cNvSpPr>
+            <a:spLocks noGrp="1" noRot="1" noChangeAspect="1"/>
+          </p:cNvSpPr>
+          <p:nvPr>
+            <p:ph type="sldImg"/>
+          </p:nvPr>
+        </p:nvSpPr>
+        <p:spPr/>
+      </p:sp>
+      <p:sp>
+        <p:nvSpPr>
+          <p:cNvPr id="3" name="备注占位符 2"/>
+          <p:cNvSpPr>
+            <a:spLocks noGrp="1"/>
+          </p:cNvSpPr>
+          <p:nvPr>
+            <p:ph type="body" idx="1"/>
+          </p:nvPr>
+        </p:nvSpPr>
+        <p:spPr/>
+        <p:txBody>
+          <a:bodyPr/>
+          <a:lstStyle/>
+          <a:p>
+            <a:r>
+              <a:rPr lang="en-SG" altLang="zh-SG" dirty="0" smtClean="0"/>
+              <a:t>WURI also allows</a:t>
+            </a:r>
+            <a:r>
+              <a:rPr lang="en-SG" altLang="zh-SG" baseline="0" dirty="0" smtClean="0"/>
+              <a:t> you to revert you operations. Just now you have removed all the tasks before the 10</a:t>
+            </a:r>
+            <a:r>
+              <a:rPr lang="en-SG" altLang="zh-SG" baseline="30000" dirty="0" smtClean="0"/>
+              <a:t>th</a:t>
+            </a:r>
+            <a:r>
+              <a:rPr lang="en-SG" altLang="zh-SG" baseline="0" dirty="0" smtClean="0"/>
+              <a:t> , but suddenly you become unsure about whether you have really completed all the tasks before that date. You want to make sure. So you can use the undo function provided by WURI, you type in a u, then just enter it. See, all the tasks you have just deleted come back. Looking at those tasks, you realize that you have indeed finished them, very good, we can delete them again.</a:t>
+            </a:r>
+            <a:endParaRPr lang="zh-SG" altLang="en-US" dirty="0"/>
+          </a:p>
+        </p:txBody>
+      </p:sp>
+    </p:spTree>
+    <p:extLst>
+      <p:ext uri="{BB962C8B-B14F-4D97-AF65-F5344CB8AC3E}">
+        <p14:creationId xmlns:p14="http://schemas.microsoft.com/office/powerpoint/2010/main" val="1773672903"/>
+      </p:ext>
+    </p:extLst>
+  </p:cSld>
+  <p:clrMapOvr>
+    <a:masterClrMapping/>
+  </p:clrMapOvr>
+</p:notes>
+</file>
+
+<file path=ppt/notesSlides/notesSlide15.xml><?xml version="1.0" encoding="utf-8"?>
+<p:notes xmlns:a="http://schemas.openxmlformats.org/drawingml/2006/main" xmlns:r="http://schemas.openxmlformats.org/officeDocument/2006/relationships" xmlns:p="http://schemas.openxmlformats.org/presentationml/2006/main">
+  <p:cSld>
+    <p:spTree>
+      <p:nvGrpSpPr>
+        <p:cNvPr id="1" name=""/>
+        <p:cNvGrpSpPr/>
+        <p:nvPr/>
+      </p:nvGrpSpPr>
+      <p:grpSpPr>
+        <a:xfrm>
+          <a:off x="0" y="0"/>
+          <a:ext cx="0" cy="0"/>
+          <a:chOff x="0" y="0"/>
+          <a:chExt cx="0" cy="0"/>
+        </a:xfrm>
+      </p:grpSpPr>
+      <p:sp>
+        <p:nvSpPr>
+          <p:cNvPr id="2" name="幻灯片图像占位符 1"/>
+          <p:cNvSpPr>
+            <a:spLocks noGrp="1" noRot="1" noChangeAspect="1"/>
+          </p:cNvSpPr>
+          <p:nvPr>
+            <p:ph type="sldImg"/>
+          </p:nvPr>
+        </p:nvSpPr>
+        <p:spPr/>
+      </p:sp>
+      <p:sp>
+        <p:nvSpPr>
+          <p:cNvPr id="3" name="备注占位符 2"/>
+          <p:cNvSpPr>
+            <a:spLocks noGrp="1"/>
+          </p:cNvSpPr>
+          <p:nvPr>
+            <p:ph type="body" idx="1"/>
+          </p:nvPr>
+        </p:nvSpPr>
+        <p:spPr/>
+        <p:txBody>
+          <a:bodyPr/>
+          <a:lstStyle/>
+          <a:p>
+            <a:r>
+              <a:rPr lang="en-SG" altLang="zh-SG" dirty="0" smtClean="0"/>
+              <a:t>With so many tasks to do every</a:t>
+            </a:r>
+            <a:r>
+              <a:rPr lang="en-SG" altLang="zh-SG" baseline="0" dirty="0" smtClean="0"/>
+              <a:t> day, you may need to search among all your tasks to find the one you need to do now. To demonstrate the find function, please allow me to input some data first. … Ok, now we have a lot of meetings here. We want to know when am I going to meet Alice, since I need to prepare some gift to her before I can go. You need not to eye power through all the tasks to locate the task with Alice, you can just type in “f Alice” to find all event related to Alice and then you can plan your work accordingly.</a:t>
+            </a:r>
+            <a:endParaRPr lang="zh-SG" altLang="en-US" dirty="0"/>
+          </a:p>
+        </p:txBody>
+      </p:sp>
+    </p:spTree>
+    <p:extLst>
+      <p:ext uri="{BB962C8B-B14F-4D97-AF65-F5344CB8AC3E}">
+        <p14:creationId xmlns:p14="http://schemas.microsoft.com/office/powerpoint/2010/main" val="4271878376"/>
+      </p:ext>
+    </p:extLst>
+  </p:cSld>
+  <p:clrMapOvr>
+    <a:masterClrMapping/>
+  </p:clrMapOvr>
+</p:notes>
+</file>
+
+<file path=ppt/notesSlides/notesSlide16.xml><?xml version="1.0" encoding="utf-8"?>
+<p:notes xmlns:a="http://schemas.openxmlformats.org/drawingml/2006/main" xmlns:r="http://schemas.openxmlformats.org/officeDocument/2006/relationships" xmlns:p="http://schemas.openxmlformats.org/presentationml/2006/main">
+  <p:cSld>
+    <p:spTree>
+      <p:nvGrpSpPr>
+        <p:cNvPr id="1" name=""/>
+        <p:cNvGrpSpPr/>
+        <p:nvPr/>
+      </p:nvGrpSpPr>
+      <p:grpSpPr>
+        <a:xfrm>
+          <a:off x="0" y="0"/>
+          <a:ext cx="0" cy="0"/>
+          <a:chOff x="0" y="0"/>
+          <a:chExt cx="0" cy="0"/>
+        </a:xfrm>
+      </p:grpSpPr>
+      <p:sp>
+        <p:nvSpPr>
+          <p:cNvPr id="2" name="幻灯片图像占位符 1"/>
+          <p:cNvSpPr>
+            <a:spLocks noGrp="1" noRot="1" noChangeAspect="1"/>
+          </p:cNvSpPr>
+          <p:nvPr>
+            <p:ph type="sldImg"/>
+          </p:nvPr>
+        </p:nvSpPr>
+        <p:spPr/>
+      </p:sp>
+      <p:sp>
+        <p:nvSpPr>
+          <p:cNvPr id="3" name="备注占位符 2"/>
+          <p:cNvSpPr>
+            <a:spLocks noGrp="1"/>
+          </p:cNvSpPr>
+          <p:nvPr>
+            <p:ph type="body" idx="1"/>
+          </p:nvPr>
+        </p:nvSpPr>
+        <p:spPr/>
+        <p:txBody>
+          <a:bodyPr/>
+          <a:lstStyle/>
+          <a:p>
+            <a:r>
+              <a:rPr lang="en-SG" altLang="zh-SG" dirty="0" smtClean="0"/>
+              <a:t>So many commands? No worry, you can always use h or F1 to call up the help window to</a:t>
+            </a:r>
+            <a:r>
+              <a:rPr lang="en-SG" altLang="zh-SG" baseline="0" dirty="0" smtClean="0"/>
+              <a:t> find the command you need!</a:t>
+            </a:r>
+            <a:endParaRPr lang="zh-SG" altLang="en-US" dirty="0"/>
+          </a:p>
+        </p:txBody>
+      </p:sp>
+    </p:spTree>
+    <p:extLst>
+      <p:ext uri="{BB962C8B-B14F-4D97-AF65-F5344CB8AC3E}">
+        <p14:creationId xmlns:p14="http://schemas.microsoft.com/office/powerpoint/2010/main" val="755739118"/>
+      </p:ext>
+    </p:extLst>
+  </p:cSld>
+  <p:clrMapOvr>
+    <a:masterClrMapping/>
+  </p:clrMapOvr>
+</p:notes>
+</file>
+
+<file path=ppt/notesSlides/notesSlide17.xml><?xml version="1.0" encoding="utf-8"?>
 <p:notes xmlns:a="http://schemas.openxmlformats.org/drawingml/2006/main" xmlns:r="http://schemas.openxmlformats.org/officeDocument/2006/relationships" xmlns:p="http://schemas.openxmlformats.org/presentationml/2006/main" showMasterSp="0" showMasterPhAnim="0">
   <p:cSld>
     <p:spTree>
@@ -1103,7 +1513,7 @@
 </p:notes>
 </file>
 
-<file path=ppt/notesSlides/notesSlide13.xml><?xml version="1.0" encoding="utf-8"?>
+<file path=ppt/notesSlides/notesSlide18.xml><?xml version="1.0" encoding="utf-8"?>
 <p:notes xmlns:a="http://schemas.openxmlformats.org/drawingml/2006/main" xmlns:r="http://schemas.openxmlformats.org/officeDocument/2006/relationships" xmlns:p="http://schemas.openxmlformats.org/presentationml/2006/main" showMasterSp="0" showMasterPhAnim="0">
   <p:cSld>
     <p:spTree>
@@ -1209,7 +1619,7 @@
 </p:notes>
 </file>
 
-<file path=ppt/notesSlides/notesSlide14.xml><?xml version="1.0" encoding="utf-8"?>
+<file path=ppt/notesSlides/notesSlide19.xml><?xml version="1.0" encoding="utf-8"?>
 <p:notes xmlns:a="http://schemas.openxmlformats.org/drawingml/2006/main" xmlns:r="http://schemas.openxmlformats.org/officeDocument/2006/relationships" xmlns:p="http://schemas.openxmlformats.org/presentationml/2006/main" showMasterSp="0" showMasterPhAnim="0">
   <p:cSld>
     <p:spTree>
@@ -1315,7 +1725,105 @@
 </p:notes>
 </file>
 
-<file path=ppt/notesSlides/notesSlide15.xml><?xml version="1.0" encoding="utf-8"?>
+<file path=ppt/notesSlides/notesSlide2.xml><?xml version="1.0" encoding="utf-8"?>
+<p:notes xmlns:a="http://schemas.openxmlformats.org/drawingml/2006/main" xmlns:r="http://schemas.openxmlformats.org/officeDocument/2006/relationships" xmlns:p="http://schemas.openxmlformats.org/presentationml/2006/main">
+  <p:cSld>
+    <p:spTree>
+      <p:nvGrpSpPr>
+        <p:cNvPr id="1" name=""/>
+        <p:cNvGrpSpPr/>
+        <p:nvPr/>
+      </p:nvGrpSpPr>
+      <p:grpSpPr>
+        <a:xfrm>
+          <a:off x="0" y="0"/>
+          <a:ext cx="0" cy="0"/>
+          <a:chOff x="0" y="0"/>
+          <a:chExt cx="0" cy="0"/>
+        </a:xfrm>
+      </p:grpSpPr>
+      <p:sp>
+        <p:nvSpPr>
+          <p:cNvPr id="2" name="Slide Image Placeholder 1"/>
+          <p:cNvSpPr>
+            <a:spLocks noGrp="1" noRot="1" noChangeAspect="1"/>
+          </p:cNvSpPr>
+          <p:nvPr>
+            <p:ph type="sldImg"/>
+          </p:nvPr>
+        </p:nvSpPr>
+        <p:spPr>
+          <a:xfrm>
+            <a:off x="381000" y="685800"/>
+            <a:ext cx="6096000" cy="3429000"/>
+          </a:xfrm>
+        </p:spPr>
+      </p:sp>
+      <p:sp>
+        <p:nvSpPr>
+          <p:cNvPr id="3" name="Notes Placeholder 2"/>
+          <p:cNvSpPr>
+            <a:spLocks noGrp="1"/>
+          </p:cNvSpPr>
+          <p:nvPr>
+            <p:ph type="body" idx="1"/>
+          </p:nvPr>
+        </p:nvSpPr>
+        <p:spPr/>
+        <p:txBody>
+          <a:bodyPr/>
+          <a:lstStyle/>
+          <a:p>
+            <a:endParaRPr lang="en-SG" dirty="0"/>
+          </a:p>
+        </p:txBody>
+      </p:sp>
+      <p:sp>
+        <p:nvSpPr>
+          <p:cNvPr id="4" name="Slide Number Placeholder 3"/>
+          <p:cNvSpPr>
+            <a:spLocks noGrp="1"/>
+          </p:cNvSpPr>
+          <p:nvPr>
+            <p:ph type="sldNum" sz="quarter" idx="10"/>
+          </p:nvPr>
+        </p:nvSpPr>
+        <p:spPr>
+          <a:xfrm>
+            <a:off x="3884613" y="8685213"/>
+            <a:ext cx="2971800" cy="458787"/>
+          </a:xfrm>
+          <a:prstGeom prst="rect">
+            <a:avLst/>
+          </a:prstGeom>
+        </p:spPr>
+        <p:txBody>
+          <a:bodyPr/>
+          <a:lstStyle/>
+          <a:p>
+            <a:fld id="{C8DEF3BC-85DD-4ED2-8C84-4F0BB785FC11}" type="slidenum">
+              <a:rPr lang="en-SG" smtClean="0"/>
+              <a:pPr/>
+              <a:t>3</a:t>
+            </a:fld>
+            <a:endParaRPr lang="en-SG" dirty="0"/>
+          </a:p>
+        </p:txBody>
+      </p:sp>
+    </p:spTree>
+    <p:extLst>
+      <p:ext uri="{BB962C8B-B14F-4D97-AF65-F5344CB8AC3E}">
+        <p14:creationId xmlns:p14="http://schemas.microsoft.com/office/powerpoint/2010/main" val="4256702432"/>
+      </p:ext>
+    </p:extLst>
+  </p:cSld>
+  <p:clrMapOvr>
+    <a:masterClrMapping/>
+  </p:clrMapOvr>
+</p:notes>
+</file>
+
+<file path=ppt/notesSlides/notesSlide20.xml><?xml version="1.0" encoding="utf-8"?>
 <p:notes xmlns:a="http://schemas.openxmlformats.org/drawingml/2006/main" xmlns:r="http://schemas.openxmlformats.org/officeDocument/2006/relationships" xmlns:p="http://schemas.openxmlformats.org/presentationml/2006/main" showMasterSp="0" showMasterPhAnim="0">
   <p:cSld>
     <p:spTree>
@@ -1421,7 +1929,7 @@
 </p:notes>
 </file>
 
-<file path=ppt/notesSlides/notesSlide16.xml><?xml version="1.0" encoding="utf-8"?>
+<file path=ppt/notesSlides/notesSlide21.xml><?xml version="1.0" encoding="utf-8"?>
 <p:notes xmlns:a="http://schemas.openxmlformats.org/drawingml/2006/main" xmlns:r="http://schemas.openxmlformats.org/officeDocument/2006/relationships" xmlns:p="http://schemas.openxmlformats.org/presentationml/2006/main" showMasterSp="0" showMasterPhAnim="0">
   <p:cSld>
     <p:spTree>
@@ -1527,7 +2035,7 @@
 </p:notes>
 </file>
 
-<file path=ppt/notesSlides/notesSlide17.xml><?xml version="1.0" encoding="utf-8"?>
+<file path=ppt/notesSlides/notesSlide22.xml><?xml version="1.0" encoding="utf-8"?>
 <p:notes xmlns:a="http://schemas.openxmlformats.org/drawingml/2006/main" xmlns:r="http://schemas.openxmlformats.org/officeDocument/2006/relationships" xmlns:p="http://schemas.openxmlformats.org/presentationml/2006/main" showMasterSp="0" showMasterPhAnim="0">
   <p:cSld>
     <p:spTree>
@@ -1633,7 +2141,7 @@
 </p:notes>
 </file>
 
-<file path=ppt/notesSlides/notesSlide18.xml><?xml version="1.0" encoding="utf-8"?>
+<file path=ppt/notesSlides/notesSlide23.xml><?xml version="1.0" encoding="utf-8"?>
 <p:notes xmlns:a="http://schemas.openxmlformats.org/drawingml/2006/main" xmlns:r="http://schemas.openxmlformats.org/officeDocument/2006/relationships" xmlns:p="http://schemas.openxmlformats.org/presentationml/2006/main" showMasterSp="0" showMasterPhAnim="0">
   <p:cSld>
     <p:spTree>
@@ -1730,104 +2238,6 @@
     <p:extLst>
       <p:ext uri="{BB962C8B-B14F-4D97-AF65-F5344CB8AC3E}">
         <p14:creationId xmlns:p14="http://schemas.microsoft.com/office/powerpoint/2010/main" val="1437425740"/>
-      </p:ext>
-    </p:extLst>
-  </p:cSld>
-  <p:clrMapOvr>
-    <a:masterClrMapping/>
-  </p:clrMapOvr>
-</p:notes>
-</file>
-
-<file path=ppt/notesSlides/notesSlide2.xml><?xml version="1.0" encoding="utf-8"?>
-<p:notes xmlns:a="http://schemas.openxmlformats.org/drawingml/2006/main" xmlns:r="http://schemas.openxmlformats.org/officeDocument/2006/relationships" xmlns:p="http://schemas.openxmlformats.org/presentationml/2006/main">
-  <p:cSld>
-    <p:spTree>
-      <p:nvGrpSpPr>
-        <p:cNvPr id="1" name=""/>
-        <p:cNvGrpSpPr/>
-        <p:nvPr/>
-      </p:nvGrpSpPr>
-      <p:grpSpPr>
-        <a:xfrm>
-          <a:off x="0" y="0"/>
-          <a:ext cx="0" cy="0"/>
-          <a:chOff x="0" y="0"/>
-          <a:chExt cx="0" cy="0"/>
-        </a:xfrm>
-      </p:grpSpPr>
-      <p:sp>
-        <p:nvSpPr>
-          <p:cNvPr id="2" name="Slide Image Placeholder 1"/>
-          <p:cNvSpPr>
-            <a:spLocks noGrp="1" noRot="1" noChangeAspect="1"/>
-          </p:cNvSpPr>
-          <p:nvPr>
-            <p:ph type="sldImg"/>
-          </p:nvPr>
-        </p:nvSpPr>
-        <p:spPr>
-          <a:xfrm>
-            <a:off x="381000" y="685800"/>
-            <a:ext cx="6096000" cy="3429000"/>
-          </a:xfrm>
-        </p:spPr>
-      </p:sp>
-      <p:sp>
-        <p:nvSpPr>
-          <p:cNvPr id="3" name="Notes Placeholder 2"/>
-          <p:cNvSpPr>
-            <a:spLocks noGrp="1"/>
-          </p:cNvSpPr>
-          <p:nvPr>
-            <p:ph type="body" idx="1"/>
-          </p:nvPr>
-        </p:nvSpPr>
-        <p:spPr/>
-        <p:txBody>
-          <a:bodyPr/>
-          <a:lstStyle/>
-          <a:p>
-            <a:endParaRPr lang="en-SG" dirty="0"/>
-          </a:p>
-        </p:txBody>
-      </p:sp>
-      <p:sp>
-        <p:nvSpPr>
-          <p:cNvPr id="4" name="Slide Number Placeholder 3"/>
-          <p:cNvSpPr>
-            <a:spLocks noGrp="1"/>
-          </p:cNvSpPr>
-          <p:nvPr>
-            <p:ph type="sldNum" sz="quarter" idx="10"/>
-          </p:nvPr>
-        </p:nvSpPr>
-        <p:spPr>
-          <a:xfrm>
-            <a:off x="3884613" y="8685213"/>
-            <a:ext cx="2971800" cy="458787"/>
-          </a:xfrm>
-          <a:prstGeom prst="rect">
-            <a:avLst/>
-          </a:prstGeom>
-        </p:spPr>
-        <p:txBody>
-          <a:bodyPr/>
-          <a:lstStyle/>
-          <a:p>
-            <a:fld id="{C8DEF3BC-85DD-4ED2-8C84-4F0BB785FC11}" type="slidenum">
-              <a:rPr lang="en-SG" smtClean="0"/>
-              <a:pPr/>
-              <a:t>3</a:t>
-            </a:fld>
-            <a:endParaRPr lang="en-SG" dirty="0"/>
-          </a:p>
-        </p:txBody>
-      </p:sp>
-    </p:spTree>
-    <p:extLst>
-      <p:ext uri="{BB962C8B-B14F-4D97-AF65-F5344CB8AC3E}">
-        <p14:creationId xmlns:p14="http://schemas.microsoft.com/office/powerpoint/2010/main" val="4256702432"/>
       </p:ext>
     </p:extLst>
   </p:cSld>
@@ -8161,11 +8571,11 @@
   <p:clrMapOvr>
     <a:masterClrMapping/>
   </p:clrMapOvr>
-  <mc:AlternateContent xmlns:mc="http://schemas.openxmlformats.org/markup-compatibility/2006">
-    <mc:Choice xmlns:p14="http://schemas.microsoft.com/office/powerpoint/2010/main" Requires="p14">
+  <mc:AlternateContent xmlns:mc="http://schemas.openxmlformats.org/markup-compatibility/2006" xmlns:p14="http://schemas.microsoft.com/office/powerpoint/2010/main">
+    <mc:Choice Requires="p14">
       <p:transition p14:dur="10"/>
     </mc:Choice>
-    <mc:Fallback>
+    <mc:Fallback xmlns="">
       <p:transition/>
     </mc:Fallback>
   </mc:AlternateContent>
@@ -8336,13 +8746,13 @@
   <p:clrMapOvr>
     <a:masterClrMapping/>
   </p:clrMapOvr>
-  <mc:AlternateContent xmlns:mc="http://schemas.openxmlformats.org/markup-compatibility/2006">
-    <mc:Choice xmlns:p14="http://schemas.microsoft.com/office/powerpoint/2010/main" Requires="p14">
+  <mc:AlternateContent xmlns:mc="http://schemas.openxmlformats.org/markup-compatibility/2006" xmlns:p14="http://schemas.microsoft.com/office/powerpoint/2010/main">
+    <mc:Choice Requires="p14">
       <p:transition spd="med" p14:dur="700">
         <p:fade/>
       </p:transition>
     </mc:Choice>
-    <mc:Fallback>
+    <mc:Fallback xmlns="">
       <p:transition spd="med">
         <p:fade/>
       </p:transition>
@@ -8634,13 +9044,13 @@
   <p:clrMapOvr>
     <a:masterClrMapping/>
   </p:clrMapOvr>
-  <mc:AlternateContent xmlns:mc="http://schemas.openxmlformats.org/markup-compatibility/2006">
-    <mc:Choice xmlns:p14="http://schemas.microsoft.com/office/powerpoint/2010/main" Requires="p14">
+  <mc:AlternateContent xmlns:mc="http://schemas.openxmlformats.org/markup-compatibility/2006" xmlns:p14="http://schemas.microsoft.com/office/powerpoint/2010/main">
+    <mc:Choice Requires="p14">
       <p:transition spd="med" p14:dur="700">
         <p:fade/>
       </p:transition>
     </mc:Choice>
-    <mc:Fallback>
+    <mc:Fallback xmlns="">
       <p:transition spd="med">
         <p:fade/>
       </p:transition>
@@ -8863,13 +9273,13 @@
   <p:clrMapOvr>
     <a:masterClrMapping/>
   </p:clrMapOvr>
-  <mc:AlternateContent xmlns:mc="http://schemas.openxmlformats.org/markup-compatibility/2006">
-    <mc:Choice xmlns:p14="http://schemas.microsoft.com/office/powerpoint/2010/main" Requires="p14">
+  <mc:AlternateContent xmlns:mc="http://schemas.openxmlformats.org/markup-compatibility/2006" xmlns:p14="http://schemas.microsoft.com/office/powerpoint/2010/main">
+    <mc:Choice Requires="p14">
       <p:transition spd="med" p14:dur="700">
         <p:fade/>
       </p:transition>
     </mc:Choice>
-    <mc:Fallback>
+    <mc:Fallback xmlns="">
       <p:transition spd="med">
         <p:fade/>
       </p:transition>
@@ -9010,13 +9420,13 @@
   <p:clrMapOvr>
     <a:masterClrMapping/>
   </p:clrMapOvr>
-  <mc:AlternateContent xmlns:mc="http://schemas.openxmlformats.org/markup-compatibility/2006">
-    <mc:Choice xmlns:p14="http://schemas.microsoft.com/office/powerpoint/2010/main" Requires="p14">
+  <mc:AlternateContent xmlns:mc="http://schemas.openxmlformats.org/markup-compatibility/2006" xmlns:p14="http://schemas.microsoft.com/office/powerpoint/2010/main">
+    <mc:Choice Requires="p14">
       <p:transition spd="med" p14:dur="700">
         <p:fade/>
       </p:transition>
     </mc:Choice>
-    <mc:Fallback>
+    <mc:Fallback xmlns="">
       <p:transition spd="med">
         <p:fade/>
       </p:transition>
@@ -9443,13 +9853,13 @@
   <p:clrMapOvr>
     <a:masterClrMapping/>
   </p:clrMapOvr>
-  <mc:AlternateContent xmlns:mc="http://schemas.openxmlformats.org/markup-compatibility/2006">
-    <mc:Choice xmlns:p14="http://schemas.microsoft.com/office/powerpoint/2010/main" Requires="p14">
+  <mc:AlternateContent xmlns:mc="http://schemas.openxmlformats.org/markup-compatibility/2006" xmlns:p14="http://schemas.microsoft.com/office/powerpoint/2010/main">
+    <mc:Choice Requires="p14">
       <p:transition spd="med" p14:dur="700">
         <p:fade/>
       </p:transition>
     </mc:Choice>
-    <mc:Fallback>
+    <mc:Fallback xmlns="">
       <p:transition spd="med">
         <p:fade/>
       </p:transition>
@@ -10998,13 +11408,13 @@
   <p:clrMapOvr>
     <a:masterClrMapping/>
   </p:clrMapOvr>
-  <mc:AlternateContent xmlns:mc="http://schemas.openxmlformats.org/markup-compatibility/2006">
-    <mc:Choice xmlns:p14="http://schemas.microsoft.com/office/powerpoint/2010/main" Requires="p14">
+  <mc:AlternateContent xmlns:mc="http://schemas.openxmlformats.org/markup-compatibility/2006" xmlns:p14="http://schemas.microsoft.com/office/powerpoint/2010/main">
+    <mc:Choice Requires="p14">
       <p:transition spd="med" p14:dur="700">
         <p:fade/>
       </p:transition>
     </mc:Choice>
-    <mc:Fallback>
+    <mc:Fallback xmlns="">
       <p:transition spd="med">
         <p:fade/>
       </p:transition>
@@ -11307,6 +11717,462 @@
   <p:cSld>
     <p:spTree>
       <p:nvGrpSpPr>
+        <p:cNvPr id="1" name=""/>
+        <p:cNvGrpSpPr/>
+        <p:nvPr/>
+      </p:nvGrpSpPr>
+      <p:grpSpPr>
+        <a:xfrm>
+          <a:off x="0" y="0"/>
+          <a:ext cx="0" cy="0"/>
+          <a:chOff x="0" y="0"/>
+          <a:chExt cx="0" cy="0"/>
+        </a:xfrm>
+      </p:grpSpPr>
+      <p:sp>
+        <p:nvSpPr>
+          <p:cNvPr id="2" name="标题 1"/>
+          <p:cNvSpPr>
+            <a:spLocks noGrp="1"/>
+          </p:cNvSpPr>
+          <p:nvPr>
+            <p:ph type="title"/>
+          </p:nvPr>
+        </p:nvSpPr>
+        <p:spPr/>
+        <p:txBody>
+          <a:bodyPr>
+            <a:normAutofit fontScale="90000"/>
+          </a:bodyPr>
+          <a:lstStyle/>
+          <a:p>
+            <a:r>
+              <a:rPr lang="en-SG" altLang="zh-SG" dirty="0" smtClean="0"/>
+              <a:t>Mark as complete</a:t>
+            </a:r>
+            <a:endParaRPr lang="zh-SG" altLang="en-US" dirty="0"/>
+          </a:p>
+        </p:txBody>
+      </p:sp>
+      <p:sp>
+        <p:nvSpPr>
+          <p:cNvPr id="3" name="文本占位符 2"/>
+          <p:cNvSpPr>
+            <a:spLocks noGrp="1"/>
+          </p:cNvSpPr>
+          <p:nvPr>
+            <p:ph type="body" idx="1"/>
+          </p:nvPr>
+        </p:nvSpPr>
+        <p:spPr/>
+        <p:txBody>
+          <a:bodyPr/>
+          <a:lstStyle/>
+          <a:p>
+            <a:r>
+              <a:rPr lang="en-SG" altLang="zh-SG" dirty="0" smtClean="0"/>
+              <a:t>E.g.</a:t>
+            </a:r>
+          </a:p>
+          <a:p>
+            <a:pPr marL="109728" indent="0">
+              <a:buNone/>
+            </a:pPr>
+            <a:endParaRPr lang="en-SG" altLang="zh-SG" dirty="0" smtClean="0"/>
+          </a:p>
+          <a:p>
+            <a:r>
+              <a:rPr lang="en-SG" altLang="zh-SG" dirty="0" smtClean="0"/>
+              <a:t>“c 15” – mark/demark the task with ID 15</a:t>
+            </a:r>
+          </a:p>
+        </p:txBody>
+      </p:sp>
+    </p:spTree>
+    <p:extLst>
+      <p:ext uri="{BB962C8B-B14F-4D97-AF65-F5344CB8AC3E}">
+        <p14:creationId xmlns:p14="http://schemas.microsoft.com/office/powerpoint/2010/main" val="2661557624"/>
+      </p:ext>
+    </p:extLst>
+  </p:cSld>
+  <p:clrMapOvr>
+    <a:masterClrMapping/>
+  </p:clrMapOvr>
+</p:sld>
+</file>
+
+<file path=ppt/slides/slide22.xml><?xml version="1.0" encoding="utf-8"?>
+<p:sld xmlns:a="http://schemas.openxmlformats.org/drawingml/2006/main" xmlns:r="http://schemas.openxmlformats.org/officeDocument/2006/relationships" xmlns:p="http://schemas.openxmlformats.org/presentationml/2006/main">
+  <p:cSld>
+    <p:spTree>
+      <p:nvGrpSpPr>
+        <p:cNvPr id="1" name=""/>
+        <p:cNvGrpSpPr/>
+        <p:nvPr/>
+      </p:nvGrpSpPr>
+      <p:grpSpPr>
+        <a:xfrm>
+          <a:off x="0" y="0"/>
+          <a:ext cx="0" cy="0"/>
+          <a:chOff x="0" y="0"/>
+          <a:chExt cx="0" cy="0"/>
+        </a:xfrm>
+      </p:grpSpPr>
+      <p:sp>
+        <p:nvSpPr>
+          <p:cNvPr id="2" name="标题 1"/>
+          <p:cNvSpPr>
+            <a:spLocks noGrp="1"/>
+          </p:cNvSpPr>
+          <p:nvPr>
+            <p:ph type="title"/>
+          </p:nvPr>
+        </p:nvSpPr>
+        <p:spPr/>
+        <p:txBody>
+          <a:bodyPr>
+            <a:normAutofit fontScale="90000"/>
+          </a:bodyPr>
+          <a:lstStyle/>
+          <a:p>
+            <a:r>
+              <a:rPr lang="en-SG" altLang="zh-SG" dirty="0" smtClean="0"/>
+              <a:t>Delete</a:t>
+            </a:r>
+            <a:endParaRPr lang="zh-SG" altLang="en-US" dirty="0"/>
+          </a:p>
+        </p:txBody>
+      </p:sp>
+      <p:sp>
+        <p:nvSpPr>
+          <p:cNvPr id="3" name="文本占位符 2"/>
+          <p:cNvSpPr>
+            <a:spLocks noGrp="1"/>
+          </p:cNvSpPr>
+          <p:nvPr>
+            <p:ph type="body" idx="1"/>
+          </p:nvPr>
+        </p:nvSpPr>
+        <p:spPr/>
+        <p:txBody>
+          <a:bodyPr>
+            <a:normAutofit lnSpcReduction="10000"/>
+          </a:bodyPr>
+          <a:lstStyle/>
+          <a:p>
+            <a:r>
+              <a:rPr lang="en-SG" altLang="zh-SG" dirty="0" smtClean="0"/>
+              <a:t>E.g.</a:t>
+            </a:r>
+          </a:p>
+          <a:p>
+            <a:pPr marL="109728" indent="0">
+              <a:buNone/>
+            </a:pPr>
+            <a:endParaRPr lang="en-SG" altLang="zh-SG" dirty="0" smtClean="0"/>
+          </a:p>
+          <a:p>
+            <a:r>
+              <a:rPr lang="en-SG" altLang="zh-SG" dirty="0" smtClean="0"/>
+              <a:t>“d 2” – Delete the task with id 2</a:t>
+            </a:r>
+          </a:p>
+          <a:p>
+            <a:pPr marL="109728" indent="0">
+              <a:buNone/>
+            </a:pPr>
+            <a:endParaRPr lang="en-SG" altLang="zh-SG" dirty="0" smtClean="0"/>
+          </a:p>
+          <a:p>
+            <a:r>
+              <a:rPr lang="en-SG" altLang="zh-SG" dirty="0" smtClean="0"/>
+              <a:t>“d &lt;11/4/16” – Delete all the tasks before 11/4</a:t>
+            </a:r>
+          </a:p>
+          <a:p>
+            <a:endParaRPr lang="en-SG" altLang="zh-SG" dirty="0"/>
+          </a:p>
+          <a:p>
+            <a:r>
+              <a:rPr lang="en-SG" altLang="zh-SG" dirty="0" smtClean="0"/>
+              <a:t>“d + id + r” for deleting recurring tasks</a:t>
+            </a:r>
+          </a:p>
+        </p:txBody>
+      </p:sp>
+    </p:spTree>
+    <p:extLst>
+      <p:ext uri="{BB962C8B-B14F-4D97-AF65-F5344CB8AC3E}">
+        <p14:creationId xmlns:p14="http://schemas.microsoft.com/office/powerpoint/2010/main" val="4052811657"/>
+      </p:ext>
+    </p:extLst>
+  </p:cSld>
+  <p:clrMapOvr>
+    <a:masterClrMapping/>
+  </p:clrMapOvr>
+</p:sld>
+</file>
+
+<file path=ppt/slides/slide23.xml><?xml version="1.0" encoding="utf-8"?>
+<p:sld xmlns:a="http://schemas.openxmlformats.org/drawingml/2006/main" xmlns:r="http://schemas.openxmlformats.org/officeDocument/2006/relationships" xmlns:p="http://schemas.openxmlformats.org/presentationml/2006/main">
+  <p:cSld>
+    <p:spTree>
+      <p:nvGrpSpPr>
+        <p:cNvPr id="1" name=""/>
+        <p:cNvGrpSpPr/>
+        <p:nvPr/>
+      </p:nvGrpSpPr>
+      <p:grpSpPr>
+        <a:xfrm>
+          <a:off x="0" y="0"/>
+          <a:ext cx="0" cy="0"/>
+          <a:chOff x="0" y="0"/>
+          <a:chExt cx="0" cy="0"/>
+        </a:xfrm>
+      </p:grpSpPr>
+      <p:sp>
+        <p:nvSpPr>
+          <p:cNvPr id="2" name="标题 1"/>
+          <p:cNvSpPr>
+            <a:spLocks noGrp="1"/>
+          </p:cNvSpPr>
+          <p:nvPr>
+            <p:ph type="title"/>
+          </p:nvPr>
+        </p:nvSpPr>
+        <p:spPr/>
+        <p:txBody>
+          <a:bodyPr>
+            <a:normAutofit fontScale="90000"/>
+          </a:bodyPr>
+          <a:lstStyle/>
+          <a:p>
+            <a:r>
+              <a:rPr lang="en-SG" altLang="zh-SG" dirty="0" smtClean="0"/>
+              <a:t>Undo</a:t>
+            </a:r>
+            <a:endParaRPr lang="zh-SG" altLang="en-US" dirty="0"/>
+          </a:p>
+        </p:txBody>
+      </p:sp>
+      <p:sp>
+        <p:nvSpPr>
+          <p:cNvPr id="3" name="文本占位符 2"/>
+          <p:cNvSpPr>
+            <a:spLocks noGrp="1"/>
+          </p:cNvSpPr>
+          <p:nvPr>
+            <p:ph type="body" idx="1"/>
+          </p:nvPr>
+        </p:nvSpPr>
+        <p:spPr/>
+        <p:txBody>
+          <a:bodyPr/>
+          <a:lstStyle/>
+          <a:p>
+            <a:r>
+              <a:rPr lang="en-SG" altLang="zh-SG" dirty="0" smtClean="0"/>
+              <a:t>“u” – stands for “undo”</a:t>
+            </a:r>
+            <a:endParaRPr lang="zh-SG" altLang="en-US" dirty="0"/>
+          </a:p>
+        </p:txBody>
+      </p:sp>
+    </p:spTree>
+    <p:extLst>
+      <p:ext uri="{BB962C8B-B14F-4D97-AF65-F5344CB8AC3E}">
+        <p14:creationId xmlns:p14="http://schemas.microsoft.com/office/powerpoint/2010/main" val="1494335928"/>
+      </p:ext>
+    </p:extLst>
+  </p:cSld>
+  <p:clrMapOvr>
+    <a:masterClrMapping/>
+  </p:clrMapOvr>
+</p:sld>
+</file>
+
+<file path=ppt/slides/slide24.xml><?xml version="1.0" encoding="utf-8"?>
+<p:sld xmlns:a="http://schemas.openxmlformats.org/drawingml/2006/main" xmlns:r="http://schemas.openxmlformats.org/officeDocument/2006/relationships" xmlns:p="http://schemas.openxmlformats.org/presentationml/2006/main">
+  <p:cSld>
+    <p:spTree>
+      <p:nvGrpSpPr>
+        <p:cNvPr id="1" name=""/>
+        <p:cNvGrpSpPr/>
+        <p:nvPr/>
+      </p:nvGrpSpPr>
+      <p:grpSpPr>
+        <a:xfrm>
+          <a:off x="0" y="0"/>
+          <a:ext cx="0" cy="0"/>
+          <a:chOff x="0" y="0"/>
+          <a:chExt cx="0" cy="0"/>
+        </a:xfrm>
+      </p:grpSpPr>
+      <p:sp>
+        <p:nvSpPr>
+          <p:cNvPr id="2" name="标题 1"/>
+          <p:cNvSpPr>
+            <a:spLocks noGrp="1"/>
+          </p:cNvSpPr>
+          <p:nvPr>
+            <p:ph type="title"/>
+          </p:nvPr>
+        </p:nvSpPr>
+        <p:spPr/>
+        <p:txBody>
+          <a:bodyPr>
+            <a:normAutofit fontScale="90000"/>
+          </a:bodyPr>
+          <a:lstStyle/>
+          <a:p>
+            <a:r>
+              <a:rPr lang="en-SG" altLang="zh-SG" dirty="0" smtClean="0"/>
+              <a:t>find</a:t>
+            </a:r>
+            <a:endParaRPr lang="zh-SG" altLang="en-US" dirty="0"/>
+          </a:p>
+        </p:txBody>
+      </p:sp>
+      <p:sp>
+        <p:nvSpPr>
+          <p:cNvPr id="3" name="文本占位符 2"/>
+          <p:cNvSpPr>
+            <a:spLocks noGrp="1"/>
+          </p:cNvSpPr>
+          <p:nvPr>
+            <p:ph type="body" idx="1"/>
+          </p:nvPr>
+        </p:nvSpPr>
+        <p:spPr/>
+        <p:txBody>
+          <a:bodyPr/>
+          <a:lstStyle/>
+          <a:p>
+            <a:r>
+              <a:rPr lang="en-SG" altLang="zh-SG" dirty="0" smtClean="0"/>
+              <a:t>E.g.</a:t>
+            </a:r>
+          </a:p>
+          <a:p>
+            <a:pPr marL="109728" indent="0">
+              <a:buNone/>
+            </a:pPr>
+            <a:endParaRPr lang="en-SG" altLang="zh-SG" dirty="0" smtClean="0"/>
+          </a:p>
+          <a:p>
+            <a:r>
+              <a:rPr lang="en-SG" altLang="zh-SG" dirty="0" smtClean="0"/>
+              <a:t>“f Alice” to find all the tasks related to Alice</a:t>
+            </a:r>
+          </a:p>
+          <a:p>
+            <a:endParaRPr lang="en-SG" altLang="zh-SG" dirty="0"/>
+          </a:p>
+          <a:p>
+            <a:r>
+              <a:rPr lang="en-SG" altLang="zh-SG" dirty="0" smtClean="0"/>
+              <a:t>“f” to display all tasks</a:t>
+            </a:r>
+            <a:endParaRPr lang="zh-SG" altLang="en-US" dirty="0"/>
+          </a:p>
+        </p:txBody>
+      </p:sp>
+    </p:spTree>
+    <p:extLst>
+      <p:ext uri="{BB962C8B-B14F-4D97-AF65-F5344CB8AC3E}">
+        <p14:creationId xmlns:p14="http://schemas.microsoft.com/office/powerpoint/2010/main" val="3457226948"/>
+      </p:ext>
+    </p:extLst>
+  </p:cSld>
+  <p:clrMapOvr>
+    <a:masterClrMapping/>
+  </p:clrMapOvr>
+</p:sld>
+</file>
+
+<file path=ppt/slides/slide25.xml><?xml version="1.0" encoding="utf-8"?>
+<p:sld xmlns:a="http://schemas.openxmlformats.org/drawingml/2006/main" xmlns:r="http://schemas.openxmlformats.org/officeDocument/2006/relationships" xmlns:p="http://schemas.openxmlformats.org/presentationml/2006/main">
+  <p:cSld>
+    <p:spTree>
+      <p:nvGrpSpPr>
+        <p:cNvPr id="1" name=""/>
+        <p:cNvGrpSpPr/>
+        <p:nvPr/>
+      </p:nvGrpSpPr>
+      <p:grpSpPr>
+        <a:xfrm>
+          <a:off x="0" y="0"/>
+          <a:ext cx="0" cy="0"/>
+          <a:chOff x="0" y="0"/>
+          <a:chExt cx="0" cy="0"/>
+        </a:xfrm>
+      </p:grpSpPr>
+      <p:sp>
+        <p:nvSpPr>
+          <p:cNvPr id="2" name="标题 1"/>
+          <p:cNvSpPr>
+            <a:spLocks noGrp="1"/>
+          </p:cNvSpPr>
+          <p:nvPr>
+            <p:ph type="title"/>
+          </p:nvPr>
+        </p:nvSpPr>
+        <p:spPr/>
+        <p:txBody>
+          <a:bodyPr>
+            <a:normAutofit fontScale="90000"/>
+          </a:bodyPr>
+          <a:lstStyle/>
+          <a:p>
+            <a:r>
+              <a:rPr lang="en-SG" altLang="zh-SG" dirty="0" smtClean="0"/>
+              <a:t>No need to remember commands!</a:t>
+            </a:r>
+            <a:endParaRPr lang="zh-SG" altLang="en-US" dirty="0"/>
+          </a:p>
+        </p:txBody>
+      </p:sp>
+      <p:sp>
+        <p:nvSpPr>
+          <p:cNvPr id="3" name="文本占位符 2"/>
+          <p:cNvSpPr>
+            <a:spLocks noGrp="1"/>
+          </p:cNvSpPr>
+          <p:nvPr>
+            <p:ph type="body" idx="1"/>
+          </p:nvPr>
+        </p:nvSpPr>
+        <p:spPr/>
+        <p:txBody>
+          <a:bodyPr/>
+          <a:lstStyle/>
+          <a:p>
+            <a:r>
+              <a:rPr lang="en-SG" altLang="zh-SG" dirty="0" smtClean="0"/>
+              <a:t>Always feel free to use “h” or F1 to call up the help window</a:t>
+            </a:r>
+            <a:endParaRPr lang="zh-SG" altLang="en-US" dirty="0"/>
+          </a:p>
+        </p:txBody>
+      </p:sp>
+    </p:spTree>
+    <p:extLst>
+      <p:ext uri="{BB962C8B-B14F-4D97-AF65-F5344CB8AC3E}">
+        <p14:creationId xmlns:p14="http://schemas.microsoft.com/office/powerpoint/2010/main" val="1846308253"/>
+      </p:ext>
+    </p:extLst>
+  </p:cSld>
+  <p:clrMapOvr>
+    <a:masterClrMapping/>
+  </p:clrMapOvr>
+</p:sld>
+</file>
+
+<file path=ppt/slides/slide26.xml><?xml version="1.0" encoding="utf-8"?>
+<p:sld xmlns:a="http://schemas.openxmlformats.org/drawingml/2006/main" xmlns:r="http://schemas.openxmlformats.org/officeDocument/2006/relationships" xmlns:p="http://schemas.openxmlformats.org/presentationml/2006/main">
+  <p:cSld>
+    <p:spTree>
+      <p:nvGrpSpPr>
         <p:cNvPr id="1" name="Shape 71"/>
         <p:cNvGrpSpPr/>
         <p:nvPr/>
@@ -11470,7 +12336,7 @@
 </p:sld>
 </file>
 
-<file path=ppt/slides/slide22.xml><?xml version="1.0" encoding="utf-8"?>
+<file path=ppt/slides/slide27.xml><?xml version="1.0" encoding="utf-8"?>
 <p:sld xmlns:a="http://schemas.openxmlformats.org/drawingml/2006/main" xmlns:r="http://schemas.openxmlformats.org/officeDocument/2006/relationships" xmlns:p="http://schemas.openxmlformats.org/presentationml/2006/main">
   <p:cSld>
     <p:spTree>
@@ -11779,7 +12645,7 @@
 </p:sld>
 </file>
 
-<file path=ppt/slides/slide23.xml><?xml version="1.0" encoding="utf-8"?>
+<file path=ppt/slides/slide28.xml><?xml version="1.0" encoding="utf-8"?>
 <p:sld xmlns:a="http://schemas.openxmlformats.org/drawingml/2006/main" xmlns:r="http://schemas.openxmlformats.org/officeDocument/2006/relationships" xmlns:p="http://schemas.openxmlformats.org/presentationml/2006/main">
   <p:cSld>
     <p:spTree>
@@ -13698,7 +14564,7 @@
 </p:sld>
 </file>
 
-<file path=ppt/slides/slide24.xml><?xml version="1.0" encoding="utf-8"?>
+<file path=ppt/slides/slide29.xml><?xml version="1.0" encoding="utf-8"?>
 <p:sld xmlns:a="http://schemas.openxmlformats.org/drawingml/2006/main" xmlns:r="http://schemas.openxmlformats.org/officeDocument/2006/relationships" xmlns:p="http://schemas.openxmlformats.org/presentationml/2006/main">
   <p:cSld>
     <p:spTree>
@@ -14204,1416 +15070,6 @@
 </p:sld>
 </file>
 
-<file path=ppt/slides/slide25.xml><?xml version="1.0" encoding="utf-8"?>
-<p:sld xmlns:a="http://schemas.openxmlformats.org/drawingml/2006/main" xmlns:r="http://schemas.openxmlformats.org/officeDocument/2006/relationships" xmlns:p="http://schemas.openxmlformats.org/presentationml/2006/main">
-  <p:cSld>
-    <p:spTree>
-      <p:nvGrpSpPr>
-        <p:cNvPr id="1" name="Shape 98"/>
-        <p:cNvGrpSpPr/>
-        <p:nvPr/>
-      </p:nvGrpSpPr>
-      <p:grpSpPr>
-        <a:xfrm>
-          <a:off x="0" y="0"/>
-          <a:ext cx="0" cy="0"/>
-          <a:chOff x="0" y="0"/>
-          <a:chExt cx="0" cy="0"/>
-        </a:xfrm>
-      </p:grpSpPr>
-      <p:sp>
-        <p:nvSpPr>
-          <p:cNvPr id="2" name="Title 1"/>
-          <p:cNvSpPr>
-            <a:spLocks noGrp="1"/>
-          </p:cNvSpPr>
-          <p:nvPr>
-            <p:ph type="title"/>
-          </p:nvPr>
-        </p:nvSpPr>
-        <p:spPr/>
-        <p:txBody>
-          <a:bodyPr>
-            <a:normAutofit fontScale="90000"/>
-          </a:bodyPr>
-          <a:lstStyle/>
-          <a:p>
-            <a:pPr lvl="0"/>
-            <a:r>
-              <a:rPr lang="en-SG" sz="4400" b="0" dirty="0">
-                <a:latin typeface="Verdana"/>
-                <a:ea typeface="Verdana"/>
-                <a:cs typeface="Verdana"/>
-                <a:sym typeface="Verdana"/>
-              </a:rPr>
-              <a:t>What’s next</a:t>
-            </a:r>
-            <a:r>
-              <a:rPr lang="en-SG" sz="4400" b="0" dirty="0" smtClean="0">
-                <a:latin typeface="Verdana"/>
-                <a:ea typeface="Verdana"/>
-                <a:cs typeface="Verdana"/>
-                <a:sym typeface="Verdana"/>
-              </a:rPr>
-              <a:t>?</a:t>
-            </a:r>
-            <a:endParaRPr lang="en-SG" b="0" dirty="0"/>
-          </a:p>
-        </p:txBody>
-      </p:sp>
-      <p:sp>
-        <p:nvSpPr>
-          <p:cNvPr id="100" name="Shape 100"/>
-          <p:cNvSpPr txBox="1">
-            <a:spLocks noGrp="1"/>
-          </p:cNvSpPr>
-          <p:nvPr>
-            <p:ph type="body" idx="1"/>
-          </p:nvPr>
-        </p:nvSpPr>
-        <p:spPr>
-          <a:xfrm>
-            <a:off x="311700" y="1228675"/>
-            <a:ext cx="2100060" cy="481200"/>
-          </a:xfrm>
-          <a:prstGeom prst="rect">
-            <a:avLst/>
-          </a:prstGeom>
-        </p:spPr>
-        <p:txBody>
-          <a:bodyPr lIns="91425" tIns="91425" rIns="91425" bIns="91425" anchor="t" anchorCtr="0">
-            <a:noAutofit/>
-          </a:bodyPr>
-          <a:lstStyle/>
-          <a:p>
-            <a:pPr lvl="0">
-              <a:spcBef>
-                <a:spcPts val="0"/>
-              </a:spcBef>
-              <a:buNone/>
-            </a:pPr>
-            <a:r>
-              <a:rPr lang="en" dirty="0">
-                <a:latin typeface="Verdana" panose="020B0604030504040204" pitchFamily="34" charset="0"/>
-                <a:ea typeface="Verdana" panose="020B0604030504040204" pitchFamily="34" charset="0"/>
-                <a:cs typeface="Verdana" panose="020B0604030504040204" pitchFamily="34" charset="0"/>
-              </a:rPr>
-              <a:t>Notifications</a:t>
-            </a:r>
-            <a:r>
-              <a:rPr lang="en" dirty="0"/>
-              <a:t> </a:t>
-            </a:r>
-          </a:p>
-        </p:txBody>
-      </p:sp>
-      <p:sp>
-        <p:nvSpPr>
-          <p:cNvPr id="103" name="Shape 103"/>
-          <p:cNvSpPr txBox="1">
-            <a:spLocks noGrp="1"/>
-          </p:cNvSpPr>
-          <p:nvPr>
-            <p:ph type="body" idx="4294967295"/>
-          </p:nvPr>
-        </p:nvSpPr>
-        <p:spPr>
-          <a:xfrm>
-            <a:off x="0" y="1774825"/>
-            <a:ext cx="1993900" cy="481013"/>
-          </a:xfrm>
-          <a:prstGeom prst="rect">
-            <a:avLst/>
-          </a:prstGeom>
-        </p:spPr>
-        <p:txBody>
-          <a:bodyPr lIns="91425" tIns="91425" rIns="91425" bIns="91425" anchor="t" anchorCtr="0">
-            <a:noAutofit/>
-          </a:bodyPr>
-          <a:lstStyle/>
-          <a:p>
-            <a:pPr lvl="0" rtl="0">
-              <a:spcBef>
-                <a:spcPts val="0"/>
-              </a:spcBef>
-              <a:buNone/>
-            </a:pPr>
-            <a:r>
-              <a:rPr lang="en" dirty="0" smtClean="0">
-                <a:latin typeface="Verdana" panose="020B0604030504040204" pitchFamily="34" charset="0"/>
-                <a:ea typeface="Verdana" panose="020B0604030504040204" pitchFamily="34" charset="0"/>
-                <a:cs typeface="Verdana" panose="020B0604030504040204" pitchFamily="34" charset="0"/>
-              </a:rPr>
-              <a:t>	 Encryption</a:t>
-            </a:r>
-            <a:r>
-              <a:rPr lang="en" dirty="0" smtClean="0"/>
-              <a:t> </a:t>
-            </a:r>
-            <a:endParaRPr lang="en" dirty="0"/>
-          </a:p>
-        </p:txBody>
-      </p:sp>
-      <p:pic>
-        <p:nvPicPr>
-          <p:cNvPr id="101" name="Shape 101"/>
-          <p:cNvPicPr preferRelativeResize="0"/>
-          <p:nvPr/>
-        </p:nvPicPr>
-        <p:blipFill>
-          <a:blip r:embed="rId3">
-            <a:alphaModFix/>
-          </a:blip>
-          <a:stretch>
-            <a:fillRect/>
-          </a:stretch>
-        </p:blipFill>
-        <p:spPr>
-          <a:xfrm>
-            <a:off x="5302925" y="1371913"/>
-            <a:ext cx="3143250" cy="1285875"/>
-          </a:xfrm>
-          <a:prstGeom prst="rect">
-            <a:avLst/>
-          </a:prstGeom>
-          <a:noFill/>
-          <a:ln>
-            <a:noFill/>
-          </a:ln>
-        </p:spPr>
-      </p:pic>
-      <p:pic>
-        <p:nvPicPr>
-          <p:cNvPr id="102" name="Shape 102"/>
-          <p:cNvPicPr preferRelativeResize="0"/>
-          <p:nvPr/>
-        </p:nvPicPr>
-        <p:blipFill>
-          <a:blip r:embed="rId4">
-            <a:alphaModFix/>
-          </a:blip>
-          <a:stretch>
-            <a:fillRect/>
-          </a:stretch>
-        </p:blipFill>
-        <p:spPr>
-          <a:xfrm>
-            <a:off x="2981799" y="1371926"/>
-            <a:ext cx="1773800" cy="1501349"/>
-          </a:xfrm>
-          <a:prstGeom prst="rect">
-            <a:avLst/>
-          </a:prstGeom>
-          <a:noFill/>
-          <a:ln>
-            <a:noFill/>
-          </a:ln>
-        </p:spPr>
-      </p:pic>
-      <p:pic>
-        <p:nvPicPr>
-          <p:cNvPr id="104" name="Shape 104"/>
-          <p:cNvPicPr preferRelativeResize="0"/>
-          <p:nvPr/>
-        </p:nvPicPr>
-        <p:blipFill>
-          <a:blip r:embed="rId5">
-            <a:alphaModFix/>
-          </a:blip>
-          <a:stretch>
-            <a:fillRect/>
-          </a:stretch>
-        </p:blipFill>
-        <p:spPr>
-          <a:xfrm>
-            <a:off x="2718000" y="3363887"/>
-            <a:ext cx="1446450" cy="1446450"/>
-          </a:xfrm>
-          <a:prstGeom prst="rect">
-            <a:avLst/>
-          </a:prstGeom>
-          <a:noFill/>
-          <a:ln>
-            <a:noFill/>
-          </a:ln>
-        </p:spPr>
-      </p:pic>
-      <p:pic>
-        <p:nvPicPr>
-          <p:cNvPr id="105" name="Shape 105"/>
-          <p:cNvPicPr preferRelativeResize="0"/>
-          <p:nvPr/>
-        </p:nvPicPr>
-        <p:blipFill>
-          <a:blip r:embed="rId6">
-            <a:alphaModFix/>
-          </a:blip>
-          <a:stretch>
-            <a:fillRect/>
-          </a:stretch>
-        </p:blipFill>
-        <p:spPr>
-          <a:xfrm>
-            <a:off x="4604632" y="3317548"/>
-            <a:ext cx="4320218" cy="435325"/>
-          </a:xfrm>
-          <a:prstGeom prst="rect">
-            <a:avLst/>
-          </a:prstGeom>
-          <a:noFill/>
-          <a:ln>
-            <a:noFill/>
-          </a:ln>
-        </p:spPr>
-      </p:pic>
-      <p:pic>
-        <p:nvPicPr>
-          <p:cNvPr id="106" name="Shape 106"/>
-          <p:cNvPicPr preferRelativeResize="0"/>
-          <p:nvPr/>
-        </p:nvPicPr>
-        <p:blipFill>
-          <a:blip r:embed="rId7">
-            <a:alphaModFix/>
-          </a:blip>
-          <a:stretch>
-            <a:fillRect/>
-          </a:stretch>
-        </p:blipFill>
-        <p:spPr>
-          <a:xfrm>
-            <a:off x="6309047" y="3818201"/>
-            <a:ext cx="739500" cy="537825"/>
-          </a:xfrm>
-          <a:prstGeom prst="rect">
-            <a:avLst/>
-          </a:prstGeom>
-          <a:noFill/>
-          <a:ln>
-            <a:noFill/>
-          </a:ln>
-        </p:spPr>
-      </p:pic>
-      <p:pic>
-        <p:nvPicPr>
-          <p:cNvPr id="107" name="Shape 107"/>
-          <p:cNvPicPr preferRelativeResize="0"/>
-          <p:nvPr/>
-        </p:nvPicPr>
-        <p:blipFill>
-          <a:blip r:embed="rId8">
-            <a:alphaModFix/>
-          </a:blip>
-          <a:stretch>
-            <a:fillRect/>
-          </a:stretch>
-        </p:blipFill>
-        <p:spPr>
-          <a:xfrm>
-            <a:off x="4604852" y="4491251"/>
-            <a:ext cx="4319763" cy="435325"/>
-          </a:xfrm>
-          <a:prstGeom prst="rect">
-            <a:avLst/>
-          </a:prstGeom>
-          <a:noFill/>
-          <a:ln>
-            <a:noFill/>
-          </a:ln>
-        </p:spPr>
-      </p:pic>
-    </p:spTree>
-  </p:cSld>
-  <p:clrMapOvr>
-    <a:masterClrMapping/>
-  </p:clrMapOvr>
-  <p:transition spd="slow">
-    <p:cut/>
-  </p:transition>
-  <p:timing>
-    <p:tnLst>
-      <p:par>
-        <p:cTn id="1" dur="indefinite" restart="never" nodeType="tmRoot">
-          <p:childTnLst>
-            <p:seq concurrent="1" nextAc="seek">
-              <p:cTn id="2" dur="indefinite" nodeType="mainSeq">
-                <p:childTnLst>
-                  <p:par>
-                    <p:cTn id="3" fill="hold">
-                      <p:stCondLst>
-                        <p:cond delay="indefinite"/>
-                      </p:stCondLst>
-                      <p:childTnLst>
-                        <p:par>
-                          <p:cTn id="4" fill="hold">
-                            <p:stCondLst>
-                              <p:cond delay="0"/>
-                            </p:stCondLst>
-                            <p:childTnLst>
-                              <p:par>
-                                <p:cTn id="5" presetID="10" presetClass="entr" presetSubtype="0" fill="hold" nodeType="clickEffect">
-                                  <p:stCondLst>
-                                    <p:cond delay="0"/>
-                                  </p:stCondLst>
-                                  <p:childTnLst>
-                                    <p:set>
-                                      <p:cBhvr>
-                                        <p:cTn id="6" dur="1" fill="hold">
-                                          <p:stCondLst>
-                                            <p:cond delay="0"/>
-                                          </p:stCondLst>
-                                        </p:cTn>
-                                        <p:tgtEl>
-                                          <p:spTgt spid="100"/>
-                                        </p:tgtEl>
-                                        <p:attrNameLst>
-                                          <p:attrName>style.visibility</p:attrName>
-                                        </p:attrNameLst>
-                                      </p:cBhvr>
-                                      <p:to>
-                                        <p:strVal val="visible"/>
-                                      </p:to>
-                                    </p:set>
-                                    <p:animEffect transition="in" filter="fade">
-                                      <p:cBhvr>
-                                        <p:cTn id="7" dur="1000"/>
-                                        <p:tgtEl>
-                                          <p:spTgt spid="100"/>
-                                        </p:tgtEl>
-                                      </p:cBhvr>
-                                    </p:animEffect>
-                                  </p:childTnLst>
-                                </p:cTn>
-                              </p:par>
-                              <p:par>
-                                <p:cTn id="8" presetID="10" presetClass="entr" presetSubtype="0" fill="hold" nodeType="withEffect">
-                                  <p:stCondLst>
-                                    <p:cond delay="0"/>
-                                  </p:stCondLst>
-                                  <p:childTnLst>
-                                    <p:set>
-                                      <p:cBhvr>
-                                        <p:cTn id="9" dur="1" fill="hold">
-                                          <p:stCondLst>
-                                            <p:cond delay="0"/>
-                                          </p:stCondLst>
-                                        </p:cTn>
-                                        <p:tgtEl>
-                                          <p:spTgt spid="102"/>
-                                        </p:tgtEl>
-                                        <p:attrNameLst>
-                                          <p:attrName>style.visibility</p:attrName>
-                                        </p:attrNameLst>
-                                      </p:cBhvr>
-                                      <p:to>
-                                        <p:strVal val="visible"/>
-                                      </p:to>
-                                    </p:set>
-                                    <p:animEffect transition="in" filter="fade">
-                                      <p:cBhvr>
-                                        <p:cTn id="10" dur="1000"/>
-                                        <p:tgtEl>
-                                          <p:spTgt spid="102"/>
-                                        </p:tgtEl>
-                                      </p:cBhvr>
-                                    </p:animEffect>
-                                  </p:childTnLst>
-                                </p:cTn>
-                              </p:par>
-                              <p:par>
-                                <p:cTn id="11" presetID="10" presetClass="entr" presetSubtype="0" fill="hold" nodeType="withEffect">
-                                  <p:stCondLst>
-                                    <p:cond delay="0"/>
-                                  </p:stCondLst>
-                                  <p:childTnLst>
-                                    <p:set>
-                                      <p:cBhvr>
-                                        <p:cTn id="12" dur="1" fill="hold">
-                                          <p:stCondLst>
-                                            <p:cond delay="0"/>
-                                          </p:stCondLst>
-                                        </p:cTn>
-                                        <p:tgtEl>
-                                          <p:spTgt spid="101"/>
-                                        </p:tgtEl>
-                                        <p:attrNameLst>
-                                          <p:attrName>style.visibility</p:attrName>
-                                        </p:attrNameLst>
-                                      </p:cBhvr>
-                                      <p:to>
-                                        <p:strVal val="visible"/>
-                                      </p:to>
-                                    </p:set>
-                                    <p:animEffect transition="in" filter="fade">
-                                      <p:cBhvr>
-                                        <p:cTn id="13" dur="1000"/>
-                                        <p:tgtEl>
-                                          <p:spTgt spid="101"/>
-                                        </p:tgtEl>
-                                      </p:cBhvr>
-                                    </p:animEffect>
-                                  </p:childTnLst>
-                                </p:cTn>
-                              </p:par>
-                            </p:childTnLst>
-                          </p:cTn>
-                        </p:par>
-                      </p:childTnLst>
-                    </p:cTn>
-                  </p:par>
-                  <p:par>
-                    <p:cTn id="14" fill="hold">
-                      <p:stCondLst>
-                        <p:cond delay="indefinite"/>
-                      </p:stCondLst>
-                      <p:childTnLst>
-                        <p:par>
-                          <p:cTn id="15" fill="hold">
-                            <p:stCondLst>
-                              <p:cond delay="0"/>
-                            </p:stCondLst>
-                            <p:childTnLst>
-                              <p:par>
-                                <p:cTn id="16" presetID="10" presetClass="entr" presetSubtype="0" fill="hold" nodeType="clickEffect">
-                                  <p:stCondLst>
-                                    <p:cond delay="0"/>
-                                  </p:stCondLst>
-                                  <p:childTnLst>
-                                    <p:set>
-                                      <p:cBhvr>
-                                        <p:cTn id="17" dur="1" fill="hold">
-                                          <p:stCondLst>
-                                            <p:cond delay="0"/>
-                                          </p:stCondLst>
-                                        </p:cTn>
-                                        <p:tgtEl>
-                                          <p:spTgt spid="103"/>
-                                        </p:tgtEl>
-                                        <p:attrNameLst>
-                                          <p:attrName>style.visibility</p:attrName>
-                                        </p:attrNameLst>
-                                      </p:cBhvr>
-                                      <p:to>
-                                        <p:strVal val="visible"/>
-                                      </p:to>
-                                    </p:set>
-                                    <p:animEffect transition="in" filter="fade">
-                                      <p:cBhvr>
-                                        <p:cTn id="18" dur="1000"/>
-                                        <p:tgtEl>
-                                          <p:spTgt spid="103"/>
-                                        </p:tgtEl>
-                                      </p:cBhvr>
-                                    </p:animEffect>
-                                  </p:childTnLst>
-                                </p:cTn>
-                              </p:par>
-                              <p:par>
-                                <p:cTn id="19" presetID="10" presetClass="entr" presetSubtype="0" fill="hold" nodeType="withEffect">
-                                  <p:stCondLst>
-                                    <p:cond delay="0"/>
-                                  </p:stCondLst>
-                                  <p:childTnLst>
-                                    <p:set>
-                                      <p:cBhvr>
-                                        <p:cTn id="20" dur="1" fill="hold">
-                                          <p:stCondLst>
-                                            <p:cond delay="0"/>
-                                          </p:stCondLst>
-                                        </p:cTn>
-                                        <p:tgtEl>
-                                          <p:spTgt spid="104"/>
-                                        </p:tgtEl>
-                                        <p:attrNameLst>
-                                          <p:attrName>style.visibility</p:attrName>
-                                        </p:attrNameLst>
-                                      </p:cBhvr>
-                                      <p:to>
-                                        <p:strVal val="visible"/>
-                                      </p:to>
-                                    </p:set>
-                                    <p:animEffect transition="in" filter="fade">
-                                      <p:cBhvr>
-                                        <p:cTn id="21" dur="1000"/>
-                                        <p:tgtEl>
-                                          <p:spTgt spid="104"/>
-                                        </p:tgtEl>
-                                      </p:cBhvr>
-                                    </p:animEffect>
-                                  </p:childTnLst>
-                                </p:cTn>
-                              </p:par>
-                              <p:par>
-                                <p:cTn id="22" presetID="10" presetClass="entr" presetSubtype="0" fill="hold" nodeType="withEffect">
-                                  <p:stCondLst>
-                                    <p:cond delay="0"/>
-                                  </p:stCondLst>
-                                  <p:childTnLst>
-                                    <p:set>
-                                      <p:cBhvr>
-                                        <p:cTn id="23" dur="1" fill="hold">
-                                          <p:stCondLst>
-                                            <p:cond delay="0"/>
-                                          </p:stCondLst>
-                                        </p:cTn>
-                                        <p:tgtEl>
-                                          <p:spTgt spid="105"/>
-                                        </p:tgtEl>
-                                        <p:attrNameLst>
-                                          <p:attrName>style.visibility</p:attrName>
-                                        </p:attrNameLst>
-                                      </p:cBhvr>
-                                      <p:to>
-                                        <p:strVal val="visible"/>
-                                      </p:to>
-                                    </p:set>
-                                    <p:animEffect transition="in" filter="fade">
-                                      <p:cBhvr>
-                                        <p:cTn id="24" dur="1000"/>
-                                        <p:tgtEl>
-                                          <p:spTgt spid="105"/>
-                                        </p:tgtEl>
-                                      </p:cBhvr>
-                                    </p:animEffect>
-                                  </p:childTnLst>
-                                </p:cTn>
-                              </p:par>
-                              <p:par>
-                                <p:cTn id="25" presetID="10" presetClass="entr" presetSubtype="0" fill="hold" nodeType="withEffect">
-                                  <p:stCondLst>
-                                    <p:cond delay="0"/>
-                                  </p:stCondLst>
-                                  <p:childTnLst>
-                                    <p:set>
-                                      <p:cBhvr>
-                                        <p:cTn id="26" dur="1" fill="hold">
-                                          <p:stCondLst>
-                                            <p:cond delay="0"/>
-                                          </p:stCondLst>
-                                        </p:cTn>
-                                        <p:tgtEl>
-                                          <p:spTgt spid="106"/>
-                                        </p:tgtEl>
-                                        <p:attrNameLst>
-                                          <p:attrName>style.visibility</p:attrName>
-                                        </p:attrNameLst>
-                                      </p:cBhvr>
-                                      <p:to>
-                                        <p:strVal val="visible"/>
-                                      </p:to>
-                                    </p:set>
-                                    <p:animEffect transition="in" filter="fade">
-                                      <p:cBhvr>
-                                        <p:cTn id="27" dur="1000"/>
-                                        <p:tgtEl>
-                                          <p:spTgt spid="106"/>
-                                        </p:tgtEl>
-                                      </p:cBhvr>
-                                    </p:animEffect>
-                                  </p:childTnLst>
-                                </p:cTn>
-                              </p:par>
-                              <p:par>
-                                <p:cTn id="28" presetID="10" presetClass="entr" presetSubtype="0" fill="hold" nodeType="withEffect">
-                                  <p:stCondLst>
-                                    <p:cond delay="0"/>
-                                  </p:stCondLst>
-                                  <p:childTnLst>
-                                    <p:set>
-                                      <p:cBhvr>
-                                        <p:cTn id="29" dur="1" fill="hold">
-                                          <p:stCondLst>
-                                            <p:cond delay="0"/>
-                                          </p:stCondLst>
-                                        </p:cTn>
-                                        <p:tgtEl>
-                                          <p:spTgt spid="107"/>
-                                        </p:tgtEl>
-                                        <p:attrNameLst>
-                                          <p:attrName>style.visibility</p:attrName>
-                                        </p:attrNameLst>
-                                      </p:cBhvr>
-                                      <p:to>
-                                        <p:strVal val="visible"/>
-                                      </p:to>
-                                    </p:set>
-                                    <p:animEffect transition="in" filter="fade">
-                                      <p:cBhvr>
-                                        <p:cTn id="30" dur="1000"/>
-                                        <p:tgtEl>
-                                          <p:spTgt spid="107"/>
-                                        </p:tgtEl>
-                                      </p:cBhvr>
-                                    </p:animEffect>
-                                  </p:childTnLst>
-                                </p:cTn>
-                              </p:par>
-                            </p:childTnLst>
-                          </p:cTn>
-                        </p:par>
-                      </p:childTnLst>
-                    </p:cTn>
-                  </p:par>
-                </p:childTnLst>
-              </p:cTn>
-              <p:prevCondLst>
-                <p:cond evt="onPrev" delay="0">
-                  <p:tgtEl>
-                    <p:sldTgt/>
-                  </p:tgtEl>
-                </p:cond>
-              </p:prevCondLst>
-              <p:nextCondLst>
-                <p:cond evt="onNext" delay="0">
-                  <p:tgtEl>
-                    <p:sldTgt/>
-                  </p:tgtEl>
-                </p:cond>
-              </p:nextCondLst>
-            </p:seq>
-          </p:childTnLst>
-        </p:cTn>
-      </p:par>
-    </p:tnLst>
-  </p:timing>
-</p:sld>
-</file>
-
-<file path=ppt/slides/slide26.xml><?xml version="1.0" encoding="utf-8"?>
-<p:sld xmlns:a="http://schemas.openxmlformats.org/drawingml/2006/main" xmlns:r="http://schemas.openxmlformats.org/officeDocument/2006/relationships" xmlns:p="http://schemas.openxmlformats.org/presentationml/2006/main">
-  <p:cSld>
-    <p:spTree>
-      <p:nvGrpSpPr>
-        <p:cNvPr id="1" name="Shape 111"/>
-        <p:cNvGrpSpPr/>
-        <p:nvPr/>
-      </p:nvGrpSpPr>
-      <p:grpSpPr>
-        <a:xfrm>
-          <a:off x="0" y="0"/>
-          <a:ext cx="0" cy="0"/>
-          <a:chOff x="0" y="0"/>
-          <a:chExt cx="0" cy="0"/>
-        </a:xfrm>
-      </p:grpSpPr>
-      <p:sp>
-        <p:nvSpPr>
-          <p:cNvPr id="112" name="Shape 112"/>
-          <p:cNvSpPr txBox="1">
-            <a:spLocks noGrp="1"/>
-          </p:cNvSpPr>
-          <p:nvPr>
-            <p:ph type="title"/>
-          </p:nvPr>
-        </p:nvSpPr>
-        <p:spPr>
-          <a:prstGeom prst="rect">
-            <a:avLst/>
-          </a:prstGeom>
-        </p:spPr>
-        <p:txBody>
-          <a:bodyPr lIns="91425" tIns="91425" rIns="91425" bIns="91425" anchor="t" anchorCtr="0">
-            <a:noAutofit/>
-          </a:bodyPr>
-          <a:lstStyle/>
-          <a:p>
-            <a:pPr lvl="0" rtl="0">
-              <a:spcBef>
-                <a:spcPts val="0"/>
-              </a:spcBef>
-              <a:buNone/>
-            </a:pPr>
-            <a:r>
-              <a:rPr lang="en" b="0" dirty="0">
-                <a:latin typeface="Verdana"/>
-                <a:ea typeface="Verdana"/>
-                <a:cs typeface="Verdana"/>
-                <a:sym typeface="Verdana"/>
-              </a:rPr>
-              <a:t>What’s next</a:t>
-            </a:r>
-            <a:r>
-              <a:rPr lang="en" b="0" dirty="0" smtClean="0">
-                <a:latin typeface="Verdana"/>
-                <a:ea typeface="Verdana"/>
-                <a:cs typeface="Verdana"/>
-                <a:sym typeface="Verdana"/>
-              </a:rPr>
-              <a:t>?</a:t>
-            </a:r>
-            <a:endParaRPr dirty="0"/>
-          </a:p>
-          <a:p>
-            <a:pPr lvl="0">
-              <a:spcBef>
-                <a:spcPts val="0"/>
-              </a:spcBef>
-              <a:buNone/>
-            </a:pPr>
-            <a:endParaRPr dirty="0"/>
-          </a:p>
-        </p:txBody>
-      </p:sp>
-      <p:sp>
-        <p:nvSpPr>
-          <p:cNvPr id="113" name="Shape 113"/>
-          <p:cNvSpPr txBox="1">
-            <a:spLocks noGrp="1"/>
-          </p:cNvSpPr>
-          <p:nvPr>
-            <p:ph type="body" idx="1"/>
-          </p:nvPr>
-        </p:nvSpPr>
-        <p:spPr>
-          <a:prstGeom prst="rect">
-            <a:avLst/>
-          </a:prstGeom>
-        </p:spPr>
-        <p:txBody>
-          <a:bodyPr lIns="91425" tIns="91425" rIns="91425" bIns="91425" anchor="t" anchorCtr="0">
-            <a:noAutofit/>
-          </a:bodyPr>
-          <a:lstStyle/>
-          <a:p>
-            <a:pPr lvl="0">
-              <a:spcBef>
-                <a:spcPts val="0"/>
-              </a:spcBef>
-              <a:buNone/>
-            </a:pPr>
-            <a:r>
-              <a:rPr lang="en" dirty="0">
-                <a:latin typeface="Verdana" panose="020B0604030504040204" pitchFamily="34" charset="0"/>
-                <a:ea typeface="Verdana" panose="020B0604030504040204" pitchFamily="34" charset="0"/>
-                <a:cs typeface="Verdana" panose="020B0604030504040204" pitchFamily="34" charset="0"/>
-              </a:rPr>
-              <a:t>Autocomplete &amp; </a:t>
-            </a:r>
-            <a:r>
-              <a:rPr lang="en" dirty="0" smtClean="0">
-                <a:latin typeface="Verdana" panose="020B0604030504040204" pitchFamily="34" charset="0"/>
-                <a:ea typeface="Verdana" panose="020B0604030504040204" pitchFamily="34" charset="0"/>
-                <a:cs typeface="Verdana" panose="020B0604030504040204" pitchFamily="34" charset="0"/>
-              </a:rPr>
-              <a:t>Autocorrect</a:t>
-            </a:r>
-          </a:p>
-          <a:p>
-            <a:pPr lvl="0">
-              <a:spcBef>
-                <a:spcPts val="0"/>
-              </a:spcBef>
-              <a:buNone/>
-            </a:pPr>
-            <a:endParaRPr lang="en" dirty="0" smtClean="0">
-              <a:latin typeface="Verdana" panose="020B0604030504040204" pitchFamily="34" charset="0"/>
-              <a:ea typeface="Verdana" panose="020B0604030504040204" pitchFamily="34" charset="0"/>
-              <a:cs typeface="Verdana" panose="020B0604030504040204" pitchFamily="34" charset="0"/>
-            </a:endParaRPr>
-          </a:p>
-          <a:p>
-            <a:r>
-              <a:rPr lang="en" dirty="0" smtClean="0">
-                <a:latin typeface="Verdana" panose="020B0604030504040204" pitchFamily="34" charset="0"/>
-                <a:ea typeface="Verdana" panose="020B0604030504040204" pitchFamily="34" charset="0"/>
-                <a:cs typeface="Verdana" panose="020B0604030504040204" pitchFamily="34" charset="0"/>
-              </a:rPr>
-              <a:t>Personalized</a:t>
-            </a:r>
-          </a:p>
-          <a:p>
-            <a:endParaRPr lang="en" dirty="0">
-              <a:latin typeface="Verdana" panose="020B0604030504040204" pitchFamily="34" charset="0"/>
-              <a:ea typeface="Verdana" panose="020B0604030504040204" pitchFamily="34" charset="0"/>
-              <a:cs typeface="Verdana" panose="020B0604030504040204" pitchFamily="34" charset="0"/>
-            </a:endParaRPr>
-          </a:p>
-        </p:txBody>
-      </p:sp>
-      <p:pic>
-        <p:nvPicPr>
-          <p:cNvPr id="114" name="Shape 114"/>
-          <p:cNvPicPr preferRelativeResize="0"/>
-          <p:nvPr/>
-        </p:nvPicPr>
-        <p:blipFill>
-          <a:blip r:embed="rId3">
-            <a:alphaModFix/>
-          </a:blip>
-          <a:stretch>
-            <a:fillRect/>
-          </a:stretch>
-        </p:blipFill>
-        <p:spPr>
-          <a:xfrm>
-            <a:off x="3491880" y="1927565"/>
-            <a:ext cx="4716049" cy="1335099"/>
-          </a:xfrm>
-          <a:prstGeom prst="rect">
-            <a:avLst/>
-          </a:prstGeom>
-          <a:noFill/>
-          <a:ln>
-            <a:noFill/>
-          </a:ln>
-        </p:spPr>
-      </p:pic>
-    </p:spTree>
-  </p:cSld>
-  <p:clrMapOvr>
-    <a:masterClrMapping/>
-  </p:clrMapOvr>
-  <p:transition spd="slow">
-    <p:cut/>
-  </p:transition>
-  <p:timing>
-    <p:tnLst>
-      <p:par>
-        <p:cTn id="1" dur="indefinite" restart="never" nodeType="tmRoot"/>
-      </p:par>
-    </p:tnLst>
-  </p:timing>
-</p:sld>
-</file>
-
-<file path=ppt/slides/slide27.xml><?xml version="1.0" encoding="utf-8"?>
-<p:sld xmlns:a="http://schemas.openxmlformats.org/drawingml/2006/main" xmlns:r="http://schemas.openxmlformats.org/officeDocument/2006/relationships" xmlns:p="http://schemas.openxmlformats.org/presentationml/2006/main">
-  <p:cSld>
-    <p:spTree>
-      <p:nvGrpSpPr>
-        <p:cNvPr id="1" name="Shape 111"/>
-        <p:cNvGrpSpPr/>
-        <p:nvPr/>
-      </p:nvGrpSpPr>
-      <p:grpSpPr>
-        <a:xfrm>
-          <a:off x="0" y="0"/>
-          <a:ext cx="0" cy="0"/>
-          <a:chOff x="0" y="0"/>
-          <a:chExt cx="0" cy="0"/>
-        </a:xfrm>
-      </p:grpSpPr>
-      <p:sp>
-        <p:nvSpPr>
-          <p:cNvPr id="112" name="Shape 112"/>
-          <p:cNvSpPr txBox="1">
-            <a:spLocks noGrp="1"/>
-          </p:cNvSpPr>
-          <p:nvPr>
-            <p:ph type="title"/>
-          </p:nvPr>
-        </p:nvSpPr>
-        <p:spPr>
-          <a:prstGeom prst="rect">
-            <a:avLst/>
-          </a:prstGeom>
-        </p:spPr>
-        <p:txBody>
-          <a:bodyPr lIns="91425" tIns="91425" rIns="91425" bIns="91425" anchor="t" anchorCtr="0">
-            <a:noAutofit/>
-          </a:bodyPr>
-          <a:lstStyle/>
-          <a:p>
-            <a:pPr lvl="0" rtl="0">
-              <a:spcBef>
-                <a:spcPts val="0"/>
-              </a:spcBef>
-              <a:buNone/>
-            </a:pPr>
-            <a:r>
-              <a:rPr lang="en" b="0" dirty="0">
-                <a:latin typeface="Verdana"/>
-                <a:ea typeface="Verdana"/>
-                <a:cs typeface="Verdana"/>
-                <a:sym typeface="Verdana"/>
-              </a:rPr>
-              <a:t>What’s next</a:t>
-            </a:r>
-            <a:r>
-              <a:rPr lang="en" b="0" dirty="0" smtClean="0">
-                <a:latin typeface="Verdana"/>
-                <a:ea typeface="Verdana"/>
-                <a:cs typeface="Verdana"/>
-                <a:sym typeface="Verdana"/>
-              </a:rPr>
-              <a:t>?</a:t>
-            </a:r>
-            <a:endParaRPr dirty="0"/>
-          </a:p>
-          <a:p>
-            <a:pPr lvl="0">
-              <a:spcBef>
-                <a:spcPts val="0"/>
-              </a:spcBef>
-              <a:buNone/>
-            </a:pPr>
-            <a:endParaRPr dirty="0"/>
-          </a:p>
-        </p:txBody>
-      </p:sp>
-      <p:sp>
-        <p:nvSpPr>
-          <p:cNvPr id="113" name="Shape 113"/>
-          <p:cNvSpPr txBox="1">
-            <a:spLocks noGrp="1"/>
-          </p:cNvSpPr>
-          <p:nvPr>
-            <p:ph type="body" idx="1"/>
-          </p:nvPr>
-        </p:nvSpPr>
-        <p:spPr>
-          <a:prstGeom prst="rect">
-            <a:avLst/>
-          </a:prstGeom>
-        </p:spPr>
-        <p:txBody>
-          <a:bodyPr lIns="91425" tIns="91425" rIns="91425" bIns="91425" anchor="t" anchorCtr="0">
-            <a:noAutofit/>
-          </a:bodyPr>
-          <a:lstStyle/>
-          <a:p>
-            <a:r>
-              <a:rPr lang="en" dirty="0" smtClean="0">
-                <a:latin typeface="Verdana" panose="020B0604030504040204" pitchFamily="34" charset="0"/>
-                <a:ea typeface="Verdana" panose="020B0604030504040204" pitchFamily="34" charset="0"/>
-                <a:cs typeface="Verdana" panose="020B0604030504040204" pitchFamily="34" charset="0"/>
-              </a:rPr>
-              <a:t>Mobile support</a:t>
-            </a:r>
-          </a:p>
-          <a:p>
-            <a:pPr marL="0" indent="0">
-              <a:buNone/>
-            </a:pPr>
-            <a:endParaRPr lang="en" dirty="0" smtClean="0">
-              <a:latin typeface="Verdana" panose="020B0604030504040204" pitchFamily="34" charset="0"/>
-              <a:ea typeface="Verdana" panose="020B0604030504040204" pitchFamily="34" charset="0"/>
-              <a:cs typeface="Verdana" panose="020B0604030504040204" pitchFamily="34" charset="0"/>
-            </a:endParaRPr>
-          </a:p>
-          <a:p>
-            <a:r>
-              <a:rPr lang="en" dirty="0" smtClean="0">
-                <a:latin typeface="Verdana" panose="020B0604030504040204" pitchFamily="34" charset="0"/>
-                <a:ea typeface="Verdana" panose="020B0604030504040204" pitchFamily="34" charset="0"/>
-                <a:cs typeface="Verdana" panose="020B0604030504040204" pitchFamily="34" charset="0"/>
-              </a:rPr>
-              <a:t>Web Application</a:t>
-            </a:r>
-          </a:p>
-          <a:p>
-            <a:pPr lvl="0">
-              <a:spcBef>
-                <a:spcPts val="0"/>
-              </a:spcBef>
-              <a:buNone/>
-            </a:pPr>
-            <a:endParaRPr lang="en" dirty="0" smtClean="0">
-              <a:latin typeface="Verdana" panose="020B0604030504040204" pitchFamily="34" charset="0"/>
-              <a:ea typeface="Verdana" panose="020B0604030504040204" pitchFamily="34" charset="0"/>
-              <a:cs typeface="Verdana" panose="020B0604030504040204" pitchFamily="34" charset="0"/>
-            </a:endParaRPr>
-          </a:p>
-          <a:p>
-            <a:pPr marL="0" indent="0">
-              <a:buNone/>
-            </a:pPr>
-            <a:endParaRPr lang="en" dirty="0">
-              <a:latin typeface="Verdana" panose="020B0604030504040204" pitchFamily="34" charset="0"/>
-              <a:ea typeface="Verdana" panose="020B0604030504040204" pitchFamily="34" charset="0"/>
-              <a:cs typeface="Verdana" panose="020B0604030504040204" pitchFamily="34" charset="0"/>
-            </a:endParaRPr>
-          </a:p>
-        </p:txBody>
-      </p:sp>
-      <p:pic>
-        <p:nvPicPr>
-          <p:cNvPr id="3074" name="Picture 2" descr="http://www.geek.com/wp-content/uploads/2011/12/showcase-phones.png"/>
-          <p:cNvPicPr>
-            <a:picLocks noChangeAspect="1" noChangeArrowheads="1"/>
-          </p:cNvPicPr>
-          <p:nvPr/>
-        </p:nvPicPr>
-        <p:blipFill>
-          <a:blip r:embed="rId3">
-            <a:extLst>
-              <a:ext uri="{28A0092B-C50C-407E-A947-70E740481C1C}">
-                <a14:useLocalDpi xmlns:a14="http://schemas.microsoft.com/office/drawing/2010/main" val="0"/>
-              </a:ext>
-            </a:extLst>
-          </a:blip>
-          <a:srcRect/>
-          <a:stretch>
-            <a:fillRect/>
-          </a:stretch>
-        </p:blipFill>
-        <p:spPr bwMode="auto">
-          <a:xfrm>
-            <a:off x="4510238" y="1077492"/>
-            <a:ext cx="4006851" cy="2466421"/>
-          </a:xfrm>
-          <a:prstGeom prst="rect">
-            <a:avLst/>
-          </a:prstGeom>
-          <a:noFill/>
-          <a:extLst>
-            <a:ext uri="{909E8E84-426E-40DD-AFC4-6F175D3DCCD1}">
-              <a14:hiddenFill xmlns:a14="http://schemas.microsoft.com/office/drawing/2010/main">
-                <a:solidFill>
-                  <a:srgbClr val="FFFFFF"/>
-                </a:solidFill>
-              </a14:hiddenFill>
-            </a:ext>
-          </a:extLst>
-        </p:spPr>
-      </p:pic>
-      <p:pic>
-        <p:nvPicPr>
-          <p:cNvPr id="3076" name="Picture 4" descr="http://royal.pingdom.com/wp-content/uploads/2011/06/browser-logos.jpeg"/>
-          <p:cNvPicPr>
-            <a:picLocks noChangeAspect="1" noChangeArrowheads="1"/>
-          </p:cNvPicPr>
-          <p:nvPr/>
-        </p:nvPicPr>
-        <p:blipFill>
-          <a:blip r:embed="rId4">
-            <a:extLst>
-              <a:ext uri="{28A0092B-C50C-407E-A947-70E740481C1C}">
-                <a14:useLocalDpi xmlns:a14="http://schemas.microsoft.com/office/drawing/2010/main" val="0"/>
-              </a:ext>
-            </a:extLst>
-          </a:blip>
-          <a:srcRect/>
-          <a:stretch>
-            <a:fillRect/>
-          </a:stretch>
-        </p:blipFill>
-        <p:spPr bwMode="auto">
-          <a:xfrm>
-            <a:off x="2627784" y="3651870"/>
-            <a:ext cx="5524500" cy="1162050"/>
-          </a:xfrm>
-          <a:prstGeom prst="rect">
-            <a:avLst/>
-          </a:prstGeom>
-          <a:noFill/>
-          <a:extLst>
-            <a:ext uri="{909E8E84-426E-40DD-AFC4-6F175D3DCCD1}">
-              <a14:hiddenFill xmlns:a14="http://schemas.microsoft.com/office/drawing/2010/main">
-                <a:solidFill>
-                  <a:srgbClr val="FFFFFF"/>
-                </a:solidFill>
-              </a14:hiddenFill>
-            </a:ext>
-          </a:extLst>
-        </p:spPr>
-      </p:pic>
-    </p:spTree>
-    <p:extLst>
-      <p:ext uri="{BB962C8B-B14F-4D97-AF65-F5344CB8AC3E}">
-        <p14:creationId xmlns:p14="http://schemas.microsoft.com/office/powerpoint/2010/main" val="2608349919"/>
-      </p:ext>
-    </p:extLst>
-  </p:cSld>
-  <p:clrMapOvr>
-    <a:masterClrMapping/>
-  </p:clrMapOvr>
-  <p:transition spd="slow">
-    <p:cut/>
-  </p:transition>
-  <p:timing>
-    <p:tnLst>
-      <p:par>
-        <p:cTn id="1" dur="indefinite" restart="never" nodeType="tmRoot">
-          <p:childTnLst>
-            <p:seq concurrent="1" nextAc="seek">
-              <p:cTn id="2" dur="indefinite" nodeType="mainSeq">
-                <p:childTnLst>
-                  <p:par>
-                    <p:cTn id="3" fill="hold">
-                      <p:stCondLst>
-                        <p:cond delay="indefinite"/>
-                      </p:stCondLst>
-                      <p:childTnLst>
-                        <p:par>
-                          <p:cTn id="4" fill="hold">
-                            <p:stCondLst>
-                              <p:cond delay="0"/>
-                            </p:stCondLst>
-                            <p:childTnLst>
-                              <p:par>
-                                <p:cTn id="5" presetID="1" presetClass="entr" presetSubtype="0" fill="hold" grpId="0" nodeType="clickEffect">
-                                  <p:stCondLst>
-                                    <p:cond delay="0"/>
-                                  </p:stCondLst>
-                                  <p:childTnLst>
-                                    <p:set>
-                                      <p:cBhvr>
-                                        <p:cTn id="6" dur="1" fill="hold">
-                                          <p:stCondLst>
-                                            <p:cond delay="0"/>
-                                          </p:stCondLst>
-                                        </p:cTn>
-                                        <p:tgtEl>
-                                          <p:spTgt spid="113">
-                                            <p:txEl>
-                                              <p:pRg st="0" end="0"/>
-                                            </p:txEl>
-                                          </p:spTgt>
-                                        </p:tgtEl>
-                                        <p:attrNameLst>
-                                          <p:attrName>style.visibility</p:attrName>
-                                        </p:attrNameLst>
-                                      </p:cBhvr>
-                                      <p:to>
-                                        <p:strVal val="visible"/>
-                                      </p:to>
-                                    </p:set>
-                                  </p:childTnLst>
-                                </p:cTn>
-                              </p:par>
-                              <p:par>
-                                <p:cTn id="7" presetID="1" presetClass="entr" presetSubtype="0" fill="hold" nodeType="withEffect">
-                                  <p:stCondLst>
-                                    <p:cond delay="0"/>
-                                  </p:stCondLst>
-                                  <p:childTnLst>
-                                    <p:set>
-                                      <p:cBhvr>
-                                        <p:cTn id="8" dur="1" fill="hold">
-                                          <p:stCondLst>
-                                            <p:cond delay="0"/>
-                                          </p:stCondLst>
-                                        </p:cTn>
-                                        <p:tgtEl>
-                                          <p:spTgt spid="3074"/>
-                                        </p:tgtEl>
-                                        <p:attrNameLst>
-                                          <p:attrName>style.visibility</p:attrName>
-                                        </p:attrNameLst>
-                                      </p:cBhvr>
-                                      <p:to>
-                                        <p:strVal val="visible"/>
-                                      </p:to>
-                                    </p:set>
-                                  </p:childTnLst>
-                                </p:cTn>
-                              </p:par>
-                            </p:childTnLst>
-                          </p:cTn>
-                        </p:par>
-                      </p:childTnLst>
-                    </p:cTn>
-                  </p:par>
-                  <p:par>
-                    <p:cTn id="9" fill="hold">
-                      <p:stCondLst>
-                        <p:cond delay="indefinite"/>
-                      </p:stCondLst>
-                      <p:childTnLst>
-                        <p:par>
-                          <p:cTn id="10" fill="hold">
-                            <p:stCondLst>
-                              <p:cond delay="0"/>
-                            </p:stCondLst>
-                            <p:childTnLst>
-                              <p:par>
-                                <p:cTn id="11" presetID="1" presetClass="entr" presetSubtype="0" fill="hold" grpId="0" nodeType="clickEffect">
-                                  <p:stCondLst>
-                                    <p:cond delay="0"/>
-                                  </p:stCondLst>
-                                  <p:childTnLst>
-                                    <p:set>
-                                      <p:cBhvr>
-                                        <p:cTn id="12" dur="1" fill="hold">
-                                          <p:stCondLst>
-                                            <p:cond delay="0"/>
-                                          </p:stCondLst>
-                                        </p:cTn>
-                                        <p:tgtEl>
-                                          <p:spTgt spid="113">
-                                            <p:txEl>
-                                              <p:pRg st="2" end="2"/>
-                                            </p:txEl>
-                                          </p:spTgt>
-                                        </p:tgtEl>
-                                        <p:attrNameLst>
-                                          <p:attrName>style.visibility</p:attrName>
-                                        </p:attrNameLst>
-                                      </p:cBhvr>
-                                      <p:to>
-                                        <p:strVal val="visible"/>
-                                      </p:to>
-                                    </p:set>
-                                  </p:childTnLst>
-                                </p:cTn>
-                              </p:par>
-                              <p:par>
-                                <p:cTn id="13" presetID="1" presetClass="entr" presetSubtype="0" fill="hold" nodeType="withEffect">
-                                  <p:stCondLst>
-                                    <p:cond delay="0"/>
-                                  </p:stCondLst>
-                                  <p:childTnLst>
-                                    <p:set>
-                                      <p:cBhvr>
-                                        <p:cTn id="14" dur="1" fill="hold">
-                                          <p:stCondLst>
-                                            <p:cond delay="0"/>
-                                          </p:stCondLst>
-                                        </p:cTn>
-                                        <p:tgtEl>
-                                          <p:spTgt spid="3076"/>
-                                        </p:tgtEl>
-                                        <p:attrNameLst>
-                                          <p:attrName>style.visibility</p:attrName>
-                                        </p:attrNameLst>
-                                      </p:cBhvr>
-                                      <p:to>
-                                        <p:strVal val="visible"/>
-                                      </p:to>
-                                    </p:set>
-                                  </p:childTnLst>
-                                </p:cTn>
-                              </p:par>
-                            </p:childTnLst>
-                          </p:cTn>
-                        </p:par>
-                      </p:childTnLst>
-                    </p:cTn>
-                  </p:par>
-                </p:childTnLst>
-              </p:cTn>
-              <p:prevCondLst>
-                <p:cond evt="onPrev" delay="0">
-                  <p:tgtEl>
-                    <p:sldTgt/>
-                  </p:tgtEl>
-                </p:cond>
-              </p:prevCondLst>
-              <p:nextCondLst>
-                <p:cond evt="onNext" delay="0">
-                  <p:tgtEl>
-                    <p:sldTgt/>
-                  </p:tgtEl>
-                </p:cond>
-              </p:nextCondLst>
-            </p:seq>
-          </p:childTnLst>
-        </p:cTn>
-      </p:par>
-    </p:tnLst>
-    <p:bldLst>
-      <p:bldP spid="113" grpId="0" uiExpand="1" build="p"/>
-    </p:bldLst>
-  </p:timing>
-</p:sld>
-</file>
-
-<file path=ppt/slides/slide28.xml><?xml version="1.0" encoding="utf-8"?>
-<p:sld xmlns:a="http://schemas.openxmlformats.org/drawingml/2006/main" xmlns:r="http://schemas.openxmlformats.org/officeDocument/2006/relationships" xmlns:p="http://schemas.openxmlformats.org/presentationml/2006/main">
-  <p:cSld>
-    <p:spTree>
-      <p:nvGrpSpPr>
-        <p:cNvPr id="1" name="Shape 118"/>
-        <p:cNvGrpSpPr/>
-        <p:nvPr/>
-      </p:nvGrpSpPr>
-      <p:grpSpPr>
-        <a:xfrm>
-          <a:off x="0" y="0"/>
-          <a:ext cx="0" cy="0"/>
-          <a:chOff x="0" y="0"/>
-          <a:chExt cx="0" cy="0"/>
-        </a:xfrm>
-      </p:grpSpPr>
-      <p:sp>
-        <p:nvSpPr>
-          <p:cNvPr id="119" name="Shape 119"/>
-          <p:cNvSpPr txBox="1">
-            <a:spLocks noGrp="1"/>
-          </p:cNvSpPr>
-          <p:nvPr>
-            <p:ph type="title"/>
-          </p:nvPr>
-        </p:nvSpPr>
-        <p:spPr>
-          <a:prstGeom prst="rect">
-            <a:avLst/>
-          </a:prstGeom>
-        </p:spPr>
-        <p:txBody>
-          <a:bodyPr lIns="91425" tIns="91425" rIns="91425" bIns="91425" anchor="t" anchorCtr="0">
-            <a:noAutofit/>
-          </a:bodyPr>
-          <a:lstStyle/>
-          <a:p>
-            <a:pPr lvl="0">
-              <a:spcBef>
-                <a:spcPts val="0"/>
-              </a:spcBef>
-              <a:buNone/>
-            </a:pPr>
-            <a:r>
-              <a:rPr lang="en" b="0" dirty="0">
-                <a:latin typeface="Verdana"/>
-                <a:ea typeface="Verdana"/>
-                <a:cs typeface="Verdana"/>
-                <a:sym typeface="Verdana"/>
-              </a:rPr>
-              <a:t>Questions?</a:t>
-            </a:r>
-          </a:p>
-        </p:txBody>
-      </p:sp>
-      <p:sp>
-        <p:nvSpPr>
-          <p:cNvPr id="120" name="Shape 120"/>
-          <p:cNvSpPr txBox="1">
-            <a:spLocks noGrp="1"/>
-          </p:cNvSpPr>
-          <p:nvPr>
-            <p:ph type="body" idx="1"/>
-          </p:nvPr>
-        </p:nvSpPr>
-        <p:spPr>
-          <a:prstGeom prst="rect">
-            <a:avLst/>
-          </a:prstGeom>
-        </p:spPr>
-        <p:txBody>
-          <a:bodyPr lIns="91425" tIns="91425" rIns="91425" bIns="91425" anchor="t" anchorCtr="0">
-            <a:noAutofit/>
-          </a:bodyPr>
-          <a:lstStyle/>
-          <a:p>
-            <a:pPr lvl="0" rtl="0">
-              <a:spcBef>
-                <a:spcPts val="0"/>
-              </a:spcBef>
-              <a:buNone/>
-            </a:pPr>
-            <a:endParaRPr dirty="0"/>
-          </a:p>
-        </p:txBody>
-      </p:sp>
-    </p:spTree>
-  </p:cSld>
-  <p:clrMapOvr>
-    <a:masterClrMapping/>
-  </p:clrMapOvr>
-  <p:transition spd="slow">
-    <p:cut/>
-  </p:transition>
-  <p:timing>
-    <p:tnLst>
-      <p:par>
-        <p:cTn id="1" dur="indefinite" restart="never" nodeType="tmRoot"/>
-      </p:par>
-    </p:tnLst>
-  </p:timing>
-</p:sld>
-</file>
-
 <file path=ppt/slides/slide3.xml><?xml version="1.0" encoding="utf-8"?>
 <p:sld xmlns:a="http://schemas.openxmlformats.org/drawingml/2006/main" xmlns:r="http://schemas.openxmlformats.org/officeDocument/2006/relationships" xmlns:p="http://schemas.openxmlformats.org/presentationml/2006/main">
   <p:cSld>
@@ -16161,13 +15617,13 @@
   <p:clrMapOvr>
     <a:masterClrMapping/>
   </p:clrMapOvr>
-  <mc:AlternateContent xmlns:mc="http://schemas.openxmlformats.org/markup-compatibility/2006">
-    <mc:Choice xmlns:p14="http://schemas.microsoft.com/office/powerpoint/2010/main" Requires="p14">
+  <mc:AlternateContent xmlns:mc="http://schemas.openxmlformats.org/markup-compatibility/2006" xmlns:p14="http://schemas.microsoft.com/office/powerpoint/2010/main">
+    <mc:Choice Requires="p14">
       <p:transition spd="med" p14:dur="700">
         <p:fade/>
       </p:transition>
     </mc:Choice>
-    <mc:Fallback>
+    <mc:Fallback xmlns="">
       <p:transition spd="med">
         <p:fade/>
       </p:transition>
@@ -16854,6 +16310,1416 @@
 </p:sld>
 </file>
 
+<file path=ppt/slides/slide30.xml><?xml version="1.0" encoding="utf-8"?>
+<p:sld xmlns:a="http://schemas.openxmlformats.org/drawingml/2006/main" xmlns:r="http://schemas.openxmlformats.org/officeDocument/2006/relationships" xmlns:p="http://schemas.openxmlformats.org/presentationml/2006/main">
+  <p:cSld>
+    <p:spTree>
+      <p:nvGrpSpPr>
+        <p:cNvPr id="1" name="Shape 98"/>
+        <p:cNvGrpSpPr/>
+        <p:nvPr/>
+      </p:nvGrpSpPr>
+      <p:grpSpPr>
+        <a:xfrm>
+          <a:off x="0" y="0"/>
+          <a:ext cx="0" cy="0"/>
+          <a:chOff x="0" y="0"/>
+          <a:chExt cx="0" cy="0"/>
+        </a:xfrm>
+      </p:grpSpPr>
+      <p:sp>
+        <p:nvSpPr>
+          <p:cNvPr id="2" name="Title 1"/>
+          <p:cNvSpPr>
+            <a:spLocks noGrp="1"/>
+          </p:cNvSpPr>
+          <p:nvPr>
+            <p:ph type="title"/>
+          </p:nvPr>
+        </p:nvSpPr>
+        <p:spPr/>
+        <p:txBody>
+          <a:bodyPr>
+            <a:normAutofit fontScale="90000"/>
+          </a:bodyPr>
+          <a:lstStyle/>
+          <a:p>
+            <a:pPr lvl="0"/>
+            <a:r>
+              <a:rPr lang="en-SG" sz="4400" b="0" dirty="0">
+                <a:latin typeface="Verdana"/>
+                <a:ea typeface="Verdana"/>
+                <a:cs typeface="Verdana"/>
+                <a:sym typeface="Verdana"/>
+              </a:rPr>
+              <a:t>What’s next</a:t>
+            </a:r>
+            <a:r>
+              <a:rPr lang="en-SG" sz="4400" b="0" dirty="0" smtClean="0">
+                <a:latin typeface="Verdana"/>
+                <a:ea typeface="Verdana"/>
+                <a:cs typeface="Verdana"/>
+                <a:sym typeface="Verdana"/>
+              </a:rPr>
+              <a:t>?</a:t>
+            </a:r>
+            <a:endParaRPr lang="en-SG" b="0" dirty="0"/>
+          </a:p>
+        </p:txBody>
+      </p:sp>
+      <p:sp>
+        <p:nvSpPr>
+          <p:cNvPr id="100" name="Shape 100"/>
+          <p:cNvSpPr txBox="1">
+            <a:spLocks noGrp="1"/>
+          </p:cNvSpPr>
+          <p:nvPr>
+            <p:ph type="body" idx="1"/>
+          </p:nvPr>
+        </p:nvSpPr>
+        <p:spPr>
+          <a:xfrm>
+            <a:off x="311700" y="1228675"/>
+            <a:ext cx="2100060" cy="481200"/>
+          </a:xfrm>
+          <a:prstGeom prst="rect">
+            <a:avLst/>
+          </a:prstGeom>
+        </p:spPr>
+        <p:txBody>
+          <a:bodyPr lIns="91425" tIns="91425" rIns="91425" bIns="91425" anchor="t" anchorCtr="0">
+            <a:noAutofit/>
+          </a:bodyPr>
+          <a:lstStyle/>
+          <a:p>
+            <a:pPr lvl="0">
+              <a:spcBef>
+                <a:spcPts val="0"/>
+              </a:spcBef>
+              <a:buNone/>
+            </a:pPr>
+            <a:r>
+              <a:rPr lang="en" dirty="0">
+                <a:latin typeface="Verdana" panose="020B0604030504040204" pitchFamily="34" charset="0"/>
+                <a:ea typeface="Verdana" panose="020B0604030504040204" pitchFamily="34" charset="0"/>
+                <a:cs typeface="Verdana" panose="020B0604030504040204" pitchFamily="34" charset="0"/>
+              </a:rPr>
+              <a:t>Notifications</a:t>
+            </a:r>
+            <a:r>
+              <a:rPr lang="en" dirty="0"/>
+              <a:t> </a:t>
+            </a:r>
+          </a:p>
+        </p:txBody>
+      </p:sp>
+      <p:sp>
+        <p:nvSpPr>
+          <p:cNvPr id="103" name="Shape 103"/>
+          <p:cNvSpPr txBox="1">
+            <a:spLocks noGrp="1"/>
+          </p:cNvSpPr>
+          <p:nvPr>
+            <p:ph type="body" idx="4294967295"/>
+          </p:nvPr>
+        </p:nvSpPr>
+        <p:spPr>
+          <a:xfrm>
+            <a:off x="0" y="1774825"/>
+            <a:ext cx="1993900" cy="481013"/>
+          </a:xfrm>
+          <a:prstGeom prst="rect">
+            <a:avLst/>
+          </a:prstGeom>
+        </p:spPr>
+        <p:txBody>
+          <a:bodyPr lIns="91425" tIns="91425" rIns="91425" bIns="91425" anchor="t" anchorCtr="0">
+            <a:noAutofit/>
+          </a:bodyPr>
+          <a:lstStyle/>
+          <a:p>
+            <a:pPr lvl="0" rtl="0">
+              <a:spcBef>
+                <a:spcPts val="0"/>
+              </a:spcBef>
+              <a:buNone/>
+            </a:pPr>
+            <a:r>
+              <a:rPr lang="en" dirty="0" smtClean="0">
+                <a:latin typeface="Verdana" panose="020B0604030504040204" pitchFamily="34" charset="0"/>
+                <a:ea typeface="Verdana" panose="020B0604030504040204" pitchFamily="34" charset="0"/>
+                <a:cs typeface="Verdana" panose="020B0604030504040204" pitchFamily="34" charset="0"/>
+              </a:rPr>
+              <a:t>	 Encryption</a:t>
+            </a:r>
+            <a:r>
+              <a:rPr lang="en" dirty="0" smtClean="0"/>
+              <a:t> </a:t>
+            </a:r>
+            <a:endParaRPr lang="en" dirty="0"/>
+          </a:p>
+        </p:txBody>
+      </p:sp>
+      <p:pic>
+        <p:nvPicPr>
+          <p:cNvPr id="101" name="Shape 101"/>
+          <p:cNvPicPr preferRelativeResize="0"/>
+          <p:nvPr/>
+        </p:nvPicPr>
+        <p:blipFill>
+          <a:blip r:embed="rId3">
+            <a:alphaModFix/>
+          </a:blip>
+          <a:stretch>
+            <a:fillRect/>
+          </a:stretch>
+        </p:blipFill>
+        <p:spPr>
+          <a:xfrm>
+            <a:off x="5302925" y="1371913"/>
+            <a:ext cx="3143250" cy="1285875"/>
+          </a:xfrm>
+          <a:prstGeom prst="rect">
+            <a:avLst/>
+          </a:prstGeom>
+          <a:noFill/>
+          <a:ln>
+            <a:noFill/>
+          </a:ln>
+        </p:spPr>
+      </p:pic>
+      <p:pic>
+        <p:nvPicPr>
+          <p:cNvPr id="102" name="Shape 102"/>
+          <p:cNvPicPr preferRelativeResize="0"/>
+          <p:nvPr/>
+        </p:nvPicPr>
+        <p:blipFill>
+          <a:blip r:embed="rId4">
+            <a:alphaModFix/>
+          </a:blip>
+          <a:stretch>
+            <a:fillRect/>
+          </a:stretch>
+        </p:blipFill>
+        <p:spPr>
+          <a:xfrm>
+            <a:off x="2981799" y="1371926"/>
+            <a:ext cx="1773800" cy="1501349"/>
+          </a:xfrm>
+          <a:prstGeom prst="rect">
+            <a:avLst/>
+          </a:prstGeom>
+          <a:noFill/>
+          <a:ln>
+            <a:noFill/>
+          </a:ln>
+        </p:spPr>
+      </p:pic>
+      <p:pic>
+        <p:nvPicPr>
+          <p:cNvPr id="104" name="Shape 104"/>
+          <p:cNvPicPr preferRelativeResize="0"/>
+          <p:nvPr/>
+        </p:nvPicPr>
+        <p:blipFill>
+          <a:blip r:embed="rId5">
+            <a:alphaModFix/>
+          </a:blip>
+          <a:stretch>
+            <a:fillRect/>
+          </a:stretch>
+        </p:blipFill>
+        <p:spPr>
+          <a:xfrm>
+            <a:off x="2718000" y="3363887"/>
+            <a:ext cx="1446450" cy="1446450"/>
+          </a:xfrm>
+          <a:prstGeom prst="rect">
+            <a:avLst/>
+          </a:prstGeom>
+          <a:noFill/>
+          <a:ln>
+            <a:noFill/>
+          </a:ln>
+        </p:spPr>
+      </p:pic>
+      <p:pic>
+        <p:nvPicPr>
+          <p:cNvPr id="105" name="Shape 105"/>
+          <p:cNvPicPr preferRelativeResize="0"/>
+          <p:nvPr/>
+        </p:nvPicPr>
+        <p:blipFill>
+          <a:blip r:embed="rId6">
+            <a:alphaModFix/>
+          </a:blip>
+          <a:stretch>
+            <a:fillRect/>
+          </a:stretch>
+        </p:blipFill>
+        <p:spPr>
+          <a:xfrm>
+            <a:off x="4604632" y="3317548"/>
+            <a:ext cx="4320218" cy="435325"/>
+          </a:xfrm>
+          <a:prstGeom prst="rect">
+            <a:avLst/>
+          </a:prstGeom>
+          <a:noFill/>
+          <a:ln>
+            <a:noFill/>
+          </a:ln>
+        </p:spPr>
+      </p:pic>
+      <p:pic>
+        <p:nvPicPr>
+          <p:cNvPr id="106" name="Shape 106"/>
+          <p:cNvPicPr preferRelativeResize="0"/>
+          <p:nvPr/>
+        </p:nvPicPr>
+        <p:blipFill>
+          <a:blip r:embed="rId7">
+            <a:alphaModFix/>
+          </a:blip>
+          <a:stretch>
+            <a:fillRect/>
+          </a:stretch>
+        </p:blipFill>
+        <p:spPr>
+          <a:xfrm>
+            <a:off x="6309047" y="3818201"/>
+            <a:ext cx="739500" cy="537825"/>
+          </a:xfrm>
+          <a:prstGeom prst="rect">
+            <a:avLst/>
+          </a:prstGeom>
+          <a:noFill/>
+          <a:ln>
+            <a:noFill/>
+          </a:ln>
+        </p:spPr>
+      </p:pic>
+      <p:pic>
+        <p:nvPicPr>
+          <p:cNvPr id="107" name="Shape 107"/>
+          <p:cNvPicPr preferRelativeResize="0"/>
+          <p:nvPr/>
+        </p:nvPicPr>
+        <p:blipFill>
+          <a:blip r:embed="rId8">
+            <a:alphaModFix/>
+          </a:blip>
+          <a:stretch>
+            <a:fillRect/>
+          </a:stretch>
+        </p:blipFill>
+        <p:spPr>
+          <a:xfrm>
+            <a:off x="4604852" y="4491251"/>
+            <a:ext cx="4319763" cy="435325"/>
+          </a:xfrm>
+          <a:prstGeom prst="rect">
+            <a:avLst/>
+          </a:prstGeom>
+          <a:noFill/>
+          <a:ln>
+            <a:noFill/>
+          </a:ln>
+        </p:spPr>
+      </p:pic>
+    </p:spTree>
+  </p:cSld>
+  <p:clrMapOvr>
+    <a:masterClrMapping/>
+  </p:clrMapOvr>
+  <p:transition spd="slow">
+    <p:cut/>
+  </p:transition>
+  <p:timing>
+    <p:tnLst>
+      <p:par>
+        <p:cTn id="1" dur="indefinite" restart="never" nodeType="tmRoot">
+          <p:childTnLst>
+            <p:seq concurrent="1" nextAc="seek">
+              <p:cTn id="2" dur="indefinite" nodeType="mainSeq">
+                <p:childTnLst>
+                  <p:par>
+                    <p:cTn id="3" fill="hold">
+                      <p:stCondLst>
+                        <p:cond delay="indefinite"/>
+                      </p:stCondLst>
+                      <p:childTnLst>
+                        <p:par>
+                          <p:cTn id="4" fill="hold">
+                            <p:stCondLst>
+                              <p:cond delay="0"/>
+                            </p:stCondLst>
+                            <p:childTnLst>
+                              <p:par>
+                                <p:cTn id="5" presetID="10" presetClass="entr" presetSubtype="0" fill="hold" nodeType="clickEffect">
+                                  <p:stCondLst>
+                                    <p:cond delay="0"/>
+                                  </p:stCondLst>
+                                  <p:childTnLst>
+                                    <p:set>
+                                      <p:cBhvr>
+                                        <p:cTn id="6" dur="1" fill="hold">
+                                          <p:stCondLst>
+                                            <p:cond delay="0"/>
+                                          </p:stCondLst>
+                                        </p:cTn>
+                                        <p:tgtEl>
+                                          <p:spTgt spid="100"/>
+                                        </p:tgtEl>
+                                        <p:attrNameLst>
+                                          <p:attrName>style.visibility</p:attrName>
+                                        </p:attrNameLst>
+                                      </p:cBhvr>
+                                      <p:to>
+                                        <p:strVal val="visible"/>
+                                      </p:to>
+                                    </p:set>
+                                    <p:animEffect transition="in" filter="fade">
+                                      <p:cBhvr>
+                                        <p:cTn id="7" dur="1000"/>
+                                        <p:tgtEl>
+                                          <p:spTgt spid="100"/>
+                                        </p:tgtEl>
+                                      </p:cBhvr>
+                                    </p:animEffect>
+                                  </p:childTnLst>
+                                </p:cTn>
+                              </p:par>
+                              <p:par>
+                                <p:cTn id="8" presetID="10" presetClass="entr" presetSubtype="0" fill="hold" nodeType="withEffect">
+                                  <p:stCondLst>
+                                    <p:cond delay="0"/>
+                                  </p:stCondLst>
+                                  <p:childTnLst>
+                                    <p:set>
+                                      <p:cBhvr>
+                                        <p:cTn id="9" dur="1" fill="hold">
+                                          <p:stCondLst>
+                                            <p:cond delay="0"/>
+                                          </p:stCondLst>
+                                        </p:cTn>
+                                        <p:tgtEl>
+                                          <p:spTgt spid="102"/>
+                                        </p:tgtEl>
+                                        <p:attrNameLst>
+                                          <p:attrName>style.visibility</p:attrName>
+                                        </p:attrNameLst>
+                                      </p:cBhvr>
+                                      <p:to>
+                                        <p:strVal val="visible"/>
+                                      </p:to>
+                                    </p:set>
+                                    <p:animEffect transition="in" filter="fade">
+                                      <p:cBhvr>
+                                        <p:cTn id="10" dur="1000"/>
+                                        <p:tgtEl>
+                                          <p:spTgt spid="102"/>
+                                        </p:tgtEl>
+                                      </p:cBhvr>
+                                    </p:animEffect>
+                                  </p:childTnLst>
+                                </p:cTn>
+                              </p:par>
+                              <p:par>
+                                <p:cTn id="11" presetID="10" presetClass="entr" presetSubtype="0" fill="hold" nodeType="withEffect">
+                                  <p:stCondLst>
+                                    <p:cond delay="0"/>
+                                  </p:stCondLst>
+                                  <p:childTnLst>
+                                    <p:set>
+                                      <p:cBhvr>
+                                        <p:cTn id="12" dur="1" fill="hold">
+                                          <p:stCondLst>
+                                            <p:cond delay="0"/>
+                                          </p:stCondLst>
+                                        </p:cTn>
+                                        <p:tgtEl>
+                                          <p:spTgt spid="101"/>
+                                        </p:tgtEl>
+                                        <p:attrNameLst>
+                                          <p:attrName>style.visibility</p:attrName>
+                                        </p:attrNameLst>
+                                      </p:cBhvr>
+                                      <p:to>
+                                        <p:strVal val="visible"/>
+                                      </p:to>
+                                    </p:set>
+                                    <p:animEffect transition="in" filter="fade">
+                                      <p:cBhvr>
+                                        <p:cTn id="13" dur="1000"/>
+                                        <p:tgtEl>
+                                          <p:spTgt spid="101"/>
+                                        </p:tgtEl>
+                                      </p:cBhvr>
+                                    </p:animEffect>
+                                  </p:childTnLst>
+                                </p:cTn>
+                              </p:par>
+                            </p:childTnLst>
+                          </p:cTn>
+                        </p:par>
+                      </p:childTnLst>
+                    </p:cTn>
+                  </p:par>
+                  <p:par>
+                    <p:cTn id="14" fill="hold">
+                      <p:stCondLst>
+                        <p:cond delay="indefinite"/>
+                      </p:stCondLst>
+                      <p:childTnLst>
+                        <p:par>
+                          <p:cTn id="15" fill="hold">
+                            <p:stCondLst>
+                              <p:cond delay="0"/>
+                            </p:stCondLst>
+                            <p:childTnLst>
+                              <p:par>
+                                <p:cTn id="16" presetID="10" presetClass="entr" presetSubtype="0" fill="hold" nodeType="clickEffect">
+                                  <p:stCondLst>
+                                    <p:cond delay="0"/>
+                                  </p:stCondLst>
+                                  <p:childTnLst>
+                                    <p:set>
+                                      <p:cBhvr>
+                                        <p:cTn id="17" dur="1" fill="hold">
+                                          <p:stCondLst>
+                                            <p:cond delay="0"/>
+                                          </p:stCondLst>
+                                        </p:cTn>
+                                        <p:tgtEl>
+                                          <p:spTgt spid="103"/>
+                                        </p:tgtEl>
+                                        <p:attrNameLst>
+                                          <p:attrName>style.visibility</p:attrName>
+                                        </p:attrNameLst>
+                                      </p:cBhvr>
+                                      <p:to>
+                                        <p:strVal val="visible"/>
+                                      </p:to>
+                                    </p:set>
+                                    <p:animEffect transition="in" filter="fade">
+                                      <p:cBhvr>
+                                        <p:cTn id="18" dur="1000"/>
+                                        <p:tgtEl>
+                                          <p:spTgt spid="103"/>
+                                        </p:tgtEl>
+                                      </p:cBhvr>
+                                    </p:animEffect>
+                                  </p:childTnLst>
+                                </p:cTn>
+                              </p:par>
+                              <p:par>
+                                <p:cTn id="19" presetID="10" presetClass="entr" presetSubtype="0" fill="hold" nodeType="withEffect">
+                                  <p:stCondLst>
+                                    <p:cond delay="0"/>
+                                  </p:stCondLst>
+                                  <p:childTnLst>
+                                    <p:set>
+                                      <p:cBhvr>
+                                        <p:cTn id="20" dur="1" fill="hold">
+                                          <p:stCondLst>
+                                            <p:cond delay="0"/>
+                                          </p:stCondLst>
+                                        </p:cTn>
+                                        <p:tgtEl>
+                                          <p:spTgt spid="104"/>
+                                        </p:tgtEl>
+                                        <p:attrNameLst>
+                                          <p:attrName>style.visibility</p:attrName>
+                                        </p:attrNameLst>
+                                      </p:cBhvr>
+                                      <p:to>
+                                        <p:strVal val="visible"/>
+                                      </p:to>
+                                    </p:set>
+                                    <p:animEffect transition="in" filter="fade">
+                                      <p:cBhvr>
+                                        <p:cTn id="21" dur="1000"/>
+                                        <p:tgtEl>
+                                          <p:spTgt spid="104"/>
+                                        </p:tgtEl>
+                                      </p:cBhvr>
+                                    </p:animEffect>
+                                  </p:childTnLst>
+                                </p:cTn>
+                              </p:par>
+                              <p:par>
+                                <p:cTn id="22" presetID="10" presetClass="entr" presetSubtype="0" fill="hold" nodeType="withEffect">
+                                  <p:stCondLst>
+                                    <p:cond delay="0"/>
+                                  </p:stCondLst>
+                                  <p:childTnLst>
+                                    <p:set>
+                                      <p:cBhvr>
+                                        <p:cTn id="23" dur="1" fill="hold">
+                                          <p:stCondLst>
+                                            <p:cond delay="0"/>
+                                          </p:stCondLst>
+                                        </p:cTn>
+                                        <p:tgtEl>
+                                          <p:spTgt spid="105"/>
+                                        </p:tgtEl>
+                                        <p:attrNameLst>
+                                          <p:attrName>style.visibility</p:attrName>
+                                        </p:attrNameLst>
+                                      </p:cBhvr>
+                                      <p:to>
+                                        <p:strVal val="visible"/>
+                                      </p:to>
+                                    </p:set>
+                                    <p:animEffect transition="in" filter="fade">
+                                      <p:cBhvr>
+                                        <p:cTn id="24" dur="1000"/>
+                                        <p:tgtEl>
+                                          <p:spTgt spid="105"/>
+                                        </p:tgtEl>
+                                      </p:cBhvr>
+                                    </p:animEffect>
+                                  </p:childTnLst>
+                                </p:cTn>
+                              </p:par>
+                              <p:par>
+                                <p:cTn id="25" presetID="10" presetClass="entr" presetSubtype="0" fill="hold" nodeType="withEffect">
+                                  <p:stCondLst>
+                                    <p:cond delay="0"/>
+                                  </p:stCondLst>
+                                  <p:childTnLst>
+                                    <p:set>
+                                      <p:cBhvr>
+                                        <p:cTn id="26" dur="1" fill="hold">
+                                          <p:stCondLst>
+                                            <p:cond delay="0"/>
+                                          </p:stCondLst>
+                                        </p:cTn>
+                                        <p:tgtEl>
+                                          <p:spTgt spid="106"/>
+                                        </p:tgtEl>
+                                        <p:attrNameLst>
+                                          <p:attrName>style.visibility</p:attrName>
+                                        </p:attrNameLst>
+                                      </p:cBhvr>
+                                      <p:to>
+                                        <p:strVal val="visible"/>
+                                      </p:to>
+                                    </p:set>
+                                    <p:animEffect transition="in" filter="fade">
+                                      <p:cBhvr>
+                                        <p:cTn id="27" dur="1000"/>
+                                        <p:tgtEl>
+                                          <p:spTgt spid="106"/>
+                                        </p:tgtEl>
+                                      </p:cBhvr>
+                                    </p:animEffect>
+                                  </p:childTnLst>
+                                </p:cTn>
+                              </p:par>
+                              <p:par>
+                                <p:cTn id="28" presetID="10" presetClass="entr" presetSubtype="0" fill="hold" nodeType="withEffect">
+                                  <p:stCondLst>
+                                    <p:cond delay="0"/>
+                                  </p:stCondLst>
+                                  <p:childTnLst>
+                                    <p:set>
+                                      <p:cBhvr>
+                                        <p:cTn id="29" dur="1" fill="hold">
+                                          <p:stCondLst>
+                                            <p:cond delay="0"/>
+                                          </p:stCondLst>
+                                        </p:cTn>
+                                        <p:tgtEl>
+                                          <p:spTgt spid="107"/>
+                                        </p:tgtEl>
+                                        <p:attrNameLst>
+                                          <p:attrName>style.visibility</p:attrName>
+                                        </p:attrNameLst>
+                                      </p:cBhvr>
+                                      <p:to>
+                                        <p:strVal val="visible"/>
+                                      </p:to>
+                                    </p:set>
+                                    <p:animEffect transition="in" filter="fade">
+                                      <p:cBhvr>
+                                        <p:cTn id="30" dur="1000"/>
+                                        <p:tgtEl>
+                                          <p:spTgt spid="107"/>
+                                        </p:tgtEl>
+                                      </p:cBhvr>
+                                    </p:animEffect>
+                                  </p:childTnLst>
+                                </p:cTn>
+                              </p:par>
+                            </p:childTnLst>
+                          </p:cTn>
+                        </p:par>
+                      </p:childTnLst>
+                    </p:cTn>
+                  </p:par>
+                </p:childTnLst>
+              </p:cTn>
+              <p:prevCondLst>
+                <p:cond evt="onPrev" delay="0">
+                  <p:tgtEl>
+                    <p:sldTgt/>
+                  </p:tgtEl>
+                </p:cond>
+              </p:prevCondLst>
+              <p:nextCondLst>
+                <p:cond evt="onNext" delay="0">
+                  <p:tgtEl>
+                    <p:sldTgt/>
+                  </p:tgtEl>
+                </p:cond>
+              </p:nextCondLst>
+            </p:seq>
+          </p:childTnLst>
+        </p:cTn>
+      </p:par>
+    </p:tnLst>
+  </p:timing>
+</p:sld>
+</file>
+
+<file path=ppt/slides/slide31.xml><?xml version="1.0" encoding="utf-8"?>
+<p:sld xmlns:a="http://schemas.openxmlformats.org/drawingml/2006/main" xmlns:r="http://schemas.openxmlformats.org/officeDocument/2006/relationships" xmlns:p="http://schemas.openxmlformats.org/presentationml/2006/main">
+  <p:cSld>
+    <p:spTree>
+      <p:nvGrpSpPr>
+        <p:cNvPr id="1" name="Shape 111"/>
+        <p:cNvGrpSpPr/>
+        <p:nvPr/>
+      </p:nvGrpSpPr>
+      <p:grpSpPr>
+        <a:xfrm>
+          <a:off x="0" y="0"/>
+          <a:ext cx="0" cy="0"/>
+          <a:chOff x="0" y="0"/>
+          <a:chExt cx="0" cy="0"/>
+        </a:xfrm>
+      </p:grpSpPr>
+      <p:sp>
+        <p:nvSpPr>
+          <p:cNvPr id="112" name="Shape 112"/>
+          <p:cNvSpPr txBox="1">
+            <a:spLocks noGrp="1"/>
+          </p:cNvSpPr>
+          <p:nvPr>
+            <p:ph type="title"/>
+          </p:nvPr>
+        </p:nvSpPr>
+        <p:spPr>
+          <a:prstGeom prst="rect">
+            <a:avLst/>
+          </a:prstGeom>
+        </p:spPr>
+        <p:txBody>
+          <a:bodyPr lIns="91425" tIns="91425" rIns="91425" bIns="91425" anchor="t" anchorCtr="0">
+            <a:noAutofit/>
+          </a:bodyPr>
+          <a:lstStyle/>
+          <a:p>
+            <a:pPr lvl="0" rtl="0">
+              <a:spcBef>
+                <a:spcPts val="0"/>
+              </a:spcBef>
+              <a:buNone/>
+            </a:pPr>
+            <a:r>
+              <a:rPr lang="en" b="0" dirty="0">
+                <a:latin typeface="Verdana"/>
+                <a:ea typeface="Verdana"/>
+                <a:cs typeface="Verdana"/>
+                <a:sym typeface="Verdana"/>
+              </a:rPr>
+              <a:t>What’s next</a:t>
+            </a:r>
+            <a:r>
+              <a:rPr lang="en" b="0" dirty="0" smtClean="0">
+                <a:latin typeface="Verdana"/>
+                <a:ea typeface="Verdana"/>
+                <a:cs typeface="Verdana"/>
+                <a:sym typeface="Verdana"/>
+              </a:rPr>
+              <a:t>?</a:t>
+            </a:r>
+            <a:endParaRPr dirty="0"/>
+          </a:p>
+          <a:p>
+            <a:pPr lvl="0">
+              <a:spcBef>
+                <a:spcPts val="0"/>
+              </a:spcBef>
+              <a:buNone/>
+            </a:pPr>
+            <a:endParaRPr dirty="0"/>
+          </a:p>
+        </p:txBody>
+      </p:sp>
+      <p:sp>
+        <p:nvSpPr>
+          <p:cNvPr id="113" name="Shape 113"/>
+          <p:cNvSpPr txBox="1">
+            <a:spLocks noGrp="1"/>
+          </p:cNvSpPr>
+          <p:nvPr>
+            <p:ph type="body" idx="1"/>
+          </p:nvPr>
+        </p:nvSpPr>
+        <p:spPr>
+          <a:prstGeom prst="rect">
+            <a:avLst/>
+          </a:prstGeom>
+        </p:spPr>
+        <p:txBody>
+          <a:bodyPr lIns="91425" tIns="91425" rIns="91425" bIns="91425" anchor="t" anchorCtr="0">
+            <a:noAutofit/>
+          </a:bodyPr>
+          <a:lstStyle/>
+          <a:p>
+            <a:pPr lvl="0">
+              <a:spcBef>
+                <a:spcPts val="0"/>
+              </a:spcBef>
+              <a:buNone/>
+            </a:pPr>
+            <a:r>
+              <a:rPr lang="en" dirty="0">
+                <a:latin typeface="Verdana" panose="020B0604030504040204" pitchFamily="34" charset="0"/>
+                <a:ea typeface="Verdana" panose="020B0604030504040204" pitchFamily="34" charset="0"/>
+                <a:cs typeface="Verdana" panose="020B0604030504040204" pitchFamily="34" charset="0"/>
+              </a:rPr>
+              <a:t>Autocomplete &amp; </a:t>
+            </a:r>
+            <a:r>
+              <a:rPr lang="en" dirty="0" smtClean="0">
+                <a:latin typeface="Verdana" panose="020B0604030504040204" pitchFamily="34" charset="0"/>
+                <a:ea typeface="Verdana" panose="020B0604030504040204" pitchFamily="34" charset="0"/>
+                <a:cs typeface="Verdana" panose="020B0604030504040204" pitchFamily="34" charset="0"/>
+              </a:rPr>
+              <a:t>Autocorrect</a:t>
+            </a:r>
+          </a:p>
+          <a:p>
+            <a:pPr lvl="0">
+              <a:spcBef>
+                <a:spcPts val="0"/>
+              </a:spcBef>
+              <a:buNone/>
+            </a:pPr>
+            <a:endParaRPr lang="en" dirty="0" smtClean="0">
+              <a:latin typeface="Verdana" panose="020B0604030504040204" pitchFamily="34" charset="0"/>
+              <a:ea typeface="Verdana" panose="020B0604030504040204" pitchFamily="34" charset="0"/>
+              <a:cs typeface="Verdana" panose="020B0604030504040204" pitchFamily="34" charset="0"/>
+            </a:endParaRPr>
+          </a:p>
+          <a:p>
+            <a:r>
+              <a:rPr lang="en" dirty="0" smtClean="0">
+                <a:latin typeface="Verdana" panose="020B0604030504040204" pitchFamily="34" charset="0"/>
+                <a:ea typeface="Verdana" panose="020B0604030504040204" pitchFamily="34" charset="0"/>
+                <a:cs typeface="Verdana" panose="020B0604030504040204" pitchFamily="34" charset="0"/>
+              </a:rPr>
+              <a:t>Personalized</a:t>
+            </a:r>
+          </a:p>
+          <a:p>
+            <a:endParaRPr lang="en" dirty="0">
+              <a:latin typeface="Verdana" panose="020B0604030504040204" pitchFamily="34" charset="0"/>
+              <a:ea typeface="Verdana" panose="020B0604030504040204" pitchFamily="34" charset="0"/>
+              <a:cs typeface="Verdana" panose="020B0604030504040204" pitchFamily="34" charset="0"/>
+            </a:endParaRPr>
+          </a:p>
+        </p:txBody>
+      </p:sp>
+      <p:pic>
+        <p:nvPicPr>
+          <p:cNvPr id="114" name="Shape 114"/>
+          <p:cNvPicPr preferRelativeResize="0"/>
+          <p:nvPr/>
+        </p:nvPicPr>
+        <p:blipFill>
+          <a:blip r:embed="rId3">
+            <a:alphaModFix/>
+          </a:blip>
+          <a:stretch>
+            <a:fillRect/>
+          </a:stretch>
+        </p:blipFill>
+        <p:spPr>
+          <a:xfrm>
+            <a:off x="3491880" y="1927565"/>
+            <a:ext cx="4716049" cy="1335099"/>
+          </a:xfrm>
+          <a:prstGeom prst="rect">
+            <a:avLst/>
+          </a:prstGeom>
+          <a:noFill/>
+          <a:ln>
+            <a:noFill/>
+          </a:ln>
+        </p:spPr>
+      </p:pic>
+    </p:spTree>
+  </p:cSld>
+  <p:clrMapOvr>
+    <a:masterClrMapping/>
+  </p:clrMapOvr>
+  <p:transition spd="slow">
+    <p:cut/>
+  </p:transition>
+  <p:timing>
+    <p:tnLst>
+      <p:par>
+        <p:cTn id="1" dur="indefinite" restart="never" nodeType="tmRoot"/>
+      </p:par>
+    </p:tnLst>
+  </p:timing>
+</p:sld>
+</file>
+
+<file path=ppt/slides/slide32.xml><?xml version="1.0" encoding="utf-8"?>
+<p:sld xmlns:a="http://schemas.openxmlformats.org/drawingml/2006/main" xmlns:r="http://schemas.openxmlformats.org/officeDocument/2006/relationships" xmlns:p="http://schemas.openxmlformats.org/presentationml/2006/main">
+  <p:cSld>
+    <p:spTree>
+      <p:nvGrpSpPr>
+        <p:cNvPr id="1" name="Shape 111"/>
+        <p:cNvGrpSpPr/>
+        <p:nvPr/>
+      </p:nvGrpSpPr>
+      <p:grpSpPr>
+        <a:xfrm>
+          <a:off x="0" y="0"/>
+          <a:ext cx="0" cy="0"/>
+          <a:chOff x="0" y="0"/>
+          <a:chExt cx="0" cy="0"/>
+        </a:xfrm>
+      </p:grpSpPr>
+      <p:sp>
+        <p:nvSpPr>
+          <p:cNvPr id="112" name="Shape 112"/>
+          <p:cNvSpPr txBox="1">
+            <a:spLocks noGrp="1"/>
+          </p:cNvSpPr>
+          <p:nvPr>
+            <p:ph type="title"/>
+          </p:nvPr>
+        </p:nvSpPr>
+        <p:spPr>
+          <a:prstGeom prst="rect">
+            <a:avLst/>
+          </a:prstGeom>
+        </p:spPr>
+        <p:txBody>
+          <a:bodyPr lIns="91425" tIns="91425" rIns="91425" bIns="91425" anchor="t" anchorCtr="0">
+            <a:noAutofit/>
+          </a:bodyPr>
+          <a:lstStyle/>
+          <a:p>
+            <a:pPr lvl="0" rtl="0">
+              <a:spcBef>
+                <a:spcPts val="0"/>
+              </a:spcBef>
+              <a:buNone/>
+            </a:pPr>
+            <a:r>
+              <a:rPr lang="en" b="0" dirty="0">
+                <a:latin typeface="Verdana"/>
+                <a:ea typeface="Verdana"/>
+                <a:cs typeface="Verdana"/>
+                <a:sym typeface="Verdana"/>
+              </a:rPr>
+              <a:t>What’s next</a:t>
+            </a:r>
+            <a:r>
+              <a:rPr lang="en" b="0" dirty="0" smtClean="0">
+                <a:latin typeface="Verdana"/>
+                <a:ea typeface="Verdana"/>
+                <a:cs typeface="Verdana"/>
+                <a:sym typeface="Verdana"/>
+              </a:rPr>
+              <a:t>?</a:t>
+            </a:r>
+            <a:endParaRPr dirty="0"/>
+          </a:p>
+          <a:p>
+            <a:pPr lvl="0">
+              <a:spcBef>
+                <a:spcPts val="0"/>
+              </a:spcBef>
+              <a:buNone/>
+            </a:pPr>
+            <a:endParaRPr dirty="0"/>
+          </a:p>
+        </p:txBody>
+      </p:sp>
+      <p:sp>
+        <p:nvSpPr>
+          <p:cNvPr id="113" name="Shape 113"/>
+          <p:cNvSpPr txBox="1">
+            <a:spLocks noGrp="1"/>
+          </p:cNvSpPr>
+          <p:nvPr>
+            <p:ph type="body" idx="1"/>
+          </p:nvPr>
+        </p:nvSpPr>
+        <p:spPr>
+          <a:prstGeom prst="rect">
+            <a:avLst/>
+          </a:prstGeom>
+        </p:spPr>
+        <p:txBody>
+          <a:bodyPr lIns="91425" tIns="91425" rIns="91425" bIns="91425" anchor="t" anchorCtr="0">
+            <a:noAutofit/>
+          </a:bodyPr>
+          <a:lstStyle/>
+          <a:p>
+            <a:r>
+              <a:rPr lang="en" dirty="0" smtClean="0">
+                <a:latin typeface="Verdana" panose="020B0604030504040204" pitchFamily="34" charset="0"/>
+                <a:ea typeface="Verdana" panose="020B0604030504040204" pitchFamily="34" charset="0"/>
+                <a:cs typeface="Verdana" panose="020B0604030504040204" pitchFamily="34" charset="0"/>
+              </a:rPr>
+              <a:t>Mobile support</a:t>
+            </a:r>
+          </a:p>
+          <a:p>
+            <a:pPr marL="0" indent="0">
+              <a:buNone/>
+            </a:pPr>
+            <a:endParaRPr lang="en" dirty="0" smtClean="0">
+              <a:latin typeface="Verdana" panose="020B0604030504040204" pitchFamily="34" charset="0"/>
+              <a:ea typeface="Verdana" panose="020B0604030504040204" pitchFamily="34" charset="0"/>
+              <a:cs typeface="Verdana" panose="020B0604030504040204" pitchFamily="34" charset="0"/>
+            </a:endParaRPr>
+          </a:p>
+          <a:p>
+            <a:r>
+              <a:rPr lang="en" dirty="0" smtClean="0">
+                <a:latin typeface="Verdana" panose="020B0604030504040204" pitchFamily="34" charset="0"/>
+                <a:ea typeface="Verdana" panose="020B0604030504040204" pitchFamily="34" charset="0"/>
+                <a:cs typeface="Verdana" panose="020B0604030504040204" pitchFamily="34" charset="0"/>
+              </a:rPr>
+              <a:t>Web Application</a:t>
+            </a:r>
+          </a:p>
+          <a:p>
+            <a:pPr lvl="0">
+              <a:spcBef>
+                <a:spcPts val="0"/>
+              </a:spcBef>
+              <a:buNone/>
+            </a:pPr>
+            <a:endParaRPr lang="en" dirty="0" smtClean="0">
+              <a:latin typeface="Verdana" panose="020B0604030504040204" pitchFamily="34" charset="0"/>
+              <a:ea typeface="Verdana" panose="020B0604030504040204" pitchFamily="34" charset="0"/>
+              <a:cs typeface="Verdana" panose="020B0604030504040204" pitchFamily="34" charset="0"/>
+            </a:endParaRPr>
+          </a:p>
+          <a:p>
+            <a:pPr marL="0" indent="0">
+              <a:buNone/>
+            </a:pPr>
+            <a:endParaRPr lang="en" dirty="0">
+              <a:latin typeface="Verdana" panose="020B0604030504040204" pitchFamily="34" charset="0"/>
+              <a:ea typeface="Verdana" panose="020B0604030504040204" pitchFamily="34" charset="0"/>
+              <a:cs typeface="Verdana" panose="020B0604030504040204" pitchFamily="34" charset="0"/>
+            </a:endParaRPr>
+          </a:p>
+        </p:txBody>
+      </p:sp>
+      <p:pic>
+        <p:nvPicPr>
+          <p:cNvPr id="3074" name="Picture 2" descr="http://www.geek.com/wp-content/uploads/2011/12/showcase-phones.png"/>
+          <p:cNvPicPr>
+            <a:picLocks noChangeAspect="1" noChangeArrowheads="1"/>
+          </p:cNvPicPr>
+          <p:nvPr/>
+        </p:nvPicPr>
+        <p:blipFill>
+          <a:blip r:embed="rId3">
+            <a:extLst>
+              <a:ext uri="{28A0092B-C50C-407E-A947-70E740481C1C}">
+                <a14:useLocalDpi xmlns:a14="http://schemas.microsoft.com/office/drawing/2010/main" val="0"/>
+              </a:ext>
+            </a:extLst>
+          </a:blip>
+          <a:srcRect/>
+          <a:stretch>
+            <a:fillRect/>
+          </a:stretch>
+        </p:blipFill>
+        <p:spPr bwMode="auto">
+          <a:xfrm>
+            <a:off x="4510238" y="1077492"/>
+            <a:ext cx="4006851" cy="2466421"/>
+          </a:xfrm>
+          <a:prstGeom prst="rect">
+            <a:avLst/>
+          </a:prstGeom>
+          <a:noFill/>
+          <a:extLst>
+            <a:ext uri="{909E8E84-426E-40DD-AFC4-6F175D3DCCD1}">
+              <a14:hiddenFill xmlns:a14="http://schemas.microsoft.com/office/drawing/2010/main">
+                <a:solidFill>
+                  <a:srgbClr val="FFFFFF"/>
+                </a:solidFill>
+              </a14:hiddenFill>
+            </a:ext>
+          </a:extLst>
+        </p:spPr>
+      </p:pic>
+      <p:pic>
+        <p:nvPicPr>
+          <p:cNvPr id="3076" name="Picture 4" descr="http://royal.pingdom.com/wp-content/uploads/2011/06/browser-logos.jpeg"/>
+          <p:cNvPicPr>
+            <a:picLocks noChangeAspect="1" noChangeArrowheads="1"/>
+          </p:cNvPicPr>
+          <p:nvPr/>
+        </p:nvPicPr>
+        <p:blipFill>
+          <a:blip r:embed="rId4">
+            <a:extLst>
+              <a:ext uri="{28A0092B-C50C-407E-A947-70E740481C1C}">
+                <a14:useLocalDpi xmlns:a14="http://schemas.microsoft.com/office/drawing/2010/main" val="0"/>
+              </a:ext>
+            </a:extLst>
+          </a:blip>
+          <a:srcRect/>
+          <a:stretch>
+            <a:fillRect/>
+          </a:stretch>
+        </p:blipFill>
+        <p:spPr bwMode="auto">
+          <a:xfrm>
+            <a:off x="2627784" y="3651870"/>
+            <a:ext cx="5524500" cy="1162050"/>
+          </a:xfrm>
+          <a:prstGeom prst="rect">
+            <a:avLst/>
+          </a:prstGeom>
+          <a:noFill/>
+          <a:extLst>
+            <a:ext uri="{909E8E84-426E-40DD-AFC4-6F175D3DCCD1}">
+              <a14:hiddenFill xmlns:a14="http://schemas.microsoft.com/office/drawing/2010/main">
+                <a:solidFill>
+                  <a:srgbClr val="FFFFFF"/>
+                </a:solidFill>
+              </a14:hiddenFill>
+            </a:ext>
+          </a:extLst>
+        </p:spPr>
+      </p:pic>
+    </p:spTree>
+    <p:extLst>
+      <p:ext uri="{BB962C8B-B14F-4D97-AF65-F5344CB8AC3E}">
+        <p14:creationId xmlns:p14="http://schemas.microsoft.com/office/powerpoint/2010/main" val="2608349919"/>
+      </p:ext>
+    </p:extLst>
+  </p:cSld>
+  <p:clrMapOvr>
+    <a:masterClrMapping/>
+  </p:clrMapOvr>
+  <p:transition spd="slow">
+    <p:cut/>
+  </p:transition>
+  <p:timing>
+    <p:tnLst>
+      <p:par>
+        <p:cTn id="1" dur="indefinite" restart="never" nodeType="tmRoot">
+          <p:childTnLst>
+            <p:seq concurrent="1" nextAc="seek">
+              <p:cTn id="2" dur="indefinite" nodeType="mainSeq">
+                <p:childTnLst>
+                  <p:par>
+                    <p:cTn id="3" fill="hold">
+                      <p:stCondLst>
+                        <p:cond delay="indefinite"/>
+                      </p:stCondLst>
+                      <p:childTnLst>
+                        <p:par>
+                          <p:cTn id="4" fill="hold">
+                            <p:stCondLst>
+                              <p:cond delay="0"/>
+                            </p:stCondLst>
+                            <p:childTnLst>
+                              <p:par>
+                                <p:cTn id="5" presetID="1" presetClass="entr" presetSubtype="0" fill="hold" grpId="0" nodeType="clickEffect">
+                                  <p:stCondLst>
+                                    <p:cond delay="0"/>
+                                  </p:stCondLst>
+                                  <p:childTnLst>
+                                    <p:set>
+                                      <p:cBhvr>
+                                        <p:cTn id="6" dur="1" fill="hold">
+                                          <p:stCondLst>
+                                            <p:cond delay="0"/>
+                                          </p:stCondLst>
+                                        </p:cTn>
+                                        <p:tgtEl>
+                                          <p:spTgt spid="113">
+                                            <p:txEl>
+                                              <p:pRg st="0" end="0"/>
+                                            </p:txEl>
+                                          </p:spTgt>
+                                        </p:tgtEl>
+                                        <p:attrNameLst>
+                                          <p:attrName>style.visibility</p:attrName>
+                                        </p:attrNameLst>
+                                      </p:cBhvr>
+                                      <p:to>
+                                        <p:strVal val="visible"/>
+                                      </p:to>
+                                    </p:set>
+                                  </p:childTnLst>
+                                </p:cTn>
+                              </p:par>
+                              <p:par>
+                                <p:cTn id="7" presetID="1" presetClass="entr" presetSubtype="0" fill="hold" nodeType="withEffect">
+                                  <p:stCondLst>
+                                    <p:cond delay="0"/>
+                                  </p:stCondLst>
+                                  <p:childTnLst>
+                                    <p:set>
+                                      <p:cBhvr>
+                                        <p:cTn id="8" dur="1" fill="hold">
+                                          <p:stCondLst>
+                                            <p:cond delay="0"/>
+                                          </p:stCondLst>
+                                        </p:cTn>
+                                        <p:tgtEl>
+                                          <p:spTgt spid="3074"/>
+                                        </p:tgtEl>
+                                        <p:attrNameLst>
+                                          <p:attrName>style.visibility</p:attrName>
+                                        </p:attrNameLst>
+                                      </p:cBhvr>
+                                      <p:to>
+                                        <p:strVal val="visible"/>
+                                      </p:to>
+                                    </p:set>
+                                  </p:childTnLst>
+                                </p:cTn>
+                              </p:par>
+                            </p:childTnLst>
+                          </p:cTn>
+                        </p:par>
+                      </p:childTnLst>
+                    </p:cTn>
+                  </p:par>
+                  <p:par>
+                    <p:cTn id="9" fill="hold">
+                      <p:stCondLst>
+                        <p:cond delay="indefinite"/>
+                      </p:stCondLst>
+                      <p:childTnLst>
+                        <p:par>
+                          <p:cTn id="10" fill="hold">
+                            <p:stCondLst>
+                              <p:cond delay="0"/>
+                            </p:stCondLst>
+                            <p:childTnLst>
+                              <p:par>
+                                <p:cTn id="11" presetID="1" presetClass="entr" presetSubtype="0" fill="hold" grpId="0" nodeType="clickEffect">
+                                  <p:stCondLst>
+                                    <p:cond delay="0"/>
+                                  </p:stCondLst>
+                                  <p:childTnLst>
+                                    <p:set>
+                                      <p:cBhvr>
+                                        <p:cTn id="12" dur="1" fill="hold">
+                                          <p:stCondLst>
+                                            <p:cond delay="0"/>
+                                          </p:stCondLst>
+                                        </p:cTn>
+                                        <p:tgtEl>
+                                          <p:spTgt spid="113">
+                                            <p:txEl>
+                                              <p:pRg st="2" end="2"/>
+                                            </p:txEl>
+                                          </p:spTgt>
+                                        </p:tgtEl>
+                                        <p:attrNameLst>
+                                          <p:attrName>style.visibility</p:attrName>
+                                        </p:attrNameLst>
+                                      </p:cBhvr>
+                                      <p:to>
+                                        <p:strVal val="visible"/>
+                                      </p:to>
+                                    </p:set>
+                                  </p:childTnLst>
+                                </p:cTn>
+                              </p:par>
+                              <p:par>
+                                <p:cTn id="13" presetID="1" presetClass="entr" presetSubtype="0" fill="hold" nodeType="withEffect">
+                                  <p:stCondLst>
+                                    <p:cond delay="0"/>
+                                  </p:stCondLst>
+                                  <p:childTnLst>
+                                    <p:set>
+                                      <p:cBhvr>
+                                        <p:cTn id="14" dur="1" fill="hold">
+                                          <p:stCondLst>
+                                            <p:cond delay="0"/>
+                                          </p:stCondLst>
+                                        </p:cTn>
+                                        <p:tgtEl>
+                                          <p:spTgt spid="3076"/>
+                                        </p:tgtEl>
+                                        <p:attrNameLst>
+                                          <p:attrName>style.visibility</p:attrName>
+                                        </p:attrNameLst>
+                                      </p:cBhvr>
+                                      <p:to>
+                                        <p:strVal val="visible"/>
+                                      </p:to>
+                                    </p:set>
+                                  </p:childTnLst>
+                                </p:cTn>
+                              </p:par>
+                            </p:childTnLst>
+                          </p:cTn>
+                        </p:par>
+                      </p:childTnLst>
+                    </p:cTn>
+                  </p:par>
+                </p:childTnLst>
+              </p:cTn>
+              <p:prevCondLst>
+                <p:cond evt="onPrev" delay="0">
+                  <p:tgtEl>
+                    <p:sldTgt/>
+                  </p:tgtEl>
+                </p:cond>
+              </p:prevCondLst>
+              <p:nextCondLst>
+                <p:cond evt="onNext" delay="0">
+                  <p:tgtEl>
+                    <p:sldTgt/>
+                  </p:tgtEl>
+                </p:cond>
+              </p:nextCondLst>
+            </p:seq>
+          </p:childTnLst>
+        </p:cTn>
+      </p:par>
+    </p:tnLst>
+    <p:bldLst>
+      <p:bldP spid="113" grpId="0" uiExpand="1" build="p"/>
+    </p:bldLst>
+  </p:timing>
+</p:sld>
+</file>
+
+<file path=ppt/slides/slide33.xml><?xml version="1.0" encoding="utf-8"?>
+<p:sld xmlns:a="http://schemas.openxmlformats.org/drawingml/2006/main" xmlns:r="http://schemas.openxmlformats.org/officeDocument/2006/relationships" xmlns:p="http://schemas.openxmlformats.org/presentationml/2006/main">
+  <p:cSld>
+    <p:spTree>
+      <p:nvGrpSpPr>
+        <p:cNvPr id="1" name="Shape 118"/>
+        <p:cNvGrpSpPr/>
+        <p:nvPr/>
+      </p:nvGrpSpPr>
+      <p:grpSpPr>
+        <a:xfrm>
+          <a:off x="0" y="0"/>
+          <a:ext cx="0" cy="0"/>
+          <a:chOff x="0" y="0"/>
+          <a:chExt cx="0" cy="0"/>
+        </a:xfrm>
+      </p:grpSpPr>
+      <p:sp>
+        <p:nvSpPr>
+          <p:cNvPr id="119" name="Shape 119"/>
+          <p:cNvSpPr txBox="1">
+            <a:spLocks noGrp="1"/>
+          </p:cNvSpPr>
+          <p:nvPr>
+            <p:ph type="title"/>
+          </p:nvPr>
+        </p:nvSpPr>
+        <p:spPr>
+          <a:prstGeom prst="rect">
+            <a:avLst/>
+          </a:prstGeom>
+        </p:spPr>
+        <p:txBody>
+          <a:bodyPr lIns="91425" tIns="91425" rIns="91425" bIns="91425" anchor="t" anchorCtr="0">
+            <a:noAutofit/>
+          </a:bodyPr>
+          <a:lstStyle/>
+          <a:p>
+            <a:pPr lvl="0">
+              <a:spcBef>
+                <a:spcPts val="0"/>
+              </a:spcBef>
+              <a:buNone/>
+            </a:pPr>
+            <a:r>
+              <a:rPr lang="en" b="0" dirty="0">
+                <a:latin typeface="Verdana"/>
+                <a:ea typeface="Verdana"/>
+                <a:cs typeface="Verdana"/>
+                <a:sym typeface="Verdana"/>
+              </a:rPr>
+              <a:t>Questions?</a:t>
+            </a:r>
+          </a:p>
+        </p:txBody>
+      </p:sp>
+      <p:sp>
+        <p:nvSpPr>
+          <p:cNvPr id="120" name="Shape 120"/>
+          <p:cNvSpPr txBox="1">
+            <a:spLocks noGrp="1"/>
+          </p:cNvSpPr>
+          <p:nvPr>
+            <p:ph type="body" idx="1"/>
+          </p:nvPr>
+        </p:nvSpPr>
+        <p:spPr>
+          <a:prstGeom prst="rect">
+            <a:avLst/>
+          </a:prstGeom>
+        </p:spPr>
+        <p:txBody>
+          <a:bodyPr lIns="91425" tIns="91425" rIns="91425" bIns="91425" anchor="t" anchorCtr="0">
+            <a:noAutofit/>
+          </a:bodyPr>
+          <a:lstStyle/>
+          <a:p>
+            <a:pPr lvl="0" rtl="0">
+              <a:spcBef>
+                <a:spcPts val="0"/>
+              </a:spcBef>
+              <a:buNone/>
+            </a:pPr>
+            <a:endParaRPr dirty="0"/>
+          </a:p>
+        </p:txBody>
+      </p:sp>
+    </p:spTree>
+  </p:cSld>
+  <p:clrMapOvr>
+    <a:masterClrMapping/>
+  </p:clrMapOvr>
+  <p:transition spd="slow">
+    <p:cut/>
+  </p:transition>
+  <p:timing>
+    <p:tnLst>
+      <p:par>
+        <p:cTn id="1" dur="indefinite" restart="never" nodeType="tmRoot"/>
+      </p:par>
+    </p:tnLst>
+  </p:timing>
+</p:sld>
+</file>
+
 <file path=ppt/slides/slide4.xml><?xml version="1.0" encoding="utf-8"?>
 <p:sld xmlns:a="http://schemas.openxmlformats.org/drawingml/2006/main" xmlns:r="http://schemas.openxmlformats.org/officeDocument/2006/relationships" xmlns:p="http://schemas.openxmlformats.org/presentationml/2006/main">
   <p:cSld>
@@ -16911,13 +17777,13 @@
   <p:clrMapOvr>
     <a:masterClrMapping/>
   </p:clrMapOvr>
-  <mc:AlternateContent xmlns:mc="http://schemas.openxmlformats.org/markup-compatibility/2006">
-    <mc:Choice xmlns:p14="http://schemas.microsoft.com/office/powerpoint/2010/main" Requires="p14">
+  <mc:AlternateContent xmlns:mc="http://schemas.openxmlformats.org/markup-compatibility/2006" xmlns:p14="http://schemas.microsoft.com/office/powerpoint/2010/main">
+    <mc:Choice Requires="p14">
       <p:transition spd="med" p14:dur="700">
         <p:fade/>
       </p:transition>
     </mc:Choice>
-    <mc:Fallback>
+    <mc:Fallback xmlns="">
       <p:transition spd="med">
         <p:fade/>
       </p:transition>
@@ -17020,13 +17886,13 @@
   <p:clrMapOvr>
     <a:masterClrMapping/>
   </p:clrMapOvr>
-  <mc:AlternateContent xmlns:mc="http://schemas.openxmlformats.org/markup-compatibility/2006">
-    <mc:Choice xmlns:p14="http://schemas.microsoft.com/office/powerpoint/2010/main" Requires="p14">
+  <mc:AlternateContent xmlns:mc="http://schemas.openxmlformats.org/markup-compatibility/2006" xmlns:p14="http://schemas.microsoft.com/office/powerpoint/2010/main">
+    <mc:Choice Requires="p14">
       <p:transition spd="med" p14:dur="700">
         <p:fade/>
       </p:transition>
     </mc:Choice>
-    <mc:Fallback>
+    <mc:Fallback xmlns="">
       <p:transition spd="med">
         <p:fade/>
       </p:transition>
@@ -17268,13 +18134,13 @@
   <p:clrMapOvr>
     <a:masterClrMapping/>
   </p:clrMapOvr>
-  <mc:AlternateContent xmlns:mc="http://schemas.openxmlformats.org/markup-compatibility/2006">
-    <mc:Choice xmlns:p14="http://schemas.microsoft.com/office/powerpoint/2010/main" Requires="p14">
+  <mc:AlternateContent xmlns:mc="http://schemas.openxmlformats.org/markup-compatibility/2006" xmlns:p14="http://schemas.microsoft.com/office/powerpoint/2010/main">
+    <mc:Choice Requires="p14">
       <p:transition spd="med" p14:dur="700">
         <p:fade/>
       </p:transition>
     </mc:Choice>
-    <mc:Fallback>
+    <mc:Fallback xmlns="">
       <p:transition spd="med">
         <p:fade/>
       </p:transition>
@@ -17556,13 +18422,13 @@
   <p:clrMapOvr>
     <a:masterClrMapping/>
   </p:clrMapOvr>
-  <mc:AlternateContent xmlns:mc="http://schemas.openxmlformats.org/markup-compatibility/2006">
-    <mc:Choice xmlns:p14="http://schemas.microsoft.com/office/powerpoint/2010/main" Requires="p14">
+  <mc:AlternateContent xmlns:mc="http://schemas.openxmlformats.org/markup-compatibility/2006" xmlns:p14="http://schemas.microsoft.com/office/powerpoint/2010/main">
+    <mc:Choice Requires="p14">
       <p:transition spd="med" p14:dur="700">
         <p:fade/>
       </p:transition>
     </mc:Choice>
-    <mc:Fallback>
+    <mc:Fallback xmlns="">
       <p:transition spd="med">
         <p:fade/>
       </p:transition>
@@ -17629,13 +18495,13 @@
   <p:clrMapOvr>
     <a:masterClrMapping/>
   </p:clrMapOvr>
-  <mc:AlternateContent xmlns:mc="http://schemas.openxmlformats.org/markup-compatibility/2006">
-    <mc:Choice xmlns:p14="http://schemas.microsoft.com/office/powerpoint/2010/main" Requires="p14">
+  <mc:AlternateContent xmlns:mc="http://schemas.openxmlformats.org/markup-compatibility/2006" xmlns:p14="http://schemas.microsoft.com/office/powerpoint/2010/main">
+    <mc:Choice Requires="p14">
       <p:transition spd="med" p14:dur="700">
         <p:fade/>
       </p:transition>
     </mc:Choice>
-    <mc:Fallback>
+    <mc:Fallback xmlns="">
       <p:transition spd="med">
         <p:fade/>
       </p:transition>
@@ -17801,13 +18667,13 @@
   <p:clrMapOvr>
     <a:masterClrMapping/>
   </p:clrMapOvr>
-  <mc:AlternateContent xmlns:mc="http://schemas.openxmlformats.org/markup-compatibility/2006">
-    <mc:Choice xmlns:p14="http://schemas.microsoft.com/office/powerpoint/2010/main" Requires="p14">
+  <mc:AlternateContent xmlns:mc="http://schemas.openxmlformats.org/markup-compatibility/2006" xmlns:p14="http://schemas.microsoft.com/office/powerpoint/2010/main">
+    <mc:Choice Requires="p14">
       <p:transition spd="med" p14:dur="700">
         <p:fade/>
       </p:transition>
     </mc:Choice>
-    <mc:Fallback>
+    <mc:Fallback xmlns="">
       <p:transition spd="med">
         <p:fade/>
       </p:transition>
